--- a/coronavirus.pptx
+++ b/coronavirus.pptx
@@ -75,10 +75,10 @@
             <a:srgbClr val="000000"/>
           </a:solidFill>
         </a:uFill>
-        <a:latin typeface="Calibri"/>
-        <a:ea typeface="Calibri"/>
-        <a:cs typeface="Calibri"/>
-        <a:sym typeface="Calibri"/>
+        <a:latin typeface="+mj-lt"/>
+        <a:ea typeface="+mj-ea"/>
+        <a:cs typeface="+mj-cs"/>
+        <a:sym typeface="Helvetica"/>
       </a:defRPr>
     </a:lvl1pPr>
     <a:lvl2pPr marL="0" marR="0" indent="0" algn="l" defTabSz="457200" rtl="0" fontAlgn="auto" latinLnBrk="0" hangingPunct="0">
@@ -109,10 +109,10 @@
             <a:srgbClr val="000000"/>
           </a:solidFill>
         </a:uFill>
-        <a:latin typeface="Calibri"/>
-        <a:ea typeface="Calibri"/>
-        <a:cs typeface="Calibri"/>
-        <a:sym typeface="Calibri"/>
+        <a:latin typeface="+mj-lt"/>
+        <a:ea typeface="+mj-ea"/>
+        <a:cs typeface="+mj-cs"/>
+        <a:sym typeface="Helvetica"/>
       </a:defRPr>
     </a:lvl2pPr>
     <a:lvl3pPr marL="0" marR="0" indent="0" algn="l" defTabSz="457200" rtl="0" fontAlgn="auto" latinLnBrk="0" hangingPunct="0">
@@ -143,10 +143,10 @@
             <a:srgbClr val="000000"/>
           </a:solidFill>
         </a:uFill>
-        <a:latin typeface="Calibri"/>
-        <a:ea typeface="Calibri"/>
-        <a:cs typeface="Calibri"/>
-        <a:sym typeface="Calibri"/>
+        <a:latin typeface="+mj-lt"/>
+        <a:ea typeface="+mj-ea"/>
+        <a:cs typeface="+mj-cs"/>
+        <a:sym typeface="Helvetica"/>
       </a:defRPr>
     </a:lvl3pPr>
     <a:lvl4pPr marL="0" marR="0" indent="0" algn="l" defTabSz="457200" rtl="0" fontAlgn="auto" latinLnBrk="0" hangingPunct="0">
@@ -177,10 +177,10 @@
             <a:srgbClr val="000000"/>
           </a:solidFill>
         </a:uFill>
-        <a:latin typeface="Calibri"/>
-        <a:ea typeface="Calibri"/>
-        <a:cs typeface="Calibri"/>
-        <a:sym typeface="Calibri"/>
+        <a:latin typeface="+mj-lt"/>
+        <a:ea typeface="+mj-ea"/>
+        <a:cs typeface="+mj-cs"/>
+        <a:sym typeface="Helvetica"/>
       </a:defRPr>
     </a:lvl4pPr>
     <a:lvl5pPr marL="0" marR="0" indent="0" algn="l" defTabSz="457200" rtl="0" fontAlgn="auto" latinLnBrk="0" hangingPunct="0">
@@ -211,10 +211,10 @@
             <a:srgbClr val="000000"/>
           </a:solidFill>
         </a:uFill>
-        <a:latin typeface="Calibri"/>
-        <a:ea typeface="Calibri"/>
-        <a:cs typeface="Calibri"/>
-        <a:sym typeface="Calibri"/>
+        <a:latin typeface="+mj-lt"/>
+        <a:ea typeface="+mj-ea"/>
+        <a:cs typeface="+mj-cs"/>
+        <a:sym typeface="Helvetica"/>
       </a:defRPr>
     </a:lvl5pPr>
     <a:lvl6pPr marL="0" marR="0" indent="0" algn="l" defTabSz="457200" rtl="0" fontAlgn="auto" latinLnBrk="0" hangingPunct="0">
@@ -245,10 +245,10 @@
             <a:srgbClr val="000000"/>
           </a:solidFill>
         </a:uFill>
-        <a:latin typeface="Calibri"/>
-        <a:ea typeface="Calibri"/>
-        <a:cs typeface="Calibri"/>
-        <a:sym typeface="Calibri"/>
+        <a:latin typeface="+mj-lt"/>
+        <a:ea typeface="+mj-ea"/>
+        <a:cs typeface="+mj-cs"/>
+        <a:sym typeface="Helvetica"/>
       </a:defRPr>
     </a:lvl6pPr>
     <a:lvl7pPr marL="0" marR="0" indent="0" algn="l" defTabSz="457200" rtl="0" fontAlgn="auto" latinLnBrk="0" hangingPunct="0">
@@ -279,10 +279,10 @@
             <a:srgbClr val="000000"/>
           </a:solidFill>
         </a:uFill>
-        <a:latin typeface="Calibri"/>
-        <a:ea typeface="Calibri"/>
-        <a:cs typeface="Calibri"/>
-        <a:sym typeface="Calibri"/>
+        <a:latin typeface="+mj-lt"/>
+        <a:ea typeface="+mj-ea"/>
+        <a:cs typeface="+mj-cs"/>
+        <a:sym typeface="Helvetica"/>
       </a:defRPr>
     </a:lvl7pPr>
     <a:lvl8pPr marL="0" marR="0" indent="0" algn="l" defTabSz="457200" rtl="0" fontAlgn="auto" latinLnBrk="0" hangingPunct="0">
@@ -313,10 +313,10 @@
             <a:srgbClr val="000000"/>
           </a:solidFill>
         </a:uFill>
-        <a:latin typeface="Calibri"/>
-        <a:ea typeface="Calibri"/>
-        <a:cs typeface="Calibri"/>
-        <a:sym typeface="Calibri"/>
+        <a:latin typeface="+mj-lt"/>
+        <a:ea typeface="+mj-ea"/>
+        <a:cs typeface="+mj-cs"/>
+        <a:sym typeface="Helvetica"/>
       </a:defRPr>
     </a:lvl8pPr>
     <a:lvl9pPr marL="0" marR="0" indent="0" algn="l" defTabSz="457200" rtl="0" fontAlgn="auto" latinLnBrk="0" hangingPunct="0">
@@ -347,10 +347,10 @@
             <a:srgbClr val="000000"/>
           </a:solidFill>
         </a:uFill>
-        <a:latin typeface="Calibri"/>
-        <a:ea typeface="Calibri"/>
-        <a:cs typeface="Calibri"/>
-        <a:sym typeface="Calibri"/>
+        <a:latin typeface="+mj-lt"/>
+        <a:ea typeface="+mj-ea"/>
+        <a:cs typeface="+mj-cs"/>
+        <a:sym typeface="Helvetica"/>
       </a:defRPr>
     </a:lvl9pPr>
   </p:defaultTextStyle>
@@ -437,9 +437,9 @@
         <a:spcPct val="125000"/>
       </a:lnSpc>
       <a:defRPr sz="2400">
-        <a:latin typeface="+mj-lt"/>
-        <a:ea typeface="+mj-ea"/>
-        <a:cs typeface="+mj-cs"/>
+        <a:latin typeface="+mn-lt"/>
+        <a:ea typeface="+mn-ea"/>
+        <a:cs typeface="+mn-cs"/>
         <a:sym typeface="Avenir Roman"/>
       </a:defRPr>
     </a:lvl1pPr>
@@ -448,9 +448,9 @@
         <a:spcPct val="125000"/>
       </a:lnSpc>
       <a:defRPr sz="2400">
-        <a:latin typeface="+mj-lt"/>
-        <a:ea typeface="+mj-ea"/>
-        <a:cs typeface="+mj-cs"/>
+        <a:latin typeface="+mn-lt"/>
+        <a:ea typeface="+mn-ea"/>
+        <a:cs typeface="+mn-cs"/>
         <a:sym typeface="Avenir Roman"/>
       </a:defRPr>
     </a:lvl2pPr>
@@ -459,9 +459,9 @@
         <a:spcPct val="125000"/>
       </a:lnSpc>
       <a:defRPr sz="2400">
-        <a:latin typeface="+mj-lt"/>
-        <a:ea typeface="+mj-ea"/>
-        <a:cs typeface="+mj-cs"/>
+        <a:latin typeface="+mn-lt"/>
+        <a:ea typeface="+mn-ea"/>
+        <a:cs typeface="+mn-cs"/>
         <a:sym typeface="Avenir Roman"/>
       </a:defRPr>
     </a:lvl3pPr>
@@ -470,9 +470,9 @@
         <a:spcPct val="125000"/>
       </a:lnSpc>
       <a:defRPr sz="2400">
-        <a:latin typeface="+mj-lt"/>
-        <a:ea typeface="+mj-ea"/>
-        <a:cs typeface="+mj-cs"/>
+        <a:latin typeface="+mn-lt"/>
+        <a:ea typeface="+mn-ea"/>
+        <a:cs typeface="+mn-cs"/>
         <a:sym typeface="Avenir Roman"/>
       </a:defRPr>
     </a:lvl4pPr>
@@ -481,9 +481,9 @@
         <a:spcPct val="125000"/>
       </a:lnSpc>
       <a:defRPr sz="2400">
-        <a:latin typeface="+mj-lt"/>
-        <a:ea typeface="+mj-ea"/>
-        <a:cs typeface="+mj-cs"/>
+        <a:latin typeface="+mn-lt"/>
+        <a:ea typeface="+mn-ea"/>
+        <a:cs typeface="+mn-cs"/>
         <a:sym typeface="Avenir Roman"/>
       </a:defRPr>
     </a:lvl5pPr>
@@ -492,9 +492,9 @@
         <a:spcPct val="125000"/>
       </a:lnSpc>
       <a:defRPr sz="2400">
-        <a:latin typeface="+mj-lt"/>
-        <a:ea typeface="+mj-ea"/>
-        <a:cs typeface="+mj-cs"/>
+        <a:latin typeface="+mn-lt"/>
+        <a:ea typeface="+mn-ea"/>
+        <a:cs typeface="+mn-cs"/>
         <a:sym typeface="Avenir Roman"/>
       </a:defRPr>
     </a:lvl6pPr>
@@ -503,9 +503,9 @@
         <a:spcPct val="125000"/>
       </a:lnSpc>
       <a:defRPr sz="2400">
-        <a:latin typeface="+mj-lt"/>
-        <a:ea typeface="+mj-ea"/>
-        <a:cs typeface="+mj-cs"/>
+        <a:latin typeface="+mn-lt"/>
+        <a:ea typeface="+mn-ea"/>
+        <a:cs typeface="+mn-cs"/>
         <a:sym typeface="Avenir Roman"/>
       </a:defRPr>
     </a:lvl7pPr>
@@ -514,9 +514,9 @@
         <a:spcPct val="125000"/>
       </a:lnSpc>
       <a:defRPr sz="2400">
-        <a:latin typeface="+mj-lt"/>
-        <a:ea typeface="+mj-ea"/>
-        <a:cs typeface="+mj-cs"/>
+        <a:latin typeface="+mn-lt"/>
+        <a:ea typeface="+mn-ea"/>
+        <a:cs typeface="+mn-cs"/>
         <a:sym typeface="Avenir Roman"/>
       </a:defRPr>
     </a:lvl8pPr>
@@ -525,9 +525,9 @@
         <a:spcPct val="125000"/>
       </a:lnSpc>
       <a:defRPr sz="2400">
-        <a:latin typeface="+mj-lt"/>
-        <a:ea typeface="+mj-ea"/>
-        <a:cs typeface="+mj-cs"/>
+        <a:latin typeface="+mn-lt"/>
+        <a:ea typeface="+mn-ea"/>
+        <a:cs typeface="+mn-cs"/>
         <a:sym typeface="Avenir Roman"/>
       </a:defRPr>
     </a:lvl9pPr>
@@ -562,8 +562,8 @@
         </p:nvSpPr>
         <p:spPr>
           <a:xfrm>
-            <a:off x="8428178" y="6404293"/>
-            <a:ext cx="258623" cy="269239"/>
+            <a:off x="8428181" y="6404294"/>
+            <a:ext cx="258620" cy="269237"/>
           </a:xfrm>
           <a:prstGeom prst="rect">
             <a:avLst/>
@@ -639,7 +639,7 @@
           </a:prstGeom>
         </p:spPr>
         <p:txBody>
-          <a:bodyPr lIns="45719" tIns="45719" rIns="45719" bIns="45719"/>
+          <a:bodyPr lIns="45718" tIns="45718" rIns="45718" bIns="45718"/>
           <a:lstStyle>
             <a:lvl1pPr defTabSz="914400">
               <a:defRPr b="0" sz="4400">
@@ -679,7 +679,7 @@
           </a:prstGeom>
         </p:spPr>
         <p:txBody>
-          <a:bodyPr lIns="45719" tIns="45719" rIns="45719" bIns="45719" anchor="t"/>
+          <a:bodyPr lIns="45718" tIns="45718" rIns="45718" bIns="45718" anchor="t"/>
           <a:lstStyle>
             <a:lvl1pPr marL="342900" indent="-342900" defTabSz="914400">
               <a:spcBef>
@@ -792,15 +792,15 @@
         </p:nvSpPr>
         <p:spPr>
           <a:xfrm>
-            <a:off x="8428176" y="6404292"/>
-            <a:ext cx="258624" cy="269241"/>
+            <a:off x="8428178" y="6404293"/>
+            <a:ext cx="258623" cy="269239"/>
           </a:xfrm>
           <a:prstGeom prst="rect">
             <a:avLst/>
           </a:prstGeom>
         </p:spPr>
         <p:txBody>
-          <a:bodyPr lIns="45719" tIns="45719" rIns="45719" bIns="45719" anchor="ctr"/>
+          <a:bodyPr lIns="45718" tIns="45718" rIns="45718" bIns="45718" anchor="ctr"/>
           <a:lstStyle>
             <a:lvl1pPr algn="r" defTabSz="914400">
               <a:defRPr>
@@ -864,7 +864,7 @@
           </a:prstGeom>
         </p:spPr>
         <p:txBody>
-          <a:bodyPr lIns="45719" tIns="45719" rIns="45719" bIns="45719"/>
+          <a:bodyPr lIns="45718" tIns="45718" rIns="45718" bIns="45718"/>
           <a:lstStyle>
             <a:lvl1pPr defTabSz="914400">
               <a:defRPr b="0" sz="4400">
@@ -904,7 +904,7 @@
           </a:prstGeom>
         </p:spPr>
         <p:txBody>
-          <a:bodyPr lIns="45719" tIns="45719" rIns="45719" bIns="45719" anchor="t"/>
+          <a:bodyPr lIns="45718" tIns="45718" rIns="45718" bIns="45718" anchor="t"/>
           <a:lstStyle>
             <a:lvl1pPr marL="342900" indent="-342900" defTabSz="914400">
               <a:spcBef>
@@ -1017,15 +1017,15 @@
         </p:nvSpPr>
         <p:spPr>
           <a:xfrm>
-            <a:off x="8428176" y="6404292"/>
-            <a:ext cx="258624" cy="269241"/>
+            <a:off x="8428178" y="6404293"/>
+            <a:ext cx="258623" cy="269239"/>
           </a:xfrm>
           <a:prstGeom prst="rect">
             <a:avLst/>
           </a:prstGeom>
         </p:spPr>
         <p:txBody>
-          <a:bodyPr lIns="45719" tIns="45719" rIns="45719" bIns="45719" anchor="ctr"/>
+          <a:bodyPr lIns="45718" tIns="45718" rIns="45718" bIns="45718" anchor="ctr"/>
           <a:lstStyle>
             <a:lvl1pPr algn="r" defTabSz="914400">
               <a:defRPr>
@@ -1089,7 +1089,7 @@
           </a:prstGeom>
         </p:spPr>
         <p:txBody>
-          <a:bodyPr lIns="45719" tIns="45719" rIns="45719" bIns="45719"/>
+          <a:bodyPr lIns="45718" tIns="45718" rIns="45718" bIns="45718"/>
           <a:lstStyle>
             <a:lvl1pPr defTabSz="914400">
               <a:defRPr b="0" sz="4400">
@@ -1129,7 +1129,7 @@
           </a:prstGeom>
         </p:spPr>
         <p:txBody>
-          <a:bodyPr lIns="45719" tIns="45719" rIns="45719" bIns="45719" anchor="t"/>
+          <a:bodyPr lIns="45718" tIns="45718" rIns="45718" bIns="45718" anchor="t"/>
           <a:lstStyle>
             <a:lvl1pPr marL="342900" indent="-342900" defTabSz="914400">
               <a:spcBef>
@@ -1158,7 +1158,7 @@
                 <a:sym typeface="Calibri"/>
               </a:defRPr>
             </a:lvl2pPr>
-            <a:lvl3pPr marL="1234439" indent="-320039" defTabSz="914400">
+            <a:lvl3pPr marL="1234438" indent="-320038" defTabSz="914400">
               <a:spcBef>
                 <a:spcPts val="600"/>
               </a:spcBef>
@@ -1242,15 +1242,15 @@
         </p:nvSpPr>
         <p:spPr>
           <a:xfrm>
-            <a:off x="8428176" y="6404292"/>
-            <a:ext cx="258624" cy="269241"/>
+            <a:off x="8428178" y="6404293"/>
+            <a:ext cx="258623" cy="269239"/>
           </a:xfrm>
           <a:prstGeom prst="rect">
             <a:avLst/>
           </a:prstGeom>
         </p:spPr>
         <p:txBody>
-          <a:bodyPr lIns="45719" tIns="45719" rIns="45719" bIns="45719" anchor="ctr"/>
+          <a:bodyPr lIns="45718" tIns="45718" rIns="45718" bIns="45718" anchor="ctr"/>
           <a:lstStyle>
             <a:lvl1pPr algn="r" defTabSz="914400">
               <a:defRPr>
@@ -1304,8 +1304,8 @@
         </p:nvSpPr>
         <p:spPr>
           <a:xfrm>
-            <a:off x="380999" y="228599"/>
-            <a:ext cx="8229601" cy="609601"/>
+            <a:off x="380998" y="228599"/>
+            <a:ext cx="8229602" cy="609602"/>
           </a:xfrm>
           <a:custGeom>
             <a:avLst/>
@@ -1348,7 +1348,7 @@
           </a:ln>
         </p:spPr>
         <p:txBody>
-          <a:bodyPr lIns="45719" rIns="45719"/>
+          <a:bodyPr lIns="45718" tIns="45718" rIns="45718" bIns="45718"/>
           <a:lstStyle/>
           <a:p>
             <a:pPr defTabSz="914400">
@@ -1372,7 +1372,7 @@
         <p:spPr>
           <a:xfrm>
             <a:off x="457200" y="6172200"/>
-            <a:ext cx="8229600" cy="0"/>
+            <a:ext cx="8229601" cy="0"/>
           </a:xfrm>
           <a:prstGeom prst="line">
             <a:avLst/>
@@ -1384,18 +1384,10 @@
           </a:ln>
         </p:spPr>
         <p:txBody>
-          <a:bodyPr lIns="45719" rIns="45719"/>
+          <a:bodyPr lIns="45718" tIns="45718" rIns="45718" bIns="45718"/>
           <a:lstStyle/>
           <a:p>
-            <a:pPr defTabSz="914400">
-              <a:defRPr>
-                <a:uFillTx/>
-                <a:latin typeface="Arial"/>
-                <a:ea typeface="Arial"/>
-                <a:cs typeface="Arial"/>
-                <a:sym typeface="Arial"/>
-              </a:defRPr>
-            </a:pPr>
+            <a:pPr/>
           </a:p>
         </p:txBody>
       </p:sp>
@@ -1417,7 +1409,7 @@
           </a:prstGeom>
         </p:spPr>
         <p:txBody>
-          <a:bodyPr lIns="45719" tIns="45719" rIns="45719" bIns="45719" anchor="t"/>
+          <a:bodyPr lIns="45718" tIns="45718" rIns="45718" bIns="45718" anchor="t"/>
           <a:lstStyle>
             <a:lvl1pPr algn="l" defTabSz="914400">
               <a:defRPr b="0" sz="4200">
@@ -1449,15 +1441,15 @@
         </p:nvSpPr>
         <p:spPr>
           <a:xfrm>
-            <a:off x="8439785" y="6444297"/>
-            <a:ext cx="247015" cy="256541"/>
+            <a:off x="8439786" y="6444299"/>
+            <a:ext cx="247014" cy="256539"/>
           </a:xfrm>
           <a:prstGeom prst="rect">
             <a:avLst/>
           </a:prstGeom>
         </p:spPr>
         <p:txBody>
-          <a:bodyPr lIns="45719" tIns="45719" rIns="45719" bIns="45719" anchor="b"/>
+          <a:bodyPr lIns="45718" tIns="45718" rIns="45718" bIns="45718" anchor="b"/>
           <a:lstStyle>
             <a:lvl1pPr algn="r" defTabSz="914400">
               <a:defRPr>
@@ -1508,8 +1500,8 @@
         </p:nvSpPr>
         <p:spPr>
           <a:xfrm>
-            <a:off x="380999" y="228599"/>
-            <a:ext cx="8229601" cy="609601"/>
+            <a:off x="380998" y="228599"/>
+            <a:ext cx="8229602" cy="609602"/>
           </a:xfrm>
           <a:custGeom>
             <a:avLst/>
@@ -1552,7 +1544,7 @@
           </a:ln>
         </p:spPr>
         <p:txBody>
-          <a:bodyPr lIns="45719" rIns="45719"/>
+          <a:bodyPr lIns="45718" tIns="45718" rIns="45718" bIns="45718"/>
           <a:lstStyle/>
           <a:p>
             <a:pPr defTabSz="914400">
@@ -1576,7 +1568,7 @@
         <p:spPr>
           <a:xfrm>
             <a:off x="457200" y="6172200"/>
-            <a:ext cx="8229600" cy="0"/>
+            <a:ext cx="8229601" cy="0"/>
           </a:xfrm>
           <a:prstGeom prst="line">
             <a:avLst/>
@@ -1588,18 +1580,10 @@
           </a:ln>
         </p:spPr>
         <p:txBody>
-          <a:bodyPr lIns="45719" rIns="45719"/>
+          <a:bodyPr lIns="45718" tIns="45718" rIns="45718" bIns="45718"/>
           <a:lstStyle/>
           <a:p>
-            <a:pPr defTabSz="914400">
-              <a:defRPr>
-                <a:uFillTx/>
-                <a:latin typeface="Arial"/>
-                <a:ea typeface="Arial"/>
-                <a:cs typeface="Arial"/>
-                <a:sym typeface="Arial"/>
-              </a:defRPr>
-            </a:pPr>
+            <a:pPr/>
           </a:p>
         </p:txBody>
       </p:sp>
@@ -1621,7 +1605,7 @@
           </a:prstGeom>
         </p:spPr>
         <p:txBody>
-          <a:bodyPr lIns="45719" tIns="45719" rIns="45719" bIns="45719" anchor="t"/>
+          <a:bodyPr lIns="45718" tIns="45718" rIns="45718" bIns="45718" anchor="t"/>
           <a:lstStyle>
             <a:lvl1pPr algn="l" defTabSz="914400">
               <a:defRPr b="0" sz="4200">
@@ -1661,7 +1645,7 @@
           </a:prstGeom>
         </p:spPr>
         <p:txBody>
-          <a:bodyPr lIns="45719" tIns="45719" rIns="45719" bIns="45719" anchor="t"/>
+          <a:bodyPr lIns="45718" tIns="45718" rIns="45718" bIns="45718" anchor="t"/>
           <a:lstStyle>
             <a:lvl1pPr marL="342900" indent="-342900" defTabSz="914400">
               <a:spcBef>
@@ -1695,7 +1679,7 @@
                 <a:sym typeface="Arial"/>
               </a:defRPr>
             </a:lvl2pPr>
-            <a:lvl3pPr marL="1149927" indent="-478415" defTabSz="914400">
+            <a:lvl3pPr marL="1149926" indent="-478414" defTabSz="914400">
               <a:spcBef>
                 <a:spcPts val="700"/>
               </a:spcBef>
@@ -1711,7 +1695,7 @@
                 <a:sym typeface="Arial"/>
               </a:defRPr>
             </a:lvl3pPr>
-            <a:lvl4pPr marL="1497806" indent="-473869" defTabSz="914400">
+            <a:lvl4pPr marL="1497805" indent="-473869" defTabSz="914400">
               <a:spcBef>
                 <a:spcPts val="700"/>
               </a:spcBef>
@@ -1785,15 +1769,15 @@
         </p:nvSpPr>
         <p:spPr>
           <a:xfrm>
-            <a:off x="8439785" y="6444297"/>
-            <a:ext cx="247015" cy="256541"/>
+            <a:off x="8439786" y="6444299"/>
+            <a:ext cx="247014" cy="256539"/>
           </a:xfrm>
           <a:prstGeom prst="rect">
             <a:avLst/>
           </a:prstGeom>
         </p:spPr>
         <p:txBody>
-          <a:bodyPr lIns="45719" tIns="45719" rIns="45719" bIns="45719" anchor="b"/>
+          <a:bodyPr lIns="45718" tIns="45718" rIns="45718" bIns="45718" anchor="b"/>
           <a:lstStyle>
             <a:lvl1pPr algn="r" defTabSz="914400">
               <a:defRPr>
@@ -1844,8 +1828,8 @@
         </p:nvSpPr>
         <p:spPr>
           <a:xfrm>
-            <a:off x="380999" y="228599"/>
-            <a:ext cx="8229601" cy="609601"/>
+            <a:off x="380998" y="228599"/>
+            <a:ext cx="8229602" cy="609602"/>
           </a:xfrm>
           <a:custGeom>
             <a:avLst/>
@@ -1888,7 +1872,7 @@
           </a:ln>
         </p:spPr>
         <p:txBody>
-          <a:bodyPr lIns="45719" rIns="45719"/>
+          <a:bodyPr lIns="45718" tIns="45718" rIns="45718" bIns="45718"/>
           <a:lstStyle/>
           <a:p>
             <a:pPr defTabSz="914400">
@@ -1912,7 +1896,7 @@
         <p:spPr>
           <a:xfrm>
             <a:off x="457200" y="6172200"/>
-            <a:ext cx="8229600" cy="0"/>
+            <a:ext cx="8229601" cy="0"/>
           </a:xfrm>
           <a:prstGeom prst="line">
             <a:avLst/>
@@ -1924,18 +1908,10 @@
           </a:ln>
         </p:spPr>
         <p:txBody>
-          <a:bodyPr lIns="45719" rIns="45719"/>
+          <a:bodyPr lIns="45718" tIns="45718" rIns="45718" bIns="45718"/>
           <a:lstStyle/>
           <a:p>
-            <a:pPr defTabSz="914400">
-              <a:defRPr>
-                <a:uFillTx/>
-                <a:latin typeface="Arial"/>
-                <a:ea typeface="Arial"/>
-                <a:cs typeface="Arial"/>
-                <a:sym typeface="Arial"/>
-              </a:defRPr>
-            </a:pPr>
+            <a:pPr/>
           </a:p>
         </p:txBody>
       </p:sp>
@@ -1957,7 +1933,7 @@
           </a:prstGeom>
         </p:spPr>
         <p:txBody>
-          <a:bodyPr lIns="45719" tIns="45719" rIns="45719" bIns="45719" anchor="t"/>
+          <a:bodyPr lIns="45718" tIns="45718" rIns="45718" bIns="45718" anchor="t"/>
           <a:lstStyle>
             <a:lvl1pPr algn="l" defTabSz="914400">
               <a:defRPr b="0" sz="4200">
@@ -1997,7 +1973,7 @@
           </a:prstGeom>
         </p:spPr>
         <p:txBody>
-          <a:bodyPr lIns="45719" tIns="45719" rIns="45719" bIns="45719" anchor="t"/>
+          <a:bodyPr lIns="45718" tIns="45718" rIns="45718" bIns="45718" anchor="t"/>
           <a:lstStyle>
             <a:lvl1pPr marL="342900" indent="-342900" defTabSz="914400">
               <a:spcBef>
@@ -2063,7 +2039,7 @@
                 <a:sym typeface="Arial"/>
               </a:defRPr>
             </a:lvl4pPr>
-            <a:lvl5pPr marL="1869899" indent="-528461" defTabSz="914400">
+            <a:lvl5pPr marL="1869899" indent="-528460" defTabSz="914400">
               <a:spcBef>
                 <a:spcPts val="600"/>
               </a:spcBef>
@@ -2121,15 +2097,15 @@
         </p:nvSpPr>
         <p:spPr>
           <a:xfrm>
-            <a:off x="8439785" y="6444297"/>
-            <a:ext cx="247015" cy="256541"/>
+            <a:off x="8439786" y="6444299"/>
+            <a:ext cx="247014" cy="256539"/>
           </a:xfrm>
           <a:prstGeom prst="rect">
             <a:avLst/>
           </a:prstGeom>
         </p:spPr>
         <p:txBody>
-          <a:bodyPr lIns="45719" tIns="45719" rIns="45719" bIns="45719" anchor="b"/>
+          <a:bodyPr lIns="45718" tIns="45718" rIns="45718" bIns="45718" anchor="b"/>
           <a:lstStyle>
             <a:lvl1pPr algn="r" defTabSz="914400">
               <a:defRPr>
@@ -2180,8 +2156,8 @@
         </p:nvSpPr>
         <p:spPr>
           <a:xfrm>
-            <a:off x="380999" y="228599"/>
-            <a:ext cx="8229601" cy="609601"/>
+            <a:off x="380998" y="228599"/>
+            <a:ext cx="8229602" cy="609602"/>
           </a:xfrm>
           <a:custGeom>
             <a:avLst/>
@@ -2224,7 +2200,7 @@
           </a:ln>
         </p:spPr>
         <p:txBody>
-          <a:bodyPr lIns="45719" rIns="45719"/>
+          <a:bodyPr lIns="45718" tIns="45718" rIns="45718" bIns="45718"/>
           <a:lstStyle/>
           <a:p>
             <a:pPr defTabSz="914400">
@@ -2248,7 +2224,7 @@
         <p:spPr>
           <a:xfrm>
             <a:off x="457200" y="6172200"/>
-            <a:ext cx="8229600" cy="0"/>
+            <a:ext cx="8229601" cy="0"/>
           </a:xfrm>
           <a:prstGeom prst="line">
             <a:avLst/>
@@ -2260,18 +2236,10 @@
           </a:ln>
         </p:spPr>
         <p:txBody>
-          <a:bodyPr lIns="45719" rIns="45719"/>
+          <a:bodyPr lIns="45718" tIns="45718" rIns="45718" bIns="45718"/>
           <a:lstStyle/>
           <a:p>
-            <a:pPr defTabSz="914400">
-              <a:defRPr>
-                <a:uFillTx/>
-                <a:latin typeface="Arial"/>
-                <a:ea typeface="Arial"/>
-                <a:cs typeface="Arial"/>
-                <a:sym typeface="Arial"/>
-              </a:defRPr>
-            </a:pPr>
+            <a:pPr/>
           </a:p>
         </p:txBody>
       </p:sp>
@@ -2293,7 +2261,7 @@
           </a:prstGeom>
         </p:spPr>
         <p:txBody>
-          <a:bodyPr lIns="45719" tIns="45719" rIns="45719" bIns="45719" anchor="t"/>
+          <a:bodyPr lIns="45718" tIns="45718" rIns="45718" bIns="45718" anchor="t"/>
           <a:lstStyle>
             <a:lvl1pPr algn="l" defTabSz="914400">
               <a:defRPr b="0" sz="4200">
@@ -2333,7 +2301,7 @@
           </a:prstGeom>
         </p:spPr>
         <p:txBody>
-          <a:bodyPr lIns="45719" tIns="45719" rIns="45719" bIns="45719" anchor="t"/>
+          <a:bodyPr lIns="45718" tIns="45718" rIns="45718" bIns="45718" anchor="t"/>
           <a:lstStyle>
             <a:lvl1pPr marL="342900" indent="-342900" defTabSz="914400">
               <a:spcBef>
@@ -2367,7 +2335,7 @@
                 <a:sym typeface="Arial"/>
               </a:defRPr>
             </a:lvl2pPr>
-            <a:lvl3pPr marL="1149927" indent="-478415" defTabSz="914400">
+            <a:lvl3pPr marL="1149926" indent="-478414" defTabSz="914400">
               <a:spcBef>
                 <a:spcPts val="700"/>
               </a:spcBef>
@@ -2383,7 +2351,7 @@
                 <a:sym typeface="Arial"/>
               </a:defRPr>
             </a:lvl3pPr>
-            <a:lvl4pPr marL="1497806" indent="-473869" defTabSz="914400">
+            <a:lvl4pPr marL="1497805" indent="-473869" defTabSz="914400">
               <a:spcBef>
                 <a:spcPts val="700"/>
               </a:spcBef>
@@ -2457,15 +2425,15 @@
         </p:nvSpPr>
         <p:spPr>
           <a:xfrm>
-            <a:off x="8439785" y="6444297"/>
-            <a:ext cx="247015" cy="256541"/>
+            <a:off x="8439786" y="6444299"/>
+            <a:ext cx="247014" cy="256539"/>
           </a:xfrm>
           <a:prstGeom prst="rect">
             <a:avLst/>
           </a:prstGeom>
         </p:spPr>
         <p:txBody>
-          <a:bodyPr lIns="45719" tIns="45719" rIns="45719" bIns="45719" anchor="b"/>
+          <a:bodyPr lIns="45718" tIns="45718" rIns="45718" bIns="45718" anchor="b"/>
           <a:lstStyle>
             <a:lvl1pPr algn="r" defTabSz="914400">
               <a:defRPr>
@@ -2516,8 +2484,8 @@
         </p:nvSpPr>
         <p:spPr>
           <a:xfrm>
-            <a:off x="609599" y="1219200"/>
-            <a:ext cx="7924801" cy="914400"/>
+            <a:off x="609598" y="1219199"/>
+            <a:ext cx="7924802" cy="914401"/>
           </a:xfrm>
           <a:custGeom>
             <a:avLst/>
@@ -2560,7 +2528,7 @@
           </a:ln>
         </p:spPr>
         <p:txBody>
-          <a:bodyPr lIns="45719" rIns="45719"/>
+          <a:bodyPr lIns="45718" tIns="45718" rIns="45718" bIns="45718"/>
           <a:lstStyle/>
           <a:p>
             <a:pPr defTabSz="914400">
@@ -2584,7 +2552,7 @@
         <p:spPr>
           <a:xfrm>
             <a:off x="1981200" y="3962400"/>
-            <a:ext cx="6511925" cy="0"/>
+            <a:ext cx="6511926" cy="0"/>
           </a:xfrm>
           <a:prstGeom prst="line">
             <a:avLst/>
@@ -2596,18 +2564,10 @@
           </a:ln>
         </p:spPr>
         <p:txBody>
-          <a:bodyPr lIns="45719" rIns="45719"/>
+          <a:bodyPr lIns="45718" tIns="45718" rIns="45718" bIns="45718"/>
           <a:lstStyle/>
           <a:p>
-            <a:pPr defTabSz="914400">
-              <a:defRPr>
-                <a:uFillTx/>
-                <a:latin typeface="Arial"/>
-                <a:ea typeface="Arial"/>
-                <a:cs typeface="Arial"/>
-                <a:sym typeface="Arial"/>
-              </a:defRPr>
-            </a:pPr>
+            <a:pPr/>
           </a:p>
         </p:txBody>
       </p:sp>
@@ -2629,7 +2589,7 @@
           </a:prstGeom>
         </p:spPr>
         <p:txBody>
-          <a:bodyPr lIns="45719" tIns="45719" rIns="45719" bIns="45719" anchor="t"/>
+          <a:bodyPr lIns="45718" tIns="45718" rIns="45718" bIns="45718" anchor="t"/>
           <a:lstStyle>
             <a:lvl1pPr algn="l" defTabSz="914400">
               <a:defRPr b="0" sz="5000">
@@ -2669,7 +2629,7 @@
           </a:prstGeom>
         </p:spPr>
         <p:txBody>
-          <a:bodyPr lIns="45719" tIns="45719" rIns="45719" bIns="45719" anchor="t"/>
+          <a:bodyPr lIns="45718" tIns="45718" rIns="45718" bIns="45718" anchor="t"/>
           <a:lstStyle>
             <a:lvl1pPr marL="0" indent="0" defTabSz="914400">
               <a:spcBef>
@@ -2710,7 +2670,7 @@
                 <a:sym typeface="Arial"/>
               </a:defRPr>
             </a:lvl3pPr>
-            <a:lvl4pPr marL="1466215" indent="-442278" defTabSz="914400">
+            <a:lvl4pPr marL="1466214" indent="-442278" defTabSz="914400">
               <a:spcBef>
                 <a:spcPts val="600"/>
               </a:spcBef>
@@ -2723,7 +2683,7 @@
                 <a:sym typeface="Arial"/>
               </a:defRPr>
             </a:lvl4pPr>
-            <a:lvl5pPr marL="1817053" indent="-475614" defTabSz="914400">
+            <a:lvl5pPr marL="1817053" indent="-475613" defTabSz="914400">
               <a:spcBef>
                 <a:spcPts val="600"/>
               </a:spcBef>
@@ -2778,15 +2738,15 @@
         </p:nvSpPr>
         <p:spPr>
           <a:xfrm>
-            <a:off x="8439785" y="6444297"/>
-            <a:ext cx="247015" cy="256541"/>
+            <a:off x="8439786" y="6444299"/>
+            <a:ext cx="247014" cy="256539"/>
           </a:xfrm>
           <a:prstGeom prst="rect">
             <a:avLst/>
           </a:prstGeom>
         </p:spPr>
         <p:txBody>
-          <a:bodyPr lIns="45719" tIns="45719" rIns="45719" bIns="45719" anchor="b"/>
+          <a:bodyPr lIns="45718" tIns="45718" rIns="45718" bIns="45718" anchor="b"/>
           <a:lstStyle>
             <a:lvl1pPr algn="r" defTabSz="914400">
               <a:defRPr>
@@ -2839,8 +2799,8 @@
         </p:nvSpPr>
         <p:spPr>
           <a:xfrm>
-            <a:off x="8428178" y="6404293"/>
-            <a:ext cx="258623" cy="269239"/>
+            <a:off x="8428181" y="6404294"/>
+            <a:ext cx="258620" cy="269237"/>
           </a:xfrm>
           <a:prstGeom prst="rect">
             <a:avLst/>
@@ -3028,15 +2988,15 @@
         </p:nvSpPr>
         <p:spPr>
           <a:xfrm>
-            <a:off x="669726" y="312539"/>
-            <a:ext cx="7804548" cy="1518047"/>
+            <a:off x="669725" y="312538"/>
+            <a:ext cx="7804549" cy="1518048"/>
           </a:xfrm>
           <a:prstGeom prst="rect">
             <a:avLst/>
           </a:prstGeom>
         </p:spPr>
         <p:txBody>
-          <a:bodyPr lIns="35718" tIns="35718" rIns="35718" bIns="35718"/>
+          <a:bodyPr lIns="35717" tIns="35717" rIns="35717" bIns="35717"/>
           <a:lstStyle>
             <a:lvl1pPr defTabSz="457200">
               <a:defRPr>
@@ -3073,21 +3033,21 @@
         </p:nvSpPr>
         <p:spPr>
           <a:xfrm>
-            <a:off x="669726" y="1830585"/>
-            <a:ext cx="7804548" cy="4420197"/>
+            <a:off x="669725" y="1830584"/>
+            <a:ext cx="7804549" cy="4420198"/>
           </a:xfrm>
           <a:prstGeom prst="rect">
             <a:avLst/>
           </a:prstGeom>
         </p:spPr>
         <p:txBody>
-          <a:bodyPr lIns="35718" tIns="35718" rIns="35718" bIns="35718"/>
+          <a:bodyPr lIns="35717" tIns="35717" rIns="35717" bIns="35717"/>
           <a:lstStyle>
-            <a:lvl1pPr marL="296333" indent="-296333" defTabSz="410765"/>
-            <a:lvl2pPr marL="740833" indent="-296333" defTabSz="410765"/>
-            <a:lvl3pPr marL="1185333" indent="-296333" defTabSz="410765"/>
-            <a:lvl4pPr marL="1629833" indent="-296333" defTabSz="410765"/>
-            <a:lvl5pPr marL="2074333" indent="-296333" defTabSz="410765"/>
+            <a:lvl1pPr defTabSz="410764"/>
+            <a:lvl2pPr marL="740832" indent="-296332" defTabSz="410764"/>
+            <a:lvl3pPr marL="1185332" indent="-296332" defTabSz="410764"/>
+            <a:lvl4pPr indent="-296332" defTabSz="410764"/>
+            <a:lvl5pPr defTabSz="410764"/>
           </a:lstStyle>
           <a:p>
             <a:pPr/>
@@ -3131,17 +3091,17 @@
         </p:nvSpPr>
         <p:spPr>
           <a:xfrm>
-            <a:off x="4440732" y="6505277"/>
-            <a:ext cx="253607" cy="249238"/>
+            <a:off x="4440733" y="6505277"/>
+            <a:ext cx="253605" cy="249237"/>
           </a:xfrm>
           <a:prstGeom prst="rect">
             <a:avLst/>
           </a:prstGeom>
         </p:spPr>
         <p:txBody>
-          <a:bodyPr lIns="35718" tIns="35718" rIns="35718" bIns="35718"/>
+          <a:bodyPr lIns="35717" tIns="35717" rIns="35717" bIns="35717"/>
           <a:lstStyle>
-            <a:lvl1pPr defTabSz="410765"/>
+            <a:lvl1pPr defTabSz="410764"/>
           </a:lstStyle>
           <a:p>
             <a:pPr/>
@@ -3185,17 +3145,17 @@
         </p:nvSpPr>
         <p:spPr>
           <a:xfrm>
-            <a:off x="892968" y="1151929"/>
-            <a:ext cx="7358064" cy="2321720"/>
+            <a:off x="892967" y="1151929"/>
+            <a:ext cx="7358066" cy="2321720"/>
           </a:xfrm>
           <a:prstGeom prst="rect">
             <a:avLst/>
           </a:prstGeom>
         </p:spPr>
         <p:txBody>
-          <a:bodyPr lIns="35718" tIns="35718" rIns="35718" bIns="35718" anchor="b"/>
+          <a:bodyPr lIns="35717" tIns="35717" rIns="35717" bIns="35717" anchor="b"/>
           <a:lstStyle>
-            <a:lvl1pPr defTabSz="410765">
+            <a:lvl1pPr defTabSz="410764">
               <a:defRPr>
                 <a:solidFill>
                   <a:srgbClr val="000080"/>
@@ -3221,17 +3181,17 @@
         </p:nvSpPr>
         <p:spPr>
           <a:xfrm>
-            <a:off x="892968" y="3536156"/>
-            <a:ext cx="7358064" cy="794743"/>
+            <a:off x="892967" y="3536155"/>
+            <a:ext cx="7358066" cy="794744"/>
           </a:xfrm>
           <a:prstGeom prst="rect">
             <a:avLst/>
           </a:prstGeom>
         </p:spPr>
         <p:txBody>
-          <a:bodyPr lIns="35718" tIns="35718" rIns="35718" bIns="35718" anchor="t"/>
+          <a:bodyPr lIns="35717" tIns="35717" rIns="35717" bIns="35717" anchor="t"/>
           <a:lstStyle>
-            <a:lvl1pPr marL="0" indent="0" algn="ctr" defTabSz="410765">
+            <a:lvl1pPr marL="0" indent="0" algn="ctr" defTabSz="410764">
               <a:spcBef>
                 <a:spcPts val="0"/>
               </a:spcBef>
@@ -3239,7 +3199,7 @@
               <a:buNone/>
               <a:defRPr sz="2200"/>
             </a:lvl1pPr>
-            <a:lvl2pPr marL="0" indent="228600" algn="ctr" defTabSz="410765">
+            <a:lvl2pPr marL="0" indent="0" algn="ctr" defTabSz="410764">
               <a:spcBef>
                 <a:spcPts val="0"/>
               </a:spcBef>
@@ -3247,7 +3207,7 @@
               <a:buNone/>
               <a:defRPr sz="2200"/>
             </a:lvl2pPr>
-            <a:lvl3pPr marL="0" indent="457200" algn="ctr" defTabSz="410765">
+            <a:lvl3pPr marL="0" indent="0" algn="ctr" defTabSz="410764">
               <a:spcBef>
                 <a:spcPts val="0"/>
               </a:spcBef>
@@ -3255,7 +3215,7 @@
               <a:buNone/>
               <a:defRPr sz="2200"/>
             </a:lvl3pPr>
-            <a:lvl4pPr marL="0" indent="685800" algn="ctr" defTabSz="410765">
+            <a:lvl4pPr marL="0" indent="0" algn="ctr" defTabSz="410764">
               <a:spcBef>
                 <a:spcPts val="0"/>
               </a:spcBef>
@@ -3263,7 +3223,7 @@
               <a:buNone/>
               <a:defRPr sz="2200"/>
             </a:lvl4pPr>
-            <a:lvl5pPr marL="0" indent="914400" algn="ctr" defTabSz="410765">
+            <a:lvl5pPr marL="0" indent="0" algn="ctr" defTabSz="410764">
               <a:spcBef>
                 <a:spcPts val="0"/>
               </a:spcBef>
@@ -3314,17 +3274,17 @@
         </p:nvSpPr>
         <p:spPr>
           <a:xfrm>
-            <a:off x="4440732" y="6505277"/>
-            <a:ext cx="253607" cy="249238"/>
+            <a:off x="4440733" y="6505277"/>
+            <a:ext cx="253605" cy="249237"/>
           </a:xfrm>
           <a:prstGeom prst="rect">
             <a:avLst/>
           </a:prstGeom>
         </p:spPr>
         <p:txBody>
-          <a:bodyPr lIns="35718" tIns="35718" rIns="35718" bIns="35718"/>
+          <a:bodyPr lIns="35717" tIns="35717" rIns="35717" bIns="35717"/>
           <a:lstStyle>
-            <a:lvl1pPr defTabSz="410765"/>
+            <a:lvl1pPr defTabSz="410764"/>
           </a:lstStyle>
           <a:p>
             <a:pPr/>
@@ -3368,17 +3328,17 @@
         </p:nvSpPr>
         <p:spPr>
           <a:xfrm>
-            <a:off x="669726" y="312539"/>
-            <a:ext cx="7804548" cy="1518047"/>
+            <a:off x="669725" y="312538"/>
+            <a:ext cx="7804549" cy="1518048"/>
           </a:xfrm>
           <a:prstGeom prst="rect">
             <a:avLst/>
           </a:prstGeom>
         </p:spPr>
         <p:txBody>
-          <a:bodyPr lIns="35718" tIns="35718" rIns="35718" bIns="35718"/>
+          <a:bodyPr lIns="35717" tIns="35717" rIns="35717" bIns="35717"/>
           <a:lstStyle>
-            <a:lvl1pPr defTabSz="410765">
+            <a:lvl1pPr defTabSz="410764">
               <a:defRPr>
                 <a:solidFill>
                   <a:srgbClr val="000080"/>
@@ -3404,21 +3364,21 @@
         </p:nvSpPr>
         <p:spPr>
           <a:xfrm>
-            <a:off x="669726" y="1830585"/>
-            <a:ext cx="7804548" cy="4420197"/>
+            <a:off x="669725" y="1830584"/>
+            <a:ext cx="7804549" cy="4420198"/>
           </a:xfrm>
           <a:prstGeom prst="rect">
             <a:avLst/>
           </a:prstGeom>
         </p:spPr>
         <p:txBody>
-          <a:bodyPr lIns="35718" tIns="35718" rIns="35718" bIns="35718"/>
+          <a:bodyPr lIns="35717" tIns="35717" rIns="35717" bIns="35717"/>
           <a:lstStyle>
-            <a:lvl1pPr marL="296333" indent="-296333" defTabSz="410765"/>
-            <a:lvl2pPr marL="740833" indent="-296333" defTabSz="410765"/>
-            <a:lvl3pPr marL="1185333" indent="-296333" defTabSz="410765"/>
-            <a:lvl4pPr marL="1629833" indent="-296333" defTabSz="410765"/>
-            <a:lvl5pPr marL="2074333" indent="-296333" defTabSz="410765"/>
+            <a:lvl1pPr defTabSz="410764"/>
+            <a:lvl2pPr marL="740832" indent="-296332" defTabSz="410764"/>
+            <a:lvl3pPr marL="1185332" indent="-296332" defTabSz="410764"/>
+            <a:lvl4pPr indent="-296332" defTabSz="410764"/>
+            <a:lvl5pPr defTabSz="410764"/>
           </a:lstStyle>
           <a:p>
             <a:pPr/>
@@ -3462,17 +3422,17 @@
         </p:nvSpPr>
         <p:spPr>
           <a:xfrm>
-            <a:off x="4440732" y="6505277"/>
-            <a:ext cx="253607" cy="249238"/>
+            <a:off x="4440733" y="6505277"/>
+            <a:ext cx="253605" cy="249237"/>
           </a:xfrm>
           <a:prstGeom prst="rect">
             <a:avLst/>
           </a:prstGeom>
         </p:spPr>
         <p:txBody>
-          <a:bodyPr lIns="35718" tIns="35718" rIns="35718" bIns="35718"/>
+          <a:bodyPr lIns="35717" tIns="35717" rIns="35717" bIns="35717"/>
           <a:lstStyle>
-            <a:lvl1pPr defTabSz="410765"/>
+            <a:lvl1pPr defTabSz="410764"/>
           </a:lstStyle>
           <a:p>
             <a:pPr/>
@@ -3508,42 +3468,7 @@
       </p:grpSpPr>
       <p:sp>
         <p:nvSpPr>
-          <p:cNvPr id="61" name="Slide Number"/>
-          <p:cNvSpPr txBox="1"/>
-          <p:nvPr>
-            <p:ph type="sldNum" sz="quarter" idx="2"/>
-          </p:nvPr>
-        </p:nvSpPr>
-        <p:spPr>
-          <a:xfrm>
-            <a:off x="6553200" y="6248400"/>
-            <a:ext cx="1905000" cy="269240"/>
-          </a:xfrm>
-          <a:prstGeom prst="rect">
-            <a:avLst/>
-          </a:prstGeom>
-        </p:spPr>
-        <p:txBody>
-          <a:bodyPr wrap="square" lIns="45719" tIns="45719" rIns="45719" bIns="45719"/>
-          <a:lstStyle>
-            <a:lvl1pPr algn="r" defTabSz="914400">
-              <a:defRPr>
-                <a:latin typeface="Times"/>
-                <a:ea typeface="Times"/>
-                <a:cs typeface="Times"/>
-                <a:sym typeface="Times"/>
-              </a:defRPr>
-            </a:lvl1pPr>
-          </a:lstStyle>
-          <a:p>
-            <a:pPr/>
-            <a:fld id="{86CB4B4D-7CA3-9044-876B-883B54F8677D}" type="slidenum"/>
-          </a:p>
-        </p:txBody>
-      </p:sp>
-      <p:sp>
-        <p:nvSpPr>
-          <p:cNvPr id="62" name="Title Text"/>
+          <p:cNvPr id="61" name="Title Text"/>
           <p:cNvSpPr txBox="1"/>
           <p:nvPr>
             <p:ph type="title"/>
@@ -3551,17 +3476,15 @@
         </p:nvSpPr>
         <p:spPr>
           <a:xfrm>
-            <a:off x="685799" y="380999"/>
-            <a:ext cx="7772401" cy="1600201"/>
+            <a:off x="685798" y="380999"/>
+            <a:ext cx="7772402" cy="1600201"/>
           </a:xfrm>
           <a:prstGeom prst="rect">
             <a:avLst/>
           </a:prstGeom>
         </p:spPr>
         <p:txBody>
-          <a:bodyPr lIns="45719" tIns="45719" rIns="45719" bIns="45719">
-            <a:noAutofit/>
-          </a:bodyPr>
+          <a:bodyPr lIns="45718" tIns="45718" rIns="45718" bIns="45718"/>
           <a:lstStyle>
             <a:lvl1pPr defTabSz="914400">
               <a:defRPr b="0" sz="4200">
@@ -3585,7 +3508,7 @@
       </p:sp>
       <p:sp>
         <p:nvSpPr>
-          <p:cNvPr id="63" name="Body Level One…"/>
+          <p:cNvPr id="62" name="Body Level One…"/>
           <p:cNvSpPr txBox="1"/>
           <p:nvPr>
             <p:ph type="body" idx="1"/>
@@ -3593,19 +3516,17 @@
         </p:nvSpPr>
         <p:spPr>
           <a:xfrm>
-            <a:off x="685799" y="1981200"/>
-            <a:ext cx="7772401" cy="4876801"/>
+            <a:off x="685798" y="1981200"/>
+            <a:ext cx="7772402" cy="4876802"/>
           </a:xfrm>
           <a:prstGeom prst="rect">
             <a:avLst/>
           </a:prstGeom>
         </p:spPr>
         <p:txBody>
-          <a:bodyPr lIns="45719" tIns="45719" rIns="45719" bIns="45719" anchor="t">
-            <a:noAutofit/>
-          </a:bodyPr>
+          <a:bodyPr lIns="45718" tIns="45718" rIns="45718" bIns="45718" anchor="t"/>
           <a:lstStyle>
-            <a:lvl1pPr marL="321468" indent="-321468" defTabSz="914400">
+            <a:lvl1pPr marL="321467" indent="-321467" defTabSz="914400">
               <a:spcBef>
                 <a:spcPts val="700"/>
               </a:spcBef>
@@ -3618,7 +3539,7 @@
                 <a:sym typeface="Times"/>
               </a:defRPr>
             </a:lvl1pPr>
-            <a:lvl2pPr marL="763360" indent="-306160" defTabSz="914400">
+            <a:lvl2pPr marL="763359" indent="-306159" defTabSz="914400">
               <a:spcBef>
                 <a:spcPts val="700"/>
               </a:spcBef>
@@ -3699,6 +3620,41 @@
             <a:r>
               <a:t>Body Level Five</a:t>
             </a:r>
+          </a:p>
+        </p:txBody>
+      </p:sp>
+      <p:sp>
+        <p:nvSpPr>
+          <p:cNvPr id="63" name="Slide Number"/>
+          <p:cNvSpPr txBox="1"/>
+          <p:nvPr>
+            <p:ph type="sldNum" sz="quarter" idx="2"/>
+          </p:nvPr>
+        </p:nvSpPr>
+        <p:spPr>
+          <a:xfrm>
+            <a:off x="8201661" y="6248400"/>
+            <a:ext cx="256539" cy="269238"/>
+          </a:xfrm>
+          <a:prstGeom prst="rect">
+            <a:avLst/>
+          </a:prstGeom>
+        </p:spPr>
+        <p:txBody>
+          <a:bodyPr lIns="45718" tIns="45718" rIns="45718" bIns="45718"/>
+          <a:lstStyle>
+            <a:lvl1pPr algn="r" defTabSz="914400">
+              <a:defRPr>
+                <a:latin typeface="Times"/>
+                <a:ea typeface="Times"/>
+                <a:cs typeface="Times"/>
+                <a:sym typeface="Times"/>
+              </a:defRPr>
+            </a:lvl1pPr>
+          </a:lstStyle>
+          <a:p>
+            <a:pPr/>
+            <a:fld id="{86CB4B4D-7CA3-9044-876B-883B54F8677D}" type="slidenum"/>
           </a:p>
         </p:txBody>
       </p:sp>
@@ -3738,17 +3694,17 @@
         </p:nvSpPr>
         <p:spPr>
           <a:xfrm>
-            <a:off x="669726" y="312538"/>
-            <a:ext cx="7804548" cy="1518048"/>
+            <a:off x="669725" y="312537"/>
+            <a:ext cx="7804549" cy="1518050"/>
           </a:xfrm>
           <a:prstGeom prst="rect">
             <a:avLst/>
           </a:prstGeom>
         </p:spPr>
         <p:txBody>
-          <a:bodyPr lIns="35718" tIns="35718" rIns="35718" bIns="35718"/>
+          <a:bodyPr lIns="35717" tIns="35717" rIns="35717" bIns="35717"/>
           <a:lstStyle>
-            <a:lvl1pPr defTabSz="410765">
+            <a:lvl1pPr defTabSz="410764">
               <a:defRPr b="0" sz="5400">
                 <a:solidFill>
                   <a:srgbClr val="000000"/>
@@ -3778,29 +3734,29 @@
         </p:nvSpPr>
         <p:spPr>
           <a:xfrm>
-            <a:off x="669726" y="1830585"/>
-            <a:ext cx="7804548" cy="4420197"/>
+            <a:off x="669725" y="1830584"/>
+            <a:ext cx="7804549" cy="4420198"/>
           </a:xfrm>
           <a:prstGeom prst="rect">
             <a:avLst/>
           </a:prstGeom>
         </p:spPr>
         <p:txBody>
-          <a:bodyPr lIns="35718" tIns="35718" rIns="35718" bIns="35718"/>
+          <a:bodyPr lIns="35717" tIns="35717" rIns="35717" bIns="35717"/>
           <a:lstStyle>
-            <a:lvl1pPr marL="271638" indent="-271638" defTabSz="410765">
+            <a:lvl1pPr marL="271637" indent="-271637" defTabSz="410764">
               <a:defRPr sz="2200"/>
             </a:lvl1pPr>
-            <a:lvl2pPr marL="716138" indent="-271638" defTabSz="410765">
+            <a:lvl2pPr marL="716138" indent="-271638" defTabSz="410764">
               <a:defRPr sz="2200"/>
             </a:lvl2pPr>
-            <a:lvl3pPr marL="1160638" indent="-271638" defTabSz="410765">
+            <a:lvl3pPr marL="1160637" indent="-271637" defTabSz="410764">
               <a:defRPr sz="2200"/>
             </a:lvl3pPr>
-            <a:lvl4pPr marL="1605138" indent="-271638" defTabSz="410765">
+            <a:lvl4pPr marL="1605137" indent="-271637" defTabSz="410764">
               <a:defRPr sz="2200"/>
             </a:lvl4pPr>
-            <a:lvl5pPr marL="2049638" indent="-271638" defTabSz="410765">
+            <a:lvl5pPr marL="2049638" indent="-271638" defTabSz="410764">
               <a:defRPr sz="2200"/>
             </a:lvl5pPr>
           </a:lstStyle>
@@ -3847,16 +3803,16 @@
         <p:spPr>
           <a:xfrm>
             <a:off x="4447793" y="6505277"/>
-            <a:ext cx="239485" cy="236538"/>
+            <a:ext cx="239484" cy="236537"/>
           </a:xfrm>
           <a:prstGeom prst="rect">
             <a:avLst/>
           </a:prstGeom>
         </p:spPr>
         <p:txBody>
-          <a:bodyPr lIns="35718" tIns="35718" rIns="35718" bIns="35718"/>
+          <a:bodyPr lIns="35717" tIns="35717" rIns="35717" bIns="35717"/>
           <a:lstStyle>
-            <a:lvl1pPr defTabSz="410765">
+            <a:lvl1pPr defTabSz="410764">
               <a:defRPr sz="1100"/>
             </a:lvl1pPr>
           </a:lstStyle>
@@ -3902,17 +3858,17 @@
         </p:nvSpPr>
         <p:spPr>
           <a:xfrm>
-            <a:off x="669726" y="312539"/>
-            <a:ext cx="7804548" cy="1518047"/>
+            <a:off x="669725" y="312538"/>
+            <a:ext cx="7804549" cy="1518048"/>
           </a:xfrm>
           <a:prstGeom prst="rect">
             <a:avLst/>
           </a:prstGeom>
         </p:spPr>
         <p:txBody>
-          <a:bodyPr lIns="35718" tIns="35718" rIns="35718" bIns="35718"/>
+          <a:bodyPr lIns="35717" tIns="35717" rIns="35717" bIns="35717"/>
           <a:lstStyle>
-            <a:lvl1pPr defTabSz="410765">
+            <a:lvl1pPr defTabSz="410764">
               <a:defRPr>
                 <a:solidFill>
                   <a:srgbClr val="000080"/>
@@ -3938,21 +3894,21 @@
         </p:nvSpPr>
         <p:spPr>
           <a:xfrm>
-            <a:off x="669726" y="1830585"/>
-            <a:ext cx="7804548" cy="4420197"/>
+            <a:off x="669725" y="1830584"/>
+            <a:ext cx="7804549" cy="4420198"/>
           </a:xfrm>
           <a:prstGeom prst="rect">
             <a:avLst/>
           </a:prstGeom>
         </p:spPr>
         <p:txBody>
-          <a:bodyPr lIns="35718" tIns="35718" rIns="35718" bIns="35718"/>
+          <a:bodyPr lIns="35717" tIns="35717" rIns="35717" bIns="35717"/>
           <a:lstStyle>
-            <a:lvl1pPr marL="296333" indent="-296333" defTabSz="410765"/>
-            <a:lvl2pPr marL="740833" indent="-296333" defTabSz="410765"/>
-            <a:lvl3pPr marL="1185333" indent="-296333" defTabSz="410765"/>
-            <a:lvl4pPr marL="1629833" indent="-296333" defTabSz="410765"/>
-            <a:lvl5pPr marL="2074333" indent="-296333" defTabSz="410765"/>
+            <a:lvl1pPr defTabSz="410764"/>
+            <a:lvl2pPr marL="740832" indent="-296332" defTabSz="410764"/>
+            <a:lvl3pPr marL="1185332" indent="-296332" defTabSz="410764"/>
+            <a:lvl4pPr indent="-296332" defTabSz="410764"/>
+            <a:lvl5pPr defTabSz="410764"/>
           </a:lstStyle>
           <a:p>
             <a:pPr/>
@@ -3996,17 +3952,17 @@
         </p:nvSpPr>
         <p:spPr>
           <a:xfrm>
-            <a:off x="4440732" y="6505277"/>
-            <a:ext cx="253607" cy="249238"/>
+            <a:off x="4440733" y="6505277"/>
+            <a:ext cx="253605" cy="249237"/>
           </a:xfrm>
           <a:prstGeom prst="rect">
             <a:avLst/>
           </a:prstGeom>
         </p:spPr>
         <p:txBody>
-          <a:bodyPr lIns="35718" tIns="35718" rIns="35718" bIns="35718"/>
+          <a:bodyPr lIns="35717" tIns="35717" rIns="35717" bIns="35717"/>
           <a:lstStyle>
-            <a:lvl1pPr defTabSz="410765"/>
+            <a:lvl1pPr defTabSz="410764"/>
           </a:lstStyle>
           <a:p>
             <a:pPr/>
@@ -4057,8 +4013,8 @@
         </p:nvSpPr>
         <p:spPr>
           <a:xfrm>
-            <a:off x="669725" y="312538"/>
-            <a:ext cx="7804549" cy="1518048"/>
+            <a:off x="669725" y="312537"/>
+            <a:ext cx="7804550" cy="1518050"/>
           </a:xfrm>
           <a:prstGeom prst="rect">
             <a:avLst/>
@@ -4073,7 +4029,7 @@
           </a:extLst>
         </p:spPr>
         <p:txBody>
-          <a:bodyPr lIns="35717" tIns="35717" rIns="35717" bIns="35717" anchor="ctr">
+          <a:bodyPr lIns="35716" tIns="35716" rIns="35716" bIns="35716" anchor="ctr">
             <a:normAutofit fontScale="100000" lnSpcReduction="0"/>
           </a:bodyPr>
           <a:lstStyle/>
@@ -4095,8 +4051,8 @@
         </p:nvSpPr>
         <p:spPr>
           <a:xfrm>
-            <a:off x="669725" y="1830584"/>
-            <a:ext cx="7804549" cy="4420198"/>
+            <a:off x="669725" y="1830583"/>
+            <a:ext cx="7804550" cy="4420200"/>
           </a:xfrm>
           <a:prstGeom prst="rect">
             <a:avLst/>
@@ -4111,7 +4067,7 @@
           </a:extLst>
         </p:spPr>
         <p:txBody>
-          <a:bodyPr lIns="35717" tIns="35717" rIns="35717" bIns="35717" anchor="ctr">
+          <a:bodyPr lIns="35716" tIns="35716" rIns="35716" bIns="35716" anchor="ctr">
             <a:normAutofit fontScale="100000" lnSpcReduction="0"/>
           </a:bodyPr>
           <a:lstStyle/>
@@ -4158,7 +4114,7 @@
         <p:spPr>
           <a:xfrm>
             <a:off x="4440733" y="6505277"/>
-            <a:ext cx="253605" cy="249237"/>
+            <a:ext cx="253604" cy="249235"/>
           </a:xfrm>
           <a:prstGeom prst="rect">
             <a:avLst/>
@@ -4168,11 +4124,11 @@
           </a:ln>
         </p:spPr>
         <p:txBody>
-          <a:bodyPr wrap="none" lIns="35717" tIns="35717" rIns="35717" bIns="35717">
+          <a:bodyPr wrap="none" lIns="35716" tIns="35716" rIns="35716" bIns="35716">
             <a:spAutoFit/>
           </a:bodyPr>
           <a:lstStyle>
-            <a:lvl1pPr algn="ctr" defTabSz="410764">
+            <a:lvl1pPr algn="ctr" defTabSz="410763">
               <a:defRPr sz="1200">
                 <a:uFillTx/>
                 <a:latin typeface="Helvetica Light"/>
@@ -4213,7 +4169,7 @@
   <p:transition xmlns:p14="http://schemas.microsoft.com/office/powerpoint/2010/main" spd="med" advClick="1"/>
   <p:txStyles>
     <p:titleStyle>
-      <a:lvl1pPr marL="0" marR="0" indent="0" algn="ctr" defTabSz="410764" rtl="0" latinLnBrk="0">
+      <a:lvl1pPr marL="0" marR="0" indent="0" algn="ctr" defTabSz="410763" rtl="0" latinLnBrk="0">
         <a:lnSpc>
           <a:spcPct val="100000"/>
         </a:lnSpc>
@@ -4233,13 +4189,13 @@
             <a:srgbClr val="800000"/>
           </a:solidFill>
           <a:uFillTx/>
-          <a:latin typeface="+mn-lt"/>
-          <a:ea typeface="+mn-ea"/>
-          <a:cs typeface="+mn-cs"/>
+          <a:latin typeface="+mj-lt"/>
+          <a:ea typeface="+mj-ea"/>
+          <a:cs typeface="+mj-cs"/>
           <a:sym typeface="Helvetica"/>
         </a:defRPr>
       </a:lvl1pPr>
-      <a:lvl2pPr marL="0" marR="0" indent="0" algn="ctr" defTabSz="410764" rtl="0" latinLnBrk="0">
+      <a:lvl2pPr marL="0" marR="0" indent="0" algn="ctr" defTabSz="410763" rtl="0" latinLnBrk="0">
         <a:lnSpc>
           <a:spcPct val="100000"/>
         </a:lnSpc>
@@ -4259,13 +4215,13 @@
             <a:srgbClr val="800000"/>
           </a:solidFill>
           <a:uFillTx/>
-          <a:latin typeface="+mn-lt"/>
-          <a:ea typeface="+mn-ea"/>
-          <a:cs typeface="+mn-cs"/>
+          <a:latin typeface="+mj-lt"/>
+          <a:ea typeface="+mj-ea"/>
+          <a:cs typeface="+mj-cs"/>
           <a:sym typeface="Helvetica"/>
         </a:defRPr>
       </a:lvl2pPr>
-      <a:lvl3pPr marL="0" marR="0" indent="0" algn="ctr" defTabSz="410764" rtl="0" latinLnBrk="0">
+      <a:lvl3pPr marL="0" marR="0" indent="0" algn="ctr" defTabSz="410763" rtl="0" latinLnBrk="0">
         <a:lnSpc>
           <a:spcPct val="100000"/>
         </a:lnSpc>
@@ -4285,13 +4241,13 @@
             <a:srgbClr val="800000"/>
           </a:solidFill>
           <a:uFillTx/>
-          <a:latin typeface="+mn-lt"/>
-          <a:ea typeface="+mn-ea"/>
-          <a:cs typeface="+mn-cs"/>
+          <a:latin typeface="+mj-lt"/>
+          <a:ea typeface="+mj-ea"/>
+          <a:cs typeface="+mj-cs"/>
           <a:sym typeface="Helvetica"/>
         </a:defRPr>
       </a:lvl3pPr>
-      <a:lvl4pPr marL="0" marR="0" indent="0" algn="ctr" defTabSz="410764" rtl="0" latinLnBrk="0">
+      <a:lvl4pPr marL="0" marR="0" indent="0" algn="ctr" defTabSz="410763" rtl="0" latinLnBrk="0">
         <a:lnSpc>
           <a:spcPct val="100000"/>
         </a:lnSpc>
@@ -4311,13 +4267,13 @@
             <a:srgbClr val="800000"/>
           </a:solidFill>
           <a:uFillTx/>
-          <a:latin typeface="+mn-lt"/>
-          <a:ea typeface="+mn-ea"/>
-          <a:cs typeface="+mn-cs"/>
+          <a:latin typeface="+mj-lt"/>
+          <a:ea typeface="+mj-ea"/>
+          <a:cs typeface="+mj-cs"/>
           <a:sym typeface="Helvetica"/>
         </a:defRPr>
       </a:lvl4pPr>
-      <a:lvl5pPr marL="0" marR="0" indent="0" algn="ctr" defTabSz="410764" rtl="0" latinLnBrk="0">
+      <a:lvl5pPr marL="0" marR="0" indent="0" algn="ctr" defTabSz="410763" rtl="0" latinLnBrk="0">
         <a:lnSpc>
           <a:spcPct val="100000"/>
         </a:lnSpc>
@@ -4337,13 +4293,13 @@
             <a:srgbClr val="800000"/>
           </a:solidFill>
           <a:uFillTx/>
-          <a:latin typeface="+mn-lt"/>
-          <a:ea typeface="+mn-ea"/>
-          <a:cs typeface="+mn-cs"/>
+          <a:latin typeface="+mj-lt"/>
+          <a:ea typeface="+mj-ea"/>
+          <a:cs typeface="+mj-cs"/>
           <a:sym typeface="Helvetica"/>
         </a:defRPr>
       </a:lvl5pPr>
-      <a:lvl6pPr marL="0" marR="0" indent="0" algn="ctr" defTabSz="410764" rtl="0" latinLnBrk="0">
+      <a:lvl6pPr marL="0" marR="0" indent="0" algn="ctr" defTabSz="410763" rtl="0" latinLnBrk="0">
         <a:lnSpc>
           <a:spcPct val="100000"/>
         </a:lnSpc>
@@ -4363,13 +4319,13 @@
             <a:srgbClr val="800000"/>
           </a:solidFill>
           <a:uFillTx/>
-          <a:latin typeface="+mn-lt"/>
-          <a:ea typeface="+mn-ea"/>
-          <a:cs typeface="+mn-cs"/>
+          <a:latin typeface="+mj-lt"/>
+          <a:ea typeface="+mj-ea"/>
+          <a:cs typeface="+mj-cs"/>
           <a:sym typeface="Helvetica"/>
         </a:defRPr>
       </a:lvl6pPr>
-      <a:lvl7pPr marL="0" marR="0" indent="0" algn="ctr" defTabSz="410764" rtl="0" latinLnBrk="0">
+      <a:lvl7pPr marL="0" marR="0" indent="0" algn="ctr" defTabSz="410763" rtl="0" latinLnBrk="0">
         <a:lnSpc>
           <a:spcPct val="100000"/>
         </a:lnSpc>
@@ -4389,13 +4345,13 @@
             <a:srgbClr val="800000"/>
           </a:solidFill>
           <a:uFillTx/>
-          <a:latin typeface="+mn-lt"/>
-          <a:ea typeface="+mn-ea"/>
-          <a:cs typeface="+mn-cs"/>
+          <a:latin typeface="+mj-lt"/>
+          <a:ea typeface="+mj-ea"/>
+          <a:cs typeface="+mj-cs"/>
           <a:sym typeface="Helvetica"/>
         </a:defRPr>
       </a:lvl7pPr>
-      <a:lvl8pPr marL="0" marR="0" indent="0" algn="ctr" defTabSz="410764" rtl="0" latinLnBrk="0">
+      <a:lvl8pPr marL="0" marR="0" indent="0" algn="ctr" defTabSz="410763" rtl="0" latinLnBrk="0">
         <a:lnSpc>
           <a:spcPct val="100000"/>
         </a:lnSpc>
@@ -4415,13 +4371,13 @@
             <a:srgbClr val="800000"/>
           </a:solidFill>
           <a:uFillTx/>
-          <a:latin typeface="+mn-lt"/>
-          <a:ea typeface="+mn-ea"/>
-          <a:cs typeface="+mn-cs"/>
+          <a:latin typeface="+mj-lt"/>
+          <a:ea typeface="+mj-ea"/>
+          <a:cs typeface="+mj-cs"/>
           <a:sym typeface="Helvetica"/>
         </a:defRPr>
       </a:lvl8pPr>
-      <a:lvl9pPr marL="0" marR="0" indent="0" algn="ctr" defTabSz="410764" rtl="0" latinLnBrk="0">
+      <a:lvl9pPr marL="0" marR="0" indent="0" algn="ctr" defTabSz="410763" rtl="0" latinLnBrk="0">
         <a:lnSpc>
           <a:spcPct val="100000"/>
         </a:lnSpc>
@@ -4441,15 +4397,15 @@
             <a:srgbClr val="800000"/>
           </a:solidFill>
           <a:uFillTx/>
-          <a:latin typeface="+mn-lt"/>
-          <a:ea typeface="+mn-ea"/>
-          <a:cs typeface="+mn-cs"/>
+          <a:latin typeface="+mj-lt"/>
+          <a:ea typeface="+mj-ea"/>
+          <a:cs typeface="+mj-cs"/>
           <a:sym typeface="Helvetica"/>
         </a:defRPr>
       </a:lvl9pPr>
     </p:titleStyle>
     <p:bodyStyle>
-      <a:lvl1pPr marL="296333" marR="0" indent="-296333" algn="l" defTabSz="410764" rtl="0" latinLnBrk="0">
+      <a:lvl1pPr marL="296333" marR="0" indent="-296333" algn="l" defTabSz="410763" rtl="0" latinLnBrk="0">
         <a:lnSpc>
           <a:spcPct val="100000"/>
         </a:lnSpc>
@@ -4475,7 +4431,7 @@
           <a:sym typeface="Helvetica Light"/>
         </a:defRPr>
       </a:lvl1pPr>
-      <a:lvl2pPr marL="740832" marR="0" indent="-296332" algn="l" defTabSz="410764" rtl="0" latinLnBrk="0">
+      <a:lvl2pPr marL="740832" marR="0" indent="-296332" algn="l" defTabSz="410763" rtl="0" latinLnBrk="0">
         <a:lnSpc>
           <a:spcPct val="100000"/>
         </a:lnSpc>
@@ -4501,7 +4457,7 @@
           <a:sym typeface="Helvetica Light"/>
         </a:defRPr>
       </a:lvl2pPr>
-      <a:lvl3pPr marL="1185332" marR="0" indent="-296332" algn="l" defTabSz="410764" rtl="0" latinLnBrk="0">
+      <a:lvl3pPr marL="1185332" marR="0" indent="-296332" algn="l" defTabSz="410763" rtl="0" latinLnBrk="0">
         <a:lnSpc>
           <a:spcPct val="100000"/>
         </a:lnSpc>
@@ -4527,7 +4483,7 @@
           <a:sym typeface="Helvetica Light"/>
         </a:defRPr>
       </a:lvl3pPr>
-      <a:lvl4pPr marL="1629833" marR="0" indent="-296332" algn="l" defTabSz="410764" rtl="0" latinLnBrk="0">
+      <a:lvl4pPr marL="1629833" marR="0" indent="-296332" algn="l" defTabSz="410763" rtl="0" latinLnBrk="0">
         <a:lnSpc>
           <a:spcPct val="100000"/>
         </a:lnSpc>
@@ -4553,7 +4509,7 @@
           <a:sym typeface="Helvetica Light"/>
         </a:defRPr>
       </a:lvl4pPr>
-      <a:lvl5pPr marL="2074333" marR="0" indent="-296333" algn="l" defTabSz="410764" rtl="0" latinLnBrk="0">
+      <a:lvl5pPr marL="2074333" marR="0" indent="-296333" algn="l" defTabSz="410763" rtl="0" latinLnBrk="0">
         <a:lnSpc>
           <a:spcPct val="100000"/>
         </a:lnSpc>
@@ -4579,7 +4535,7 @@
           <a:sym typeface="Helvetica Light"/>
         </a:defRPr>
       </a:lvl5pPr>
-      <a:lvl6pPr marL="2590800" marR="0" indent="-304800" algn="l" defTabSz="410764" rtl="0" latinLnBrk="0">
+      <a:lvl6pPr marL="2590800" marR="0" indent="-304800" algn="l" defTabSz="410763" rtl="0" latinLnBrk="0">
         <a:lnSpc>
           <a:spcPct val="100000"/>
         </a:lnSpc>
@@ -4605,7 +4561,7 @@
           <a:sym typeface="Helvetica Light"/>
         </a:defRPr>
       </a:lvl6pPr>
-      <a:lvl7pPr marL="3048000" marR="0" indent="-304800" algn="l" defTabSz="410764" rtl="0" latinLnBrk="0">
+      <a:lvl7pPr marL="3048000" marR="0" indent="-304800" algn="l" defTabSz="410763" rtl="0" latinLnBrk="0">
         <a:lnSpc>
           <a:spcPct val="100000"/>
         </a:lnSpc>
@@ -4631,7 +4587,7 @@
           <a:sym typeface="Helvetica Light"/>
         </a:defRPr>
       </a:lvl7pPr>
-      <a:lvl8pPr marL="3505200" marR="0" indent="-304800" algn="l" defTabSz="410764" rtl="0" latinLnBrk="0">
+      <a:lvl8pPr marL="3505200" marR="0" indent="-304800" algn="l" defTabSz="410763" rtl="0" latinLnBrk="0">
         <a:lnSpc>
           <a:spcPct val="100000"/>
         </a:lnSpc>
@@ -4657,7 +4613,7 @@
           <a:sym typeface="Helvetica Light"/>
         </a:defRPr>
       </a:lvl8pPr>
-      <a:lvl9pPr marL="3962400" marR="0" indent="-304800" algn="l" defTabSz="410764" rtl="0" latinLnBrk="0">
+      <a:lvl9pPr marL="3962400" marR="0" indent="-304800" algn="l" defTabSz="410763" rtl="0" latinLnBrk="0">
         <a:lnSpc>
           <a:spcPct val="100000"/>
         </a:lnSpc>
@@ -4685,7 +4641,7 @@
       </a:lvl9pPr>
     </p:bodyStyle>
     <p:otherStyle>
-      <a:lvl1pPr marL="0" marR="0" indent="0" algn="ctr" defTabSz="410764" rtl="0" latinLnBrk="0">
+      <a:lvl1pPr marL="0" marR="0" indent="0" algn="ctr" defTabSz="410763" rtl="0" latinLnBrk="0">
         <a:lnSpc>
           <a:spcPct val="100000"/>
         </a:lnSpc>
@@ -4711,7 +4667,7 @@
           <a:sym typeface="Helvetica Light"/>
         </a:defRPr>
       </a:lvl1pPr>
-      <a:lvl2pPr marL="0" marR="0" indent="0" algn="ctr" defTabSz="410764" rtl="0" latinLnBrk="0">
+      <a:lvl2pPr marL="0" marR="0" indent="0" algn="ctr" defTabSz="410763" rtl="0" latinLnBrk="0">
         <a:lnSpc>
           <a:spcPct val="100000"/>
         </a:lnSpc>
@@ -4737,7 +4693,7 @@
           <a:sym typeface="Helvetica Light"/>
         </a:defRPr>
       </a:lvl2pPr>
-      <a:lvl3pPr marL="0" marR="0" indent="0" algn="ctr" defTabSz="410764" rtl="0" latinLnBrk="0">
+      <a:lvl3pPr marL="0" marR="0" indent="0" algn="ctr" defTabSz="410763" rtl="0" latinLnBrk="0">
         <a:lnSpc>
           <a:spcPct val="100000"/>
         </a:lnSpc>
@@ -4763,7 +4719,7 @@
           <a:sym typeface="Helvetica Light"/>
         </a:defRPr>
       </a:lvl3pPr>
-      <a:lvl4pPr marL="0" marR="0" indent="0" algn="ctr" defTabSz="410764" rtl="0" latinLnBrk="0">
+      <a:lvl4pPr marL="0" marR="0" indent="0" algn="ctr" defTabSz="410763" rtl="0" latinLnBrk="0">
         <a:lnSpc>
           <a:spcPct val="100000"/>
         </a:lnSpc>
@@ -4789,7 +4745,7 @@
           <a:sym typeface="Helvetica Light"/>
         </a:defRPr>
       </a:lvl4pPr>
-      <a:lvl5pPr marL="0" marR="0" indent="0" algn="ctr" defTabSz="410764" rtl="0" latinLnBrk="0">
+      <a:lvl5pPr marL="0" marR="0" indent="0" algn="ctr" defTabSz="410763" rtl="0" latinLnBrk="0">
         <a:lnSpc>
           <a:spcPct val="100000"/>
         </a:lnSpc>
@@ -4815,7 +4771,7 @@
           <a:sym typeface="Helvetica Light"/>
         </a:defRPr>
       </a:lvl5pPr>
-      <a:lvl6pPr marL="0" marR="0" indent="0" algn="ctr" defTabSz="410764" rtl="0" latinLnBrk="0">
+      <a:lvl6pPr marL="0" marR="0" indent="0" algn="ctr" defTabSz="410763" rtl="0" latinLnBrk="0">
         <a:lnSpc>
           <a:spcPct val="100000"/>
         </a:lnSpc>
@@ -4841,7 +4797,7 @@
           <a:sym typeface="Helvetica Light"/>
         </a:defRPr>
       </a:lvl6pPr>
-      <a:lvl7pPr marL="0" marR="0" indent="0" algn="ctr" defTabSz="410764" rtl="0" latinLnBrk="0">
+      <a:lvl7pPr marL="0" marR="0" indent="0" algn="ctr" defTabSz="410763" rtl="0" latinLnBrk="0">
         <a:lnSpc>
           <a:spcPct val="100000"/>
         </a:lnSpc>
@@ -4867,7 +4823,7 @@
           <a:sym typeface="Helvetica Light"/>
         </a:defRPr>
       </a:lvl7pPr>
-      <a:lvl8pPr marL="0" marR="0" indent="0" algn="ctr" defTabSz="410764" rtl="0" latinLnBrk="0">
+      <a:lvl8pPr marL="0" marR="0" indent="0" algn="ctr" defTabSz="410763" rtl="0" latinLnBrk="0">
         <a:lnSpc>
           <a:spcPct val="100000"/>
         </a:lnSpc>
@@ -4893,7 +4849,7 @@
           <a:sym typeface="Helvetica Light"/>
         </a:defRPr>
       </a:lvl8pPr>
-      <a:lvl9pPr marL="0" marR="0" indent="0" algn="ctr" defTabSz="410764" rtl="0" latinLnBrk="0">
+      <a:lvl9pPr marL="0" marR="0" indent="0" algn="ctr" defTabSz="410763" rtl="0" latinLnBrk="0">
         <a:lnSpc>
           <a:spcPct val="100000"/>
         </a:lnSpc>
@@ -4951,8 +4907,8 @@
         </p:nvSpPr>
         <p:spPr>
           <a:xfrm>
-            <a:off x="277663" y="-2"/>
-            <a:ext cx="8572501" cy="1267126"/>
+            <a:off x="277663" y="-3"/>
+            <a:ext cx="8572501" cy="1267128"/>
           </a:xfrm>
           <a:prstGeom prst="rect">
             <a:avLst/>
@@ -4989,8 +4945,8 @@
         </p:nvSpPr>
         <p:spPr>
           <a:xfrm>
-            <a:off x="277663" y="1267121"/>
-            <a:ext cx="8572501" cy="5397503"/>
+            <a:off x="277663" y="1267120"/>
+            <a:ext cx="8572501" cy="5397505"/>
           </a:xfrm>
           <a:prstGeom prst="rect">
             <a:avLst/>
@@ -5000,102 +4956,149 @@
           <a:bodyPr lIns="45718" tIns="45718" rIns="45718" bIns="45718" anchor="t"/>
           <a:lstStyle/>
           <a:p>
-            <a:pPr marL="0" indent="0" defTabSz="370331">
+            <a:pPr marL="0" indent="0" defTabSz="340704">
               <a:spcBef>
-                <a:spcPts val="900"/>
+                <a:spcPts val="800"/>
               </a:spcBef>
               <a:buSzTx/>
-              <a:buFont typeface="Arial"/>
               <a:buNone/>
-              <a:defRPr b="1" sz="1900">
+              <a:defRPr b="1" sz="1748">
                 <a:uFill>
                   <a:solidFill>
                     <a:srgbClr val="000000"/>
                   </a:solidFill>
                 </a:uFill>
-                <a:latin typeface="+mn-lt"/>
-                <a:ea typeface="+mn-ea"/>
-                <a:cs typeface="+mn-cs"/>
+                <a:latin typeface="+mj-lt"/>
+                <a:ea typeface="+mj-ea"/>
+                <a:cs typeface="+mj-cs"/>
                 <a:sym typeface="Helvetica"/>
               </a:defRPr>
             </a:pPr>
             <a:r>
-              <a:t>With 31 deaths in the U.S. as of March 11, a 1% death rate, and up to 4 weeks  between infection and death, that means that as of Feb 12 there were 3100 coronavirus cases in the United States. If it is doubling every seven days, then now about 45,000 people have and in the next week about 45,000 more people in the U.S. will catch coronavirus—which means 1/6000, currently 10 members of the extended Berkeley community. </a:t>
-            </a:r>
-          </a:p>
-          <a:p>
-            <a:pPr marL="0" indent="0" defTabSz="370331">
+              <a:rPr strike="sngStrike"/>
+              <a:t>With 31 deaths in the U.S. as of March 11, a 1% death rate, and up to 4 weeks between infection and death, that means that as of Feb 12 there were 3100 coronavirus cases in the United States</a:t>
+            </a:r>
+            <a:r>
+              <a:t>. </a:t>
+            </a:r>
+          </a:p>
+          <a:p>
+            <a:pPr marL="0" indent="0" defTabSz="340704">
               <a:spcBef>
-                <a:spcPts val="900"/>
+                <a:spcPts val="800"/>
               </a:spcBef>
               <a:buSzTx/>
-              <a:buFont typeface="Arial"/>
               <a:buNone/>
-              <a:defRPr b="1" sz="1900">
+              <a:defRPr b="1" sz="1748">
                 <a:uFill>
                   <a:solidFill>
                     <a:srgbClr val="000000"/>
                   </a:solidFill>
                 </a:uFill>
-                <a:latin typeface="+mn-lt"/>
-                <a:ea typeface="+mn-ea"/>
-                <a:cs typeface="+mn-cs"/>
+                <a:latin typeface="+mj-lt"/>
+                <a:ea typeface="+mj-ea"/>
+                <a:cs typeface="+mj-cs"/>
                 <a:sym typeface="Helvetica"/>
               </a:defRPr>
             </a:pPr>
-          </a:p>
-          <a:p>
-            <a:pPr marL="0" indent="0" defTabSz="370331">
+            <a:r>
+              <a:t>With 73 deaths in the U.S. as of Mar 16, a 1% death rate, and up to 4 weeks between infection and death, that means that as of Feb 17 there were 7300 coronavirus cases in the United States</a:t>
+            </a:r>
+            <a:endParaRPr strike="sngStrike"/>
+          </a:p>
+          <a:p>
+            <a:pPr marL="0" indent="0" defTabSz="340704">
               <a:spcBef>
-                <a:spcPts val="900"/>
+                <a:spcPts val="800"/>
               </a:spcBef>
               <a:buSzTx/>
-              <a:buFont typeface="Arial"/>
               <a:buNone/>
-              <a:defRPr b="1" sz="1900">
+              <a:defRPr b="1" sz="1748">
                 <a:uFill>
                   <a:solidFill>
                     <a:srgbClr val="000000"/>
                   </a:solidFill>
                 </a:uFill>
-                <a:latin typeface="+mn-lt"/>
-                <a:ea typeface="+mn-ea"/>
-                <a:cs typeface="+mn-cs"/>
+                <a:latin typeface="+mj-lt"/>
+                <a:ea typeface="+mj-ea"/>
+                <a:cs typeface="+mj-cs"/>
                 <a:sym typeface="Helvetica"/>
               </a:defRPr>
             </a:pPr>
             <a:r>
-              <a:t>These numbers could be five times too big. These numbers are probably not five times too small unless the thing is a lot less deadly, and there are a lot of asymptomatic cases…</a:t>
-            </a:r>
-          </a:p>
-          <a:p>
-            <a:pPr marL="0" indent="0" defTabSz="370331">
+              <a:t>If it is doubling every seven days, then now about 116,000 people have and in the next week about 116,000 more people in the U.S. will catch coronavirus—which means 1/2700, currently 3000 of the 7.6 million inhabitants of San Francisco Bay. Touch a hard surface that any of those 3000 has touched in the last 48 hours, and the virus has a chance to jump to you…</a:t>
+            </a:r>
+          </a:p>
+          <a:p>
+            <a:pPr marL="0" indent="0" defTabSz="340704">
               <a:spcBef>
-                <a:spcPts val="900"/>
+                <a:spcPts val="800"/>
               </a:spcBef>
               <a:buSzTx/>
-              <a:buFont typeface="Arial"/>
               <a:buNone/>
-              <a:defRPr b="1" sz="1900">
+              <a:defRPr b="1" sz="1748">
                 <a:uFill>
                   <a:solidFill>
                     <a:srgbClr val="000000"/>
                   </a:solidFill>
                 </a:uFill>
-                <a:latin typeface="+mn-lt"/>
-                <a:ea typeface="+mn-ea"/>
-                <a:cs typeface="+mn-cs"/>
+                <a:latin typeface="+mj-lt"/>
+                <a:ea typeface="+mj-ea"/>
+                <a:cs typeface="+mj-cs"/>
                 <a:sym typeface="Helvetica"/>
               </a:defRPr>
             </a:pPr>
           </a:p>
           <a:p>
-            <a:pPr marL="194910" indent="-194910" defTabSz="370331">
+            <a:pPr marL="0" indent="0" defTabSz="340704">
               <a:spcBef>
-                <a:spcPts val="900"/>
+                <a:spcPts val="800"/>
+              </a:spcBef>
+              <a:buSzTx/>
+              <a:buNone/>
+              <a:defRPr b="1" sz="1748">
+                <a:uFill>
+                  <a:solidFill>
+                    <a:srgbClr val="000000"/>
+                  </a:solidFill>
+                </a:uFill>
+                <a:latin typeface="+mj-lt"/>
+                <a:ea typeface="+mj-ea"/>
+                <a:cs typeface="+mj-cs"/>
+                <a:sym typeface="Helvetica"/>
+              </a:defRPr>
+            </a:pPr>
+            <a:r>
+              <a:t>These numbers could be five times too big. These numbers are probably not five times too small unless the thing is a lot less deadly, and there are a lot of asymptomatic cases…</a:t>
+            </a:r>
+          </a:p>
+          <a:p>
+            <a:pPr marL="0" indent="0" defTabSz="340704">
+              <a:spcBef>
+                <a:spcPts val="800"/>
+              </a:spcBef>
+              <a:buSzTx/>
+              <a:buNone/>
+              <a:defRPr b="1" sz="1748">
+                <a:uFill>
+                  <a:solidFill>
+                    <a:srgbClr val="000000"/>
+                  </a:solidFill>
+                </a:uFill>
+                <a:latin typeface="+mj-lt"/>
+                <a:ea typeface="+mj-ea"/>
+                <a:cs typeface="+mj-cs"/>
+                <a:sym typeface="Helvetica"/>
+              </a:defRPr>
+            </a:pPr>
+          </a:p>
+          <a:p>
+            <a:pPr marL="179317" indent="-179317" defTabSz="340704">
+              <a:spcBef>
+                <a:spcPts val="800"/>
               </a:spcBef>
               <a:buSzPct val="100000"/>
-              <a:defRPr sz="1900">
+              <a:defRPr sz="1748">
                 <a:uFill>
                   <a:solidFill>
                     <a:srgbClr val="000000"/>
@@ -5149,8 +5152,8 @@
         </p:nvSpPr>
         <p:spPr>
           <a:xfrm>
-            <a:off x="277663" y="-2"/>
-            <a:ext cx="8572501" cy="1267126"/>
+            <a:off x="277663" y="139697"/>
+            <a:ext cx="8572502" cy="1267128"/>
           </a:xfrm>
           <a:prstGeom prst="rect">
             <a:avLst/>
@@ -5175,7 +5178,7 @@
           <a:p>
             <a:pPr/>
             <a:r>
-              <a:t>Coronavirus!</a:t>
+              <a:t>MOAR Coronavirus!</a:t>
             </a:r>
           </a:p>
         </p:txBody>
@@ -5185,13 +5188,13 @@
           <p:cNvPr id="175" name="The long 20th century will in all likelihood be seen in the future as the watershed in human experience:…"/>
           <p:cNvSpPr txBox="1"/>
           <p:nvPr>
-            <p:ph type="body" idx="4294967295"/>
+            <p:ph type="body" sz="quarter" idx="4294967295"/>
           </p:nvPr>
         </p:nvSpPr>
         <p:spPr>
           <a:xfrm>
             <a:off x="277663" y="1267121"/>
-            <a:ext cx="8572501" cy="5397503"/>
+            <a:ext cx="5024783" cy="2296266"/>
           </a:xfrm>
           <a:prstGeom prst="rect">
             <a:avLst/>
@@ -5201,36 +5204,35 @@
           <a:bodyPr lIns="45718" tIns="45718" rIns="45718" bIns="45718" anchor="t"/>
           <a:lstStyle/>
           <a:p>
-            <a:pPr marL="0" indent="0" defTabSz="248121">
+            <a:pPr marL="0" indent="0" defTabSz="323298">
               <a:spcBef>
-                <a:spcPts val="600"/>
+                <a:spcPts val="700"/>
               </a:spcBef>
               <a:buSzTx/>
-              <a:buFont typeface="Arial"/>
               <a:buNone/>
-              <a:defRPr b="1" sz="1273">
+              <a:defRPr b="1" sz="1619">
                 <a:uFill>
                   <a:solidFill>
                     <a:srgbClr val="000000"/>
                   </a:solidFill>
                 </a:uFill>
-                <a:latin typeface="+mn-lt"/>
-                <a:ea typeface="+mn-ea"/>
-                <a:cs typeface="+mn-cs"/>
+                <a:latin typeface="+mj-lt"/>
+                <a:ea typeface="+mj-ea"/>
+                <a:cs typeface="+mj-cs"/>
                 <a:sym typeface="Helvetica"/>
               </a:defRPr>
             </a:pPr>
             <a:r>
-              <a:t>Calls are Carol Christ’s…</a:t>
-            </a:r>
-          </a:p>
-          <a:p>
-            <a:pPr marL="130590" indent="-130590" defTabSz="248121">
+              <a:t>As of March 16: Things are not moving in the right direction:</a:t>
+            </a:r>
+          </a:p>
+          <a:p>
+            <a:pPr marL="170156" indent="-170156" defTabSz="323298">
               <a:spcBef>
-                <a:spcPts val="600"/>
+                <a:spcPts val="700"/>
               </a:spcBef>
               <a:buSzPct val="100000"/>
-              <a:defRPr sz="1273">
+              <a:defRPr sz="1619">
                 <a:uFill>
                   <a:solidFill>
                     <a:srgbClr val="000000"/>
@@ -5243,16 +5245,23 @@
               </a:defRPr>
             </a:pPr>
             <a:r>
-              <a:t>She has made the call: classes are now moved online: I am busy adding audio to slide files</a:t>
-            </a:r>
-          </a:p>
-          <a:p>
-            <a:pPr marL="130590" indent="-130590" defTabSz="248121">
+              <a:t>What is the R</a:t>
+            </a:r>
+            <a:r>
+              <a:rPr baseline="-5998"/>
+              <a:t>0</a:t>
+            </a:r>
+            <a:r>
+              <a:t>?</a:t>
+            </a:r>
+          </a:p>
+          <a:p>
+            <a:pPr marL="170156" indent="-170156" defTabSz="323298">
               <a:spcBef>
-                <a:spcPts val="600"/>
+                <a:spcPts val="700"/>
               </a:spcBef>
               <a:buSzPct val="100000"/>
-              <a:defRPr sz="1273">
+              <a:defRPr sz="1619">
                 <a:uFill>
                   <a:solidFill>
                     <a:srgbClr val="000000"/>
@@ -5265,17 +5274,23 @@
               </a:defRPr>
             </a:pPr>
             <a:r>
-              <a:t>That said:</a:t>
-            </a:r>
-          </a:p>
-          <a:p>
-            <a:pPr lvl="1" marL="510540" indent="-170180" defTabSz="248121">
+              <a:t>How can the R</a:t>
+            </a:r>
+            <a:r>
+              <a:rPr baseline="-5998"/>
+              <a:t>0</a:t>
+            </a:r>
+            <a:r>
+              <a:t> be changed?</a:t>
+            </a:r>
+          </a:p>
+          <a:p>
+            <a:pPr marL="170156" indent="-170156" defTabSz="323298">
               <a:spcBef>
-                <a:spcPts val="600"/>
+                <a:spcPts val="700"/>
               </a:spcBef>
               <a:buSzPct val="100000"/>
-              <a:buAutoNum type="arabicPeriod" startAt="1"/>
-              <a:defRPr sz="1273">
+              <a:defRPr sz="1619">
                 <a:uFill>
                   <a:solidFill>
                     <a:srgbClr val="000000"/>
@@ -5288,17 +5303,23 @@
               </a:defRPr>
             </a:pPr>
             <a:r>
-              <a:t>If you are coughing and sneezing, stay home! Email me and we will give you extra-credit points…</a:t>
-            </a:r>
-          </a:p>
-          <a:p>
-            <a:pPr lvl="1" marL="510540" indent="-170180" defTabSz="248121">
+              <a:t>How will the R</a:t>
+            </a:r>
+            <a:r>
+              <a:rPr baseline="-5998"/>
+              <a:t>0</a:t>
+            </a:r>
+            <a:r>
+              <a:t> change?</a:t>
+            </a:r>
+          </a:p>
+          <a:p>
+            <a:pPr marL="170156" indent="-170156" defTabSz="323298">
               <a:spcBef>
-                <a:spcPts val="600"/>
+                <a:spcPts val="700"/>
               </a:spcBef>
               <a:buSzPct val="100000"/>
-              <a:buAutoNum type="arabicPeriod" startAt="1"/>
-              <a:defRPr sz="1273">
+              <a:defRPr sz="1619">
                 <a:uFill>
                   <a:solidFill>
                     <a:srgbClr val="000000"/>
@@ -5311,17 +5332,16 @@
               </a:defRPr>
             </a:pPr>
             <a:r>
-              <a:t>Otherwise, there are powerful herd-animal benefits to coming to lecture</a:t>
-            </a:r>
-          </a:p>
-          <a:p>
-            <a:pPr lvl="1" marL="510540" indent="-170180" defTabSz="248121">
+              <a:t>What is the asymptote share of the population?</a:t>
+            </a:r>
+          </a:p>
+          <a:p>
+            <a:pPr marL="170156" indent="-170156" defTabSz="323298">
               <a:spcBef>
-                <a:spcPts val="600"/>
+                <a:spcPts val="700"/>
               </a:spcBef>
               <a:buSzPct val="100000"/>
-              <a:buAutoNum type="arabicPeriod" startAt="1"/>
-              <a:defRPr sz="1273">
+              <a:defRPr sz="1619">
                 <a:uFill>
                   <a:solidFill>
                     <a:srgbClr val="000000"/>
@@ -5334,302 +5354,69 @@
               </a:defRPr>
             </a:pPr>
             <a:r>
-              <a:t>(&amp; to talking about course material with your friends: you need to convince your brain that these concepts are useful, &amp; it should keep them)</a:t>
-            </a:r>
-          </a:p>
-          <a:p>
-            <a:pPr lvl="1" marL="510540" indent="-170180" defTabSz="248121">
-              <a:spcBef>
-                <a:spcPts val="600"/>
-              </a:spcBef>
-              <a:buSzPct val="100000"/>
-              <a:buAutoNum type="arabicPeriod" startAt="1"/>
-              <a:defRPr sz="1273">
-                <a:uFill>
-                  <a:solidFill>
-                    <a:srgbClr val="000000"/>
-                  </a:solidFill>
-                </a:uFill>
-                <a:latin typeface="Times New Roman"/>
-                <a:ea typeface="Times New Roman"/>
-                <a:cs typeface="Times New Roman"/>
-                <a:sym typeface="Times New Roman"/>
-              </a:defRPr>
-            </a:pPr>
-            <a:r>
-              <a:t>Washington State has been doing an intensive flu screening, so they know stuff:</a:t>
-            </a:r>
-          </a:p>
-          <a:p>
-            <a:pPr lvl="2" marL="638175" indent="-127635" defTabSz="248121">
-              <a:spcBef>
-                <a:spcPts val="600"/>
-              </a:spcBef>
-              <a:buSzPct val="100000"/>
-              <a:defRPr sz="1273">
-                <a:uFill>
-                  <a:solidFill>
-                    <a:srgbClr val="000000"/>
-                  </a:solidFill>
-                </a:uFill>
-                <a:latin typeface="Times New Roman"/>
-                <a:ea typeface="Times New Roman"/>
-                <a:cs typeface="Times New Roman"/>
-                <a:sym typeface="Times New Roman"/>
-              </a:defRPr>
-            </a:pPr>
-            <a:r>
-              <a:t>They guess: 1 in 1000 people in WA has coronavirus as of a week ago (March 1)…</a:t>
-            </a:r>
-          </a:p>
-          <a:p>
-            <a:pPr lvl="2" marL="638175" indent="-127635" defTabSz="248121">
-              <a:spcBef>
-                <a:spcPts val="600"/>
-              </a:spcBef>
-              <a:buSzPct val="100000"/>
-              <a:defRPr sz="1273">
-                <a:uFill>
-                  <a:solidFill>
-                    <a:srgbClr val="000000"/>
-                  </a:solidFill>
-                </a:uFill>
-                <a:latin typeface="Times New Roman"/>
-                <a:ea typeface="Times New Roman"/>
-                <a:cs typeface="Times New Roman"/>
-                <a:sym typeface="Times New Roman"/>
-              </a:defRPr>
-            </a:pPr>
-            <a:r>
-              <a:t>Half of them have no symptoms</a:t>
-            </a:r>
-          </a:p>
-          <a:p>
-            <a:pPr lvl="2" marL="638175" indent="-127635" defTabSz="248121">
-              <a:spcBef>
-                <a:spcPts val="600"/>
-              </a:spcBef>
-              <a:buSzPct val="100000"/>
-              <a:defRPr sz="1273">
-                <a:uFill>
-                  <a:solidFill>
-                    <a:srgbClr val="000000"/>
-                  </a:solidFill>
-                </a:uFill>
-                <a:latin typeface="Times New Roman"/>
-                <a:ea typeface="Times New Roman"/>
-                <a:cs typeface="Times New Roman"/>
-                <a:sym typeface="Times New Roman"/>
-              </a:defRPr>
-            </a:pPr>
-            <a:r>
-              <a:t>Asymptomatic transmission means that we cannot contain this without shutting society down</a:t>
-            </a:r>
-          </a:p>
-          <a:p>
-            <a:pPr lvl="2" marL="638175" indent="-127635" defTabSz="248121">
-              <a:spcBef>
-                <a:spcPts val="600"/>
-              </a:spcBef>
-              <a:buSzPct val="100000"/>
-              <a:defRPr sz="1273">
-                <a:uFill>
-                  <a:solidFill>
-                    <a:srgbClr val="000000"/>
-                  </a:solidFill>
-                </a:uFill>
-                <a:latin typeface="Times New Roman"/>
-                <a:ea typeface="Times New Roman"/>
-                <a:cs typeface="Times New Roman"/>
-                <a:sym typeface="Times New Roman"/>
-              </a:defRPr>
-            </a:pPr>
-            <a:r>
-              <a:t>Cases doubling every 5 days</a:t>
-            </a:r>
-          </a:p>
-          <a:p>
-            <a:pPr lvl="2" marL="638175" indent="-127635" defTabSz="248121">
-              <a:spcBef>
-                <a:spcPts val="600"/>
-              </a:spcBef>
-              <a:buSzPct val="100000"/>
-              <a:defRPr sz="1273">
-                <a:uFill>
-                  <a:solidFill>
-                    <a:srgbClr val="000000"/>
-                  </a:solidFill>
-                </a:uFill>
-                <a:latin typeface="Times New Roman"/>
-                <a:ea typeface="Times New Roman"/>
-                <a:cs typeface="Times New Roman"/>
-                <a:sym typeface="Times New Roman"/>
-              </a:defRPr>
-            </a:pPr>
-            <a:r>
-              <a:t>Means that by the end of March 1 in 45 people in WA will have it…</a:t>
-            </a:r>
-          </a:p>
-          <a:p>
-            <a:pPr lvl="2" marL="638175" indent="-127635" defTabSz="248121">
-              <a:spcBef>
-                <a:spcPts val="600"/>
-              </a:spcBef>
-              <a:buSzPct val="100000"/>
-              <a:defRPr sz="1273">
-                <a:uFill>
-                  <a:solidFill>
-                    <a:srgbClr val="000000"/>
-                  </a:solidFill>
-                </a:uFill>
-                <a:latin typeface="Times New Roman"/>
-                <a:ea typeface="Times New Roman"/>
-                <a:cs typeface="Times New Roman"/>
-                <a:sym typeface="Times New Roman"/>
-              </a:defRPr>
-            </a:pPr>
-            <a:r>
-              <a:t>April will be epidemic month—unless something substantially reduces R</a:t>
-            </a:r>
-            <a:r>
-              <a:rPr baseline="-5999"/>
-              <a:t>0</a:t>
-            </a:r>
-          </a:p>
-          <a:p>
-            <a:pPr lvl="2" marL="638175" indent="-127635" defTabSz="248121">
-              <a:spcBef>
-                <a:spcPts val="600"/>
-              </a:spcBef>
-              <a:buSzPct val="100000"/>
-              <a:defRPr sz="1273">
-                <a:uFill>
-                  <a:solidFill>
-                    <a:srgbClr val="000000"/>
-                  </a:solidFill>
-                </a:uFill>
-                <a:latin typeface="Times New Roman"/>
-                <a:ea typeface="Times New Roman"/>
-                <a:cs typeface="Times New Roman"/>
-                <a:sym typeface="Times New Roman"/>
-              </a:defRPr>
-            </a:pPr>
-            <a:r>
-              <a:t>In the end, 30%-70% of us will test positive</a:t>
-            </a:r>
-          </a:p>
-          <a:p>
-            <a:pPr lvl="2" marL="638175" indent="-127635" defTabSz="248121">
-              <a:spcBef>
-                <a:spcPts val="600"/>
-              </a:spcBef>
-              <a:buSzPct val="100000"/>
-              <a:defRPr sz="1273">
-                <a:uFill>
-                  <a:solidFill>
-                    <a:srgbClr val="000000"/>
-                  </a:solidFill>
-                </a:uFill>
-                <a:latin typeface="Times New Roman"/>
-                <a:ea typeface="Times New Roman"/>
-                <a:cs typeface="Times New Roman"/>
-                <a:sym typeface="Times New Roman"/>
-              </a:defRPr>
-            </a:pPr>
-            <a:r>
-              <a:t>&amp;, worldwide, 20 million people are likely to be dead</a:t>
-            </a:r>
-          </a:p>
-          <a:p>
-            <a:pPr lvl="2" marL="638175" indent="-127635" defTabSz="248121">
-              <a:spcBef>
-                <a:spcPts val="600"/>
-              </a:spcBef>
-              <a:buSzPct val="100000"/>
-              <a:defRPr sz="1273">
-                <a:uFill>
-                  <a:solidFill>
-                    <a:srgbClr val="000000"/>
-                  </a:solidFill>
-                </a:uFill>
-                <a:latin typeface="Times New Roman"/>
-                <a:ea typeface="Times New Roman"/>
-                <a:cs typeface="Times New Roman"/>
-                <a:sym typeface="Times New Roman"/>
-              </a:defRPr>
-            </a:pPr>
-            <a:r>
-              <a:t>Our hope is to stretch out this process as long as possible, so that health providers are not totally overwhelmed</a:t>
-            </a:r>
-          </a:p>
-          <a:p>
-            <a:pPr marL="127635" indent="-127635" defTabSz="248121">
-              <a:spcBef>
-                <a:spcPts val="600"/>
-              </a:spcBef>
-              <a:buSzPct val="100000"/>
-              <a:defRPr sz="1273">
-                <a:uFill>
-                  <a:solidFill>
-                    <a:srgbClr val="000000"/>
-                  </a:solidFill>
-                </a:uFill>
-                <a:latin typeface="Times New Roman"/>
-                <a:ea typeface="Times New Roman"/>
-                <a:cs typeface="Times New Roman"/>
-                <a:sym typeface="Times New Roman"/>
-              </a:defRPr>
-            </a:pPr>
-            <a:r>
-              <a:t>When will “the end” be?</a:t>
-            </a:r>
-          </a:p>
-          <a:p>
-            <a:pPr marL="127635" indent="-127635" defTabSz="248121">
-              <a:spcBef>
-                <a:spcPts val="600"/>
-              </a:spcBef>
-              <a:buSzPct val="100000"/>
-              <a:defRPr sz="1273">
-                <a:uFill>
-                  <a:solidFill>
-                    <a:srgbClr val="000000"/>
-                  </a:solidFill>
-                </a:uFill>
-                <a:latin typeface="Times New Roman"/>
-                <a:ea typeface="Times New Roman"/>
-                <a:cs typeface="Times New Roman"/>
-                <a:sym typeface="Times New Roman"/>
-              </a:defRPr>
-            </a:pPr>
-            <a:r>
-              <a:t>How fast will we get there?</a:t>
-            </a:r>
-          </a:p>
-          <a:p>
-            <a:pPr marL="127635" indent="-127635" defTabSz="248121">
-              <a:spcBef>
-                <a:spcPts val="600"/>
-              </a:spcBef>
-              <a:buSzPct val="100000"/>
-              <a:defRPr sz="1273">
-                <a:uFill>
-                  <a:solidFill>
-                    <a:srgbClr val="000000"/>
-                  </a:solidFill>
-                </a:uFill>
-                <a:latin typeface="Times New Roman"/>
-                <a:ea typeface="Times New Roman"/>
-                <a:cs typeface="Times New Roman"/>
-                <a:sym typeface="Times New Roman"/>
-              </a:defRPr>
-            </a:pPr>
-            <a:r>
-              <a:t>Will we be rescued by warmer weather?</a:t>
+              <a:t>What is the mortality rate?</a:t>
             </a:r>
           </a:p>
         </p:txBody>
       </p:sp>
+      <p:pic>
+        <p:nvPicPr>
+          <p:cNvPr id="176" name="Image" descr="Image"/>
+          <p:cNvPicPr>
+            <a:picLocks noChangeAspect="1"/>
+          </p:cNvPicPr>
+          <p:nvPr/>
+        </p:nvPicPr>
+        <p:blipFill>
+          <a:blip r:embed="rId2">
+            <a:extLst/>
+          </a:blip>
+          <a:stretch>
+            <a:fillRect/>
+          </a:stretch>
+        </p:blipFill>
+        <p:spPr>
+          <a:xfrm>
+            <a:off x="5302445" y="1267121"/>
+            <a:ext cx="3690465" cy="4647506"/>
+          </a:xfrm>
+          <a:prstGeom prst="rect">
+            <a:avLst/>
+          </a:prstGeom>
+          <a:ln w="12700">
+            <a:miter lim="400000"/>
+          </a:ln>
+        </p:spPr>
+      </p:pic>
+      <p:pic>
+        <p:nvPicPr>
+          <p:cNvPr id="177" name="Image" descr="Image"/>
+          <p:cNvPicPr>
+            <a:picLocks noChangeAspect="1"/>
+          </p:cNvPicPr>
+          <p:nvPr/>
+        </p:nvPicPr>
+        <p:blipFill>
+          <a:blip r:embed="rId3">
+            <a:extLst/>
+          </a:blip>
+          <a:stretch>
+            <a:fillRect/>
+          </a:stretch>
+        </p:blipFill>
+        <p:spPr>
+          <a:xfrm>
+            <a:off x="277663" y="4017610"/>
+            <a:ext cx="4467385" cy="2662739"/>
+          </a:xfrm>
+          <a:prstGeom prst="rect">
+            <a:avLst/>
+          </a:prstGeom>
+          <a:ln w="12700">
+            <a:miter lim="400000"/>
+          </a:ln>
+        </p:spPr>
+      </p:pic>
     </p:spTree>
   </p:cSld>
   <p:clrMapOvr>
@@ -5658,7 +5445,7 @@
       </p:grpSpPr>
       <p:sp>
         <p:nvSpPr>
-          <p:cNvPr id="177" name="About the Course"/>
+          <p:cNvPr id="179" name="About the Course"/>
           <p:cNvSpPr txBox="1"/>
           <p:nvPr>
             <p:ph type="title" idx="4294967295"/>
@@ -5666,8 +5453,8 @@
         </p:nvSpPr>
         <p:spPr>
           <a:xfrm>
-            <a:off x="277663" y="-2"/>
-            <a:ext cx="8572501" cy="1267126"/>
+            <a:off x="277663" y="-3"/>
+            <a:ext cx="8572501" cy="1267128"/>
           </a:xfrm>
           <a:prstGeom prst="rect">
             <a:avLst/>
@@ -5699,7 +5486,7 @@
       </p:sp>
       <p:sp>
         <p:nvSpPr>
-          <p:cNvPr id="178" name="The long 20th century will in all likelihood be seen in the future as the watershed in human experience:…"/>
+          <p:cNvPr id="180" name="The long 20th century will in all likelihood be seen in the future as the watershed in human experience:…"/>
           <p:cNvSpPr txBox="1"/>
           <p:nvPr>
             <p:ph type="body" sz="quarter" idx="4294967295"/>
@@ -5708,7 +5495,7 @@
         <p:spPr>
           <a:xfrm>
             <a:off x="277663" y="1267121"/>
-            <a:ext cx="5024783" cy="2296265"/>
+            <a:ext cx="5024783" cy="2296266"/>
           </a:xfrm>
           <a:prstGeom prst="rect">
             <a:avLst/>
@@ -5718,36 +5505,35 @@
           <a:bodyPr lIns="45718" tIns="45718" rIns="45718" bIns="45718" anchor="t"/>
           <a:lstStyle/>
           <a:p>
-            <a:pPr marL="0" indent="0" defTabSz="359221">
+            <a:pPr marL="0" indent="0" defTabSz="323298">
               <a:spcBef>
-                <a:spcPts val="800"/>
+                <a:spcPts val="700"/>
               </a:spcBef>
               <a:buSzTx/>
-              <a:buFont typeface="Arial"/>
               <a:buNone/>
-              <a:defRPr b="1" sz="1843">
+              <a:defRPr b="1" sz="1619">
                 <a:uFill>
                   <a:solidFill>
                     <a:srgbClr val="000000"/>
                   </a:solidFill>
                 </a:uFill>
-                <a:latin typeface="+mn-lt"/>
-                <a:ea typeface="+mn-ea"/>
-                <a:cs typeface="+mn-cs"/>
+                <a:latin typeface="+mj-lt"/>
+                <a:ea typeface="+mj-ea"/>
+                <a:cs typeface="+mj-cs"/>
                 <a:sym typeface="Helvetica"/>
               </a:defRPr>
             </a:pPr>
             <a:r>
-              <a:t>Things are not moving in the right direction:</a:t>
-            </a:r>
-          </a:p>
-          <a:p>
-            <a:pPr marL="189063" indent="-189063" defTabSz="359221">
+              <a:t>As of March 10: Things are not moving in the right direction:</a:t>
+            </a:r>
+          </a:p>
+          <a:p>
+            <a:pPr marL="170156" indent="-170156" defTabSz="323298">
               <a:spcBef>
-                <a:spcPts val="800"/>
+                <a:spcPts val="700"/>
               </a:spcBef>
               <a:buSzPct val="100000"/>
-              <a:defRPr sz="1843">
+              <a:defRPr sz="1619">
                 <a:uFill>
                   <a:solidFill>
                     <a:srgbClr val="000000"/>
@@ -5763,7 +5549,7 @@
               <a:t>What is the R</a:t>
             </a:r>
             <a:r>
-              <a:rPr baseline="-5999"/>
+              <a:rPr baseline="-5998"/>
               <a:t>0</a:t>
             </a:r>
             <a:r>
@@ -5771,12 +5557,12 @@
             </a:r>
           </a:p>
           <a:p>
-            <a:pPr marL="189063" indent="-189063" defTabSz="359221">
+            <a:pPr marL="170156" indent="-170156" defTabSz="323298">
               <a:spcBef>
-                <a:spcPts val="800"/>
+                <a:spcPts val="700"/>
               </a:spcBef>
               <a:buSzPct val="100000"/>
-              <a:defRPr sz="1843">
+              <a:defRPr sz="1619">
                 <a:uFill>
                   <a:solidFill>
                     <a:srgbClr val="000000"/>
@@ -5792,7 +5578,7 @@
               <a:t>How can the R</a:t>
             </a:r>
             <a:r>
-              <a:rPr baseline="-5999"/>
+              <a:rPr baseline="-5998"/>
               <a:t>0</a:t>
             </a:r>
             <a:r>
@@ -5800,12 +5586,12 @@
             </a:r>
           </a:p>
           <a:p>
-            <a:pPr marL="189063" indent="-189063" defTabSz="359221">
+            <a:pPr marL="170156" indent="-170156" defTabSz="323298">
               <a:spcBef>
-                <a:spcPts val="800"/>
+                <a:spcPts val="700"/>
               </a:spcBef>
               <a:buSzPct val="100000"/>
-              <a:defRPr sz="1843">
+              <a:defRPr sz="1619">
                 <a:uFill>
                   <a:solidFill>
                     <a:srgbClr val="000000"/>
@@ -5821,7 +5607,7 @@
               <a:t>How will the R</a:t>
             </a:r>
             <a:r>
-              <a:rPr baseline="-5999"/>
+              <a:rPr baseline="-5998"/>
               <a:t>0</a:t>
             </a:r>
             <a:r>
@@ -5829,12 +5615,12 @@
             </a:r>
           </a:p>
           <a:p>
-            <a:pPr marL="189063" indent="-189063" defTabSz="359221">
+            <a:pPr marL="170156" indent="-170156" defTabSz="323298">
               <a:spcBef>
-                <a:spcPts val="800"/>
+                <a:spcPts val="700"/>
               </a:spcBef>
               <a:buSzPct val="100000"/>
-              <a:defRPr sz="1843">
+              <a:defRPr sz="1619">
                 <a:uFill>
                   <a:solidFill>
                     <a:srgbClr val="000000"/>
@@ -5851,12 +5637,12 @@
             </a:r>
           </a:p>
           <a:p>
-            <a:pPr marL="189063" indent="-189063" defTabSz="359221">
+            <a:pPr marL="170156" indent="-170156" defTabSz="323298">
               <a:spcBef>
-                <a:spcPts val="800"/>
+                <a:spcPts val="700"/>
               </a:spcBef>
               <a:buSzPct val="100000"/>
-              <a:defRPr sz="1843">
+              <a:defRPr sz="1619">
                 <a:uFill>
                   <a:solidFill>
                     <a:srgbClr val="000000"/>
@@ -5876,7 +5662,7 @@
       </p:sp>
       <p:pic>
         <p:nvPicPr>
-          <p:cNvPr id="179" name="Image" descr="Image"/>
+          <p:cNvPr id="181" name="Image" descr="Image"/>
           <p:cNvPicPr>
             <a:picLocks noChangeAspect="1"/>
           </p:cNvPicPr>
@@ -5892,8 +5678,8 @@
         </p:blipFill>
         <p:spPr>
           <a:xfrm>
-            <a:off x="277663" y="3563384"/>
-            <a:ext cx="5024783" cy="3080920"/>
+            <a:off x="277662" y="3563384"/>
+            <a:ext cx="5024784" cy="3080921"/>
           </a:xfrm>
           <a:prstGeom prst="rect">
             <a:avLst/>
@@ -5905,7 +5691,7 @@
       </p:pic>
       <p:pic>
         <p:nvPicPr>
-          <p:cNvPr id="180" name="Image" descr="Image"/>
+          <p:cNvPr id="182" name="Image" descr="Image"/>
           <p:cNvPicPr>
             <a:picLocks noChangeAspect="1"/>
           </p:cNvPicPr>
@@ -5922,7 +5708,7 @@
         <p:spPr>
           <a:xfrm>
             <a:off x="5723025" y="1119015"/>
-            <a:ext cx="3285195" cy="5673463"/>
+            <a:ext cx="3285195" cy="5673464"/>
           </a:xfrm>
           <a:prstGeom prst="rect">
             <a:avLst/>
@@ -5960,7 +5746,7 @@
       </p:grpSpPr>
       <p:sp>
         <p:nvSpPr>
-          <p:cNvPr id="182" name="About the Course"/>
+          <p:cNvPr id="184" name="About the Course"/>
           <p:cNvSpPr txBox="1"/>
           <p:nvPr>
             <p:ph type="title" idx="4294967295"/>
@@ -5968,8 +5754,8 @@
         </p:nvSpPr>
         <p:spPr>
           <a:xfrm>
-            <a:off x="277663" y="-2"/>
-            <a:ext cx="8572501" cy="1267126"/>
+            <a:off x="277663" y="-3"/>
+            <a:ext cx="8572501" cy="1267128"/>
           </a:xfrm>
           <a:prstGeom prst="rect">
             <a:avLst/>
@@ -6001,7 +5787,7 @@
       </p:sp>
       <p:sp>
         <p:nvSpPr>
-          <p:cNvPr id="183" name="The long 20th century will in all likelihood be seen in the future as the watershed in human experience:…"/>
+          <p:cNvPr id="185" name="The long 20th century will in all likelihood be seen in the future as the watershed in human experience:…"/>
           <p:cNvSpPr txBox="1"/>
           <p:nvPr>
             <p:ph type="body" sz="quarter" idx="4294967295"/>
@@ -6009,8 +5795,8 @@
         </p:nvSpPr>
         <p:spPr>
           <a:xfrm>
-            <a:off x="277663" y="1267121"/>
-            <a:ext cx="2166921" cy="5397503"/>
+            <a:off x="277662" y="1267120"/>
+            <a:ext cx="2166922" cy="5397505"/>
           </a:xfrm>
           <a:prstGeom prst="rect">
             <a:avLst/>
@@ -6020,22 +5806,21 @@
           <a:bodyPr lIns="45718" tIns="45718" rIns="45718" bIns="45718" anchor="t"/>
           <a:lstStyle/>
           <a:p>
-            <a:pPr marL="0" indent="0" defTabSz="266638">
+            <a:pPr marL="0" indent="0" defTabSz="266637">
               <a:spcBef>
                 <a:spcPts val="600"/>
               </a:spcBef>
               <a:buSzTx/>
-              <a:buFont typeface="Arial"/>
               <a:buNone/>
-              <a:defRPr b="1" sz="1368">
+              <a:defRPr b="1" sz="1300">
                 <a:uFill>
                   <a:solidFill>
                     <a:srgbClr val="000000"/>
                   </a:solidFill>
                 </a:uFill>
-                <a:latin typeface="+mn-lt"/>
-                <a:ea typeface="+mn-ea"/>
-                <a:cs typeface="+mn-cs"/>
+                <a:latin typeface="+mj-lt"/>
+                <a:ea typeface="+mj-ea"/>
+                <a:cs typeface="+mj-cs"/>
                 <a:sym typeface="Helvetica"/>
               </a:defRPr>
             </a:pPr>
@@ -6044,12 +5829,12 @@
             </a:r>
           </a:p>
           <a:p>
-            <a:pPr marL="140335" indent="-140335" defTabSz="266638">
+            <a:pPr marL="140335" indent="-140335" defTabSz="266637">
               <a:spcBef>
                 <a:spcPts val="600"/>
               </a:spcBef>
               <a:buSzPct val="100000"/>
-              <a:defRPr sz="1368">
+              <a:defRPr b="1" sz="1300">
                 <a:uFill>
                   <a:solidFill>
                     <a:srgbClr val="000000"/>
@@ -6062,21 +5847,22 @@
               </a:defRPr>
             </a:pPr>
             <a:r>
-              <a:rPr b="1"/>
               <a:t>Max Roser &amp; Hannah Ritchie</a:t>
             </a:r>
             <a:r>
+              <a:rPr b="0"/>
               <a:t>: </a:t>
             </a:r>
             <a:r>
-              <a:rPr i="1"/>
+              <a:rPr b="0" i="1"/>
               <a:t>Coronavirus Disease (COVID-19)</a:t>
             </a:r>
             <a:r>
+              <a:rPr b="0"/>
               <a:t>_ &lt;</a:t>
             </a:r>
             <a:r>
-              <a:rPr u="sng">
+              <a:rPr b="0" u="sng">
                 <a:solidFill>
                   <a:srgbClr val="0000FF"/>
                 </a:solidFill>
@@ -6090,16 +5876,17 @@
               <a:t>https://ourworldindata.org/coronavirus</a:t>
             </a:r>
             <a:r>
+              <a:rPr b="0"/>
               <a:t>&gt;…</a:t>
             </a:r>
           </a:p>
           <a:p>
-            <a:pPr marL="140335" indent="-140335" defTabSz="266638">
+            <a:pPr marL="140335" indent="-140335" defTabSz="266637">
               <a:spcBef>
                 <a:spcPts val="600"/>
               </a:spcBef>
               <a:buSzPct val="100000"/>
-              <a:defRPr sz="1368">
+              <a:defRPr b="1" sz="1300">
                 <a:uFill>
                   <a:solidFill>
                     <a:srgbClr val="000000"/>
@@ -6112,21 +5899,22 @@
               </a:defRPr>
             </a:pPr>
             <a:r>
-              <a:rPr b="1"/>
               <a:t>Worldometer</a:t>
             </a:r>
             <a:r>
+              <a:rPr b="0"/>
               <a:t>: </a:t>
             </a:r>
             <a:r>
-              <a:rPr i="1"/>
+              <a:rPr b="0" i="1"/>
               <a:t>Coronavirus Update (Live) </a:t>
             </a:r>
             <a:r>
+              <a:rPr b="0"/>
               <a:t>&lt;</a:t>
             </a:r>
             <a:r>
-              <a:rPr u="sng">
+              <a:rPr b="0" u="sng">
                 <a:solidFill>
                   <a:srgbClr val="0000FF"/>
                 </a:solidFill>
@@ -6140,16 +5928,17 @@
               <a:t>https://www.worldometers.info/coronavirus/</a:t>
             </a:r>
             <a:r>
+              <a:rPr b="0"/>
               <a:t>&gt;: ‘125,599 Cases and 4,605 Deaths from COVID-19 Virus Outbreak…</a:t>
             </a:r>
           </a:p>
           <a:p>
-            <a:pPr marL="140335" indent="-140335" defTabSz="266638">
+            <a:pPr marL="140335" indent="-140335" defTabSz="266637">
               <a:spcBef>
                 <a:spcPts val="600"/>
               </a:spcBef>
               <a:buSzPct val="100000"/>
-              <a:defRPr sz="1368">
+              <a:defRPr i="1" sz="1300">
                 <a:uFill>
                   <a:solidFill>
                     <a:srgbClr val="000000"/>
@@ -6162,14 +5951,14 @@
               </a:defRPr>
             </a:pPr>
             <a:r>
-              <a:rPr i="1"/>
               <a:t>FT Coronavirus Tracker</a:t>
             </a:r>
             <a:r>
+              <a:rPr i="0"/>
               <a:t> &lt;</a:t>
             </a:r>
             <a:r>
-              <a:rPr u="sng">
+              <a:rPr i="0" u="sng">
                 <a:solidFill>
                   <a:srgbClr val="0000FF"/>
                 </a:solidFill>
@@ -6183,16 +5972,17 @@
               <a:t>https://www.ft.com/content/a26fbf7e-48f8-11ea-aeb3-955839e06441</a:t>
             </a:r>
             <a:r>
+              <a:rPr i="0"/>
               <a:t>&gt;</a:t>
             </a:r>
           </a:p>
           <a:p>
-            <a:pPr marL="140335" indent="-140335" defTabSz="266638">
+            <a:pPr marL="140335" indent="-140335" defTabSz="266637">
               <a:spcBef>
                 <a:spcPts val="600"/>
               </a:spcBef>
               <a:buSzPct val="100000"/>
-              <a:defRPr sz="1368">
+              <a:defRPr sz="1300">
                 <a:uFill>
                   <a:solidFill>
                     <a:srgbClr val="000000"/>
@@ -6229,9 +6019,9 @@
       </p:sp>
       <p:pic>
         <p:nvPicPr>
-          <p:cNvPr id="184" name="Image" descr="Image"/>
+          <p:cNvPr id="186" name="Image" descr="Image"/>
           <p:cNvPicPr>
-            <a:picLocks noChangeAspect="0"/>
+            <a:picLocks noChangeAspect="1"/>
           </p:cNvPicPr>
           <p:nvPr/>
         </p:nvPicPr>
@@ -6245,8 +6035,8 @@
         </p:blipFill>
         <p:spPr>
           <a:xfrm>
-            <a:off x="2444583" y="1267123"/>
-            <a:ext cx="6405581" cy="5397680"/>
+            <a:off x="2444583" y="1267124"/>
+            <a:ext cx="6405581" cy="4040005"/>
           </a:xfrm>
           <a:prstGeom prst="rect">
             <a:avLst/>
@@ -6284,7 +6074,7 @@
       </p:grpSpPr>
       <p:sp>
         <p:nvSpPr>
-          <p:cNvPr id="186" name="About the Course"/>
+          <p:cNvPr id="188" name="About the Course"/>
           <p:cNvSpPr txBox="1"/>
           <p:nvPr>
             <p:ph type="title" idx="4294967295"/>
@@ -6292,8 +6082,8 @@
         </p:nvSpPr>
         <p:spPr>
           <a:xfrm>
-            <a:off x="277663" y="-2"/>
-            <a:ext cx="8572501" cy="1267126"/>
+            <a:off x="277663" y="-3"/>
+            <a:ext cx="8572501" cy="1267128"/>
           </a:xfrm>
           <a:prstGeom prst="rect">
             <a:avLst/>
@@ -6325,7 +6115,7 @@
       </p:sp>
       <p:sp>
         <p:nvSpPr>
-          <p:cNvPr id="187" name="The long 20th century will in all likelihood be seen in the future as the watershed in human experience:…"/>
+          <p:cNvPr id="189" name="The long 20th century will in all likelihood be seen in the future as the watershed in human experience:…"/>
           <p:cNvSpPr txBox="1"/>
           <p:nvPr>
             <p:ph type="body" sz="quarter" idx="4294967295"/>
@@ -6349,17 +6139,16 @@
                 <a:spcPts val="600"/>
               </a:spcBef>
               <a:buSzTx/>
-              <a:buFont typeface="Arial"/>
               <a:buNone/>
-              <a:defRPr b="1" sz="1387">
+              <a:defRPr b="1" sz="1300">
                 <a:uFill>
                   <a:solidFill>
                     <a:srgbClr val="000000"/>
                   </a:solidFill>
                 </a:uFill>
-                <a:latin typeface="+mn-lt"/>
-                <a:ea typeface="+mn-ea"/>
-                <a:cs typeface="+mn-cs"/>
+                <a:latin typeface="+mj-lt"/>
+                <a:ea typeface="+mj-ea"/>
+                <a:cs typeface="+mj-cs"/>
                 <a:sym typeface="Helvetica"/>
               </a:defRPr>
             </a:pPr>
@@ -6373,7 +6162,7 @@
                 <a:spcPts val="600"/>
               </a:spcBef>
               <a:buSzPct val="100000"/>
-              <a:defRPr sz="1387">
+              <a:defRPr sz="1300">
                 <a:uFill>
                   <a:solidFill>
                     <a:srgbClr val="000000"/>
@@ -6395,7 +6184,7 @@
                 <a:spcPts val="600"/>
               </a:spcBef>
               <a:buSzPct val="100000"/>
-              <a:defRPr sz="1387">
+              <a:defRPr sz="1300">
                 <a:uFill>
                   <a:solidFill>
                     <a:srgbClr val="000000"/>
@@ -6415,7 +6204,7 @@
       </p:sp>
       <p:pic>
         <p:nvPicPr>
-          <p:cNvPr id="188" name="Image" descr="Image"/>
+          <p:cNvPr id="190" name="Image" descr="Image"/>
           <p:cNvPicPr>
             <a:picLocks noChangeAspect="1"/>
           </p:cNvPicPr>
@@ -6432,7 +6221,7 @@
         <p:spPr>
           <a:xfrm>
             <a:off x="73815" y="2154334"/>
-            <a:ext cx="8837048" cy="4391582"/>
+            <a:ext cx="8837049" cy="4391582"/>
           </a:xfrm>
           <a:prstGeom prst="rect">
             <a:avLst/>
@@ -6470,7 +6259,7 @@
       </p:grpSpPr>
       <p:sp>
         <p:nvSpPr>
-          <p:cNvPr id="190" name="About the Course"/>
+          <p:cNvPr id="192" name="About the Course"/>
           <p:cNvSpPr txBox="1"/>
           <p:nvPr>
             <p:ph type="title" idx="4294967295"/>
@@ -6478,8 +6267,8 @@
         </p:nvSpPr>
         <p:spPr>
           <a:xfrm>
-            <a:off x="277663" y="-2"/>
-            <a:ext cx="8572501" cy="1267126"/>
+            <a:off x="277663" y="-3"/>
+            <a:ext cx="8572501" cy="1267128"/>
           </a:xfrm>
           <a:prstGeom prst="rect">
             <a:avLst/>
@@ -6511,7 +6300,7 @@
       </p:sp>
       <p:sp>
         <p:nvSpPr>
-          <p:cNvPr id="191" name="The long 20th century will in all likelihood be seen in the future as the watershed in human experience:…"/>
+          <p:cNvPr id="193" name="The long 20th century will in all likelihood be seen in the future as the watershed in human experience:…"/>
           <p:cNvSpPr txBox="1"/>
           <p:nvPr>
             <p:ph type="body" idx="4294967295"/>
@@ -6519,8 +6308,8 @@
         </p:nvSpPr>
         <p:spPr>
           <a:xfrm>
-            <a:off x="277663" y="1267121"/>
-            <a:ext cx="8572501" cy="5397503"/>
+            <a:off x="277663" y="1267120"/>
+            <a:ext cx="8572501" cy="5397505"/>
           </a:xfrm>
           <a:prstGeom prst="rect">
             <a:avLst/>
@@ -6535,7 +6324,6 @@
                 <a:spcPts val="900"/>
               </a:spcBef>
               <a:buSzTx/>
-              <a:buFont typeface="Arial"/>
               <a:buNone/>
               <a:defRPr b="1" sz="1900">
                 <a:uFill>
@@ -6543,9 +6331,9 @@
                     <a:srgbClr val="000000"/>
                   </a:solidFill>
                 </a:uFill>
-                <a:latin typeface="+mn-lt"/>
-                <a:ea typeface="+mn-ea"/>
-                <a:cs typeface="+mn-cs"/>
+                <a:latin typeface="+mj-lt"/>
+                <a:ea typeface="+mj-ea"/>
+                <a:cs typeface="+mj-cs"/>
                 <a:sym typeface="Helvetica"/>
               </a:defRPr>
             </a:pPr>
@@ -6601,7 +6389,7 @@
       </p:sp>
       <p:pic>
         <p:nvPicPr>
-          <p:cNvPr id="192" name="Image" descr="Image"/>
+          <p:cNvPr id="194" name="Image" descr="Image"/>
           <p:cNvPicPr>
             <a:picLocks noChangeAspect="1"/>
           </p:cNvPicPr>
@@ -6618,7 +6406,7 @@
         <p:spPr>
           <a:xfrm>
             <a:off x="560811" y="2397372"/>
-            <a:ext cx="7320740" cy="4267252"/>
+            <a:ext cx="7320740" cy="4267253"/>
           </a:xfrm>
           <a:prstGeom prst="rect">
             <a:avLst/>
@@ -6656,7 +6444,7 @@
       </p:grpSpPr>
       <p:sp>
         <p:nvSpPr>
-          <p:cNvPr id="194" name="About the Course"/>
+          <p:cNvPr id="196" name="About the Course"/>
           <p:cNvSpPr txBox="1"/>
           <p:nvPr>
             <p:ph type="title" idx="4294967295"/>
@@ -6664,8 +6452,8 @@
         </p:nvSpPr>
         <p:spPr>
           <a:xfrm>
-            <a:off x="277663" y="-2"/>
-            <a:ext cx="8572501" cy="1267126"/>
+            <a:off x="277663" y="-3"/>
+            <a:ext cx="8572501" cy="1267128"/>
           </a:xfrm>
           <a:prstGeom prst="rect">
             <a:avLst/>
@@ -6697,7 +6485,7 @@
       </p:sp>
       <p:sp>
         <p:nvSpPr>
-          <p:cNvPr id="195" name="The long 20th century will in all likelihood be seen in the future as the watershed in human experience:…"/>
+          <p:cNvPr id="197" name="The long 20th century will in all likelihood be seen in the future as the watershed in human experience:…"/>
           <p:cNvSpPr txBox="1"/>
           <p:nvPr>
             <p:ph type="body" sz="quarter" idx="4294967295"/>
@@ -6706,7 +6494,7 @@
         <p:spPr>
           <a:xfrm>
             <a:off x="277663" y="1267121"/>
-            <a:ext cx="8572501" cy="1348491"/>
+            <a:ext cx="8572501" cy="1348492"/>
           </a:xfrm>
           <a:prstGeom prst="rect">
             <a:avLst/>
@@ -6721,17 +6509,16 @@
                 <a:spcPts val="500"/>
               </a:spcBef>
               <a:buSzTx/>
-              <a:buFont typeface="Arial"/>
               <a:buNone/>
-              <a:defRPr b="1" sz="1254">
+              <a:defRPr b="1" sz="1200">
                 <a:uFill>
                   <a:solidFill>
                     <a:srgbClr val="000000"/>
                   </a:solidFill>
                 </a:uFill>
-                <a:latin typeface="+mn-lt"/>
-                <a:ea typeface="+mn-ea"/>
-                <a:cs typeface="+mn-cs"/>
+                <a:latin typeface="+mj-lt"/>
+                <a:ea typeface="+mj-ea"/>
+                <a:cs typeface="+mj-cs"/>
                 <a:sym typeface="Helvetica"/>
               </a:defRPr>
             </a:pPr>
@@ -6740,12 +6527,12 @@
             </a:r>
           </a:p>
           <a:p>
-            <a:pPr marL="128641" indent="-128641" defTabSz="244418">
+            <a:pPr marL="128640" indent="-128640" defTabSz="244418">
               <a:spcBef>
                 <a:spcPts val="500"/>
               </a:spcBef>
               <a:buSzPct val="100000"/>
-              <a:defRPr sz="1254">
+              <a:defRPr sz="1200">
                 <a:uFill>
                   <a:solidFill>
                     <a:srgbClr val="000000"/>
@@ -6762,12 +6549,12 @@
             </a:r>
           </a:p>
           <a:p>
-            <a:pPr marL="128641" indent="-128641" defTabSz="244418">
+            <a:pPr marL="128640" indent="-128640" defTabSz="244418">
               <a:spcBef>
                 <a:spcPts val="500"/>
               </a:spcBef>
               <a:buSzPct val="100000"/>
-              <a:defRPr sz="1254">
+              <a:defRPr sz="1200">
                 <a:uFill>
                   <a:solidFill>
                     <a:srgbClr val="000000"/>
@@ -6784,12 +6571,12 @@
             </a:r>
           </a:p>
           <a:p>
-            <a:pPr marL="128641" indent="-128641" defTabSz="244418">
+            <a:pPr marL="128640" indent="-128640" defTabSz="244418">
               <a:spcBef>
                 <a:spcPts val="500"/>
               </a:spcBef>
               <a:buSzPct val="100000"/>
-              <a:defRPr sz="1254">
+              <a:defRPr sz="1200">
                 <a:uFill>
                   <a:solidFill>
                     <a:srgbClr val="000000"/>
@@ -6806,12 +6593,12 @@
             </a:r>
           </a:p>
           <a:p>
-            <a:pPr marL="128641" indent="-128641" defTabSz="244418">
+            <a:pPr marL="128640" indent="-128640" defTabSz="244418">
               <a:spcBef>
                 <a:spcPts val="500"/>
               </a:spcBef>
               <a:buSzPct val="100000"/>
-              <a:defRPr sz="1254">
+              <a:defRPr sz="1200">
                 <a:uFill>
                   <a:solidFill>
                     <a:srgbClr val="000000"/>
@@ -6831,7 +6618,7 @@
       </p:sp>
       <p:pic>
         <p:nvPicPr>
-          <p:cNvPr id="196" name="Image" descr="Image"/>
+          <p:cNvPr id="198" name="Image" descr="Image"/>
           <p:cNvPicPr>
             <a:picLocks noChangeAspect="1"/>
           </p:cNvPicPr>
@@ -6847,8 +6634,8 @@
         </p:blipFill>
         <p:spPr>
           <a:xfrm>
-            <a:off x="1488598" y="2615611"/>
-            <a:ext cx="5853743" cy="4052591"/>
+            <a:off x="1488597" y="2615611"/>
+            <a:ext cx="5853745" cy="4052592"/>
           </a:xfrm>
           <a:prstGeom prst="rect">
             <a:avLst/>
@@ -6886,7 +6673,7 @@
       </p:grpSpPr>
       <p:sp>
         <p:nvSpPr>
-          <p:cNvPr id="198" name="Catch Our Breath…"/>
+          <p:cNvPr id="200" name="Catch Our Breath…"/>
           <p:cNvSpPr txBox="1"/>
           <p:nvPr>
             <p:ph type="title"/>
@@ -6894,8 +6681,8 @@
         </p:nvSpPr>
         <p:spPr>
           <a:xfrm>
-            <a:off x="276457" y="-2"/>
-            <a:ext cx="8572501" cy="1270003"/>
+            <a:off x="276457" y="-3"/>
+            <a:ext cx="8572501" cy="1270005"/>
           </a:xfrm>
           <a:prstGeom prst="rect">
             <a:avLst/>
@@ -6914,7 +6701,7 @@
       </p:sp>
       <p:sp>
         <p:nvSpPr>
-          <p:cNvPr id="199" name="Ask a couple of questions?…"/>
+          <p:cNvPr id="201" name="Ask a couple of questions?…"/>
           <p:cNvSpPr txBox="1"/>
           <p:nvPr>
             <p:ph type="body" sz="half" idx="1"/>
@@ -6922,8 +6709,8 @@
         </p:nvSpPr>
         <p:spPr>
           <a:xfrm>
-            <a:off x="276456" y="1270000"/>
-            <a:ext cx="3810003" cy="4762500"/>
+            <a:off x="276455" y="1270000"/>
+            <a:ext cx="3810005" cy="4762500"/>
           </a:xfrm>
           <a:prstGeom prst="rect">
             <a:avLst/>
@@ -6966,7 +6753,7 @@
       </p:sp>
       <p:pic>
         <p:nvPicPr>
-          <p:cNvPr id="200" name="Image" descr="Image"/>
+          <p:cNvPr id="202" name="Image" descr="Image"/>
           <p:cNvPicPr>
             <a:picLocks noChangeAspect="1"/>
           </p:cNvPicPr>
@@ -6983,7 +6770,7 @@
         <p:spPr>
           <a:xfrm>
             <a:off x="4086457" y="1270000"/>
-            <a:ext cx="4762502" cy="4762500"/>
+            <a:ext cx="4762503" cy="4762500"/>
           </a:xfrm>
           <a:prstGeom prst="rect">
             <a:avLst/>
@@ -7021,7 +6808,7 @@
       </p:grpSpPr>
       <p:sp>
         <p:nvSpPr>
-          <p:cNvPr id="202" name="Catch Our Breath…"/>
+          <p:cNvPr id="204" name="Catch Our Breath…"/>
           <p:cNvSpPr txBox="1"/>
           <p:nvPr>
             <p:ph type="title"/>
@@ -7029,8 +6816,8 @@
         </p:nvSpPr>
         <p:spPr>
           <a:xfrm>
-            <a:off x="276457" y="-2"/>
-            <a:ext cx="8572501" cy="1270003"/>
+            <a:off x="276457" y="-3"/>
+            <a:ext cx="8572501" cy="1270005"/>
           </a:xfrm>
           <a:prstGeom prst="rect">
             <a:avLst/>
@@ -7049,7 +6836,7 @@
       </p:sp>
       <p:sp>
         <p:nvSpPr>
-          <p:cNvPr id="203" name="Ask a couple of questions?…"/>
+          <p:cNvPr id="205" name="Ask a couple of questions?…"/>
           <p:cNvSpPr txBox="1"/>
           <p:nvPr>
             <p:ph type="body" sz="half" idx="1"/>
@@ -7057,8 +6844,8 @@
         </p:nvSpPr>
         <p:spPr>
           <a:xfrm>
-            <a:off x="276456" y="1270000"/>
-            <a:ext cx="3810003" cy="4762500"/>
+            <a:off x="276455" y="1270000"/>
+            <a:ext cx="3810005" cy="4762500"/>
           </a:xfrm>
           <a:prstGeom prst="rect">
             <a:avLst/>
@@ -7078,7 +6865,7 @@
       </p:sp>
       <p:pic>
         <p:nvPicPr>
-          <p:cNvPr id="204" name="Image" descr="Image"/>
+          <p:cNvPr id="206" name="Image" descr="Image"/>
           <p:cNvPicPr>
             <a:picLocks noChangeAspect="1"/>
           </p:cNvPicPr>
@@ -7095,7 +6882,7 @@
         <p:spPr>
           <a:xfrm>
             <a:off x="4086457" y="1270000"/>
-            <a:ext cx="4762502" cy="4762500"/>
+            <a:ext cx="4762503" cy="4762500"/>
           </a:xfrm>
           <a:prstGeom prst="rect">
             <a:avLst/>
@@ -7157,14 +6944,14 @@
     </a:clrScheme>
     <a:fontScheme name="Default">
       <a:majorFont>
+        <a:latin typeface="Helvetica"/>
+        <a:ea typeface="Helvetica"/>
+        <a:cs typeface="Helvetica"/>
+      </a:majorFont>
+      <a:minorFont>
         <a:latin typeface="Avenir Roman"/>
         <a:ea typeface="Avenir Roman"/>
         <a:cs typeface="Avenir Roman"/>
-      </a:majorFont>
-      <a:minorFont>
-        <a:latin typeface="Helvetica"/>
-        <a:ea typeface="Helvetica"/>
-        <a:cs typeface="Helvetica"/>
       </a:minorFont>
     </a:fontScheme>
     <a:fmtScheme name="Default">
@@ -7349,10 +7136,10 @@
                 <a:srgbClr val="000000"/>
               </a:solidFill>
             </a:uFill>
-            <a:latin typeface="Calibri"/>
-            <a:ea typeface="Calibri"/>
-            <a:cs typeface="Calibri"/>
-            <a:sym typeface="Calibri"/>
+            <a:latin typeface="+mj-lt"/>
+            <a:ea typeface="+mj-ea"/>
+            <a:cs typeface="+mj-cs"/>
+            <a:sym typeface="Helvetica"/>
           </a:defRPr>
         </a:defPPr>
         <a:lvl1pPr marL="0" marR="0" indent="0" algn="l" defTabSz="914400" rtl="0" fontAlgn="auto" latinLnBrk="1" hangingPunct="0">
@@ -7924,10 +7711,10 @@
                 <a:srgbClr val="000000"/>
               </a:solidFill>
             </a:uFill>
-            <a:latin typeface="Calibri"/>
-            <a:ea typeface="Calibri"/>
-            <a:cs typeface="Calibri"/>
-            <a:sym typeface="Calibri"/>
+            <a:latin typeface="+mj-lt"/>
+            <a:ea typeface="+mj-ea"/>
+            <a:cs typeface="+mj-cs"/>
+            <a:sym typeface="Helvetica"/>
           </a:defRPr>
         </a:defPPr>
         <a:lvl1pPr marL="0" marR="0" indent="0" algn="l" defTabSz="914400" rtl="0" fontAlgn="auto" latinLnBrk="1" hangingPunct="0">
@@ -8219,14 +8006,14 @@
     </a:clrScheme>
     <a:fontScheme name="Default">
       <a:majorFont>
+        <a:latin typeface="Helvetica"/>
+        <a:ea typeface="Helvetica"/>
+        <a:cs typeface="Helvetica"/>
+      </a:majorFont>
+      <a:minorFont>
         <a:latin typeface="Avenir Roman"/>
         <a:ea typeface="Avenir Roman"/>
         <a:cs typeface="Avenir Roman"/>
-      </a:majorFont>
-      <a:minorFont>
-        <a:latin typeface="Helvetica"/>
-        <a:ea typeface="Helvetica"/>
-        <a:cs typeface="Helvetica"/>
       </a:minorFont>
     </a:fontScheme>
     <a:fmtScheme name="Default">
@@ -8411,10 +8198,10 @@
                 <a:srgbClr val="000000"/>
               </a:solidFill>
             </a:uFill>
-            <a:latin typeface="Calibri"/>
-            <a:ea typeface="Calibri"/>
-            <a:cs typeface="Calibri"/>
-            <a:sym typeface="Calibri"/>
+            <a:latin typeface="+mj-lt"/>
+            <a:ea typeface="+mj-ea"/>
+            <a:cs typeface="+mj-cs"/>
+            <a:sym typeface="Helvetica"/>
           </a:defRPr>
         </a:defPPr>
         <a:lvl1pPr marL="0" marR="0" indent="0" algn="l" defTabSz="914400" rtl="0" fontAlgn="auto" latinLnBrk="1" hangingPunct="0">
@@ -8986,10 +8773,10 @@
                 <a:srgbClr val="000000"/>
               </a:solidFill>
             </a:uFill>
-            <a:latin typeface="Calibri"/>
-            <a:ea typeface="Calibri"/>
-            <a:cs typeface="Calibri"/>
-            <a:sym typeface="Calibri"/>
+            <a:latin typeface="+mj-lt"/>
+            <a:ea typeface="+mj-ea"/>
+            <a:cs typeface="+mj-cs"/>
+            <a:sym typeface="Helvetica"/>
           </a:defRPr>
         </a:defPPr>
         <a:lvl1pPr marL="0" marR="0" indent="0" algn="l" defTabSz="914400" rtl="0" fontAlgn="auto" latinLnBrk="1" hangingPunct="0">

--- a/coronavirus.pptx
+++ b/coronavirus.pptx
@@ -1372,7 +1372,7 @@
         <p:spPr>
           <a:xfrm>
             <a:off x="457200" y="6172200"/>
-            <a:ext cx="8229601" cy="0"/>
+            <a:ext cx="8229600" cy="0"/>
           </a:xfrm>
           <a:prstGeom prst="line">
             <a:avLst/>
@@ -1441,7 +1441,7 @@
         </p:nvSpPr>
         <p:spPr>
           <a:xfrm>
-            <a:off x="8439786" y="6444299"/>
+            <a:off x="8439787" y="6444300"/>
             <a:ext cx="247014" cy="256539"/>
           </a:xfrm>
           <a:prstGeom prst="rect">
@@ -1568,7 +1568,7 @@
         <p:spPr>
           <a:xfrm>
             <a:off x="457200" y="6172200"/>
-            <a:ext cx="8229601" cy="0"/>
+            <a:ext cx="8229600" cy="0"/>
           </a:xfrm>
           <a:prstGeom prst="line">
             <a:avLst/>
@@ -1769,7 +1769,7 @@
         </p:nvSpPr>
         <p:spPr>
           <a:xfrm>
-            <a:off x="8439786" y="6444299"/>
+            <a:off x="8439787" y="6444300"/>
             <a:ext cx="247014" cy="256539"/>
           </a:xfrm>
           <a:prstGeom prst="rect">
@@ -1896,7 +1896,7 @@
         <p:spPr>
           <a:xfrm>
             <a:off x="457200" y="6172200"/>
-            <a:ext cx="8229601" cy="0"/>
+            <a:ext cx="8229600" cy="0"/>
           </a:xfrm>
           <a:prstGeom prst="line">
             <a:avLst/>
@@ -2097,7 +2097,7 @@
         </p:nvSpPr>
         <p:spPr>
           <a:xfrm>
-            <a:off x="8439786" y="6444299"/>
+            <a:off x="8439787" y="6444300"/>
             <a:ext cx="247014" cy="256539"/>
           </a:xfrm>
           <a:prstGeom prst="rect">
@@ -2224,7 +2224,7 @@
         <p:spPr>
           <a:xfrm>
             <a:off x="457200" y="6172200"/>
-            <a:ext cx="8229601" cy="0"/>
+            <a:ext cx="8229600" cy="0"/>
           </a:xfrm>
           <a:prstGeom prst="line">
             <a:avLst/>
@@ -2425,7 +2425,7 @@
         </p:nvSpPr>
         <p:spPr>
           <a:xfrm>
-            <a:off x="8439786" y="6444299"/>
+            <a:off x="8439787" y="6444300"/>
             <a:ext cx="247014" cy="256539"/>
           </a:xfrm>
           <a:prstGeom prst="rect">
@@ -2484,8 +2484,8 @@
         </p:nvSpPr>
         <p:spPr>
           <a:xfrm>
-            <a:off x="609598" y="1219199"/>
-            <a:ext cx="7924802" cy="914401"/>
+            <a:off x="609598" y="1219200"/>
+            <a:ext cx="7924802" cy="914400"/>
           </a:xfrm>
           <a:custGeom>
             <a:avLst/>
@@ -2552,7 +2552,7 @@
         <p:spPr>
           <a:xfrm>
             <a:off x="1981200" y="3962400"/>
-            <a:ext cx="6511926" cy="0"/>
+            <a:ext cx="6511925" cy="0"/>
           </a:xfrm>
           <a:prstGeom prst="line">
             <a:avLst/>
@@ -2738,7 +2738,7 @@
         </p:nvSpPr>
         <p:spPr>
           <a:xfrm>
-            <a:off x="8439786" y="6444299"/>
+            <a:off x="8439787" y="6444300"/>
             <a:ext cx="247014" cy="256539"/>
           </a:xfrm>
           <a:prstGeom prst="rect">
@@ -5002,7 +5002,7 @@
               </a:defRPr>
             </a:pPr>
             <a:r>
-              <a:t>With 73 deaths in the U.S. as of Mar 16, a 1% death rate, and up to 4 weeks between infection and death, that means that as of Feb 17 there were 7300 coronavirus cases in the United States</a:t>
+              <a:t>With 87 deaths in the U.S. as of Mar 16, a 1% death rate, and up to 4 weeks between infection and death, that means that as of Feb 17 there were 8700 coronavirus cases in the United States</a:t>
             </a:r>
             <a:endParaRPr strike="sngStrike"/>
           </a:p>
@@ -5026,7 +5026,7 @@
               </a:defRPr>
             </a:pPr>
             <a:r>
-              <a:t>If it is doubling every seven days, then now about 116,000 people have and in the next week about 116,000 more people in the U.S. will catch coronavirus—which means 1/2700, currently 3000 of the 7.6 million inhabitants of San Francisco Bay. Touch a hard surface that any of those 3000 has touched in the last 48 hours, and the virus has a chance to jump to you…</a:t>
+              <a:t>If it is doubling every seven days, then now about 150,000 people have and in the next week about 150,000 more people in the U.S. will catch coronavirus—which means 1/2200, currently 3500 of the 7.6 million inhabitants of San Francisco Bay. Touch a hard surface that any of those 3500 has touched in the last 48 hours, and the virus has a chance to jump to you…</a:t>
             </a:r>
           </a:p>
           <a:p>

--- a/coronavirus.pptx
+++ b/coronavirus.pptx
@@ -17,6 +17,7 @@
     <p:sldId id="262" r:id="rId14"/>
     <p:sldId id="263" r:id="rId15"/>
     <p:sldId id="264" r:id="rId16"/>
+    <p:sldId id="265" r:id="rId17"/>
   </p:sldIdLst>
   <p:sldSz cx="9144000" cy="6858000"/>
   <p:notesSz cx="6858000" cy="9144000"/>
@@ -4975,12 +4976,9 @@
               </a:defRPr>
             </a:pPr>
             <a:r>
-              <a:rPr strike="sngStrike"/>
-              <a:t>With 31 deaths in the U.S. as of March 11, a 1% death rate, and up to 4 weeks between infection and death, that means that as of Feb 12 there were 3100 coronavirus cases in the United States</a:t>
-            </a:r>
-            <a:r>
-              <a:t>. </a:t>
-            </a:r>
+              <a:t>With 420 deaths in the U.S. as of Mar 22, a 2% death rate, and 3 weeks between infection and death, that means that as of Mar 1 there were 21000 coronavirus cases in the United States.</a:t>
+            </a:r>
+            <a:endParaRPr strike="sngStrike"/>
           </a:p>
           <a:p>
             <a:pPr marL="0" indent="0" defTabSz="340704">
@@ -5002,9 +5000,8 @@
               </a:defRPr>
             </a:pPr>
             <a:r>
-              <a:t>With 87 deaths in the U.S. as of Mar 16, a 1% death rate, and up to 4 weeks between infection and death, that means that as of Feb 17 there were 8700 coronavirus cases in the United States</a:t>
-            </a:r>
-            <a:endParaRPr strike="sngStrike"/>
+              <a:t>If it is doubling every seven days, then now about 170,000 people have and in the next week about 170,000 more people in the U.S. will catch coronavirus—which means 1/2000, currently 3800 of the 7.6 million inhabitants of San Francisco Bay. Touch a hard surface that any of those 3800 has touched in the last 48 hours, and the virus has a chance to jump to you…</a:t>
+            </a:r>
           </a:p>
           <a:p>
             <a:pPr marL="0" indent="0" defTabSz="340704">
@@ -5026,7 +5023,11 @@
               </a:defRPr>
             </a:pPr>
             <a:r>
-              <a:t>If it is doubling every seven days, then now about 150,000 people have and in the next week about 150,000 more people in the U.S. will catch coronavirus—which means 1/2200, currently 3500 of the 7.6 million inhabitants of San Francisco Bay. Touch a hard surface that any of those 3500 has touched in the last 48 hours, and the virus has a chance to jump to you…</a:t>
+              <a:rPr strike="sngStrike"/>
+              <a:t>With 31 deaths in the U.S. as of March 11, a 1% death rate, and up to 4 weeks between infection and death, that means that as of Feb 12 there were 3100 coronavirus cases in the United States</a:t>
+            </a:r>
+            <a:r>
+              <a:t>. </a:t>
             </a:r>
           </a:p>
           <a:p>
@@ -5069,7 +5070,7 @@
               </a:defRPr>
             </a:pPr>
             <a:r>
-              <a:t>These numbers could be five times too big. These numbers are probably not five times too small unless the thing is a lot less deadly, and there are a lot of asymptomatic cases…</a:t>
+              <a:t>These numbers could be three times too big. These numbers are probably not five times too small unless the thing is a lot less deadly, and there are a lot of asymptomatic cases…</a:t>
             </a:r>
           </a:p>
           <a:p>
@@ -5116,6 +5117,118 @@
           </a:p>
         </p:txBody>
       </p:sp>
+    </p:spTree>
+  </p:cSld>
+  <p:clrMapOvr>
+    <a:masterClrMapping/>
+  </p:clrMapOvr>
+  <p:transition xmlns:p14="http://schemas.microsoft.com/office/powerpoint/2010/main" spd="med" advClick="1"/>
+</p:sld>
+</file>
+
+<file path=ppt/slides/slide10.xml><?xml version="1.0" encoding="utf-8"?>
+<p:sld xmlns:a="http://schemas.openxmlformats.org/drawingml/2006/main" xmlns:r="http://schemas.openxmlformats.org/officeDocument/2006/relationships" xmlns:p="http://schemas.openxmlformats.org/presentationml/2006/main" xmlns:m="http://schemas.openxmlformats.org/officeDocument/2006/math" xmlns:a14="http://schemas.microsoft.com/office/drawing/2010/main" showMasterSp="1" showMasterPhAnim="1">
+  <p:cSld>
+    <p:spTree>
+      <p:nvGrpSpPr>
+        <p:cNvPr id="1" name=""/>
+        <p:cNvGrpSpPr/>
+        <p:nvPr/>
+      </p:nvGrpSpPr>
+      <p:grpSpPr>
+        <a:xfrm>
+          <a:off x="0" y="0"/>
+          <a:ext cx="0" cy="0"/>
+          <a:chOff x="0" y="0"/>
+          <a:chExt cx="0" cy="0"/>
+        </a:xfrm>
+      </p:grpSpPr>
+      <p:sp>
+        <p:nvSpPr>
+          <p:cNvPr id="207" name="Catch Our Breath…"/>
+          <p:cNvSpPr txBox="1"/>
+          <p:nvPr>
+            <p:ph type="title"/>
+          </p:nvPr>
+        </p:nvSpPr>
+        <p:spPr>
+          <a:xfrm>
+            <a:off x="276457" y="-3"/>
+            <a:ext cx="8572501" cy="1270005"/>
+          </a:xfrm>
+          <a:prstGeom prst="rect">
+            <a:avLst/>
+          </a:prstGeom>
+        </p:spPr>
+        <p:txBody>
+          <a:bodyPr/>
+          <a:lstStyle/>
+          <a:p>
+            <a:pPr/>
+            <a:r>
+              <a:t>Notes</a:t>
+            </a:r>
+          </a:p>
+        </p:txBody>
+      </p:sp>
+      <p:sp>
+        <p:nvSpPr>
+          <p:cNvPr id="208" name="Ask a couple of questions?…"/>
+          <p:cNvSpPr txBox="1"/>
+          <p:nvPr>
+            <p:ph type="body" sz="half" idx="1"/>
+          </p:nvPr>
+        </p:nvSpPr>
+        <p:spPr>
+          <a:xfrm>
+            <a:off x="276455" y="1270000"/>
+            <a:ext cx="3810005" cy="4762500"/>
+          </a:xfrm>
+          <a:prstGeom prst="rect">
+            <a:avLst/>
+          </a:prstGeom>
+        </p:spPr>
+        <p:txBody>
+          <a:bodyPr anchor="t"/>
+          <a:lstStyle/>
+          <a:p>
+            <a:pPr>
+              <a:spcBef>
+                <a:spcPts val="1200"/>
+              </a:spcBef>
+            </a:pPr>
+          </a:p>
+        </p:txBody>
+      </p:sp>
+      <p:pic>
+        <p:nvPicPr>
+          <p:cNvPr id="209" name="Image" descr="Image"/>
+          <p:cNvPicPr>
+            <a:picLocks noChangeAspect="1"/>
+          </p:cNvPicPr>
+          <p:nvPr/>
+        </p:nvPicPr>
+        <p:blipFill>
+          <a:blip r:embed="rId2">
+            <a:extLst/>
+          </a:blip>
+          <a:stretch>
+            <a:fillRect/>
+          </a:stretch>
+        </p:blipFill>
+        <p:spPr>
+          <a:xfrm>
+            <a:off x="4086457" y="1270000"/>
+            <a:ext cx="4762503" cy="4762500"/>
+          </a:xfrm>
+          <a:prstGeom prst="rect">
+            <a:avLst/>
+          </a:prstGeom>
+          <a:ln w="12700">
+            <a:miter lim="400000"/>
+          </a:ln>
+        </p:spPr>
+      </p:pic>
     </p:spTree>
   </p:cSld>
   <p:clrMapOvr>
@@ -5152,8 +5265,8 @@
         </p:nvSpPr>
         <p:spPr>
           <a:xfrm>
-            <a:off x="277663" y="139697"/>
-            <a:ext cx="8572502" cy="1267128"/>
+            <a:off x="277663" y="-3"/>
+            <a:ext cx="8572501" cy="1267128"/>
           </a:xfrm>
           <a:prstGeom prst="rect">
             <a:avLst/>
@@ -5188,13 +5301,13 @@
           <p:cNvPr id="175" name="The long 20th century will in all likelihood be seen in the future as the watershed in human experience:…"/>
           <p:cNvSpPr txBox="1"/>
           <p:nvPr>
-            <p:ph type="body" sz="quarter" idx="4294967295"/>
+            <p:ph type="body" sz="half" idx="4294967295"/>
           </p:nvPr>
         </p:nvSpPr>
         <p:spPr>
           <a:xfrm>
-            <a:off x="277663" y="1267121"/>
-            <a:ext cx="5024783" cy="2296266"/>
+            <a:off x="277662" y="1267120"/>
+            <a:ext cx="3311177" cy="5397505"/>
           </a:xfrm>
           <a:prstGeom prst="rect">
             <a:avLst/>
@@ -5204,13 +5317,13 @@
           <a:bodyPr lIns="45718" tIns="45718" rIns="45718" bIns="45718" anchor="t"/>
           <a:lstStyle/>
           <a:p>
-            <a:pPr marL="0" indent="0" defTabSz="323298">
+            <a:pPr marL="0" indent="0" defTabSz="189312">
               <a:spcBef>
-                <a:spcPts val="700"/>
+                <a:spcPts val="800"/>
               </a:spcBef>
               <a:buSzTx/>
               <a:buNone/>
-              <a:defRPr b="1" sz="1619">
+              <a:defRPr b="1" sz="2130">
                 <a:uFill>
                   <a:solidFill>
                     <a:srgbClr val="000000"/>
@@ -5223,16 +5336,16 @@
               </a:defRPr>
             </a:pPr>
             <a:r>
-              <a:t>As of March 16: Things are not moving in the right direction:</a:t>
-            </a:r>
-          </a:p>
-          <a:p>
-            <a:pPr marL="170156" indent="-170156" defTabSz="323298">
+              <a:t>What I am watching:</a:t>
+            </a:r>
+          </a:p>
+          <a:p>
+            <a:pPr marL="99637" indent="-99637" defTabSz="189312">
               <a:spcBef>
-                <a:spcPts val="700"/>
+                <a:spcPts val="800"/>
               </a:spcBef>
               <a:buSzPct val="100000"/>
-              <a:defRPr sz="1619">
+              <a:defRPr b="1" sz="1703">
                 <a:uFill>
                   <a:solidFill>
                     <a:srgbClr val="000000"/>
@@ -5245,23 +5358,46 @@
               </a:defRPr>
             </a:pPr>
             <a:r>
-              <a:t>What is the R</a:t>
-            </a:r>
-            <a:r>
-              <a:rPr baseline="-5998"/>
-              <a:t>0</a:t>
-            </a:r>
-            <a:r>
-              <a:t>?</a:t>
-            </a:r>
-          </a:p>
-          <a:p>
-            <a:pPr marL="170156" indent="-170156" defTabSz="323298">
+              <a:t>Max Roser &amp; Hannah Ritchie</a:t>
+            </a:r>
+            <a:r>
+              <a:rPr b="0"/>
+              <a:t>: </a:t>
+            </a:r>
+            <a:r>
+              <a:rPr b="0" i="1"/>
+              <a:t>Coronavirus Disease (COVID-19)</a:t>
+            </a:r>
+            <a:r>
+              <a:rPr b="0"/>
+              <a:t>_ &lt;</a:t>
+            </a:r>
+            <a:r>
+              <a:rPr b="0" u="sng">
+                <a:solidFill>
+                  <a:srgbClr val="0000FF"/>
+                </a:solidFill>
+                <a:uFill>
+                  <a:solidFill>
+                    <a:srgbClr val="0000FF"/>
+                  </a:solidFill>
+                </a:uFill>
+                <a:hlinkClick r:id="rId2" invalidUrl="" action="" tgtFrame="" tooltip="" history="1" highlightClick="0" endSnd="0"/>
+              </a:rPr>
+              <a:t>https://ourworldindata.org/coronavirus</a:t>
+            </a:r>
+            <a:r>
+              <a:rPr b="0"/>
+              <a:t>&gt;…</a:t>
+            </a:r>
+          </a:p>
+          <a:p>
+            <a:pPr marL="99637" indent="-99637" defTabSz="189312">
               <a:spcBef>
-                <a:spcPts val="700"/>
+                <a:spcPts val="800"/>
               </a:spcBef>
               <a:buSzPct val="100000"/>
-              <a:defRPr sz="1619">
+              <a:defRPr b="1" sz="1703">
                 <a:uFill>
                   <a:solidFill>
                     <a:srgbClr val="000000"/>
@@ -5274,23 +5410,46 @@
               </a:defRPr>
             </a:pPr>
             <a:r>
-              <a:t>How can the R</a:t>
-            </a:r>
-            <a:r>
-              <a:rPr baseline="-5998"/>
-              <a:t>0</a:t>
-            </a:r>
-            <a:r>
-              <a:t> be changed?</a:t>
-            </a:r>
-          </a:p>
-          <a:p>
-            <a:pPr marL="170156" indent="-170156" defTabSz="323298">
+              <a:t>Worldometer</a:t>
+            </a:r>
+            <a:r>
+              <a:rPr b="0"/>
+              <a:t>: </a:t>
+            </a:r>
+            <a:r>
+              <a:rPr b="0" i="1"/>
+              <a:t>Coronavirus Update (Live) </a:t>
+            </a:r>
+            <a:r>
+              <a:rPr b="0"/>
+              <a:t>&lt;</a:t>
+            </a:r>
+            <a:r>
+              <a:rPr b="0" u="sng">
+                <a:solidFill>
+                  <a:srgbClr val="0000FF"/>
+                </a:solidFill>
+                <a:uFill>
+                  <a:solidFill>
+                    <a:srgbClr val="0000FF"/>
+                  </a:solidFill>
+                </a:uFill>
+                <a:hlinkClick r:id="rId3" invalidUrl="" action="" tgtFrame="" tooltip="" history="1" highlightClick="0" endSnd="0"/>
+              </a:rPr>
+              <a:t>https://www.worldometers.info/coronavirus/</a:t>
+            </a:r>
+            <a:r>
+              <a:rPr b="0"/>
+              <a:t>&gt;: ‘125,599 Cases and 4,605 Deaths from COVID-19 Virus Outbreak…</a:t>
+            </a:r>
+          </a:p>
+          <a:p>
+            <a:pPr marL="99637" indent="-99637" defTabSz="189312">
               <a:spcBef>
-                <a:spcPts val="700"/>
+                <a:spcPts val="800"/>
               </a:spcBef>
               <a:buSzPct val="100000"/>
-              <a:defRPr sz="1619">
+              <a:defRPr i="1" sz="1703">
                 <a:uFill>
                   <a:solidFill>
                     <a:srgbClr val="000000"/>
@@ -5303,23 +5462,39 @@
               </a:defRPr>
             </a:pPr>
             <a:r>
-              <a:t>How will the R</a:t>
-            </a:r>
-            <a:r>
-              <a:rPr baseline="-5998"/>
-              <a:t>0</a:t>
-            </a:r>
-            <a:r>
-              <a:t> change?</a:t>
-            </a:r>
-          </a:p>
-          <a:p>
-            <a:pPr marL="170156" indent="-170156" defTabSz="323298">
+              <a:t>FT Coronavirus Tracker</a:t>
+            </a:r>
+            <a:r>
+              <a:rPr i="0"/>
+              <a:t> &lt;</a:t>
+            </a:r>
+            <a:r>
+              <a:rPr i="0" u="sng">
+                <a:solidFill>
+                  <a:srgbClr val="0000FF"/>
+                </a:solidFill>
+                <a:uFill>
+                  <a:solidFill>
+                    <a:srgbClr val="0000FF"/>
+                  </a:solidFill>
+                </a:uFill>
+                <a:hlinkClick r:id="rId4" invalidUrl="" action="" tgtFrame="" tooltip="" history="1" highlightClick="0" endSnd="0"/>
+              </a:rPr>
+              <a:t>https://www.ft.com/content/a26fbf7e-48f8-11ea-aeb3-955839e06441</a:t>
+            </a:r>
+            <a:r>
+              <a:rPr i="0"/>
+              <a:t>&gt;</a:t>
+            </a:r>
+            <a:endParaRPr i="0"/>
+          </a:p>
+          <a:p>
+            <a:pPr marL="99637" indent="-99637" defTabSz="189312">
               <a:spcBef>
-                <a:spcPts val="700"/>
+                <a:spcPts val="800"/>
               </a:spcBef>
               <a:buSzPct val="100000"/>
-              <a:defRPr sz="1619">
+              <a:defRPr i="1" sz="1703">
                 <a:uFill>
                   <a:solidFill>
                     <a:srgbClr val="000000"/>
@@ -5332,29 +5507,26 @@
               </a:defRPr>
             </a:pPr>
             <a:r>
-              <a:t>What is the asymptote share of the population?</a:t>
-            </a:r>
-          </a:p>
-          <a:p>
-            <a:pPr marL="170156" indent="-170156" defTabSz="323298">
-              <a:spcBef>
-                <a:spcPts val="700"/>
-              </a:spcBef>
-              <a:buSzPct val="100000"/>
-              <a:defRPr sz="1619">
+              <a:rPr i="0"/>
+              <a:t>Josh Marshall’s COVID Twitter List &lt;</a:t>
+            </a:r>
+            <a:r>
+              <a:rPr i="0" u="sng">
+                <a:solidFill>
+                  <a:srgbClr val="0000FF"/>
+                </a:solidFill>
                 <a:uFill>
                   <a:solidFill>
-                    <a:srgbClr val="000000"/>
+                    <a:srgbClr val="0000FF"/>
                   </a:solidFill>
                 </a:uFill>
-                <a:latin typeface="Times New Roman"/>
-                <a:ea typeface="Times New Roman"/>
-                <a:cs typeface="Times New Roman"/>
-                <a:sym typeface="Times New Roman"/>
-              </a:defRPr>
-            </a:pPr>
-            <a:r>
-              <a:t>What is the mortality rate?</a:t>
+                <a:hlinkClick r:id="rId5" invalidUrl="" action="" tgtFrame="" tooltip="" history="1" highlightClick="0" endSnd="0"/>
+              </a:rPr>
+              <a:t>https://twitter.com/i/lists/1233998285779632128</a:t>
+            </a:r>
+            <a:r>
+              <a:rPr i="0"/>
+              <a:t>&gt;</a:t>
             </a:r>
           </a:p>
         </p:txBody>
@@ -5363,12 +5535,12 @@
         <p:nvPicPr>
           <p:cNvPr id="176" name="Image" descr="Image"/>
           <p:cNvPicPr>
-            <a:picLocks noChangeAspect="1"/>
+            <a:picLocks noChangeAspect="0"/>
           </p:cNvPicPr>
           <p:nvPr/>
         </p:nvPicPr>
         <p:blipFill>
-          <a:blip r:embed="rId2">
+          <a:blip r:embed="rId6">
             <a:extLst/>
           </a:blip>
           <a:stretch>
@@ -5377,37 +5549,8 @@
         </p:blipFill>
         <p:spPr>
           <a:xfrm>
-            <a:off x="5302445" y="1267121"/>
-            <a:ext cx="3690465" cy="4647506"/>
-          </a:xfrm>
-          <a:prstGeom prst="rect">
-            <a:avLst/>
-          </a:prstGeom>
-          <a:ln w="12700">
-            <a:miter lim="400000"/>
-          </a:ln>
-        </p:spPr>
-      </p:pic>
-      <p:pic>
-        <p:nvPicPr>
-          <p:cNvPr id="177" name="Image" descr="Image"/>
-          <p:cNvPicPr>
-            <a:picLocks noChangeAspect="1"/>
-          </p:cNvPicPr>
-          <p:nvPr/>
-        </p:nvPicPr>
-        <p:blipFill>
-          <a:blip r:embed="rId3">
-            <a:extLst/>
-          </a:blip>
-          <a:stretch>
-            <a:fillRect/>
-          </a:stretch>
-        </p:blipFill>
-        <p:spPr>
-          <a:xfrm>
-            <a:off x="277663" y="4017610"/>
-            <a:ext cx="4467385" cy="2662739"/>
+            <a:off x="3588838" y="1267124"/>
+            <a:ext cx="5261327" cy="5397501"/>
           </a:xfrm>
           <a:prstGeom prst="rect">
             <a:avLst/>
@@ -5445,7 +5588,7 @@
       </p:grpSpPr>
       <p:sp>
         <p:nvSpPr>
-          <p:cNvPr id="179" name="About the Course"/>
+          <p:cNvPr id="178" name="About the Course"/>
           <p:cNvSpPr txBox="1"/>
           <p:nvPr>
             <p:ph type="title" idx="4294967295"/>
@@ -5486,7 +5629,7 @@
       </p:sp>
       <p:sp>
         <p:nvSpPr>
-          <p:cNvPr id="180" name="The long 20th century will in all likelihood be seen in the future as the watershed in human experience:…"/>
+          <p:cNvPr id="179" name="The long 20th century will in all likelihood be seen in the future as the watershed in human experience:…"/>
           <p:cNvSpPr txBox="1"/>
           <p:nvPr>
             <p:ph type="body" sz="quarter" idx="4294967295"/>
@@ -5495,7 +5638,7 @@
         <p:spPr>
           <a:xfrm>
             <a:off x="277663" y="1267121"/>
-            <a:ext cx="5024783" cy="2296266"/>
+            <a:ext cx="8572501" cy="887214"/>
           </a:xfrm>
           <a:prstGeom prst="rect">
             <a:avLst/>
@@ -5505,13 +5648,13 @@
           <a:bodyPr lIns="45718" tIns="45718" rIns="45718" bIns="45718" anchor="t"/>
           <a:lstStyle/>
           <a:p>
-            <a:pPr marL="0" indent="0" defTabSz="323298">
+            <a:pPr marL="0" indent="0" defTabSz="270341">
               <a:spcBef>
-                <a:spcPts val="700"/>
+                <a:spcPts val="600"/>
               </a:spcBef>
               <a:buSzTx/>
               <a:buNone/>
-              <a:defRPr b="1" sz="1619">
+              <a:defRPr b="1" sz="1300">
                 <a:uFill>
                   <a:solidFill>
                     <a:srgbClr val="000000"/>
@@ -5524,16 +5667,16 @@
               </a:defRPr>
             </a:pPr>
             <a:r>
-              <a:t>As of March 10: Things are not moving in the right direction:</a:t>
-            </a:r>
-          </a:p>
-          <a:p>
-            <a:pPr marL="170156" indent="-170156" defTabSz="323298">
+              <a:t>It’s a Thing for Geezers!</a:t>
+            </a:r>
+          </a:p>
+          <a:p>
+            <a:pPr marL="142285" indent="-142285" defTabSz="270341">
               <a:spcBef>
-                <a:spcPts val="700"/>
+                <a:spcPts val="600"/>
               </a:spcBef>
               <a:buSzPct val="100000"/>
-              <a:defRPr sz="1619">
+              <a:defRPr sz="1300">
                 <a:uFill>
                   <a:solidFill>
                     <a:srgbClr val="000000"/>
@@ -5546,23 +5689,16 @@
               </a:defRPr>
             </a:pPr>
             <a:r>
-              <a:t>What is the R</a:t>
-            </a:r>
-            <a:r>
-              <a:rPr baseline="-5998"/>
-              <a:t>0</a:t>
-            </a:r>
-            <a:r>
-              <a:t>?</a:t>
-            </a:r>
-          </a:p>
-          <a:p>
-            <a:pPr marL="170156" indent="-170156" defTabSz="323298">
+              <a:t>Mortality for the Youngs very low…</a:t>
+            </a:r>
+          </a:p>
+          <a:p>
+            <a:pPr marL="142285" indent="-142285" defTabSz="270341">
               <a:spcBef>
-                <a:spcPts val="700"/>
+                <a:spcPts val="600"/>
               </a:spcBef>
               <a:buSzPct val="100000"/>
-              <a:defRPr sz="1619">
+              <a:defRPr sz="1300">
                 <a:uFill>
                   <a:solidFill>
                     <a:srgbClr val="000000"/>
@@ -5575,94 +5711,14 @@
               </a:defRPr>
             </a:pPr>
             <a:r>
-              <a:t>How can the R</a:t>
-            </a:r>
-            <a:r>
-              <a:rPr baseline="-5998"/>
-              <a:t>0</a:t>
-            </a:r>
-            <a:r>
-              <a:t> be changed?</a:t>
-            </a:r>
-          </a:p>
-          <a:p>
-            <a:pPr marL="170156" indent="-170156" defTabSz="323298">
-              <a:spcBef>
-                <a:spcPts val="700"/>
-              </a:spcBef>
-              <a:buSzPct val="100000"/>
-              <a:defRPr sz="1619">
-                <a:uFill>
-                  <a:solidFill>
-                    <a:srgbClr val="000000"/>
-                  </a:solidFill>
-                </a:uFill>
-                <a:latin typeface="Times New Roman"/>
-                <a:ea typeface="Times New Roman"/>
-                <a:cs typeface="Times New Roman"/>
-                <a:sym typeface="Times New Roman"/>
-              </a:defRPr>
-            </a:pPr>
-            <a:r>
-              <a:t>How will the R</a:t>
-            </a:r>
-            <a:r>
-              <a:rPr baseline="-5998"/>
-              <a:t>0</a:t>
-            </a:r>
-            <a:r>
-              <a:t> change?</a:t>
-            </a:r>
-          </a:p>
-          <a:p>
-            <a:pPr marL="170156" indent="-170156" defTabSz="323298">
-              <a:spcBef>
-                <a:spcPts val="700"/>
-              </a:spcBef>
-              <a:buSzPct val="100000"/>
-              <a:defRPr sz="1619">
-                <a:uFill>
-                  <a:solidFill>
-                    <a:srgbClr val="000000"/>
-                  </a:solidFill>
-                </a:uFill>
-                <a:latin typeface="Times New Roman"/>
-                <a:ea typeface="Times New Roman"/>
-                <a:cs typeface="Times New Roman"/>
-                <a:sym typeface="Times New Roman"/>
-              </a:defRPr>
-            </a:pPr>
-            <a:r>
-              <a:t>What is the asymptote share of the population?</a:t>
-            </a:r>
-          </a:p>
-          <a:p>
-            <a:pPr marL="170156" indent="-170156" defTabSz="323298">
-              <a:spcBef>
-                <a:spcPts val="700"/>
-              </a:spcBef>
-              <a:buSzPct val="100000"/>
-              <a:defRPr sz="1619">
-                <a:uFill>
-                  <a:solidFill>
-                    <a:srgbClr val="000000"/>
-                  </a:solidFill>
-                </a:uFill>
-                <a:latin typeface="Times New Roman"/>
-                <a:ea typeface="Times New Roman"/>
-                <a:cs typeface="Times New Roman"/>
-                <a:sym typeface="Times New Roman"/>
-              </a:defRPr>
-            </a:pPr>
-            <a:r>
-              <a:t>What is the mortality rate?</a:t>
+              <a:t>It’s the flu for them…</a:t>
             </a:r>
           </a:p>
         </p:txBody>
       </p:sp>
       <p:pic>
         <p:nvPicPr>
-          <p:cNvPr id="181" name="Image" descr="Image"/>
+          <p:cNvPr id="180" name="Image" descr="Image"/>
           <p:cNvPicPr>
             <a:picLocks noChangeAspect="1"/>
           </p:cNvPicPr>
@@ -5678,37 +5734,8 @@
         </p:blipFill>
         <p:spPr>
           <a:xfrm>
-            <a:off x="277662" y="3563384"/>
-            <a:ext cx="5024784" cy="3080921"/>
-          </a:xfrm>
-          <a:prstGeom prst="rect">
-            <a:avLst/>
-          </a:prstGeom>
-          <a:ln w="12700">
-            <a:miter lim="400000"/>
-          </a:ln>
-        </p:spPr>
-      </p:pic>
-      <p:pic>
-        <p:nvPicPr>
-          <p:cNvPr id="182" name="Image" descr="Image"/>
-          <p:cNvPicPr>
-            <a:picLocks noChangeAspect="1"/>
-          </p:cNvPicPr>
-          <p:nvPr/>
-        </p:nvPicPr>
-        <p:blipFill>
-          <a:blip r:embed="rId3">
-            <a:extLst/>
-          </a:blip>
-          <a:stretch>
-            <a:fillRect/>
-          </a:stretch>
-        </p:blipFill>
-        <p:spPr>
-          <a:xfrm>
-            <a:off x="5723025" y="1119015"/>
-            <a:ext cx="3285195" cy="5673464"/>
+            <a:off x="73815" y="2154334"/>
+            <a:ext cx="8837049" cy="4391582"/>
           </a:xfrm>
           <a:prstGeom prst="rect">
             <a:avLst/>
@@ -5746,7 +5773,7 @@
       </p:grpSpPr>
       <p:sp>
         <p:nvSpPr>
-          <p:cNvPr id="184" name="About the Course"/>
+          <p:cNvPr id="182" name="About the Course"/>
           <p:cNvSpPr txBox="1"/>
           <p:nvPr>
             <p:ph type="title" idx="4294967295"/>
@@ -5780,23 +5807,23 @@
           <a:p>
             <a:pPr/>
             <a:r>
-              <a:t>MOAR Coronavirus!</a:t>
+              <a:t>MOAR Coronavirus! II</a:t>
             </a:r>
           </a:p>
         </p:txBody>
       </p:sp>
       <p:sp>
         <p:nvSpPr>
-          <p:cNvPr id="185" name="The long 20th century will in all likelihood be seen in the future as the watershed in human experience:…"/>
+          <p:cNvPr id="183" name="The long 20th century will in all likelihood be seen in the future as the watershed in human experience:…"/>
           <p:cNvSpPr txBox="1"/>
           <p:nvPr>
-            <p:ph type="body" sz="quarter" idx="4294967295"/>
+            <p:ph type="body" idx="4294967295"/>
           </p:nvPr>
         </p:nvSpPr>
         <p:spPr>
           <a:xfrm>
-            <a:off x="277662" y="1267120"/>
-            <a:ext cx="2166922" cy="5397505"/>
+            <a:off x="277663" y="1267120"/>
+            <a:ext cx="8572501" cy="5397505"/>
           </a:xfrm>
           <a:prstGeom prst="rect">
             <a:avLst/>
@@ -5806,13 +5833,13 @@
           <a:bodyPr lIns="45718" tIns="45718" rIns="45718" bIns="45718" anchor="t"/>
           <a:lstStyle/>
           <a:p>
-            <a:pPr marL="0" indent="0" defTabSz="266637">
+            <a:pPr marL="0" indent="0" defTabSz="370331">
               <a:spcBef>
-                <a:spcPts val="600"/>
+                <a:spcPts val="900"/>
               </a:spcBef>
               <a:buSzTx/>
               <a:buNone/>
-              <a:defRPr b="1" sz="1300">
+              <a:defRPr b="1" sz="1900">
                 <a:uFill>
                   <a:solidFill>
                     <a:srgbClr val="000000"/>
@@ -5825,16 +5852,16 @@
               </a:defRPr>
             </a:pPr>
             <a:r>
-              <a:t>What I am watching:</a:t>
-            </a:r>
-          </a:p>
-          <a:p>
-            <a:pPr marL="140335" indent="-140335" defTabSz="266637">
+              <a:t>China Beat It!</a:t>
+            </a:r>
+          </a:p>
+          <a:p>
+            <a:pPr marL="194910" indent="-194910" defTabSz="370331">
               <a:spcBef>
-                <a:spcPts val="600"/>
+                <a:spcPts val="900"/>
               </a:spcBef>
               <a:buSzPct val="100000"/>
-              <a:defRPr b="1" sz="1300">
+              <a:defRPr sz="1900">
                 <a:uFill>
                   <a:solidFill>
                     <a:srgbClr val="000000"/>
@@ -5847,46 +5874,16 @@
               </a:defRPr>
             </a:pPr>
             <a:r>
-              <a:t>Max Roser &amp; Hannah Ritchie</a:t>
-            </a:r>
-            <a:r>
-              <a:rPr b="0"/>
-              <a:t>: </a:t>
-            </a:r>
-            <a:r>
-              <a:rPr b="0" i="1"/>
-              <a:t>Coronavirus Disease (COVID-19)</a:t>
-            </a:r>
-            <a:r>
-              <a:rPr b="0"/>
-              <a:t>_ &lt;</a:t>
-            </a:r>
-            <a:r>
-              <a:rPr b="0" u="sng">
-                <a:solidFill>
-                  <a:srgbClr val="0000FF"/>
-                </a:solidFill>
-                <a:uFill>
-                  <a:solidFill>
-                    <a:srgbClr val="0000FF"/>
-                  </a:solidFill>
-                </a:uFill>
-                <a:hlinkClick r:id="rId2" invalidUrl="" action="" tgtFrame="" tooltip="" history="1" highlightClick="0" endSnd="0"/>
-              </a:rPr>
-              <a:t>https://ourworldindata.org/coronavirus</a:t>
-            </a:r>
-            <a:r>
-              <a:rPr b="0"/>
-              <a:t>&gt;…</a:t>
-            </a:r>
-          </a:p>
-          <a:p>
-            <a:pPr marL="140335" indent="-140335" defTabSz="266637">
+              <a:t>Shut down Wuhan when 200 cases per day</a:t>
+            </a:r>
+          </a:p>
+          <a:p>
+            <a:pPr marL="194910" indent="-194910" defTabSz="370331">
               <a:spcBef>
-                <a:spcPts val="600"/>
+                <a:spcPts val="900"/>
               </a:spcBef>
               <a:buSzPct val="100000"/>
-              <a:defRPr b="1" sz="1300">
+              <a:defRPr sz="1900">
                 <a:uFill>
                   <a:solidFill>
                     <a:srgbClr val="000000"/>
@@ -5899,134 +5896,21 @@
               </a:defRPr>
             </a:pPr>
             <a:r>
-              <a:t>Worldometer</a:t>
-            </a:r>
-            <a:r>
-              <a:rPr b="0"/>
-              <a:t>: </a:t>
-            </a:r>
-            <a:r>
-              <a:rPr b="0" i="1"/>
-              <a:t>Coronavirus Update (Live) </a:t>
-            </a:r>
-            <a:r>
-              <a:rPr b="0"/>
-              <a:t>&lt;</a:t>
-            </a:r>
-            <a:r>
-              <a:rPr b="0" u="sng">
-                <a:solidFill>
-                  <a:srgbClr val="0000FF"/>
-                </a:solidFill>
-                <a:uFill>
-                  <a:solidFill>
-                    <a:srgbClr val="0000FF"/>
-                  </a:solidFill>
-                </a:uFill>
-                <a:hlinkClick r:id="rId3" invalidUrl="" action="" tgtFrame="" tooltip="" history="1" highlightClick="0" endSnd="0"/>
-              </a:rPr>
-              <a:t>https://www.worldometers.info/coronavirus/</a:t>
-            </a:r>
-            <a:r>
-              <a:rPr b="0"/>
-              <a:t>&gt;: ‘125,599 Cases and 4,605 Deaths from COVID-19 Virus Outbreak…</a:t>
-            </a:r>
-          </a:p>
-          <a:p>
-            <a:pPr marL="140335" indent="-140335" defTabSz="266637">
-              <a:spcBef>
-                <a:spcPts val="600"/>
-              </a:spcBef>
-              <a:buSzPct val="100000"/>
-              <a:defRPr i="1" sz="1300">
-                <a:uFill>
-                  <a:solidFill>
-                    <a:srgbClr val="000000"/>
-                  </a:solidFill>
-                </a:uFill>
-                <a:latin typeface="Times New Roman"/>
-                <a:ea typeface="Times New Roman"/>
-                <a:cs typeface="Times New Roman"/>
-                <a:sym typeface="Times New Roman"/>
-              </a:defRPr>
-            </a:pPr>
-            <a:r>
-              <a:t>FT Coronavirus Tracker</a:t>
-            </a:r>
-            <a:r>
-              <a:rPr i="0"/>
-              <a:t> &lt;</a:t>
-            </a:r>
-            <a:r>
-              <a:rPr i="0" u="sng">
-                <a:solidFill>
-                  <a:srgbClr val="0000FF"/>
-                </a:solidFill>
-                <a:uFill>
-                  <a:solidFill>
-                    <a:srgbClr val="0000FF"/>
-                  </a:solidFill>
-                </a:uFill>
-                <a:hlinkClick r:id="rId4" invalidUrl="" action="" tgtFrame="" tooltip="" history="1" highlightClick="0" endSnd="0"/>
-              </a:rPr>
-              <a:t>https://www.ft.com/content/a26fbf7e-48f8-11ea-aeb3-955839e06441</a:t>
-            </a:r>
-            <a:r>
-              <a:rPr i="0"/>
-              <a:t>&gt;</a:t>
-            </a:r>
-          </a:p>
-          <a:p>
-            <a:pPr marL="140335" indent="-140335" defTabSz="266637">
-              <a:spcBef>
-                <a:spcPts val="600"/>
-              </a:spcBef>
-              <a:buSzPct val="100000"/>
-              <a:defRPr sz="1300">
-                <a:uFill>
-                  <a:solidFill>
-                    <a:srgbClr val="000000"/>
-                  </a:solidFill>
-                </a:uFill>
-                <a:latin typeface="Times New Roman"/>
-                <a:ea typeface="Times New Roman"/>
-                <a:cs typeface="Times New Roman"/>
-                <a:sym typeface="Times New Roman"/>
-              </a:defRPr>
-            </a:pPr>
-            <a:r>
-              <a:t>&lt;</a:t>
-            </a:r>
-            <a:r>
-              <a:rPr u="sng">
-                <a:solidFill>
-                  <a:srgbClr val="0000FF"/>
-                </a:solidFill>
-                <a:uFill>
-                  <a:solidFill>
-                    <a:srgbClr val="0000FF"/>
-                  </a:solidFill>
-                </a:uFill>
-                <a:hlinkClick r:id="rId5" invalidUrl="" action="" tgtFrame="" tooltip="" history="1" highlightClick="0" endSnd="0"/>
-              </a:rPr>
-              <a:t>https://www.nytimes.com/interactive/2020/us/coronavirus-us-cases.html</a:t>
-            </a:r>
-            <a:r>
-              <a:t>&gt;</a:t>
+              <a:t>That seems to have been a good decision</a:t>
             </a:r>
           </a:p>
         </p:txBody>
       </p:sp>
       <p:pic>
         <p:nvPicPr>
-          <p:cNvPr id="186" name="Image" descr="Image"/>
+          <p:cNvPr id="184" name="Image" descr="Image"/>
           <p:cNvPicPr>
             <a:picLocks noChangeAspect="1"/>
           </p:cNvPicPr>
           <p:nvPr/>
         </p:nvPicPr>
         <p:blipFill>
-          <a:blip r:embed="rId6">
+          <a:blip r:embed="rId2">
             <a:extLst/>
           </a:blip>
           <a:stretch>
@@ -6035,8 +5919,8 @@
         </p:blipFill>
         <p:spPr>
           <a:xfrm>
-            <a:off x="2444583" y="1267124"/>
-            <a:ext cx="6405581" cy="4040005"/>
+            <a:off x="560811" y="2397372"/>
+            <a:ext cx="7320740" cy="4267253"/>
           </a:xfrm>
           <a:prstGeom prst="rect">
             <a:avLst/>
@@ -6074,7 +5958,7 @@
       </p:grpSpPr>
       <p:sp>
         <p:nvSpPr>
-          <p:cNvPr id="188" name="About the Course"/>
+          <p:cNvPr id="186" name="About the Course"/>
           <p:cNvSpPr txBox="1"/>
           <p:nvPr>
             <p:ph type="title" idx="4294967295"/>
@@ -6108,14 +5992,14 @@
           <a:p>
             <a:pPr/>
             <a:r>
-              <a:t>MOAR Coronavirus!</a:t>
+              <a:t>MOAR Coronavirus! III</a:t>
             </a:r>
           </a:p>
         </p:txBody>
       </p:sp>
       <p:sp>
         <p:nvSpPr>
-          <p:cNvPr id="189" name="The long 20th century will in all likelihood be seen in the future as the watershed in human experience:…"/>
+          <p:cNvPr id="187" name="The long 20th century will in all likelihood be seen in the future as the watershed in human experience:…"/>
           <p:cNvSpPr txBox="1"/>
           <p:nvPr>
             <p:ph type="body" sz="quarter" idx="4294967295"/>
@@ -6124,7 +6008,7 @@
         <p:spPr>
           <a:xfrm>
             <a:off x="277663" y="1267121"/>
-            <a:ext cx="8572501" cy="887214"/>
+            <a:ext cx="8572501" cy="1348492"/>
           </a:xfrm>
           <a:prstGeom prst="rect">
             <a:avLst/>
@@ -6134,13 +6018,13 @@
           <a:bodyPr lIns="45718" tIns="45718" rIns="45718" bIns="45718" anchor="t"/>
           <a:lstStyle/>
           <a:p>
-            <a:pPr marL="0" indent="0" defTabSz="270341">
+            <a:pPr marL="0" indent="0" defTabSz="244418">
               <a:spcBef>
-                <a:spcPts val="600"/>
+                <a:spcPts val="500"/>
               </a:spcBef>
               <a:buSzTx/>
               <a:buNone/>
-              <a:defRPr b="1" sz="1300">
+              <a:defRPr b="1" sz="1200">
                 <a:uFill>
                   <a:solidFill>
                     <a:srgbClr val="000000"/>
@@ -6153,16 +6037,16 @@
               </a:defRPr>
             </a:pPr>
             <a:r>
-              <a:t>It’s a Thing for Geezers!</a:t>
-            </a:r>
-          </a:p>
-          <a:p>
-            <a:pPr marL="142285" indent="-142285" defTabSz="270341">
+              <a:t>When Is It Appropriate to Move on This?</a:t>
+            </a:r>
+          </a:p>
+          <a:p>
+            <a:pPr marL="128640" indent="-128640" defTabSz="244418">
               <a:spcBef>
-                <a:spcPts val="600"/>
+                <a:spcPts val="500"/>
               </a:spcBef>
               <a:buSzPct val="100000"/>
-              <a:defRPr sz="1300">
+              <a:defRPr sz="1200">
                 <a:uFill>
                   <a:solidFill>
                     <a:srgbClr val="000000"/>
@@ -6175,16 +6059,16 @@
               </a:defRPr>
             </a:pPr>
             <a:r>
-              <a:t>Mortality for the Youngs very low…</a:t>
-            </a:r>
-          </a:p>
-          <a:p>
-            <a:pPr marL="142285" indent="-142285" defTabSz="270341">
+              <a:t>Immediate social distancing…</a:t>
+            </a:r>
+          </a:p>
+          <a:p>
+            <a:pPr marL="128640" indent="-128640" defTabSz="244418">
               <a:spcBef>
-                <a:spcPts val="600"/>
+                <a:spcPts val="500"/>
               </a:spcBef>
               <a:buSzPct val="100000"/>
-              <a:defRPr sz="1300">
+              <a:defRPr sz="1200">
                 <a:uFill>
                   <a:solidFill>
                     <a:srgbClr val="000000"/>
@@ -6197,14 +6081,58 @@
               </a:defRPr>
             </a:pPr>
             <a:r>
-              <a:t>It’s the flu for them…</a:t>
+              <a:t>Self-isolate if you have a cough and a fever…</a:t>
+            </a:r>
+          </a:p>
+          <a:p>
+            <a:pPr marL="128640" indent="-128640" defTabSz="244418">
+              <a:spcBef>
+                <a:spcPts val="500"/>
+              </a:spcBef>
+              <a:buSzPct val="100000"/>
+              <a:defRPr sz="1200">
+                <a:uFill>
+                  <a:solidFill>
+                    <a:srgbClr val="000000"/>
+                  </a:solidFill>
+                </a:uFill>
+                <a:latin typeface="Times New Roman"/>
+                <a:ea typeface="Times New Roman"/>
+                <a:cs typeface="Times New Roman"/>
+                <a:sym typeface="Times New Roman"/>
+              </a:defRPr>
+            </a:pPr>
+            <a:r>
+              <a:t>Hope that warmer temperatures will do to this what they did to SARS…</a:t>
+            </a:r>
+          </a:p>
+          <a:p>
+            <a:pPr marL="128640" indent="-128640" defTabSz="244418">
+              <a:spcBef>
+                <a:spcPts val="500"/>
+              </a:spcBef>
+              <a:buSzPct val="100000"/>
+              <a:defRPr sz="1200">
+                <a:uFill>
+                  <a:solidFill>
+                    <a:srgbClr val="000000"/>
+                  </a:solidFill>
+                </a:uFill>
+                <a:latin typeface="Times New Roman"/>
+                <a:ea typeface="Times New Roman"/>
+                <a:cs typeface="Times New Roman"/>
+                <a:sym typeface="Times New Roman"/>
+              </a:defRPr>
+            </a:pPr>
+            <a:r>
+              <a:t>Otherwise, when do you want to start spreading out transmission. It seems that early is as good as later…</a:t>
             </a:r>
           </a:p>
         </p:txBody>
       </p:sp>
       <p:pic>
         <p:nvPicPr>
-          <p:cNvPr id="190" name="Image" descr="Image"/>
+          <p:cNvPr id="188" name="Image" descr="Image"/>
           <p:cNvPicPr>
             <a:picLocks noChangeAspect="1"/>
           </p:cNvPicPr>
@@ -6220,8 +6148,8 @@
         </p:blipFill>
         <p:spPr>
           <a:xfrm>
-            <a:off x="73815" y="2154334"/>
-            <a:ext cx="8837049" cy="4391582"/>
+            <a:off x="1488597" y="2615611"/>
+            <a:ext cx="5853745" cy="4052592"/>
           </a:xfrm>
           <a:prstGeom prst="rect">
             <a:avLst/>
@@ -6259,7 +6187,7 @@
       </p:grpSpPr>
       <p:sp>
         <p:nvSpPr>
-          <p:cNvPr id="192" name="About the Course"/>
+          <p:cNvPr id="190" name="About the Course"/>
           <p:cNvSpPr txBox="1"/>
           <p:nvPr>
             <p:ph type="title" idx="4294967295"/>
@@ -6277,30 +6205,25 @@
         <p:txBody>
           <a:bodyPr lIns="45718" tIns="45718" rIns="45718" bIns="45718"/>
           <a:lstStyle>
-            <a:lvl1pPr defTabSz="457200">
-              <a:defRPr sz="6000">
+            <a:lvl1pPr defTabSz="410764">
+              <a:defRPr>
                 <a:solidFill>
                   <a:srgbClr val="000080"/>
                 </a:solidFill>
-                <a:uFill>
-                  <a:solidFill>
-                    <a:srgbClr val="000000"/>
-                  </a:solidFill>
-                </a:uFill>
               </a:defRPr>
             </a:lvl1pPr>
           </a:lstStyle>
           <a:p>
             <a:pPr/>
             <a:r>
-              <a:t>MOAR Coronavirus! II</a:t>
+              <a:t>Coronavirus! (March 16)</a:t>
             </a:r>
           </a:p>
         </p:txBody>
       </p:sp>
       <p:sp>
         <p:nvSpPr>
-          <p:cNvPr id="193" name="The long 20th century will in all likelihood be seen in the future as the watershed in human experience:…"/>
+          <p:cNvPr id="191" name="The long 20th century will in all likelihood be seen in the future as the watershed in human experience:…"/>
           <p:cNvSpPr txBox="1"/>
           <p:nvPr>
             <p:ph type="body" idx="4294967295"/>
@@ -6319,13 +6242,13 @@
           <a:bodyPr lIns="45718" tIns="45718" rIns="45718" bIns="45718" anchor="t"/>
           <a:lstStyle/>
           <a:p>
-            <a:pPr marL="0" indent="0" defTabSz="370331">
+            <a:pPr marL="0" indent="0" defTabSz="340704">
               <a:spcBef>
-                <a:spcPts val="900"/>
+                <a:spcPts val="800"/>
               </a:spcBef>
               <a:buSzTx/>
               <a:buNone/>
-              <a:defRPr b="1" sz="1900">
+              <a:defRPr b="1" sz="1748">
                 <a:uFill>
                   <a:solidFill>
                     <a:srgbClr val="000000"/>
@@ -6338,16 +6261,130 @@
               </a:defRPr>
             </a:pPr>
             <a:r>
-              <a:t>China Beat It!</a:t>
-            </a:r>
-          </a:p>
-          <a:p>
-            <a:pPr marL="194910" indent="-194910" defTabSz="370331">
+              <a:rPr strike="sngStrike"/>
+              <a:t>With 31 deaths in the U.S. as of March 11, a 1% death rate, and up to 4 weeks between infection and death, that means that as of Feb 12 there were 3100 coronavirus cases in the United States</a:t>
+            </a:r>
+            <a:r>
+              <a:t>. </a:t>
+            </a:r>
+          </a:p>
+          <a:p>
+            <a:pPr marL="0" indent="0" defTabSz="340704">
               <a:spcBef>
-                <a:spcPts val="900"/>
+                <a:spcPts val="800"/>
+              </a:spcBef>
+              <a:buSzTx/>
+              <a:buNone/>
+              <a:defRPr b="1" sz="1748">
+                <a:uFill>
+                  <a:solidFill>
+                    <a:srgbClr val="000000"/>
+                  </a:solidFill>
+                </a:uFill>
+                <a:latin typeface="+mj-lt"/>
+                <a:ea typeface="+mj-ea"/>
+                <a:cs typeface="+mj-cs"/>
+                <a:sym typeface="Helvetica"/>
+              </a:defRPr>
+            </a:pPr>
+            <a:r>
+              <a:t>With 87 deaths in the U.S. as of Mar 16, a 1% death rate, and up to 4 weeks between infection and death, that means that as of Feb 17 there were 8700 coronavirus cases in the United States</a:t>
+            </a:r>
+            <a:endParaRPr strike="sngStrike"/>
+          </a:p>
+          <a:p>
+            <a:pPr marL="0" indent="0" defTabSz="340704">
+              <a:spcBef>
+                <a:spcPts val="800"/>
+              </a:spcBef>
+              <a:buSzTx/>
+              <a:buNone/>
+              <a:defRPr b="1" sz="1748">
+                <a:uFill>
+                  <a:solidFill>
+                    <a:srgbClr val="000000"/>
+                  </a:solidFill>
+                </a:uFill>
+                <a:latin typeface="+mj-lt"/>
+                <a:ea typeface="+mj-ea"/>
+                <a:cs typeface="+mj-cs"/>
+                <a:sym typeface="Helvetica"/>
+              </a:defRPr>
+            </a:pPr>
+            <a:r>
+              <a:t>If it is doubling every seven days, then now about 150,000 people have and in the next week about 150,000 more people in the U.S. will catch coronavirus—which means 1/2200, currently 3500 of the 7.6 million inhabitants of San Francisco Bay. Touch a hard surface that any of those 3500 has touched in the last 48 hours, and the virus has a chance to jump to you…</a:t>
+            </a:r>
+          </a:p>
+          <a:p>
+            <a:pPr marL="0" indent="0" defTabSz="340704">
+              <a:spcBef>
+                <a:spcPts val="800"/>
+              </a:spcBef>
+              <a:buSzTx/>
+              <a:buNone/>
+              <a:defRPr b="1" sz="1748">
+                <a:uFill>
+                  <a:solidFill>
+                    <a:srgbClr val="000000"/>
+                  </a:solidFill>
+                </a:uFill>
+                <a:latin typeface="+mj-lt"/>
+                <a:ea typeface="+mj-ea"/>
+                <a:cs typeface="+mj-cs"/>
+                <a:sym typeface="Helvetica"/>
+              </a:defRPr>
+            </a:pPr>
+          </a:p>
+          <a:p>
+            <a:pPr marL="0" indent="0" defTabSz="340704">
+              <a:spcBef>
+                <a:spcPts val="800"/>
+              </a:spcBef>
+              <a:buSzTx/>
+              <a:buNone/>
+              <a:defRPr b="1" sz="1748">
+                <a:uFill>
+                  <a:solidFill>
+                    <a:srgbClr val="000000"/>
+                  </a:solidFill>
+                </a:uFill>
+                <a:latin typeface="+mj-lt"/>
+                <a:ea typeface="+mj-ea"/>
+                <a:cs typeface="+mj-cs"/>
+                <a:sym typeface="Helvetica"/>
+              </a:defRPr>
+            </a:pPr>
+            <a:r>
+              <a:t>These numbers could be five times too big. These numbers are probably not five times too small unless the thing is a lot less deadly, and there are a lot of asymptomatic cases…</a:t>
+            </a:r>
+          </a:p>
+          <a:p>
+            <a:pPr marL="0" indent="0" defTabSz="340704">
+              <a:spcBef>
+                <a:spcPts val="800"/>
+              </a:spcBef>
+              <a:buSzTx/>
+              <a:buNone/>
+              <a:defRPr b="1" sz="1748">
+                <a:uFill>
+                  <a:solidFill>
+                    <a:srgbClr val="000000"/>
+                  </a:solidFill>
+                </a:uFill>
+                <a:latin typeface="+mj-lt"/>
+                <a:ea typeface="+mj-ea"/>
+                <a:cs typeface="+mj-cs"/>
+                <a:sym typeface="Helvetica"/>
+              </a:defRPr>
+            </a:pPr>
+          </a:p>
+          <a:p>
+            <a:pPr marL="179317" indent="-179317" defTabSz="340704">
+              <a:spcBef>
+                <a:spcPts val="800"/>
               </a:spcBef>
               <a:buSzPct val="100000"/>
-              <a:defRPr sz="1900">
+              <a:defRPr sz="1748">
                 <a:uFill>
                   <a:solidFill>
                     <a:srgbClr val="000000"/>
@@ -6360,62 +6397,11 @@
               </a:defRPr>
             </a:pPr>
             <a:r>
-              <a:t>Shut down Wuhan when 200 cases per day</a:t>
-            </a:r>
-          </a:p>
-          <a:p>
-            <a:pPr marL="194910" indent="-194910" defTabSz="370331">
-              <a:spcBef>
-                <a:spcPts val="900"/>
-              </a:spcBef>
-              <a:buSzPct val="100000"/>
-              <a:defRPr sz="1900">
-                <a:uFill>
-                  <a:solidFill>
-                    <a:srgbClr val="000000"/>
-                  </a:solidFill>
-                </a:uFill>
-                <a:latin typeface="Times New Roman"/>
-                <a:ea typeface="Times New Roman"/>
-                <a:cs typeface="Times New Roman"/>
-                <a:sym typeface="Times New Roman"/>
-              </a:defRPr>
-            </a:pPr>
-            <a:r>
-              <a:t>That seems to have been a good decision</a:t>
+              <a:t>What is wrong with this analysis?</a:t>
             </a:r>
           </a:p>
         </p:txBody>
       </p:sp>
-      <p:pic>
-        <p:nvPicPr>
-          <p:cNvPr id="194" name="Image" descr="Image"/>
-          <p:cNvPicPr>
-            <a:picLocks noChangeAspect="1"/>
-          </p:cNvPicPr>
-          <p:nvPr/>
-        </p:nvPicPr>
-        <p:blipFill>
-          <a:blip r:embed="rId2">
-            <a:extLst/>
-          </a:blip>
-          <a:stretch>
-            <a:fillRect/>
-          </a:stretch>
-        </p:blipFill>
-        <p:spPr>
-          <a:xfrm>
-            <a:off x="560811" y="2397372"/>
-            <a:ext cx="7320740" cy="4267253"/>
-          </a:xfrm>
-          <a:prstGeom prst="rect">
-            <a:avLst/>
-          </a:prstGeom>
-          <a:ln w="12700">
-            <a:miter lim="400000"/>
-          </a:ln>
-        </p:spPr>
-      </p:pic>
     </p:spTree>
   </p:cSld>
   <p:clrMapOvr>
@@ -6444,7 +6430,7 @@
       </p:grpSpPr>
       <p:sp>
         <p:nvSpPr>
-          <p:cNvPr id="196" name="About the Course"/>
+          <p:cNvPr id="193" name="About the Course"/>
           <p:cNvSpPr txBox="1"/>
           <p:nvPr>
             <p:ph type="title" idx="4294967295"/>
@@ -6452,8 +6438,8 @@
         </p:nvSpPr>
         <p:spPr>
           <a:xfrm>
-            <a:off x="277663" y="-3"/>
-            <a:ext cx="8572501" cy="1267128"/>
+            <a:off x="277663" y="139697"/>
+            <a:ext cx="8572502" cy="1267128"/>
           </a:xfrm>
           <a:prstGeom prst="rect">
             <a:avLst/>
@@ -6478,14 +6464,14 @@
           <a:p>
             <a:pPr/>
             <a:r>
-              <a:t>MOAR Coronavirus! III</a:t>
+              <a:t>MOAR Coronavirus!</a:t>
             </a:r>
           </a:p>
         </p:txBody>
       </p:sp>
       <p:sp>
         <p:nvSpPr>
-          <p:cNvPr id="197" name="The long 20th century will in all likelihood be seen in the future as the watershed in human experience:…"/>
+          <p:cNvPr id="194" name="The long 20th century will in all likelihood be seen in the future as the watershed in human experience:…"/>
           <p:cNvSpPr txBox="1"/>
           <p:nvPr>
             <p:ph type="body" sz="quarter" idx="4294967295"/>
@@ -6494,7 +6480,7 @@
         <p:spPr>
           <a:xfrm>
             <a:off x="277663" y="1267121"/>
-            <a:ext cx="8572501" cy="1348492"/>
+            <a:ext cx="5024783" cy="2296266"/>
           </a:xfrm>
           <a:prstGeom prst="rect">
             <a:avLst/>
@@ -6504,13 +6490,13 @@
           <a:bodyPr lIns="45718" tIns="45718" rIns="45718" bIns="45718" anchor="t"/>
           <a:lstStyle/>
           <a:p>
-            <a:pPr marL="0" indent="0" defTabSz="244418">
+            <a:pPr marL="0" indent="0" defTabSz="323298">
               <a:spcBef>
-                <a:spcPts val="500"/>
+                <a:spcPts val="700"/>
               </a:spcBef>
               <a:buSzTx/>
               <a:buNone/>
-              <a:defRPr b="1" sz="1200">
+              <a:defRPr b="1" sz="1619">
                 <a:uFill>
                   <a:solidFill>
                     <a:srgbClr val="000000"/>
@@ -6523,16 +6509,16 @@
               </a:defRPr>
             </a:pPr>
             <a:r>
-              <a:t>When Is It Appropriate to Move on This?</a:t>
-            </a:r>
-          </a:p>
-          <a:p>
-            <a:pPr marL="128640" indent="-128640" defTabSz="244418">
+              <a:t>As of March 21: Things are not moving in the right direction:</a:t>
+            </a:r>
+          </a:p>
+          <a:p>
+            <a:pPr marL="170156" indent="-170156" defTabSz="323298">
               <a:spcBef>
-                <a:spcPts val="500"/>
+                <a:spcPts val="700"/>
               </a:spcBef>
               <a:buSzPct val="100000"/>
-              <a:defRPr sz="1200">
+              <a:defRPr sz="1619">
                 <a:uFill>
                   <a:solidFill>
                     <a:srgbClr val="000000"/>
@@ -6545,16 +6531,23 @@
               </a:defRPr>
             </a:pPr>
             <a:r>
-              <a:t>Immediate social distancing…</a:t>
-            </a:r>
-          </a:p>
-          <a:p>
-            <a:pPr marL="128640" indent="-128640" defTabSz="244418">
+              <a:t>What is the R</a:t>
+            </a:r>
+            <a:r>
+              <a:rPr baseline="-5998"/>
+              <a:t>0</a:t>
+            </a:r>
+            <a:r>
+              <a:t>?</a:t>
+            </a:r>
+          </a:p>
+          <a:p>
+            <a:pPr marL="170156" indent="-170156" defTabSz="323298">
               <a:spcBef>
-                <a:spcPts val="500"/>
+                <a:spcPts val="700"/>
               </a:spcBef>
               <a:buSzPct val="100000"/>
-              <a:defRPr sz="1200">
+              <a:defRPr sz="1619">
                 <a:uFill>
                   <a:solidFill>
                     <a:srgbClr val="000000"/>
@@ -6567,16 +6560,23 @@
               </a:defRPr>
             </a:pPr>
             <a:r>
-              <a:t>Self-isolate if you have a cough and a fever…</a:t>
-            </a:r>
-          </a:p>
-          <a:p>
-            <a:pPr marL="128640" indent="-128640" defTabSz="244418">
+              <a:t>How can the R</a:t>
+            </a:r>
+            <a:r>
+              <a:rPr baseline="-5998"/>
+              <a:t>0</a:t>
+            </a:r>
+            <a:r>
+              <a:t> be changed?</a:t>
+            </a:r>
+          </a:p>
+          <a:p>
+            <a:pPr marL="170156" indent="-170156" defTabSz="323298">
               <a:spcBef>
-                <a:spcPts val="500"/>
+                <a:spcPts val="700"/>
               </a:spcBef>
               <a:buSzPct val="100000"/>
-              <a:defRPr sz="1200">
+              <a:defRPr sz="1619">
                 <a:uFill>
                   <a:solidFill>
                     <a:srgbClr val="000000"/>
@@ -6589,16 +6589,23 @@
               </a:defRPr>
             </a:pPr>
             <a:r>
-              <a:t>Hope that warmer temperatures will do to this what they did to SARS…</a:t>
-            </a:r>
-          </a:p>
-          <a:p>
-            <a:pPr marL="128640" indent="-128640" defTabSz="244418">
+              <a:t>How will the R</a:t>
+            </a:r>
+            <a:r>
+              <a:rPr baseline="-5998"/>
+              <a:t>0</a:t>
+            </a:r>
+            <a:r>
+              <a:t> change?</a:t>
+            </a:r>
+          </a:p>
+          <a:p>
+            <a:pPr marL="170156" indent="-170156" defTabSz="323298">
               <a:spcBef>
-                <a:spcPts val="500"/>
+                <a:spcPts val="700"/>
               </a:spcBef>
               <a:buSzPct val="100000"/>
-              <a:defRPr sz="1200">
+              <a:defRPr sz="1619">
                 <a:uFill>
                   <a:solidFill>
                     <a:srgbClr val="000000"/>
@@ -6611,14 +6618,36 @@
               </a:defRPr>
             </a:pPr>
             <a:r>
-              <a:t>Otherwise, when do you want to start spreading out transmission. It seems that early is as good as later…</a:t>
+              <a:t>What is the asymptote share of the population?</a:t>
+            </a:r>
+          </a:p>
+          <a:p>
+            <a:pPr marL="170156" indent="-170156" defTabSz="323298">
+              <a:spcBef>
+                <a:spcPts val="700"/>
+              </a:spcBef>
+              <a:buSzPct val="100000"/>
+              <a:defRPr sz="1619">
+                <a:uFill>
+                  <a:solidFill>
+                    <a:srgbClr val="000000"/>
+                  </a:solidFill>
+                </a:uFill>
+                <a:latin typeface="Times New Roman"/>
+                <a:ea typeface="Times New Roman"/>
+                <a:cs typeface="Times New Roman"/>
+                <a:sym typeface="Times New Roman"/>
+              </a:defRPr>
+            </a:pPr>
+            <a:r>
+              <a:t>What is the mortality rate?</a:t>
             </a:r>
           </a:p>
         </p:txBody>
       </p:sp>
       <p:pic>
         <p:nvPicPr>
-          <p:cNvPr id="198" name="Image" descr="Image"/>
+          <p:cNvPr id="195" name="Image" descr="Image"/>
           <p:cNvPicPr>
             <a:picLocks noChangeAspect="1"/>
           </p:cNvPicPr>
@@ -6634,8 +6663,37 @@
         </p:blipFill>
         <p:spPr>
           <a:xfrm>
-            <a:off x="1488597" y="2615611"/>
-            <a:ext cx="5853745" cy="4052592"/>
+            <a:off x="5302445" y="1267121"/>
+            <a:ext cx="3690465" cy="4647506"/>
+          </a:xfrm>
+          <a:prstGeom prst="rect">
+            <a:avLst/>
+          </a:prstGeom>
+          <a:ln w="12700">
+            <a:miter lim="400000"/>
+          </a:ln>
+        </p:spPr>
+      </p:pic>
+      <p:pic>
+        <p:nvPicPr>
+          <p:cNvPr id="196" name="Image" descr="Image"/>
+          <p:cNvPicPr>
+            <a:picLocks noChangeAspect="1"/>
+          </p:cNvPicPr>
+          <p:nvPr/>
+        </p:nvPicPr>
+        <p:blipFill>
+          <a:blip r:embed="rId3">
+            <a:extLst/>
+          </a:blip>
+          <a:stretch>
+            <a:fillRect/>
+          </a:stretch>
+        </p:blipFill>
+        <p:spPr>
+          <a:xfrm>
+            <a:off x="277663" y="4017610"/>
+            <a:ext cx="4467385" cy="2662739"/>
           </a:xfrm>
           <a:prstGeom prst="rect">
             <a:avLst/>
@@ -6673,87 +6731,224 @@
       </p:grpSpPr>
       <p:sp>
         <p:nvSpPr>
-          <p:cNvPr id="200" name="Catch Our Breath…"/>
+          <p:cNvPr id="198" name="About the Course"/>
           <p:cNvSpPr txBox="1"/>
           <p:nvPr>
-            <p:ph type="title"/>
+            <p:ph type="title" idx="4294967295"/>
           </p:nvPr>
         </p:nvSpPr>
         <p:spPr>
           <a:xfrm>
-            <a:off x="276457" y="-3"/>
-            <a:ext cx="8572501" cy="1270005"/>
+            <a:off x="277663" y="-3"/>
+            <a:ext cx="8572501" cy="1267128"/>
           </a:xfrm>
           <a:prstGeom prst="rect">
             <a:avLst/>
           </a:prstGeom>
         </p:spPr>
         <p:txBody>
-          <a:bodyPr/>
-          <a:lstStyle/>
+          <a:bodyPr lIns="45718" tIns="45718" rIns="45718" bIns="45718"/>
+          <a:lstStyle>
+            <a:lvl1pPr defTabSz="457200">
+              <a:defRPr sz="6000">
+                <a:solidFill>
+                  <a:srgbClr val="000080"/>
+                </a:solidFill>
+                <a:uFill>
+                  <a:solidFill>
+                    <a:srgbClr val="000000"/>
+                  </a:solidFill>
+                </a:uFill>
+              </a:defRPr>
+            </a:lvl1pPr>
+          </a:lstStyle>
           <a:p>
             <a:pPr/>
             <a:r>
-              <a:t>Catch Our Breath…</a:t>
+              <a:t>MOAR Coronavirus!</a:t>
             </a:r>
           </a:p>
         </p:txBody>
       </p:sp>
       <p:sp>
         <p:nvSpPr>
-          <p:cNvPr id="201" name="Ask a couple of questions?…"/>
+          <p:cNvPr id="199" name="The long 20th century will in all likelihood be seen in the future as the watershed in human experience:…"/>
           <p:cNvSpPr txBox="1"/>
           <p:nvPr>
-            <p:ph type="body" sz="half" idx="1"/>
+            <p:ph type="body" sz="quarter" idx="4294967295"/>
           </p:nvPr>
         </p:nvSpPr>
         <p:spPr>
           <a:xfrm>
-            <a:off x="276455" y="1270000"/>
-            <a:ext cx="3810005" cy="4762500"/>
+            <a:off x="277663" y="1267121"/>
+            <a:ext cx="5024783" cy="2296266"/>
           </a:xfrm>
           <a:prstGeom prst="rect">
             <a:avLst/>
           </a:prstGeom>
         </p:spPr>
         <p:txBody>
-          <a:bodyPr anchor="t"/>
+          <a:bodyPr lIns="45718" tIns="45718" rIns="45718" bIns="45718" anchor="t"/>
           <a:lstStyle/>
           <a:p>
-            <a:pPr>
+            <a:pPr marL="0" indent="0" defTabSz="323298">
               <a:spcBef>
-                <a:spcPts val="1200"/>
+                <a:spcPts val="700"/>
               </a:spcBef>
+              <a:buSzTx/>
+              <a:buNone/>
+              <a:defRPr b="1" sz="1619">
+                <a:uFill>
+                  <a:solidFill>
+                    <a:srgbClr val="000000"/>
+                  </a:solidFill>
+                </a:uFill>
+                <a:latin typeface="+mj-lt"/>
+                <a:ea typeface="+mj-ea"/>
+                <a:cs typeface="+mj-cs"/>
+                <a:sym typeface="Helvetica"/>
+              </a:defRPr>
             </a:pPr>
             <a:r>
-              <a:t>Ask a couple of questions? </a:t>
-            </a:r>
-          </a:p>
-          <a:p>
-            <a:pPr>
+              <a:t>As of March 10: Things are not moving in the right direction:</a:t>
+            </a:r>
+          </a:p>
+          <a:p>
+            <a:pPr marL="170156" indent="-170156" defTabSz="323298">
               <a:spcBef>
-                <a:spcPts val="1200"/>
+                <a:spcPts val="700"/>
               </a:spcBef>
+              <a:buSzPct val="100000"/>
+              <a:defRPr sz="1619">
+                <a:uFill>
+                  <a:solidFill>
+                    <a:srgbClr val="000000"/>
+                  </a:solidFill>
+                </a:uFill>
+                <a:latin typeface="Times New Roman"/>
+                <a:ea typeface="Times New Roman"/>
+                <a:cs typeface="Times New Roman"/>
+                <a:sym typeface="Times New Roman"/>
+              </a:defRPr>
             </a:pPr>
             <a:r>
-              <a:t>Make a couple of comments?</a:t>
-            </a:r>
-          </a:p>
-          <a:p>
-            <a:pPr>
+              <a:t>What is the R</a:t>
+            </a:r>
+            <a:r>
+              <a:rPr baseline="-5998"/>
+              <a:t>0</a:t>
+            </a:r>
+            <a:r>
+              <a:t>?</a:t>
+            </a:r>
+          </a:p>
+          <a:p>
+            <a:pPr marL="170156" indent="-170156" defTabSz="323298">
               <a:spcBef>
-                <a:spcPts val="1200"/>
+                <a:spcPts val="700"/>
               </a:spcBef>
+              <a:buSzPct val="100000"/>
+              <a:defRPr sz="1619">
+                <a:uFill>
+                  <a:solidFill>
+                    <a:srgbClr val="000000"/>
+                  </a:solidFill>
+                </a:uFill>
+                <a:latin typeface="Times New Roman"/>
+                <a:ea typeface="Times New Roman"/>
+                <a:cs typeface="Times New Roman"/>
+                <a:sym typeface="Times New Roman"/>
+              </a:defRPr>
             </a:pPr>
             <a:r>
-              <a:t>Any more readings to recommend?</a:t>
+              <a:t>How can the R</a:t>
+            </a:r>
+            <a:r>
+              <a:rPr baseline="-5998"/>
+              <a:t>0</a:t>
+            </a:r>
+            <a:r>
+              <a:t> be changed?</a:t>
+            </a:r>
+          </a:p>
+          <a:p>
+            <a:pPr marL="170156" indent="-170156" defTabSz="323298">
+              <a:spcBef>
+                <a:spcPts val="700"/>
+              </a:spcBef>
+              <a:buSzPct val="100000"/>
+              <a:defRPr sz="1619">
+                <a:uFill>
+                  <a:solidFill>
+                    <a:srgbClr val="000000"/>
+                  </a:solidFill>
+                </a:uFill>
+                <a:latin typeface="Times New Roman"/>
+                <a:ea typeface="Times New Roman"/>
+                <a:cs typeface="Times New Roman"/>
+                <a:sym typeface="Times New Roman"/>
+              </a:defRPr>
+            </a:pPr>
+            <a:r>
+              <a:t>How will the R</a:t>
+            </a:r>
+            <a:r>
+              <a:rPr baseline="-5998"/>
+              <a:t>0</a:t>
+            </a:r>
+            <a:r>
+              <a:t> change?</a:t>
+            </a:r>
+          </a:p>
+          <a:p>
+            <a:pPr marL="170156" indent="-170156" defTabSz="323298">
+              <a:spcBef>
+                <a:spcPts val="700"/>
+              </a:spcBef>
+              <a:buSzPct val="100000"/>
+              <a:defRPr sz="1619">
+                <a:uFill>
+                  <a:solidFill>
+                    <a:srgbClr val="000000"/>
+                  </a:solidFill>
+                </a:uFill>
+                <a:latin typeface="Times New Roman"/>
+                <a:ea typeface="Times New Roman"/>
+                <a:cs typeface="Times New Roman"/>
+                <a:sym typeface="Times New Roman"/>
+              </a:defRPr>
+            </a:pPr>
+            <a:r>
+              <a:t>What is the asymptote share of the population?</a:t>
+            </a:r>
+          </a:p>
+          <a:p>
+            <a:pPr marL="170156" indent="-170156" defTabSz="323298">
+              <a:spcBef>
+                <a:spcPts val="700"/>
+              </a:spcBef>
+              <a:buSzPct val="100000"/>
+              <a:defRPr sz="1619">
+                <a:uFill>
+                  <a:solidFill>
+                    <a:srgbClr val="000000"/>
+                  </a:solidFill>
+                </a:uFill>
+                <a:latin typeface="Times New Roman"/>
+                <a:ea typeface="Times New Roman"/>
+                <a:cs typeface="Times New Roman"/>
+                <a:sym typeface="Times New Roman"/>
+              </a:defRPr>
+            </a:pPr>
+            <a:r>
+              <a:t>What is the mortality rate?</a:t>
             </a:r>
           </a:p>
         </p:txBody>
       </p:sp>
       <p:pic>
         <p:nvPicPr>
-          <p:cNvPr id="202" name="Image" descr="Image"/>
+          <p:cNvPr id="200" name="Image" descr="Image"/>
           <p:cNvPicPr>
             <a:picLocks noChangeAspect="1"/>
           </p:cNvPicPr>
@@ -6769,8 +6964,37 @@
         </p:blipFill>
         <p:spPr>
           <a:xfrm>
-            <a:off x="4086457" y="1270000"/>
-            <a:ext cx="4762503" cy="4762500"/>
+            <a:off x="277662" y="3563384"/>
+            <a:ext cx="5024784" cy="3080921"/>
+          </a:xfrm>
+          <a:prstGeom prst="rect">
+            <a:avLst/>
+          </a:prstGeom>
+          <a:ln w="12700">
+            <a:miter lim="400000"/>
+          </a:ln>
+        </p:spPr>
+      </p:pic>
+      <p:pic>
+        <p:nvPicPr>
+          <p:cNvPr id="201" name="Image" descr="Image"/>
+          <p:cNvPicPr>
+            <a:picLocks noChangeAspect="1"/>
+          </p:cNvPicPr>
+          <p:nvPr/>
+        </p:nvPicPr>
+        <p:blipFill>
+          <a:blip r:embed="rId3">
+            <a:extLst/>
+          </a:blip>
+          <a:stretch>
+            <a:fillRect/>
+          </a:stretch>
+        </p:blipFill>
+        <p:spPr>
+          <a:xfrm>
+            <a:off x="5723025" y="1119015"/>
+            <a:ext cx="3285195" cy="5673464"/>
           </a:xfrm>
           <a:prstGeom prst="rect">
             <a:avLst/>
@@ -6808,7 +7032,7 @@
       </p:grpSpPr>
       <p:sp>
         <p:nvSpPr>
-          <p:cNvPr id="204" name="Catch Our Breath…"/>
+          <p:cNvPr id="203" name="Catch Our Breath…"/>
           <p:cNvSpPr txBox="1"/>
           <p:nvPr>
             <p:ph type="title"/>
@@ -6829,14 +7053,14 @@
           <a:p>
             <a:pPr/>
             <a:r>
-              <a:t>Notes</a:t>
+              <a:t>Catch Our Breath…</a:t>
             </a:r>
           </a:p>
         </p:txBody>
       </p:sp>
       <p:sp>
         <p:nvSpPr>
-          <p:cNvPr id="205" name="Ask a couple of questions?…"/>
+          <p:cNvPr id="204" name="Ask a couple of questions?…"/>
           <p:cNvSpPr txBox="1"/>
           <p:nvPr>
             <p:ph type="body" sz="half" idx="1"/>
@@ -6860,12 +7084,35 @@
                 <a:spcPts val="1200"/>
               </a:spcBef>
             </a:pPr>
+            <a:r>
+              <a:t>Ask a couple of questions? </a:t>
+            </a:r>
+          </a:p>
+          <a:p>
+            <a:pPr>
+              <a:spcBef>
+                <a:spcPts val="1200"/>
+              </a:spcBef>
+            </a:pPr>
+            <a:r>
+              <a:t>Make a couple of comments?</a:t>
+            </a:r>
+          </a:p>
+          <a:p>
+            <a:pPr>
+              <a:spcBef>
+                <a:spcPts val="1200"/>
+              </a:spcBef>
+            </a:pPr>
+            <a:r>
+              <a:t>Any more readings to recommend?</a:t>
+            </a:r>
           </a:p>
         </p:txBody>
       </p:sp>
       <p:pic>
         <p:nvPicPr>
-          <p:cNvPr id="206" name="Image" descr="Image"/>
+          <p:cNvPr id="205" name="Image" descr="Image"/>
           <p:cNvPicPr>
             <a:picLocks noChangeAspect="1"/>
           </p:cNvPicPr>

--- a/coronavirus.pptx
+++ b/coronavirus.pptx
@@ -18,6 +18,18 @@
     <p:sldId id="263" r:id="rId15"/>
     <p:sldId id="264" r:id="rId16"/>
     <p:sldId id="265" r:id="rId17"/>
+    <p:sldId id="266" r:id="rId18"/>
+    <p:sldId id="267" r:id="rId19"/>
+    <p:sldId id="268" r:id="rId20"/>
+    <p:sldId id="269" r:id="rId21"/>
+    <p:sldId id="270" r:id="rId22"/>
+    <p:sldId id="271" r:id="rId23"/>
+    <p:sldId id="272" r:id="rId24"/>
+    <p:sldId id="273" r:id="rId25"/>
+    <p:sldId id="274" r:id="rId26"/>
+    <p:sldId id="275" r:id="rId27"/>
+    <p:sldId id="276" r:id="rId28"/>
+    <p:sldId id="277" r:id="rId29"/>
   </p:sldIdLst>
   <p:sldSz cx="9144000" cy="6858000"/>
   <p:notesSz cx="6858000" cy="9144000"/>
@@ -381,7 +393,7 @@
       </p:grpSpPr>
       <p:sp>
         <p:nvSpPr>
-          <p:cNvPr id="168" name="Shape 168"/>
+          <p:cNvPr id="177" name="Shape 177"/>
           <p:cNvSpPr/>
           <p:nvPr>
             <p:ph type="sldImg"/>
@@ -406,7 +418,7 @@
       </p:sp>
       <p:sp>
         <p:nvSpPr>
-          <p:cNvPr id="169" name="Shape 169"/>
+          <p:cNvPr id="178" name="Shape 178"/>
           <p:cNvSpPr/>
           <p:nvPr>
             <p:ph type="body" sz="quarter" idx="1"/>
@@ -2773,6 +2785,152 @@
 </p:sldLayout>
 </file>
 
+<file path=ppt/slideLayouts/slideLayout18.xml><?xml version="1.0" encoding="utf-8"?>
+<p:sldLayout xmlns:a="http://schemas.openxmlformats.org/drawingml/2006/main" xmlns:r="http://schemas.openxmlformats.org/officeDocument/2006/relationships" xmlns:p="http://schemas.openxmlformats.org/presentationml/2006/main" xmlns:m="http://schemas.openxmlformats.org/officeDocument/2006/math" xmlns:a14="http://schemas.microsoft.com/office/drawing/2010/main" type="tx" showMasterSp="1" showMasterPhAnim="1">
+  <p:cSld name="Title &amp; Bullets">
+    <p:spTree>
+      <p:nvGrpSpPr>
+        <p:cNvPr id="1" name=""/>
+        <p:cNvGrpSpPr/>
+        <p:nvPr/>
+      </p:nvGrpSpPr>
+      <p:grpSpPr>
+        <a:xfrm>
+          <a:off x="0" y="0"/>
+          <a:ext cx="0" cy="0"/>
+          <a:chOff x="0" y="0"/>
+          <a:chExt cx="0" cy="0"/>
+        </a:xfrm>
+      </p:grpSpPr>
+      <p:sp>
+        <p:nvSpPr>
+          <p:cNvPr id="169" name="Title Text"/>
+          <p:cNvSpPr txBox="1"/>
+          <p:nvPr>
+            <p:ph type="title"/>
+          </p:nvPr>
+        </p:nvSpPr>
+        <p:spPr>
+          <a:xfrm>
+            <a:off x="669726" y="312539"/>
+            <a:ext cx="7804548" cy="1518047"/>
+          </a:xfrm>
+          <a:prstGeom prst="rect">
+            <a:avLst/>
+          </a:prstGeom>
+        </p:spPr>
+        <p:txBody>
+          <a:bodyPr lIns="35718" tIns="35718" rIns="35718" bIns="35718"/>
+          <a:lstStyle>
+            <a:lvl1pPr defTabSz="410765">
+              <a:lnSpc>
+                <a:spcPts val="8700"/>
+              </a:lnSpc>
+            </a:lvl1pPr>
+          </a:lstStyle>
+          <a:p>
+            <a:pPr/>
+            <a:r>
+              <a:t>Title Text</a:t>
+            </a:r>
+          </a:p>
+        </p:txBody>
+      </p:sp>
+      <p:sp>
+        <p:nvSpPr>
+          <p:cNvPr id="170" name="Body Level One…"/>
+          <p:cNvSpPr txBox="1"/>
+          <p:nvPr>
+            <p:ph type="body" idx="1"/>
+          </p:nvPr>
+        </p:nvSpPr>
+        <p:spPr>
+          <a:xfrm>
+            <a:off x="669726" y="1830585"/>
+            <a:ext cx="7804548" cy="4420197"/>
+          </a:xfrm>
+          <a:prstGeom prst="rect">
+            <a:avLst/>
+          </a:prstGeom>
+        </p:spPr>
+        <p:txBody>
+          <a:bodyPr lIns="35718" tIns="35718" rIns="35718" bIns="35718"/>
+          <a:lstStyle>
+            <a:lvl1pPr marL="296333" indent="-296333" defTabSz="410765"/>
+            <a:lvl2pPr marL="740833" indent="-296333" defTabSz="410765"/>
+            <a:lvl3pPr marL="1185333" indent="-296333" defTabSz="410765"/>
+            <a:lvl4pPr marL="1629833" indent="-296333" defTabSz="410765"/>
+            <a:lvl5pPr marL="2074333" indent="-296333" defTabSz="410765"/>
+          </a:lstStyle>
+          <a:p>
+            <a:pPr/>
+            <a:r>
+              <a:t>Body Level One</a:t>
+            </a:r>
+          </a:p>
+          <a:p>
+            <a:pPr lvl="1"/>
+            <a:r>
+              <a:t>Body Level Two</a:t>
+            </a:r>
+          </a:p>
+          <a:p>
+            <a:pPr lvl="2"/>
+            <a:r>
+              <a:t>Body Level Three</a:t>
+            </a:r>
+          </a:p>
+          <a:p>
+            <a:pPr lvl="3"/>
+            <a:r>
+              <a:t>Body Level Four</a:t>
+            </a:r>
+          </a:p>
+          <a:p>
+            <a:pPr lvl="4"/>
+            <a:r>
+              <a:t>Body Level Five</a:t>
+            </a:r>
+          </a:p>
+        </p:txBody>
+      </p:sp>
+      <p:sp>
+        <p:nvSpPr>
+          <p:cNvPr id="171" name="Slide Number"/>
+          <p:cNvSpPr txBox="1"/>
+          <p:nvPr>
+            <p:ph type="sldNum" sz="quarter" idx="2"/>
+          </p:nvPr>
+        </p:nvSpPr>
+        <p:spPr>
+          <a:xfrm>
+            <a:off x="4440732" y="6505277"/>
+            <a:ext cx="253607" cy="249238"/>
+          </a:xfrm>
+          <a:prstGeom prst="rect">
+            <a:avLst/>
+          </a:prstGeom>
+        </p:spPr>
+        <p:txBody>
+          <a:bodyPr lIns="35718" tIns="35718" rIns="35718" bIns="35718"/>
+          <a:lstStyle>
+            <a:lvl1pPr defTabSz="410765"/>
+          </a:lstStyle>
+          <a:p>
+            <a:pPr/>
+            <a:fld id="{86CB4B4D-7CA3-9044-876B-883B54F8677D}" type="slidenum"/>
+          </a:p>
+        </p:txBody>
+      </p:sp>
+    </p:spTree>
+  </p:cSld>
+  <p:clrMapOvr>
+    <a:masterClrMapping/>
+  </p:clrMapOvr>
+  <p:transition xmlns:p14="http://schemas.microsoft.com/office/powerpoint/2010/main" spd="med" advClick="1"/>
+</p:sldLayout>
+</file>
+
 <file path=ppt/slideLayouts/slideLayout2.xml><?xml version="1.0" encoding="utf-8"?>
 <p:sldLayout xmlns:a="http://schemas.openxmlformats.org/drawingml/2006/main" xmlns:r="http://schemas.openxmlformats.org/officeDocument/2006/relationships" xmlns:p="http://schemas.openxmlformats.org/presentationml/2006/main" xmlns:m="http://schemas.openxmlformats.org/officeDocument/2006/math" xmlns:a14="http://schemas.microsoft.com/office/drawing/2010/main" type="tx" showMasterSp="1" showMasterPhAnim="1">
   <p:cSld name="Default">
@@ -3492,10 +3650,10 @@
                 <a:solidFill>
                   <a:srgbClr val="000000"/>
                 </a:solidFill>
-                <a:latin typeface="Times"/>
-                <a:ea typeface="Times"/>
-                <a:cs typeface="Times"/>
-                <a:sym typeface="Times"/>
+                <a:latin typeface="Times Roman"/>
+                <a:ea typeface="Times Roman"/>
+                <a:cs typeface="Times Roman"/>
+                <a:sym typeface="Times Roman"/>
               </a:defRPr>
             </a:lvl1pPr>
           </a:lstStyle>
@@ -3534,10 +3692,10 @@
               <a:buSzPct val="100000"/>
               <a:buChar char="»"/>
               <a:defRPr sz="3000">
-                <a:latin typeface="Times"/>
-                <a:ea typeface="Times"/>
-                <a:cs typeface="Times"/>
-                <a:sym typeface="Times"/>
+                <a:latin typeface="Times Roman"/>
+                <a:ea typeface="Times Roman"/>
+                <a:cs typeface="Times Roman"/>
+                <a:sym typeface="Times Roman"/>
               </a:defRPr>
             </a:lvl1pPr>
             <a:lvl2pPr marL="763359" indent="-306159" defTabSz="914400">
@@ -3547,10 +3705,10 @@
               <a:buSzPct val="100000"/>
               <a:buChar char="–"/>
               <a:defRPr sz="3000">
-                <a:latin typeface="Times"/>
-                <a:ea typeface="Times"/>
-                <a:cs typeface="Times"/>
-                <a:sym typeface="Times"/>
+                <a:latin typeface="Times Roman"/>
+                <a:ea typeface="Times Roman"/>
+                <a:cs typeface="Times Roman"/>
+                <a:sym typeface="Times Roman"/>
               </a:defRPr>
             </a:lvl2pPr>
             <a:lvl3pPr marL="1200150" indent="-285750" defTabSz="914400">
@@ -3559,10 +3717,10 @@
               </a:spcBef>
               <a:buSzPct val="100000"/>
               <a:defRPr sz="3000">
-                <a:latin typeface="Times"/>
-                <a:ea typeface="Times"/>
-                <a:cs typeface="Times"/>
-                <a:sym typeface="Times"/>
+                <a:latin typeface="Times Roman"/>
+                <a:ea typeface="Times Roman"/>
+                <a:cs typeface="Times Roman"/>
+                <a:sym typeface="Times Roman"/>
               </a:defRPr>
             </a:lvl3pPr>
             <a:lvl4pPr marL="1714500" indent="-342900" defTabSz="914400">
@@ -3572,10 +3730,10 @@
               <a:buSzPct val="100000"/>
               <a:buChar char="–"/>
               <a:defRPr sz="3000">
-                <a:latin typeface="Times"/>
-                <a:ea typeface="Times"/>
-                <a:cs typeface="Times"/>
-                <a:sym typeface="Times"/>
+                <a:latin typeface="Times Roman"/>
+                <a:ea typeface="Times Roman"/>
+                <a:cs typeface="Times Roman"/>
+                <a:sym typeface="Times Roman"/>
               </a:defRPr>
             </a:lvl4pPr>
             <a:lvl5pPr marL="2209800" indent="-381000" defTabSz="914400">
@@ -3585,10 +3743,10 @@
               <a:buSzPct val="100000"/>
               <a:buChar char="»"/>
               <a:defRPr sz="3000">
-                <a:latin typeface="Times"/>
-                <a:ea typeface="Times"/>
-                <a:cs typeface="Times"/>
-                <a:sym typeface="Times"/>
+                <a:latin typeface="Times Roman"/>
+                <a:ea typeface="Times Roman"/>
+                <a:cs typeface="Times Roman"/>
+                <a:sym typeface="Times Roman"/>
               </a:defRPr>
             </a:lvl5pPr>
           </a:lstStyle>
@@ -3646,10 +3804,10 @@
           <a:lstStyle>
             <a:lvl1pPr algn="r" defTabSz="914400">
               <a:defRPr>
-                <a:latin typeface="Times"/>
-                <a:ea typeface="Times"/>
-                <a:cs typeface="Times"/>
-                <a:sym typeface="Times"/>
+                <a:latin typeface="Times Roman"/>
+                <a:ea typeface="Times Roman"/>
+                <a:cs typeface="Times Roman"/>
+                <a:sym typeface="Times Roman"/>
               </a:defRPr>
             </a:lvl1pPr>
           </a:lstStyle>
@@ -4166,6 +4324,7 @@
     <p:sldLayoutId id="2147483663" r:id="rId16"/>
     <p:sldLayoutId id="2147483664" r:id="rId17"/>
     <p:sldLayoutId id="2147483665" r:id="rId18"/>
+    <p:sldLayoutId id="2147483666" r:id="rId19"/>
   </p:sldLayoutIdLst>
   <p:transition xmlns:p14="http://schemas.microsoft.com/office/powerpoint/2010/main" spd="med" advClick="1"/>
   <p:txStyles>
@@ -4900,7 +5059,7 @@
       </p:grpSpPr>
       <p:sp>
         <p:nvSpPr>
-          <p:cNvPr id="171" name="About the Course"/>
+          <p:cNvPr id="180" name="Coronavirus"/>
           <p:cNvSpPr txBox="1"/>
           <p:nvPr>
             <p:ph type="title" idx="4294967295"/>
@@ -4908,18 +5067,21 @@
         </p:nvSpPr>
         <p:spPr>
           <a:xfrm>
-            <a:off x="277663" y="-3"/>
-            <a:ext cx="8572501" cy="1267128"/>
+            <a:off x="444500" y="0"/>
+            <a:ext cx="8255000" cy="1587501"/>
           </a:xfrm>
           <a:prstGeom prst="rect">
             <a:avLst/>
           </a:prstGeom>
         </p:spPr>
         <p:txBody>
-          <a:bodyPr lIns="45718" tIns="45718" rIns="45718" bIns="45718"/>
+          <a:bodyPr lIns="45719" tIns="45719" rIns="45719" bIns="45719"/>
           <a:lstStyle>
             <a:lvl1pPr defTabSz="457200">
-              <a:defRPr sz="6000">
+              <a:lnSpc>
+                <a:spcPts val="11600"/>
+              </a:lnSpc>
+              <a:defRPr sz="8000">
                 <a:uFill>
                   <a:solidFill>
                     <a:srgbClr val="000000"/>
@@ -4931,39 +5093,42 @@
           <a:p>
             <a:pPr/>
             <a:r>
-              <a:t>Coronavirus!</a:t>
+              <a:t>Coronavirus</a:t>
             </a:r>
           </a:p>
         </p:txBody>
       </p:sp>
       <p:sp>
         <p:nvSpPr>
-          <p:cNvPr id="172" name="The long 20th century will in all likelihood be seen in the future as the watershed in human experience:…"/>
+          <p:cNvPr id="181" name="Where we think we are as of Wed Apr 1:…"/>
           <p:cNvSpPr txBox="1"/>
           <p:nvPr>
-            <p:ph type="body" idx="4294967295"/>
+            <p:ph type="body" sz="half" idx="4294967295"/>
           </p:nvPr>
         </p:nvSpPr>
         <p:spPr>
           <a:xfrm>
-            <a:off x="277663" y="1267120"/>
-            <a:ext cx="8572501" cy="5397505"/>
+            <a:off x="444500" y="1587500"/>
+            <a:ext cx="4772204" cy="4800010"/>
           </a:xfrm>
           <a:prstGeom prst="rect">
             <a:avLst/>
           </a:prstGeom>
         </p:spPr>
         <p:txBody>
-          <a:bodyPr lIns="45718" tIns="45718" rIns="45718" bIns="45718" anchor="t"/>
+          <a:bodyPr lIns="45719" tIns="45719" rIns="45719" bIns="45719" anchor="t"/>
           <a:lstStyle/>
           <a:p>
-            <a:pPr marL="0" indent="0" defTabSz="340704">
-              <a:spcBef>
-                <a:spcPts val="800"/>
+            <a:pPr marL="0" indent="0" defTabSz="242315">
+              <a:lnSpc>
+                <a:spcPts val="3100"/>
+              </a:lnSpc>
+              <a:spcBef>
+                <a:spcPts val="600"/>
               </a:spcBef>
               <a:buSzTx/>
               <a:buNone/>
-              <a:defRPr b="1" sz="1748">
+              <a:defRPr b="1" sz="1590">
                 <a:uFill>
                   <a:solidFill>
                     <a:srgbClr val="000000"/>
@@ -4976,130 +5141,20 @@
               </a:defRPr>
             </a:pPr>
             <a:r>
-              <a:t>With 420 deaths in the U.S. as of Mar 22, a 2% death rate, and 3 weeks between infection and death, that means that as of Mar 1 there were 21000 coronavirus cases in the United States.</a:t>
-            </a:r>
-            <a:endParaRPr strike="sngStrike"/>
-          </a:p>
-          <a:p>
-            <a:pPr marL="0" indent="0" defTabSz="340704">
-              <a:spcBef>
-                <a:spcPts val="800"/>
-              </a:spcBef>
-              <a:buSzTx/>
-              <a:buNone/>
-              <a:defRPr b="1" sz="1748">
-                <a:uFill>
-                  <a:solidFill>
-                    <a:srgbClr val="000000"/>
-                  </a:solidFill>
-                </a:uFill>
-                <a:latin typeface="+mj-lt"/>
-                <a:ea typeface="+mj-ea"/>
-                <a:cs typeface="+mj-cs"/>
-                <a:sym typeface="Helvetica"/>
-              </a:defRPr>
-            </a:pPr>
-            <a:r>
-              <a:t>If it is doubling every seven days, then now about 170,000 people have and in the next week about 170,000 more people in the U.S. will catch coronavirus—which means 1/2000, currently 3800 of the 7.6 million inhabitants of San Francisco Bay. Touch a hard surface that any of those 3800 has touched in the last 48 hours, and the virus has a chance to jump to you…</a:t>
-            </a:r>
-          </a:p>
-          <a:p>
-            <a:pPr marL="0" indent="0" defTabSz="340704">
-              <a:spcBef>
-                <a:spcPts val="800"/>
-              </a:spcBef>
-              <a:buSzTx/>
-              <a:buNone/>
-              <a:defRPr b="1" sz="1748">
-                <a:uFill>
-                  <a:solidFill>
-                    <a:srgbClr val="000000"/>
-                  </a:solidFill>
-                </a:uFill>
-                <a:latin typeface="+mj-lt"/>
-                <a:ea typeface="+mj-ea"/>
-                <a:cs typeface="+mj-cs"/>
-                <a:sym typeface="Helvetica"/>
-              </a:defRPr>
-            </a:pPr>
-            <a:r>
-              <a:rPr strike="sngStrike"/>
-              <a:t>With 31 deaths in the U.S. as of March 11, a 1% death rate, and up to 4 weeks between infection and death, that means that as of Feb 12 there were 3100 coronavirus cases in the United States</a:t>
-            </a:r>
-            <a:r>
-              <a:t>. </a:t>
-            </a:r>
-          </a:p>
-          <a:p>
-            <a:pPr marL="0" indent="0" defTabSz="340704">
-              <a:spcBef>
-                <a:spcPts val="800"/>
-              </a:spcBef>
-              <a:buSzTx/>
-              <a:buNone/>
-              <a:defRPr b="1" sz="1748">
-                <a:uFill>
-                  <a:solidFill>
-                    <a:srgbClr val="000000"/>
-                  </a:solidFill>
-                </a:uFill>
-                <a:latin typeface="+mj-lt"/>
-                <a:ea typeface="+mj-ea"/>
-                <a:cs typeface="+mj-cs"/>
-                <a:sym typeface="Helvetica"/>
-              </a:defRPr>
-            </a:pPr>
-          </a:p>
-          <a:p>
-            <a:pPr marL="0" indent="0" defTabSz="340704">
-              <a:spcBef>
-                <a:spcPts val="800"/>
-              </a:spcBef>
-              <a:buSzTx/>
-              <a:buNone/>
-              <a:defRPr b="1" sz="1748">
-                <a:uFill>
-                  <a:solidFill>
-                    <a:srgbClr val="000000"/>
-                  </a:solidFill>
-                </a:uFill>
-                <a:latin typeface="+mj-lt"/>
-                <a:ea typeface="+mj-ea"/>
-                <a:cs typeface="+mj-cs"/>
-                <a:sym typeface="Helvetica"/>
-              </a:defRPr>
-            </a:pPr>
-            <a:r>
-              <a:t>These numbers could be three times too big. These numbers are probably not five times too small unless the thing is a lot less deadly, and there are a lot of asymptomatic cases…</a:t>
-            </a:r>
-          </a:p>
-          <a:p>
-            <a:pPr marL="0" indent="0" defTabSz="340704">
-              <a:spcBef>
-                <a:spcPts val="800"/>
-              </a:spcBef>
-              <a:buSzTx/>
-              <a:buNone/>
-              <a:defRPr b="1" sz="1748">
-                <a:uFill>
-                  <a:solidFill>
-                    <a:srgbClr val="000000"/>
-                  </a:solidFill>
-                </a:uFill>
-                <a:latin typeface="+mj-lt"/>
-                <a:ea typeface="+mj-ea"/>
-                <a:cs typeface="+mj-cs"/>
-                <a:sym typeface="Helvetica"/>
-              </a:defRPr>
-            </a:pPr>
-          </a:p>
-          <a:p>
-            <a:pPr marL="179317" indent="-179317" defTabSz="340704">
-              <a:spcBef>
-                <a:spcPts val="800"/>
+              <a:t>Where we think we are as of Wed Apr 1:</a:t>
+            </a:r>
+          </a:p>
+          <a:p>
+            <a:pPr marL="181736" indent="-181736" defTabSz="242315">
+              <a:lnSpc>
+                <a:spcPts val="2700"/>
+              </a:lnSpc>
+              <a:spcBef>
+                <a:spcPts val="600"/>
               </a:spcBef>
               <a:buSzPct val="100000"/>
-              <a:defRPr sz="1748">
+              <a:buFont typeface="Arial"/>
+              <a:defRPr sz="1271">
                 <a:uFill>
                   <a:solidFill>
                     <a:srgbClr val="000000"/>
@@ -5112,11 +5167,320 @@
               </a:defRPr>
             </a:pPr>
             <a:r>
-              <a:t>What is wrong with this analysis?</a:t>
+              <a:t>We really do not know</a:t>
+            </a:r>
+          </a:p>
+          <a:p>
+            <a:pPr marL="181736" indent="-181736" defTabSz="242315">
+              <a:lnSpc>
+                <a:spcPts val="2700"/>
+              </a:lnSpc>
+              <a:spcBef>
+                <a:spcPts val="600"/>
+              </a:spcBef>
+              <a:buSzPct val="100000"/>
+              <a:buFont typeface="Arial"/>
+              <a:defRPr sz="1271">
+                <a:uFill>
+                  <a:solidFill>
+                    <a:srgbClr val="000000"/>
+                  </a:solidFill>
+                </a:uFill>
+                <a:latin typeface="Times New Roman"/>
+                <a:ea typeface="Times New Roman"/>
+                <a:cs typeface="Times New Roman"/>
+                <a:sym typeface="Times New Roman"/>
+              </a:defRPr>
+            </a:pPr>
+            <a:r>
+              <a:t>No random samples…</a:t>
+            </a:r>
+          </a:p>
+          <a:p>
+            <a:pPr marL="181736" indent="-181736" defTabSz="242315">
+              <a:lnSpc>
+                <a:spcPts val="2700"/>
+              </a:lnSpc>
+              <a:spcBef>
+                <a:spcPts val="600"/>
+              </a:spcBef>
+              <a:buSzPct val="100000"/>
+              <a:buFont typeface="Arial"/>
+              <a:defRPr sz="1271">
+                <a:uFill>
+                  <a:solidFill>
+                    <a:srgbClr val="000000"/>
+                  </a:solidFill>
+                </a:uFill>
+                <a:latin typeface="Times New Roman"/>
+                <a:ea typeface="Times New Roman"/>
+                <a:cs typeface="Times New Roman"/>
+                <a:sym typeface="Times New Roman"/>
+              </a:defRPr>
+            </a:pPr>
+            <a:r>
+              <a:t>Best thing I have read comes from Jim Stock &lt;</a:t>
+            </a:r>
+            <a:r>
+              <a:rPr u="sng">
+                <a:solidFill>
+                  <a:srgbClr val="0000FF"/>
+                </a:solidFill>
+                <a:uFill>
+                  <a:solidFill>
+                    <a:srgbClr val="0000FF"/>
+                  </a:solidFill>
+                </a:uFill>
+                <a:hlinkClick r:id="rId2" invalidUrl="" action="" tgtFrame="" tooltip="" history="1" highlightClick="0" endSnd="0"/>
+              </a:rPr>
+              <a:t>https://drive.google.com/file/d/12MV466ZZy5xHir4xdPhoTrL1oO8CbZU-/view</a:t>
+            </a:r>
+            <a:r>
+              <a:t>&gt;:</a:t>
+            </a:r>
+          </a:p>
+          <a:p>
+            <a:pPr lvl="1" marL="424052" indent="-181736" defTabSz="242315">
+              <a:lnSpc>
+                <a:spcPts val="2700"/>
+              </a:lnSpc>
+              <a:spcBef>
+                <a:spcPts val="600"/>
+              </a:spcBef>
+              <a:buSzPct val="100000"/>
+              <a:buFont typeface="Arial"/>
+              <a:defRPr sz="1271">
+                <a:uFill>
+                  <a:solidFill>
+                    <a:srgbClr val="000000"/>
+                  </a:solidFill>
+                </a:uFill>
+                <a:latin typeface="Times New Roman"/>
+                <a:ea typeface="Times New Roman"/>
+                <a:cs typeface="Times New Roman"/>
+                <a:sym typeface="Times New Roman"/>
+              </a:defRPr>
+            </a:pPr>
+            <a:r>
+              <a:t>The basic SIR epidemiological model of contagion</a:t>
+            </a:r>
+          </a:p>
+          <a:p>
+            <a:pPr lvl="1" marL="424052" indent="-181736" defTabSz="242315">
+              <a:lnSpc>
+                <a:spcPts val="2700"/>
+              </a:lnSpc>
+              <a:spcBef>
+                <a:spcPts val="600"/>
+              </a:spcBef>
+              <a:buSzPct val="100000"/>
+              <a:buFont typeface="Arial"/>
+              <a:defRPr sz="1271">
+                <a:uFill>
+                  <a:solidFill>
+                    <a:srgbClr val="000000"/>
+                  </a:solidFill>
+                </a:uFill>
+                <a:latin typeface="Times New Roman"/>
+                <a:ea typeface="Times New Roman"/>
+                <a:cs typeface="Times New Roman"/>
+                <a:sym typeface="Times New Roman"/>
+              </a:defRPr>
+            </a:pPr>
+            <a:r>
+              <a:t>The effect of social distancing and business shutdowns on epidemic dynamics enters the model through a single parameter: the case transmission rate β</a:t>
+            </a:r>
+          </a:p>
+          <a:p>
+            <a:pPr lvl="1" marL="424052" indent="-181736" defTabSz="242315">
+              <a:lnSpc>
+                <a:spcPts val="2700"/>
+              </a:lnSpc>
+              <a:spcBef>
+                <a:spcPts val="600"/>
+              </a:spcBef>
+              <a:buSzPct val="100000"/>
+              <a:buFont typeface="Arial"/>
+              <a:defRPr sz="1271">
+                <a:uFill>
+                  <a:solidFill>
+                    <a:srgbClr val="000000"/>
+                  </a:solidFill>
+                </a:uFill>
+                <a:latin typeface="Times New Roman"/>
+                <a:ea typeface="Times New Roman"/>
+                <a:cs typeface="Times New Roman"/>
+                <a:sym typeface="Times New Roman"/>
+              </a:defRPr>
+            </a:pPr>
+            <a:r>
+              <a:t>Re-express the model in terms of β and the asymptomatic (or not very symptomatic) hence non-tested rate—the fraction of the infected who are not tested</a:t>
+            </a:r>
+          </a:p>
+          <a:p>
+            <a:pPr lvl="1" marL="424052" indent="-181736" defTabSz="242315">
+              <a:lnSpc>
+                <a:spcPts val="2700"/>
+              </a:lnSpc>
+              <a:spcBef>
+                <a:spcPts val="600"/>
+              </a:spcBef>
+              <a:buSzPct val="100000"/>
+              <a:buFont typeface="Arial"/>
+              <a:defRPr sz="1271">
+                <a:uFill>
+                  <a:solidFill>
+                    <a:srgbClr val="000000"/>
+                  </a:solidFill>
+                </a:uFill>
+                <a:latin typeface="Times New Roman"/>
+                <a:ea typeface="Times New Roman"/>
+                <a:cs typeface="Times New Roman"/>
+                <a:sym typeface="Times New Roman"/>
+              </a:defRPr>
+            </a:pPr>
+            <a:r>
+              <a:t>The COVID-19 non-testing rate is unidentified in our model </a:t>
+            </a:r>
+          </a:p>
+          <a:p>
+            <a:pPr lvl="1" marL="424052" indent="-181736" defTabSz="242315">
+              <a:lnSpc>
+                <a:spcPts val="2700"/>
+              </a:lnSpc>
+              <a:spcBef>
+                <a:spcPts val="600"/>
+              </a:spcBef>
+              <a:buSzPct val="100000"/>
+              <a:buFont typeface="Arial"/>
+              <a:defRPr sz="1271">
+                <a:uFill>
+                  <a:solidFill>
+                    <a:srgbClr val="000000"/>
+                  </a:solidFill>
+                </a:uFill>
+                <a:latin typeface="Times New Roman"/>
+                <a:ea typeface="Times New Roman"/>
+                <a:cs typeface="Times New Roman"/>
+                <a:sym typeface="Times New Roman"/>
+              </a:defRPr>
+            </a:pPr>
+            <a:r>
+              <a:t>Estimates in the epidemiological literature range from 0.18 to 0.86. </a:t>
+            </a:r>
+          </a:p>
+          <a:p>
+            <a:pPr lvl="2" marL="666368" indent="-181736" defTabSz="242315">
+              <a:lnSpc>
+                <a:spcPts val="2700"/>
+              </a:lnSpc>
+              <a:spcBef>
+                <a:spcPts val="600"/>
+              </a:spcBef>
+              <a:buSzPct val="100000"/>
+              <a:buFont typeface="Arial"/>
+              <a:defRPr sz="1271">
+                <a:uFill>
+                  <a:solidFill>
+                    <a:srgbClr val="000000"/>
+                  </a:solidFill>
+                </a:uFill>
+                <a:latin typeface="Times New Roman"/>
+                <a:ea typeface="Times New Roman"/>
+                <a:cs typeface="Times New Roman"/>
+                <a:sym typeface="Times New Roman"/>
+              </a:defRPr>
+            </a:pPr>
+            <a:r>
+              <a:t>The asymptomatic rate could be estimated accurately and quickly by testing a random sample</a:t>
+            </a:r>
+          </a:p>
+          <a:p>
+            <a:pPr marL="181736" indent="-181736" defTabSz="242315">
+              <a:lnSpc>
+                <a:spcPts val="2700"/>
+              </a:lnSpc>
+              <a:spcBef>
+                <a:spcPts val="600"/>
+              </a:spcBef>
+              <a:buSzPct val="100000"/>
+              <a:buFont typeface="Arial"/>
+              <a:defRPr sz="1271">
+                <a:uFill>
+                  <a:solidFill>
+                    <a:srgbClr val="000000"/>
+                  </a:solidFill>
+                </a:uFill>
+                <a:latin typeface="Times New Roman"/>
+                <a:ea typeface="Times New Roman"/>
+                <a:cs typeface="Times New Roman"/>
+                <a:sym typeface="Times New Roman"/>
+              </a:defRPr>
+            </a:pPr>
+            <a:r>
+              <a:t>The optimal policy response and its economic consequences hinge critically on the asymptomatic rate</a:t>
             </a:r>
           </a:p>
         </p:txBody>
       </p:sp>
+      <p:pic>
+        <p:nvPicPr>
+          <p:cNvPr id="182" name="Image" descr="Image"/>
+          <p:cNvPicPr>
+            <a:picLocks noChangeAspect="1"/>
+          </p:cNvPicPr>
+          <p:nvPr/>
+        </p:nvPicPr>
+        <p:blipFill>
+          <a:blip r:embed="rId3">
+            <a:extLst/>
+          </a:blip>
+          <a:stretch>
+            <a:fillRect/>
+          </a:stretch>
+        </p:blipFill>
+        <p:spPr>
+          <a:xfrm>
+            <a:off x="5216703" y="1587500"/>
+            <a:ext cx="3482797" cy="2458216"/>
+          </a:xfrm>
+          <a:prstGeom prst="rect">
+            <a:avLst/>
+          </a:prstGeom>
+          <a:ln w="12700">
+            <a:miter lim="400000"/>
+          </a:ln>
+        </p:spPr>
+      </p:pic>
+      <p:pic>
+        <p:nvPicPr>
+          <p:cNvPr id="183" name="Image" descr="Image"/>
+          <p:cNvPicPr>
+            <a:picLocks noChangeAspect="1"/>
+          </p:cNvPicPr>
+          <p:nvPr/>
+        </p:nvPicPr>
+        <p:blipFill>
+          <a:blip r:embed="rId4">
+            <a:extLst/>
+          </a:blip>
+          <a:stretch>
+            <a:fillRect/>
+          </a:stretch>
+        </p:blipFill>
+        <p:spPr>
+          <a:xfrm>
+            <a:off x="5215076" y="4166253"/>
+            <a:ext cx="3484424" cy="2458216"/>
+          </a:xfrm>
+          <a:prstGeom prst="rect">
+            <a:avLst/>
+          </a:prstGeom>
+          <a:ln w="12700">
+            <a:miter lim="400000"/>
+          </a:ln>
+        </p:spPr>
+      </p:pic>
     </p:spTree>
   </p:cSld>
   <p:clrMapOvr>
@@ -5145,7 +5509,3636 @@
       </p:grpSpPr>
       <p:sp>
         <p:nvSpPr>
-          <p:cNvPr id="207" name="Catch Our Breath…"/>
+          <p:cNvPr id="208" name="Bringing the Economy Back Up from Anæsthesia"/>
+          <p:cNvSpPr txBox="1"/>
+          <p:nvPr>
+            <p:ph type="title" idx="4294967295"/>
+          </p:nvPr>
+        </p:nvSpPr>
+        <p:spPr>
+          <a:xfrm>
+            <a:off x="444500" y="0"/>
+            <a:ext cx="8255000" cy="1587501"/>
+          </a:xfrm>
+          <a:prstGeom prst="rect">
+            <a:avLst/>
+          </a:prstGeom>
+        </p:spPr>
+        <p:txBody>
+          <a:bodyPr lIns="45719" tIns="45719" rIns="45719" bIns="45719"/>
+          <a:lstStyle>
+            <a:lvl1pPr defTabSz="283463">
+              <a:lnSpc>
+                <a:spcPts val="7100"/>
+              </a:lnSpc>
+              <a:defRPr sz="4960">
+                <a:solidFill>
+                  <a:srgbClr val="000080"/>
+                </a:solidFill>
+                <a:uFill>
+                  <a:solidFill>
+                    <a:srgbClr val="000000"/>
+                  </a:solidFill>
+                </a:uFill>
+              </a:defRPr>
+            </a:lvl1pPr>
+          </a:lstStyle>
+          <a:p>
+            <a:pPr/>
+            <a:r>
+              <a:t>Bringing the Economy Back Up from Anæsthesia</a:t>
+            </a:r>
+          </a:p>
+        </p:txBody>
+      </p:sp>
+      <p:sp>
+        <p:nvSpPr>
+          <p:cNvPr id="209" name="Major issues:…"/>
+          <p:cNvSpPr txBox="1"/>
+          <p:nvPr>
+            <p:ph type="body" idx="4294967295"/>
+          </p:nvPr>
+        </p:nvSpPr>
+        <p:spPr>
+          <a:xfrm>
+            <a:off x="444500" y="1587500"/>
+            <a:ext cx="8255000" cy="4937520"/>
+          </a:xfrm>
+          <a:prstGeom prst="rect">
+            <a:avLst/>
+          </a:prstGeom>
+        </p:spPr>
+        <p:txBody>
+          <a:bodyPr lIns="45719" tIns="45719" rIns="45719" bIns="45719" anchor="t"/>
+          <a:lstStyle/>
+          <a:p>
+            <a:pPr marL="0" indent="0" defTabSz="288036">
+              <a:lnSpc>
+                <a:spcPts val="3700"/>
+              </a:lnSpc>
+              <a:spcBef>
+                <a:spcPts val="700"/>
+              </a:spcBef>
+              <a:buSzTx/>
+              <a:buNone/>
+              <a:defRPr b="1" sz="1890">
+                <a:uFill>
+                  <a:solidFill>
+                    <a:srgbClr val="000000"/>
+                  </a:solidFill>
+                </a:uFill>
+                <a:latin typeface="+mj-lt"/>
+                <a:ea typeface="+mj-ea"/>
+                <a:cs typeface="+mj-cs"/>
+                <a:sym typeface="Helvetica"/>
+              </a:defRPr>
+            </a:pPr>
+            <a:r>
+              <a:t>Major issues:</a:t>
+            </a:r>
+          </a:p>
+          <a:p>
+            <a:pPr marL="216026" indent="-216026" defTabSz="288036">
+              <a:lnSpc>
+                <a:spcPts val="3300"/>
+              </a:lnSpc>
+              <a:spcBef>
+                <a:spcPts val="700"/>
+              </a:spcBef>
+              <a:buSzPct val="100000"/>
+              <a:buFont typeface="Arial"/>
+              <a:defRPr sz="1512">
+                <a:uFill>
+                  <a:solidFill>
+                    <a:srgbClr val="000000"/>
+                  </a:solidFill>
+                </a:uFill>
+                <a:latin typeface="Times New Roman"/>
+                <a:ea typeface="Times New Roman"/>
+                <a:cs typeface="Times New Roman"/>
+                <a:sym typeface="Times New Roman"/>
+              </a:defRPr>
+            </a:pPr>
+            <a:r>
+              <a:t>Certificates of immunity:</a:t>
+            </a:r>
+          </a:p>
+          <a:p>
+            <a:pPr lvl="1" marL="504062" indent="-216026" defTabSz="288036">
+              <a:lnSpc>
+                <a:spcPts val="3300"/>
+              </a:lnSpc>
+              <a:spcBef>
+                <a:spcPts val="700"/>
+              </a:spcBef>
+              <a:buSzPct val="100000"/>
+              <a:buFont typeface="Arial"/>
+              <a:defRPr sz="1512">
+                <a:uFill>
+                  <a:solidFill>
+                    <a:srgbClr val="000000"/>
+                  </a:solidFill>
+                </a:uFill>
+                <a:latin typeface="Times New Roman"/>
+                <a:ea typeface="Times New Roman"/>
+                <a:cs typeface="Times New Roman"/>
+                <a:sym typeface="Times New Roman"/>
+              </a:defRPr>
+            </a:pPr>
+            <a:r>
+              <a:t>Which requires test, test, test:</a:t>
+            </a:r>
+          </a:p>
+          <a:p>
+            <a:pPr lvl="2" marL="792098" indent="-216026" defTabSz="288036">
+              <a:lnSpc>
+                <a:spcPts val="3300"/>
+              </a:lnSpc>
+              <a:spcBef>
+                <a:spcPts val="700"/>
+              </a:spcBef>
+              <a:buSzPct val="100000"/>
+              <a:buFont typeface="Arial"/>
+              <a:defRPr sz="1512">
+                <a:uFill>
+                  <a:solidFill>
+                    <a:srgbClr val="000000"/>
+                  </a:solidFill>
+                </a:uFill>
+                <a:latin typeface="Times New Roman"/>
+                <a:ea typeface="Times New Roman"/>
+                <a:cs typeface="Times New Roman"/>
+                <a:sym typeface="Times New Roman"/>
+              </a:defRPr>
+            </a:pPr>
+            <a:r>
+              <a:t>And not just disease virus tests</a:t>
+            </a:r>
+          </a:p>
+          <a:p>
+            <a:pPr lvl="2" marL="792098" indent="-216026" defTabSz="288036">
+              <a:lnSpc>
+                <a:spcPts val="3300"/>
+              </a:lnSpc>
+              <a:spcBef>
+                <a:spcPts val="700"/>
+              </a:spcBef>
+              <a:buSzPct val="100000"/>
+              <a:buFont typeface="Arial"/>
+              <a:defRPr sz="1512">
+                <a:uFill>
+                  <a:solidFill>
+                    <a:srgbClr val="000000"/>
+                  </a:solidFill>
+                </a:uFill>
+                <a:latin typeface="Times New Roman"/>
+                <a:ea typeface="Times New Roman"/>
+                <a:cs typeface="Times New Roman"/>
+                <a:sym typeface="Times New Roman"/>
+              </a:defRPr>
+            </a:pPr>
+            <a:r>
+              <a:t>Presence-of-antibodies tests</a:t>
+            </a:r>
+          </a:p>
+          <a:p>
+            <a:pPr marL="216026" indent="-216026" defTabSz="288036">
+              <a:lnSpc>
+                <a:spcPts val="3300"/>
+              </a:lnSpc>
+              <a:spcBef>
+                <a:spcPts val="700"/>
+              </a:spcBef>
+              <a:buSzPct val="100000"/>
+              <a:buFont typeface="Arial"/>
+              <a:defRPr sz="1512">
+                <a:uFill>
+                  <a:solidFill>
+                    <a:srgbClr val="000000"/>
+                  </a:solidFill>
+                </a:uFill>
+                <a:latin typeface="Times New Roman"/>
+                <a:ea typeface="Times New Roman"/>
+                <a:cs typeface="Times New Roman"/>
+                <a:sym typeface="Times New Roman"/>
+              </a:defRPr>
+            </a:pPr>
+            <a:r>
+              <a:t>How quickly can we match the immune with public-contact jobs?</a:t>
+            </a:r>
+          </a:p>
+          <a:p>
+            <a:pPr marL="216026" indent="-216026" defTabSz="288036">
+              <a:lnSpc>
+                <a:spcPts val="3300"/>
+              </a:lnSpc>
+              <a:spcBef>
+                <a:spcPts val="700"/>
+              </a:spcBef>
+              <a:buSzPct val="100000"/>
+              <a:buFont typeface="Arial"/>
+              <a:defRPr sz="1512">
+                <a:uFill>
+                  <a:solidFill>
+                    <a:srgbClr val="000000"/>
+                  </a:solidFill>
+                </a:uFill>
+                <a:latin typeface="Times New Roman"/>
+                <a:ea typeface="Times New Roman"/>
+                <a:cs typeface="Times New Roman"/>
+                <a:sym typeface="Times New Roman"/>
+              </a:defRPr>
+            </a:pPr>
+            <a:r>
+              <a:t>What jobs can be done with minimal infection risk?</a:t>
+            </a:r>
+          </a:p>
+          <a:p>
+            <a:pPr marL="216026" indent="-216026" defTabSz="288036">
+              <a:lnSpc>
+                <a:spcPts val="3300"/>
+              </a:lnSpc>
+              <a:spcBef>
+                <a:spcPts val="700"/>
+              </a:spcBef>
+              <a:buSzPct val="100000"/>
+              <a:buFont typeface="Arial"/>
+              <a:defRPr sz="1512">
+                <a:uFill>
+                  <a:solidFill>
+                    <a:srgbClr val="000000"/>
+                  </a:solidFill>
+                </a:uFill>
+                <a:latin typeface="Times New Roman"/>
+                <a:ea typeface="Times New Roman"/>
+                <a:cs typeface="Times New Roman"/>
+                <a:sym typeface="Times New Roman"/>
+              </a:defRPr>
+            </a:pPr>
+            <a:r>
+              <a:t>What minimal-infection substitutes can we find for previous jobs?</a:t>
+            </a:r>
+          </a:p>
+          <a:p>
+            <a:pPr marL="216026" indent="-216026" defTabSz="288036">
+              <a:lnSpc>
+                <a:spcPts val="3300"/>
+              </a:lnSpc>
+              <a:spcBef>
+                <a:spcPts val="700"/>
+              </a:spcBef>
+              <a:buSzPct val="100000"/>
+              <a:buFont typeface="Arial"/>
+              <a:defRPr sz="1512">
+                <a:uFill>
+                  <a:solidFill>
+                    <a:srgbClr val="000000"/>
+                  </a:solidFill>
+                </a:uFill>
+                <a:latin typeface="Times New Roman"/>
+                <a:ea typeface="Times New Roman"/>
+                <a:cs typeface="Times New Roman"/>
+                <a:sym typeface="Times New Roman"/>
+              </a:defRPr>
+            </a:pPr>
+            <a:r>
+              <a:t>How quickly can restrictions be relaxed without the virus coming roaring back?</a:t>
+            </a:r>
+          </a:p>
+          <a:p>
+            <a:pPr marL="216026" indent="-216026" defTabSz="288036">
+              <a:lnSpc>
+                <a:spcPts val="3300"/>
+              </a:lnSpc>
+              <a:spcBef>
+                <a:spcPts val="700"/>
+              </a:spcBef>
+              <a:buSzPct val="100000"/>
+              <a:buFont typeface="Arial"/>
+              <a:defRPr sz="1512">
+                <a:uFill>
+                  <a:solidFill>
+                    <a:srgbClr val="000000"/>
+                  </a:solidFill>
+                </a:uFill>
+                <a:latin typeface="Times New Roman"/>
+                <a:ea typeface="Times New Roman"/>
+                <a:cs typeface="Times New Roman"/>
+                <a:sym typeface="Times New Roman"/>
+              </a:defRPr>
+            </a:pPr>
+            <a:r>
+              <a:t>How do we avoid having the market give a “shutdown” signal to enterprises we in fact want restarted?</a:t>
+            </a:r>
+          </a:p>
+          <a:p>
+            <a:pPr lvl="1" marL="504062" indent="-216026" defTabSz="288036">
+              <a:lnSpc>
+                <a:spcPts val="3300"/>
+              </a:lnSpc>
+              <a:spcBef>
+                <a:spcPts val="700"/>
+              </a:spcBef>
+              <a:buSzPct val="100000"/>
+              <a:buFont typeface="Arial"/>
+              <a:defRPr sz="1512">
+                <a:uFill>
+                  <a:solidFill>
+                    <a:srgbClr val="000000"/>
+                  </a:solidFill>
+                </a:uFill>
+                <a:latin typeface="Times New Roman"/>
+                <a:ea typeface="Times New Roman"/>
+                <a:cs typeface="Times New Roman"/>
+                <a:sym typeface="Times New Roman"/>
+              </a:defRPr>
+            </a:pPr>
+            <a:r>
+              <a:t>Which is pretty much all of them</a:t>
+            </a:r>
+          </a:p>
+          <a:p>
+            <a:pPr marL="216026" indent="-216026" defTabSz="288036">
+              <a:lnSpc>
+                <a:spcPts val="3300"/>
+              </a:lnSpc>
+              <a:spcBef>
+                <a:spcPts val="700"/>
+              </a:spcBef>
+              <a:buSzPct val="100000"/>
+              <a:buFont typeface="Arial"/>
+              <a:defRPr sz="1512">
+                <a:uFill>
+                  <a:solidFill>
+                    <a:srgbClr val="000000"/>
+                  </a:solidFill>
+                </a:uFill>
+                <a:latin typeface="Times New Roman"/>
+                <a:ea typeface="Times New Roman"/>
+                <a:cs typeface="Times New Roman"/>
+                <a:sym typeface="Times New Roman"/>
+              </a:defRPr>
+            </a:pPr>
+            <a:r>
+              <a:t>How much of the potential caseload do we want to push out beyond the vaccine-arrival date?</a:t>
+            </a:r>
+          </a:p>
+          <a:p>
+            <a:pPr marL="0" indent="0" defTabSz="288036">
+              <a:lnSpc>
+                <a:spcPts val="3700"/>
+              </a:lnSpc>
+              <a:spcBef>
+                <a:spcPts val="700"/>
+              </a:spcBef>
+              <a:buSzTx/>
+              <a:buNone/>
+              <a:defRPr b="1" sz="1890">
+                <a:uFill>
+                  <a:solidFill>
+                    <a:srgbClr val="000000"/>
+                  </a:solidFill>
+                </a:uFill>
+                <a:latin typeface="+mj-lt"/>
+                <a:ea typeface="+mj-ea"/>
+                <a:cs typeface="+mj-cs"/>
+                <a:sym typeface="Helvetica"/>
+              </a:defRPr>
+            </a:pPr>
+          </a:p>
+          <a:p>
+            <a:pPr marL="0" indent="0" defTabSz="288036">
+              <a:lnSpc>
+                <a:spcPts val="3700"/>
+              </a:lnSpc>
+              <a:spcBef>
+                <a:spcPts val="700"/>
+              </a:spcBef>
+              <a:buSzTx/>
+              <a:buNone/>
+              <a:defRPr b="1" sz="1890">
+                <a:uFill>
+                  <a:solidFill>
+                    <a:srgbClr val="000000"/>
+                  </a:solidFill>
+                </a:uFill>
+                <a:latin typeface="+mj-lt"/>
+                <a:ea typeface="+mj-ea"/>
+                <a:cs typeface="+mj-cs"/>
+                <a:sym typeface="Helvetica"/>
+              </a:defRPr>
+            </a:pPr>
+            <a:r>
+              <a:t>ALL THESE QUESTIONS ARE ANSWERABLE IF WE LEARN THE ASYMPTOMATIC HENCE NON-TESTED RATE!!</a:t>
+            </a:r>
+          </a:p>
+        </p:txBody>
+      </p:sp>
+    </p:spTree>
+  </p:cSld>
+  <p:clrMapOvr>
+    <a:masterClrMapping/>
+  </p:clrMapOvr>
+  <p:transition xmlns:p14="http://schemas.microsoft.com/office/powerpoint/2010/main" spd="med" advClick="1"/>
+</p:sld>
+</file>
+
+<file path=ppt/slides/slide11.xml><?xml version="1.0" encoding="utf-8"?>
+<p:sld xmlns:a="http://schemas.openxmlformats.org/drawingml/2006/main" xmlns:r="http://schemas.openxmlformats.org/officeDocument/2006/relationships" xmlns:p="http://schemas.openxmlformats.org/presentationml/2006/main" xmlns:m="http://schemas.openxmlformats.org/officeDocument/2006/math" xmlns:a14="http://schemas.microsoft.com/office/drawing/2010/main" showMasterSp="1" showMasterPhAnim="1">
+  <p:cSld>
+    <p:spTree>
+      <p:nvGrpSpPr>
+        <p:cNvPr id="1" name=""/>
+        <p:cNvGrpSpPr/>
+        <p:nvPr/>
+      </p:nvGrpSpPr>
+      <p:grpSpPr>
+        <a:xfrm>
+          <a:off x="0" y="0"/>
+          <a:ext cx="0" cy="0"/>
+          <a:chOff x="0" y="0"/>
+          <a:chExt cx="0" cy="0"/>
+        </a:xfrm>
+      </p:grpSpPr>
+      <p:sp>
+        <p:nvSpPr>
+          <p:cNvPr id="211" name="Keeping the Economy from Crashing During the Lockdown"/>
+          <p:cNvSpPr txBox="1"/>
+          <p:nvPr>
+            <p:ph type="title" idx="4294967295"/>
+          </p:nvPr>
+        </p:nvSpPr>
+        <p:spPr>
+          <a:xfrm>
+            <a:off x="444500" y="0"/>
+            <a:ext cx="8255000" cy="1587501"/>
+          </a:xfrm>
+          <a:prstGeom prst="rect">
+            <a:avLst/>
+          </a:prstGeom>
+        </p:spPr>
+        <p:txBody>
+          <a:bodyPr lIns="45719" tIns="45719" rIns="45719" bIns="45719"/>
+          <a:lstStyle>
+            <a:lvl1pPr defTabSz="246888">
+              <a:lnSpc>
+                <a:spcPts val="6200"/>
+              </a:lnSpc>
+              <a:defRPr sz="4320">
+                <a:solidFill>
+                  <a:srgbClr val="000080"/>
+                </a:solidFill>
+                <a:uFill>
+                  <a:solidFill>
+                    <a:srgbClr val="000000"/>
+                  </a:solidFill>
+                </a:uFill>
+              </a:defRPr>
+            </a:lvl1pPr>
+          </a:lstStyle>
+          <a:p>
+            <a:pPr/>
+            <a:r>
+              <a:t>Keeping the Economy from Crashing During the Lockdown</a:t>
+            </a:r>
+          </a:p>
+        </p:txBody>
+      </p:sp>
+      <p:sp>
+        <p:nvSpPr>
+          <p:cNvPr id="212" name="Nick Rowe &lt;https://worthwhile.typepad.com/worthwhile_canadian_initi/2020/03/relative-supply-shocks-unobtainium-walras-law-and-the-coronavirus.html&gt;:…"/>
+          <p:cNvSpPr txBox="1"/>
+          <p:nvPr>
+            <p:ph type="body" idx="4294967295"/>
+          </p:nvPr>
+        </p:nvSpPr>
+        <p:spPr>
+          <a:xfrm>
+            <a:off x="444500" y="1587500"/>
+            <a:ext cx="8255000" cy="4937520"/>
+          </a:xfrm>
+          <a:prstGeom prst="rect">
+            <a:avLst/>
+          </a:prstGeom>
+        </p:spPr>
+        <p:txBody>
+          <a:bodyPr lIns="45719" tIns="45719" rIns="45719" bIns="45719" anchor="t"/>
+          <a:lstStyle/>
+          <a:p>
+            <a:pPr marL="0" indent="0" defTabSz="329184">
+              <a:lnSpc>
+                <a:spcPts val="4300"/>
+              </a:lnSpc>
+              <a:spcBef>
+                <a:spcPts val="800"/>
+              </a:spcBef>
+              <a:buSzTx/>
+              <a:buNone/>
+              <a:defRPr b="1" sz="2160">
+                <a:uFill>
+                  <a:solidFill>
+                    <a:srgbClr val="000000"/>
+                  </a:solidFill>
+                </a:uFill>
+                <a:latin typeface="+mj-lt"/>
+                <a:ea typeface="+mj-ea"/>
+                <a:cs typeface="+mj-cs"/>
+                <a:sym typeface="Helvetica"/>
+              </a:defRPr>
+            </a:pPr>
+            <a:r>
+              <a:t>Nick Rowe &lt;</a:t>
+            </a:r>
+            <a:r>
+              <a:rPr u="sng">
+                <a:solidFill>
+                  <a:srgbClr val="0000FF"/>
+                </a:solidFill>
+                <a:uFill>
+                  <a:solidFill>
+                    <a:srgbClr val="0000FF"/>
+                  </a:solidFill>
+                </a:uFill>
+                <a:hlinkClick r:id="rId2" invalidUrl="" action="" tgtFrame="" tooltip="" history="1" highlightClick="0" endSnd="0"/>
+              </a:rPr>
+              <a:t>https://worthwhile.typepad.com/worthwhile_canadian_initi/2020/03/relative-supply-shocks-unobtainium-walras-law-and-the-coronavirus.html</a:t>
+            </a:r>
+            <a:r>
+              <a:t>&gt;:</a:t>
+            </a:r>
+          </a:p>
+          <a:p>
+            <a:pPr marL="246887" indent="-246887" defTabSz="329184">
+              <a:lnSpc>
+                <a:spcPts val="3800"/>
+              </a:lnSpc>
+              <a:spcBef>
+                <a:spcPts val="800"/>
+              </a:spcBef>
+              <a:buSzPct val="100000"/>
+              <a:buFont typeface="Arial"/>
+              <a:defRPr sz="1728">
+                <a:uFill>
+                  <a:solidFill>
+                    <a:srgbClr val="000000"/>
+                  </a:solidFill>
+                </a:uFill>
+                <a:latin typeface="Times New Roman"/>
+                <a:ea typeface="Times New Roman"/>
+                <a:cs typeface="Times New Roman"/>
+                <a:sym typeface="Times New Roman"/>
+              </a:defRPr>
+            </a:pPr>
+            <a:r>
+              <a:t>We need a good RBC economist…</a:t>
+            </a:r>
+          </a:p>
+          <a:p>
+            <a:pPr marL="246887" indent="-246887" defTabSz="329184">
+              <a:lnSpc>
+                <a:spcPts val="3800"/>
+              </a:lnSpc>
+              <a:spcBef>
+                <a:spcPts val="800"/>
+              </a:spcBef>
+              <a:buSzPct val="100000"/>
+              <a:buFont typeface="Arial"/>
+              <a:defRPr sz="1728">
+                <a:uFill>
+                  <a:solidFill>
+                    <a:srgbClr val="000000"/>
+                  </a:solidFill>
+                </a:uFill>
+                <a:latin typeface="Times New Roman"/>
+                <a:ea typeface="Times New Roman"/>
+                <a:cs typeface="Times New Roman"/>
+                <a:sym typeface="Times New Roman"/>
+              </a:defRPr>
+            </a:pPr>
+            <a:r>
+              <a:t>A temporary 100% output cut in 50% of the sectors (what the Coronavirus does) is very different from a 50% output cut in 100% of the sectors</a:t>
+            </a:r>
+          </a:p>
+          <a:p>
+            <a:pPr marL="246887" indent="-246887" defTabSz="329184">
+              <a:lnSpc>
+                <a:spcPts val="3800"/>
+              </a:lnSpc>
+              <a:spcBef>
+                <a:spcPts val="800"/>
+              </a:spcBef>
+              <a:buSzPct val="100000"/>
+              <a:buFont typeface="Arial"/>
+              <a:defRPr sz="1728">
+                <a:uFill>
+                  <a:solidFill>
+                    <a:srgbClr val="000000"/>
+                  </a:solidFill>
+                </a:uFill>
+                <a:latin typeface="Times New Roman"/>
+                <a:ea typeface="Times New Roman"/>
+                <a:cs typeface="Times New Roman"/>
+                <a:sym typeface="Times New Roman"/>
+              </a:defRPr>
+            </a:pPr>
+            <a:r>
+              <a:t>Nick’s thought experiment:</a:t>
+            </a:r>
+          </a:p>
+          <a:p>
+            <a:pPr lvl="1" marL="576071" indent="-246887" defTabSz="329184">
+              <a:lnSpc>
+                <a:spcPts val="3800"/>
+              </a:lnSpc>
+              <a:spcBef>
+                <a:spcPts val="800"/>
+              </a:spcBef>
+              <a:buSzPct val="100000"/>
+              <a:buFont typeface="Arial"/>
+              <a:defRPr sz="1728">
+                <a:uFill>
+                  <a:solidFill>
+                    <a:srgbClr val="000000"/>
+                  </a:solidFill>
+                </a:uFill>
+                <a:latin typeface="Times New Roman"/>
+                <a:ea typeface="Times New Roman"/>
+                <a:cs typeface="Times New Roman"/>
+                <a:sym typeface="Times New Roman"/>
+              </a:defRPr>
+            </a:pPr>
+            <a:r>
+              <a:t>In three months we are going to invent unobtanium:</a:t>
+            </a:r>
+          </a:p>
+          <a:p>
+            <a:pPr lvl="2" marL="905255" indent="-246887" defTabSz="329184">
+              <a:lnSpc>
+                <a:spcPts val="3800"/>
+              </a:lnSpc>
+              <a:spcBef>
+                <a:spcPts val="800"/>
+              </a:spcBef>
+              <a:buSzPct val="100000"/>
+              <a:buFont typeface="Arial"/>
+              <a:defRPr sz="1728">
+                <a:uFill>
+                  <a:solidFill>
+                    <a:srgbClr val="000000"/>
+                  </a:solidFill>
+                </a:uFill>
+                <a:latin typeface="Times New Roman"/>
+                <a:ea typeface="Times New Roman"/>
+                <a:cs typeface="Times New Roman"/>
+                <a:sym typeface="Times New Roman"/>
+              </a:defRPr>
+            </a:pPr>
+            <a:r>
+              <a:t>Substantial intertemporal substitutibility </a:t>
+            </a:r>
+          </a:p>
+          <a:p>
+            <a:pPr lvl="2" marL="905255" indent="-246887" defTabSz="329184">
+              <a:lnSpc>
+                <a:spcPts val="3800"/>
+              </a:lnSpc>
+              <a:spcBef>
+                <a:spcPts val="800"/>
+              </a:spcBef>
+              <a:buSzPct val="100000"/>
+              <a:buFont typeface="Arial"/>
+              <a:defRPr sz="1728">
+                <a:uFill>
+                  <a:solidFill>
+                    <a:srgbClr val="000000"/>
+                  </a:solidFill>
+                </a:uFill>
+                <a:latin typeface="Times New Roman"/>
+                <a:ea typeface="Times New Roman"/>
+                <a:cs typeface="Times New Roman"/>
+                <a:sym typeface="Times New Roman"/>
+              </a:defRPr>
+            </a:pPr>
+            <a:r>
+              <a:t>Plus lower cross-good contemporaneous substitutitbility</a:t>
+            </a:r>
+          </a:p>
+          <a:p>
+            <a:pPr lvl="2" marL="905255" indent="-246887" defTabSz="329184">
+              <a:lnSpc>
+                <a:spcPts val="3800"/>
+              </a:lnSpc>
+              <a:spcBef>
+                <a:spcPts val="800"/>
+              </a:spcBef>
+              <a:buSzPct val="100000"/>
+              <a:buFont typeface="Arial"/>
+              <a:defRPr sz="1728">
+                <a:uFill>
+                  <a:solidFill>
+                    <a:srgbClr val="000000"/>
+                  </a:solidFill>
+                </a:uFill>
+                <a:latin typeface="Times New Roman"/>
+                <a:ea typeface="Times New Roman"/>
+                <a:cs typeface="Times New Roman"/>
+                <a:sym typeface="Times New Roman"/>
+              </a:defRPr>
+            </a:pPr>
+            <a:r>
+              <a:t>Hence high desired savings rate now</a:t>
+            </a:r>
+          </a:p>
+          <a:p>
+            <a:pPr lvl="1" marL="576071" indent="-246887" defTabSz="329184">
+              <a:lnSpc>
+                <a:spcPts val="3800"/>
+              </a:lnSpc>
+              <a:spcBef>
+                <a:spcPts val="800"/>
+              </a:spcBef>
+              <a:buSzPct val="100000"/>
+              <a:buFont typeface="Arial"/>
+              <a:defRPr sz="1728">
+                <a:uFill>
+                  <a:solidFill>
+                    <a:srgbClr val="000000"/>
+                  </a:solidFill>
+                </a:uFill>
+                <a:latin typeface="Times New Roman"/>
+                <a:ea typeface="Times New Roman"/>
+                <a:cs typeface="Times New Roman"/>
+                <a:sym typeface="Times New Roman"/>
+              </a:defRPr>
+            </a:pPr>
+            <a:r>
+              <a:t>Flex-price market thus produces a nominal rate at the zero lower bound and a high inflation rate over the next three to six months </a:t>
+            </a:r>
+          </a:p>
+          <a:p>
+            <a:pPr lvl="1" marL="576071" indent="-246887" defTabSz="329184">
+              <a:lnSpc>
+                <a:spcPts val="3800"/>
+              </a:lnSpc>
+              <a:spcBef>
+                <a:spcPts val="800"/>
+              </a:spcBef>
+              <a:buSzPct val="100000"/>
+              <a:buFont typeface="Arial"/>
+              <a:defRPr sz="1728">
+                <a:uFill>
+                  <a:solidFill>
+                    <a:srgbClr val="000000"/>
+                  </a:solidFill>
+                </a:uFill>
+                <a:latin typeface="Times New Roman"/>
+                <a:ea typeface="Times New Roman"/>
+                <a:cs typeface="Times New Roman"/>
+                <a:sym typeface="Times New Roman"/>
+              </a:defRPr>
+            </a:pPr>
+            <a:r>
+              <a:t>Can we get there? Should we get there? What should we do instead?</a:t>
+            </a:r>
+          </a:p>
+        </p:txBody>
+      </p:sp>
+    </p:spTree>
+  </p:cSld>
+  <p:clrMapOvr>
+    <a:masterClrMapping/>
+  </p:clrMapOvr>
+  <p:transition xmlns:p14="http://schemas.microsoft.com/office/powerpoint/2010/main" spd="med" advClick="1"/>
+</p:sld>
+</file>
+
+<file path=ppt/slides/slide12.xml><?xml version="1.0" encoding="utf-8"?>
+<p:sld xmlns:a="http://schemas.openxmlformats.org/drawingml/2006/main" xmlns:r="http://schemas.openxmlformats.org/officeDocument/2006/relationships" xmlns:p="http://schemas.openxmlformats.org/presentationml/2006/main" xmlns:m="http://schemas.openxmlformats.org/officeDocument/2006/math" xmlns:a14="http://schemas.microsoft.com/office/drawing/2010/main" showMasterSp="1" showMasterPhAnim="1">
+  <p:cSld>
+    <p:spTree>
+      <p:nvGrpSpPr>
+        <p:cNvPr id="1" name=""/>
+        <p:cNvGrpSpPr/>
+        <p:nvPr/>
+      </p:nvGrpSpPr>
+      <p:grpSpPr>
+        <a:xfrm>
+          <a:off x="0" y="0"/>
+          <a:ext cx="0" cy="0"/>
+          <a:chOff x="0" y="0"/>
+          <a:chExt cx="0" cy="0"/>
+        </a:xfrm>
+      </p:grpSpPr>
+      <p:sp>
+        <p:nvSpPr>
+          <p:cNvPr id="214" name="Keeping the Economy from Crashing During the Lockdown II"/>
+          <p:cNvSpPr txBox="1"/>
+          <p:nvPr>
+            <p:ph type="title" idx="4294967295"/>
+          </p:nvPr>
+        </p:nvSpPr>
+        <p:spPr>
+          <a:xfrm>
+            <a:off x="444500" y="0"/>
+            <a:ext cx="8255000" cy="1587501"/>
+          </a:xfrm>
+          <a:prstGeom prst="rect">
+            <a:avLst/>
+          </a:prstGeom>
+        </p:spPr>
+        <p:txBody>
+          <a:bodyPr lIns="45719" tIns="45719" rIns="45719" bIns="45719"/>
+          <a:lstStyle>
+            <a:lvl1pPr defTabSz="233172">
+              <a:lnSpc>
+                <a:spcPts val="5900"/>
+              </a:lnSpc>
+              <a:defRPr sz="4080">
+                <a:solidFill>
+                  <a:srgbClr val="000080"/>
+                </a:solidFill>
+                <a:uFill>
+                  <a:solidFill>
+                    <a:srgbClr val="000000"/>
+                  </a:solidFill>
+                </a:uFill>
+              </a:defRPr>
+            </a:lvl1pPr>
+          </a:lstStyle>
+          <a:p>
+            <a:pPr/>
+            <a:r>
+              <a:t>Keeping the Economy from Crashing During the Lockdown II</a:t>
+            </a:r>
+          </a:p>
+        </p:txBody>
+      </p:sp>
+      <p:sp>
+        <p:nvSpPr>
+          <p:cNvPr id="215" name="Nick Rowe &lt;https://worthwhile.typepad.com/worthwhile_canadian_initi/2020/03/relative-supply-shocks-unobtainium-walras-law-and-the-coronavirus.html&gt;:…"/>
+          <p:cNvSpPr txBox="1"/>
+          <p:nvPr>
+            <p:ph type="body" idx="4294967295"/>
+          </p:nvPr>
+        </p:nvSpPr>
+        <p:spPr>
+          <a:xfrm>
+            <a:off x="444500" y="1587500"/>
+            <a:ext cx="8255000" cy="4937520"/>
+          </a:xfrm>
+          <a:prstGeom prst="rect">
+            <a:avLst/>
+          </a:prstGeom>
+        </p:spPr>
+        <p:txBody>
+          <a:bodyPr lIns="45719" tIns="45719" rIns="45719" bIns="45719" anchor="t"/>
+          <a:lstStyle/>
+          <a:p>
+            <a:pPr marL="0" indent="0" defTabSz="352043">
+              <a:lnSpc>
+                <a:spcPts val="4600"/>
+              </a:lnSpc>
+              <a:spcBef>
+                <a:spcPts val="900"/>
+              </a:spcBef>
+              <a:buSzTx/>
+              <a:buNone/>
+              <a:defRPr b="1" sz="2309">
+                <a:uFill>
+                  <a:solidFill>
+                    <a:srgbClr val="000000"/>
+                  </a:solidFill>
+                </a:uFill>
+                <a:latin typeface="+mj-lt"/>
+                <a:ea typeface="+mj-ea"/>
+                <a:cs typeface="+mj-cs"/>
+                <a:sym typeface="Helvetica"/>
+              </a:defRPr>
+            </a:pPr>
+            <a:r>
+              <a:t>Nick Rowe &lt;</a:t>
+            </a:r>
+            <a:r>
+              <a:rPr u="sng">
+                <a:solidFill>
+                  <a:srgbClr val="0000FF"/>
+                </a:solidFill>
+                <a:uFill>
+                  <a:solidFill>
+                    <a:srgbClr val="0000FF"/>
+                  </a:solidFill>
+                </a:uFill>
+                <a:hlinkClick r:id="rId2" invalidUrl="" action="" tgtFrame="" tooltip="" history="1" highlightClick="0" endSnd="0"/>
+              </a:rPr>
+              <a:t>https://worthwhile.typepad.com/worthwhile_canadian_initi/2020/03/relative-supply-shocks-unobtainium-walras-law-and-the-coronavirus.html</a:t>
+            </a:r>
+            <a:r>
+              <a:t>&gt;:</a:t>
+            </a:r>
+          </a:p>
+          <a:p>
+            <a:pPr marL="264032" indent="-264032" defTabSz="352043">
+              <a:lnSpc>
+                <a:spcPts val="4000"/>
+              </a:lnSpc>
+              <a:spcBef>
+                <a:spcPts val="900"/>
+              </a:spcBef>
+              <a:buSzPct val="100000"/>
+              <a:buFont typeface="Arial"/>
+              <a:defRPr sz="1848">
+                <a:uFill>
+                  <a:solidFill>
+                    <a:srgbClr val="000000"/>
+                  </a:solidFill>
+                </a:uFill>
+                <a:latin typeface="Times New Roman"/>
+                <a:ea typeface="Times New Roman"/>
+                <a:cs typeface="Times New Roman"/>
+                <a:sym typeface="Times New Roman"/>
+              </a:defRPr>
+            </a:pPr>
+            <a:r>
+              <a:t>Plus: to extend the thought experiment:</a:t>
+            </a:r>
+          </a:p>
+          <a:p>
+            <a:pPr lvl="1" marL="616076" indent="-264032" defTabSz="352043">
+              <a:lnSpc>
+                <a:spcPts val="4000"/>
+              </a:lnSpc>
+              <a:spcBef>
+                <a:spcPts val="900"/>
+              </a:spcBef>
+              <a:buSzPct val="100000"/>
+              <a:buFont typeface="Arial"/>
+              <a:defRPr sz="1848">
+                <a:uFill>
+                  <a:solidFill>
+                    <a:srgbClr val="000000"/>
+                  </a:solidFill>
+                </a:uFill>
+                <a:latin typeface="Times New Roman"/>
+                <a:ea typeface="Times New Roman"/>
+                <a:cs typeface="Times New Roman"/>
+                <a:sym typeface="Times New Roman"/>
+              </a:defRPr>
+            </a:pPr>
+            <a:r>
+              <a:t>We just lost the ability to make “unobtainium”</a:t>
+            </a:r>
+          </a:p>
+          <a:p>
+            <a:pPr lvl="1" marL="616076" indent="-264032" defTabSz="352043">
+              <a:lnSpc>
+                <a:spcPts val="4000"/>
+              </a:lnSpc>
+              <a:spcBef>
+                <a:spcPts val="900"/>
+              </a:spcBef>
+              <a:buSzPct val="100000"/>
+              <a:buFont typeface="Arial"/>
+              <a:defRPr sz="1848">
+                <a:uFill>
+                  <a:solidFill>
+                    <a:srgbClr val="000000"/>
+                  </a:solidFill>
+                </a:uFill>
+                <a:latin typeface="Times New Roman"/>
+                <a:ea typeface="Times New Roman"/>
+                <a:cs typeface="Times New Roman"/>
+                <a:sym typeface="Times New Roman"/>
+              </a:defRPr>
+            </a:pPr>
+            <a:r>
+              <a:t>So we </a:t>
+            </a:r>
+            <a:r>
+              <a:rPr i="1"/>
+              <a:t>should</a:t>
+            </a:r>
+            <a:r>
+              <a:t> be substituting leisure for work, and moving workers into relatively unproductive labor, making the commodities we can still produce right now</a:t>
+            </a:r>
+          </a:p>
+          <a:p>
+            <a:pPr lvl="1" marL="616076" indent="-264032" defTabSz="352043">
+              <a:lnSpc>
+                <a:spcPts val="4000"/>
+              </a:lnSpc>
+              <a:spcBef>
+                <a:spcPts val="900"/>
+              </a:spcBef>
+              <a:buSzPct val="100000"/>
+              <a:buFont typeface="Arial"/>
+              <a:defRPr sz="1848">
+                <a:uFill>
+                  <a:solidFill>
+                    <a:srgbClr val="000000"/>
+                  </a:solidFill>
+                </a:uFill>
+                <a:latin typeface="Times New Roman"/>
+                <a:ea typeface="Times New Roman"/>
+                <a:cs typeface="Times New Roman"/>
+                <a:sym typeface="Times New Roman"/>
+              </a:defRPr>
+            </a:pPr>
+            <a:r>
+              <a:t>How should relative prices move as a result? How should we make them move?</a:t>
+            </a:r>
+          </a:p>
+          <a:p>
+            <a:pPr marL="0" indent="0" defTabSz="352043">
+              <a:lnSpc>
+                <a:spcPts val="4000"/>
+              </a:lnSpc>
+              <a:spcBef>
+                <a:spcPts val="900"/>
+              </a:spcBef>
+              <a:buSzTx/>
+              <a:buNone/>
+              <a:defRPr sz="1848">
+                <a:uFill>
+                  <a:solidFill>
+                    <a:srgbClr val="000000"/>
+                  </a:solidFill>
+                </a:uFill>
+                <a:latin typeface="Times New Roman"/>
+                <a:ea typeface="Times New Roman"/>
+                <a:cs typeface="Times New Roman"/>
+                <a:sym typeface="Times New Roman"/>
+              </a:defRPr>
+            </a:pPr>
+          </a:p>
+          <a:p>
+            <a:pPr marL="0" indent="0" defTabSz="352043">
+              <a:lnSpc>
+                <a:spcPts val="4600"/>
+              </a:lnSpc>
+              <a:spcBef>
+                <a:spcPts val="900"/>
+              </a:spcBef>
+              <a:buSzTx/>
+              <a:buNone/>
+              <a:defRPr b="1" sz="2309">
+                <a:uFill>
+                  <a:solidFill>
+                    <a:srgbClr val="000000"/>
+                  </a:solidFill>
+                </a:uFill>
+                <a:latin typeface="+mj-lt"/>
+                <a:ea typeface="+mj-ea"/>
+                <a:cs typeface="+mj-cs"/>
+                <a:sym typeface="Helvetica"/>
+              </a:defRPr>
+            </a:pPr>
+            <a:r>
+              <a:t>Plus: distributional issues</a:t>
+            </a:r>
+          </a:p>
+          <a:p>
+            <a:pPr marL="0" indent="0" defTabSz="352043">
+              <a:lnSpc>
+                <a:spcPts val="4600"/>
+              </a:lnSpc>
+              <a:spcBef>
+                <a:spcPts val="900"/>
+              </a:spcBef>
+              <a:buSzTx/>
+              <a:buNone/>
+              <a:defRPr b="1" sz="2309">
+                <a:uFill>
+                  <a:solidFill>
+                    <a:srgbClr val="000000"/>
+                  </a:solidFill>
+                </a:uFill>
+                <a:latin typeface="+mj-lt"/>
+                <a:ea typeface="+mj-ea"/>
+                <a:cs typeface="+mj-cs"/>
+                <a:sym typeface="Helvetica"/>
+              </a:defRPr>
+            </a:pPr>
+            <a:r>
+              <a:t>Plus: bankruptcy and credit chain issues</a:t>
+            </a:r>
+          </a:p>
+        </p:txBody>
+      </p:sp>
+    </p:spTree>
+  </p:cSld>
+  <p:clrMapOvr>
+    <a:masterClrMapping/>
+  </p:clrMapOvr>
+  <p:transition xmlns:p14="http://schemas.microsoft.com/office/powerpoint/2010/main" spd="med" advClick="1"/>
+</p:sld>
+</file>
+
+<file path=ppt/slides/slide13.xml><?xml version="1.0" encoding="utf-8"?>
+<p:sld xmlns:a="http://schemas.openxmlformats.org/drawingml/2006/main" xmlns:r="http://schemas.openxmlformats.org/officeDocument/2006/relationships" xmlns:p="http://schemas.openxmlformats.org/presentationml/2006/main" xmlns:m="http://schemas.openxmlformats.org/officeDocument/2006/math" xmlns:a14="http://schemas.microsoft.com/office/drawing/2010/main" showMasterSp="1" showMasterPhAnim="1">
+  <p:cSld>
+    <p:spTree>
+      <p:nvGrpSpPr>
+        <p:cNvPr id="1" name=""/>
+        <p:cNvGrpSpPr/>
+        <p:nvPr/>
+      </p:nvGrpSpPr>
+      <p:grpSpPr>
+        <a:xfrm>
+          <a:off x="0" y="0"/>
+          <a:ext cx="0" cy="0"/>
+          <a:chOff x="0" y="0"/>
+          <a:chExt cx="0" cy="0"/>
+        </a:xfrm>
+      </p:grpSpPr>
+      <p:sp>
+        <p:nvSpPr>
+          <p:cNvPr id="217" name="References"/>
+          <p:cNvSpPr txBox="1"/>
+          <p:nvPr>
+            <p:ph type="title" idx="4294967295"/>
+          </p:nvPr>
+        </p:nvSpPr>
+        <p:spPr>
+          <a:xfrm>
+            <a:off x="444500" y="0"/>
+            <a:ext cx="8255000" cy="1587501"/>
+          </a:xfrm>
+          <a:prstGeom prst="rect">
+            <a:avLst/>
+          </a:prstGeom>
+        </p:spPr>
+        <p:txBody>
+          <a:bodyPr lIns="45719" tIns="45719" rIns="45719" bIns="45719"/>
+          <a:lstStyle>
+            <a:lvl1pPr defTabSz="457200">
+              <a:lnSpc>
+                <a:spcPts val="11600"/>
+              </a:lnSpc>
+              <a:defRPr sz="8000">
+                <a:solidFill>
+                  <a:srgbClr val="000080"/>
+                </a:solidFill>
+                <a:uFill>
+                  <a:solidFill>
+                    <a:srgbClr val="000000"/>
+                  </a:solidFill>
+                </a:uFill>
+              </a:defRPr>
+            </a:lvl1pPr>
+          </a:lstStyle>
+          <a:p>
+            <a:pPr/>
+            <a:r>
+              <a:t>References</a:t>
+            </a:r>
+          </a:p>
+        </p:txBody>
+      </p:sp>
+      <p:sp>
+        <p:nvSpPr>
+          <p:cNvPr id="218" name="Financial Times (2020): Coronavirus Tracked: The Latest Figures as the Pandemic Spreads &lt;https://www.ft.com/coronavirus-latest&gt;…"/>
+          <p:cNvSpPr txBox="1"/>
+          <p:nvPr>
+            <p:ph type="body" idx="4294967295"/>
+          </p:nvPr>
+        </p:nvSpPr>
+        <p:spPr>
+          <a:xfrm>
+            <a:off x="444500" y="1587500"/>
+            <a:ext cx="8255000" cy="4937520"/>
+          </a:xfrm>
+          <a:prstGeom prst="rect">
+            <a:avLst/>
+          </a:prstGeom>
+        </p:spPr>
+        <p:txBody>
+          <a:bodyPr lIns="45719" tIns="45719" rIns="45719" bIns="45719" anchor="t"/>
+          <a:lstStyle/>
+          <a:p>
+            <a:pPr marL="342899" indent="-342899" defTabSz="457200">
+              <a:lnSpc>
+                <a:spcPts val="5200"/>
+              </a:lnSpc>
+              <a:spcBef>
+                <a:spcPts val="1200"/>
+              </a:spcBef>
+              <a:buSzPct val="100000"/>
+              <a:buFont typeface="Arial"/>
+              <a:defRPr>
+                <a:uFill>
+                  <a:solidFill>
+                    <a:srgbClr val="000000"/>
+                  </a:solidFill>
+                </a:uFill>
+                <a:latin typeface="Times New Roman"/>
+                <a:ea typeface="Times New Roman"/>
+                <a:cs typeface="Times New Roman"/>
+                <a:sym typeface="Times New Roman"/>
+              </a:defRPr>
+            </a:pPr>
+            <a:r>
+              <a:rPr b="1"/>
+              <a:t>Financial Times</a:t>
+            </a:r>
+            <a:r>
+              <a:t> (2020): Coronavirus Tracked: The Latest Figures as the Pandemic Spreads &lt;</a:t>
+            </a:r>
+            <a:r>
+              <a:rPr u="sng">
+                <a:solidFill>
+                  <a:srgbClr val="0000FF"/>
+                </a:solidFill>
+                <a:uFill>
+                  <a:solidFill>
+                    <a:srgbClr val="0000FF"/>
+                  </a:solidFill>
+                </a:uFill>
+                <a:hlinkClick r:id="rId2" invalidUrl="" action="" tgtFrame="" tooltip="" history="1" highlightClick="0" endSnd="0"/>
+              </a:rPr>
+              <a:t>https://www.ft.com/coronavirus-latest</a:t>
+            </a:r>
+            <a:r>
+              <a:t>&gt;</a:t>
+            </a:r>
+          </a:p>
+          <a:p>
+            <a:pPr marL="342899" indent="-342899" defTabSz="457200">
+              <a:lnSpc>
+                <a:spcPts val="5200"/>
+              </a:lnSpc>
+              <a:spcBef>
+                <a:spcPts val="1200"/>
+              </a:spcBef>
+              <a:buSzPct val="100000"/>
+              <a:buFont typeface="Arial"/>
+              <a:defRPr>
+                <a:uFill>
+                  <a:solidFill>
+                    <a:srgbClr val="000000"/>
+                  </a:solidFill>
+                </a:uFill>
+                <a:latin typeface="Times New Roman"/>
+                <a:ea typeface="Times New Roman"/>
+                <a:cs typeface="Times New Roman"/>
+                <a:sym typeface="Times New Roman"/>
+              </a:defRPr>
+            </a:pPr>
+            <a:r>
+              <a:rPr b="1"/>
+              <a:t>Nick Rowe</a:t>
+            </a:r>
+            <a:r>
+              <a:t> (2020): </a:t>
+            </a:r>
+            <a:r>
+              <a:rPr i="1"/>
+              <a:t>Relative Supply Shocks, Unobtainium, Walras' Law, and the Coronavirus </a:t>
+            </a:r>
+            <a:r>
+              <a:t>&lt;</a:t>
+            </a:r>
+            <a:r>
+              <a:rPr u="sng">
+                <a:solidFill>
+                  <a:srgbClr val="0000FF"/>
+                </a:solidFill>
+                <a:uFill>
+                  <a:solidFill>
+                    <a:srgbClr val="0000FF"/>
+                  </a:solidFill>
+                </a:uFill>
+                <a:hlinkClick r:id="rId3" invalidUrl="" action="" tgtFrame="" tooltip="" history="1" highlightClick="0" endSnd="0"/>
+              </a:rPr>
+              <a:t>https://worthwhile.typepad.com/worthwhile_canadian_initi/2020/03/relative-supply-shocks-unobtainium-walras-law-and-the-coronavirus.html</a:t>
+            </a:r>
+            <a:r>
+              <a:t>&gt;</a:t>
+            </a:r>
+          </a:p>
+          <a:p>
+            <a:pPr marL="342899" indent="-342899" defTabSz="457200">
+              <a:lnSpc>
+                <a:spcPts val="5200"/>
+              </a:lnSpc>
+              <a:spcBef>
+                <a:spcPts val="1200"/>
+              </a:spcBef>
+              <a:buSzPct val="100000"/>
+              <a:buFont typeface="Arial"/>
+              <a:defRPr>
+                <a:uFill>
+                  <a:solidFill>
+                    <a:srgbClr val="000000"/>
+                  </a:solidFill>
+                </a:uFill>
+                <a:latin typeface="Times New Roman"/>
+                <a:ea typeface="Times New Roman"/>
+                <a:cs typeface="Times New Roman"/>
+                <a:sym typeface="Times New Roman"/>
+              </a:defRPr>
+            </a:pPr>
+            <a:r>
+              <a:rPr b="1"/>
+              <a:t>Jim Stock</a:t>
+            </a:r>
+            <a:r>
+              <a:t> (2020): </a:t>
+            </a:r>
+            <a:r>
+              <a:rPr i="1"/>
+              <a:t>Coronavirus Data Gaps and the Policy Response</a:t>
+            </a:r>
+            <a:r>
+              <a:t> &lt;</a:t>
+            </a:r>
+            <a:r>
+              <a:rPr u="sng">
+                <a:solidFill>
+                  <a:srgbClr val="0000FF"/>
+                </a:solidFill>
+                <a:uFill>
+                  <a:solidFill>
+                    <a:srgbClr val="0000FF"/>
+                  </a:solidFill>
+                </a:uFill>
+                <a:hlinkClick r:id="rId4" invalidUrl="" action="" tgtFrame="" tooltip="" history="1" highlightClick="0" endSnd="0"/>
+              </a:rPr>
+              <a:t>https://drive.google.com/file/d/12MV466ZZy5xHir4xdPhoTrL1oO8CbZU-/view</a:t>
+            </a:r>
+            <a:r>
+              <a:t>&gt;</a:t>
+            </a:r>
+          </a:p>
+        </p:txBody>
+      </p:sp>
+    </p:spTree>
+  </p:cSld>
+  <p:clrMapOvr>
+    <a:masterClrMapping/>
+  </p:clrMapOvr>
+  <p:transition xmlns:p14="http://schemas.microsoft.com/office/powerpoint/2010/main" spd="med" advClick="1"/>
+</p:sld>
+</file>
+
+<file path=ppt/slides/slide14.xml><?xml version="1.0" encoding="utf-8"?>
+<p:sld xmlns:a="http://schemas.openxmlformats.org/drawingml/2006/main" xmlns:r="http://schemas.openxmlformats.org/officeDocument/2006/relationships" xmlns:p="http://schemas.openxmlformats.org/presentationml/2006/main" xmlns:m="http://schemas.openxmlformats.org/officeDocument/2006/math" xmlns:a14="http://schemas.microsoft.com/office/drawing/2010/main" showMasterSp="1" showMasterPhAnim="1">
+  <p:cSld>
+    <p:spTree>
+      <p:nvGrpSpPr>
+        <p:cNvPr id="1" name=""/>
+        <p:cNvGrpSpPr/>
+        <p:nvPr/>
+      </p:nvGrpSpPr>
+      <p:grpSpPr>
+        <a:xfrm>
+          <a:off x="0" y="0"/>
+          <a:ext cx="0" cy="0"/>
+          <a:chOff x="0" y="0"/>
+          <a:chExt cx="0" cy="0"/>
+        </a:xfrm>
+      </p:grpSpPr>
+      <p:sp>
+        <p:nvSpPr>
+          <p:cNvPr id="220" name="Catch Our Breath…"/>
+          <p:cNvSpPr txBox="1"/>
+          <p:nvPr>
+            <p:ph type="title"/>
+          </p:nvPr>
+        </p:nvSpPr>
+        <p:spPr>
+          <a:xfrm>
+            <a:off x="276457" y="-1"/>
+            <a:ext cx="8572501" cy="1270001"/>
+          </a:xfrm>
+          <a:prstGeom prst="rect">
+            <a:avLst/>
+          </a:prstGeom>
+        </p:spPr>
+        <p:txBody>
+          <a:bodyPr/>
+          <a:lstStyle/>
+          <a:p>
+            <a:pPr/>
+            <a:r>
+              <a:t>Catch Our Breath…</a:t>
+            </a:r>
+          </a:p>
+        </p:txBody>
+      </p:sp>
+      <p:sp>
+        <p:nvSpPr>
+          <p:cNvPr id="221" name="Ask a couple of questions?…"/>
+          <p:cNvSpPr txBox="1"/>
+          <p:nvPr>
+            <p:ph type="body" sz="half" idx="1"/>
+          </p:nvPr>
+        </p:nvSpPr>
+        <p:spPr>
+          <a:xfrm>
+            <a:off x="276457" y="1270000"/>
+            <a:ext cx="3810001" cy="4762500"/>
+          </a:xfrm>
+          <a:prstGeom prst="rect">
+            <a:avLst/>
+          </a:prstGeom>
+        </p:spPr>
+        <p:txBody>
+          <a:bodyPr anchor="t"/>
+          <a:lstStyle/>
+          <a:p>
+            <a:pPr>
+              <a:spcBef>
+                <a:spcPts val="1200"/>
+              </a:spcBef>
+              <a:defRPr>
+                <a:latin typeface="Times New Roman"/>
+                <a:ea typeface="Times New Roman"/>
+                <a:cs typeface="Times New Roman"/>
+                <a:sym typeface="Times New Roman"/>
+              </a:defRPr>
+            </a:pPr>
+            <a:r>
+              <a:t>Ask a couple of questions? </a:t>
+            </a:r>
+          </a:p>
+          <a:p>
+            <a:pPr>
+              <a:spcBef>
+                <a:spcPts val="1200"/>
+              </a:spcBef>
+              <a:defRPr>
+                <a:latin typeface="Times New Roman"/>
+                <a:ea typeface="Times New Roman"/>
+                <a:cs typeface="Times New Roman"/>
+                <a:sym typeface="Times New Roman"/>
+              </a:defRPr>
+            </a:pPr>
+            <a:r>
+              <a:t>Make a couple of comments?</a:t>
+            </a:r>
+          </a:p>
+          <a:p>
+            <a:pPr>
+              <a:spcBef>
+                <a:spcPts val="1200"/>
+              </a:spcBef>
+              <a:defRPr>
+                <a:latin typeface="Times New Roman"/>
+                <a:ea typeface="Times New Roman"/>
+                <a:cs typeface="Times New Roman"/>
+                <a:sym typeface="Times New Roman"/>
+              </a:defRPr>
+            </a:pPr>
+            <a:r>
+              <a:t>Any more readings to recommend?</a:t>
+            </a:r>
+          </a:p>
+        </p:txBody>
+      </p:sp>
+      <p:pic>
+        <p:nvPicPr>
+          <p:cNvPr id="222" name="image1.tif" descr="image1.tif"/>
+          <p:cNvPicPr>
+            <a:picLocks noChangeAspect="1"/>
+          </p:cNvPicPr>
+          <p:nvPr/>
+        </p:nvPicPr>
+        <p:blipFill>
+          <a:blip r:embed="rId2">
+            <a:extLst/>
+          </a:blip>
+          <a:stretch>
+            <a:fillRect/>
+          </a:stretch>
+        </p:blipFill>
+        <p:spPr>
+          <a:xfrm>
+            <a:off x="4086457" y="1270000"/>
+            <a:ext cx="4762501" cy="4762500"/>
+          </a:xfrm>
+          <a:prstGeom prst="rect">
+            <a:avLst/>
+          </a:prstGeom>
+          <a:ln w="12700">
+            <a:miter lim="400000"/>
+          </a:ln>
+        </p:spPr>
+      </p:pic>
+      <p:sp>
+        <p:nvSpPr>
+          <p:cNvPr id="223" name="Rectangle"/>
+          <p:cNvSpPr txBox="1"/>
+          <p:nvPr/>
+        </p:nvSpPr>
+        <p:spPr>
+          <a:xfrm>
+            <a:off x="276457" y="6032500"/>
+            <a:ext cx="8572501" cy="635000"/>
+          </a:xfrm>
+          <a:prstGeom prst="rect">
+            <a:avLst/>
+          </a:prstGeom>
+          <a:ln w="12700">
+            <a:miter lim="400000"/>
+          </a:ln>
+        </p:spPr>
+        <p:txBody>
+          <a:bodyPr lIns="35718" tIns="35718" rIns="35718" bIns="35718" anchor="b">
+            <a:normAutofit fontScale="100000" lnSpcReduction="0"/>
+          </a:bodyPr>
+          <a:lstStyle/>
+          <a:p>
+            <a:pPr algn="ctr">
+              <a:spcBef>
+                <a:spcPts val="1200"/>
+              </a:spcBef>
+              <a:defRPr sz="1200">
+                <a:latin typeface="Calibri"/>
+                <a:ea typeface="Calibri"/>
+                <a:cs typeface="Calibri"/>
+                <a:sym typeface="Calibri"/>
+              </a:defRPr>
+            </a:pPr>
+          </a:p>
+        </p:txBody>
+      </p:sp>
+    </p:spTree>
+  </p:cSld>
+  <p:clrMapOvr>
+    <a:masterClrMapping/>
+  </p:clrMapOvr>
+  <p:transition xmlns:p14="http://schemas.microsoft.com/office/powerpoint/2010/main" spd="med" advClick="1"/>
+</p:sld>
+</file>
+
+<file path=ppt/slides/slide15.xml><?xml version="1.0" encoding="utf-8"?>
+<p:sld xmlns:a="http://schemas.openxmlformats.org/drawingml/2006/main" xmlns:r="http://schemas.openxmlformats.org/officeDocument/2006/relationships" xmlns:p="http://schemas.openxmlformats.org/presentationml/2006/main" xmlns:m="http://schemas.openxmlformats.org/officeDocument/2006/math" xmlns:a14="http://schemas.microsoft.com/office/drawing/2010/main" showMasterSp="1" showMasterPhAnim="1">
+  <p:cSld>
+    <p:spTree>
+      <p:nvGrpSpPr>
+        <p:cNvPr id="1" name=""/>
+        <p:cNvGrpSpPr/>
+        <p:nvPr/>
+      </p:nvGrpSpPr>
+      <p:grpSpPr>
+        <a:xfrm>
+          <a:off x="0" y="0"/>
+          <a:ext cx="0" cy="0"/>
+          <a:chOff x="0" y="0"/>
+          <a:chExt cx="0" cy="0"/>
+        </a:xfrm>
+      </p:grpSpPr>
+      <p:sp>
+        <p:nvSpPr>
+          <p:cNvPr id="225" name="About the Course"/>
+          <p:cNvSpPr txBox="1"/>
+          <p:nvPr>
+            <p:ph type="title" idx="4294967295"/>
+          </p:nvPr>
+        </p:nvSpPr>
+        <p:spPr>
+          <a:xfrm>
+            <a:off x="277663" y="-3"/>
+            <a:ext cx="8572501" cy="1267128"/>
+          </a:xfrm>
+          <a:prstGeom prst="rect">
+            <a:avLst/>
+          </a:prstGeom>
+        </p:spPr>
+        <p:txBody>
+          <a:bodyPr lIns="45718" tIns="45718" rIns="45718" bIns="45718"/>
+          <a:lstStyle>
+            <a:lvl1pPr defTabSz="457200">
+              <a:defRPr sz="6000">
+                <a:solidFill>
+                  <a:srgbClr val="000080"/>
+                </a:solidFill>
+                <a:uFill>
+                  <a:solidFill>
+                    <a:srgbClr val="000000"/>
+                  </a:solidFill>
+                </a:uFill>
+              </a:defRPr>
+            </a:lvl1pPr>
+          </a:lstStyle>
+          <a:p>
+            <a:pPr/>
+            <a:r>
+              <a:t>MOAR Coronavirus!</a:t>
+            </a:r>
+          </a:p>
+        </p:txBody>
+      </p:sp>
+      <p:sp>
+        <p:nvSpPr>
+          <p:cNvPr id="226" name="The long 20th century will in all likelihood be seen in the future as the watershed in human experience:…"/>
+          <p:cNvSpPr txBox="1"/>
+          <p:nvPr>
+            <p:ph type="body" idx="4294967295"/>
+          </p:nvPr>
+        </p:nvSpPr>
+        <p:spPr>
+          <a:xfrm>
+            <a:off x="277662" y="1267120"/>
+            <a:ext cx="8572502" cy="5397505"/>
+          </a:xfrm>
+          <a:prstGeom prst="rect">
+            <a:avLst/>
+          </a:prstGeom>
+        </p:spPr>
+        <p:txBody>
+          <a:bodyPr lIns="45718" tIns="45718" rIns="45718" bIns="45718" anchor="t"/>
+          <a:lstStyle/>
+          <a:p>
+            <a:pPr marL="0" indent="0" defTabSz="215976">
+              <a:spcBef>
+                <a:spcPts val="900"/>
+              </a:spcBef>
+              <a:buSzTx/>
+              <a:buNone/>
+              <a:defRPr b="1" sz="2430">
+                <a:uFill>
+                  <a:solidFill>
+                    <a:srgbClr val="000000"/>
+                  </a:solidFill>
+                </a:uFill>
+                <a:latin typeface="+mj-lt"/>
+                <a:ea typeface="+mj-ea"/>
+                <a:cs typeface="+mj-cs"/>
+                <a:sym typeface="Helvetica"/>
+              </a:defRPr>
+            </a:pPr>
+            <a:r>
+              <a:t>What I am watching:</a:t>
+            </a:r>
+          </a:p>
+          <a:p>
+            <a:pPr marL="113671" indent="-113671" defTabSz="215976">
+              <a:spcBef>
+                <a:spcPts val="900"/>
+              </a:spcBef>
+              <a:buSzPct val="100000"/>
+              <a:defRPr b="1" sz="1944">
+                <a:uFill>
+                  <a:solidFill>
+                    <a:srgbClr val="000000"/>
+                  </a:solidFill>
+                </a:uFill>
+                <a:latin typeface="Times New Roman"/>
+                <a:ea typeface="Times New Roman"/>
+                <a:cs typeface="Times New Roman"/>
+                <a:sym typeface="Times New Roman"/>
+              </a:defRPr>
+            </a:pPr>
+            <a:r>
+              <a:t>Max Roser &amp; Hannah Ritchie</a:t>
+            </a:r>
+            <a:r>
+              <a:rPr b="0"/>
+              <a:t>: </a:t>
+            </a:r>
+            <a:r>
+              <a:rPr b="0" i="1"/>
+              <a:t>Coronavirus Disease (COVID-19)</a:t>
+            </a:r>
+            <a:r>
+              <a:rPr b="0"/>
+              <a:t> &lt;</a:t>
+            </a:r>
+            <a:r>
+              <a:rPr b="0" u="sng">
+                <a:solidFill>
+                  <a:srgbClr val="0000FF"/>
+                </a:solidFill>
+                <a:uFill>
+                  <a:solidFill>
+                    <a:srgbClr val="0000FF"/>
+                  </a:solidFill>
+                </a:uFill>
+                <a:hlinkClick r:id="rId2" invalidUrl="" action="" tgtFrame="" tooltip="" history="1" highlightClick="0" endSnd="0"/>
+              </a:rPr>
+              <a:t>https://ourworldindata.org/coronavirus</a:t>
+            </a:r>
+            <a:r>
+              <a:rPr b="0"/>
+              <a:t>&gt;…</a:t>
+            </a:r>
+          </a:p>
+          <a:p>
+            <a:pPr marL="113671" indent="-113671" defTabSz="215976">
+              <a:spcBef>
+                <a:spcPts val="900"/>
+              </a:spcBef>
+              <a:buSzPct val="100000"/>
+              <a:defRPr b="1" sz="1944">
+                <a:uFill>
+                  <a:solidFill>
+                    <a:srgbClr val="000000"/>
+                  </a:solidFill>
+                </a:uFill>
+                <a:latin typeface="Times New Roman"/>
+                <a:ea typeface="Times New Roman"/>
+                <a:cs typeface="Times New Roman"/>
+                <a:sym typeface="Times New Roman"/>
+              </a:defRPr>
+            </a:pPr>
+            <a:r>
+              <a:t>Worldometer</a:t>
+            </a:r>
+            <a:r>
+              <a:rPr b="0"/>
+              <a:t>: </a:t>
+            </a:r>
+            <a:r>
+              <a:rPr b="0" i="1"/>
+              <a:t>Coronavirus Update (Live) </a:t>
+            </a:r>
+            <a:r>
+              <a:rPr b="0"/>
+              <a:t>&lt;</a:t>
+            </a:r>
+            <a:r>
+              <a:rPr b="0" u="sng">
+                <a:solidFill>
+                  <a:srgbClr val="0000FF"/>
+                </a:solidFill>
+                <a:uFill>
+                  <a:solidFill>
+                    <a:srgbClr val="0000FF"/>
+                  </a:solidFill>
+                </a:uFill>
+                <a:hlinkClick r:id="rId3" invalidUrl="" action="" tgtFrame="" tooltip="" history="1" highlightClick="0" endSnd="0"/>
+              </a:rPr>
+              <a:t>https://www.worldometers.info/coronavirus/</a:t>
+            </a:r>
+            <a:r>
+              <a:rPr b="0"/>
+              <a:t>&gt;: ‘125,599 Cases and 4,605 Deaths from COVID-19 Virus Outbreak…</a:t>
+            </a:r>
+          </a:p>
+          <a:p>
+            <a:pPr marL="113671" indent="-113671" defTabSz="215976">
+              <a:spcBef>
+                <a:spcPts val="900"/>
+              </a:spcBef>
+              <a:buSzPct val="100000"/>
+              <a:defRPr i="1" sz="1944">
+                <a:uFill>
+                  <a:solidFill>
+                    <a:srgbClr val="000000"/>
+                  </a:solidFill>
+                </a:uFill>
+                <a:latin typeface="Times New Roman"/>
+                <a:ea typeface="Times New Roman"/>
+                <a:cs typeface="Times New Roman"/>
+                <a:sym typeface="Times New Roman"/>
+              </a:defRPr>
+            </a:pPr>
+            <a:r>
+              <a:t>FT Coronavirus Tracker</a:t>
+            </a:r>
+            <a:r>
+              <a:rPr i="0"/>
+              <a:t> &lt;</a:t>
+            </a:r>
+            <a:r>
+              <a:rPr i="0" u="sng">
+                <a:solidFill>
+                  <a:srgbClr val="0000FF"/>
+                </a:solidFill>
+                <a:uFill>
+                  <a:solidFill>
+                    <a:srgbClr val="0000FF"/>
+                  </a:solidFill>
+                </a:uFill>
+                <a:hlinkClick r:id="rId4" invalidUrl="" action="" tgtFrame="" tooltip="" history="1" highlightClick="0" endSnd="0"/>
+              </a:rPr>
+              <a:t>https://www.ft.com/content/a26fbf7e-48f8-11ea-aeb3-955839e06441</a:t>
+            </a:r>
+            <a:r>
+              <a:rPr i="0"/>
+              <a:t>&gt;</a:t>
+            </a:r>
+            <a:endParaRPr i="0"/>
+          </a:p>
+          <a:p>
+            <a:pPr marL="113671" indent="-113671" defTabSz="215976">
+              <a:spcBef>
+                <a:spcPts val="900"/>
+              </a:spcBef>
+              <a:buSzPct val="100000"/>
+              <a:defRPr i="1" sz="1944">
+                <a:uFill>
+                  <a:solidFill>
+                    <a:srgbClr val="000000"/>
+                  </a:solidFill>
+                </a:uFill>
+                <a:latin typeface="Times New Roman"/>
+                <a:ea typeface="Times New Roman"/>
+                <a:cs typeface="Times New Roman"/>
+                <a:sym typeface="Times New Roman"/>
+              </a:defRPr>
+            </a:pPr>
+            <a:r>
+              <a:rPr i="0"/>
+              <a:t>Josh Marshall’s COVID Twitter List &lt;</a:t>
+            </a:r>
+            <a:r>
+              <a:rPr i="0" u="sng">
+                <a:solidFill>
+                  <a:srgbClr val="0000FF"/>
+                </a:solidFill>
+                <a:uFill>
+                  <a:solidFill>
+                    <a:srgbClr val="0000FF"/>
+                  </a:solidFill>
+                </a:uFill>
+                <a:hlinkClick r:id="rId5" invalidUrl="" action="" tgtFrame="" tooltip="" history="1" highlightClick="0" endSnd="0"/>
+              </a:rPr>
+              <a:t>https://twitter.com/i/lists/1233998285779632128</a:t>
+            </a:r>
+            <a:r>
+              <a:rPr i="0"/>
+              <a:t>&gt;</a:t>
+            </a:r>
+            <a:endParaRPr i="0"/>
+          </a:p>
+          <a:p>
+            <a:pPr marL="113671" indent="-113671" defTabSz="215976">
+              <a:spcBef>
+                <a:spcPts val="900"/>
+              </a:spcBef>
+              <a:buSzPct val="100000"/>
+              <a:defRPr i="1" sz="1944">
+                <a:uFill>
+                  <a:solidFill>
+                    <a:srgbClr val="000000"/>
+                  </a:solidFill>
+                </a:uFill>
+                <a:latin typeface="Times New Roman"/>
+                <a:ea typeface="Times New Roman"/>
+                <a:cs typeface="Times New Roman"/>
+                <a:sym typeface="Times New Roman"/>
+              </a:defRPr>
+            </a:pPr>
+            <a:r>
+              <a:rPr i="0"/>
+              <a:t>NEJM Group: Updates on the Covid-19 Pandemic &lt;</a:t>
+            </a:r>
+            <a:r>
+              <a:rPr u="sng">
+                <a:solidFill>
+                  <a:srgbClr val="0000FF"/>
+                </a:solidFill>
+                <a:uFill>
+                  <a:solidFill>
+                    <a:srgbClr val="0000FF"/>
+                  </a:solidFill>
+                </a:uFill>
+                <a:hlinkClick r:id="rId6" invalidUrl="" action="" tgtFrame="" tooltip="" history="1" highlightClick="0" endSnd="0"/>
+              </a:rPr>
+              <a:t>http://m.n.nejm.org/nl/jsp/m.jsp?c=%40kxNtXckRDOq8oG0jJvAXsIzN4mPECIPhltxoTSdTU9k%3D&amp;cid=DM89089_NEJM_COVID-19_Newsletter&amp;bid=173498255</a:t>
+            </a:r>
+            <a:r>
+              <a:rPr i="0"/>
+              <a:t>&gt;: 'From the New England Journal of Medicine, NEJM Journal Watch, NEJM Catalyst, and other trusted sources...</a:t>
+            </a:r>
+          </a:p>
+        </p:txBody>
+      </p:sp>
+    </p:spTree>
+  </p:cSld>
+  <p:clrMapOvr>
+    <a:masterClrMapping/>
+  </p:clrMapOvr>
+  <p:transition xmlns:p14="http://schemas.microsoft.com/office/powerpoint/2010/main" spd="med" advClick="1"/>
+</p:sld>
+</file>
+
+<file path=ppt/slides/slide16.xml><?xml version="1.0" encoding="utf-8"?>
+<p:sld xmlns:a="http://schemas.openxmlformats.org/drawingml/2006/main" xmlns:r="http://schemas.openxmlformats.org/officeDocument/2006/relationships" xmlns:p="http://schemas.openxmlformats.org/presentationml/2006/main" xmlns:m="http://schemas.openxmlformats.org/officeDocument/2006/math" xmlns:a14="http://schemas.microsoft.com/office/drawing/2010/main" showMasterSp="1" showMasterPhAnim="1">
+  <p:cSld>
+    <p:spTree>
+      <p:nvGrpSpPr>
+        <p:cNvPr id="1" name=""/>
+        <p:cNvGrpSpPr/>
+        <p:nvPr/>
+      </p:nvGrpSpPr>
+      <p:grpSpPr>
+        <a:xfrm>
+          <a:off x="0" y="0"/>
+          <a:ext cx="0" cy="0"/>
+          <a:chOff x="0" y="0"/>
+          <a:chExt cx="0" cy="0"/>
+        </a:xfrm>
+      </p:grpSpPr>
+      <p:sp>
+        <p:nvSpPr>
+          <p:cNvPr id="228" name="About the Course"/>
+          <p:cNvSpPr txBox="1"/>
+          <p:nvPr>
+            <p:ph type="title" idx="4294967295"/>
+          </p:nvPr>
+        </p:nvSpPr>
+        <p:spPr>
+          <a:xfrm>
+            <a:off x="277663" y="-3"/>
+            <a:ext cx="8572501" cy="1267128"/>
+          </a:xfrm>
+          <a:prstGeom prst="rect">
+            <a:avLst/>
+          </a:prstGeom>
+        </p:spPr>
+        <p:txBody>
+          <a:bodyPr lIns="45718" tIns="45718" rIns="45718" bIns="45718"/>
+          <a:lstStyle>
+            <a:lvl1pPr defTabSz="457200">
+              <a:defRPr sz="6000">
+                <a:solidFill>
+                  <a:srgbClr val="000080"/>
+                </a:solidFill>
+                <a:uFill>
+                  <a:solidFill>
+                    <a:srgbClr val="000000"/>
+                  </a:solidFill>
+                </a:uFill>
+              </a:defRPr>
+            </a:lvl1pPr>
+          </a:lstStyle>
+          <a:p>
+            <a:pPr/>
+            <a:r>
+              <a:t>MOAR Coronavirus!</a:t>
+            </a:r>
+          </a:p>
+        </p:txBody>
+      </p:sp>
+      <p:sp>
+        <p:nvSpPr>
+          <p:cNvPr id="229" name="The long 20th century will in all likelihood be seen in the future as the watershed in human experience:…"/>
+          <p:cNvSpPr txBox="1"/>
+          <p:nvPr>
+            <p:ph type="body" sz="half" idx="4294967295"/>
+          </p:nvPr>
+        </p:nvSpPr>
+        <p:spPr>
+          <a:xfrm>
+            <a:off x="277663" y="1267121"/>
+            <a:ext cx="3841797" cy="5062438"/>
+          </a:xfrm>
+          <a:prstGeom prst="rect">
+            <a:avLst/>
+          </a:prstGeom>
+        </p:spPr>
+        <p:txBody>
+          <a:bodyPr lIns="45718" tIns="45718" rIns="45718" bIns="45718" anchor="t"/>
+          <a:lstStyle/>
+          <a:p>
+            <a:pPr marL="0" indent="0" defTabSz="270341">
+              <a:spcBef>
+                <a:spcPts val="600"/>
+              </a:spcBef>
+              <a:buSzTx/>
+              <a:buNone/>
+              <a:defRPr b="1" sz="3000">
+                <a:uFill>
+                  <a:solidFill>
+                    <a:srgbClr val="000000"/>
+                  </a:solidFill>
+                </a:uFill>
+                <a:latin typeface="+mj-lt"/>
+                <a:ea typeface="+mj-ea"/>
+                <a:cs typeface="+mj-cs"/>
+                <a:sym typeface="Helvetica"/>
+              </a:defRPr>
+            </a:pPr>
+            <a:r>
+              <a:t>Death for Geezers!</a:t>
+            </a:r>
+          </a:p>
+          <a:p>
+            <a:pPr marL="142285" indent="-142285" defTabSz="270341">
+              <a:spcBef>
+                <a:spcPts val="600"/>
+              </a:spcBef>
+              <a:buSzPct val="100000"/>
+              <a:defRPr>
+                <a:uFill>
+                  <a:solidFill>
+                    <a:srgbClr val="000000"/>
+                  </a:solidFill>
+                </a:uFill>
+                <a:latin typeface="Times New Roman"/>
+                <a:ea typeface="Times New Roman"/>
+                <a:cs typeface="Times New Roman"/>
+                <a:sym typeface="Times New Roman"/>
+              </a:defRPr>
+            </a:pPr>
+            <a:r>
+              <a:t>Mortality for the Youngs very low…</a:t>
+            </a:r>
+          </a:p>
+          <a:p>
+            <a:pPr marL="142285" indent="-142285" defTabSz="270341">
+              <a:spcBef>
+                <a:spcPts val="600"/>
+              </a:spcBef>
+              <a:buSzPct val="100000"/>
+              <a:defRPr>
+                <a:uFill>
+                  <a:solidFill>
+                    <a:srgbClr val="000000"/>
+                  </a:solidFill>
+                </a:uFill>
+                <a:latin typeface="Times New Roman"/>
+                <a:ea typeface="Times New Roman"/>
+                <a:cs typeface="Times New Roman"/>
+                <a:sym typeface="Times New Roman"/>
+              </a:defRPr>
+            </a:pPr>
+            <a:r>
+              <a:t>It’s the flu for them—for you…</a:t>
+            </a:r>
+          </a:p>
+          <a:p>
+            <a:pPr marL="142285" indent="-142285" defTabSz="270341">
+              <a:spcBef>
+                <a:spcPts val="600"/>
+              </a:spcBef>
+              <a:buSzPct val="100000"/>
+              <a:defRPr>
+                <a:uFill>
+                  <a:solidFill>
+                    <a:srgbClr val="000000"/>
+                  </a:solidFill>
+                </a:uFill>
+                <a:latin typeface="Times New Roman"/>
+                <a:ea typeface="Times New Roman"/>
+                <a:cs typeface="Times New Roman"/>
+                <a:sym typeface="Times New Roman"/>
+              </a:defRPr>
+            </a:pPr>
+            <a:r>
+              <a:t>And an extra doubling—or is it 5%?—mortality for the asthmatic</a:t>
+            </a:r>
+          </a:p>
+          <a:p>
+            <a:pPr marL="142285" indent="-142285" defTabSz="270341">
+              <a:spcBef>
+                <a:spcPts val="600"/>
+              </a:spcBef>
+              <a:buSzPct val="100000"/>
+              <a:defRPr>
+                <a:uFill>
+                  <a:solidFill>
+                    <a:srgbClr val="000000"/>
+                  </a:solidFill>
+                </a:uFill>
+                <a:latin typeface="Times New Roman"/>
+                <a:ea typeface="Times New Roman"/>
+                <a:cs typeface="Times New Roman"/>
+                <a:sym typeface="Times New Roman"/>
+              </a:defRPr>
+            </a:pPr>
+            <a:r>
+              <a:t>And an extra doubling—or is it 5%?—mortality for the overweight</a:t>
+            </a:r>
+          </a:p>
+        </p:txBody>
+      </p:sp>
+      <p:pic>
+        <p:nvPicPr>
+          <p:cNvPr id="230" name="Image" descr="Image"/>
+          <p:cNvPicPr>
+            <a:picLocks noChangeAspect="0"/>
+          </p:cNvPicPr>
+          <p:nvPr/>
+        </p:nvPicPr>
+        <p:blipFill>
+          <a:blip r:embed="rId2">
+            <a:extLst/>
+          </a:blip>
+          <a:stretch>
+            <a:fillRect/>
+          </a:stretch>
+        </p:blipFill>
+        <p:spPr>
+          <a:xfrm>
+            <a:off x="4119459" y="1267124"/>
+            <a:ext cx="4791405" cy="5478103"/>
+          </a:xfrm>
+          <a:prstGeom prst="rect">
+            <a:avLst/>
+          </a:prstGeom>
+          <a:ln w="12700">
+            <a:miter lim="400000"/>
+          </a:ln>
+        </p:spPr>
+      </p:pic>
+    </p:spTree>
+  </p:cSld>
+  <p:clrMapOvr>
+    <a:masterClrMapping/>
+  </p:clrMapOvr>
+  <p:transition xmlns:p14="http://schemas.microsoft.com/office/powerpoint/2010/main" spd="med" advClick="1"/>
+</p:sld>
+</file>
+
+<file path=ppt/slides/slide17.xml><?xml version="1.0" encoding="utf-8"?>
+<p:sld xmlns:a="http://schemas.openxmlformats.org/drawingml/2006/main" xmlns:r="http://schemas.openxmlformats.org/officeDocument/2006/relationships" xmlns:p="http://schemas.openxmlformats.org/presentationml/2006/main" xmlns:m="http://schemas.openxmlformats.org/officeDocument/2006/math" xmlns:a14="http://schemas.microsoft.com/office/drawing/2010/main" showMasterSp="1" showMasterPhAnim="1">
+  <p:cSld>
+    <p:spTree>
+      <p:nvGrpSpPr>
+        <p:cNvPr id="1" name=""/>
+        <p:cNvGrpSpPr/>
+        <p:nvPr/>
+      </p:nvGrpSpPr>
+      <p:grpSpPr>
+        <a:xfrm>
+          <a:off x="0" y="0"/>
+          <a:ext cx="0" cy="0"/>
+          <a:chOff x="0" y="0"/>
+          <a:chExt cx="0" cy="0"/>
+        </a:xfrm>
+      </p:grpSpPr>
+      <p:sp>
+        <p:nvSpPr>
+          <p:cNvPr id="232" name="About the Course"/>
+          <p:cNvSpPr txBox="1"/>
+          <p:nvPr>
+            <p:ph type="title" idx="4294967295"/>
+          </p:nvPr>
+        </p:nvSpPr>
+        <p:spPr>
+          <a:xfrm>
+            <a:off x="277663" y="-3"/>
+            <a:ext cx="8572501" cy="1267128"/>
+          </a:xfrm>
+          <a:prstGeom prst="rect">
+            <a:avLst/>
+          </a:prstGeom>
+        </p:spPr>
+        <p:txBody>
+          <a:bodyPr lIns="45718" tIns="45718" rIns="45718" bIns="45718"/>
+          <a:lstStyle>
+            <a:lvl1pPr defTabSz="297179">
+              <a:defRPr sz="3900">
+                <a:solidFill>
+                  <a:srgbClr val="000080"/>
+                </a:solidFill>
+                <a:uFill>
+                  <a:solidFill>
+                    <a:srgbClr val="000000"/>
+                  </a:solidFill>
+                </a:uFill>
+              </a:defRPr>
+            </a:lvl1pPr>
+          </a:lstStyle>
+          <a:p>
+            <a:pPr/>
+            <a:r>
+              <a:t>What We Think Happened in Wuhan</a:t>
+            </a:r>
+          </a:p>
+        </p:txBody>
+      </p:sp>
+      <p:sp>
+        <p:nvSpPr>
+          <p:cNvPr id="233" name="The long 20th century will in all likelihood be seen in the future as the watershed in human experience:…"/>
+          <p:cNvSpPr txBox="1"/>
+          <p:nvPr>
+            <p:ph type="body" sz="quarter" idx="4294967295"/>
+          </p:nvPr>
+        </p:nvSpPr>
+        <p:spPr>
+          <a:xfrm>
+            <a:off x="277663" y="1267120"/>
+            <a:ext cx="8572501" cy="1130253"/>
+          </a:xfrm>
+          <a:prstGeom prst="rect">
+            <a:avLst/>
+          </a:prstGeom>
+        </p:spPr>
+        <p:txBody>
+          <a:bodyPr lIns="45718" tIns="45718" rIns="45718" bIns="45718" anchor="t"/>
+          <a:lstStyle/>
+          <a:p>
+            <a:pPr marL="0" indent="0" defTabSz="203682">
+              <a:spcBef>
+                <a:spcPts val="400"/>
+              </a:spcBef>
+              <a:buSzTx/>
+              <a:buNone/>
+              <a:defRPr b="1" sz="1650">
+                <a:uFill>
+                  <a:solidFill>
+                    <a:srgbClr val="000000"/>
+                  </a:solidFill>
+                </a:uFill>
+                <a:latin typeface="+mj-lt"/>
+                <a:ea typeface="+mj-ea"/>
+                <a:cs typeface="+mj-cs"/>
+                <a:sym typeface="Helvetica"/>
+              </a:defRPr>
+            </a:pPr>
+            <a:r>
+              <a:t>China beat it quickly &amp; relatively easily!</a:t>
+            </a:r>
+          </a:p>
+          <a:p>
+            <a:pPr marL="107200" indent="-107200" defTabSz="203682">
+              <a:spcBef>
+                <a:spcPts val="400"/>
+              </a:spcBef>
+              <a:buSzPct val="100000"/>
+              <a:defRPr sz="1320">
+                <a:uFill>
+                  <a:solidFill>
+                    <a:srgbClr val="000000"/>
+                  </a:solidFill>
+                </a:uFill>
+                <a:latin typeface="Times New Roman"/>
+                <a:ea typeface="Times New Roman"/>
+                <a:cs typeface="Times New Roman"/>
+                <a:sym typeface="Times New Roman"/>
+              </a:defRPr>
+            </a:pPr>
+            <a:r>
+              <a:t>We think</a:t>
+            </a:r>
+          </a:p>
+          <a:p>
+            <a:pPr marL="107200" indent="-107200" defTabSz="203682">
+              <a:spcBef>
+                <a:spcPts val="400"/>
+              </a:spcBef>
+              <a:buSzPct val="100000"/>
+              <a:defRPr sz="1320">
+                <a:uFill>
+                  <a:solidFill>
+                    <a:srgbClr val="000000"/>
+                  </a:solidFill>
+                </a:uFill>
+                <a:latin typeface="Times New Roman"/>
+                <a:ea typeface="Times New Roman"/>
+                <a:cs typeface="Times New Roman"/>
+                <a:sym typeface="Times New Roman"/>
+              </a:defRPr>
+            </a:pPr>
+            <a:r>
+              <a:t>Shut down Wuhan when 200 cases per day</a:t>
+            </a:r>
+          </a:p>
+          <a:p>
+            <a:pPr marL="107200" indent="-107200" defTabSz="203682">
+              <a:spcBef>
+                <a:spcPts val="400"/>
+              </a:spcBef>
+              <a:buSzPct val="100000"/>
+              <a:defRPr sz="1320">
+                <a:uFill>
+                  <a:solidFill>
+                    <a:srgbClr val="000000"/>
+                  </a:solidFill>
+                </a:uFill>
+                <a:latin typeface="Times New Roman"/>
+                <a:ea typeface="Times New Roman"/>
+                <a:cs typeface="Times New Roman"/>
+                <a:sym typeface="Times New Roman"/>
+              </a:defRPr>
+            </a:pPr>
+            <a:r>
+              <a:t>That seems to have been a good decision</a:t>
+            </a:r>
+          </a:p>
+        </p:txBody>
+      </p:sp>
+      <p:pic>
+        <p:nvPicPr>
+          <p:cNvPr id="234" name="Image" descr="Image"/>
+          <p:cNvPicPr>
+            <a:picLocks noChangeAspect="1"/>
+          </p:cNvPicPr>
+          <p:nvPr/>
+        </p:nvPicPr>
+        <p:blipFill>
+          <a:blip r:embed="rId2">
+            <a:extLst/>
+          </a:blip>
+          <a:stretch>
+            <a:fillRect/>
+          </a:stretch>
+        </p:blipFill>
+        <p:spPr>
+          <a:xfrm>
+            <a:off x="560811" y="2397372"/>
+            <a:ext cx="7320740" cy="4267253"/>
+          </a:xfrm>
+          <a:prstGeom prst="rect">
+            <a:avLst/>
+          </a:prstGeom>
+          <a:ln w="12700">
+            <a:miter lim="400000"/>
+          </a:ln>
+        </p:spPr>
+      </p:pic>
+    </p:spTree>
+  </p:cSld>
+  <p:clrMapOvr>
+    <a:masterClrMapping/>
+  </p:clrMapOvr>
+  <p:transition xmlns:p14="http://schemas.microsoft.com/office/powerpoint/2010/main" spd="med" advClick="1"/>
+</p:sld>
+</file>
+
+<file path=ppt/slides/slide18.xml><?xml version="1.0" encoding="utf-8"?>
+<p:sld xmlns:a="http://schemas.openxmlformats.org/drawingml/2006/main" xmlns:r="http://schemas.openxmlformats.org/officeDocument/2006/relationships" xmlns:p="http://schemas.openxmlformats.org/presentationml/2006/main" xmlns:m="http://schemas.openxmlformats.org/officeDocument/2006/math" xmlns:a14="http://schemas.microsoft.com/office/drawing/2010/main" showMasterSp="1" showMasterPhAnim="1">
+  <p:cSld>
+    <p:spTree>
+      <p:nvGrpSpPr>
+        <p:cNvPr id="1" name=""/>
+        <p:cNvGrpSpPr/>
+        <p:nvPr/>
+      </p:nvGrpSpPr>
+      <p:grpSpPr>
+        <a:xfrm>
+          <a:off x="0" y="0"/>
+          <a:ext cx="0" cy="0"/>
+          <a:chOff x="0" y="0"/>
+          <a:chExt cx="0" cy="0"/>
+        </a:xfrm>
+      </p:grpSpPr>
+      <p:sp>
+        <p:nvSpPr>
+          <p:cNvPr id="236" name="About the Course"/>
+          <p:cNvSpPr txBox="1"/>
+          <p:nvPr>
+            <p:ph type="title" idx="4294967295"/>
+          </p:nvPr>
+        </p:nvSpPr>
+        <p:spPr>
+          <a:xfrm>
+            <a:off x="277663" y="-3"/>
+            <a:ext cx="8572501" cy="1267128"/>
+          </a:xfrm>
+          <a:prstGeom prst="rect">
+            <a:avLst/>
+          </a:prstGeom>
+        </p:spPr>
+        <p:txBody>
+          <a:bodyPr lIns="45718" tIns="45718" rIns="45718" bIns="45718"/>
+          <a:lstStyle>
+            <a:lvl1pPr defTabSz="457200">
+              <a:defRPr sz="6000">
+                <a:solidFill>
+                  <a:srgbClr val="000080"/>
+                </a:solidFill>
+                <a:uFill>
+                  <a:solidFill>
+                    <a:srgbClr val="000000"/>
+                  </a:solidFill>
+                </a:uFill>
+              </a:defRPr>
+            </a:lvl1pPr>
+          </a:lstStyle>
+          <a:p>
+            <a:pPr/>
+            <a:r>
+              <a:t>The Goal</a:t>
+            </a:r>
+          </a:p>
+        </p:txBody>
+      </p:sp>
+      <p:sp>
+        <p:nvSpPr>
+          <p:cNvPr id="237" name="The long 20th century will in all likelihood be seen in the future as the watershed in human experience:…"/>
+          <p:cNvSpPr txBox="1"/>
+          <p:nvPr>
+            <p:ph type="body" sz="half" idx="4294967295"/>
+          </p:nvPr>
+        </p:nvSpPr>
+        <p:spPr>
+          <a:xfrm>
+            <a:off x="277663" y="1267121"/>
+            <a:ext cx="8572501" cy="1770291"/>
+          </a:xfrm>
+          <a:prstGeom prst="rect">
+            <a:avLst/>
+          </a:prstGeom>
+        </p:spPr>
+        <p:txBody>
+          <a:bodyPr lIns="45718" tIns="45718" rIns="45718" bIns="45718" anchor="t"/>
+          <a:lstStyle/>
+          <a:p>
+            <a:pPr marL="0" indent="0" defTabSz="107543">
+              <a:spcBef>
+                <a:spcPts val="500"/>
+              </a:spcBef>
+              <a:buSzTx/>
+              <a:buNone/>
+              <a:defRPr b="1" sz="1320">
+                <a:uFill>
+                  <a:solidFill>
+                    <a:srgbClr val="000000"/>
+                  </a:solidFill>
+                </a:uFill>
+                <a:latin typeface="+mj-lt"/>
+                <a:ea typeface="+mj-ea"/>
+                <a:cs typeface="+mj-cs"/>
+                <a:sym typeface="Helvetica"/>
+              </a:defRPr>
+            </a:pPr>
+            <a:r>
+              <a:t>When Is It Appropriate to Move on This?</a:t>
+            </a:r>
+          </a:p>
+          <a:p>
+            <a:pPr marL="56602" indent="-56602" defTabSz="107543">
+              <a:spcBef>
+                <a:spcPts val="500"/>
+              </a:spcBef>
+              <a:buSzPct val="100000"/>
+              <a:defRPr sz="1056">
+                <a:uFill>
+                  <a:solidFill>
+                    <a:srgbClr val="000000"/>
+                  </a:solidFill>
+                </a:uFill>
+                <a:latin typeface="Times New Roman"/>
+                <a:ea typeface="Times New Roman"/>
+                <a:cs typeface="Times New Roman"/>
+                <a:sym typeface="Times New Roman"/>
+              </a:defRPr>
+            </a:pPr>
+            <a:r>
+              <a:t>Immediate social distancing…</a:t>
+            </a:r>
+          </a:p>
+          <a:p>
+            <a:pPr marL="56602" indent="-56602" defTabSz="107543">
+              <a:spcBef>
+                <a:spcPts val="500"/>
+              </a:spcBef>
+              <a:buSzPct val="100000"/>
+              <a:defRPr sz="1056">
+                <a:uFill>
+                  <a:solidFill>
+                    <a:srgbClr val="000000"/>
+                  </a:solidFill>
+                </a:uFill>
+                <a:latin typeface="Times New Roman"/>
+                <a:ea typeface="Times New Roman"/>
+                <a:cs typeface="Times New Roman"/>
+                <a:sym typeface="Times New Roman"/>
+              </a:defRPr>
+            </a:pPr>
+            <a:r>
+              <a:t>Self-isolate if you have a cough and a fever…</a:t>
+            </a:r>
+          </a:p>
+          <a:p>
+            <a:pPr marL="56602" indent="-56602" defTabSz="107543">
+              <a:spcBef>
+                <a:spcPts val="500"/>
+              </a:spcBef>
+              <a:buSzPct val="100000"/>
+              <a:defRPr sz="1056">
+                <a:uFill>
+                  <a:solidFill>
+                    <a:srgbClr val="000000"/>
+                  </a:solidFill>
+                </a:uFill>
+                <a:latin typeface="Times New Roman"/>
+                <a:ea typeface="Times New Roman"/>
+                <a:cs typeface="Times New Roman"/>
+                <a:sym typeface="Times New Roman"/>
+              </a:defRPr>
+            </a:pPr>
+            <a:r>
+              <a:t>Hope that warmer temperatures will do to this what they did to SARS…</a:t>
+            </a:r>
+          </a:p>
+          <a:p>
+            <a:pPr marL="56602" indent="-56602" defTabSz="107543">
+              <a:spcBef>
+                <a:spcPts val="500"/>
+              </a:spcBef>
+              <a:buSzPct val="100000"/>
+              <a:defRPr sz="1056">
+                <a:uFill>
+                  <a:solidFill>
+                    <a:srgbClr val="000000"/>
+                  </a:solidFill>
+                </a:uFill>
+                <a:latin typeface="Times New Roman"/>
+                <a:ea typeface="Times New Roman"/>
+                <a:cs typeface="Times New Roman"/>
+                <a:sym typeface="Times New Roman"/>
+              </a:defRPr>
+            </a:pPr>
+            <a:r>
+              <a:t>Otherwise, when do you want to start spreading out transmission. It seems that early is as good as later, so do it early…</a:t>
+            </a:r>
+          </a:p>
+          <a:p>
+            <a:pPr lvl="1" marL="252182" indent="-56602" defTabSz="107543">
+              <a:spcBef>
+                <a:spcPts val="500"/>
+              </a:spcBef>
+              <a:buSzPct val="100000"/>
+              <a:defRPr sz="1056">
+                <a:uFill>
+                  <a:solidFill>
+                    <a:srgbClr val="000000"/>
+                  </a:solidFill>
+                </a:uFill>
+                <a:latin typeface="Times New Roman"/>
+                <a:ea typeface="Times New Roman"/>
+                <a:cs typeface="Times New Roman"/>
+                <a:sym typeface="Times New Roman"/>
+              </a:defRPr>
+            </a:pPr>
+            <a:r>
+              <a:t>I have no good intuition on why you want to move early</a:t>
+            </a:r>
+          </a:p>
+          <a:p>
+            <a:pPr lvl="1" marL="252182" indent="-56602" defTabSz="107543">
+              <a:spcBef>
+                <a:spcPts val="500"/>
+              </a:spcBef>
+              <a:buSzPct val="100000"/>
+              <a:defRPr sz="1056">
+                <a:uFill>
+                  <a:solidFill>
+                    <a:srgbClr val="000000"/>
+                  </a:solidFill>
+                </a:uFill>
+                <a:latin typeface="Times New Roman"/>
+                <a:ea typeface="Times New Roman"/>
+                <a:cs typeface="Times New Roman"/>
+                <a:sym typeface="Times New Roman"/>
+              </a:defRPr>
+            </a:pPr>
+            <a:r>
+              <a:t>Plus your moving early will be wasted if you get reinfected</a:t>
+            </a:r>
+          </a:p>
+          <a:p>
+            <a:pPr lvl="1" marL="252182" indent="-56602" defTabSz="107543">
+              <a:spcBef>
+                <a:spcPts val="500"/>
+              </a:spcBef>
+              <a:buSzPct val="100000"/>
+              <a:defRPr sz="1056">
+                <a:uFill>
+                  <a:solidFill>
+                    <a:srgbClr val="000000"/>
+                  </a:solidFill>
+                </a:uFill>
+                <a:latin typeface="Times New Roman"/>
+                <a:ea typeface="Times New Roman"/>
+                <a:cs typeface="Times New Roman"/>
+                <a:sym typeface="Times New Roman"/>
+              </a:defRPr>
+            </a:pPr>
+            <a:r>
+              <a:t>Plus the sparks you throw off making others’ lives more difficult</a:t>
+            </a:r>
+          </a:p>
+        </p:txBody>
+      </p:sp>
+      <p:pic>
+        <p:nvPicPr>
+          <p:cNvPr id="238" name="Image" descr="Image"/>
+          <p:cNvPicPr>
+            <a:picLocks noChangeAspect="1"/>
+          </p:cNvPicPr>
+          <p:nvPr/>
+        </p:nvPicPr>
+        <p:blipFill>
+          <a:blip r:embed="rId2">
+            <a:extLst/>
+          </a:blip>
+          <a:stretch>
+            <a:fillRect/>
+          </a:stretch>
+        </p:blipFill>
+        <p:spPr>
+          <a:xfrm>
+            <a:off x="2097860" y="3037408"/>
+            <a:ext cx="5244482" cy="3630795"/>
+          </a:xfrm>
+          <a:prstGeom prst="rect">
+            <a:avLst/>
+          </a:prstGeom>
+          <a:ln w="12700">
+            <a:miter lim="400000"/>
+          </a:ln>
+        </p:spPr>
+      </p:pic>
+    </p:spTree>
+  </p:cSld>
+  <p:clrMapOvr>
+    <a:masterClrMapping/>
+  </p:clrMapOvr>
+  <p:transition xmlns:p14="http://schemas.microsoft.com/office/powerpoint/2010/main" spd="med" advClick="1"/>
+</p:sld>
+</file>
+
+<file path=ppt/slides/slide19.xml><?xml version="1.0" encoding="utf-8"?>
+<p:sld xmlns:a="http://schemas.openxmlformats.org/drawingml/2006/main" xmlns:r="http://schemas.openxmlformats.org/officeDocument/2006/relationships" xmlns:p="http://schemas.openxmlformats.org/presentationml/2006/main" xmlns:m="http://schemas.openxmlformats.org/officeDocument/2006/math" xmlns:a14="http://schemas.microsoft.com/office/drawing/2010/main" showMasterSp="1" showMasterPhAnim="1">
+  <p:cSld>
+    <p:spTree>
+      <p:nvGrpSpPr>
+        <p:cNvPr id="1" name=""/>
+        <p:cNvGrpSpPr/>
+        <p:nvPr/>
+      </p:nvGrpSpPr>
+      <p:grpSpPr>
+        <a:xfrm>
+          <a:off x="0" y="0"/>
+          <a:ext cx="0" cy="0"/>
+          <a:chOff x="0" y="0"/>
+          <a:chExt cx="0" cy="0"/>
+        </a:xfrm>
+      </p:grpSpPr>
+      <p:sp>
+        <p:nvSpPr>
+          <p:cNvPr id="240" name="About the Course"/>
+          <p:cNvSpPr txBox="1"/>
+          <p:nvPr>
+            <p:ph type="title" idx="4294967295"/>
+          </p:nvPr>
+        </p:nvSpPr>
+        <p:spPr>
+          <a:xfrm>
+            <a:off x="277663" y="-3"/>
+            <a:ext cx="8572501" cy="1267128"/>
+          </a:xfrm>
+          <a:prstGeom prst="rect">
+            <a:avLst/>
+          </a:prstGeom>
+        </p:spPr>
+        <p:txBody>
+          <a:bodyPr lIns="45718" tIns="45718" rIns="45718" bIns="45718"/>
+          <a:lstStyle>
+            <a:lvl1pPr defTabSz="410764">
+              <a:defRPr>
+                <a:solidFill>
+                  <a:srgbClr val="000080"/>
+                </a:solidFill>
+              </a:defRPr>
+            </a:lvl1pPr>
+          </a:lstStyle>
+          <a:p>
+            <a:pPr/>
+            <a:r>
+              <a:t>Coronavirus! (March 16)</a:t>
+            </a:r>
+          </a:p>
+        </p:txBody>
+      </p:sp>
+      <p:sp>
+        <p:nvSpPr>
+          <p:cNvPr id="241" name="The long 20th century will in all likelihood be seen in the future as the watershed in human experience:…"/>
+          <p:cNvSpPr txBox="1"/>
+          <p:nvPr>
+            <p:ph type="body" idx="4294967295"/>
+          </p:nvPr>
+        </p:nvSpPr>
+        <p:spPr>
+          <a:xfrm>
+            <a:off x="277663" y="1267120"/>
+            <a:ext cx="8572501" cy="5397505"/>
+          </a:xfrm>
+          <a:prstGeom prst="rect">
+            <a:avLst/>
+          </a:prstGeom>
+        </p:spPr>
+        <p:txBody>
+          <a:bodyPr lIns="45718" tIns="45718" rIns="45718" bIns="45718" anchor="t"/>
+          <a:lstStyle/>
+          <a:p>
+            <a:pPr marL="0" indent="0" defTabSz="340704">
+              <a:spcBef>
+                <a:spcPts val="800"/>
+              </a:spcBef>
+              <a:buSzTx/>
+              <a:buNone/>
+              <a:defRPr b="1" sz="1748">
+                <a:uFill>
+                  <a:solidFill>
+                    <a:srgbClr val="000000"/>
+                  </a:solidFill>
+                </a:uFill>
+                <a:latin typeface="+mj-lt"/>
+                <a:ea typeface="+mj-ea"/>
+                <a:cs typeface="+mj-cs"/>
+                <a:sym typeface="Helvetica"/>
+              </a:defRPr>
+            </a:pPr>
+            <a:r>
+              <a:rPr strike="sngStrike"/>
+              <a:t>With 31 deaths in the U.S. as of March 11, a 1% death rate, and up to 4 weeks between infection and death, that means that as of Feb 12 there were 3100 coronavirus cases in the United States</a:t>
+            </a:r>
+            <a:r>
+              <a:t>. </a:t>
+            </a:r>
+          </a:p>
+          <a:p>
+            <a:pPr marL="0" indent="0" defTabSz="340704">
+              <a:spcBef>
+                <a:spcPts val="800"/>
+              </a:spcBef>
+              <a:buSzTx/>
+              <a:buNone/>
+              <a:defRPr b="1" sz="1748">
+                <a:uFill>
+                  <a:solidFill>
+                    <a:srgbClr val="000000"/>
+                  </a:solidFill>
+                </a:uFill>
+                <a:latin typeface="+mj-lt"/>
+                <a:ea typeface="+mj-ea"/>
+                <a:cs typeface="+mj-cs"/>
+                <a:sym typeface="Helvetica"/>
+              </a:defRPr>
+            </a:pPr>
+            <a:r>
+              <a:t>With 87 deaths in the U.S. as of Mar 16, a 1% death rate, and up to 4 weeks between infection and death, that means that as of Feb 17 there were 8700 coronavirus cases in the United States</a:t>
+            </a:r>
+            <a:endParaRPr strike="sngStrike"/>
+          </a:p>
+          <a:p>
+            <a:pPr marL="0" indent="0" defTabSz="340704">
+              <a:spcBef>
+                <a:spcPts val="800"/>
+              </a:spcBef>
+              <a:buSzTx/>
+              <a:buNone/>
+              <a:defRPr b="1" sz="1748">
+                <a:uFill>
+                  <a:solidFill>
+                    <a:srgbClr val="000000"/>
+                  </a:solidFill>
+                </a:uFill>
+                <a:latin typeface="+mj-lt"/>
+                <a:ea typeface="+mj-ea"/>
+                <a:cs typeface="+mj-cs"/>
+                <a:sym typeface="Helvetica"/>
+              </a:defRPr>
+            </a:pPr>
+            <a:r>
+              <a:t>If it is doubling every seven days, then now about 150,000 people have and in the next week about 150,000 more people in the U.S. will catch coronavirus—which means 1/2200, currently 3500 of the 7.6 million inhabitants of San Francisco Bay. Touch a hard surface that any of those 3500 has touched in the last 48 hours, and the virus has a chance to jump to you…</a:t>
+            </a:r>
+          </a:p>
+          <a:p>
+            <a:pPr marL="0" indent="0" defTabSz="340704">
+              <a:spcBef>
+                <a:spcPts val="800"/>
+              </a:spcBef>
+              <a:buSzTx/>
+              <a:buNone/>
+              <a:defRPr b="1" sz="1748">
+                <a:uFill>
+                  <a:solidFill>
+                    <a:srgbClr val="000000"/>
+                  </a:solidFill>
+                </a:uFill>
+                <a:latin typeface="+mj-lt"/>
+                <a:ea typeface="+mj-ea"/>
+                <a:cs typeface="+mj-cs"/>
+                <a:sym typeface="Helvetica"/>
+              </a:defRPr>
+            </a:pPr>
+          </a:p>
+          <a:p>
+            <a:pPr marL="0" indent="0" defTabSz="340704">
+              <a:spcBef>
+                <a:spcPts val="800"/>
+              </a:spcBef>
+              <a:buSzTx/>
+              <a:buNone/>
+              <a:defRPr b="1" sz="1748">
+                <a:uFill>
+                  <a:solidFill>
+                    <a:srgbClr val="000000"/>
+                  </a:solidFill>
+                </a:uFill>
+                <a:latin typeface="+mj-lt"/>
+                <a:ea typeface="+mj-ea"/>
+                <a:cs typeface="+mj-cs"/>
+                <a:sym typeface="Helvetica"/>
+              </a:defRPr>
+            </a:pPr>
+            <a:r>
+              <a:t>These numbers could be five times too big. These numbers are probably not five times too small unless the thing is a lot less deadly, and there are a lot of asymptomatic cases…</a:t>
+            </a:r>
+          </a:p>
+          <a:p>
+            <a:pPr marL="0" indent="0" defTabSz="340704">
+              <a:spcBef>
+                <a:spcPts val="800"/>
+              </a:spcBef>
+              <a:buSzTx/>
+              <a:buNone/>
+              <a:defRPr b="1" sz="1748">
+                <a:uFill>
+                  <a:solidFill>
+                    <a:srgbClr val="000000"/>
+                  </a:solidFill>
+                </a:uFill>
+                <a:latin typeface="+mj-lt"/>
+                <a:ea typeface="+mj-ea"/>
+                <a:cs typeface="+mj-cs"/>
+                <a:sym typeface="Helvetica"/>
+              </a:defRPr>
+            </a:pPr>
+          </a:p>
+          <a:p>
+            <a:pPr marL="179317" indent="-179317" defTabSz="340704">
+              <a:spcBef>
+                <a:spcPts val="800"/>
+              </a:spcBef>
+              <a:buSzPct val="100000"/>
+              <a:defRPr sz="1748">
+                <a:uFill>
+                  <a:solidFill>
+                    <a:srgbClr val="000000"/>
+                  </a:solidFill>
+                </a:uFill>
+                <a:latin typeface="Times New Roman"/>
+                <a:ea typeface="Times New Roman"/>
+                <a:cs typeface="Times New Roman"/>
+                <a:sym typeface="Times New Roman"/>
+              </a:defRPr>
+            </a:pPr>
+            <a:r>
+              <a:t>What is wrong with this analysis?</a:t>
+            </a:r>
+          </a:p>
+        </p:txBody>
+      </p:sp>
+    </p:spTree>
+  </p:cSld>
+  <p:clrMapOvr>
+    <a:masterClrMapping/>
+  </p:clrMapOvr>
+  <p:transition xmlns:p14="http://schemas.microsoft.com/office/powerpoint/2010/main" spd="med" advClick="1"/>
+</p:sld>
+</file>
+
+<file path=ppt/slides/slide2.xml><?xml version="1.0" encoding="utf-8"?>
+<p:sld xmlns:a="http://schemas.openxmlformats.org/drawingml/2006/main" xmlns:r="http://schemas.openxmlformats.org/officeDocument/2006/relationships" xmlns:p="http://schemas.openxmlformats.org/presentationml/2006/main" xmlns:m="http://schemas.openxmlformats.org/officeDocument/2006/math" xmlns:a14="http://schemas.microsoft.com/office/drawing/2010/main" showMasterSp="1" showMasterPhAnim="1">
+  <p:cSld>
+    <p:spTree>
+      <p:nvGrpSpPr>
+        <p:cNvPr id="1" name=""/>
+        <p:cNvGrpSpPr/>
+        <p:nvPr/>
+      </p:nvGrpSpPr>
+      <p:grpSpPr>
+        <a:xfrm>
+          <a:off x="0" y="0"/>
+          <a:ext cx="0" cy="0"/>
+          <a:chOff x="0" y="0"/>
+          <a:chExt cx="0" cy="0"/>
+        </a:xfrm>
+      </p:grpSpPr>
+      <p:sp>
+        <p:nvSpPr>
+          <p:cNvPr id="185" name="Financial Times Graphs Blown Up…"/>
+          <p:cNvSpPr txBox="1"/>
+          <p:nvPr>
+            <p:ph type="title" idx="4294967295"/>
+          </p:nvPr>
+        </p:nvSpPr>
+        <p:spPr>
+          <a:xfrm>
+            <a:off x="444500" y="0"/>
+            <a:ext cx="8255000" cy="1587501"/>
+          </a:xfrm>
+          <a:prstGeom prst="rect">
+            <a:avLst/>
+          </a:prstGeom>
+        </p:spPr>
+        <p:txBody>
+          <a:bodyPr lIns="45719" tIns="45719" rIns="45719" bIns="45719"/>
+          <a:lstStyle>
+            <a:lvl1pPr defTabSz="283463">
+              <a:lnSpc>
+                <a:spcPts val="7100"/>
+              </a:lnSpc>
+              <a:defRPr sz="4960">
+                <a:solidFill>
+                  <a:srgbClr val="000080"/>
+                </a:solidFill>
+                <a:uFill>
+                  <a:solidFill>
+                    <a:srgbClr val="000000"/>
+                  </a:solidFill>
+                </a:uFill>
+              </a:defRPr>
+            </a:lvl1pPr>
+          </a:lstStyle>
+          <a:p>
+            <a:pPr/>
+            <a:r>
+              <a:t>Financial Times Graphs Blown Up…</a:t>
+            </a:r>
+          </a:p>
+        </p:txBody>
+      </p:sp>
+      <p:pic>
+        <p:nvPicPr>
+          <p:cNvPr id="186" name="Image" descr="Image"/>
+          <p:cNvPicPr>
+            <a:picLocks noChangeAspect="1"/>
+          </p:cNvPicPr>
+          <p:nvPr/>
+        </p:nvPicPr>
+        <p:blipFill>
+          <a:blip r:embed="rId2">
+            <a:extLst/>
+          </a:blip>
+          <a:stretch>
+            <a:fillRect/>
+          </a:stretch>
+        </p:blipFill>
+        <p:spPr>
+          <a:xfrm>
+            <a:off x="2540334" y="1587500"/>
+            <a:ext cx="6159166" cy="4347242"/>
+          </a:xfrm>
+          <a:prstGeom prst="rect">
+            <a:avLst/>
+          </a:prstGeom>
+          <a:ln w="12700">
+            <a:miter lim="400000"/>
+          </a:ln>
+        </p:spPr>
+      </p:pic>
+      <p:pic>
+        <p:nvPicPr>
+          <p:cNvPr id="187" name="Image" descr="Image"/>
+          <p:cNvPicPr>
+            <a:picLocks noChangeAspect="1"/>
+          </p:cNvPicPr>
+          <p:nvPr/>
+        </p:nvPicPr>
+        <p:blipFill>
+          <a:blip r:embed="rId3">
+            <a:extLst/>
+          </a:blip>
+          <a:stretch>
+            <a:fillRect/>
+          </a:stretch>
+        </p:blipFill>
+        <p:spPr>
+          <a:xfrm>
+            <a:off x="444500" y="2074414"/>
+            <a:ext cx="6278666" cy="4429518"/>
+          </a:xfrm>
+          <a:prstGeom prst="rect">
+            <a:avLst/>
+          </a:prstGeom>
+          <a:ln w="12700">
+            <a:miter lim="400000"/>
+          </a:ln>
+        </p:spPr>
+      </p:pic>
+    </p:spTree>
+  </p:cSld>
+  <p:clrMapOvr>
+    <a:masterClrMapping/>
+  </p:clrMapOvr>
+  <p:transition xmlns:p14="http://schemas.microsoft.com/office/powerpoint/2010/main" spd="med" advClick="1"/>
+</p:sld>
+</file>
+
+<file path=ppt/slides/slide20.xml><?xml version="1.0" encoding="utf-8"?>
+<p:sld xmlns:a="http://schemas.openxmlformats.org/drawingml/2006/main" xmlns:r="http://schemas.openxmlformats.org/officeDocument/2006/relationships" xmlns:p="http://schemas.openxmlformats.org/presentationml/2006/main" xmlns:m="http://schemas.openxmlformats.org/officeDocument/2006/math" xmlns:a14="http://schemas.microsoft.com/office/drawing/2010/main" showMasterSp="1" showMasterPhAnim="1">
+  <p:cSld>
+    <p:spTree>
+      <p:nvGrpSpPr>
+        <p:cNvPr id="1" name=""/>
+        <p:cNvGrpSpPr/>
+        <p:nvPr/>
+      </p:nvGrpSpPr>
+      <p:grpSpPr>
+        <a:xfrm>
+          <a:off x="0" y="0"/>
+          <a:ext cx="0" cy="0"/>
+          <a:chOff x="0" y="0"/>
+          <a:chExt cx="0" cy="0"/>
+        </a:xfrm>
+      </p:grpSpPr>
+      <p:sp>
+        <p:nvSpPr>
+          <p:cNvPr id="243" name="About the Course"/>
+          <p:cNvSpPr txBox="1"/>
+          <p:nvPr>
+            <p:ph type="title" idx="4294967295"/>
+          </p:nvPr>
+        </p:nvSpPr>
+        <p:spPr>
+          <a:xfrm>
+            <a:off x="277663" y="139697"/>
+            <a:ext cx="8572502" cy="1267128"/>
+          </a:xfrm>
+          <a:prstGeom prst="rect">
+            <a:avLst/>
+          </a:prstGeom>
+        </p:spPr>
+        <p:txBody>
+          <a:bodyPr lIns="45718" tIns="45718" rIns="45718" bIns="45718"/>
+          <a:lstStyle>
+            <a:lvl1pPr defTabSz="457200">
+              <a:defRPr sz="6000">
+                <a:solidFill>
+                  <a:srgbClr val="000080"/>
+                </a:solidFill>
+                <a:uFill>
+                  <a:solidFill>
+                    <a:srgbClr val="000000"/>
+                  </a:solidFill>
+                </a:uFill>
+              </a:defRPr>
+            </a:lvl1pPr>
+          </a:lstStyle>
+          <a:p>
+            <a:pPr/>
+            <a:r>
+              <a:t>MOAR Coronavirus!</a:t>
+            </a:r>
+          </a:p>
+        </p:txBody>
+      </p:sp>
+      <p:sp>
+        <p:nvSpPr>
+          <p:cNvPr id="244" name="The long 20th century will in all likelihood be seen in the future as the watershed in human experience:…"/>
+          <p:cNvSpPr txBox="1"/>
+          <p:nvPr>
+            <p:ph type="body" sz="quarter" idx="4294967295"/>
+          </p:nvPr>
+        </p:nvSpPr>
+        <p:spPr>
+          <a:xfrm>
+            <a:off x="277663" y="1267121"/>
+            <a:ext cx="5024783" cy="2296266"/>
+          </a:xfrm>
+          <a:prstGeom prst="rect">
+            <a:avLst/>
+          </a:prstGeom>
+        </p:spPr>
+        <p:txBody>
+          <a:bodyPr lIns="45718" tIns="45718" rIns="45718" bIns="45718" anchor="t"/>
+          <a:lstStyle/>
+          <a:p>
+            <a:pPr marL="0" indent="0" defTabSz="323298">
+              <a:spcBef>
+                <a:spcPts val="700"/>
+              </a:spcBef>
+              <a:buSzTx/>
+              <a:buNone/>
+              <a:defRPr b="1" sz="1619">
+                <a:uFill>
+                  <a:solidFill>
+                    <a:srgbClr val="000000"/>
+                  </a:solidFill>
+                </a:uFill>
+                <a:latin typeface="+mj-lt"/>
+                <a:ea typeface="+mj-ea"/>
+                <a:cs typeface="+mj-cs"/>
+                <a:sym typeface="Helvetica"/>
+              </a:defRPr>
+            </a:pPr>
+            <a:r>
+              <a:t>As of March 21: Things are not moving in the right direction:</a:t>
+            </a:r>
+          </a:p>
+          <a:p>
+            <a:pPr marL="170156" indent="-170156" defTabSz="323298">
+              <a:spcBef>
+                <a:spcPts val="700"/>
+              </a:spcBef>
+              <a:buSzPct val="100000"/>
+              <a:defRPr sz="1619">
+                <a:uFill>
+                  <a:solidFill>
+                    <a:srgbClr val="000000"/>
+                  </a:solidFill>
+                </a:uFill>
+                <a:latin typeface="Times New Roman"/>
+                <a:ea typeface="Times New Roman"/>
+                <a:cs typeface="Times New Roman"/>
+                <a:sym typeface="Times New Roman"/>
+              </a:defRPr>
+            </a:pPr>
+            <a:r>
+              <a:t>What is the R</a:t>
+            </a:r>
+            <a:r>
+              <a:rPr baseline="-5998"/>
+              <a:t>0</a:t>
+            </a:r>
+            <a:r>
+              <a:t>?</a:t>
+            </a:r>
+          </a:p>
+          <a:p>
+            <a:pPr marL="170156" indent="-170156" defTabSz="323298">
+              <a:spcBef>
+                <a:spcPts val="700"/>
+              </a:spcBef>
+              <a:buSzPct val="100000"/>
+              <a:defRPr sz="1619">
+                <a:uFill>
+                  <a:solidFill>
+                    <a:srgbClr val="000000"/>
+                  </a:solidFill>
+                </a:uFill>
+                <a:latin typeface="Times New Roman"/>
+                <a:ea typeface="Times New Roman"/>
+                <a:cs typeface="Times New Roman"/>
+                <a:sym typeface="Times New Roman"/>
+              </a:defRPr>
+            </a:pPr>
+            <a:r>
+              <a:t>How can the R</a:t>
+            </a:r>
+            <a:r>
+              <a:rPr baseline="-5998"/>
+              <a:t>0</a:t>
+            </a:r>
+            <a:r>
+              <a:t> be changed?</a:t>
+            </a:r>
+          </a:p>
+          <a:p>
+            <a:pPr marL="170156" indent="-170156" defTabSz="323298">
+              <a:spcBef>
+                <a:spcPts val="700"/>
+              </a:spcBef>
+              <a:buSzPct val="100000"/>
+              <a:defRPr sz="1619">
+                <a:uFill>
+                  <a:solidFill>
+                    <a:srgbClr val="000000"/>
+                  </a:solidFill>
+                </a:uFill>
+                <a:latin typeface="Times New Roman"/>
+                <a:ea typeface="Times New Roman"/>
+                <a:cs typeface="Times New Roman"/>
+                <a:sym typeface="Times New Roman"/>
+              </a:defRPr>
+            </a:pPr>
+            <a:r>
+              <a:t>How will the R</a:t>
+            </a:r>
+            <a:r>
+              <a:rPr baseline="-5998"/>
+              <a:t>0</a:t>
+            </a:r>
+            <a:r>
+              <a:t> change?</a:t>
+            </a:r>
+          </a:p>
+          <a:p>
+            <a:pPr marL="170156" indent="-170156" defTabSz="323298">
+              <a:spcBef>
+                <a:spcPts val="700"/>
+              </a:spcBef>
+              <a:buSzPct val="100000"/>
+              <a:defRPr sz="1619">
+                <a:uFill>
+                  <a:solidFill>
+                    <a:srgbClr val="000000"/>
+                  </a:solidFill>
+                </a:uFill>
+                <a:latin typeface="Times New Roman"/>
+                <a:ea typeface="Times New Roman"/>
+                <a:cs typeface="Times New Roman"/>
+                <a:sym typeface="Times New Roman"/>
+              </a:defRPr>
+            </a:pPr>
+            <a:r>
+              <a:t>What is the asymptote share of the population?</a:t>
+            </a:r>
+          </a:p>
+          <a:p>
+            <a:pPr marL="170156" indent="-170156" defTabSz="323298">
+              <a:spcBef>
+                <a:spcPts val="700"/>
+              </a:spcBef>
+              <a:buSzPct val="100000"/>
+              <a:defRPr sz="1619">
+                <a:uFill>
+                  <a:solidFill>
+                    <a:srgbClr val="000000"/>
+                  </a:solidFill>
+                </a:uFill>
+                <a:latin typeface="Times New Roman"/>
+                <a:ea typeface="Times New Roman"/>
+                <a:cs typeface="Times New Roman"/>
+                <a:sym typeface="Times New Roman"/>
+              </a:defRPr>
+            </a:pPr>
+            <a:r>
+              <a:t>What is the mortality rate?</a:t>
+            </a:r>
+          </a:p>
+        </p:txBody>
+      </p:sp>
+      <p:pic>
+        <p:nvPicPr>
+          <p:cNvPr id="245" name="Image" descr="Image"/>
+          <p:cNvPicPr>
+            <a:picLocks noChangeAspect="1"/>
+          </p:cNvPicPr>
+          <p:nvPr/>
+        </p:nvPicPr>
+        <p:blipFill>
+          <a:blip r:embed="rId2">
+            <a:extLst/>
+          </a:blip>
+          <a:stretch>
+            <a:fillRect/>
+          </a:stretch>
+        </p:blipFill>
+        <p:spPr>
+          <a:xfrm>
+            <a:off x="5302445" y="1267121"/>
+            <a:ext cx="3690465" cy="4647506"/>
+          </a:xfrm>
+          <a:prstGeom prst="rect">
+            <a:avLst/>
+          </a:prstGeom>
+          <a:ln w="12700">
+            <a:miter lim="400000"/>
+          </a:ln>
+        </p:spPr>
+      </p:pic>
+      <p:pic>
+        <p:nvPicPr>
+          <p:cNvPr id="246" name="Image" descr="Image"/>
+          <p:cNvPicPr>
+            <a:picLocks noChangeAspect="1"/>
+          </p:cNvPicPr>
+          <p:nvPr/>
+        </p:nvPicPr>
+        <p:blipFill>
+          <a:blip r:embed="rId3">
+            <a:extLst/>
+          </a:blip>
+          <a:stretch>
+            <a:fillRect/>
+          </a:stretch>
+        </p:blipFill>
+        <p:spPr>
+          <a:xfrm>
+            <a:off x="277663" y="4017610"/>
+            <a:ext cx="4467385" cy="2662739"/>
+          </a:xfrm>
+          <a:prstGeom prst="rect">
+            <a:avLst/>
+          </a:prstGeom>
+          <a:ln w="12700">
+            <a:miter lim="400000"/>
+          </a:ln>
+        </p:spPr>
+      </p:pic>
+    </p:spTree>
+  </p:cSld>
+  <p:clrMapOvr>
+    <a:masterClrMapping/>
+  </p:clrMapOvr>
+  <p:transition xmlns:p14="http://schemas.microsoft.com/office/powerpoint/2010/main" spd="med" advClick="1"/>
+</p:sld>
+</file>
+
+<file path=ppt/slides/slide21.xml><?xml version="1.0" encoding="utf-8"?>
+<p:sld xmlns:a="http://schemas.openxmlformats.org/drawingml/2006/main" xmlns:r="http://schemas.openxmlformats.org/officeDocument/2006/relationships" xmlns:p="http://schemas.openxmlformats.org/presentationml/2006/main" xmlns:m="http://schemas.openxmlformats.org/officeDocument/2006/math" xmlns:a14="http://schemas.microsoft.com/office/drawing/2010/main" showMasterSp="1" showMasterPhAnim="1">
+  <p:cSld>
+    <p:spTree>
+      <p:nvGrpSpPr>
+        <p:cNvPr id="1" name=""/>
+        <p:cNvGrpSpPr/>
+        <p:nvPr/>
+      </p:nvGrpSpPr>
+      <p:grpSpPr>
+        <a:xfrm>
+          <a:off x="0" y="0"/>
+          <a:ext cx="0" cy="0"/>
+          <a:chOff x="0" y="0"/>
+          <a:chExt cx="0" cy="0"/>
+        </a:xfrm>
+      </p:grpSpPr>
+      <p:sp>
+        <p:nvSpPr>
+          <p:cNvPr id="248" name="About the Course"/>
+          <p:cNvSpPr txBox="1"/>
+          <p:nvPr>
+            <p:ph type="title" idx="4294967295"/>
+          </p:nvPr>
+        </p:nvSpPr>
+        <p:spPr>
+          <a:xfrm>
+            <a:off x="277663" y="-3"/>
+            <a:ext cx="8572501" cy="1267128"/>
+          </a:xfrm>
+          <a:prstGeom prst="rect">
+            <a:avLst/>
+          </a:prstGeom>
+        </p:spPr>
+        <p:txBody>
+          <a:bodyPr lIns="45718" tIns="45718" rIns="45718" bIns="45718"/>
+          <a:lstStyle>
+            <a:lvl1pPr defTabSz="457200">
+              <a:defRPr sz="6000">
+                <a:solidFill>
+                  <a:srgbClr val="000080"/>
+                </a:solidFill>
+                <a:uFill>
+                  <a:solidFill>
+                    <a:srgbClr val="000000"/>
+                  </a:solidFill>
+                </a:uFill>
+              </a:defRPr>
+            </a:lvl1pPr>
+          </a:lstStyle>
+          <a:p>
+            <a:pPr/>
+            <a:r>
+              <a:t>MOAR Coronavirus!</a:t>
+            </a:r>
+          </a:p>
+        </p:txBody>
+      </p:sp>
+      <p:sp>
+        <p:nvSpPr>
+          <p:cNvPr id="249" name="The long 20th century will in all likelihood be seen in the future as the watershed in human experience:…"/>
+          <p:cNvSpPr txBox="1"/>
+          <p:nvPr>
+            <p:ph type="body" sz="quarter" idx="4294967295"/>
+          </p:nvPr>
+        </p:nvSpPr>
+        <p:spPr>
+          <a:xfrm>
+            <a:off x="277663" y="1267121"/>
+            <a:ext cx="5024783" cy="2296266"/>
+          </a:xfrm>
+          <a:prstGeom prst="rect">
+            <a:avLst/>
+          </a:prstGeom>
+        </p:spPr>
+        <p:txBody>
+          <a:bodyPr lIns="45718" tIns="45718" rIns="45718" bIns="45718" anchor="t"/>
+          <a:lstStyle/>
+          <a:p>
+            <a:pPr marL="0" indent="0" defTabSz="323298">
+              <a:spcBef>
+                <a:spcPts val="700"/>
+              </a:spcBef>
+              <a:buSzTx/>
+              <a:buNone/>
+              <a:defRPr b="1" sz="1619">
+                <a:uFill>
+                  <a:solidFill>
+                    <a:srgbClr val="000000"/>
+                  </a:solidFill>
+                </a:uFill>
+                <a:latin typeface="+mj-lt"/>
+                <a:ea typeface="+mj-ea"/>
+                <a:cs typeface="+mj-cs"/>
+                <a:sym typeface="Helvetica"/>
+              </a:defRPr>
+            </a:pPr>
+            <a:r>
+              <a:t>As of March 10: Things are not moving in the right direction:</a:t>
+            </a:r>
+          </a:p>
+          <a:p>
+            <a:pPr marL="170156" indent="-170156" defTabSz="323298">
+              <a:spcBef>
+                <a:spcPts val="700"/>
+              </a:spcBef>
+              <a:buSzPct val="100000"/>
+              <a:defRPr sz="1619">
+                <a:uFill>
+                  <a:solidFill>
+                    <a:srgbClr val="000000"/>
+                  </a:solidFill>
+                </a:uFill>
+                <a:latin typeface="Times New Roman"/>
+                <a:ea typeface="Times New Roman"/>
+                <a:cs typeface="Times New Roman"/>
+                <a:sym typeface="Times New Roman"/>
+              </a:defRPr>
+            </a:pPr>
+            <a:r>
+              <a:t>What is the R</a:t>
+            </a:r>
+            <a:r>
+              <a:rPr baseline="-5998"/>
+              <a:t>0</a:t>
+            </a:r>
+            <a:r>
+              <a:t>?</a:t>
+            </a:r>
+          </a:p>
+          <a:p>
+            <a:pPr marL="170156" indent="-170156" defTabSz="323298">
+              <a:spcBef>
+                <a:spcPts val="700"/>
+              </a:spcBef>
+              <a:buSzPct val="100000"/>
+              <a:defRPr sz="1619">
+                <a:uFill>
+                  <a:solidFill>
+                    <a:srgbClr val="000000"/>
+                  </a:solidFill>
+                </a:uFill>
+                <a:latin typeface="Times New Roman"/>
+                <a:ea typeface="Times New Roman"/>
+                <a:cs typeface="Times New Roman"/>
+                <a:sym typeface="Times New Roman"/>
+              </a:defRPr>
+            </a:pPr>
+            <a:r>
+              <a:t>How can the R</a:t>
+            </a:r>
+            <a:r>
+              <a:rPr baseline="-5998"/>
+              <a:t>0</a:t>
+            </a:r>
+            <a:r>
+              <a:t> be changed?</a:t>
+            </a:r>
+          </a:p>
+          <a:p>
+            <a:pPr marL="170156" indent="-170156" defTabSz="323298">
+              <a:spcBef>
+                <a:spcPts val="700"/>
+              </a:spcBef>
+              <a:buSzPct val="100000"/>
+              <a:defRPr sz="1619">
+                <a:uFill>
+                  <a:solidFill>
+                    <a:srgbClr val="000000"/>
+                  </a:solidFill>
+                </a:uFill>
+                <a:latin typeface="Times New Roman"/>
+                <a:ea typeface="Times New Roman"/>
+                <a:cs typeface="Times New Roman"/>
+                <a:sym typeface="Times New Roman"/>
+              </a:defRPr>
+            </a:pPr>
+            <a:r>
+              <a:t>How will the R</a:t>
+            </a:r>
+            <a:r>
+              <a:rPr baseline="-5998"/>
+              <a:t>0</a:t>
+            </a:r>
+            <a:r>
+              <a:t> change?</a:t>
+            </a:r>
+          </a:p>
+          <a:p>
+            <a:pPr marL="170156" indent="-170156" defTabSz="323298">
+              <a:spcBef>
+                <a:spcPts val="700"/>
+              </a:spcBef>
+              <a:buSzPct val="100000"/>
+              <a:defRPr sz="1619">
+                <a:uFill>
+                  <a:solidFill>
+                    <a:srgbClr val="000000"/>
+                  </a:solidFill>
+                </a:uFill>
+                <a:latin typeface="Times New Roman"/>
+                <a:ea typeface="Times New Roman"/>
+                <a:cs typeface="Times New Roman"/>
+                <a:sym typeface="Times New Roman"/>
+              </a:defRPr>
+            </a:pPr>
+            <a:r>
+              <a:t>What is the asymptote share of the population?</a:t>
+            </a:r>
+          </a:p>
+          <a:p>
+            <a:pPr marL="170156" indent="-170156" defTabSz="323298">
+              <a:spcBef>
+                <a:spcPts val="700"/>
+              </a:spcBef>
+              <a:buSzPct val="100000"/>
+              <a:defRPr sz="1619">
+                <a:uFill>
+                  <a:solidFill>
+                    <a:srgbClr val="000000"/>
+                  </a:solidFill>
+                </a:uFill>
+                <a:latin typeface="Times New Roman"/>
+                <a:ea typeface="Times New Roman"/>
+                <a:cs typeface="Times New Roman"/>
+                <a:sym typeface="Times New Roman"/>
+              </a:defRPr>
+            </a:pPr>
+            <a:r>
+              <a:t>What is the mortality rate?</a:t>
+            </a:r>
+          </a:p>
+        </p:txBody>
+      </p:sp>
+      <p:pic>
+        <p:nvPicPr>
+          <p:cNvPr id="250" name="Image" descr="Image"/>
+          <p:cNvPicPr>
+            <a:picLocks noChangeAspect="1"/>
+          </p:cNvPicPr>
+          <p:nvPr/>
+        </p:nvPicPr>
+        <p:blipFill>
+          <a:blip r:embed="rId2">
+            <a:extLst/>
+          </a:blip>
+          <a:stretch>
+            <a:fillRect/>
+          </a:stretch>
+        </p:blipFill>
+        <p:spPr>
+          <a:xfrm>
+            <a:off x="277662" y="3563384"/>
+            <a:ext cx="5024784" cy="3080921"/>
+          </a:xfrm>
+          <a:prstGeom prst="rect">
+            <a:avLst/>
+          </a:prstGeom>
+          <a:ln w="12700">
+            <a:miter lim="400000"/>
+          </a:ln>
+        </p:spPr>
+      </p:pic>
+      <p:pic>
+        <p:nvPicPr>
+          <p:cNvPr id="251" name="Image" descr="Image"/>
+          <p:cNvPicPr>
+            <a:picLocks noChangeAspect="1"/>
+          </p:cNvPicPr>
+          <p:nvPr/>
+        </p:nvPicPr>
+        <p:blipFill>
+          <a:blip r:embed="rId3">
+            <a:extLst/>
+          </a:blip>
+          <a:stretch>
+            <a:fillRect/>
+          </a:stretch>
+        </p:blipFill>
+        <p:spPr>
+          <a:xfrm>
+            <a:off x="5723025" y="1119015"/>
+            <a:ext cx="3285195" cy="5673464"/>
+          </a:xfrm>
+          <a:prstGeom prst="rect">
+            <a:avLst/>
+          </a:prstGeom>
+          <a:ln w="12700">
+            <a:miter lim="400000"/>
+          </a:ln>
+        </p:spPr>
+      </p:pic>
+    </p:spTree>
+  </p:cSld>
+  <p:clrMapOvr>
+    <a:masterClrMapping/>
+  </p:clrMapOvr>
+  <p:transition xmlns:p14="http://schemas.microsoft.com/office/powerpoint/2010/main" spd="med" advClick="1"/>
+</p:sld>
+</file>
+
+<file path=ppt/slides/slide22.xml><?xml version="1.0" encoding="utf-8"?>
+<p:sld xmlns:a="http://schemas.openxmlformats.org/drawingml/2006/main" xmlns:r="http://schemas.openxmlformats.org/officeDocument/2006/relationships" xmlns:p="http://schemas.openxmlformats.org/presentationml/2006/main" xmlns:m="http://schemas.openxmlformats.org/officeDocument/2006/math" xmlns:a14="http://schemas.microsoft.com/office/drawing/2010/main" showMasterSp="1" showMasterPhAnim="1">
+  <p:cSld>
+    <p:spTree>
+      <p:nvGrpSpPr>
+        <p:cNvPr id="1" name=""/>
+        <p:cNvGrpSpPr/>
+        <p:nvPr/>
+      </p:nvGrpSpPr>
+      <p:grpSpPr>
+        <a:xfrm>
+          <a:off x="0" y="0"/>
+          <a:ext cx="0" cy="0"/>
+          <a:chOff x="0" y="0"/>
+          <a:chExt cx="0" cy="0"/>
+        </a:xfrm>
+      </p:grpSpPr>
+      <p:sp>
+        <p:nvSpPr>
+          <p:cNvPr id="253" name="Catch Our Breath…"/>
           <p:cNvSpPr txBox="1"/>
           <p:nvPr>
             <p:ph type="title"/>
@@ -5173,7 +9166,7 @@
       </p:sp>
       <p:sp>
         <p:nvSpPr>
-          <p:cNvPr id="208" name="Ask a couple of questions?…"/>
+          <p:cNvPr id="254" name="Ask a couple of questions?…"/>
           <p:cNvSpPr txBox="1"/>
           <p:nvPr>
             <p:ph type="body" sz="half" idx="1"/>
@@ -5202,7 +9195,7 @@
       </p:sp>
       <p:pic>
         <p:nvPicPr>
-          <p:cNvPr id="209" name="Image" descr="Image"/>
+          <p:cNvPr id="255" name="Image" descr="Image"/>
           <p:cNvPicPr>
             <a:picLocks noChangeAspect="1"/>
           </p:cNvPicPr>
@@ -5238,337 +9231,6 @@
 </p:sld>
 </file>
 
-<file path=ppt/slides/slide2.xml><?xml version="1.0" encoding="utf-8"?>
-<p:sld xmlns:a="http://schemas.openxmlformats.org/drawingml/2006/main" xmlns:r="http://schemas.openxmlformats.org/officeDocument/2006/relationships" xmlns:p="http://schemas.openxmlformats.org/presentationml/2006/main" xmlns:m="http://schemas.openxmlformats.org/officeDocument/2006/math" xmlns:a14="http://schemas.microsoft.com/office/drawing/2010/main" showMasterSp="1" showMasterPhAnim="1">
-  <p:cSld>
-    <p:spTree>
-      <p:nvGrpSpPr>
-        <p:cNvPr id="1" name=""/>
-        <p:cNvGrpSpPr/>
-        <p:nvPr/>
-      </p:nvGrpSpPr>
-      <p:grpSpPr>
-        <a:xfrm>
-          <a:off x="0" y="0"/>
-          <a:ext cx="0" cy="0"/>
-          <a:chOff x="0" y="0"/>
-          <a:chExt cx="0" cy="0"/>
-        </a:xfrm>
-      </p:grpSpPr>
-      <p:sp>
-        <p:nvSpPr>
-          <p:cNvPr id="174" name="About the Course"/>
-          <p:cNvSpPr txBox="1"/>
-          <p:nvPr>
-            <p:ph type="title" idx="4294967295"/>
-          </p:nvPr>
-        </p:nvSpPr>
-        <p:spPr>
-          <a:xfrm>
-            <a:off x="277663" y="-3"/>
-            <a:ext cx="8572501" cy="1267128"/>
-          </a:xfrm>
-          <a:prstGeom prst="rect">
-            <a:avLst/>
-          </a:prstGeom>
-        </p:spPr>
-        <p:txBody>
-          <a:bodyPr lIns="45718" tIns="45718" rIns="45718" bIns="45718"/>
-          <a:lstStyle>
-            <a:lvl1pPr defTabSz="457200">
-              <a:defRPr sz="6000">
-                <a:solidFill>
-                  <a:srgbClr val="000080"/>
-                </a:solidFill>
-                <a:uFill>
-                  <a:solidFill>
-                    <a:srgbClr val="000000"/>
-                  </a:solidFill>
-                </a:uFill>
-              </a:defRPr>
-            </a:lvl1pPr>
-          </a:lstStyle>
-          <a:p>
-            <a:pPr/>
-            <a:r>
-              <a:t>MOAR Coronavirus!</a:t>
-            </a:r>
-          </a:p>
-        </p:txBody>
-      </p:sp>
-      <p:sp>
-        <p:nvSpPr>
-          <p:cNvPr id="175" name="The long 20th century will in all likelihood be seen in the future as the watershed in human experience:…"/>
-          <p:cNvSpPr txBox="1"/>
-          <p:nvPr>
-            <p:ph type="body" sz="half" idx="4294967295"/>
-          </p:nvPr>
-        </p:nvSpPr>
-        <p:spPr>
-          <a:xfrm>
-            <a:off x="277662" y="1267120"/>
-            <a:ext cx="3311177" cy="5397505"/>
-          </a:xfrm>
-          <a:prstGeom prst="rect">
-            <a:avLst/>
-          </a:prstGeom>
-        </p:spPr>
-        <p:txBody>
-          <a:bodyPr lIns="45718" tIns="45718" rIns="45718" bIns="45718" anchor="t"/>
-          <a:lstStyle/>
-          <a:p>
-            <a:pPr marL="0" indent="0" defTabSz="189312">
-              <a:spcBef>
-                <a:spcPts val="800"/>
-              </a:spcBef>
-              <a:buSzTx/>
-              <a:buNone/>
-              <a:defRPr b="1" sz="2130">
-                <a:uFill>
-                  <a:solidFill>
-                    <a:srgbClr val="000000"/>
-                  </a:solidFill>
-                </a:uFill>
-                <a:latin typeface="+mj-lt"/>
-                <a:ea typeface="+mj-ea"/>
-                <a:cs typeface="+mj-cs"/>
-                <a:sym typeface="Helvetica"/>
-              </a:defRPr>
-            </a:pPr>
-            <a:r>
-              <a:t>What I am watching:</a:t>
-            </a:r>
-          </a:p>
-          <a:p>
-            <a:pPr marL="99637" indent="-99637" defTabSz="189312">
-              <a:spcBef>
-                <a:spcPts val="800"/>
-              </a:spcBef>
-              <a:buSzPct val="100000"/>
-              <a:defRPr b="1" sz="1703">
-                <a:uFill>
-                  <a:solidFill>
-                    <a:srgbClr val="000000"/>
-                  </a:solidFill>
-                </a:uFill>
-                <a:latin typeface="Times New Roman"/>
-                <a:ea typeface="Times New Roman"/>
-                <a:cs typeface="Times New Roman"/>
-                <a:sym typeface="Times New Roman"/>
-              </a:defRPr>
-            </a:pPr>
-            <a:r>
-              <a:t>Max Roser &amp; Hannah Ritchie</a:t>
-            </a:r>
-            <a:r>
-              <a:rPr b="0"/>
-              <a:t>: </a:t>
-            </a:r>
-            <a:r>
-              <a:rPr b="0" i="1"/>
-              <a:t>Coronavirus Disease (COVID-19)</a:t>
-            </a:r>
-            <a:r>
-              <a:rPr b="0"/>
-              <a:t>_ &lt;</a:t>
-            </a:r>
-            <a:r>
-              <a:rPr b="0" u="sng">
-                <a:solidFill>
-                  <a:srgbClr val="0000FF"/>
-                </a:solidFill>
-                <a:uFill>
-                  <a:solidFill>
-                    <a:srgbClr val="0000FF"/>
-                  </a:solidFill>
-                </a:uFill>
-                <a:hlinkClick r:id="rId2" invalidUrl="" action="" tgtFrame="" tooltip="" history="1" highlightClick="0" endSnd="0"/>
-              </a:rPr>
-              <a:t>https://ourworldindata.org/coronavirus</a:t>
-            </a:r>
-            <a:r>
-              <a:rPr b="0"/>
-              <a:t>&gt;…</a:t>
-            </a:r>
-          </a:p>
-          <a:p>
-            <a:pPr marL="99637" indent="-99637" defTabSz="189312">
-              <a:spcBef>
-                <a:spcPts val="800"/>
-              </a:spcBef>
-              <a:buSzPct val="100000"/>
-              <a:defRPr b="1" sz="1703">
-                <a:uFill>
-                  <a:solidFill>
-                    <a:srgbClr val="000000"/>
-                  </a:solidFill>
-                </a:uFill>
-                <a:latin typeface="Times New Roman"/>
-                <a:ea typeface="Times New Roman"/>
-                <a:cs typeface="Times New Roman"/>
-                <a:sym typeface="Times New Roman"/>
-              </a:defRPr>
-            </a:pPr>
-            <a:r>
-              <a:t>Worldometer</a:t>
-            </a:r>
-            <a:r>
-              <a:rPr b="0"/>
-              <a:t>: </a:t>
-            </a:r>
-            <a:r>
-              <a:rPr b="0" i="1"/>
-              <a:t>Coronavirus Update (Live) </a:t>
-            </a:r>
-            <a:r>
-              <a:rPr b="0"/>
-              <a:t>&lt;</a:t>
-            </a:r>
-            <a:r>
-              <a:rPr b="0" u="sng">
-                <a:solidFill>
-                  <a:srgbClr val="0000FF"/>
-                </a:solidFill>
-                <a:uFill>
-                  <a:solidFill>
-                    <a:srgbClr val="0000FF"/>
-                  </a:solidFill>
-                </a:uFill>
-                <a:hlinkClick r:id="rId3" invalidUrl="" action="" tgtFrame="" tooltip="" history="1" highlightClick="0" endSnd="0"/>
-              </a:rPr>
-              <a:t>https://www.worldometers.info/coronavirus/</a:t>
-            </a:r>
-            <a:r>
-              <a:rPr b="0"/>
-              <a:t>&gt;: ‘125,599 Cases and 4,605 Deaths from COVID-19 Virus Outbreak…</a:t>
-            </a:r>
-          </a:p>
-          <a:p>
-            <a:pPr marL="99637" indent="-99637" defTabSz="189312">
-              <a:spcBef>
-                <a:spcPts val="800"/>
-              </a:spcBef>
-              <a:buSzPct val="100000"/>
-              <a:defRPr i="1" sz="1703">
-                <a:uFill>
-                  <a:solidFill>
-                    <a:srgbClr val="000000"/>
-                  </a:solidFill>
-                </a:uFill>
-                <a:latin typeface="Times New Roman"/>
-                <a:ea typeface="Times New Roman"/>
-                <a:cs typeface="Times New Roman"/>
-                <a:sym typeface="Times New Roman"/>
-              </a:defRPr>
-            </a:pPr>
-            <a:r>
-              <a:t>FT Coronavirus Tracker</a:t>
-            </a:r>
-            <a:r>
-              <a:rPr i="0"/>
-              <a:t> &lt;</a:t>
-            </a:r>
-            <a:r>
-              <a:rPr i="0" u="sng">
-                <a:solidFill>
-                  <a:srgbClr val="0000FF"/>
-                </a:solidFill>
-                <a:uFill>
-                  <a:solidFill>
-                    <a:srgbClr val="0000FF"/>
-                  </a:solidFill>
-                </a:uFill>
-                <a:hlinkClick r:id="rId4" invalidUrl="" action="" tgtFrame="" tooltip="" history="1" highlightClick="0" endSnd="0"/>
-              </a:rPr>
-              <a:t>https://www.ft.com/content/a26fbf7e-48f8-11ea-aeb3-955839e06441</a:t>
-            </a:r>
-            <a:r>
-              <a:rPr i="0"/>
-              <a:t>&gt;</a:t>
-            </a:r>
-            <a:endParaRPr i="0"/>
-          </a:p>
-          <a:p>
-            <a:pPr marL="99637" indent="-99637" defTabSz="189312">
-              <a:spcBef>
-                <a:spcPts val="800"/>
-              </a:spcBef>
-              <a:buSzPct val="100000"/>
-              <a:defRPr i="1" sz="1703">
-                <a:uFill>
-                  <a:solidFill>
-                    <a:srgbClr val="000000"/>
-                  </a:solidFill>
-                </a:uFill>
-                <a:latin typeface="Times New Roman"/>
-                <a:ea typeface="Times New Roman"/>
-                <a:cs typeface="Times New Roman"/>
-                <a:sym typeface="Times New Roman"/>
-              </a:defRPr>
-            </a:pPr>
-            <a:r>
-              <a:rPr i="0"/>
-              <a:t>Josh Marshall’s COVID Twitter List &lt;</a:t>
-            </a:r>
-            <a:r>
-              <a:rPr i="0" u="sng">
-                <a:solidFill>
-                  <a:srgbClr val="0000FF"/>
-                </a:solidFill>
-                <a:uFill>
-                  <a:solidFill>
-                    <a:srgbClr val="0000FF"/>
-                  </a:solidFill>
-                </a:uFill>
-                <a:hlinkClick r:id="rId5" invalidUrl="" action="" tgtFrame="" tooltip="" history="1" highlightClick="0" endSnd="0"/>
-              </a:rPr>
-              <a:t>https://twitter.com/i/lists/1233998285779632128</a:t>
-            </a:r>
-            <a:r>
-              <a:rPr i="0"/>
-              <a:t>&gt;</a:t>
-            </a:r>
-          </a:p>
-        </p:txBody>
-      </p:sp>
-      <p:pic>
-        <p:nvPicPr>
-          <p:cNvPr id="176" name="Image" descr="Image"/>
-          <p:cNvPicPr>
-            <a:picLocks noChangeAspect="0"/>
-          </p:cNvPicPr>
-          <p:nvPr/>
-        </p:nvPicPr>
-        <p:blipFill>
-          <a:blip r:embed="rId6">
-            <a:extLst/>
-          </a:blip>
-          <a:stretch>
-            <a:fillRect/>
-          </a:stretch>
-        </p:blipFill>
-        <p:spPr>
-          <a:xfrm>
-            <a:off x="3588838" y="1267124"/>
-            <a:ext cx="5261327" cy="5397501"/>
-          </a:xfrm>
-          <a:prstGeom prst="rect">
-            <a:avLst/>
-          </a:prstGeom>
-          <a:ln w="12700">
-            <a:miter lim="400000"/>
-          </a:ln>
-        </p:spPr>
-      </p:pic>
-    </p:spTree>
-  </p:cSld>
-  <p:clrMapOvr>
-    <a:masterClrMapping/>
-  </p:clrMapOvr>
-  <p:transition xmlns:p14="http://schemas.microsoft.com/office/powerpoint/2010/main" spd="med" advClick="1"/>
-</p:sld>
-</file>
-
 <file path=ppt/slides/slide3.xml><?xml version="1.0" encoding="utf-8"?>
 <p:sld xmlns:a="http://schemas.openxmlformats.org/drawingml/2006/main" xmlns:r="http://schemas.openxmlformats.org/officeDocument/2006/relationships" xmlns:p="http://schemas.openxmlformats.org/presentationml/2006/main" xmlns:m="http://schemas.openxmlformats.org/officeDocument/2006/math" xmlns:a14="http://schemas.microsoft.com/office/drawing/2010/main" showMasterSp="1" showMasterPhAnim="1">
   <p:cSld>
@@ -5586,139 +9248,9 @@
           <a:chExt cx="0" cy="0"/>
         </a:xfrm>
       </p:grpSpPr>
-      <p:sp>
-        <p:nvSpPr>
-          <p:cNvPr id="178" name="About the Course"/>
-          <p:cNvSpPr txBox="1"/>
-          <p:nvPr>
-            <p:ph type="title" idx="4294967295"/>
-          </p:nvPr>
-        </p:nvSpPr>
-        <p:spPr>
-          <a:xfrm>
-            <a:off x="277663" y="-3"/>
-            <a:ext cx="8572501" cy="1267128"/>
-          </a:xfrm>
-          <a:prstGeom prst="rect">
-            <a:avLst/>
-          </a:prstGeom>
-        </p:spPr>
-        <p:txBody>
-          <a:bodyPr lIns="45718" tIns="45718" rIns="45718" bIns="45718"/>
-          <a:lstStyle>
-            <a:lvl1pPr defTabSz="457200">
-              <a:defRPr sz="6000">
-                <a:solidFill>
-                  <a:srgbClr val="000080"/>
-                </a:solidFill>
-                <a:uFill>
-                  <a:solidFill>
-                    <a:srgbClr val="000000"/>
-                  </a:solidFill>
-                </a:uFill>
-              </a:defRPr>
-            </a:lvl1pPr>
-          </a:lstStyle>
-          <a:p>
-            <a:pPr/>
-            <a:r>
-              <a:t>MOAR Coronavirus!</a:t>
-            </a:r>
-          </a:p>
-        </p:txBody>
-      </p:sp>
-      <p:sp>
-        <p:nvSpPr>
-          <p:cNvPr id="179" name="The long 20th century will in all likelihood be seen in the future as the watershed in human experience:…"/>
-          <p:cNvSpPr txBox="1"/>
-          <p:nvPr>
-            <p:ph type="body" sz="quarter" idx="4294967295"/>
-          </p:nvPr>
-        </p:nvSpPr>
-        <p:spPr>
-          <a:xfrm>
-            <a:off x="277663" y="1267121"/>
-            <a:ext cx="8572501" cy="887214"/>
-          </a:xfrm>
-          <a:prstGeom prst="rect">
-            <a:avLst/>
-          </a:prstGeom>
-        </p:spPr>
-        <p:txBody>
-          <a:bodyPr lIns="45718" tIns="45718" rIns="45718" bIns="45718" anchor="t"/>
-          <a:lstStyle/>
-          <a:p>
-            <a:pPr marL="0" indent="0" defTabSz="270341">
-              <a:spcBef>
-                <a:spcPts val="600"/>
-              </a:spcBef>
-              <a:buSzTx/>
-              <a:buNone/>
-              <a:defRPr b="1" sz="1300">
-                <a:uFill>
-                  <a:solidFill>
-                    <a:srgbClr val="000000"/>
-                  </a:solidFill>
-                </a:uFill>
-                <a:latin typeface="+mj-lt"/>
-                <a:ea typeface="+mj-ea"/>
-                <a:cs typeface="+mj-cs"/>
-                <a:sym typeface="Helvetica"/>
-              </a:defRPr>
-            </a:pPr>
-            <a:r>
-              <a:t>It’s a Thing for Geezers!</a:t>
-            </a:r>
-          </a:p>
-          <a:p>
-            <a:pPr marL="142285" indent="-142285" defTabSz="270341">
-              <a:spcBef>
-                <a:spcPts val="600"/>
-              </a:spcBef>
-              <a:buSzPct val="100000"/>
-              <a:defRPr sz="1300">
-                <a:uFill>
-                  <a:solidFill>
-                    <a:srgbClr val="000000"/>
-                  </a:solidFill>
-                </a:uFill>
-                <a:latin typeface="Times New Roman"/>
-                <a:ea typeface="Times New Roman"/>
-                <a:cs typeface="Times New Roman"/>
-                <a:sym typeface="Times New Roman"/>
-              </a:defRPr>
-            </a:pPr>
-            <a:r>
-              <a:t>Mortality for the Youngs very low…</a:t>
-            </a:r>
-          </a:p>
-          <a:p>
-            <a:pPr marL="142285" indent="-142285" defTabSz="270341">
-              <a:spcBef>
-                <a:spcPts val="600"/>
-              </a:spcBef>
-              <a:buSzPct val="100000"/>
-              <a:defRPr sz="1300">
-                <a:uFill>
-                  <a:solidFill>
-                    <a:srgbClr val="000000"/>
-                  </a:solidFill>
-                </a:uFill>
-                <a:latin typeface="Times New Roman"/>
-                <a:ea typeface="Times New Roman"/>
-                <a:cs typeface="Times New Roman"/>
-                <a:sym typeface="Times New Roman"/>
-              </a:defRPr>
-            </a:pPr>
-            <a:r>
-              <a:t>It’s the flu for them…</a:t>
-            </a:r>
-          </a:p>
-        </p:txBody>
-      </p:sp>
       <p:pic>
         <p:nvPicPr>
-          <p:cNvPr id="180" name="Image" descr="Image"/>
+          <p:cNvPr id="189" name="Image" descr="Image"/>
           <p:cNvPicPr>
             <a:picLocks noChangeAspect="1"/>
           </p:cNvPicPr>
@@ -5734,8 +9266,8 @@
         </p:blipFill>
         <p:spPr>
           <a:xfrm>
-            <a:off x="73815" y="2154334"/>
-            <a:ext cx="8837049" cy="4391582"/>
+            <a:off x="203200" y="241300"/>
+            <a:ext cx="8743415" cy="6171247"/>
           </a:xfrm>
           <a:prstGeom prst="rect">
             <a:avLst/>
@@ -5771,139 +9303,9 @@
           <a:chExt cx="0" cy="0"/>
         </a:xfrm>
       </p:grpSpPr>
-      <p:sp>
-        <p:nvSpPr>
-          <p:cNvPr id="182" name="About the Course"/>
-          <p:cNvSpPr txBox="1"/>
-          <p:nvPr>
-            <p:ph type="title" idx="4294967295"/>
-          </p:nvPr>
-        </p:nvSpPr>
-        <p:spPr>
-          <a:xfrm>
-            <a:off x="277663" y="-3"/>
-            <a:ext cx="8572501" cy="1267128"/>
-          </a:xfrm>
-          <a:prstGeom prst="rect">
-            <a:avLst/>
-          </a:prstGeom>
-        </p:spPr>
-        <p:txBody>
-          <a:bodyPr lIns="45718" tIns="45718" rIns="45718" bIns="45718"/>
-          <a:lstStyle>
-            <a:lvl1pPr defTabSz="457200">
-              <a:defRPr sz="6000">
-                <a:solidFill>
-                  <a:srgbClr val="000080"/>
-                </a:solidFill>
-                <a:uFill>
-                  <a:solidFill>
-                    <a:srgbClr val="000000"/>
-                  </a:solidFill>
-                </a:uFill>
-              </a:defRPr>
-            </a:lvl1pPr>
-          </a:lstStyle>
-          <a:p>
-            <a:pPr/>
-            <a:r>
-              <a:t>MOAR Coronavirus! II</a:t>
-            </a:r>
-          </a:p>
-        </p:txBody>
-      </p:sp>
-      <p:sp>
-        <p:nvSpPr>
-          <p:cNvPr id="183" name="The long 20th century will in all likelihood be seen in the future as the watershed in human experience:…"/>
-          <p:cNvSpPr txBox="1"/>
-          <p:nvPr>
-            <p:ph type="body" idx="4294967295"/>
-          </p:nvPr>
-        </p:nvSpPr>
-        <p:spPr>
-          <a:xfrm>
-            <a:off x="277663" y="1267120"/>
-            <a:ext cx="8572501" cy="5397505"/>
-          </a:xfrm>
-          <a:prstGeom prst="rect">
-            <a:avLst/>
-          </a:prstGeom>
-        </p:spPr>
-        <p:txBody>
-          <a:bodyPr lIns="45718" tIns="45718" rIns="45718" bIns="45718" anchor="t"/>
-          <a:lstStyle/>
-          <a:p>
-            <a:pPr marL="0" indent="0" defTabSz="370331">
-              <a:spcBef>
-                <a:spcPts val="900"/>
-              </a:spcBef>
-              <a:buSzTx/>
-              <a:buNone/>
-              <a:defRPr b="1" sz="1900">
-                <a:uFill>
-                  <a:solidFill>
-                    <a:srgbClr val="000000"/>
-                  </a:solidFill>
-                </a:uFill>
-                <a:latin typeface="+mj-lt"/>
-                <a:ea typeface="+mj-ea"/>
-                <a:cs typeface="+mj-cs"/>
-                <a:sym typeface="Helvetica"/>
-              </a:defRPr>
-            </a:pPr>
-            <a:r>
-              <a:t>China Beat It!</a:t>
-            </a:r>
-          </a:p>
-          <a:p>
-            <a:pPr marL="194910" indent="-194910" defTabSz="370331">
-              <a:spcBef>
-                <a:spcPts val="900"/>
-              </a:spcBef>
-              <a:buSzPct val="100000"/>
-              <a:defRPr sz="1900">
-                <a:uFill>
-                  <a:solidFill>
-                    <a:srgbClr val="000000"/>
-                  </a:solidFill>
-                </a:uFill>
-                <a:latin typeface="Times New Roman"/>
-                <a:ea typeface="Times New Roman"/>
-                <a:cs typeface="Times New Roman"/>
-                <a:sym typeface="Times New Roman"/>
-              </a:defRPr>
-            </a:pPr>
-            <a:r>
-              <a:t>Shut down Wuhan when 200 cases per day</a:t>
-            </a:r>
-          </a:p>
-          <a:p>
-            <a:pPr marL="194910" indent="-194910" defTabSz="370331">
-              <a:spcBef>
-                <a:spcPts val="900"/>
-              </a:spcBef>
-              <a:buSzPct val="100000"/>
-              <a:defRPr sz="1900">
-                <a:uFill>
-                  <a:solidFill>
-                    <a:srgbClr val="000000"/>
-                  </a:solidFill>
-                </a:uFill>
-                <a:latin typeface="Times New Roman"/>
-                <a:ea typeface="Times New Roman"/>
-                <a:cs typeface="Times New Roman"/>
-                <a:sym typeface="Times New Roman"/>
-              </a:defRPr>
-            </a:pPr>
-            <a:r>
-              <a:t>That seems to have been a good decision</a:t>
-            </a:r>
-          </a:p>
-        </p:txBody>
-      </p:sp>
       <p:pic>
         <p:nvPicPr>
-          <p:cNvPr id="184" name="Image" descr="Image"/>
+          <p:cNvPr id="191" name="Image" descr="Image"/>
           <p:cNvPicPr>
             <a:picLocks noChangeAspect="1"/>
           </p:cNvPicPr>
@@ -5919,8 +9321,8 @@
         </p:blipFill>
         <p:spPr>
           <a:xfrm>
-            <a:off x="560811" y="2397372"/>
-            <a:ext cx="7320740" cy="4267253"/>
+            <a:off x="185876" y="241953"/>
+            <a:ext cx="8718777" cy="6150985"/>
           </a:xfrm>
           <a:prstGeom prst="rect">
             <a:avLst/>
@@ -5958,7 +9360,7 @@
       </p:grpSpPr>
       <p:sp>
         <p:nvSpPr>
-          <p:cNvPr id="186" name="About the Course"/>
+          <p:cNvPr id="193" name="James Stock (2020)"/>
           <p:cNvSpPr txBox="1"/>
           <p:nvPr>
             <p:ph type="title" idx="4294967295"/>
@@ -5966,18 +9368,21 @@
         </p:nvSpPr>
         <p:spPr>
           <a:xfrm>
-            <a:off x="277663" y="-3"/>
-            <a:ext cx="8572501" cy="1267128"/>
+            <a:off x="444500" y="0"/>
+            <a:ext cx="8255000" cy="1587501"/>
           </a:xfrm>
           <a:prstGeom prst="rect">
             <a:avLst/>
           </a:prstGeom>
         </p:spPr>
         <p:txBody>
-          <a:bodyPr lIns="45718" tIns="45718" rIns="45718" bIns="45718"/>
+          <a:bodyPr lIns="45719" tIns="45719" rIns="45719" bIns="45719"/>
           <a:lstStyle>
-            <a:lvl1pPr defTabSz="457200">
-              <a:defRPr sz="6000">
+            <a:lvl1pPr defTabSz="393192">
+              <a:lnSpc>
+                <a:spcPts val="9900"/>
+              </a:lnSpc>
+              <a:defRPr sz="6880">
                 <a:solidFill>
                   <a:srgbClr val="000080"/>
                 </a:solidFill>
@@ -5992,39 +9397,42 @@
           <a:p>
             <a:pPr/>
             <a:r>
-              <a:t>MOAR Coronavirus! III</a:t>
+              <a:t>James Stock (2020)</a:t>
             </a:r>
           </a:p>
         </p:txBody>
       </p:sp>
       <p:sp>
         <p:nvSpPr>
-          <p:cNvPr id="187" name="The long 20th century will in all likelihood be seen in the future as the watershed in human experience:…"/>
+          <p:cNvPr id="194" name="&lt;https://drive.google.com/file/d/12MV466ZZy5xHir4xdPhoTrL1oO8CbZU-/view&gt;:…"/>
           <p:cNvSpPr txBox="1"/>
           <p:nvPr>
-            <p:ph type="body" sz="quarter" idx="4294967295"/>
+            <p:ph type="body" sz="half" idx="4294967295"/>
           </p:nvPr>
         </p:nvSpPr>
         <p:spPr>
           <a:xfrm>
-            <a:off x="277663" y="1267121"/>
-            <a:ext cx="8572501" cy="1348492"/>
+            <a:off x="444500" y="1467516"/>
+            <a:ext cx="5161740" cy="2521821"/>
           </a:xfrm>
           <a:prstGeom prst="rect">
             <a:avLst/>
           </a:prstGeom>
         </p:spPr>
         <p:txBody>
-          <a:bodyPr lIns="45718" tIns="45718" rIns="45718" bIns="45718" anchor="t"/>
+          <a:bodyPr lIns="45719" tIns="45719" rIns="45719" bIns="45719" anchor="t"/>
           <a:lstStyle/>
           <a:p>
-            <a:pPr marL="0" indent="0" defTabSz="244418">
-              <a:spcBef>
-                <a:spcPts val="500"/>
+            <a:pPr marL="0" indent="0" defTabSz="242315">
+              <a:lnSpc>
+                <a:spcPts val="3100"/>
+              </a:lnSpc>
+              <a:spcBef>
+                <a:spcPts val="600"/>
               </a:spcBef>
               <a:buSzTx/>
               <a:buNone/>
-              <a:defRPr b="1" sz="1200">
+              <a:defRPr b="1" sz="1590">
                 <a:uFill>
                   <a:solidFill>
                     <a:srgbClr val="000000"/>
@@ -6037,16 +9445,37 @@
               </a:defRPr>
             </a:pPr>
             <a:r>
-              <a:t>When Is It Appropriate to Move on This?</a:t>
-            </a:r>
-          </a:p>
-          <a:p>
-            <a:pPr marL="128640" indent="-128640" defTabSz="244418">
-              <a:spcBef>
-                <a:spcPts val="500"/>
+              <a:t>&lt;</a:t>
+            </a:r>
+            <a:r>
+              <a:rPr u="sng">
+                <a:solidFill>
+                  <a:srgbClr val="0000FF"/>
+                </a:solidFill>
+                <a:uFill>
+                  <a:solidFill>
+                    <a:srgbClr val="0000FF"/>
+                  </a:solidFill>
+                </a:uFill>
+                <a:hlinkClick r:id="rId2" invalidUrl="" action="" tgtFrame="" tooltip="" history="1" highlightClick="0" endSnd="0"/>
+              </a:rPr>
+              <a:t>https://drive.google.com/file/d/12MV466ZZy5xHir4xdPhoTrL1oO8CbZU-/view</a:t>
+            </a:r>
+            <a:r>
+              <a:t>&gt;:</a:t>
+            </a:r>
+          </a:p>
+          <a:p>
+            <a:pPr marL="181736" indent="-181736" defTabSz="242315">
+              <a:lnSpc>
+                <a:spcPts val="2700"/>
+              </a:lnSpc>
+              <a:spcBef>
+                <a:spcPts val="600"/>
               </a:spcBef>
               <a:buSzPct val="100000"/>
-              <a:defRPr sz="1200">
+              <a:buFont typeface="Arial"/>
+              <a:defRPr sz="1271">
                 <a:uFill>
                   <a:solidFill>
                     <a:srgbClr val="000000"/>
@@ -6059,16 +9488,52 @@
               </a:defRPr>
             </a:pPr>
             <a:r>
-              <a:t>Immediate social distancing…</a:t>
-            </a:r>
-          </a:p>
-          <a:p>
-            <a:pPr marL="128640" indent="-128640" defTabSz="244418">
-              <a:spcBef>
-                <a:spcPts val="500"/>
+              <a:rPr b="1"/>
+              <a:t>S</a:t>
+            </a:r>
+            <a:r>
+              <a:t>usceptible, </a:t>
+            </a:r>
+            <a:r>
+              <a:rPr b="1"/>
+              <a:t>I</a:t>
+            </a:r>
+            <a:r>
+              <a:t>nfected, </a:t>
+            </a:r>
+            <a:r>
+              <a:rPr b="1"/>
+              <a:t>R</a:t>
+            </a:r>
+            <a:r>
+              <a:t>ecovered (&amp; immune), transmission rate β, recovery rate γ, reproduction number R</a:t>
+            </a:r>
+            <a:r>
+              <a:rPr baseline="-5999"/>
+              <a:t>0, </a:t>
+            </a:r>
+            <a:r>
+              <a:t>asymptomatic hence non-tested rate π</a:t>
+            </a:r>
+            <a:r>
+              <a:rPr baseline="-5999"/>
+              <a:t>0</a:t>
+            </a:r>
+            <a:r>
+              <a:t> </a:t>
+            </a:r>
+          </a:p>
+          <a:p>
+            <a:pPr marL="181736" indent="-181736" defTabSz="242315">
+              <a:lnSpc>
+                <a:spcPts val="2700"/>
+              </a:lnSpc>
+              <a:spcBef>
+                <a:spcPts val="600"/>
               </a:spcBef>
               <a:buSzPct val="100000"/>
-              <a:defRPr sz="1200">
+              <a:buFont typeface="Arial"/>
+              <a:defRPr sz="1271">
                 <a:uFill>
                   <a:solidFill>
                     <a:srgbClr val="000000"/>
@@ -6081,16 +9546,27 @@
               </a:defRPr>
             </a:pPr>
             <a:r>
-              <a:t>Self-isolate if you have a cough and a fever…</a:t>
-            </a:r>
-          </a:p>
-          <a:p>
-            <a:pPr marL="128640" indent="-128640" defTabSz="244418">
-              <a:spcBef>
-                <a:spcPts val="500"/>
+              <a:t>Calibration: half-life of infection one week: γ = 0.5, s</a:t>
+            </a:r>
+            <a:r>
+              <a:rPr baseline="-5999"/>
+              <a:t>0</a:t>
+            </a:r>
+            <a:r>
+              <a:t> = 0.02, 50 cases on Jan 24 </a:t>
+            </a:r>
+          </a:p>
+          <a:p>
+            <a:pPr marL="181736" indent="-181736" defTabSz="242315">
+              <a:lnSpc>
+                <a:spcPts val="2700"/>
+              </a:lnSpc>
+              <a:spcBef>
+                <a:spcPts val="600"/>
               </a:spcBef>
               <a:buSzPct val="100000"/>
-              <a:defRPr sz="1200">
+              <a:buFont typeface="Arial"/>
+              <a:defRPr sz="1271">
                 <a:uFill>
                   <a:solidFill>
                     <a:srgbClr val="000000"/>
@@ -6103,43 +9579,21 @@
               </a:defRPr>
             </a:pPr>
             <a:r>
-              <a:t>Hope that warmer temperatures will do to this what they did to SARS…</a:t>
-            </a:r>
-          </a:p>
-          <a:p>
-            <a:pPr marL="128640" indent="-128640" defTabSz="244418">
-              <a:spcBef>
-                <a:spcPts val="500"/>
-              </a:spcBef>
-              <a:buSzPct val="100000"/>
-              <a:defRPr sz="1200">
-                <a:uFill>
-                  <a:solidFill>
-                    <a:srgbClr val="000000"/>
-                  </a:solidFill>
-                </a:uFill>
-                <a:latin typeface="Times New Roman"/>
-                <a:ea typeface="Times New Roman"/>
-                <a:cs typeface="Times New Roman"/>
-                <a:sym typeface="Times New Roman"/>
-              </a:defRPr>
-            </a:pPr>
-            <a:r>
-              <a:t>Otherwise, when do you want to start spreading out transmission. It seems that early is as good as later…</a:t>
+              <a:t>For March 21, 2020, the positive test rate in the United States is approximately 10%…</a:t>
             </a:r>
           </a:p>
         </p:txBody>
       </p:sp>
       <p:pic>
         <p:nvPicPr>
-          <p:cNvPr id="188" name="Image" descr="Image"/>
+          <p:cNvPr id="195" name="Image" descr="Image"/>
           <p:cNvPicPr>
             <a:picLocks noChangeAspect="1"/>
           </p:cNvPicPr>
           <p:nvPr/>
         </p:nvPicPr>
         <p:blipFill>
-          <a:blip r:embed="rId2">
+          <a:blip r:embed="rId3">
             <a:extLst/>
           </a:blip>
           <a:stretch>
@@ -6148,8 +9602,95 @@
         </p:blipFill>
         <p:spPr>
           <a:xfrm>
-            <a:off x="1488597" y="2615611"/>
-            <a:ext cx="5853745" cy="4052592"/>
+            <a:off x="331119" y="4086039"/>
+            <a:ext cx="1892301" cy="1562101"/>
+          </a:xfrm>
+          <a:prstGeom prst="rect">
+            <a:avLst/>
+          </a:prstGeom>
+          <a:ln w="12700">
+            <a:miter lim="400000"/>
+          </a:ln>
+        </p:spPr>
+      </p:pic>
+      <p:pic>
+        <p:nvPicPr>
+          <p:cNvPr id="196" name="Image" descr="Image"/>
+          <p:cNvPicPr>
+            <a:picLocks noChangeAspect="1"/>
+          </p:cNvPicPr>
+          <p:nvPr/>
+        </p:nvPicPr>
+        <p:blipFill>
+          <a:blip r:embed="rId4">
+            <a:extLst/>
+          </a:blip>
+          <a:stretch>
+            <a:fillRect/>
+          </a:stretch>
+        </p:blipFill>
+        <p:spPr>
+          <a:xfrm>
+            <a:off x="5606239" y="1467516"/>
+            <a:ext cx="3093261" cy="2337765"/>
+          </a:xfrm>
+          <a:prstGeom prst="rect">
+            <a:avLst/>
+          </a:prstGeom>
+          <a:ln w="12700">
+            <a:miter lim="400000"/>
+          </a:ln>
+        </p:spPr>
+      </p:pic>
+      <p:pic>
+        <p:nvPicPr>
+          <p:cNvPr id="197" name="Image" descr="Image"/>
+          <p:cNvPicPr>
+            <a:picLocks noChangeAspect="1"/>
+          </p:cNvPicPr>
+          <p:nvPr/>
+        </p:nvPicPr>
+        <p:blipFill>
+          <a:blip r:embed="rId5">
+            <a:extLst/>
+          </a:blip>
+          <a:stretch>
+            <a:fillRect/>
+          </a:stretch>
+        </p:blipFill>
+        <p:spPr>
+          <a:xfrm>
+            <a:off x="2457055" y="3989336"/>
+            <a:ext cx="3149185" cy="2473868"/>
+          </a:xfrm>
+          <a:prstGeom prst="rect">
+            <a:avLst/>
+          </a:prstGeom>
+          <a:ln w="12700">
+            <a:miter lim="400000"/>
+          </a:ln>
+        </p:spPr>
+      </p:pic>
+      <p:pic>
+        <p:nvPicPr>
+          <p:cNvPr id="198" name="Image" descr="Image"/>
+          <p:cNvPicPr>
+            <a:picLocks noChangeAspect="1"/>
+          </p:cNvPicPr>
+          <p:nvPr/>
+        </p:nvPicPr>
+        <p:blipFill>
+          <a:blip r:embed="rId6">
+            <a:extLst/>
+          </a:blip>
+          <a:stretch>
+            <a:fillRect/>
+          </a:stretch>
+        </p:blipFill>
+        <p:spPr>
+          <a:xfrm>
+            <a:off x="5651983" y="3941383"/>
+            <a:ext cx="3047517" cy="2521821"/>
           </a:xfrm>
           <a:prstGeom prst="rect">
             <a:avLst/>
@@ -6185,223 +9726,35 @@
           <a:chExt cx="0" cy="0"/>
         </a:xfrm>
       </p:grpSpPr>
-      <p:sp>
-        <p:nvSpPr>
-          <p:cNvPr id="190" name="About the Course"/>
-          <p:cNvSpPr txBox="1"/>
-          <p:nvPr>
-            <p:ph type="title" idx="4294967295"/>
-          </p:nvPr>
-        </p:nvSpPr>
+      <p:pic>
+        <p:nvPicPr>
+          <p:cNvPr id="200" name="Image" descr="Image"/>
+          <p:cNvPicPr>
+            <a:picLocks noChangeAspect="1"/>
+          </p:cNvPicPr>
+          <p:nvPr/>
+        </p:nvPicPr>
+        <p:blipFill>
+          <a:blip r:embed="rId2">
+            <a:extLst/>
+          </a:blip>
+          <a:stretch>
+            <a:fillRect/>
+          </a:stretch>
+        </p:blipFill>
         <p:spPr>
           <a:xfrm>
-            <a:off x="277663" y="-3"/>
-            <a:ext cx="8572501" cy="1267128"/>
+            <a:off x="537559" y="359538"/>
+            <a:ext cx="8115017" cy="6133008"/>
           </a:xfrm>
           <a:prstGeom prst="rect">
             <a:avLst/>
           </a:prstGeom>
+          <a:ln w="12700">
+            <a:miter lim="400000"/>
+          </a:ln>
         </p:spPr>
-        <p:txBody>
-          <a:bodyPr lIns="45718" tIns="45718" rIns="45718" bIns="45718"/>
-          <a:lstStyle>
-            <a:lvl1pPr defTabSz="410764">
-              <a:defRPr>
-                <a:solidFill>
-                  <a:srgbClr val="000080"/>
-                </a:solidFill>
-              </a:defRPr>
-            </a:lvl1pPr>
-          </a:lstStyle>
-          <a:p>
-            <a:pPr/>
-            <a:r>
-              <a:t>Coronavirus! (March 16)</a:t>
-            </a:r>
-          </a:p>
-        </p:txBody>
-      </p:sp>
-      <p:sp>
-        <p:nvSpPr>
-          <p:cNvPr id="191" name="The long 20th century will in all likelihood be seen in the future as the watershed in human experience:…"/>
-          <p:cNvSpPr txBox="1"/>
-          <p:nvPr>
-            <p:ph type="body" idx="4294967295"/>
-          </p:nvPr>
-        </p:nvSpPr>
-        <p:spPr>
-          <a:xfrm>
-            <a:off x="277663" y="1267120"/>
-            <a:ext cx="8572501" cy="5397505"/>
-          </a:xfrm>
-          <a:prstGeom prst="rect">
-            <a:avLst/>
-          </a:prstGeom>
-        </p:spPr>
-        <p:txBody>
-          <a:bodyPr lIns="45718" tIns="45718" rIns="45718" bIns="45718" anchor="t"/>
-          <a:lstStyle/>
-          <a:p>
-            <a:pPr marL="0" indent="0" defTabSz="340704">
-              <a:spcBef>
-                <a:spcPts val="800"/>
-              </a:spcBef>
-              <a:buSzTx/>
-              <a:buNone/>
-              <a:defRPr b="1" sz="1748">
-                <a:uFill>
-                  <a:solidFill>
-                    <a:srgbClr val="000000"/>
-                  </a:solidFill>
-                </a:uFill>
-                <a:latin typeface="+mj-lt"/>
-                <a:ea typeface="+mj-ea"/>
-                <a:cs typeface="+mj-cs"/>
-                <a:sym typeface="Helvetica"/>
-              </a:defRPr>
-            </a:pPr>
-            <a:r>
-              <a:rPr strike="sngStrike"/>
-              <a:t>With 31 deaths in the U.S. as of March 11, a 1% death rate, and up to 4 weeks between infection and death, that means that as of Feb 12 there were 3100 coronavirus cases in the United States</a:t>
-            </a:r>
-            <a:r>
-              <a:t>. </a:t>
-            </a:r>
-          </a:p>
-          <a:p>
-            <a:pPr marL="0" indent="0" defTabSz="340704">
-              <a:spcBef>
-                <a:spcPts val="800"/>
-              </a:spcBef>
-              <a:buSzTx/>
-              <a:buNone/>
-              <a:defRPr b="1" sz="1748">
-                <a:uFill>
-                  <a:solidFill>
-                    <a:srgbClr val="000000"/>
-                  </a:solidFill>
-                </a:uFill>
-                <a:latin typeface="+mj-lt"/>
-                <a:ea typeface="+mj-ea"/>
-                <a:cs typeface="+mj-cs"/>
-                <a:sym typeface="Helvetica"/>
-              </a:defRPr>
-            </a:pPr>
-            <a:r>
-              <a:t>With 87 deaths in the U.S. as of Mar 16, a 1% death rate, and up to 4 weeks between infection and death, that means that as of Feb 17 there were 8700 coronavirus cases in the United States</a:t>
-            </a:r>
-            <a:endParaRPr strike="sngStrike"/>
-          </a:p>
-          <a:p>
-            <a:pPr marL="0" indent="0" defTabSz="340704">
-              <a:spcBef>
-                <a:spcPts val="800"/>
-              </a:spcBef>
-              <a:buSzTx/>
-              <a:buNone/>
-              <a:defRPr b="1" sz="1748">
-                <a:uFill>
-                  <a:solidFill>
-                    <a:srgbClr val="000000"/>
-                  </a:solidFill>
-                </a:uFill>
-                <a:latin typeface="+mj-lt"/>
-                <a:ea typeface="+mj-ea"/>
-                <a:cs typeface="+mj-cs"/>
-                <a:sym typeface="Helvetica"/>
-              </a:defRPr>
-            </a:pPr>
-            <a:r>
-              <a:t>If it is doubling every seven days, then now about 150,000 people have and in the next week about 150,000 more people in the U.S. will catch coronavirus—which means 1/2200, currently 3500 of the 7.6 million inhabitants of San Francisco Bay. Touch a hard surface that any of those 3500 has touched in the last 48 hours, and the virus has a chance to jump to you…</a:t>
-            </a:r>
-          </a:p>
-          <a:p>
-            <a:pPr marL="0" indent="0" defTabSz="340704">
-              <a:spcBef>
-                <a:spcPts val="800"/>
-              </a:spcBef>
-              <a:buSzTx/>
-              <a:buNone/>
-              <a:defRPr b="1" sz="1748">
-                <a:uFill>
-                  <a:solidFill>
-                    <a:srgbClr val="000000"/>
-                  </a:solidFill>
-                </a:uFill>
-                <a:latin typeface="+mj-lt"/>
-                <a:ea typeface="+mj-ea"/>
-                <a:cs typeface="+mj-cs"/>
-                <a:sym typeface="Helvetica"/>
-              </a:defRPr>
-            </a:pPr>
-          </a:p>
-          <a:p>
-            <a:pPr marL="0" indent="0" defTabSz="340704">
-              <a:spcBef>
-                <a:spcPts val="800"/>
-              </a:spcBef>
-              <a:buSzTx/>
-              <a:buNone/>
-              <a:defRPr b="1" sz="1748">
-                <a:uFill>
-                  <a:solidFill>
-                    <a:srgbClr val="000000"/>
-                  </a:solidFill>
-                </a:uFill>
-                <a:latin typeface="+mj-lt"/>
-                <a:ea typeface="+mj-ea"/>
-                <a:cs typeface="+mj-cs"/>
-                <a:sym typeface="Helvetica"/>
-              </a:defRPr>
-            </a:pPr>
-            <a:r>
-              <a:t>These numbers could be five times too big. These numbers are probably not five times too small unless the thing is a lot less deadly, and there are a lot of asymptomatic cases…</a:t>
-            </a:r>
-          </a:p>
-          <a:p>
-            <a:pPr marL="0" indent="0" defTabSz="340704">
-              <a:spcBef>
-                <a:spcPts val="800"/>
-              </a:spcBef>
-              <a:buSzTx/>
-              <a:buNone/>
-              <a:defRPr b="1" sz="1748">
-                <a:uFill>
-                  <a:solidFill>
-                    <a:srgbClr val="000000"/>
-                  </a:solidFill>
-                </a:uFill>
-                <a:latin typeface="+mj-lt"/>
-                <a:ea typeface="+mj-ea"/>
-                <a:cs typeface="+mj-cs"/>
-                <a:sym typeface="Helvetica"/>
-              </a:defRPr>
-            </a:pPr>
-          </a:p>
-          <a:p>
-            <a:pPr marL="179317" indent="-179317" defTabSz="340704">
-              <a:spcBef>
-                <a:spcPts val="800"/>
-              </a:spcBef>
-              <a:buSzPct val="100000"/>
-              <a:defRPr sz="1748">
-                <a:uFill>
-                  <a:solidFill>
-                    <a:srgbClr val="000000"/>
-                  </a:solidFill>
-                </a:uFill>
-                <a:latin typeface="Times New Roman"/>
-                <a:ea typeface="Times New Roman"/>
-                <a:cs typeface="Times New Roman"/>
-                <a:sym typeface="Times New Roman"/>
-              </a:defRPr>
-            </a:pPr>
-            <a:r>
-              <a:t>What is wrong with this analysis?</a:t>
-            </a:r>
-          </a:p>
-        </p:txBody>
-      </p:sp>
+      </p:pic>
     </p:spTree>
   </p:cSld>
   <p:clrMapOvr>
@@ -6428,226 +9781,9 @@
           <a:chExt cx="0" cy="0"/>
         </a:xfrm>
       </p:grpSpPr>
-      <p:sp>
-        <p:nvSpPr>
-          <p:cNvPr id="193" name="About the Course"/>
-          <p:cNvSpPr txBox="1"/>
-          <p:nvPr>
-            <p:ph type="title" idx="4294967295"/>
-          </p:nvPr>
-        </p:nvSpPr>
-        <p:spPr>
-          <a:xfrm>
-            <a:off x="277663" y="139697"/>
-            <a:ext cx="8572502" cy="1267128"/>
-          </a:xfrm>
-          <a:prstGeom prst="rect">
-            <a:avLst/>
-          </a:prstGeom>
-        </p:spPr>
-        <p:txBody>
-          <a:bodyPr lIns="45718" tIns="45718" rIns="45718" bIns="45718"/>
-          <a:lstStyle>
-            <a:lvl1pPr defTabSz="457200">
-              <a:defRPr sz="6000">
-                <a:solidFill>
-                  <a:srgbClr val="000080"/>
-                </a:solidFill>
-                <a:uFill>
-                  <a:solidFill>
-                    <a:srgbClr val="000000"/>
-                  </a:solidFill>
-                </a:uFill>
-              </a:defRPr>
-            </a:lvl1pPr>
-          </a:lstStyle>
-          <a:p>
-            <a:pPr/>
-            <a:r>
-              <a:t>MOAR Coronavirus!</a:t>
-            </a:r>
-          </a:p>
-        </p:txBody>
-      </p:sp>
-      <p:sp>
-        <p:nvSpPr>
-          <p:cNvPr id="194" name="The long 20th century will in all likelihood be seen in the future as the watershed in human experience:…"/>
-          <p:cNvSpPr txBox="1"/>
-          <p:nvPr>
-            <p:ph type="body" sz="quarter" idx="4294967295"/>
-          </p:nvPr>
-        </p:nvSpPr>
-        <p:spPr>
-          <a:xfrm>
-            <a:off x="277663" y="1267121"/>
-            <a:ext cx="5024783" cy="2296266"/>
-          </a:xfrm>
-          <a:prstGeom prst="rect">
-            <a:avLst/>
-          </a:prstGeom>
-        </p:spPr>
-        <p:txBody>
-          <a:bodyPr lIns="45718" tIns="45718" rIns="45718" bIns="45718" anchor="t"/>
-          <a:lstStyle/>
-          <a:p>
-            <a:pPr marL="0" indent="0" defTabSz="323298">
-              <a:spcBef>
-                <a:spcPts val="700"/>
-              </a:spcBef>
-              <a:buSzTx/>
-              <a:buNone/>
-              <a:defRPr b="1" sz="1619">
-                <a:uFill>
-                  <a:solidFill>
-                    <a:srgbClr val="000000"/>
-                  </a:solidFill>
-                </a:uFill>
-                <a:latin typeface="+mj-lt"/>
-                <a:ea typeface="+mj-ea"/>
-                <a:cs typeface="+mj-cs"/>
-                <a:sym typeface="Helvetica"/>
-              </a:defRPr>
-            </a:pPr>
-            <a:r>
-              <a:t>As of March 21: Things are not moving in the right direction:</a:t>
-            </a:r>
-          </a:p>
-          <a:p>
-            <a:pPr marL="170156" indent="-170156" defTabSz="323298">
-              <a:spcBef>
-                <a:spcPts val="700"/>
-              </a:spcBef>
-              <a:buSzPct val="100000"/>
-              <a:defRPr sz="1619">
-                <a:uFill>
-                  <a:solidFill>
-                    <a:srgbClr val="000000"/>
-                  </a:solidFill>
-                </a:uFill>
-                <a:latin typeface="Times New Roman"/>
-                <a:ea typeface="Times New Roman"/>
-                <a:cs typeface="Times New Roman"/>
-                <a:sym typeface="Times New Roman"/>
-              </a:defRPr>
-            </a:pPr>
-            <a:r>
-              <a:t>What is the R</a:t>
-            </a:r>
-            <a:r>
-              <a:rPr baseline="-5998"/>
-              <a:t>0</a:t>
-            </a:r>
-            <a:r>
-              <a:t>?</a:t>
-            </a:r>
-          </a:p>
-          <a:p>
-            <a:pPr marL="170156" indent="-170156" defTabSz="323298">
-              <a:spcBef>
-                <a:spcPts val="700"/>
-              </a:spcBef>
-              <a:buSzPct val="100000"/>
-              <a:defRPr sz="1619">
-                <a:uFill>
-                  <a:solidFill>
-                    <a:srgbClr val="000000"/>
-                  </a:solidFill>
-                </a:uFill>
-                <a:latin typeface="Times New Roman"/>
-                <a:ea typeface="Times New Roman"/>
-                <a:cs typeface="Times New Roman"/>
-                <a:sym typeface="Times New Roman"/>
-              </a:defRPr>
-            </a:pPr>
-            <a:r>
-              <a:t>How can the R</a:t>
-            </a:r>
-            <a:r>
-              <a:rPr baseline="-5998"/>
-              <a:t>0</a:t>
-            </a:r>
-            <a:r>
-              <a:t> be changed?</a:t>
-            </a:r>
-          </a:p>
-          <a:p>
-            <a:pPr marL="170156" indent="-170156" defTabSz="323298">
-              <a:spcBef>
-                <a:spcPts val="700"/>
-              </a:spcBef>
-              <a:buSzPct val="100000"/>
-              <a:defRPr sz="1619">
-                <a:uFill>
-                  <a:solidFill>
-                    <a:srgbClr val="000000"/>
-                  </a:solidFill>
-                </a:uFill>
-                <a:latin typeface="Times New Roman"/>
-                <a:ea typeface="Times New Roman"/>
-                <a:cs typeface="Times New Roman"/>
-                <a:sym typeface="Times New Roman"/>
-              </a:defRPr>
-            </a:pPr>
-            <a:r>
-              <a:t>How will the R</a:t>
-            </a:r>
-            <a:r>
-              <a:rPr baseline="-5998"/>
-              <a:t>0</a:t>
-            </a:r>
-            <a:r>
-              <a:t> change?</a:t>
-            </a:r>
-          </a:p>
-          <a:p>
-            <a:pPr marL="170156" indent="-170156" defTabSz="323298">
-              <a:spcBef>
-                <a:spcPts val="700"/>
-              </a:spcBef>
-              <a:buSzPct val="100000"/>
-              <a:defRPr sz="1619">
-                <a:uFill>
-                  <a:solidFill>
-                    <a:srgbClr val="000000"/>
-                  </a:solidFill>
-                </a:uFill>
-                <a:latin typeface="Times New Roman"/>
-                <a:ea typeface="Times New Roman"/>
-                <a:cs typeface="Times New Roman"/>
-                <a:sym typeface="Times New Roman"/>
-              </a:defRPr>
-            </a:pPr>
-            <a:r>
-              <a:t>What is the asymptote share of the population?</a:t>
-            </a:r>
-          </a:p>
-          <a:p>
-            <a:pPr marL="170156" indent="-170156" defTabSz="323298">
-              <a:spcBef>
-                <a:spcPts val="700"/>
-              </a:spcBef>
-              <a:buSzPct val="100000"/>
-              <a:defRPr sz="1619">
-                <a:uFill>
-                  <a:solidFill>
-                    <a:srgbClr val="000000"/>
-                  </a:solidFill>
-                </a:uFill>
-                <a:latin typeface="Times New Roman"/>
-                <a:ea typeface="Times New Roman"/>
-                <a:cs typeface="Times New Roman"/>
-                <a:sym typeface="Times New Roman"/>
-              </a:defRPr>
-            </a:pPr>
-            <a:r>
-              <a:t>What is the mortality rate?</a:t>
-            </a:r>
-          </a:p>
-        </p:txBody>
-      </p:sp>
       <p:pic>
         <p:nvPicPr>
-          <p:cNvPr id="195" name="Image" descr="Image"/>
+          <p:cNvPr id="202" name="Image" descr="Image"/>
           <p:cNvPicPr>
             <a:picLocks noChangeAspect="1"/>
           </p:cNvPicPr>
@@ -6663,37 +9799,8 @@
         </p:blipFill>
         <p:spPr>
           <a:xfrm>
-            <a:off x="5302445" y="1267121"/>
-            <a:ext cx="3690465" cy="4647506"/>
-          </a:xfrm>
-          <a:prstGeom prst="rect">
-            <a:avLst/>
-          </a:prstGeom>
-          <a:ln w="12700">
-            <a:miter lim="400000"/>
-          </a:ln>
-        </p:spPr>
-      </p:pic>
-      <p:pic>
-        <p:nvPicPr>
-          <p:cNvPr id="196" name="Image" descr="Image"/>
-          <p:cNvPicPr>
-            <a:picLocks noChangeAspect="1"/>
-          </p:cNvPicPr>
-          <p:nvPr/>
-        </p:nvPicPr>
-        <p:blipFill>
-          <a:blip r:embed="rId3">
-            <a:extLst/>
-          </a:blip>
-          <a:stretch>
-            <a:fillRect/>
-          </a:stretch>
-        </p:blipFill>
-        <p:spPr>
-          <a:xfrm>
-            <a:off x="277663" y="4017610"/>
-            <a:ext cx="4467385" cy="2662739"/>
+            <a:off x="546749" y="359754"/>
+            <a:ext cx="8130191" cy="6386737"/>
           </a:xfrm>
           <a:prstGeom prst="rect">
             <a:avLst/>
@@ -6729,226 +9836,9 @@
           <a:chExt cx="0" cy="0"/>
         </a:xfrm>
       </p:grpSpPr>
-      <p:sp>
-        <p:nvSpPr>
-          <p:cNvPr id="198" name="About the Course"/>
-          <p:cNvSpPr txBox="1"/>
-          <p:nvPr>
-            <p:ph type="title" idx="4294967295"/>
-          </p:nvPr>
-        </p:nvSpPr>
-        <p:spPr>
-          <a:xfrm>
-            <a:off x="277663" y="-3"/>
-            <a:ext cx="8572501" cy="1267128"/>
-          </a:xfrm>
-          <a:prstGeom prst="rect">
-            <a:avLst/>
-          </a:prstGeom>
-        </p:spPr>
-        <p:txBody>
-          <a:bodyPr lIns="45718" tIns="45718" rIns="45718" bIns="45718"/>
-          <a:lstStyle>
-            <a:lvl1pPr defTabSz="457200">
-              <a:defRPr sz="6000">
-                <a:solidFill>
-                  <a:srgbClr val="000080"/>
-                </a:solidFill>
-                <a:uFill>
-                  <a:solidFill>
-                    <a:srgbClr val="000000"/>
-                  </a:solidFill>
-                </a:uFill>
-              </a:defRPr>
-            </a:lvl1pPr>
-          </a:lstStyle>
-          <a:p>
-            <a:pPr/>
-            <a:r>
-              <a:t>MOAR Coronavirus!</a:t>
-            </a:r>
-          </a:p>
-        </p:txBody>
-      </p:sp>
-      <p:sp>
-        <p:nvSpPr>
-          <p:cNvPr id="199" name="The long 20th century will in all likelihood be seen in the future as the watershed in human experience:…"/>
-          <p:cNvSpPr txBox="1"/>
-          <p:nvPr>
-            <p:ph type="body" sz="quarter" idx="4294967295"/>
-          </p:nvPr>
-        </p:nvSpPr>
-        <p:spPr>
-          <a:xfrm>
-            <a:off x="277663" y="1267121"/>
-            <a:ext cx="5024783" cy="2296266"/>
-          </a:xfrm>
-          <a:prstGeom prst="rect">
-            <a:avLst/>
-          </a:prstGeom>
-        </p:spPr>
-        <p:txBody>
-          <a:bodyPr lIns="45718" tIns="45718" rIns="45718" bIns="45718" anchor="t"/>
-          <a:lstStyle/>
-          <a:p>
-            <a:pPr marL="0" indent="0" defTabSz="323298">
-              <a:spcBef>
-                <a:spcPts val="700"/>
-              </a:spcBef>
-              <a:buSzTx/>
-              <a:buNone/>
-              <a:defRPr b="1" sz="1619">
-                <a:uFill>
-                  <a:solidFill>
-                    <a:srgbClr val="000000"/>
-                  </a:solidFill>
-                </a:uFill>
-                <a:latin typeface="+mj-lt"/>
-                <a:ea typeface="+mj-ea"/>
-                <a:cs typeface="+mj-cs"/>
-                <a:sym typeface="Helvetica"/>
-              </a:defRPr>
-            </a:pPr>
-            <a:r>
-              <a:t>As of March 10: Things are not moving in the right direction:</a:t>
-            </a:r>
-          </a:p>
-          <a:p>
-            <a:pPr marL="170156" indent="-170156" defTabSz="323298">
-              <a:spcBef>
-                <a:spcPts val="700"/>
-              </a:spcBef>
-              <a:buSzPct val="100000"/>
-              <a:defRPr sz="1619">
-                <a:uFill>
-                  <a:solidFill>
-                    <a:srgbClr val="000000"/>
-                  </a:solidFill>
-                </a:uFill>
-                <a:latin typeface="Times New Roman"/>
-                <a:ea typeface="Times New Roman"/>
-                <a:cs typeface="Times New Roman"/>
-                <a:sym typeface="Times New Roman"/>
-              </a:defRPr>
-            </a:pPr>
-            <a:r>
-              <a:t>What is the R</a:t>
-            </a:r>
-            <a:r>
-              <a:rPr baseline="-5998"/>
-              <a:t>0</a:t>
-            </a:r>
-            <a:r>
-              <a:t>?</a:t>
-            </a:r>
-          </a:p>
-          <a:p>
-            <a:pPr marL="170156" indent="-170156" defTabSz="323298">
-              <a:spcBef>
-                <a:spcPts val="700"/>
-              </a:spcBef>
-              <a:buSzPct val="100000"/>
-              <a:defRPr sz="1619">
-                <a:uFill>
-                  <a:solidFill>
-                    <a:srgbClr val="000000"/>
-                  </a:solidFill>
-                </a:uFill>
-                <a:latin typeface="Times New Roman"/>
-                <a:ea typeface="Times New Roman"/>
-                <a:cs typeface="Times New Roman"/>
-                <a:sym typeface="Times New Roman"/>
-              </a:defRPr>
-            </a:pPr>
-            <a:r>
-              <a:t>How can the R</a:t>
-            </a:r>
-            <a:r>
-              <a:rPr baseline="-5998"/>
-              <a:t>0</a:t>
-            </a:r>
-            <a:r>
-              <a:t> be changed?</a:t>
-            </a:r>
-          </a:p>
-          <a:p>
-            <a:pPr marL="170156" indent="-170156" defTabSz="323298">
-              <a:spcBef>
-                <a:spcPts val="700"/>
-              </a:spcBef>
-              <a:buSzPct val="100000"/>
-              <a:defRPr sz="1619">
-                <a:uFill>
-                  <a:solidFill>
-                    <a:srgbClr val="000000"/>
-                  </a:solidFill>
-                </a:uFill>
-                <a:latin typeface="Times New Roman"/>
-                <a:ea typeface="Times New Roman"/>
-                <a:cs typeface="Times New Roman"/>
-                <a:sym typeface="Times New Roman"/>
-              </a:defRPr>
-            </a:pPr>
-            <a:r>
-              <a:t>How will the R</a:t>
-            </a:r>
-            <a:r>
-              <a:rPr baseline="-5998"/>
-              <a:t>0</a:t>
-            </a:r>
-            <a:r>
-              <a:t> change?</a:t>
-            </a:r>
-          </a:p>
-          <a:p>
-            <a:pPr marL="170156" indent="-170156" defTabSz="323298">
-              <a:spcBef>
-                <a:spcPts val="700"/>
-              </a:spcBef>
-              <a:buSzPct val="100000"/>
-              <a:defRPr sz="1619">
-                <a:uFill>
-                  <a:solidFill>
-                    <a:srgbClr val="000000"/>
-                  </a:solidFill>
-                </a:uFill>
-                <a:latin typeface="Times New Roman"/>
-                <a:ea typeface="Times New Roman"/>
-                <a:cs typeface="Times New Roman"/>
-                <a:sym typeface="Times New Roman"/>
-              </a:defRPr>
-            </a:pPr>
-            <a:r>
-              <a:t>What is the asymptote share of the population?</a:t>
-            </a:r>
-          </a:p>
-          <a:p>
-            <a:pPr marL="170156" indent="-170156" defTabSz="323298">
-              <a:spcBef>
-                <a:spcPts val="700"/>
-              </a:spcBef>
-              <a:buSzPct val="100000"/>
-              <a:defRPr sz="1619">
-                <a:uFill>
-                  <a:solidFill>
-                    <a:srgbClr val="000000"/>
-                  </a:solidFill>
-                </a:uFill>
-                <a:latin typeface="Times New Roman"/>
-                <a:ea typeface="Times New Roman"/>
-                <a:cs typeface="Times New Roman"/>
-                <a:sym typeface="Times New Roman"/>
-              </a:defRPr>
-            </a:pPr>
-            <a:r>
-              <a:t>What is the mortality rate?</a:t>
-            </a:r>
-          </a:p>
-        </p:txBody>
-      </p:sp>
       <p:pic>
         <p:nvPicPr>
-          <p:cNvPr id="200" name="Image" descr="Image"/>
+          <p:cNvPr id="204" name="Image" descr="Image"/>
           <p:cNvPicPr>
             <a:picLocks noChangeAspect="1"/>
           </p:cNvPicPr>
@@ -6964,37 +9854,8 @@
         </p:blipFill>
         <p:spPr>
           <a:xfrm>
-            <a:off x="277662" y="3563384"/>
-            <a:ext cx="5024784" cy="3080921"/>
-          </a:xfrm>
-          <a:prstGeom prst="rect">
-            <a:avLst/>
-          </a:prstGeom>
-          <a:ln w="12700">
-            <a:miter lim="400000"/>
-          </a:ln>
-        </p:spPr>
-      </p:pic>
-      <p:pic>
-        <p:nvPicPr>
-          <p:cNvPr id="201" name="Image" descr="Image"/>
-          <p:cNvPicPr>
-            <a:picLocks noChangeAspect="1"/>
-          </p:cNvPicPr>
-          <p:nvPr/>
-        </p:nvPicPr>
-        <p:blipFill>
-          <a:blip r:embed="rId3">
-            <a:extLst/>
-          </a:blip>
-          <a:stretch>
-            <a:fillRect/>
-          </a:stretch>
-        </p:blipFill>
-        <p:spPr>
-          <a:xfrm>
-            <a:off x="5723025" y="1119015"/>
-            <a:ext cx="3285195" cy="5673464"/>
+            <a:off x="888953" y="375477"/>
+            <a:ext cx="7504568" cy="6210032"/>
           </a:xfrm>
           <a:prstGeom prst="rect">
             <a:avLst/>
@@ -7030,89 +9891,9 @@
           <a:chExt cx="0" cy="0"/>
         </a:xfrm>
       </p:grpSpPr>
-      <p:sp>
-        <p:nvSpPr>
-          <p:cNvPr id="203" name="Catch Our Breath…"/>
-          <p:cNvSpPr txBox="1"/>
-          <p:nvPr>
-            <p:ph type="title"/>
-          </p:nvPr>
-        </p:nvSpPr>
-        <p:spPr>
-          <a:xfrm>
-            <a:off x="276457" y="-3"/>
-            <a:ext cx="8572501" cy="1270005"/>
-          </a:xfrm>
-          <a:prstGeom prst="rect">
-            <a:avLst/>
-          </a:prstGeom>
-        </p:spPr>
-        <p:txBody>
-          <a:bodyPr/>
-          <a:lstStyle/>
-          <a:p>
-            <a:pPr/>
-            <a:r>
-              <a:t>Catch Our Breath…</a:t>
-            </a:r>
-          </a:p>
-        </p:txBody>
-      </p:sp>
-      <p:sp>
-        <p:nvSpPr>
-          <p:cNvPr id="204" name="Ask a couple of questions?…"/>
-          <p:cNvSpPr txBox="1"/>
-          <p:nvPr>
-            <p:ph type="body" sz="half" idx="1"/>
-          </p:nvPr>
-        </p:nvSpPr>
-        <p:spPr>
-          <a:xfrm>
-            <a:off x="276455" y="1270000"/>
-            <a:ext cx="3810005" cy="4762500"/>
-          </a:xfrm>
-          <a:prstGeom prst="rect">
-            <a:avLst/>
-          </a:prstGeom>
-        </p:spPr>
-        <p:txBody>
-          <a:bodyPr anchor="t"/>
-          <a:lstStyle/>
-          <a:p>
-            <a:pPr>
-              <a:spcBef>
-                <a:spcPts val="1200"/>
-              </a:spcBef>
-            </a:pPr>
-            <a:r>
-              <a:t>Ask a couple of questions? </a:t>
-            </a:r>
-          </a:p>
-          <a:p>
-            <a:pPr>
-              <a:spcBef>
-                <a:spcPts val="1200"/>
-              </a:spcBef>
-            </a:pPr>
-            <a:r>
-              <a:t>Make a couple of comments?</a:t>
-            </a:r>
-          </a:p>
-          <a:p>
-            <a:pPr>
-              <a:spcBef>
-                <a:spcPts val="1200"/>
-              </a:spcBef>
-            </a:pPr>
-            <a:r>
-              <a:t>Any more readings to recommend?</a:t>
-            </a:r>
-          </a:p>
-        </p:txBody>
-      </p:sp>
       <p:pic>
         <p:nvPicPr>
-          <p:cNvPr id="205" name="Image" descr="Image"/>
+          <p:cNvPr id="206" name="Image" descr="Image"/>
           <p:cNvPicPr>
             <a:picLocks noChangeAspect="1"/>
           </p:cNvPicPr>
@@ -7128,8 +9909,8 @@
         </p:blipFill>
         <p:spPr>
           <a:xfrm>
-            <a:off x="4086457" y="1270000"/>
-            <a:ext cx="4762503" cy="4762500"/>
+            <a:off x="853270" y="456457"/>
+            <a:ext cx="7576169" cy="6254153"/>
           </a:xfrm>
           <a:prstGeom prst="rect">
             <a:avLst/>

--- a/coronavirus.pptx
+++ b/coronavirus.pptx
@@ -6946,11 +6946,11 @@
           <a:bodyPr anchor="t"/>
           <a:lstStyle/>
           <a:p>
-            <a:pPr>
-              <a:spcBef>
-                <a:spcPts val="1200"/>
-              </a:spcBef>
-              <a:defRPr>
+            <a:pPr marL="231139" indent="-231139" defTabSz="320397">
+              <a:spcBef>
+                <a:spcPts val="900"/>
+              </a:spcBef>
+              <a:defRPr sz="1871">
                 <a:latin typeface="Times New Roman"/>
                 <a:ea typeface="Times New Roman"/>
                 <a:cs typeface="Times New Roman"/>
@@ -6962,11 +6962,11 @@
             </a:r>
           </a:p>
           <a:p>
-            <a:pPr>
-              <a:spcBef>
-                <a:spcPts val="1200"/>
-              </a:spcBef>
-              <a:defRPr>
+            <a:pPr marL="231139" indent="-231139" defTabSz="320397">
+              <a:spcBef>
+                <a:spcPts val="900"/>
+              </a:spcBef>
+              <a:defRPr sz="1871">
                 <a:latin typeface="Times New Roman"/>
                 <a:ea typeface="Times New Roman"/>
                 <a:cs typeface="Times New Roman"/>
@@ -6978,11 +6978,11 @@
             </a:r>
           </a:p>
           <a:p>
-            <a:pPr>
-              <a:spcBef>
-                <a:spcPts val="1200"/>
-              </a:spcBef>
-              <a:defRPr>
+            <a:pPr marL="231139" indent="-231139" defTabSz="320397">
+              <a:spcBef>
+                <a:spcPts val="900"/>
+              </a:spcBef>
+              <a:defRPr sz="1871">
                 <a:latin typeface="Times New Roman"/>
                 <a:ea typeface="Times New Roman"/>
                 <a:cs typeface="Times New Roman"/>
@@ -6991,6 +6991,144 @@
             </a:pPr>
             <a:r>
               <a:t>Any more readings to recommend?</a:t>
+            </a:r>
+          </a:p>
+          <a:p>
+            <a:pPr marL="0" indent="0" defTabSz="320397">
+              <a:spcBef>
+                <a:spcPts val="900"/>
+              </a:spcBef>
+              <a:buSzTx/>
+              <a:buNone/>
+              <a:defRPr sz="1871">
+                <a:latin typeface="Times New Roman"/>
+                <a:ea typeface="Times New Roman"/>
+                <a:cs typeface="Times New Roman"/>
+                <a:sym typeface="Times New Roman"/>
+              </a:defRPr>
+            </a:pPr>
+          </a:p>
+          <a:p>
+            <a:pPr marL="0" indent="0" defTabSz="320397">
+              <a:spcBef>
+                <a:spcPts val="900"/>
+              </a:spcBef>
+              <a:buSzTx/>
+              <a:buNone/>
+              <a:defRPr sz="1871">
+                <a:latin typeface="Times New Roman"/>
+                <a:ea typeface="Times New Roman"/>
+                <a:cs typeface="Times New Roman"/>
+                <a:sym typeface="Times New Roman"/>
+              </a:defRPr>
+            </a:pPr>
+          </a:p>
+          <a:p>
+            <a:pPr marL="0" indent="0" defTabSz="320397">
+              <a:spcBef>
+                <a:spcPts val="900"/>
+              </a:spcBef>
+              <a:buSzTx/>
+              <a:buNone/>
+              <a:defRPr sz="1871">
+                <a:latin typeface="Times New Roman"/>
+                <a:ea typeface="Times New Roman"/>
+                <a:cs typeface="Times New Roman"/>
+                <a:sym typeface="Times New Roman"/>
+              </a:defRPr>
+            </a:pPr>
+          </a:p>
+          <a:p>
+            <a:pPr marL="0" indent="0" defTabSz="320397">
+              <a:spcBef>
+                <a:spcPts val="900"/>
+              </a:spcBef>
+              <a:buSzTx/>
+              <a:buNone/>
+              <a:defRPr sz="1871">
+                <a:latin typeface="Times New Roman"/>
+                <a:ea typeface="Times New Roman"/>
+                <a:cs typeface="Times New Roman"/>
+                <a:sym typeface="Times New Roman"/>
+              </a:defRPr>
+            </a:pPr>
+          </a:p>
+          <a:p>
+            <a:pPr marL="0" indent="0" defTabSz="320397">
+              <a:spcBef>
+                <a:spcPts val="900"/>
+              </a:spcBef>
+              <a:buSzTx/>
+              <a:buNone/>
+              <a:defRPr sz="1871">
+                <a:latin typeface="Times New Roman"/>
+                <a:ea typeface="Times New Roman"/>
+                <a:cs typeface="Times New Roman"/>
+                <a:sym typeface="Times New Roman"/>
+              </a:defRPr>
+            </a:pPr>
+          </a:p>
+          <a:p>
+            <a:pPr marL="0" indent="0" defTabSz="320397">
+              <a:spcBef>
+                <a:spcPts val="900"/>
+              </a:spcBef>
+              <a:buSzTx/>
+              <a:buNone/>
+              <a:defRPr sz="1871">
+                <a:latin typeface="Times New Roman"/>
+                <a:ea typeface="Times New Roman"/>
+                <a:cs typeface="Times New Roman"/>
+                <a:sym typeface="Times New Roman"/>
+              </a:defRPr>
+            </a:pPr>
+          </a:p>
+          <a:p>
+            <a:pPr marL="0" indent="0" defTabSz="320397">
+              <a:spcBef>
+                <a:spcPts val="900"/>
+              </a:spcBef>
+              <a:buSzTx/>
+              <a:buNone/>
+              <a:defRPr sz="1871">
+                <a:latin typeface="Times New Roman"/>
+                <a:ea typeface="Times New Roman"/>
+                <a:cs typeface="Times New Roman"/>
+                <a:sym typeface="Times New Roman"/>
+              </a:defRPr>
+            </a:pPr>
+          </a:p>
+          <a:p>
+            <a:pPr marL="231139" indent="-231139" defTabSz="320397">
+              <a:spcBef>
+                <a:spcPts val="900"/>
+              </a:spcBef>
+              <a:defRPr sz="1871">
+                <a:latin typeface="Times New Roman"/>
+                <a:ea typeface="Times New Roman"/>
+                <a:cs typeface="Times New Roman"/>
+                <a:sym typeface="Times New Roman"/>
+              </a:defRPr>
+            </a:pPr>
+            <a:r>
+              <a:t>&lt;</a:t>
+            </a:r>
+            <a:r>
+              <a:rPr u="sng">
+                <a:solidFill>
+                  <a:srgbClr val="0000FF"/>
+                </a:solidFill>
+                <a:uFill>
+                  <a:solidFill>
+                    <a:srgbClr val="0000FF"/>
+                  </a:solidFill>
+                </a:uFill>
+                <a:hlinkClick r:id="rId2" invalidUrl="" action="" tgtFrame="" tooltip="" history="1" highlightClick="0" endSnd="0"/>
+              </a:rPr>
+              <a:t>https://www.icloud.com/keynote/0YKEi7HeOrVGvKYtt9FEqH7nA</a:t>
+            </a:r>
+            <a:r>
+              <a:t>&gt;</a:t>
             </a:r>
           </a:p>
         </p:txBody>
@@ -7004,7 +7142,7 @@
           <p:nvPr/>
         </p:nvPicPr>
         <p:blipFill>
-          <a:blip r:embed="rId2">
+          <a:blip r:embed="rId3">
             <a:extLst/>
           </a:blip>
           <a:stretch>
@@ -8127,7 +8265,7 @@
         <p:spPr>
           <a:xfrm>
             <a:off x="2097860" y="3037408"/>
-            <a:ext cx="5244482" cy="3630795"/>
+            <a:ext cx="5244481" cy="3630795"/>
           </a:xfrm>
           <a:prstGeom prst="rect">
             <a:avLst/>

--- a/coronavirus.pptx
+++ b/coronavirus.pptx
@@ -5509,7 +5509,7 @@
       </p:grpSpPr>
       <p:sp>
         <p:nvSpPr>
-          <p:cNvPr id="208" name="Bringing the Economy Back Up from Anæsthesia"/>
+          <p:cNvPr id="209" name="Bringing the Economy Back Up from Anæsthesia"/>
           <p:cNvSpPr txBox="1"/>
           <p:nvPr>
             <p:ph type="title" idx="4294967295"/>
@@ -5553,7 +5553,7 @@
       </p:sp>
       <p:sp>
         <p:nvSpPr>
-          <p:cNvPr id="209" name="Major issues:…"/>
+          <p:cNvPr id="210" name="Major issues:…"/>
           <p:cNvSpPr txBox="1"/>
           <p:nvPr>
             <p:ph type="body" idx="4294967295"/>
@@ -5962,7 +5962,7 @@
       </p:grpSpPr>
       <p:sp>
         <p:nvSpPr>
-          <p:cNvPr id="211" name="Keeping the Economy from Crashing During the Lockdown"/>
+          <p:cNvPr id="212" name="Keeping the Economy from Crashing During the Lockdown"/>
           <p:cNvSpPr txBox="1"/>
           <p:nvPr>
             <p:ph type="title" idx="4294967295"/>
@@ -6006,7 +6006,7 @@
       </p:sp>
       <p:sp>
         <p:nvSpPr>
-          <p:cNvPr id="212" name="Nick Rowe &lt;https://worthwhile.typepad.com/worthwhile_canadian_initi/2020/03/relative-supply-shocks-unobtainium-walras-law-and-the-coronavirus.html&gt;:…"/>
+          <p:cNvPr id="213" name="Nick Rowe: We have a 50% output cut in 100% of the sectors:…"/>
           <p:cNvSpPr txBox="1"/>
           <p:nvPr>
             <p:ph type="body" idx="4294967295"/>
@@ -6025,16 +6025,16 @@
           <a:bodyPr lIns="45719" tIns="45719" rIns="45719" bIns="45719" anchor="t"/>
           <a:lstStyle/>
           <a:p>
-            <a:pPr marL="0" indent="0" defTabSz="329184">
+            <a:pPr marL="0" indent="0" defTabSz="288036">
               <a:lnSpc>
-                <a:spcPts val="4300"/>
+                <a:spcPts val="3700"/>
               </a:lnSpc>
               <a:spcBef>
-                <a:spcPts val="800"/>
+                <a:spcPts val="700"/>
               </a:spcBef>
               <a:buSzTx/>
               <a:buNone/>
-              <a:defRPr b="1" sz="2160">
+              <a:defRPr b="1" sz="1890">
                 <a:uFill>
                   <a:solidFill>
                     <a:srgbClr val="000000"/>
@@ -6047,7 +6047,339 @@
               </a:defRPr>
             </a:pPr>
             <a:r>
-              <a:t>Nick Rowe &lt;</a:t>
+              <a:t>Nick Rowe: We have a 50% output cut in 100% of the sectors:</a:t>
+            </a:r>
+          </a:p>
+          <a:p>
+            <a:pPr marL="216026" indent="-216026" defTabSz="288036">
+              <a:lnSpc>
+                <a:spcPts val="3300"/>
+              </a:lnSpc>
+              <a:spcBef>
+                <a:spcPts val="700"/>
+              </a:spcBef>
+              <a:buSzPct val="100000"/>
+              <a:buFont typeface="Arial"/>
+              <a:defRPr sz="1512">
+                <a:uFill>
+                  <a:solidFill>
+                    <a:srgbClr val="000000"/>
+                  </a:solidFill>
+                </a:uFill>
+                <a:latin typeface="Times New Roman"/>
+                <a:ea typeface="Times New Roman"/>
+                <a:cs typeface="Times New Roman"/>
+                <a:sym typeface="Times New Roman"/>
+              </a:defRPr>
+            </a:pPr>
+            <a:r>
+              <a:t>A temporary 100% output cut in 50% of the sectors (what the Coronavirus does) is very different from a 50% output cut in 100% of the sectors</a:t>
+            </a:r>
+          </a:p>
+          <a:p>
+            <a:pPr marL="216026" indent="-216026" defTabSz="288036">
+              <a:lnSpc>
+                <a:spcPts val="3300"/>
+              </a:lnSpc>
+              <a:spcBef>
+                <a:spcPts val="700"/>
+              </a:spcBef>
+              <a:buSzPct val="100000"/>
+              <a:buFont typeface="Arial"/>
+              <a:defRPr sz="1512">
+                <a:uFill>
+                  <a:solidFill>
+                    <a:srgbClr val="000000"/>
+                  </a:solidFill>
+                </a:uFill>
+                <a:latin typeface="Times New Roman"/>
+                <a:ea typeface="Times New Roman"/>
+                <a:cs typeface="Times New Roman"/>
+                <a:sym typeface="Times New Roman"/>
+              </a:defRPr>
+            </a:pPr>
+            <a:r>
+              <a:t>Nick’s thought experiment:</a:t>
+            </a:r>
+          </a:p>
+          <a:p>
+            <a:pPr lvl="1" marL="504062" indent="-216026" defTabSz="288036">
+              <a:lnSpc>
+                <a:spcPts val="3300"/>
+              </a:lnSpc>
+              <a:spcBef>
+                <a:spcPts val="700"/>
+              </a:spcBef>
+              <a:buSzPct val="100000"/>
+              <a:buFont typeface="Arial"/>
+              <a:defRPr sz="1512">
+                <a:uFill>
+                  <a:solidFill>
+                    <a:srgbClr val="000000"/>
+                  </a:solidFill>
+                </a:uFill>
+                <a:latin typeface="Times New Roman"/>
+                <a:ea typeface="Times New Roman"/>
+                <a:cs typeface="Times New Roman"/>
+                <a:sym typeface="Times New Roman"/>
+              </a:defRPr>
+            </a:pPr>
+            <a:r>
+              <a:t>In three months we are going to invent unobtanium:</a:t>
+            </a:r>
+          </a:p>
+          <a:p>
+            <a:pPr lvl="2" marL="792098" indent="-216026" defTabSz="288036">
+              <a:lnSpc>
+                <a:spcPts val="3300"/>
+              </a:lnSpc>
+              <a:spcBef>
+                <a:spcPts val="700"/>
+              </a:spcBef>
+              <a:buSzPct val="100000"/>
+              <a:buFont typeface="Arial"/>
+              <a:defRPr sz="1512">
+                <a:uFill>
+                  <a:solidFill>
+                    <a:srgbClr val="000000"/>
+                  </a:solidFill>
+                </a:uFill>
+                <a:latin typeface="Times New Roman"/>
+                <a:ea typeface="Times New Roman"/>
+                <a:cs typeface="Times New Roman"/>
+                <a:sym typeface="Times New Roman"/>
+              </a:defRPr>
+            </a:pPr>
+            <a:r>
+              <a:t>Substantial intertemporal substitutibility </a:t>
+            </a:r>
+          </a:p>
+          <a:p>
+            <a:pPr lvl="2" marL="792098" indent="-216026" defTabSz="288036">
+              <a:lnSpc>
+                <a:spcPts val="3300"/>
+              </a:lnSpc>
+              <a:spcBef>
+                <a:spcPts val="700"/>
+              </a:spcBef>
+              <a:buSzPct val="100000"/>
+              <a:buFont typeface="Arial"/>
+              <a:defRPr sz="1512">
+                <a:uFill>
+                  <a:solidFill>
+                    <a:srgbClr val="000000"/>
+                  </a:solidFill>
+                </a:uFill>
+                <a:latin typeface="Times New Roman"/>
+                <a:ea typeface="Times New Roman"/>
+                <a:cs typeface="Times New Roman"/>
+                <a:sym typeface="Times New Roman"/>
+              </a:defRPr>
+            </a:pPr>
+            <a:r>
+              <a:t>Plus lower cross-good contemporaneous substitutitbility</a:t>
+            </a:r>
+          </a:p>
+          <a:p>
+            <a:pPr lvl="2" marL="792098" indent="-216026" defTabSz="288036">
+              <a:lnSpc>
+                <a:spcPts val="3300"/>
+              </a:lnSpc>
+              <a:spcBef>
+                <a:spcPts val="700"/>
+              </a:spcBef>
+              <a:buSzPct val="100000"/>
+              <a:buFont typeface="Arial"/>
+              <a:defRPr sz="1512">
+                <a:uFill>
+                  <a:solidFill>
+                    <a:srgbClr val="000000"/>
+                  </a:solidFill>
+                </a:uFill>
+                <a:latin typeface="Times New Roman"/>
+                <a:ea typeface="Times New Roman"/>
+                <a:cs typeface="Times New Roman"/>
+                <a:sym typeface="Times New Roman"/>
+              </a:defRPr>
+            </a:pPr>
+            <a:r>
+              <a:t>Hence high desired savings rate now</a:t>
+            </a:r>
+          </a:p>
+          <a:p>
+            <a:pPr lvl="1" marL="504062" indent="-216026" defTabSz="288036">
+              <a:lnSpc>
+                <a:spcPts val="3300"/>
+              </a:lnSpc>
+              <a:spcBef>
+                <a:spcPts val="700"/>
+              </a:spcBef>
+              <a:buSzPct val="100000"/>
+              <a:buFont typeface="Arial"/>
+              <a:defRPr sz="1512">
+                <a:uFill>
+                  <a:solidFill>
+                    <a:srgbClr val="000000"/>
+                  </a:solidFill>
+                </a:uFill>
+                <a:latin typeface="Times New Roman"/>
+                <a:ea typeface="Times New Roman"/>
+                <a:cs typeface="Times New Roman"/>
+                <a:sym typeface="Times New Roman"/>
+              </a:defRPr>
+            </a:pPr>
+            <a:r>
+              <a:t>Flex-price market thus produces a nominal rate at the zero lower bound and a high inflation rate over the next three to six months </a:t>
+            </a:r>
+          </a:p>
+          <a:p>
+            <a:pPr lvl="1" marL="504062" indent="-216026" defTabSz="288036">
+              <a:lnSpc>
+                <a:spcPts val="3300"/>
+              </a:lnSpc>
+              <a:spcBef>
+                <a:spcPts val="700"/>
+              </a:spcBef>
+              <a:buSzPct val="100000"/>
+              <a:buFont typeface="Arial"/>
+              <a:defRPr sz="1512">
+                <a:uFill>
+                  <a:solidFill>
+                    <a:srgbClr val="000000"/>
+                  </a:solidFill>
+                </a:uFill>
+                <a:latin typeface="Times New Roman"/>
+                <a:ea typeface="Times New Roman"/>
+                <a:cs typeface="Times New Roman"/>
+                <a:sym typeface="Times New Roman"/>
+              </a:defRPr>
+            </a:pPr>
+            <a:r>
+              <a:t>Plus liquidity-constrained workers in affected sectors see their demand go to zero immediately</a:t>
+            </a:r>
+          </a:p>
+          <a:p>
+            <a:pPr lvl="1" marL="504062" indent="-216026" defTabSz="288036">
+              <a:lnSpc>
+                <a:spcPts val="3300"/>
+              </a:lnSpc>
+              <a:spcBef>
+                <a:spcPts val="700"/>
+              </a:spcBef>
+              <a:buSzPct val="100000"/>
+              <a:buFont typeface="Arial"/>
+              <a:defRPr sz="1512">
+                <a:uFill>
+                  <a:solidFill>
+                    <a:srgbClr val="000000"/>
+                  </a:solidFill>
+                </a:uFill>
+                <a:latin typeface="Times New Roman"/>
+                <a:ea typeface="Times New Roman"/>
+                <a:cs typeface="Times New Roman"/>
+                <a:sym typeface="Times New Roman"/>
+              </a:defRPr>
+            </a:pPr>
+            <a:r>
+              <a:t>Can we get there? Should we get there? What should we do instead?</a:t>
+            </a:r>
+          </a:p>
+          <a:p>
+            <a:pPr lvl="1" marL="504062" indent="-216026" defTabSz="288036">
+              <a:lnSpc>
+                <a:spcPts val="3300"/>
+              </a:lnSpc>
+              <a:spcBef>
+                <a:spcPts val="700"/>
+              </a:spcBef>
+              <a:buSzPct val="100000"/>
+              <a:buFont typeface="Arial"/>
+              <a:defRPr sz="1512">
+                <a:uFill>
+                  <a:solidFill>
+                    <a:srgbClr val="000000"/>
+                  </a:solidFill>
+                </a:uFill>
+                <a:latin typeface="Times New Roman"/>
+                <a:ea typeface="Times New Roman"/>
+                <a:cs typeface="Times New Roman"/>
+                <a:sym typeface="Times New Roman"/>
+              </a:defRPr>
+            </a:pPr>
+            <a:r>
+              <a:t>We need a good RBC economist: are there any?…</a:t>
+            </a:r>
+          </a:p>
+          <a:p>
+            <a:pPr marL="0" indent="0" defTabSz="288036">
+              <a:lnSpc>
+                <a:spcPts val="3300"/>
+              </a:lnSpc>
+              <a:spcBef>
+                <a:spcPts val="700"/>
+              </a:spcBef>
+              <a:buSzTx/>
+              <a:buNone/>
+              <a:defRPr sz="1512">
+                <a:uFill>
+                  <a:solidFill>
+                    <a:srgbClr val="000000"/>
+                  </a:solidFill>
+                </a:uFill>
+                <a:latin typeface="Times New Roman"/>
+                <a:ea typeface="Times New Roman"/>
+                <a:cs typeface="Times New Roman"/>
+                <a:sym typeface="Times New Roman"/>
+              </a:defRPr>
+            </a:pPr>
+          </a:p>
+          <a:p>
+            <a:pPr marL="0" indent="0" defTabSz="288036">
+              <a:lnSpc>
+                <a:spcPts val="3300"/>
+              </a:lnSpc>
+              <a:spcBef>
+                <a:spcPts val="700"/>
+              </a:spcBef>
+              <a:buSzTx/>
+              <a:buNone/>
+              <a:defRPr sz="1512">
+                <a:uFill>
+                  <a:solidFill>
+                    <a:srgbClr val="000000"/>
+                  </a:solidFill>
+                </a:uFill>
+                <a:latin typeface="Times New Roman"/>
+                <a:ea typeface="Times New Roman"/>
+                <a:cs typeface="Times New Roman"/>
+                <a:sym typeface="Times New Roman"/>
+              </a:defRPr>
+            </a:pPr>
+          </a:p>
+          <a:p>
+            <a:pPr marL="0" indent="0" defTabSz="288036">
+              <a:lnSpc>
+                <a:spcPts val="2700"/>
+              </a:lnSpc>
+              <a:spcBef>
+                <a:spcPts val="700"/>
+              </a:spcBef>
+              <a:buSzTx/>
+              <a:buNone/>
+              <a:defRPr sz="1008">
+                <a:uFill>
+                  <a:solidFill>
+                    <a:srgbClr val="000000"/>
+                  </a:solidFill>
+                </a:uFill>
+                <a:latin typeface="Times New Roman"/>
+                <a:ea typeface="Times New Roman"/>
+                <a:cs typeface="Times New Roman"/>
+                <a:sym typeface="Times New Roman"/>
+              </a:defRPr>
+            </a:pPr>
+            <a:r>
+              <a:t>&lt;</a:t>
             </a:r>
             <a:r>
               <a:rPr u="sng">
@@ -6064,241 +6396,7 @@
               <a:t>https://worthwhile.typepad.com/worthwhile_canadian_initi/2020/03/relative-supply-shocks-unobtainium-walras-law-and-the-coronavirus.html</a:t>
             </a:r>
             <a:r>
-              <a:t>&gt;:</a:t>
-            </a:r>
-          </a:p>
-          <a:p>
-            <a:pPr marL="246887" indent="-246887" defTabSz="329184">
-              <a:lnSpc>
-                <a:spcPts val="3800"/>
-              </a:lnSpc>
-              <a:spcBef>
-                <a:spcPts val="800"/>
-              </a:spcBef>
-              <a:buSzPct val="100000"/>
-              <a:buFont typeface="Arial"/>
-              <a:defRPr sz="1728">
-                <a:uFill>
-                  <a:solidFill>
-                    <a:srgbClr val="000000"/>
-                  </a:solidFill>
-                </a:uFill>
-                <a:latin typeface="Times New Roman"/>
-                <a:ea typeface="Times New Roman"/>
-                <a:cs typeface="Times New Roman"/>
-                <a:sym typeface="Times New Roman"/>
-              </a:defRPr>
-            </a:pPr>
-            <a:r>
-              <a:t>We need a good RBC economist…</a:t>
-            </a:r>
-          </a:p>
-          <a:p>
-            <a:pPr marL="246887" indent="-246887" defTabSz="329184">
-              <a:lnSpc>
-                <a:spcPts val="3800"/>
-              </a:lnSpc>
-              <a:spcBef>
-                <a:spcPts val="800"/>
-              </a:spcBef>
-              <a:buSzPct val="100000"/>
-              <a:buFont typeface="Arial"/>
-              <a:defRPr sz="1728">
-                <a:uFill>
-                  <a:solidFill>
-                    <a:srgbClr val="000000"/>
-                  </a:solidFill>
-                </a:uFill>
-                <a:latin typeface="Times New Roman"/>
-                <a:ea typeface="Times New Roman"/>
-                <a:cs typeface="Times New Roman"/>
-                <a:sym typeface="Times New Roman"/>
-              </a:defRPr>
-            </a:pPr>
-            <a:r>
-              <a:t>A temporary 100% output cut in 50% of the sectors (what the Coronavirus does) is very different from a 50% output cut in 100% of the sectors</a:t>
-            </a:r>
-          </a:p>
-          <a:p>
-            <a:pPr marL="246887" indent="-246887" defTabSz="329184">
-              <a:lnSpc>
-                <a:spcPts val="3800"/>
-              </a:lnSpc>
-              <a:spcBef>
-                <a:spcPts val="800"/>
-              </a:spcBef>
-              <a:buSzPct val="100000"/>
-              <a:buFont typeface="Arial"/>
-              <a:defRPr sz="1728">
-                <a:uFill>
-                  <a:solidFill>
-                    <a:srgbClr val="000000"/>
-                  </a:solidFill>
-                </a:uFill>
-                <a:latin typeface="Times New Roman"/>
-                <a:ea typeface="Times New Roman"/>
-                <a:cs typeface="Times New Roman"/>
-                <a:sym typeface="Times New Roman"/>
-              </a:defRPr>
-            </a:pPr>
-            <a:r>
-              <a:t>Nick’s thought experiment:</a:t>
-            </a:r>
-          </a:p>
-          <a:p>
-            <a:pPr lvl="1" marL="576071" indent="-246887" defTabSz="329184">
-              <a:lnSpc>
-                <a:spcPts val="3800"/>
-              </a:lnSpc>
-              <a:spcBef>
-                <a:spcPts val="800"/>
-              </a:spcBef>
-              <a:buSzPct val="100000"/>
-              <a:buFont typeface="Arial"/>
-              <a:defRPr sz="1728">
-                <a:uFill>
-                  <a:solidFill>
-                    <a:srgbClr val="000000"/>
-                  </a:solidFill>
-                </a:uFill>
-                <a:latin typeface="Times New Roman"/>
-                <a:ea typeface="Times New Roman"/>
-                <a:cs typeface="Times New Roman"/>
-                <a:sym typeface="Times New Roman"/>
-              </a:defRPr>
-            </a:pPr>
-            <a:r>
-              <a:t>In three months we are going to invent unobtanium:</a:t>
-            </a:r>
-          </a:p>
-          <a:p>
-            <a:pPr lvl="2" marL="905255" indent="-246887" defTabSz="329184">
-              <a:lnSpc>
-                <a:spcPts val="3800"/>
-              </a:lnSpc>
-              <a:spcBef>
-                <a:spcPts val="800"/>
-              </a:spcBef>
-              <a:buSzPct val="100000"/>
-              <a:buFont typeface="Arial"/>
-              <a:defRPr sz="1728">
-                <a:uFill>
-                  <a:solidFill>
-                    <a:srgbClr val="000000"/>
-                  </a:solidFill>
-                </a:uFill>
-                <a:latin typeface="Times New Roman"/>
-                <a:ea typeface="Times New Roman"/>
-                <a:cs typeface="Times New Roman"/>
-                <a:sym typeface="Times New Roman"/>
-              </a:defRPr>
-            </a:pPr>
-            <a:r>
-              <a:t>Substantial intertemporal substitutibility </a:t>
-            </a:r>
-          </a:p>
-          <a:p>
-            <a:pPr lvl="2" marL="905255" indent="-246887" defTabSz="329184">
-              <a:lnSpc>
-                <a:spcPts val="3800"/>
-              </a:lnSpc>
-              <a:spcBef>
-                <a:spcPts val="800"/>
-              </a:spcBef>
-              <a:buSzPct val="100000"/>
-              <a:buFont typeface="Arial"/>
-              <a:defRPr sz="1728">
-                <a:uFill>
-                  <a:solidFill>
-                    <a:srgbClr val="000000"/>
-                  </a:solidFill>
-                </a:uFill>
-                <a:latin typeface="Times New Roman"/>
-                <a:ea typeface="Times New Roman"/>
-                <a:cs typeface="Times New Roman"/>
-                <a:sym typeface="Times New Roman"/>
-              </a:defRPr>
-            </a:pPr>
-            <a:r>
-              <a:t>Plus lower cross-good contemporaneous substitutitbility</a:t>
-            </a:r>
-          </a:p>
-          <a:p>
-            <a:pPr lvl="2" marL="905255" indent="-246887" defTabSz="329184">
-              <a:lnSpc>
-                <a:spcPts val="3800"/>
-              </a:lnSpc>
-              <a:spcBef>
-                <a:spcPts val="800"/>
-              </a:spcBef>
-              <a:buSzPct val="100000"/>
-              <a:buFont typeface="Arial"/>
-              <a:defRPr sz="1728">
-                <a:uFill>
-                  <a:solidFill>
-                    <a:srgbClr val="000000"/>
-                  </a:solidFill>
-                </a:uFill>
-                <a:latin typeface="Times New Roman"/>
-                <a:ea typeface="Times New Roman"/>
-                <a:cs typeface="Times New Roman"/>
-                <a:sym typeface="Times New Roman"/>
-              </a:defRPr>
-            </a:pPr>
-            <a:r>
-              <a:t>Hence high desired savings rate now</a:t>
-            </a:r>
-          </a:p>
-          <a:p>
-            <a:pPr lvl="1" marL="576071" indent="-246887" defTabSz="329184">
-              <a:lnSpc>
-                <a:spcPts val="3800"/>
-              </a:lnSpc>
-              <a:spcBef>
-                <a:spcPts val="800"/>
-              </a:spcBef>
-              <a:buSzPct val="100000"/>
-              <a:buFont typeface="Arial"/>
-              <a:defRPr sz="1728">
-                <a:uFill>
-                  <a:solidFill>
-                    <a:srgbClr val="000000"/>
-                  </a:solidFill>
-                </a:uFill>
-                <a:latin typeface="Times New Roman"/>
-                <a:ea typeface="Times New Roman"/>
-                <a:cs typeface="Times New Roman"/>
-                <a:sym typeface="Times New Roman"/>
-              </a:defRPr>
-            </a:pPr>
-            <a:r>
-              <a:t>Flex-price market thus produces a nominal rate at the zero lower bound and a high inflation rate over the next three to six months </a:t>
-            </a:r>
-          </a:p>
-          <a:p>
-            <a:pPr lvl="1" marL="576071" indent="-246887" defTabSz="329184">
-              <a:lnSpc>
-                <a:spcPts val="3800"/>
-              </a:lnSpc>
-              <a:spcBef>
-                <a:spcPts val="800"/>
-              </a:spcBef>
-              <a:buSzPct val="100000"/>
-              <a:buFont typeface="Arial"/>
-              <a:defRPr sz="1728">
-                <a:uFill>
-                  <a:solidFill>
-                    <a:srgbClr val="000000"/>
-                  </a:solidFill>
-                </a:uFill>
-                <a:latin typeface="Times New Roman"/>
-                <a:ea typeface="Times New Roman"/>
-                <a:cs typeface="Times New Roman"/>
-                <a:sym typeface="Times New Roman"/>
-              </a:defRPr>
-            </a:pPr>
-            <a:r>
-              <a:t>Can we get there? Should we get there? What should we do instead?</a:t>
+              <a:t>&gt;</a:t>
             </a:r>
           </a:p>
         </p:txBody>
@@ -6331,7 +6429,7 @@
       </p:grpSpPr>
       <p:sp>
         <p:nvSpPr>
-          <p:cNvPr id="214" name="Keeping the Economy from Crashing During the Lockdown II"/>
+          <p:cNvPr id="215" name="Keeping the Economy from Crashing During the Lockdown II"/>
           <p:cNvSpPr txBox="1"/>
           <p:nvPr>
             <p:ph type="title" idx="4294967295"/>
@@ -6375,7 +6473,7 @@
       </p:sp>
       <p:sp>
         <p:nvSpPr>
-          <p:cNvPr id="215" name="Nick Rowe &lt;https://worthwhile.typepad.com/worthwhile_canadian_initi/2020/03/relative-supply-shocks-unobtainium-walras-law-and-the-coronavirus.html&gt;:…"/>
+          <p:cNvPr id="216" name="Nick Rowe &lt;https://worthwhile.typepad.com/worthwhile_canadian_initi/2020/03/relative-supply-shocks-unobtainium-walras-law-and-the-coronavirus.html&gt;:…"/>
           <p:cNvSpPr txBox="1"/>
           <p:nvPr>
             <p:ph type="body" idx="4294967295"/>
@@ -6652,583 +6750,7 @@
       </p:grpSpPr>
       <p:sp>
         <p:nvSpPr>
-          <p:cNvPr id="217" name="References"/>
-          <p:cNvSpPr txBox="1"/>
-          <p:nvPr>
-            <p:ph type="title" idx="4294967295"/>
-          </p:nvPr>
-        </p:nvSpPr>
-        <p:spPr>
-          <a:xfrm>
-            <a:off x="444500" y="0"/>
-            <a:ext cx="8255000" cy="1587501"/>
-          </a:xfrm>
-          <a:prstGeom prst="rect">
-            <a:avLst/>
-          </a:prstGeom>
-        </p:spPr>
-        <p:txBody>
-          <a:bodyPr lIns="45719" tIns="45719" rIns="45719" bIns="45719"/>
-          <a:lstStyle>
-            <a:lvl1pPr defTabSz="457200">
-              <a:lnSpc>
-                <a:spcPts val="11600"/>
-              </a:lnSpc>
-              <a:defRPr sz="8000">
-                <a:solidFill>
-                  <a:srgbClr val="000080"/>
-                </a:solidFill>
-                <a:uFill>
-                  <a:solidFill>
-                    <a:srgbClr val="000000"/>
-                  </a:solidFill>
-                </a:uFill>
-              </a:defRPr>
-            </a:lvl1pPr>
-          </a:lstStyle>
-          <a:p>
-            <a:pPr/>
-            <a:r>
-              <a:t>References</a:t>
-            </a:r>
-          </a:p>
-        </p:txBody>
-      </p:sp>
-      <p:sp>
-        <p:nvSpPr>
-          <p:cNvPr id="218" name="Financial Times (2020): Coronavirus Tracked: The Latest Figures as the Pandemic Spreads &lt;https://www.ft.com/coronavirus-latest&gt;…"/>
-          <p:cNvSpPr txBox="1"/>
-          <p:nvPr>
-            <p:ph type="body" idx="4294967295"/>
-          </p:nvPr>
-        </p:nvSpPr>
-        <p:spPr>
-          <a:xfrm>
-            <a:off x="444500" y="1587500"/>
-            <a:ext cx="8255000" cy="4937520"/>
-          </a:xfrm>
-          <a:prstGeom prst="rect">
-            <a:avLst/>
-          </a:prstGeom>
-        </p:spPr>
-        <p:txBody>
-          <a:bodyPr lIns="45719" tIns="45719" rIns="45719" bIns="45719" anchor="t"/>
-          <a:lstStyle/>
-          <a:p>
-            <a:pPr marL="342899" indent="-342899" defTabSz="457200">
-              <a:lnSpc>
-                <a:spcPts val="5200"/>
-              </a:lnSpc>
-              <a:spcBef>
-                <a:spcPts val="1200"/>
-              </a:spcBef>
-              <a:buSzPct val="100000"/>
-              <a:buFont typeface="Arial"/>
-              <a:defRPr>
-                <a:uFill>
-                  <a:solidFill>
-                    <a:srgbClr val="000000"/>
-                  </a:solidFill>
-                </a:uFill>
-                <a:latin typeface="Times New Roman"/>
-                <a:ea typeface="Times New Roman"/>
-                <a:cs typeface="Times New Roman"/>
-                <a:sym typeface="Times New Roman"/>
-              </a:defRPr>
-            </a:pPr>
-            <a:r>
-              <a:rPr b="1"/>
-              <a:t>Financial Times</a:t>
-            </a:r>
-            <a:r>
-              <a:t> (2020): Coronavirus Tracked: The Latest Figures as the Pandemic Spreads &lt;</a:t>
-            </a:r>
-            <a:r>
-              <a:rPr u="sng">
-                <a:solidFill>
-                  <a:srgbClr val="0000FF"/>
-                </a:solidFill>
-                <a:uFill>
-                  <a:solidFill>
-                    <a:srgbClr val="0000FF"/>
-                  </a:solidFill>
-                </a:uFill>
-                <a:hlinkClick r:id="rId2" invalidUrl="" action="" tgtFrame="" tooltip="" history="1" highlightClick="0" endSnd="0"/>
-              </a:rPr>
-              <a:t>https://www.ft.com/coronavirus-latest</a:t>
-            </a:r>
-            <a:r>
-              <a:t>&gt;</a:t>
-            </a:r>
-          </a:p>
-          <a:p>
-            <a:pPr marL="342899" indent="-342899" defTabSz="457200">
-              <a:lnSpc>
-                <a:spcPts val="5200"/>
-              </a:lnSpc>
-              <a:spcBef>
-                <a:spcPts val="1200"/>
-              </a:spcBef>
-              <a:buSzPct val="100000"/>
-              <a:buFont typeface="Arial"/>
-              <a:defRPr>
-                <a:uFill>
-                  <a:solidFill>
-                    <a:srgbClr val="000000"/>
-                  </a:solidFill>
-                </a:uFill>
-                <a:latin typeface="Times New Roman"/>
-                <a:ea typeface="Times New Roman"/>
-                <a:cs typeface="Times New Roman"/>
-                <a:sym typeface="Times New Roman"/>
-              </a:defRPr>
-            </a:pPr>
-            <a:r>
-              <a:rPr b="1"/>
-              <a:t>Nick Rowe</a:t>
-            </a:r>
-            <a:r>
-              <a:t> (2020): </a:t>
-            </a:r>
-            <a:r>
-              <a:rPr i="1"/>
-              <a:t>Relative Supply Shocks, Unobtainium, Walras' Law, and the Coronavirus </a:t>
-            </a:r>
-            <a:r>
-              <a:t>&lt;</a:t>
-            </a:r>
-            <a:r>
-              <a:rPr u="sng">
-                <a:solidFill>
-                  <a:srgbClr val="0000FF"/>
-                </a:solidFill>
-                <a:uFill>
-                  <a:solidFill>
-                    <a:srgbClr val="0000FF"/>
-                  </a:solidFill>
-                </a:uFill>
-                <a:hlinkClick r:id="rId3" invalidUrl="" action="" tgtFrame="" tooltip="" history="1" highlightClick="0" endSnd="0"/>
-              </a:rPr>
-              <a:t>https://worthwhile.typepad.com/worthwhile_canadian_initi/2020/03/relative-supply-shocks-unobtainium-walras-law-and-the-coronavirus.html</a:t>
-            </a:r>
-            <a:r>
-              <a:t>&gt;</a:t>
-            </a:r>
-          </a:p>
-          <a:p>
-            <a:pPr marL="342899" indent="-342899" defTabSz="457200">
-              <a:lnSpc>
-                <a:spcPts val="5200"/>
-              </a:lnSpc>
-              <a:spcBef>
-                <a:spcPts val="1200"/>
-              </a:spcBef>
-              <a:buSzPct val="100000"/>
-              <a:buFont typeface="Arial"/>
-              <a:defRPr>
-                <a:uFill>
-                  <a:solidFill>
-                    <a:srgbClr val="000000"/>
-                  </a:solidFill>
-                </a:uFill>
-                <a:latin typeface="Times New Roman"/>
-                <a:ea typeface="Times New Roman"/>
-                <a:cs typeface="Times New Roman"/>
-                <a:sym typeface="Times New Roman"/>
-              </a:defRPr>
-            </a:pPr>
-            <a:r>
-              <a:rPr b="1"/>
-              <a:t>Jim Stock</a:t>
-            </a:r>
-            <a:r>
-              <a:t> (2020): </a:t>
-            </a:r>
-            <a:r>
-              <a:rPr i="1"/>
-              <a:t>Coronavirus Data Gaps and the Policy Response</a:t>
-            </a:r>
-            <a:r>
-              <a:t> &lt;</a:t>
-            </a:r>
-            <a:r>
-              <a:rPr u="sng">
-                <a:solidFill>
-                  <a:srgbClr val="0000FF"/>
-                </a:solidFill>
-                <a:uFill>
-                  <a:solidFill>
-                    <a:srgbClr val="0000FF"/>
-                  </a:solidFill>
-                </a:uFill>
-                <a:hlinkClick r:id="rId4" invalidUrl="" action="" tgtFrame="" tooltip="" history="1" highlightClick="0" endSnd="0"/>
-              </a:rPr>
-              <a:t>https://drive.google.com/file/d/12MV466ZZy5xHir4xdPhoTrL1oO8CbZU-/view</a:t>
-            </a:r>
-            <a:r>
-              <a:t>&gt;</a:t>
-            </a:r>
-          </a:p>
-        </p:txBody>
-      </p:sp>
-    </p:spTree>
-  </p:cSld>
-  <p:clrMapOvr>
-    <a:masterClrMapping/>
-  </p:clrMapOvr>
-  <p:transition xmlns:p14="http://schemas.microsoft.com/office/powerpoint/2010/main" spd="med" advClick="1"/>
-</p:sld>
-</file>
-
-<file path=ppt/slides/slide14.xml><?xml version="1.0" encoding="utf-8"?>
-<p:sld xmlns:a="http://schemas.openxmlformats.org/drawingml/2006/main" xmlns:r="http://schemas.openxmlformats.org/officeDocument/2006/relationships" xmlns:p="http://schemas.openxmlformats.org/presentationml/2006/main" xmlns:m="http://schemas.openxmlformats.org/officeDocument/2006/math" xmlns:a14="http://schemas.microsoft.com/office/drawing/2010/main" showMasterSp="1" showMasterPhAnim="1">
-  <p:cSld>
-    <p:spTree>
-      <p:nvGrpSpPr>
-        <p:cNvPr id="1" name=""/>
-        <p:cNvGrpSpPr/>
-        <p:nvPr/>
-      </p:nvGrpSpPr>
-      <p:grpSpPr>
-        <a:xfrm>
-          <a:off x="0" y="0"/>
-          <a:ext cx="0" cy="0"/>
-          <a:chOff x="0" y="0"/>
-          <a:chExt cx="0" cy="0"/>
-        </a:xfrm>
-      </p:grpSpPr>
-      <p:sp>
-        <p:nvSpPr>
-          <p:cNvPr id="220" name="Catch Our Breath…"/>
-          <p:cNvSpPr txBox="1"/>
-          <p:nvPr>
-            <p:ph type="title"/>
-          </p:nvPr>
-        </p:nvSpPr>
-        <p:spPr>
-          <a:xfrm>
-            <a:off x="276457" y="-1"/>
-            <a:ext cx="8572501" cy="1270001"/>
-          </a:xfrm>
-          <a:prstGeom prst="rect">
-            <a:avLst/>
-          </a:prstGeom>
-        </p:spPr>
-        <p:txBody>
-          <a:bodyPr/>
-          <a:lstStyle/>
-          <a:p>
-            <a:pPr/>
-            <a:r>
-              <a:t>Catch Our Breath…</a:t>
-            </a:r>
-          </a:p>
-        </p:txBody>
-      </p:sp>
-      <p:sp>
-        <p:nvSpPr>
-          <p:cNvPr id="221" name="Ask a couple of questions?…"/>
-          <p:cNvSpPr txBox="1"/>
-          <p:nvPr>
-            <p:ph type="body" sz="half" idx="1"/>
-          </p:nvPr>
-        </p:nvSpPr>
-        <p:spPr>
-          <a:xfrm>
-            <a:off x="276457" y="1270000"/>
-            <a:ext cx="3810001" cy="4762500"/>
-          </a:xfrm>
-          <a:prstGeom prst="rect">
-            <a:avLst/>
-          </a:prstGeom>
-        </p:spPr>
-        <p:txBody>
-          <a:bodyPr anchor="t"/>
-          <a:lstStyle/>
-          <a:p>
-            <a:pPr marL="231139" indent="-231139" defTabSz="320397">
-              <a:spcBef>
-                <a:spcPts val="900"/>
-              </a:spcBef>
-              <a:defRPr sz="1871">
-                <a:latin typeface="Times New Roman"/>
-                <a:ea typeface="Times New Roman"/>
-                <a:cs typeface="Times New Roman"/>
-                <a:sym typeface="Times New Roman"/>
-              </a:defRPr>
-            </a:pPr>
-            <a:r>
-              <a:t>Ask a couple of questions? </a:t>
-            </a:r>
-          </a:p>
-          <a:p>
-            <a:pPr marL="231139" indent="-231139" defTabSz="320397">
-              <a:spcBef>
-                <a:spcPts val="900"/>
-              </a:spcBef>
-              <a:defRPr sz="1871">
-                <a:latin typeface="Times New Roman"/>
-                <a:ea typeface="Times New Roman"/>
-                <a:cs typeface="Times New Roman"/>
-                <a:sym typeface="Times New Roman"/>
-              </a:defRPr>
-            </a:pPr>
-            <a:r>
-              <a:t>Make a couple of comments?</a:t>
-            </a:r>
-          </a:p>
-          <a:p>
-            <a:pPr marL="231139" indent="-231139" defTabSz="320397">
-              <a:spcBef>
-                <a:spcPts val="900"/>
-              </a:spcBef>
-              <a:defRPr sz="1871">
-                <a:latin typeface="Times New Roman"/>
-                <a:ea typeface="Times New Roman"/>
-                <a:cs typeface="Times New Roman"/>
-                <a:sym typeface="Times New Roman"/>
-              </a:defRPr>
-            </a:pPr>
-            <a:r>
-              <a:t>Any more readings to recommend?</a:t>
-            </a:r>
-          </a:p>
-          <a:p>
-            <a:pPr marL="0" indent="0" defTabSz="320397">
-              <a:spcBef>
-                <a:spcPts val="900"/>
-              </a:spcBef>
-              <a:buSzTx/>
-              <a:buNone/>
-              <a:defRPr sz="1871">
-                <a:latin typeface="Times New Roman"/>
-                <a:ea typeface="Times New Roman"/>
-                <a:cs typeface="Times New Roman"/>
-                <a:sym typeface="Times New Roman"/>
-              </a:defRPr>
-            </a:pPr>
-          </a:p>
-          <a:p>
-            <a:pPr marL="0" indent="0" defTabSz="320397">
-              <a:spcBef>
-                <a:spcPts val="900"/>
-              </a:spcBef>
-              <a:buSzTx/>
-              <a:buNone/>
-              <a:defRPr sz="1871">
-                <a:latin typeface="Times New Roman"/>
-                <a:ea typeface="Times New Roman"/>
-                <a:cs typeface="Times New Roman"/>
-                <a:sym typeface="Times New Roman"/>
-              </a:defRPr>
-            </a:pPr>
-          </a:p>
-          <a:p>
-            <a:pPr marL="0" indent="0" defTabSz="320397">
-              <a:spcBef>
-                <a:spcPts val="900"/>
-              </a:spcBef>
-              <a:buSzTx/>
-              <a:buNone/>
-              <a:defRPr sz="1871">
-                <a:latin typeface="Times New Roman"/>
-                <a:ea typeface="Times New Roman"/>
-                <a:cs typeface="Times New Roman"/>
-                <a:sym typeface="Times New Roman"/>
-              </a:defRPr>
-            </a:pPr>
-          </a:p>
-          <a:p>
-            <a:pPr marL="0" indent="0" defTabSz="320397">
-              <a:spcBef>
-                <a:spcPts val="900"/>
-              </a:spcBef>
-              <a:buSzTx/>
-              <a:buNone/>
-              <a:defRPr sz="1871">
-                <a:latin typeface="Times New Roman"/>
-                <a:ea typeface="Times New Roman"/>
-                <a:cs typeface="Times New Roman"/>
-                <a:sym typeface="Times New Roman"/>
-              </a:defRPr>
-            </a:pPr>
-          </a:p>
-          <a:p>
-            <a:pPr marL="0" indent="0" defTabSz="320397">
-              <a:spcBef>
-                <a:spcPts val="900"/>
-              </a:spcBef>
-              <a:buSzTx/>
-              <a:buNone/>
-              <a:defRPr sz="1871">
-                <a:latin typeface="Times New Roman"/>
-                <a:ea typeface="Times New Roman"/>
-                <a:cs typeface="Times New Roman"/>
-                <a:sym typeface="Times New Roman"/>
-              </a:defRPr>
-            </a:pPr>
-          </a:p>
-          <a:p>
-            <a:pPr marL="0" indent="0" defTabSz="320397">
-              <a:spcBef>
-                <a:spcPts val="900"/>
-              </a:spcBef>
-              <a:buSzTx/>
-              <a:buNone/>
-              <a:defRPr sz="1871">
-                <a:latin typeface="Times New Roman"/>
-                <a:ea typeface="Times New Roman"/>
-                <a:cs typeface="Times New Roman"/>
-                <a:sym typeface="Times New Roman"/>
-              </a:defRPr>
-            </a:pPr>
-          </a:p>
-          <a:p>
-            <a:pPr marL="0" indent="0" defTabSz="320397">
-              <a:spcBef>
-                <a:spcPts val="900"/>
-              </a:spcBef>
-              <a:buSzTx/>
-              <a:buNone/>
-              <a:defRPr sz="1871">
-                <a:latin typeface="Times New Roman"/>
-                <a:ea typeface="Times New Roman"/>
-                <a:cs typeface="Times New Roman"/>
-                <a:sym typeface="Times New Roman"/>
-              </a:defRPr>
-            </a:pPr>
-          </a:p>
-          <a:p>
-            <a:pPr marL="231139" indent="-231139" defTabSz="320397">
-              <a:spcBef>
-                <a:spcPts val="900"/>
-              </a:spcBef>
-              <a:defRPr sz="1871">
-                <a:latin typeface="Times New Roman"/>
-                <a:ea typeface="Times New Roman"/>
-                <a:cs typeface="Times New Roman"/>
-                <a:sym typeface="Times New Roman"/>
-              </a:defRPr>
-            </a:pPr>
-            <a:r>
-              <a:t>&lt;</a:t>
-            </a:r>
-            <a:r>
-              <a:rPr u="sng">
-                <a:solidFill>
-                  <a:srgbClr val="0000FF"/>
-                </a:solidFill>
-                <a:uFill>
-                  <a:solidFill>
-                    <a:srgbClr val="0000FF"/>
-                  </a:solidFill>
-                </a:uFill>
-                <a:hlinkClick r:id="rId2" invalidUrl="" action="" tgtFrame="" tooltip="" history="1" highlightClick="0" endSnd="0"/>
-              </a:rPr>
-              <a:t>https://www.icloud.com/keynote/0YKEi7HeOrVGvKYtt9FEqH7nA</a:t>
-            </a:r>
-            <a:r>
-              <a:t>&gt;</a:t>
-            </a:r>
-          </a:p>
-        </p:txBody>
-      </p:sp>
-      <p:pic>
-        <p:nvPicPr>
-          <p:cNvPr id="222" name="image1.tif" descr="image1.tif"/>
-          <p:cNvPicPr>
-            <a:picLocks noChangeAspect="1"/>
-          </p:cNvPicPr>
-          <p:nvPr/>
-        </p:nvPicPr>
-        <p:blipFill>
-          <a:blip r:embed="rId3">
-            <a:extLst/>
-          </a:blip>
-          <a:stretch>
-            <a:fillRect/>
-          </a:stretch>
-        </p:blipFill>
-        <p:spPr>
-          <a:xfrm>
-            <a:off x="4086457" y="1270000"/>
-            <a:ext cx="4762501" cy="4762500"/>
-          </a:xfrm>
-          <a:prstGeom prst="rect">
-            <a:avLst/>
-          </a:prstGeom>
-          <a:ln w="12700">
-            <a:miter lim="400000"/>
-          </a:ln>
-        </p:spPr>
-      </p:pic>
-      <p:sp>
-        <p:nvSpPr>
-          <p:cNvPr id="223" name="Rectangle"/>
-          <p:cNvSpPr txBox="1"/>
-          <p:nvPr/>
-        </p:nvSpPr>
-        <p:spPr>
-          <a:xfrm>
-            <a:off x="276457" y="6032500"/>
-            <a:ext cx="8572501" cy="635000"/>
-          </a:xfrm>
-          <a:prstGeom prst="rect">
-            <a:avLst/>
-          </a:prstGeom>
-          <a:ln w="12700">
-            <a:miter lim="400000"/>
-          </a:ln>
-        </p:spPr>
-        <p:txBody>
-          <a:bodyPr lIns="35718" tIns="35718" rIns="35718" bIns="35718" anchor="b">
-            <a:normAutofit fontScale="100000" lnSpcReduction="0"/>
-          </a:bodyPr>
-          <a:lstStyle/>
-          <a:p>
-            <a:pPr algn="ctr">
-              <a:spcBef>
-                <a:spcPts val="1200"/>
-              </a:spcBef>
-              <a:defRPr sz="1200">
-                <a:latin typeface="Calibri"/>
-                <a:ea typeface="Calibri"/>
-                <a:cs typeface="Calibri"/>
-                <a:sym typeface="Calibri"/>
-              </a:defRPr>
-            </a:pPr>
-          </a:p>
-        </p:txBody>
-      </p:sp>
-    </p:spTree>
-  </p:cSld>
-  <p:clrMapOvr>
-    <a:masterClrMapping/>
-  </p:clrMapOvr>
-  <p:transition xmlns:p14="http://schemas.microsoft.com/office/powerpoint/2010/main" spd="med" advClick="1"/>
-</p:sld>
-</file>
-
-<file path=ppt/slides/slide15.xml><?xml version="1.0" encoding="utf-8"?>
-<p:sld xmlns:a="http://schemas.openxmlformats.org/drawingml/2006/main" xmlns:r="http://schemas.openxmlformats.org/officeDocument/2006/relationships" xmlns:p="http://schemas.openxmlformats.org/presentationml/2006/main" xmlns:m="http://schemas.openxmlformats.org/officeDocument/2006/math" xmlns:a14="http://schemas.microsoft.com/office/drawing/2010/main" showMasterSp="1" showMasterPhAnim="1">
-  <p:cSld>
-    <p:spTree>
-      <p:nvGrpSpPr>
-        <p:cNvPr id="1" name=""/>
-        <p:cNvGrpSpPr/>
-        <p:nvPr/>
-      </p:nvGrpSpPr>
-      <p:grpSpPr>
-        <a:xfrm>
-          <a:off x="0" y="0"/>
-          <a:ext cx="0" cy="0"/>
-          <a:chOff x="0" y="0"/>
-          <a:chExt cx="0" cy="0"/>
-        </a:xfrm>
-      </p:grpSpPr>
-      <p:sp>
-        <p:nvSpPr>
-          <p:cNvPr id="225" name="About the Course"/>
+          <p:cNvPr id="218" name="About the Course"/>
           <p:cNvSpPr txBox="1"/>
           <p:nvPr>
             <p:ph type="title" idx="4294967295"/>
@@ -7269,351 +6791,7 @@
       </p:sp>
       <p:sp>
         <p:nvSpPr>
-          <p:cNvPr id="226" name="The long 20th century will in all likelihood be seen in the future as the watershed in human experience:…"/>
-          <p:cNvSpPr txBox="1"/>
-          <p:nvPr>
-            <p:ph type="body" idx="4294967295"/>
-          </p:nvPr>
-        </p:nvSpPr>
-        <p:spPr>
-          <a:xfrm>
-            <a:off x="277662" y="1267120"/>
-            <a:ext cx="8572502" cy="5397505"/>
-          </a:xfrm>
-          <a:prstGeom prst="rect">
-            <a:avLst/>
-          </a:prstGeom>
-        </p:spPr>
-        <p:txBody>
-          <a:bodyPr lIns="45718" tIns="45718" rIns="45718" bIns="45718" anchor="t"/>
-          <a:lstStyle/>
-          <a:p>
-            <a:pPr marL="0" indent="0" defTabSz="215976">
-              <a:spcBef>
-                <a:spcPts val="900"/>
-              </a:spcBef>
-              <a:buSzTx/>
-              <a:buNone/>
-              <a:defRPr b="1" sz="2430">
-                <a:uFill>
-                  <a:solidFill>
-                    <a:srgbClr val="000000"/>
-                  </a:solidFill>
-                </a:uFill>
-                <a:latin typeface="+mj-lt"/>
-                <a:ea typeface="+mj-ea"/>
-                <a:cs typeface="+mj-cs"/>
-                <a:sym typeface="Helvetica"/>
-              </a:defRPr>
-            </a:pPr>
-            <a:r>
-              <a:t>What I am watching:</a:t>
-            </a:r>
-          </a:p>
-          <a:p>
-            <a:pPr marL="113671" indent="-113671" defTabSz="215976">
-              <a:spcBef>
-                <a:spcPts val="900"/>
-              </a:spcBef>
-              <a:buSzPct val="100000"/>
-              <a:defRPr b="1" sz="1944">
-                <a:uFill>
-                  <a:solidFill>
-                    <a:srgbClr val="000000"/>
-                  </a:solidFill>
-                </a:uFill>
-                <a:latin typeface="Times New Roman"/>
-                <a:ea typeface="Times New Roman"/>
-                <a:cs typeface="Times New Roman"/>
-                <a:sym typeface="Times New Roman"/>
-              </a:defRPr>
-            </a:pPr>
-            <a:r>
-              <a:t>Max Roser &amp; Hannah Ritchie</a:t>
-            </a:r>
-            <a:r>
-              <a:rPr b="0"/>
-              <a:t>: </a:t>
-            </a:r>
-            <a:r>
-              <a:rPr b="0" i="1"/>
-              <a:t>Coronavirus Disease (COVID-19)</a:t>
-            </a:r>
-            <a:r>
-              <a:rPr b="0"/>
-              <a:t> &lt;</a:t>
-            </a:r>
-            <a:r>
-              <a:rPr b="0" u="sng">
-                <a:solidFill>
-                  <a:srgbClr val="0000FF"/>
-                </a:solidFill>
-                <a:uFill>
-                  <a:solidFill>
-                    <a:srgbClr val="0000FF"/>
-                  </a:solidFill>
-                </a:uFill>
-                <a:hlinkClick r:id="rId2" invalidUrl="" action="" tgtFrame="" tooltip="" history="1" highlightClick="0" endSnd="0"/>
-              </a:rPr>
-              <a:t>https://ourworldindata.org/coronavirus</a:t>
-            </a:r>
-            <a:r>
-              <a:rPr b="0"/>
-              <a:t>&gt;…</a:t>
-            </a:r>
-          </a:p>
-          <a:p>
-            <a:pPr marL="113671" indent="-113671" defTabSz="215976">
-              <a:spcBef>
-                <a:spcPts val="900"/>
-              </a:spcBef>
-              <a:buSzPct val="100000"/>
-              <a:defRPr b="1" sz="1944">
-                <a:uFill>
-                  <a:solidFill>
-                    <a:srgbClr val="000000"/>
-                  </a:solidFill>
-                </a:uFill>
-                <a:latin typeface="Times New Roman"/>
-                <a:ea typeface="Times New Roman"/>
-                <a:cs typeface="Times New Roman"/>
-                <a:sym typeface="Times New Roman"/>
-              </a:defRPr>
-            </a:pPr>
-            <a:r>
-              <a:t>Worldometer</a:t>
-            </a:r>
-            <a:r>
-              <a:rPr b="0"/>
-              <a:t>: </a:t>
-            </a:r>
-            <a:r>
-              <a:rPr b="0" i="1"/>
-              <a:t>Coronavirus Update (Live) </a:t>
-            </a:r>
-            <a:r>
-              <a:rPr b="0"/>
-              <a:t>&lt;</a:t>
-            </a:r>
-            <a:r>
-              <a:rPr b="0" u="sng">
-                <a:solidFill>
-                  <a:srgbClr val="0000FF"/>
-                </a:solidFill>
-                <a:uFill>
-                  <a:solidFill>
-                    <a:srgbClr val="0000FF"/>
-                  </a:solidFill>
-                </a:uFill>
-                <a:hlinkClick r:id="rId3" invalidUrl="" action="" tgtFrame="" tooltip="" history="1" highlightClick="0" endSnd="0"/>
-              </a:rPr>
-              <a:t>https://www.worldometers.info/coronavirus/</a:t>
-            </a:r>
-            <a:r>
-              <a:rPr b="0"/>
-              <a:t>&gt;: ‘125,599 Cases and 4,605 Deaths from COVID-19 Virus Outbreak…</a:t>
-            </a:r>
-          </a:p>
-          <a:p>
-            <a:pPr marL="113671" indent="-113671" defTabSz="215976">
-              <a:spcBef>
-                <a:spcPts val="900"/>
-              </a:spcBef>
-              <a:buSzPct val="100000"/>
-              <a:defRPr i="1" sz="1944">
-                <a:uFill>
-                  <a:solidFill>
-                    <a:srgbClr val="000000"/>
-                  </a:solidFill>
-                </a:uFill>
-                <a:latin typeface="Times New Roman"/>
-                <a:ea typeface="Times New Roman"/>
-                <a:cs typeface="Times New Roman"/>
-                <a:sym typeface="Times New Roman"/>
-              </a:defRPr>
-            </a:pPr>
-            <a:r>
-              <a:t>FT Coronavirus Tracker</a:t>
-            </a:r>
-            <a:r>
-              <a:rPr i="0"/>
-              <a:t> &lt;</a:t>
-            </a:r>
-            <a:r>
-              <a:rPr i="0" u="sng">
-                <a:solidFill>
-                  <a:srgbClr val="0000FF"/>
-                </a:solidFill>
-                <a:uFill>
-                  <a:solidFill>
-                    <a:srgbClr val="0000FF"/>
-                  </a:solidFill>
-                </a:uFill>
-                <a:hlinkClick r:id="rId4" invalidUrl="" action="" tgtFrame="" tooltip="" history="1" highlightClick="0" endSnd="0"/>
-              </a:rPr>
-              <a:t>https://www.ft.com/content/a26fbf7e-48f8-11ea-aeb3-955839e06441</a:t>
-            </a:r>
-            <a:r>
-              <a:rPr i="0"/>
-              <a:t>&gt;</a:t>
-            </a:r>
-            <a:endParaRPr i="0"/>
-          </a:p>
-          <a:p>
-            <a:pPr marL="113671" indent="-113671" defTabSz="215976">
-              <a:spcBef>
-                <a:spcPts val="900"/>
-              </a:spcBef>
-              <a:buSzPct val="100000"/>
-              <a:defRPr i="1" sz="1944">
-                <a:uFill>
-                  <a:solidFill>
-                    <a:srgbClr val="000000"/>
-                  </a:solidFill>
-                </a:uFill>
-                <a:latin typeface="Times New Roman"/>
-                <a:ea typeface="Times New Roman"/>
-                <a:cs typeface="Times New Roman"/>
-                <a:sym typeface="Times New Roman"/>
-              </a:defRPr>
-            </a:pPr>
-            <a:r>
-              <a:rPr i="0"/>
-              <a:t>Josh Marshall’s COVID Twitter List &lt;</a:t>
-            </a:r>
-            <a:r>
-              <a:rPr i="0" u="sng">
-                <a:solidFill>
-                  <a:srgbClr val="0000FF"/>
-                </a:solidFill>
-                <a:uFill>
-                  <a:solidFill>
-                    <a:srgbClr val="0000FF"/>
-                  </a:solidFill>
-                </a:uFill>
-                <a:hlinkClick r:id="rId5" invalidUrl="" action="" tgtFrame="" tooltip="" history="1" highlightClick="0" endSnd="0"/>
-              </a:rPr>
-              <a:t>https://twitter.com/i/lists/1233998285779632128</a:t>
-            </a:r>
-            <a:r>
-              <a:rPr i="0"/>
-              <a:t>&gt;</a:t>
-            </a:r>
-            <a:endParaRPr i="0"/>
-          </a:p>
-          <a:p>
-            <a:pPr marL="113671" indent="-113671" defTabSz="215976">
-              <a:spcBef>
-                <a:spcPts val="900"/>
-              </a:spcBef>
-              <a:buSzPct val="100000"/>
-              <a:defRPr i="1" sz="1944">
-                <a:uFill>
-                  <a:solidFill>
-                    <a:srgbClr val="000000"/>
-                  </a:solidFill>
-                </a:uFill>
-                <a:latin typeface="Times New Roman"/>
-                <a:ea typeface="Times New Roman"/>
-                <a:cs typeface="Times New Roman"/>
-                <a:sym typeface="Times New Roman"/>
-              </a:defRPr>
-            </a:pPr>
-            <a:r>
-              <a:rPr i="0"/>
-              <a:t>NEJM Group: Updates on the Covid-19 Pandemic &lt;</a:t>
-            </a:r>
-            <a:r>
-              <a:rPr u="sng">
-                <a:solidFill>
-                  <a:srgbClr val="0000FF"/>
-                </a:solidFill>
-                <a:uFill>
-                  <a:solidFill>
-                    <a:srgbClr val="0000FF"/>
-                  </a:solidFill>
-                </a:uFill>
-                <a:hlinkClick r:id="rId6" invalidUrl="" action="" tgtFrame="" tooltip="" history="1" highlightClick="0" endSnd="0"/>
-              </a:rPr>
-              <a:t>http://m.n.nejm.org/nl/jsp/m.jsp?c=%40kxNtXckRDOq8oG0jJvAXsIzN4mPECIPhltxoTSdTU9k%3D&amp;cid=DM89089_NEJM_COVID-19_Newsletter&amp;bid=173498255</a:t>
-            </a:r>
-            <a:r>
-              <a:rPr i="0"/>
-              <a:t>&gt;: 'From the New England Journal of Medicine, NEJM Journal Watch, NEJM Catalyst, and other trusted sources...</a:t>
-            </a:r>
-          </a:p>
-        </p:txBody>
-      </p:sp>
-    </p:spTree>
-  </p:cSld>
-  <p:clrMapOvr>
-    <a:masterClrMapping/>
-  </p:clrMapOvr>
-  <p:transition xmlns:p14="http://schemas.microsoft.com/office/powerpoint/2010/main" spd="med" advClick="1"/>
-</p:sld>
-</file>
-
-<file path=ppt/slides/slide16.xml><?xml version="1.0" encoding="utf-8"?>
-<p:sld xmlns:a="http://schemas.openxmlformats.org/drawingml/2006/main" xmlns:r="http://schemas.openxmlformats.org/officeDocument/2006/relationships" xmlns:p="http://schemas.openxmlformats.org/presentationml/2006/main" xmlns:m="http://schemas.openxmlformats.org/officeDocument/2006/math" xmlns:a14="http://schemas.microsoft.com/office/drawing/2010/main" showMasterSp="1" showMasterPhAnim="1">
-  <p:cSld>
-    <p:spTree>
-      <p:nvGrpSpPr>
-        <p:cNvPr id="1" name=""/>
-        <p:cNvGrpSpPr/>
-        <p:nvPr/>
-      </p:nvGrpSpPr>
-      <p:grpSpPr>
-        <a:xfrm>
-          <a:off x="0" y="0"/>
-          <a:ext cx="0" cy="0"/>
-          <a:chOff x="0" y="0"/>
-          <a:chExt cx="0" cy="0"/>
-        </a:xfrm>
-      </p:grpSpPr>
-      <p:sp>
-        <p:nvSpPr>
-          <p:cNvPr id="228" name="About the Course"/>
-          <p:cNvSpPr txBox="1"/>
-          <p:nvPr>
-            <p:ph type="title" idx="4294967295"/>
-          </p:nvPr>
-        </p:nvSpPr>
-        <p:spPr>
-          <a:xfrm>
-            <a:off x="277663" y="-3"/>
-            <a:ext cx="8572501" cy="1267128"/>
-          </a:xfrm>
-          <a:prstGeom prst="rect">
-            <a:avLst/>
-          </a:prstGeom>
-        </p:spPr>
-        <p:txBody>
-          <a:bodyPr lIns="45718" tIns="45718" rIns="45718" bIns="45718"/>
-          <a:lstStyle>
-            <a:lvl1pPr defTabSz="457200">
-              <a:defRPr sz="6000">
-                <a:solidFill>
-                  <a:srgbClr val="000080"/>
-                </a:solidFill>
-                <a:uFill>
-                  <a:solidFill>
-                    <a:srgbClr val="000000"/>
-                  </a:solidFill>
-                </a:uFill>
-              </a:defRPr>
-            </a:lvl1pPr>
-          </a:lstStyle>
-          <a:p>
-            <a:pPr/>
-            <a:r>
-              <a:t>MOAR Coronavirus!</a:t>
-            </a:r>
-          </a:p>
-        </p:txBody>
-      </p:sp>
-      <p:sp>
-        <p:nvSpPr>
-          <p:cNvPr id="229" name="The long 20th century will in all likelihood be seen in the future as the watershed in human experience:…"/>
+          <p:cNvPr id="219" name="The long 20th century will in all likelihood be seen in the future as the watershed in human experience:…"/>
           <p:cNvSpPr txBox="1"/>
           <p:nvPr>
             <p:ph type="body" sz="half" idx="4294967295"/>
@@ -7746,7 +6924,7 @@
       </p:sp>
       <p:pic>
         <p:nvPicPr>
-          <p:cNvPr id="230" name="Image" descr="Image"/>
+          <p:cNvPr id="220" name="Image" descr="Image"/>
           <p:cNvPicPr>
             <a:picLocks noChangeAspect="0"/>
           </p:cNvPicPr>
@@ -7782,7 +6960,7 @@
 </p:sld>
 </file>
 
-<file path=ppt/slides/slide17.xml><?xml version="1.0" encoding="utf-8"?>
+<file path=ppt/slides/slide14.xml><?xml version="1.0" encoding="utf-8"?>
 <p:sld xmlns:a="http://schemas.openxmlformats.org/drawingml/2006/main" xmlns:r="http://schemas.openxmlformats.org/officeDocument/2006/relationships" xmlns:p="http://schemas.openxmlformats.org/presentationml/2006/main" xmlns:m="http://schemas.openxmlformats.org/officeDocument/2006/math" xmlns:a14="http://schemas.microsoft.com/office/drawing/2010/main" showMasterSp="1" showMasterPhAnim="1">
   <p:cSld>
     <p:spTree>
@@ -7801,7 +6979,7 @@
       </p:grpSpPr>
       <p:sp>
         <p:nvSpPr>
-          <p:cNvPr id="232" name="About the Course"/>
+          <p:cNvPr id="222" name="About the Course"/>
           <p:cNvSpPr txBox="1"/>
           <p:nvPr>
             <p:ph type="title" idx="4294967295"/>
@@ -7842,7 +7020,7 @@
       </p:sp>
       <p:sp>
         <p:nvSpPr>
-          <p:cNvPr id="233" name="The long 20th century will in all likelihood be seen in the future as the watershed in human experience:…"/>
+          <p:cNvPr id="223" name="The long 20th century will in all likelihood be seen in the future as the watershed in human experience:…"/>
           <p:cNvSpPr txBox="1"/>
           <p:nvPr>
             <p:ph type="body" sz="quarter" idx="4294967295"/>
@@ -7953,7 +7131,7 @@
       </p:sp>
       <p:pic>
         <p:nvPicPr>
-          <p:cNvPr id="234" name="Image" descr="Image"/>
+          <p:cNvPr id="224" name="Image" descr="Image"/>
           <p:cNvPicPr>
             <a:picLocks noChangeAspect="1"/>
           </p:cNvPicPr>
@@ -7989,7 +7167,7 @@
 </p:sld>
 </file>
 
-<file path=ppt/slides/slide18.xml><?xml version="1.0" encoding="utf-8"?>
+<file path=ppt/slides/slide15.xml><?xml version="1.0" encoding="utf-8"?>
 <p:sld xmlns:a="http://schemas.openxmlformats.org/drawingml/2006/main" xmlns:r="http://schemas.openxmlformats.org/officeDocument/2006/relationships" xmlns:p="http://schemas.openxmlformats.org/presentationml/2006/main" xmlns:m="http://schemas.openxmlformats.org/officeDocument/2006/math" xmlns:a14="http://schemas.microsoft.com/office/drawing/2010/main" showMasterSp="1" showMasterPhAnim="1">
   <p:cSld>
     <p:spTree>
@@ -8008,7 +7186,7 @@
       </p:grpSpPr>
       <p:sp>
         <p:nvSpPr>
-          <p:cNvPr id="236" name="About the Course"/>
+          <p:cNvPr id="226" name="About the Course"/>
           <p:cNvSpPr txBox="1"/>
           <p:nvPr>
             <p:ph type="title" idx="4294967295"/>
@@ -8049,7 +7227,7 @@
       </p:sp>
       <p:sp>
         <p:nvSpPr>
-          <p:cNvPr id="237" name="The long 20th century will in all likelihood be seen in the future as the watershed in human experience:…"/>
+          <p:cNvPr id="227" name="The long 20th century will in all likelihood be seen in the future as the watershed in human experience:…"/>
           <p:cNvSpPr txBox="1"/>
           <p:nvPr>
             <p:ph type="body" sz="half" idx="4294967295"/>
@@ -8248,7 +7426,7 @@
       </p:sp>
       <p:pic>
         <p:nvPicPr>
-          <p:cNvPr id="238" name="Image" descr="Image"/>
+          <p:cNvPr id="228" name="Image" descr="Image"/>
           <p:cNvPicPr>
             <a:picLocks noChangeAspect="1"/>
           </p:cNvPicPr>
@@ -8284,6 +7462,926 @@
 </p:sld>
 </file>
 
+<file path=ppt/slides/slide16.xml><?xml version="1.0" encoding="utf-8"?>
+<p:sld xmlns:a="http://schemas.openxmlformats.org/drawingml/2006/main" xmlns:r="http://schemas.openxmlformats.org/officeDocument/2006/relationships" xmlns:p="http://schemas.openxmlformats.org/presentationml/2006/main" xmlns:m="http://schemas.openxmlformats.org/officeDocument/2006/math" xmlns:a14="http://schemas.microsoft.com/office/drawing/2010/main" showMasterSp="1" showMasterPhAnim="1">
+  <p:cSld>
+    <p:spTree>
+      <p:nvGrpSpPr>
+        <p:cNvPr id="1" name=""/>
+        <p:cNvGrpSpPr/>
+        <p:nvPr/>
+      </p:nvGrpSpPr>
+      <p:grpSpPr>
+        <a:xfrm>
+          <a:off x="0" y="0"/>
+          <a:ext cx="0" cy="0"/>
+          <a:chOff x="0" y="0"/>
+          <a:chExt cx="0" cy="0"/>
+        </a:xfrm>
+      </p:grpSpPr>
+      <p:sp>
+        <p:nvSpPr>
+          <p:cNvPr id="230" name="References"/>
+          <p:cNvSpPr txBox="1"/>
+          <p:nvPr>
+            <p:ph type="title" idx="4294967295"/>
+          </p:nvPr>
+        </p:nvSpPr>
+        <p:spPr>
+          <a:xfrm>
+            <a:off x="444500" y="0"/>
+            <a:ext cx="8255000" cy="1587501"/>
+          </a:xfrm>
+          <a:prstGeom prst="rect">
+            <a:avLst/>
+          </a:prstGeom>
+        </p:spPr>
+        <p:txBody>
+          <a:bodyPr lIns="45719" tIns="45719" rIns="45719" bIns="45719"/>
+          <a:lstStyle>
+            <a:lvl1pPr defTabSz="457200">
+              <a:lnSpc>
+                <a:spcPts val="11600"/>
+              </a:lnSpc>
+              <a:defRPr sz="8000">
+                <a:solidFill>
+                  <a:srgbClr val="000080"/>
+                </a:solidFill>
+                <a:uFill>
+                  <a:solidFill>
+                    <a:srgbClr val="000000"/>
+                  </a:solidFill>
+                </a:uFill>
+              </a:defRPr>
+            </a:lvl1pPr>
+          </a:lstStyle>
+          <a:p>
+            <a:pPr/>
+            <a:r>
+              <a:t>References</a:t>
+            </a:r>
+          </a:p>
+        </p:txBody>
+      </p:sp>
+      <p:sp>
+        <p:nvSpPr>
+          <p:cNvPr id="231" name="Financial Times (2020): Coronavirus Tracked: The Latest Figures as the Pandemic Spreads &lt;https://www.ft.com/coronavirus-latest&gt;…"/>
+          <p:cNvSpPr txBox="1"/>
+          <p:nvPr>
+            <p:ph type="body" idx="4294967295"/>
+          </p:nvPr>
+        </p:nvSpPr>
+        <p:spPr>
+          <a:xfrm>
+            <a:off x="444500" y="1587500"/>
+            <a:ext cx="8255000" cy="4937520"/>
+          </a:xfrm>
+          <a:prstGeom prst="rect">
+            <a:avLst/>
+          </a:prstGeom>
+        </p:spPr>
+        <p:txBody>
+          <a:bodyPr lIns="45719" tIns="45719" rIns="45719" bIns="45719" anchor="t"/>
+          <a:lstStyle/>
+          <a:p>
+            <a:pPr marL="342899" indent="-342899" defTabSz="457200">
+              <a:lnSpc>
+                <a:spcPts val="5200"/>
+              </a:lnSpc>
+              <a:spcBef>
+                <a:spcPts val="1200"/>
+              </a:spcBef>
+              <a:buSzPct val="100000"/>
+              <a:buFont typeface="Arial"/>
+              <a:defRPr>
+                <a:uFill>
+                  <a:solidFill>
+                    <a:srgbClr val="000000"/>
+                  </a:solidFill>
+                </a:uFill>
+                <a:latin typeface="Times New Roman"/>
+                <a:ea typeface="Times New Roman"/>
+                <a:cs typeface="Times New Roman"/>
+                <a:sym typeface="Times New Roman"/>
+              </a:defRPr>
+            </a:pPr>
+            <a:r>
+              <a:rPr b="1"/>
+              <a:t>Financial Times</a:t>
+            </a:r>
+            <a:r>
+              <a:t> (2020): Coronavirus Tracked: The Latest Figures as the Pandemic Spreads &lt;</a:t>
+            </a:r>
+            <a:r>
+              <a:rPr u="sng">
+                <a:solidFill>
+                  <a:srgbClr val="0000FF"/>
+                </a:solidFill>
+                <a:uFill>
+                  <a:solidFill>
+                    <a:srgbClr val="0000FF"/>
+                  </a:solidFill>
+                </a:uFill>
+                <a:hlinkClick r:id="rId2" invalidUrl="" action="" tgtFrame="" tooltip="" history="1" highlightClick="0" endSnd="0"/>
+              </a:rPr>
+              <a:t>https://www.ft.com/coronavirus-latest</a:t>
+            </a:r>
+            <a:r>
+              <a:t>&gt;</a:t>
+            </a:r>
+          </a:p>
+          <a:p>
+            <a:pPr marL="342899" indent="-342899" defTabSz="457200">
+              <a:lnSpc>
+                <a:spcPts val="5200"/>
+              </a:lnSpc>
+              <a:spcBef>
+                <a:spcPts val="1200"/>
+              </a:spcBef>
+              <a:buSzPct val="100000"/>
+              <a:buFont typeface="Arial"/>
+              <a:defRPr>
+                <a:uFill>
+                  <a:solidFill>
+                    <a:srgbClr val="000000"/>
+                  </a:solidFill>
+                </a:uFill>
+                <a:latin typeface="Times New Roman"/>
+                <a:ea typeface="Times New Roman"/>
+                <a:cs typeface="Times New Roman"/>
+                <a:sym typeface="Times New Roman"/>
+              </a:defRPr>
+            </a:pPr>
+            <a:r>
+              <a:rPr b="1"/>
+              <a:t>Nick Rowe</a:t>
+            </a:r>
+            <a:r>
+              <a:t> (2020): </a:t>
+            </a:r>
+            <a:r>
+              <a:rPr i="1"/>
+              <a:t>Relative Supply Shocks, Unobtainium, Walras' Law, and the Coronavirus </a:t>
+            </a:r>
+            <a:r>
+              <a:t>&lt;</a:t>
+            </a:r>
+            <a:r>
+              <a:rPr u="sng">
+                <a:solidFill>
+                  <a:srgbClr val="0000FF"/>
+                </a:solidFill>
+                <a:uFill>
+                  <a:solidFill>
+                    <a:srgbClr val="0000FF"/>
+                  </a:solidFill>
+                </a:uFill>
+                <a:hlinkClick r:id="rId3" invalidUrl="" action="" tgtFrame="" tooltip="" history="1" highlightClick="0" endSnd="0"/>
+              </a:rPr>
+              <a:t>https://worthwhile.typepad.com/worthwhile_canadian_initi/2020/03/relative-supply-shocks-unobtainium-walras-law-and-the-coronavirus.html</a:t>
+            </a:r>
+            <a:r>
+              <a:t>&gt;</a:t>
+            </a:r>
+          </a:p>
+          <a:p>
+            <a:pPr marL="342899" indent="-342899" defTabSz="457200">
+              <a:lnSpc>
+                <a:spcPts val="5200"/>
+              </a:lnSpc>
+              <a:spcBef>
+                <a:spcPts val="1200"/>
+              </a:spcBef>
+              <a:buSzPct val="100000"/>
+              <a:buFont typeface="Arial"/>
+              <a:defRPr>
+                <a:uFill>
+                  <a:solidFill>
+                    <a:srgbClr val="000000"/>
+                  </a:solidFill>
+                </a:uFill>
+                <a:latin typeface="Times New Roman"/>
+                <a:ea typeface="Times New Roman"/>
+                <a:cs typeface="Times New Roman"/>
+                <a:sym typeface="Times New Roman"/>
+              </a:defRPr>
+            </a:pPr>
+            <a:r>
+              <a:rPr b="1"/>
+              <a:t>Jim Stock</a:t>
+            </a:r>
+            <a:r>
+              <a:t> (2020): </a:t>
+            </a:r>
+            <a:r>
+              <a:rPr i="1"/>
+              <a:t>Coronavirus Data Gaps and the Policy Response</a:t>
+            </a:r>
+            <a:r>
+              <a:t> &lt;</a:t>
+            </a:r>
+            <a:r>
+              <a:rPr u="sng">
+                <a:solidFill>
+                  <a:srgbClr val="0000FF"/>
+                </a:solidFill>
+                <a:uFill>
+                  <a:solidFill>
+                    <a:srgbClr val="0000FF"/>
+                  </a:solidFill>
+                </a:uFill>
+                <a:hlinkClick r:id="rId4" invalidUrl="" action="" tgtFrame="" tooltip="" history="1" highlightClick="0" endSnd="0"/>
+              </a:rPr>
+              <a:t>https://drive.google.com/file/d/12MV466ZZy5xHir4xdPhoTrL1oO8CbZU-/view</a:t>
+            </a:r>
+            <a:r>
+              <a:t>&gt;</a:t>
+            </a:r>
+          </a:p>
+        </p:txBody>
+      </p:sp>
+    </p:spTree>
+  </p:cSld>
+  <p:clrMapOvr>
+    <a:masterClrMapping/>
+  </p:clrMapOvr>
+  <p:transition xmlns:p14="http://schemas.microsoft.com/office/powerpoint/2010/main" spd="med" advClick="1"/>
+</p:sld>
+</file>
+
+<file path=ppt/slides/slide17.xml><?xml version="1.0" encoding="utf-8"?>
+<p:sld xmlns:a="http://schemas.openxmlformats.org/drawingml/2006/main" xmlns:r="http://schemas.openxmlformats.org/officeDocument/2006/relationships" xmlns:p="http://schemas.openxmlformats.org/presentationml/2006/main" xmlns:m="http://schemas.openxmlformats.org/officeDocument/2006/math" xmlns:a14="http://schemas.microsoft.com/office/drawing/2010/main" showMasterSp="1" showMasterPhAnim="1">
+  <p:cSld>
+    <p:spTree>
+      <p:nvGrpSpPr>
+        <p:cNvPr id="1" name=""/>
+        <p:cNvGrpSpPr/>
+        <p:nvPr/>
+      </p:nvGrpSpPr>
+      <p:grpSpPr>
+        <a:xfrm>
+          <a:off x="0" y="0"/>
+          <a:ext cx="0" cy="0"/>
+          <a:chOff x="0" y="0"/>
+          <a:chExt cx="0" cy="0"/>
+        </a:xfrm>
+      </p:grpSpPr>
+      <p:sp>
+        <p:nvSpPr>
+          <p:cNvPr id="233" name="About the Course"/>
+          <p:cNvSpPr txBox="1"/>
+          <p:nvPr>
+            <p:ph type="title" idx="4294967295"/>
+          </p:nvPr>
+        </p:nvSpPr>
+        <p:spPr>
+          <a:xfrm>
+            <a:off x="277663" y="-3"/>
+            <a:ext cx="8572501" cy="1267128"/>
+          </a:xfrm>
+          <a:prstGeom prst="rect">
+            <a:avLst/>
+          </a:prstGeom>
+        </p:spPr>
+        <p:txBody>
+          <a:bodyPr lIns="45718" tIns="45718" rIns="45718" bIns="45718"/>
+          <a:lstStyle>
+            <a:lvl1pPr defTabSz="457200">
+              <a:defRPr sz="6000">
+                <a:solidFill>
+                  <a:srgbClr val="000080"/>
+                </a:solidFill>
+                <a:uFill>
+                  <a:solidFill>
+                    <a:srgbClr val="000000"/>
+                  </a:solidFill>
+                </a:uFill>
+              </a:defRPr>
+            </a:lvl1pPr>
+          </a:lstStyle>
+          <a:p>
+            <a:pPr/>
+            <a:r>
+              <a:t>MOAR Coronavirus!</a:t>
+            </a:r>
+          </a:p>
+        </p:txBody>
+      </p:sp>
+      <p:sp>
+        <p:nvSpPr>
+          <p:cNvPr id="234" name="The long 20th century will in all likelihood be seen in the future as the watershed in human experience:…"/>
+          <p:cNvSpPr txBox="1"/>
+          <p:nvPr>
+            <p:ph type="body" idx="4294967295"/>
+          </p:nvPr>
+        </p:nvSpPr>
+        <p:spPr>
+          <a:xfrm>
+            <a:off x="277662" y="1267120"/>
+            <a:ext cx="8572502" cy="5397505"/>
+          </a:xfrm>
+          <a:prstGeom prst="rect">
+            <a:avLst/>
+          </a:prstGeom>
+        </p:spPr>
+        <p:txBody>
+          <a:bodyPr lIns="45718" tIns="45718" rIns="45718" bIns="45718" anchor="t"/>
+          <a:lstStyle/>
+          <a:p>
+            <a:pPr marL="0" indent="0" defTabSz="215976">
+              <a:spcBef>
+                <a:spcPts val="900"/>
+              </a:spcBef>
+              <a:buSzTx/>
+              <a:buNone/>
+              <a:defRPr b="1" sz="2430">
+                <a:uFill>
+                  <a:solidFill>
+                    <a:srgbClr val="000000"/>
+                  </a:solidFill>
+                </a:uFill>
+                <a:latin typeface="+mj-lt"/>
+                <a:ea typeface="+mj-ea"/>
+                <a:cs typeface="+mj-cs"/>
+                <a:sym typeface="Helvetica"/>
+              </a:defRPr>
+            </a:pPr>
+            <a:r>
+              <a:t>What I am watching:</a:t>
+            </a:r>
+          </a:p>
+          <a:p>
+            <a:pPr marL="113671" indent="-113671" defTabSz="215976">
+              <a:spcBef>
+                <a:spcPts val="900"/>
+              </a:spcBef>
+              <a:buSzPct val="100000"/>
+              <a:defRPr b="1" sz="1944">
+                <a:uFill>
+                  <a:solidFill>
+                    <a:srgbClr val="000000"/>
+                  </a:solidFill>
+                </a:uFill>
+                <a:latin typeface="Times New Roman"/>
+                <a:ea typeface="Times New Roman"/>
+                <a:cs typeface="Times New Roman"/>
+                <a:sym typeface="Times New Roman"/>
+              </a:defRPr>
+            </a:pPr>
+            <a:r>
+              <a:t>Max Roser &amp; Hannah Ritchie</a:t>
+            </a:r>
+            <a:r>
+              <a:rPr b="0"/>
+              <a:t>: </a:t>
+            </a:r>
+            <a:r>
+              <a:rPr b="0" i="1"/>
+              <a:t>Coronavirus Disease (COVID-19)</a:t>
+            </a:r>
+            <a:r>
+              <a:rPr b="0"/>
+              <a:t> &lt;</a:t>
+            </a:r>
+            <a:r>
+              <a:rPr b="0" u="sng">
+                <a:solidFill>
+                  <a:srgbClr val="0000FF"/>
+                </a:solidFill>
+                <a:uFill>
+                  <a:solidFill>
+                    <a:srgbClr val="0000FF"/>
+                  </a:solidFill>
+                </a:uFill>
+                <a:hlinkClick r:id="rId2" invalidUrl="" action="" tgtFrame="" tooltip="" history="1" highlightClick="0" endSnd="0"/>
+              </a:rPr>
+              <a:t>https://ourworldindata.org/coronavirus</a:t>
+            </a:r>
+            <a:r>
+              <a:rPr b="0"/>
+              <a:t>&gt;…</a:t>
+            </a:r>
+          </a:p>
+          <a:p>
+            <a:pPr marL="113671" indent="-113671" defTabSz="215976">
+              <a:spcBef>
+                <a:spcPts val="900"/>
+              </a:spcBef>
+              <a:buSzPct val="100000"/>
+              <a:defRPr b="1" sz="1944">
+                <a:uFill>
+                  <a:solidFill>
+                    <a:srgbClr val="000000"/>
+                  </a:solidFill>
+                </a:uFill>
+                <a:latin typeface="Times New Roman"/>
+                <a:ea typeface="Times New Roman"/>
+                <a:cs typeface="Times New Roman"/>
+                <a:sym typeface="Times New Roman"/>
+              </a:defRPr>
+            </a:pPr>
+            <a:r>
+              <a:t>Worldometer</a:t>
+            </a:r>
+            <a:r>
+              <a:rPr b="0"/>
+              <a:t>: </a:t>
+            </a:r>
+            <a:r>
+              <a:rPr b="0" i="1"/>
+              <a:t>Coronavirus Update (Live) </a:t>
+            </a:r>
+            <a:r>
+              <a:rPr b="0"/>
+              <a:t>&lt;</a:t>
+            </a:r>
+            <a:r>
+              <a:rPr b="0" u="sng">
+                <a:solidFill>
+                  <a:srgbClr val="0000FF"/>
+                </a:solidFill>
+                <a:uFill>
+                  <a:solidFill>
+                    <a:srgbClr val="0000FF"/>
+                  </a:solidFill>
+                </a:uFill>
+                <a:hlinkClick r:id="rId3" invalidUrl="" action="" tgtFrame="" tooltip="" history="1" highlightClick="0" endSnd="0"/>
+              </a:rPr>
+              <a:t>https://www.worldometers.info/coronavirus/</a:t>
+            </a:r>
+            <a:r>
+              <a:rPr b="0"/>
+              <a:t>&gt;: ‘125,599 Cases and 4,605 Deaths from COVID-19 Virus Outbreak…</a:t>
+            </a:r>
+          </a:p>
+          <a:p>
+            <a:pPr marL="113671" indent="-113671" defTabSz="215976">
+              <a:spcBef>
+                <a:spcPts val="900"/>
+              </a:spcBef>
+              <a:buSzPct val="100000"/>
+              <a:defRPr i="1" sz="1944">
+                <a:uFill>
+                  <a:solidFill>
+                    <a:srgbClr val="000000"/>
+                  </a:solidFill>
+                </a:uFill>
+                <a:latin typeface="Times New Roman"/>
+                <a:ea typeface="Times New Roman"/>
+                <a:cs typeface="Times New Roman"/>
+                <a:sym typeface="Times New Roman"/>
+              </a:defRPr>
+            </a:pPr>
+            <a:r>
+              <a:t>FT Coronavirus Tracker</a:t>
+            </a:r>
+            <a:r>
+              <a:rPr i="0"/>
+              <a:t> &lt;</a:t>
+            </a:r>
+            <a:r>
+              <a:rPr i="0" u="sng">
+                <a:solidFill>
+                  <a:srgbClr val="0000FF"/>
+                </a:solidFill>
+                <a:uFill>
+                  <a:solidFill>
+                    <a:srgbClr val="0000FF"/>
+                  </a:solidFill>
+                </a:uFill>
+                <a:hlinkClick r:id="rId4" invalidUrl="" action="" tgtFrame="" tooltip="" history="1" highlightClick="0" endSnd="0"/>
+              </a:rPr>
+              <a:t>https://www.ft.com/content/a26fbf7e-48f8-11ea-aeb3-955839e06441</a:t>
+            </a:r>
+            <a:r>
+              <a:rPr i="0"/>
+              <a:t>&gt;</a:t>
+            </a:r>
+            <a:endParaRPr i="0"/>
+          </a:p>
+          <a:p>
+            <a:pPr marL="113671" indent="-113671" defTabSz="215976">
+              <a:spcBef>
+                <a:spcPts val="900"/>
+              </a:spcBef>
+              <a:buSzPct val="100000"/>
+              <a:defRPr i="1" sz="1944">
+                <a:uFill>
+                  <a:solidFill>
+                    <a:srgbClr val="000000"/>
+                  </a:solidFill>
+                </a:uFill>
+                <a:latin typeface="Times New Roman"/>
+                <a:ea typeface="Times New Roman"/>
+                <a:cs typeface="Times New Roman"/>
+                <a:sym typeface="Times New Roman"/>
+              </a:defRPr>
+            </a:pPr>
+            <a:r>
+              <a:rPr i="0"/>
+              <a:t>Josh Marshall’s COVID Twitter List &lt;</a:t>
+            </a:r>
+            <a:r>
+              <a:rPr i="0" u="sng">
+                <a:solidFill>
+                  <a:srgbClr val="0000FF"/>
+                </a:solidFill>
+                <a:uFill>
+                  <a:solidFill>
+                    <a:srgbClr val="0000FF"/>
+                  </a:solidFill>
+                </a:uFill>
+                <a:hlinkClick r:id="rId5" invalidUrl="" action="" tgtFrame="" tooltip="" history="1" highlightClick="0" endSnd="0"/>
+              </a:rPr>
+              <a:t>https://twitter.com/i/lists/1233998285779632128</a:t>
+            </a:r>
+            <a:r>
+              <a:rPr i="0"/>
+              <a:t>&gt;</a:t>
+            </a:r>
+            <a:endParaRPr i="0"/>
+          </a:p>
+          <a:p>
+            <a:pPr marL="113671" indent="-113671" defTabSz="215976">
+              <a:spcBef>
+                <a:spcPts val="900"/>
+              </a:spcBef>
+              <a:buSzPct val="100000"/>
+              <a:defRPr i="1" sz="1944">
+                <a:uFill>
+                  <a:solidFill>
+                    <a:srgbClr val="000000"/>
+                  </a:solidFill>
+                </a:uFill>
+                <a:latin typeface="Times New Roman"/>
+                <a:ea typeface="Times New Roman"/>
+                <a:cs typeface="Times New Roman"/>
+                <a:sym typeface="Times New Roman"/>
+              </a:defRPr>
+            </a:pPr>
+            <a:r>
+              <a:rPr i="0"/>
+              <a:t>NEJM Group: Updates on the Covid-19 Pandemic &lt;</a:t>
+            </a:r>
+            <a:r>
+              <a:rPr u="sng">
+                <a:solidFill>
+                  <a:srgbClr val="0000FF"/>
+                </a:solidFill>
+                <a:uFill>
+                  <a:solidFill>
+                    <a:srgbClr val="0000FF"/>
+                  </a:solidFill>
+                </a:uFill>
+                <a:hlinkClick r:id="rId6" invalidUrl="" action="" tgtFrame="" tooltip="" history="1" highlightClick="0" endSnd="0"/>
+              </a:rPr>
+              <a:t>http://m.n.nejm.org/nl/jsp/m.jsp?c=%40kxNtXckRDOq8oG0jJvAXsIzN4mPECIPhltxoTSdTU9k%3D&amp;cid=DM89089_NEJM_COVID-19_Newsletter&amp;bid=173498255</a:t>
+            </a:r>
+            <a:r>
+              <a:rPr i="0"/>
+              <a:t>&gt;: 'From the New England Journal of Medicine, NEJM Journal Watch, NEJM Catalyst, and other trusted sources...</a:t>
+            </a:r>
+          </a:p>
+        </p:txBody>
+      </p:sp>
+    </p:spTree>
+  </p:cSld>
+  <p:clrMapOvr>
+    <a:masterClrMapping/>
+  </p:clrMapOvr>
+  <p:transition xmlns:p14="http://schemas.microsoft.com/office/powerpoint/2010/main" spd="med" advClick="1"/>
+</p:sld>
+</file>
+
+<file path=ppt/slides/slide18.xml><?xml version="1.0" encoding="utf-8"?>
+<p:sld xmlns:a="http://schemas.openxmlformats.org/drawingml/2006/main" xmlns:r="http://schemas.openxmlformats.org/officeDocument/2006/relationships" xmlns:p="http://schemas.openxmlformats.org/presentationml/2006/main" xmlns:m="http://schemas.openxmlformats.org/officeDocument/2006/math" xmlns:a14="http://schemas.microsoft.com/office/drawing/2010/main" showMasterSp="1" showMasterPhAnim="1">
+  <p:cSld>
+    <p:spTree>
+      <p:nvGrpSpPr>
+        <p:cNvPr id="1" name=""/>
+        <p:cNvGrpSpPr/>
+        <p:nvPr/>
+      </p:nvGrpSpPr>
+      <p:grpSpPr>
+        <a:xfrm>
+          <a:off x="0" y="0"/>
+          <a:ext cx="0" cy="0"/>
+          <a:chOff x="0" y="0"/>
+          <a:chExt cx="0" cy="0"/>
+        </a:xfrm>
+      </p:grpSpPr>
+      <p:sp>
+        <p:nvSpPr>
+          <p:cNvPr id="236" name="Catch Our Breath…"/>
+          <p:cNvSpPr txBox="1"/>
+          <p:nvPr>
+            <p:ph type="title"/>
+          </p:nvPr>
+        </p:nvSpPr>
+        <p:spPr>
+          <a:xfrm>
+            <a:off x="276457" y="-1"/>
+            <a:ext cx="8572501" cy="1270001"/>
+          </a:xfrm>
+          <a:prstGeom prst="rect">
+            <a:avLst/>
+          </a:prstGeom>
+        </p:spPr>
+        <p:txBody>
+          <a:bodyPr/>
+          <a:lstStyle/>
+          <a:p>
+            <a:pPr/>
+            <a:r>
+              <a:t>Catch Our Breath…</a:t>
+            </a:r>
+          </a:p>
+        </p:txBody>
+      </p:sp>
+      <p:sp>
+        <p:nvSpPr>
+          <p:cNvPr id="237" name="Ask a couple of questions?…"/>
+          <p:cNvSpPr txBox="1"/>
+          <p:nvPr>
+            <p:ph type="body" sz="half" idx="1"/>
+          </p:nvPr>
+        </p:nvSpPr>
+        <p:spPr>
+          <a:xfrm>
+            <a:off x="276457" y="1270000"/>
+            <a:ext cx="3810001" cy="4762500"/>
+          </a:xfrm>
+          <a:prstGeom prst="rect">
+            <a:avLst/>
+          </a:prstGeom>
+        </p:spPr>
+        <p:txBody>
+          <a:bodyPr anchor="t"/>
+          <a:lstStyle/>
+          <a:p>
+            <a:pPr marL="231139" indent="-231139" defTabSz="320397">
+              <a:spcBef>
+                <a:spcPts val="900"/>
+              </a:spcBef>
+              <a:defRPr sz="1871">
+                <a:latin typeface="Times New Roman"/>
+                <a:ea typeface="Times New Roman"/>
+                <a:cs typeface="Times New Roman"/>
+                <a:sym typeface="Times New Roman"/>
+              </a:defRPr>
+            </a:pPr>
+            <a:r>
+              <a:t>Ask a couple of questions? </a:t>
+            </a:r>
+          </a:p>
+          <a:p>
+            <a:pPr marL="231139" indent="-231139" defTabSz="320397">
+              <a:spcBef>
+                <a:spcPts val="900"/>
+              </a:spcBef>
+              <a:defRPr sz="1871">
+                <a:latin typeface="Times New Roman"/>
+                <a:ea typeface="Times New Roman"/>
+                <a:cs typeface="Times New Roman"/>
+                <a:sym typeface="Times New Roman"/>
+              </a:defRPr>
+            </a:pPr>
+            <a:r>
+              <a:t>Make a couple of comments?</a:t>
+            </a:r>
+          </a:p>
+          <a:p>
+            <a:pPr marL="231139" indent="-231139" defTabSz="320397">
+              <a:spcBef>
+                <a:spcPts val="900"/>
+              </a:spcBef>
+              <a:defRPr sz="1871">
+                <a:latin typeface="Times New Roman"/>
+                <a:ea typeface="Times New Roman"/>
+                <a:cs typeface="Times New Roman"/>
+                <a:sym typeface="Times New Roman"/>
+              </a:defRPr>
+            </a:pPr>
+            <a:r>
+              <a:t>Any more readings to recommend?</a:t>
+            </a:r>
+          </a:p>
+          <a:p>
+            <a:pPr marL="0" indent="0" defTabSz="320397">
+              <a:spcBef>
+                <a:spcPts val="900"/>
+              </a:spcBef>
+              <a:buSzTx/>
+              <a:buNone/>
+              <a:defRPr sz="1871">
+                <a:latin typeface="Times New Roman"/>
+                <a:ea typeface="Times New Roman"/>
+                <a:cs typeface="Times New Roman"/>
+                <a:sym typeface="Times New Roman"/>
+              </a:defRPr>
+            </a:pPr>
+          </a:p>
+          <a:p>
+            <a:pPr marL="0" indent="0" defTabSz="320397">
+              <a:spcBef>
+                <a:spcPts val="900"/>
+              </a:spcBef>
+              <a:buSzTx/>
+              <a:buNone/>
+              <a:defRPr sz="1871">
+                <a:latin typeface="Times New Roman"/>
+                <a:ea typeface="Times New Roman"/>
+                <a:cs typeface="Times New Roman"/>
+                <a:sym typeface="Times New Roman"/>
+              </a:defRPr>
+            </a:pPr>
+          </a:p>
+          <a:p>
+            <a:pPr marL="0" indent="0" defTabSz="320397">
+              <a:spcBef>
+                <a:spcPts val="900"/>
+              </a:spcBef>
+              <a:buSzTx/>
+              <a:buNone/>
+              <a:defRPr sz="1871">
+                <a:latin typeface="Times New Roman"/>
+                <a:ea typeface="Times New Roman"/>
+                <a:cs typeface="Times New Roman"/>
+                <a:sym typeface="Times New Roman"/>
+              </a:defRPr>
+            </a:pPr>
+          </a:p>
+          <a:p>
+            <a:pPr marL="0" indent="0" defTabSz="320397">
+              <a:spcBef>
+                <a:spcPts val="900"/>
+              </a:spcBef>
+              <a:buSzTx/>
+              <a:buNone/>
+              <a:defRPr sz="1871">
+                <a:latin typeface="Times New Roman"/>
+                <a:ea typeface="Times New Roman"/>
+                <a:cs typeface="Times New Roman"/>
+                <a:sym typeface="Times New Roman"/>
+              </a:defRPr>
+            </a:pPr>
+          </a:p>
+          <a:p>
+            <a:pPr marL="0" indent="0" defTabSz="320397">
+              <a:spcBef>
+                <a:spcPts val="900"/>
+              </a:spcBef>
+              <a:buSzTx/>
+              <a:buNone/>
+              <a:defRPr sz="1871">
+                <a:latin typeface="Times New Roman"/>
+                <a:ea typeface="Times New Roman"/>
+                <a:cs typeface="Times New Roman"/>
+                <a:sym typeface="Times New Roman"/>
+              </a:defRPr>
+            </a:pPr>
+          </a:p>
+          <a:p>
+            <a:pPr marL="0" indent="0" defTabSz="320397">
+              <a:spcBef>
+                <a:spcPts val="900"/>
+              </a:spcBef>
+              <a:buSzTx/>
+              <a:buNone/>
+              <a:defRPr sz="1871">
+                <a:latin typeface="Times New Roman"/>
+                <a:ea typeface="Times New Roman"/>
+                <a:cs typeface="Times New Roman"/>
+                <a:sym typeface="Times New Roman"/>
+              </a:defRPr>
+            </a:pPr>
+          </a:p>
+          <a:p>
+            <a:pPr marL="0" indent="0" defTabSz="320397">
+              <a:spcBef>
+                <a:spcPts val="900"/>
+              </a:spcBef>
+              <a:buSzTx/>
+              <a:buNone/>
+              <a:defRPr sz="1871">
+                <a:latin typeface="Times New Roman"/>
+                <a:ea typeface="Times New Roman"/>
+                <a:cs typeface="Times New Roman"/>
+                <a:sym typeface="Times New Roman"/>
+              </a:defRPr>
+            </a:pPr>
+          </a:p>
+          <a:p>
+            <a:pPr marL="231139" indent="-231139" defTabSz="320397">
+              <a:spcBef>
+                <a:spcPts val="900"/>
+              </a:spcBef>
+              <a:defRPr sz="1871">
+                <a:latin typeface="Times New Roman"/>
+                <a:ea typeface="Times New Roman"/>
+                <a:cs typeface="Times New Roman"/>
+                <a:sym typeface="Times New Roman"/>
+              </a:defRPr>
+            </a:pPr>
+            <a:r>
+              <a:t>&lt;</a:t>
+            </a:r>
+            <a:r>
+              <a:rPr u="sng">
+                <a:solidFill>
+                  <a:srgbClr val="0000FF"/>
+                </a:solidFill>
+                <a:uFill>
+                  <a:solidFill>
+                    <a:srgbClr val="0000FF"/>
+                  </a:solidFill>
+                </a:uFill>
+                <a:hlinkClick r:id="rId2" invalidUrl="" action="" tgtFrame="" tooltip="" history="1" highlightClick="0" endSnd="0"/>
+              </a:rPr>
+              <a:t>https://www.icloud.com/keynote/0YKEi7HeOrVGvKYtt9FEqH7nA</a:t>
+            </a:r>
+            <a:r>
+              <a:t>&gt;</a:t>
+            </a:r>
+          </a:p>
+        </p:txBody>
+      </p:sp>
+      <p:pic>
+        <p:nvPicPr>
+          <p:cNvPr id="238" name="image1.tif" descr="image1.tif"/>
+          <p:cNvPicPr>
+            <a:picLocks noChangeAspect="1"/>
+          </p:cNvPicPr>
+          <p:nvPr/>
+        </p:nvPicPr>
+        <p:blipFill>
+          <a:blip r:embed="rId3">
+            <a:extLst/>
+          </a:blip>
+          <a:stretch>
+            <a:fillRect/>
+          </a:stretch>
+        </p:blipFill>
+        <p:spPr>
+          <a:xfrm>
+            <a:off x="4086457" y="1270000"/>
+            <a:ext cx="4762501" cy="4762500"/>
+          </a:xfrm>
+          <a:prstGeom prst="rect">
+            <a:avLst/>
+          </a:prstGeom>
+          <a:ln w="12700">
+            <a:miter lim="400000"/>
+          </a:ln>
+        </p:spPr>
+      </p:pic>
+      <p:sp>
+        <p:nvSpPr>
+          <p:cNvPr id="239" name="Rectangle"/>
+          <p:cNvSpPr txBox="1"/>
+          <p:nvPr/>
+        </p:nvSpPr>
+        <p:spPr>
+          <a:xfrm>
+            <a:off x="276457" y="6032500"/>
+            <a:ext cx="8572501" cy="635000"/>
+          </a:xfrm>
+          <a:prstGeom prst="rect">
+            <a:avLst/>
+          </a:prstGeom>
+          <a:ln w="12700">
+            <a:miter lim="400000"/>
+          </a:ln>
+        </p:spPr>
+        <p:txBody>
+          <a:bodyPr lIns="35718" tIns="35718" rIns="35718" bIns="35718" anchor="b">
+            <a:normAutofit fontScale="100000" lnSpcReduction="0"/>
+          </a:bodyPr>
+          <a:lstStyle/>
+          <a:p>
+            <a:pPr algn="ctr">
+              <a:spcBef>
+                <a:spcPts val="1200"/>
+              </a:spcBef>
+              <a:defRPr sz="1200">
+                <a:latin typeface="Calibri"/>
+                <a:ea typeface="Calibri"/>
+                <a:cs typeface="Calibri"/>
+                <a:sym typeface="Calibri"/>
+              </a:defRPr>
+            </a:pPr>
+          </a:p>
+        </p:txBody>
+      </p:sp>
+    </p:spTree>
+  </p:cSld>
+  <p:clrMapOvr>
+    <a:masterClrMapping/>
+  </p:clrMapOvr>
+  <p:transition xmlns:p14="http://schemas.microsoft.com/office/powerpoint/2010/main" spd="med" advClick="1"/>
+</p:sld>
+</file>
+
 <file path=ppt/slides/slide19.xml><?xml version="1.0" encoding="utf-8"?>
 <p:sld xmlns:a="http://schemas.openxmlformats.org/drawingml/2006/main" xmlns:r="http://schemas.openxmlformats.org/officeDocument/2006/relationships" xmlns:p="http://schemas.openxmlformats.org/presentationml/2006/main" xmlns:m="http://schemas.openxmlformats.org/officeDocument/2006/math" xmlns:a14="http://schemas.microsoft.com/office/drawing/2010/main" showMasterSp="1" showMasterPhAnim="1">
   <p:cSld>
@@ -8303,7 +8401,7 @@
       </p:grpSpPr>
       <p:sp>
         <p:nvSpPr>
-          <p:cNvPr id="240" name="About the Course"/>
+          <p:cNvPr id="241" name="About the Course"/>
           <p:cNvSpPr txBox="1"/>
           <p:nvPr>
             <p:ph type="title" idx="4294967295"/>
@@ -8339,7 +8437,7 @@
       </p:sp>
       <p:sp>
         <p:nvSpPr>
-          <p:cNvPr id="241" name="The long 20th century will in all likelihood be seen in the future as the watershed in human experience:…"/>
+          <p:cNvPr id="242" name="The long 20th century will in all likelihood be seen in the future as the watershed in human experience:…"/>
           <p:cNvSpPr txBox="1"/>
           <p:nvPr>
             <p:ph type="body" idx="4294967295"/>
@@ -8674,7 +8772,7 @@
       </p:grpSpPr>
       <p:sp>
         <p:nvSpPr>
-          <p:cNvPr id="243" name="About the Course"/>
+          <p:cNvPr id="244" name="About the Course"/>
           <p:cNvSpPr txBox="1"/>
           <p:nvPr>
             <p:ph type="title" idx="4294967295"/>
@@ -8715,7 +8813,7 @@
       </p:sp>
       <p:sp>
         <p:nvSpPr>
-          <p:cNvPr id="244" name="The long 20th century will in all likelihood be seen in the future as the watershed in human experience:…"/>
+          <p:cNvPr id="245" name="The long 20th century will in all likelihood be seen in the future as the watershed in human experience:…"/>
           <p:cNvSpPr txBox="1"/>
           <p:nvPr>
             <p:ph type="body" sz="quarter" idx="4294967295"/>
@@ -8891,7 +8989,7 @@
       </p:sp>
       <p:pic>
         <p:nvPicPr>
-          <p:cNvPr id="245" name="Image" descr="Image"/>
+          <p:cNvPr id="246" name="Image" descr="Image"/>
           <p:cNvPicPr>
             <a:picLocks noChangeAspect="1"/>
           </p:cNvPicPr>
@@ -8920,7 +9018,7 @@
       </p:pic>
       <p:pic>
         <p:nvPicPr>
-          <p:cNvPr id="246" name="Image" descr="Image"/>
+          <p:cNvPr id="247" name="Image" descr="Image"/>
           <p:cNvPicPr>
             <a:picLocks noChangeAspect="1"/>
           </p:cNvPicPr>
@@ -8975,7 +9073,7 @@
       </p:grpSpPr>
       <p:sp>
         <p:nvSpPr>
-          <p:cNvPr id="248" name="About the Course"/>
+          <p:cNvPr id="249" name="About the Course"/>
           <p:cNvSpPr txBox="1"/>
           <p:nvPr>
             <p:ph type="title" idx="4294967295"/>
@@ -9016,7 +9114,7 @@
       </p:sp>
       <p:sp>
         <p:nvSpPr>
-          <p:cNvPr id="249" name="The long 20th century will in all likelihood be seen in the future as the watershed in human experience:…"/>
+          <p:cNvPr id="250" name="The long 20th century will in all likelihood be seen in the future as the watershed in human experience:…"/>
           <p:cNvSpPr txBox="1"/>
           <p:nvPr>
             <p:ph type="body" sz="quarter" idx="4294967295"/>
@@ -9192,7 +9290,7 @@
       </p:sp>
       <p:pic>
         <p:nvPicPr>
-          <p:cNvPr id="250" name="Image" descr="Image"/>
+          <p:cNvPr id="251" name="Image" descr="Image"/>
           <p:cNvPicPr>
             <a:picLocks noChangeAspect="1"/>
           </p:cNvPicPr>
@@ -9221,7 +9319,7 @@
       </p:pic>
       <p:pic>
         <p:nvPicPr>
-          <p:cNvPr id="251" name="Image" descr="Image"/>
+          <p:cNvPr id="252" name="Image" descr="Image"/>
           <p:cNvPicPr>
             <a:picLocks noChangeAspect="1"/>
           </p:cNvPicPr>
@@ -9276,7 +9374,7 @@
       </p:grpSpPr>
       <p:sp>
         <p:nvSpPr>
-          <p:cNvPr id="253" name="Catch Our Breath…"/>
+          <p:cNvPr id="254" name="Catch Our Breath…"/>
           <p:cNvSpPr txBox="1"/>
           <p:nvPr>
             <p:ph type="title"/>
@@ -9304,7 +9402,7 @@
       </p:sp>
       <p:sp>
         <p:nvSpPr>
-          <p:cNvPr id="254" name="Ask a couple of questions?…"/>
+          <p:cNvPr id="255" name="Ask a couple of questions?…"/>
           <p:cNvSpPr txBox="1"/>
           <p:nvPr>
             <p:ph type="body" sz="half" idx="1"/>
@@ -9333,7 +9431,7 @@
       </p:sp>
       <p:pic>
         <p:nvPicPr>
-          <p:cNvPr id="255" name="Image" descr="Image"/>
+          <p:cNvPr id="256" name="Image" descr="Image"/>
           <p:cNvPicPr>
             <a:picLocks noChangeAspect="1"/>
           </p:cNvPicPr>
@@ -9542,7 +9640,7 @@
       </p:sp>
       <p:sp>
         <p:nvSpPr>
-          <p:cNvPr id="194" name="&lt;https://drive.google.com/file/d/12MV466ZZy5xHir4xdPhoTrL1oO8CbZU-/view&gt;:…"/>
+          <p:cNvPr id="194" name="Standard SIR model:&lt;https://drive.google.com/file/d/12MV466ZZy5xHir4xdPhoTrL1oO8CbZU-/view&gt;:…"/>
           <p:cNvSpPr txBox="1"/>
           <p:nvPr>
             <p:ph type="body" sz="half" idx="4294967295"/>
@@ -9583,7 +9681,7 @@
               </a:defRPr>
             </a:pPr>
             <a:r>
-              <a:t>&lt;</a:t>
+              <a:t>Standard SIR model:&lt;</a:t>
             </a:r>
             <a:r>
               <a:rPr u="sng">
@@ -9769,8 +9867,8 @@
         </p:blipFill>
         <p:spPr>
           <a:xfrm>
-            <a:off x="5606239" y="1467516"/>
-            <a:ext cx="3093261" cy="2337765"/>
+            <a:off x="5905229" y="1467516"/>
+            <a:ext cx="2794271" cy="2111800"/>
           </a:xfrm>
           <a:prstGeom prst="rect">
             <a:avLst/>
@@ -9798,7 +9896,7 @@
         </p:blipFill>
         <p:spPr>
           <a:xfrm>
-            <a:off x="2457055" y="3989336"/>
+            <a:off x="2756045" y="3579315"/>
             <a:ext cx="3149185" cy="2473868"/>
           </a:xfrm>
           <a:prstGeom prst="rect">
@@ -9827,8 +9925,8 @@
         </p:blipFill>
         <p:spPr>
           <a:xfrm>
-            <a:off x="5651983" y="3941383"/>
-            <a:ext cx="3047517" cy="2521821"/>
+            <a:off x="5905229" y="3579315"/>
+            <a:ext cx="2794271" cy="2312260"/>
           </a:xfrm>
           <a:prstGeom prst="rect">
             <a:avLst/>
@@ -9838,6 +9936,69 @@
           </a:ln>
         </p:spPr>
       </p:pic>
+      <p:sp>
+        <p:nvSpPr>
+          <p:cNvPr id="199" name="&lt;https://drive.google.com/file/d/12MV466ZZy5xHir4xdPhoTrL1oO8CbZU-/view&gt;"/>
+          <p:cNvSpPr txBox="1"/>
+          <p:nvPr/>
+        </p:nvSpPr>
+        <p:spPr>
+          <a:xfrm>
+            <a:off x="331119" y="6053182"/>
+            <a:ext cx="6186521" cy="228274"/>
+          </a:xfrm>
+          <a:prstGeom prst="rect">
+            <a:avLst/>
+          </a:prstGeom>
+          <a:ln w="12700">
+            <a:miter lim="400000"/>
+          </a:ln>
+          <a:extLst>
+            <a:ext uri="{C572A759-6A51-4108-AA02-DFA0A04FC94B}">
+              <ma14:wrappingTextBoxFlag xmlns:ma14="http://schemas.microsoft.com/office/mac/drawingml/2011/main" val="1"/>
+            </a:ext>
+          </a:extLst>
+        </p:spPr>
+        <p:txBody>
+          <a:bodyPr lIns="45719" rIns="45719">
+            <a:normAutofit fontScale="100000" lnSpcReduction="0"/>
+          </a:bodyPr>
+          <a:lstStyle/>
+          <a:p>
+            <a:pPr defTabSz="301752">
+              <a:spcBef>
+                <a:spcPts val="700"/>
+              </a:spcBef>
+              <a:defRPr sz="1056">
+                <a:latin typeface="Times New Roman"/>
+                <a:ea typeface="Times New Roman"/>
+                <a:cs typeface="Times New Roman"/>
+                <a:sym typeface="Times New Roman"/>
+              </a:defRPr>
+            </a:pPr>
+            <a:r>
+              <a:t>&lt;</a:t>
+            </a:r>
+            <a:r>
+              <a:rPr u="sng">
+                <a:solidFill>
+                  <a:srgbClr val="0000FF"/>
+                </a:solidFill>
+                <a:uFill>
+                  <a:solidFill>
+                    <a:srgbClr val="0000FF"/>
+                  </a:solidFill>
+                </a:uFill>
+                <a:hlinkClick r:id="rId2" invalidUrl="" action="" tgtFrame="" tooltip="" history="1" highlightClick="0" endSnd="0"/>
+              </a:rPr>
+              <a:t>https://drive.google.com/file/d/12MV466ZZy5xHir4xdPhoTrL1oO8CbZU-/view</a:t>
+            </a:r>
+            <a:r>
+              <a:t>&gt;</a:t>
+            </a:r>
+          </a:p>
+        </p:txBody>
+      </p:sp>
     </p:spTree>
   </p:cSld>
   <p:clrMapOvr>
@@ -9866,7 +10027,7 @@
       </p:grpSpPr>
       <p:pic>
         <p:nvPicPr>
-          <p:cNvPr id="200" name="Image" descr="Image"/>
+          <p:cNvPr id="201" name="Image" descr="Image"/>
           <p:cNvPicPr>
             <a:picLocks noChangeAspect="1"/>
           </p:cNvPicPr>
@@ -9921,7 +10082,7 @@
       </p:grpSpPr>
       <p:pic>
         <p:nvPicPr>
-          <p:cNvPr id="202" name="Image" descr="Image"/>
+          <p:cNvPr id="203" name="Image" descr="Image"/>
           <p:cNvPicPr>
             <a:picLocks noChangeAspect="1"/>
           </p:cNvPicPr>
@@ -9976,7 +10137,7 @@
       </p:grpSpPr>
       <p:pic>
         <p:nvPicPr>
-          <p:cNvPr id="204" name="Image" descr="Image"/>
+          <p:cNvPr id="205" name="Image" descr="Image"/>
           <p:cNvPicPr>
             <a:picLocks noChangeAspect="1"/>
           </p:cNvPicPr>
@@ -10031,7 +10192,7 @@
       </p:grpSpPr>
       <p:pic>
         <p:nvPicPr>
-          <p:cNvPr id="206" name="Image" descr="Image"/>
+          <p:cNvPr id="207" name="Image" descr="Image"/>
           <p:cNvPicPr>
             <a:picLocks noChangeAspect="1"/>
           </p:cNvPicPr>

--- a/coronavirus.pptx
+++ b/coronavirus.pptx
@@ -30,6 +30,12 @@
     <p:sldId id="275" r:id="rId27"/>
     <p:sldId id="276" r:id="rId28"/>
     <p:sldId id="277" r:id="rId29"/>
+    <p:sldId id="278" r:id="rId30"/>
+    <p:sldId id="279" r:id="rId31"/>
+    <p:sldId id="280" r:id="rId32"/>
+    <p:sldId id="281" r:id="rId33"/>
+    <p:sldId id="282" r:id="rId34"/>
+    <p:sldId id="283" r:id="rId35"/>
   </p:sldIdLst>
   <p:sldSz cx="9144000" cy="6858000"/>
   <p:notesSz cx="6858000" cy="9144000"/>
@@ -5059,7 +5065,7 @@
       </p:grpSpPr>
       <p:sp>
         <p:nvSpPr>
-          <p:cNvPr id="180" name="Coronavirus"/>
+          <p:cNvPr id="180" name="About the Course"/>
           <p:cNvSpPr txBox="1"/>
           <p:nvPr>
             <p:ph type="title" idx="4294967295"/>
@@ -5067,21 +5073,18 @@
         </p:nvSpPr>
         <p:spPr>
           <a:xfrm>
-            <a:off x="444500" y="0"/>
-            <a:ext cx="8255000" cy="1587501"/>
+            <a:off x="277663" y="-3"/>
+            <a:ext cx="8572501" cy="1267128"/>
           </a:xfrm>
           <a:prstGeom prst="rect">
             <a:avLst/>
           </a:prstGeom>
         </p:spPr>
         <p:txBody>
-          <a:bodyPr lIns="45719" tIns="45719" rIns="45719" bIns="45719"/>
+          <a:bodyPr lIns="45718" tIns="45718" rIns="45718" bIns="45718"/>
           <a:lstStyle>
             <a:lvl1pPr defTabSz="457200">
-              <a:lnSpc>
-                <a:spcPts val="11600"/>
-              </a:lnSpc>
-              <a:defRPr sz="8000">
+              <a:defRPr sz="6000">
                 <a:uFill>
                   <a:solidFill>
                     <a:srgbClr val="000000"/>
@@ -5093,336 +5096,40 @@
           <a:p>
             <a:pPr/>
             <a:r>
-              <a:t>Coronavirus</a:t>
+              <a:t>Coronavirus!</a:t>
             </a:r>
           </a:p>
         </p:txBody>
       </p:sp>
-      <p:sp>
-        <p:nvSpPr>
-          <p:cNvPr id="181" name="Where we think we are as of Wed Apr 1:…"/>
-          <p:cNvSpPr txBox="1"/>
-          <p:nvPr>
-            <p:ph type="body" sz="half" idx="4294967295"/>
-          </p:nvPr>
-        </p:nvSpPr>
+      <p:pic>
+        <p:nvPicPr>
+          <p:cNvPr id="181" name="Image" descr="Image"/>
+          <p:cNvPicPr>
+            <a:picLocks noChangeAspect="1"/>
+          </p:cNvPicPr>
+          <p:nvPr/>
+        </p:nvPicPr>
+        <p:blipFill>
+          <a:blip r:embed="rId2">
+            <a:extLst/>
+          </a:blip>
+          <a:stretch>
+            <a:fillRect/>
+          </a:stretch>
+        </p:blipFill>
         <p:spPr>
           <a:xfrm>
-            <a:off x="444500" y="1587500"/>
-            <a:ext cx="4772204" cy="4800010"/>
+            <a:off x="1736030" y="1511724"/>
+            <a:ext cx="5797952" cy="5136589"/>
           </a:xfrm>
           <a:prstGeom prst="rect">
             <a:avLst/>
           </a:prstGeom>
-        </p:spPr>
-        <p:txBody>
-          <a:bodyPr lIns="45719" tIns="45719" rIns="45719" bIns="45719" anchor="t"/>
-          <a:lstStyle/>
-          <a:p>
-            <a:pPr marL="0" indent="0" defTabSz="242315">
-              <a:lnSpc>
-                <a:spcPts val="3100"/>
-              </a:lnSpc>
-              <a:spcBef>
-                <a:spcPts val="600"/>
-              </a:spcBef>
-              <a:buSzTx/>
-              <a:buNone/>
-              <a:defRPr b="1" sz="1590">
-                <a:uFill>
-                  <a:solidFill>
-                    <a:srgbClr val="000000"/>
-                  </a:solidFill>
-                </a:uFill>
-                <a:latin typeface="+mj-lt"/>
-                <a:ea typeface="+mj-ea"/>
-                <a:cs typeface="+mj-cs"/>
-                <a:sym typeface="Helvetica"/>
-              </a:defRPr>
-            </a:pPr>
-            <a:r>
-              <a:t>Where we think we are as of Wed Apr 1:</a:t>
-            </a:r>
-          </a:p>
-          <a:p>
-            <a:pPr marL="181736" indent="-181736" defTabSz="242315">
-              <a:lnSpc>
-                <a:spcPts val="2700"/>
-              </a:lnSpc>
-              <a:spcBef>
-                <a:spcPts val="600"/>
-              </a:spcBef>
-              <a:buSzPct val="100000"/>
-              <a:buFont typeface="Arial"/>
-              <a:defRPr sz="1271">
-                <a:uFill>
-                  <a:solidFill>
-                    <a:srgbClr val="000000"/>
-                  </a:solidFill>
-                </a:uFill>
-                <a:latin typeface="Times New Roman"/>
-                <a:ea typeface="Times New Roman"/>
-                <a:cs typeface="Times New Roman"/>
-                <a:sym typeface="Times New Roman"/>
-              </a:defRPr>
-            </a:pPr>
-            <a:r>
-              <a:t>We really do not know</a:t>
-            </a:r>
-          </a:p>
-          <a:p>
-            <a:pPr marL="181736" indent="-181736" defTabSz="242315">
-              <a:lnSpc>
-                <a:spcPts val="2700"/>
-              </a:lnSpc>
-              <a:spcBef>
-                <a:spcPts val="600"/>
-              </a:spcBef>
-              <a:buSzPct val="100000"/>
-              <a:buFont typeface="Arial"/>
-              <a:defRPr sz="1271">
-                <a:uFill>
-                  <a:solidFill>
-                    <a:srgbClr val="000000"/>
-                  </a:solidFill>
-                </a:uFill>
-                <a:latin typeface="Times New Roman"/>
-                <a:ea typeface="Times New Roman"/>
-                <a:cs typeface="Times New Roman"/>
-                <a:sym typeface="Times New Roman"/>
-              </a:defRPr>
-            </a:pPr>
-            <a:r>
-              <a:t>No random samples…</a:t>
-            </a:r>
-          </a:p>
-          <a:p>
-            <a:pPr marL="181736" indent="-181736" defTabSz="242315">
-              <a:lnSpc>
-                <a:spcPts val="2700"/>
-              </a:lnSpc>
-              <a:spcBef>
-                <a:spcPts val="600"/>
-              </a:spcBef>
-              <a:buSzPct val="100000"/>
-              <a:buFont typeface="Arial"/>
-              <a:defRPr sz="1271">
-                <a:uFill>
-                  <a:solidFill>
-                    <a:srgbClr val="000000"/>
-                  </a:solidFill>
-                </a:uFill>
-                <a:latin typeface="Times New Roman"/>
-                <a:ea typeface="Times New Roman"/>
-                <a:cs typeface="Times New Roman"/>
-                <a:sym typeface="Times New Roman"/>
-              </a:defRPr>
-            </a:pPr>
-            <a:r>
-              <a:t>Best thing I have read comes from Jim Stock &lt;</a:t>
-            </a:r>
-            <a:r>
-              <a:rPr u="sng">
-                <a:solidFill>
-                  <a:srgbClr val="0000FF"/>
-                </a:solidFill>
-                <a:uFill>
-                  <a:solidFill>
-                    <a:srgbClr val="0000FF"/>
-                  </a:solidFill>
-                </a:uFill>
-                <a:hlinkClick r:id="rId2" invalidUrl="" action="" tgtFrame="" tooltip="" history="1" highlightClick="0" endSnd="0"/>
-              </a:rPr>
-              <a:t>https://drive.google.com/file/d/12MV466ZZy5xHir4xdPhoTrL1oO8CbZU-/view</a:t>
-            </a:r>
-            <a:r>
-              <a:t>&gt;:</a:t>
-            </a:r>
-          </a:p>
-          <a:p>
-            <a:pPr lvl="1" marL="424052" indent="-181736" defTabSz="242315">
-              <a:lnSpc>
-                <a:spcPts val="2700"/>
-              </a:lnSpc>
-              <a:spcBef>
-                <a:spcPts val="600"/>
-              </a:spcBef>
-              <a:buSzPct val="100000"/>
-              <a:buFont typeface="Arial"/>
-              <a:defRPr sz="1271">
-                <a:uFill>
-                  <a:solidFill>
-                    <a:srgbClr val="000000"/>
-                  </a:solidFill>
-                </a:uFill>
-                <a:latin typeface="Times New Roman"/>
-                <a:ea typeface="Times New Roman"/>
-                <a:cs typeface="Times New Roman"/>
-                <a:sym typeface="Times New Roman"/>
-              </a:defRPr>
-            </a:pPr>
-            <a:r>
-              <a:t>The basic SIR epidemiological model of contagion</a:t>
-            </a:r>
-          </a:p>
-          <a:p>
-            <a:pPr lvl="1" marL="424052" indent="-181736" defTabSz="242315">
-              <a:lnSpc>
-                <a:spcPts val="2700"/>
-              </a:lnSpc>
-              <a:spcBef>
-                <a:spcPts val="600"/>
-              </a:spcBef>
-              <a:buSzPct val="100000"/>
-              <a:buFont typeface="Arial"/>
-              <a:defRPr sz="1271">
-                <a:uFill>
-                  <a:solidFill>
-                    <a:srgbClr val="000000"/>
-                  </a:solidFill>
-                </a:uFill>
-                <a:latin typeface="Times New Roman"/>
-                <a:ea typeface="Times New Roman"/>
-                <a:cs typeface="Times New Roman"/>
-                <a:sym typeface="Times New Roman"/>
-              </a:defRPr>
-            </a:pPr>
-            <a:r>
-              <a:t>The effect of social distancing and business shutdowns on epidemic dynamics enters the model through a single parameter: the case transmission rate β</a:t>
-            </a:r>
-          </a:p>
-          <a:p>
-            <a:pPr lvl="1" marL="424052" indent="-181736" defTabSz="242315">
-              <a:lnSpc>
-                <a:spcPts val="2700"/>
-              </a:lnSpc>
-              <a:spcBef>
-                <a:spcPts val="600"/>
-              </a:spcBef>
-              <a:buSzPct val="100000"/>
-              <a:buFont typeface="Arial"/>
-              <a:defRPr sz="1271">
-                <a:uFill>
-                  <a:solidFill>
-                    <a:srgbClr val="000000"/>
-                  </a:solidFill>
-                </a:uFill>
-                <a:latin typeface="Times New Roman"/>
-                <a:ea typeface="Times New Roman"/>
-                <a:cs typeface="Times New Roman"/>
-                <a:sym typeface="Times New Roman"/>
-              </a:defRPr>
-            </a:pPr>
-            <a:r>
-              <a:t>Re-express the model in terms of β and the asymptomatic (or not very symptomatic) hence non-tested rate—the fraction of the infected who are not tested</a:t>
-            </a:r>
-          </a:p>
-          <a:p>
-            <a:pPr lvl="1" marL="424052" indent="-181736" defTabSz="242315">
-              <a:lnSpc>
-                <a:spcPts val="2700"/>
-              </a:lnSpc>
-              <a:spcBef>
-                <a:spcPts val="600"/>
-              </a:spcBef>
-              <a:buSzPct val="100000"/>
-              <a:buFont typeface="Arial"/>
-              <a:defRPr sz="1271">
-                <a:uFill>
-                  <a:solidFill>
-                    <a:srgbClr val="000000"/>
-                  </a:solidFill>
-                </a:uFill>
-                <a:latin typeface="Times New Roman"/>
-                <a:ea typeface="Times New Roman"/>
-                <a:cs typeface="Times New Roman"/>
-                <a:sym typeface="Times New Roman"/>
-              </a:defRPr>
-            </a:pPr>
-            <a:r>
-              <a:t>The COVID-19 non-testing rate is unidentified in our model </a:t>
-            </a:r>
-          </a:p>
-          <a:p>
-            <a:pPr lvl="1" marL="424052" indent="-181736" defTabSz="242315">
-              <a:lnSpc>
-                <a:spcPts val="2700"/>
-              </a:lnSpc>
-              <a:spcBef>
-                <a:spcPts val="600"/>
-              </a:spcBef>
-              <a:buSzPct val="100000"/>
-              <a:buFont typeface="Arial"/>
-              <a:defRPr sz="1271">
-                <a:uFill>
-                  <a:solidFill>
-                    <a:srgbClr val="000000"/>
-                  </a:solidFill>
-                </a:uFill>
-                <a:latin typeface="Times New Roman"/>
-                <a:ea typeface="Times New Roman"/>
-                <a:cs typeface="Times New Roman"/>
-                <a:sym typeface="Times New Roman"/>
-              </a:defRPr>
-            </a:pPr>
-            <a:r>
-              <a:t>Estimates in the epidemiological literature range from 0.18 to 0.86. </a:t>
-            </a:r>
-          </a:p>
-          <a:p>
-            <a:pPr lvl="2" marL="666368" indent="-181736" defTabSz="242315">
-              <a:lnSpc>
-                <a:spcPts val="2700"/>
-              </a:lnSpc>
-              <a:spcBef>
-                <a:spcPts val="600"/>
-              </a:spcBef>
-              <a:buSzPct val="100000"/>
-              <a:buFont typeface="Arial"/>
-              <a:defRPr sz="1271">
-                <a:uFill>
-                  <a:solidFill>
-                    <a:srgbClr val="000000"/>
-                  </a:solidFill>
-                </a:uFill>
-                <a:latin typeface="Times New Roman"/>
-                <a:ea typeface="Times New Roman"/>
-                <a:cs typeface="Times New Roman"/>
-                <a:sym typeface="Times New Roman"/>
-              </a:defRPr>
-            </a:pPr>
-            <a:r>
-              <a:t>The asymptomatic rate could be estimated accurately and quickly by testing a random sample</a:t>
-            </a:r>
-          </a:p>
-          <a:p>
-            <a:pPr marL="181736" indent="-181736" defTabSz="242315">
-              <a:lnSpc>
-                <a:spcPts val="2700"/>
-              </a:lnSpc>
-              <a:spcBef>
-                <a:spcPts val="600"/>
-              </a:spcBef>
-              <a:buSzPct val="100000"/>
-              <a:buFont typeface="Arial"/>
-              <a:defRPr sz="1271">
-                <a:uFill>
-                  <a:solidFill>
-                    <a:srgbClr val="000000"/>
-                  </a:solidFill>
-                </a:uFill>
-                <a:latin typeface="Times New Roman"/>
-                <a:ea typeface="Times New Roman"/>
-                <a:cs typeface="Times New Roman"/>
-                <a:sym typeface="Times New Roman"/>
-              </a:defRPr>
-            </a:pPr>
-            <a:r>
-              <a:t>The optimal policy response and its economic consequences hinge critically on the asymptomatic rate</a:t>
-            </a:r>
-          </a:p>
-        </p:txBody>
-      </p:sp>
+          <a:ln w="12700">
+            <a:miter lim="400000"/>
+          </a:ln>
+        </p:spPr>
+      </p:pic>
       <p:pic>
         <p:nvPicPr>
           <p:cNvPr id="182" name="Image" descr="Image"/>
@@ -5441,37 +5148,8 @@
         </p:blipFill>
         <p:spPr>
           <a:xfrm>
-            <a:off x="5216703" y="1587500"/>
-            <a:ext cx="3482797" cy="2458216"/>
-          </a:xfrm>
-          <a:prstGeom prst="rect">
-            <a:avLst/>
-          </a:prstGeom>
-          <a:ln w="12700">
-            <a:miter lim="400000"/>
-          </a:ln>
-        </p:spPr>
-      </p:pic>
-      <p:pic>
-        <p:nvPicPr>
-          <p:cNvPr id="183" name="Image" descr="Image"/>
-          <p:cNvPicPr>
-            <a:picLocks noChangeAspect="1"/>
-          </p:cNvPicPr>
-          <p:nvPr/>
-        </p:nvPicPr>
-        <p:blipFill>
-          <a:blip r:embed="rId4">
-            <a:extLst/>
-          </a:blip>
-          <a:stretch>
-            <a:fillRect/>
-          </a:stretch>
-        </p:blipFill>
-        <p:spPr>
-          <a:xfrm>
-            <a:off x="5215076" y="4166253"/>
-            <a:ext cx="3484424" cy="2458216"/>
+            <a:off x="1736030" y="1225406"/>
+            <a:ext cx="5797952" cy="286319"/>
           </a:xfrm>
           <a:prstGeom prst="rect">
             <a:avLst/>
@@ -5507,433 +5185,35 @@
           <a:chExt cx="0" cy="0"/>
         </a:xfrm>
       </p:grpSpPr>
-      <p:sp>
-        <p:nvSpPr>
-          <p:cNvPr id="209" name="Bringing the Economy Back Up from Anæsthesia"/>
-          <p:cNvSpPr txBox="1"/>
-          <p:nvPr>
-            <p:ph type="title" idx="4294967295"/>
-          </p:nvPr>
-        </p:nvSpPr>
+      <p:pic>
+        <p:nvPicPr>
+          <p:cNvPr id="211" name="Image" descr="Image"/>
+          <p:cNvPicPr>
+            <a:picLocks noChangeAspect="1"/>
+          </p:cNvPicPr>
+          <p:nvPr/>
+        </p:nvPicPr>
+        <p:blipFill>
+          <a:blip r:embed="rId2">
+            <a:extLst/>
+          </a:blip>
+          <a:stretch>
+            <a:fillRect/>
+          </a:stretch>
+        </p:blipFill>
         <p:spPr>
           <a:xfrm>
-            <a:off x="444500" y="0"/>
-            <a:ext cx="8255000" cy="1587501"/>
+            <a:off x="242431" y="215900"/>
+            <a:ext cx="8584070" cy="6520034"/>
           </a:xfrm>
           <a:prstGeom prst="rect">
             <a:avLst/>
           </a:prstGeom>
-        </p:spPr>
-        <p:txBody>
-          <a:bodyPr lIns="45719" tIns="45719" rIns="45719" bIns="45719"/>
-          <a:lstStyle>
-            <a:lvl1pPr defTabSz="283463">
-              <a:lnSpc>
-                <a:spcPts val="7100"/>
-              </a:lnSpc>
-              <a:defRPr sz="4960">
-                <a:solidFill>
-                  <a:srgbClr val="000080"/>
-                </a:solidFill>
-                <a:uFill>
-                  <a:solidFill>
-                    <a:srgbClr val="000000"/>
-                  </a:solidFill>
-                </a:uFill>
-              </a:defRPr>
-            </a:lvl1pPr>
-          </a:lstStyle>
-          <a:p>
-            <a:pPr/>
-            <a:r>
-              <a:t>Bringing the Economy Back Up from Anæsthesia</a:t>
-            </a:r>
-          </a:p>
-        </p:txBody>
-      </p:sp>
-      <p:sp>
-        <p:nvSpPr>
-          <p:cNvPr id="210" name="Major issues:…"/>
-          <p:cNvSpPr txBox="1"/>
-          <p:nvPr>
-            <p:ph type="body" idx="4294967295"/>
-          </p:nvPr>
-        </p:nvSpPr>
-        <p:spPr>
-          <a:xfrm>
-            <a:off x="444500" y="1587500"/>
-            <a:ext cx="8255000" cy="4937520"/>
-          </a:xfrm>
-          <a:prstGeom prst="rect">
-            <a:avLst/>
-          </a:prstGeom>
-        </p:spPr>
-        <p:txBody>
-          <a:bodyPr lIns="45719" tIns="45719" rIns="45719" bIns="45719" anchor="t"/>
-          <a:lstStyle/>
-          <a:p>
-            <a:pPr marL="0" indent="0" defTabSz="288036">
-              <a:lnSpc>
-                <a:spcPts val="3700"/>
-              </a:lnSpc>
-              <a:spcBef>
-                <a:spcPts val="700"/>
-              </a:spcBef>
-              <a:buSzTx/>
-              <a:buNone/>
-              <a:defRPr b="1" sz="1890">
-                <a:uFill>
-                  <a:solidFill>
-                    <a:srgbClr val="000000"/>
-                  </a:solidFill>
-                </a:uFill>
-                <a:latin typeface="+mj-lt"/>
-                <a:ea typeface="+mj-ea"/>
-                <a:cs typeface="+mj-cs"/>
-                <a:sym typeface="Helvetica"/>
-              </a:defRPr>
-            </a:pPr>
-            <a:r>
-              <a:t>Major issues:</a:t>
-            </a:r>
-          </a:p>
-          <a:p>
-            <a:pPr marL="216026" indent="-216026" defTabSz="288036">
-              <a:lnSpc>
-                <a:spcPts val="3300"/>
-              </a:lnSpc>
-              <a:spcBef>
-                <a:spcPts val="700"/>
-              </a:spcBef>
-              <a:buSzPct val="100000"/>
-              <a:buFont typeface="Arial"/>
-              <a:defRPr sz="1512">
-                <a:uFill>
-                  <a:solidFill>
-                    <a:srgbClr val="000000"/>
-                  </a:solidFill>
-                </a:uFill>
-                <a:latin typeface="Times New Roman"/>
-                <a:ea typeface="Times New Roman"/>
-                <a:cs typeface="Times New Roman"/>
-                <a:sym typeface="Times New Roman"/>
-              </a:defRPr>
-            </a:pPr>
-            <a:r>
-              <a:t>Certificates of immunity:</a:t>
-            </a:r>
-          </a:p>
-          <a:p>
-            <a:pPr lvl="1" marL="504062" indent="-216026" defTabSz="288036">
-              <a:lnSpc>
-                <a:spcPts val="3300"/>
-              </a:lnSpc>
-              <a:spcBef>
-                <a:spcPts val="700"/>
-              </a:spcBef>
-              <a:buSzPct val="100000"/>
-              <a:buFont typeface="Arial"/>
-              <a:defRPr sz="1512">
-                <a:uFill>
-                  <a:solidFill>
-                    <a:srgbClr val="000000"/>
-                  </a:solidFill>
-                </a:uFill>
-                <a:latin typeface="Times New Roman"/>
-                <a:ea typeface="Times New Roman"/>
-                <a:cs typeface="Times New Roman"/>
-                <a:sym typeface="Times New Roman"/>
-              </a:defRPr>
-            </a:pPr>
-            <a:r>
-              <a:t>Which requires test, test, test:</a:t>
-            </a:r>
-          </a:p>
-          <a:p>
-            <a:pPr lvl="2" marL="792098" indent="-216026" defTabSz="288036">
-              <a:lnSpc>
-                <a:spcPts val="3300"/>
-              </a:lnSpc>
-              <a:spcBef>
-                <a:spcPts val="700"/>
-              </a:spcBef>
-              <a:buSzPct val="100000"/>
-              <a:buFont typeface="Arial"/>
-              <a:defRPr sz="1512">
-                <a:uFill>
-                  <a:solidFill>
-                    <a:srgbClr val="000000"/>
-                  </a:solidFill>
-                </a:uFill>
-                <a:latin typeface="Times New Roman"/>
-                <a:ea typeface="Times New Roman"/>
-                <a:cs typeface="Times New Roman"/>
-                <a:sym typeface="Times New Roman"/>
-              </a:defRPr>
-            </a:pPr>
-            <a:r>
-              <a:t>And not just disease virus tests</a:t>
-            </a:r>
-          </a:p>
-          <a:p>
-            <a:pPr lvl="2" marL="792098" indent="-216026" defTabSz="288036">
-              <a:lnSpc>
-                <a:spcPts val="3300"/>
-              </a:lnSpc>
-              <a:spcBef>
-                <a:spcPts val="700"/>
-              </a:spcBef>
-              <a:buSzPct val="100000"/>
-              <a:buFont typeface="Arial"/>
-              <a:defRPr sz="1512">
-                <a:uFill>
-                  <a:solidFill>
-                    <a:srgbClr val="000000"/>
-                  </a:solidFill>
-                </a:uFill>
-                <a:latin typeface="Times New Roman"/>
-                <a:ea typeface="Times New Roman"/>
-                <a:cs typeface="Times New Roman"/>
-                <a:sym typeface="Times New Roman"/>
-              </a:defRPr>
-            </a:pPr>
-            <a:r>
-              <a:t>Presence-of-antibodies tests</a:t>
-            </a:r>
-          </a:p>
-          <a:p>
-            <a:pPr marL="216026" indent="-216026" defTabSz="288036">
-              <a:lnSpc>
-                <a:spcPts val="3300"/>
-              </a:lnSpc>
-              <a:spcBef>
-                <a:spcPts val="700"/>
-              </a:spcBef>
-              <a:buSzPct val="100000"/>
-              <a:buFont typeface="Arial"/>
-              <a:defRPr sz="1512">
-                <a:uFill>
-                  <a:solidFill>
-                    <a:srgbClr val="000000"/>
-                  </a:solidFill>
-                </a:uFill>
-                <a:latin typeface="Times New Roman"/>
-                <a:ea typeface="Times New Roman"/>
-                <a:cs typeface="Times New Roman"/>
-                <a:sym typeface="Times New Roman"/>
-              </a:defRPr>
-            </a:pPr>
-            <a:r>
-              <a:t>How quickly can we match the immune with public-contact jobs?</a:t>
-            </a:r>
-          </a:p>
-          <a:p>
-            <a:pPr marL="216026" indent="-216026" defTabSz="288036">
-              <a:lnSpc>
-                <a:spcPts val="3300"/>
-              </a:lnSpc>
-              <a:spcBef>
-                <a:spcPts val="700"/>
-              </a:spcBef>
-              <a:buSzPct val="100000"/>
-              <a:buFont typeface="Arial"/>
-              <a:defRPr sz="1512">
-                <a:uFill>
-                  <a:solidFill>
-                    <a:srgbClr val="000000"/>
-                  </a:solidFill>
-                </a:uFill>
-                <a:latin typeface="Times New Roman"/>
-                <a:ea typeface="Times New Roman"/>
-                <a:cs typeface="Times New Roman"/>
-                <a:sym typeface="Times New Roman"/>
-              </a:defRPr>
-            </a:pPr>
-            <a:r>
-              <a:t>What jobs can be done with minimal infection risk?</a:t>
-            </a:r>
-          </a:p>
-          <a:p>
-            <a:pPr marL="216026" indent="-216026" defTabSz="288036">
-              <a:lnSpc>
-                <a:spcPts val="3300"/>
-              </a:lnSpc>
-              <a:spcBef>
-                <a:spcPts val="700"/>
-              </a:spcBef>
-              <a:buSzPct val="100000"/>
-              <a:buFont typeface="Arial"/>
-              <a:defRPr sz="1512">
-                <a:uFill>
-                  <a:solidFill>
-                    <a:srgbClr val="000000"/>
-                  </a:solidFill>
-                </a:uFill>
-                <a:latin typeface="Times New Roman"/>
-                <a:ea typeface="Times New Roman"/>
-                <a:cs typeface="Times New Roman"/>
-                <a:sym typeface="Times New Roman"/>
-              </a:defRPr>
-            </a:pPr>
-            <a:r>
-              <a:t>What minimal-infection substitutes can we find for previous jobs?</a:t>
-            </a:r>
-          </a:p>
-          <a:p>
-            <a:pPr marL="216026" indent="-216026" defTabSz="288036">
-              <a:lnSpc>
-                <a:spcPts val="3300"/>
-              </a:lnSpc>
-              <a:spcBef>
-                <a:spcPts val="700"/>
-              </a:spcBef>
-              <a:buSzPct val="100000"/>
-              <a:buFont typeface="Arial"/>
-              <a:defRPr sz="1512">
-                <a:uFill>
-                  <a:solidFill>
-                    <a:srgbClr val="000000"/>
-                  </a:solidFill>
-                </a:uFill>
-                <a:latin typeface="Times New Roman"/>
-                <a:ea typeface="Times New Roman"/>
-                <a:cs typeface="Times New Roman"/>
-                <a:sym typeface="Times New Roman"/>
-              </a:defRPr>
-            </a:pPr>
-            <a:r>
-              <a:t>How quickly can restrictions be relaxed without the virus coming roaring back?</a:t>
-            </a:r>
-          </a:p>
-          <a:p>
-            <a:pPr marL="216026" indent="-216026" defTabSz="288036">
-              <a:lnSpc>
-                <a:spcPts val="3300"/>
-              </a:lnSpc>
-              <a:spcBef>
-                <a:spcPts val="700"/>
-              </a:spcBef>
-              <a:buSzPct val="100000"/>
-              <a:buFont typeface="Arial"/>
-              <a:defRPr sz="1512">
-                <a:uFill>
-                  <a:solidFill>
-                    <a:srgbClr val="000000"/>
-                  </a:solidFill>
-                </a:uFill>
-                <a:latin typeface="Times New Roman"/>
-                <a:ea typeface="Times New Roman"/>
-                <a:cs typeface="Times New Roman"/>
-                <a:sym typeface="Times New Roman"/>
-              </a:defRPr>
-            </a:pPr>
-            <a:r>
-              <a:t>How do we avoid having the market give a “shutdown” signal to enterprises we in fact want restarted?</a:t>
-            </a:r>
-          </a:p>
-          <a:p>
-            <a:pPr lvl="1" marL="504062" indent="-216026" defTabSz="288036">
-              <a:lnSpc>
-                <a:spcPts val="3300"/>
-              </a:lnSpc>
-              <a:spcBef>
-                <a:spcPts val="700"/>
-              </a:spcBef>
-              <a:buSzPct val="100000"/>
-              <a:buFont typeface="Arial"/>
-              <a:defRPr sz="1512">
-                <a:uFill>
-                  <a:solidFill>
-                    <a:srgbClr val="000000"/>
-                  </a:solidFill>
-                </a:uFill>
-                <a:latin typeface="Times New Roman"/>
-                <a:ea typeface="Times New Roman"/>
-                <a:cs typeface="Times New Roman"/>
-                <a:sym typeface="Times New Roman"/>
-              </a:defRPr>
-            </a:pPr>
-            <a:r>
-              <a:t>Which is pretty much all of them</a:t>
-            </a:r>
-          </a:p>
-          <a:p>
-            <a:pPr marL="216026" indent="-216026" defTabSz="288036">
-              <a:lnSpc>
-                <a:spcPts val="3300"/>
-              </a:lnSpc>
-              <a:spcBef>
-                <a:spcPts val="700"/>
-              </a:spcBef>
-              <a:buSzPct val="100000"/>
-              <a:buFont typeface="Arial"/>
-              <a:defRPr sz="1512">
-                <a:uFill>
-                  <a:solidFill>
-                    <a:srgbClr val="000000"/>
-                  </a:solidFill>
-                </a:uFill>
-                <a:latin typeface="Times New Roman"/>
-                <a:ea typeface="Times New Roman"/>
-                <a:cs typeface="Times New Roman"/>
-                <a:sym typeface="Times New Roman"/>
-              </a:defRPr>
-            </a:pPr>
-            <a:r>
-              <a:t>How much of the potential caseload do we want to push out beyond the vaccine-arrival date?</a:t>
-            </a:r>
-          </a:p>
-          <a:p>
-            <a:pPr marL="0" indent="0" defTabSz="288036">
-              <a:lnSpc>
-                <a:spcPts val="3700"/>
-              </a:lnSpc>
-              <a:spcBef>
-                <a:spcPts val="700"/>
-              </a:spcBef>
-              <a:buSzTx/>
-              <a:buNone/>
-              <a:defRPr b="1" sz="1890">
-                <a:uFill>
-                  <a:solidFill>
-                    <a:srgbClr val="000000"/>
-                  </a:solidFill>
-                </a:uFill>
-                <a:latin typeface="+mj-lt"/>
-                <a:ea typeface="+mj-ea"/>
-                <a:cs typeface="+mj-cs"/>
-                <a:sym typeface="Helvetica"/>
-              </a:defRPr>
-            </a:pPr>
-          </a:p>
-          <a:p>
-            <a:pPr marL="0" indent="0" defTabSz="288036">
-              <a:lnSpc>
-                <a:spcPts val="3700"/>
-              </a:lnSpc>
-              <a:spcBef>
-                <a:spcPts val="700"/>
-              </a:spcBef>
-              <a:buSzTx/>
-              <a:buNone/>
-              <a:defRPr b="1" sz="1890">
-                <a:uFill>
-                  <a:solidFill>
-                    <a:srgbClr val="000000"/>
-                  </a:solidFill>
-                </a:uFill>
-                <a:latin typeface="+mj-lt"/>
-                <a:ea typeface="+mj-ea"/>
-                <a:cs typeface="+mj-cs"/>
-                <a:sym typeface="Helvetica"/>
-              </a:defRPr>
-            </a:pPr>
-            <a:r>
-              <a:t>ALL THESE QUESTIONS ARE ANSWERABLE IF WE LEARN THE ASYMPTOMATIC HENCE NON-TESTED RATE!!</a:t>
-            </a:r>
-          </a:p>
-        </p:txBody>
-      </p:sp>
+          <a:ln w="12700">
+            <a:miter lim="400000"/>
+          </a:ln>
+        </p:spPr>
+      </p:pic>
     </p:spTree>
   </p:cSld>
   <p:clrMapOvr>
@@ -5962,7 +5242,7 @@
       </p:grpSpPr>
       <p:sp>
         <p:nvSpPr>
-          <p:cNvPr id="212" name="Keeping the Economy from Crashing During the Lockdown"/>
+          <p:cNvPr id="213" name="James Stock (2020)"/>
           <p:cNvSpPr txBox="1"/>
           <p:nvPr>
             <p:ph type="title" idx="4294967295"/>
@@ -5980,11 +5260,11 @@
         <p:txBody>
           <a:bodyPr lIns="45719" tIns="45719" rIns="45719" bIns="45719"/>
           <a:lstStyle>
-            <a:lvl1pPr defTabSz="246888">
+            <a:lvl1pPr defTabSz="393192">
               <a:lnSpc>
-                <a:spcPts val="6200"/>
+                <a:spcPts val="9900"/>
               </a:lnSpc>
-              <a:defRPr sz="4320">
+              <a:defRPr sz="6880">
                 <a:solidFill>
                   <a:srgbClr val="000080"/>
                 </a:solidFill>
@@ -5999,23 +5279,23 @@
           <a:p>
             <a:pPr/>
             <a:r>
-              <a:t>Keeping the Economy from Crashing During the Lockdown</a:t>
+              <a:t>James Stock (2020)</a:t>
             </a:r>
           </a:p>
         </p:txBody>
       </p:sp>
       <p:sp>
         <p:nvSpPr>
-          <p:cNvPr id="213" name="Nick Rowe: We have a 50% output cut in 100% of the sectors:…"/>
+          <p:cNvPr id="214" name="Standard SIR model:&lt;https://drive.google.com/file/d/12MV466ZZy5xHir4xdPhoTrL1oO8CbZU-/view&gt;:…"/>
           <p:cNvSpPr txBox="1"/>
           <p:nvPr>
-            <p:ph type="body" idx="4294967295"/>
+            <p:ph type="body" sz="half" idx="4294967295"/>
           </p:nvPr>
         </p:nvSpPr>
         <p:spPr>
           <a:xfrm>
-            <a:off x="444500" y="1587500"/>
-            <a:ext cx="8255000" cy="4937520"/>
+            <a:off x="444500" y="1467516"/>
+            <a:ext cx="5161740" cy="2521821"/>
           </a:xfrm>
           <a:prstGeom prst="rect">
             <a:avLst/>
@@ -6025,16 +5305,16 @@
           <a:bodyPr lIns="45719" tIns="45719" rIns="45719" bIns="45719" anchor="t"/>
           <a:lstStyle/>
           <a:p>
-            <a:pPr marL="0" indent="0" defTabSz="288036">
+            <a:pPr marL="0" indent="0" defTabSz="242315">
               <a:lnSpc>
-                <a:spcPts val="3700"/>
+                <a:spcPts val="3100"/>
               </a:lnSpc>
               <a:spcBef>
-                <a:spcPts val="700"/>
+                <a:spcPts val="600"/>
               </a:spcBef>
               <a:buSzTx/>
               <a:buNone/>
-              <a:defRPr b="1" sz="1890">
+              <a:defRPr b="1" sz="1590">
                 <a:uFill>
                   <a:solidFill>
                     <a:srgbClr val="000000"/>
@@ -6047,20 +5327,37 @@
               </a:defRPr>
             </a:pPr>
             <a:r>
-              <a:t>Nick Rowe: We have a 50% output cut in 100% of the sectors:</a:t>
-            </a:r>
-          </a:p>
-          <a:p>
-            <a:pPr marL="216026" indent="-216026" defTabSz="288036">
+              <a:t>Standard SIR model:&lt;</a:t>
+            </a:r>
+            <a:r>
+              <a:rPr u="sng">
+                <a:solidFill>
+                  <a:srgbClr val="0000FF"/>
+                </a:solidFill>
+                <a:uFill>
+                  <a:solidFill>
+                    <a:srgbClr val="0000FF"/>
+                  </a:solidFill>
+                </a:uFill>
+                <a:hlinkClick r:id="rId2" invalidUrl="" action="" tgtFrame="" tooltip="" history="1" highlightClick="0" endSnd="0"/>
+              </a:rPr>
+              <a:t>https://drive.google.com/file/d/12MV466ZZy5xHir4xdPhoTrL1oO8CbZU-/view</a:t>
+            </a:r>
+            <a:r>
+              <a:t>&gt;:</a:t>
+            </a:r>
+          </a:p>
+          <a:p>
+            <a:pPr marL="181736" indent="-181736" defTabSz="242315">
               <a:lnSpc>
-                <a:spcPts val="3300"/>
+                <a:spcPts val="2700"/>
               </a:lnSpc>
               <a:spcBef>
-                <a:spcPts val="700"/>
+                <a:spcPts val="600"/>
               </a:spcBef>
               <a:buSzPct val="100000"/>
               <a:buFont typeface="Arial"/>
-              <a:defRPr sz="1512">
+              <a:defRPr sz="1271">
                 <a:uFill>
                   <a:solidFill>
                     <a:srgbClr val="000000"/>
@@ -6073,20 +5370,52 @@
               </a:defRPr>
             </a:pPr>
             <a:r>
-              <a:t>A temporary 100% output cut in 50% of the sectors (what the Coronavirus does) is very different from a 50% output cut in 100% of the sectors</a:t>
-            </a:r>
-          </a:p>
-          <a:p>
-            <a:pPr marL="216026" indent="-216026" defTabSz="288036">
+              <a:rPr b="1"/>
+              <a:t>S</a:t>
+            </a:r>
+            <a:r>
+              <a:t>usceptible, </a:t>
+            </a:r>
+            <a:r>
+              <a:rPr b="1"/>
+              <a:t>I</a:t>
+            </a:r>
+            <a:r>
+              <a:t>nfected, </a:t>
+            </a:r>
+            <a:r>
+              <a:rPr b="1"/>
+              <a:t>R</a:t>
+            </a:r>
+            <a:r>
+              <a:t>ecovered (&amp; immune), transmission rate β, recovery rate γ, reproduction number R</a:t>
+            </a:r>
+            <a:r>
+              <a:rPr baseline="-5999"/>
+              <a:t>0, </a:t>
+            </a:r>
+            <a:r>
+              <a:t>asymptomatic hence non-tested rate π</a:t>
+            </a:r>
+            <a:r>
+              <a:rPr baseline="-5999"/>
+              <a:t>0</a:t>
+            </a:r>
+            <a:r>
+              <a:t> </a:t>
+            </a:r>
+          </a:p>
+          <a:p>
+            <a:pPr marL="181736" indent="-181736" defTabSz="242315">
               <a:lnSpc>
-                <a:spcPts val="3300"/>
+                <a:spcPts val="2700"/>
               </a:lnSpc>
               <a:spcBef>
-                <a:spcPts val="700"/>
+                <a:spcPts val="600"/>
               </a:spcBef>
               <a:buSzPct val="100000"/>
               <a:buFont typeface="Arial"/>
-              <a:defRPr sz="1512">
+              <a:defRPr sz="1271">
                 <a:uFill>
                   <a:solidFill>
                     <a:srgbClr val="000000"/>
@@ -6099,20 +5428,27 @@
               </a:defRPr>
             </a:pPr>
             <a:r>
-              <a:t>Nick’s thought experiment:</a:t>
-            </a:r>
-          </a:p>
-          <a:p>
-            <a:pPr lvl="1" marL="504062" indent="-216026" defTabSz="288036">
+              <a:t>Calibration: half-life of infection one week: γ = 0.5, s</a:t>
+            </a:r>
+            <a:r>
+              <a:rPr baseline="-5999"/>
+              <a:t>0</a:t>
+            </a:r>
+            <a:r>
+              <a:t> = 0.02, 50 cases on Jan 24 </a:t>
+            </a:r>
+          </a:p>
+          <a:p>
+            <a:pPr marL="181736" indent="-181736" defTabSz="242315">
               <a:lnSpc>
-                <a:spcPts val="3300"/>
+                <a:spcPts val="2700"/>
               </a:lnSpc>
               <a:spcBef>
-                <a:spcPts val="700"/>
+                <a:spcPts val="600"/>
               </a:spcBef>
               <a:buSzPct val="100000"/>
               <a:buFont typeface="Arial"/>
-              <a:defRPr sz="1512">
+              <a:defRPr sz="1271">
                 <a:uFill>
                   <a:solidFill>
                     <a:srgbClr val="000000"/>
@@ -6125,25 +5461,161 @@
               </a:defRPr>
             </a:pPr>
             <a:r>
-              <a:t>In three months we are going to invent unobtanium:</a:t>
-            </a:r>
-          </a:p>
-          <a:p>
-            <a:pPr lvl="2" marL="792098" indent="-216026" defTabSz="288036">
-              <a:lnSpc>
-                <a:spcPts val="3300"/>
-              </a:lnSpc>
+              <a:t>For March 21, 2020, the positive test rate in the United States is approximately 10%…</a:t>
+            </a:r>
+          </a:p>
+        </p:txBody>
+      </p:sp>
+      <p:pic>
+        <p:nvPicPr>
+          <p:cNvPr id="215" name="Image" descr="Image"/>
+          <p:cNvPicPr>
+            <a:picLocks noChangeAspect="1"/>
+          </p:cNvPicPr>
+          <p:nvPr/>
+        </p:nvPicPr>
+        <p:blipFill>
+          <a:blip r:embed="rId3">
+            <a:extLst/>
+          </a:blip>
+          <a:stretch>
+            <a:fillRect/>
+          </a:stretch>
+        </p:blipFill>
+        <p:spPr>
+          <a:xfrm>
+            <a:off x="331119" y="4086039"/>
+            <a:ext cx="1892301" cy="1562101"/>
+          </a:xfrm>
+          <a:prstGeom prst="rect">
+            <a:avLst/>
+          </a:prstGeom>
+          <a:ln w="12700">
+            <a:miter lim="400000"/>
+          </a:ln>
+        </p:spPr>
+      </p:pic>
+      <p:pic>
+        <p:nvPicPr>
+          <p:cNvPr id="216" name="Image" descr="Image"/>
+          <p:cNvPicPr>
+            <a:picLocks noChangeAspect="1"/>
+          </p:cNvPicPr>
+          <p:nvPr/>
+        </p:nvPicPr>
+        <p:blipFill>
+          <a:blip r:embed="rId4">
+            <a:extLst/>
+          </a:blip>
+          <a:stretch>
+            <a:fillRect/>
+          </a:stretch>
+        </p:blipFill>
+        <p:spPr>
+          <a:xfrm>
+            <a:off x="5905229" y="1467516"/>
+            <a:ext cx="2794271" cy="2111800"/>
+          </a:xfrm>
+          <a:prstGeom prst="rect">
+            <a:avLst/>
+          </a:prstGeom>
+          <a:ln w="12700">
+            <a:miter lim="400000"/>
+          </a:ln>
+        </p:spPr>
+      </p:pic>
+      <p:pic>
+        <p:nvPicPr>
+          <p:cNvPr id="217" name="Image" descr="Image"/>
+          <p:cNvPicPr>
+            <a:picLocks noChangeAspect="1"/>
+          </p:cNvPicPr>
+          <p:nvPr/>
+        </p:nvPicPr>
+        <p:blipFill>
+          <a:blip r:embed="rId5">
+            <a:extLst/>
+          </a:blip>
+          <a:stretch>
+            <a:fillRect/>
+          </a:stretch>
+        </p:blipFill>
+        <p:spPr>
+          <a:xfrm>
+            <a:off x="2756045" y="3579315"/>
+            <a:ext cx="3149185" cy="2473868"/>
+          </a:xfrm>
+          <a:prstGeom prst="rect">
+            <a:avLst/>
+          </a:prstGeom>
+          <a:ln w="12700">
+            <a:miter lim="400000"/>
+          </a:ln>
+        </p:spPr>
+      </p:pic>
+      <p:pic>
+        <p:nvPicPr>
+          <p:cNvPr id="218" name="Image" descr="Image"/>
+          <p:cNvPicPr>
+            <a:picLocks noChangeAspect="1"/>
+          </p:cNvPicPr>
+          <p:nvPr/>
+        </p:nvPicPr>
+        <p:blipFill>
+          <a:blip r:embed="rId6">
+            <a:extLst/>
+          </a:blip>
+          <a:stretch>
+            <a:fillRect/>
+          </a:stretch>
+        </p:blipFill>
+        <p:spPr>
+          <a:xfrm>
+            <a:off x="5905229" y="3579315"/>
+            <a:ext cx="2794271" cy="2312260"/>
+          </a:xfrm>
+          <a:prstGeom prst="rect">
+            <a:avLst/>
+          </a:prstGeom>
+          <a:ln w="12700">
+            <a:miter lim="400000"/>
+          </a:ln>
+        </p:spPr>
+      </p:pic>
+      <p:sp>
+        <p:nvSpPr>
+          <p:cNvPr id="219" name="&lt;https://drive.google.com/file/d/12MV466ZZy5xHir4xdPhoTrL1oO8CbZU-/view&gt;"/>
+          <p:cNvSpPr txBox="1"/>
+          <p:nvPr/>
+        </p:nvSpPr>
+        <p:spPr>
+          <a:xfrm>
+            <a:off x="331119" y="6053182"/>
+            <a:ext cx="6186521" cy="228274"/>
+          </a:xfrm>
+          <a:prstGeom prst="rect">
+            <a:avLst/>
+          </a:prstGeom>
+          <a:ln w="12700">
+            <a:miter lim="400000"/>
+          </a:ln>
+          <a:extLst>
+            <a:ext uri="{C572A759-6A51-4108-AA02-DFA0A04FC94B}">
+              <ma14:wrappingTextBoxFlag xmlns:ma14="http://schemas.microsoft.com/office/mac/drawingml/2011/main" val="1"/>
+            </a:ext>
+          </a:extLst>
+        </p:spPr>
+        <p:txBody>
+          <a:bodyPr lIns="45719" rIns="45719">
+            <a:normAutofit fontScale="100000" lnSpcReduction="0"/>
+          </a:bodyPr>
+          <a:lstStyle/>
+          <a:p>
+            <a:pPr defTabSz="301752">
               <a:spcBef>
                 <a:spcPts val="700"/>
               </a:spcBef>
-              <a:buSzPct val="100000"/>
-              <a:buFont typeface="Arial"/>
-              <a:defRPr sz="1512">
-                <a:uFill>
-                  <a:solidFill>
-                    <a:srgbClr val="000000"/>
-                  </a:solidFill>
-                </a:uFill>
+              <a:defRPr sz="1056">
                 <a:latin typeface="Times New Roman"/>
                 <a:ea typeface="Times New Roman"/>
                 <a:cs typeface="Times New Roman"/>
@@ -6151,234 +5623,6 @@
               </a:defRPr>
             </a:pPr>
             <a:r>
-              <a:t>Substantial intertemporal substitutibility </a:t>
-            </a:r>
-          </a:p>
-          <a:p>
-            <a:pPr lvl="2" marL="792098" indent="-216026" defTabSz="288036">
-              <a:lnSpc>
-                <a:spcPts val="3300"/>
-              </a:lnSpc>
-              <a:spcBef>
-                <a:spcPts val="700"/>
-              </a:spcBef>
-              <a:buSzPct val="100000"/>
-              <a:buFont typeface="Arial"/>
-              <a:defRPr sz="1512">
-                <a:uFill>
-                  <a:solidFill>
-                    <a:srgbClr val="000000"/>
-                  </a:solidFill>
-                </a:uFill>
-                <a:latin typeface="Times New Roman"/>
-                <a:ea typeface="Times New Roman"/>
-                <a:cs typeface="Times New Roman"/>
-                <a:sym typeface="Times New Roman"/>
-              </a:defRPr>
-            </a:pPr>
-            <a:r>
-              <a:t>Plus lower cross-good contemporaneous substitutitbility</a:t>
-            </a:r>
-          </a:p>
-          <a:p>
-            <a:pPr lvl="2" marL="792098" indent="-216026" defTabSz="288036">
-              <a:lnSpc>
-                <a:spcPts val="3300"/>
-              </a:lnSpc>
-              <a:spcBef>
-                <a:spcPts val="700"/>
-              </a:spcBef>
-              <a:buSzPct val="100000"/>
-              <a:buFont typeface="Arial"/>
-              <a:defRPr sz="1512">
-                <a:uFill>
-                  <a:solidFill>
-                    <a:srgbClr val="000000"/>
-                  </a:solidFill>
-                </a:uFill>
-                <a:latin typeface="Times New Roman"/>
-                <a:ea typeface="Times New Roman"/>
-                <a:cs typeface="Times New Roman"/>
-                <a:sym typeface="Times New Roman"/>
-              </a:defRPr>
-            </a:pPr>
-            <a:r>
-              <a:t>Hence high desired savings rate now</a:t>
-            </a:r>
-          </a:p>
-          <a:p>
-            <a:pPr lvl="1" marL="504062" indent="-216026" defTabSz="288036">
-              <a:lnSpc>
-                <a:spcPts val="3300"/>
-              </a:lnSpc>
-              <a:spcBef>
-                <a:spcPts val="700"/>
-              </a:spcBef>
-              <a:buSzPct val="100000"/>
-              <a:buFont typeface="Arial"/>
-              <a:defRPr sz="1512">
-                <a:uFill>
-                  <a:solidFill>
-                    <a:srgbClr val="000000"/>
-                  </a:solidFill>
-                </a:uFill>
-                <a:latin typeface="Times New Roman"/>
-                <a:ea typeface="Times New Roman"/>
-                <a:cs typeface="Times New Roman"/>
-                <a:sym typeface="Times New Roman"/>
-              </a:defRPr>
-            </a:pPr>
-            <a:r>
-              <a:t>Flex-price market thus produces a nominal rate at the zero lower bound and a high inflation rate over the next three to six months </a:t>
-            </a:r>
-          </a:p>
-          <a:p>
-            <a:pPr lvl="1" marL="504062" indent="-216026" defTabSz="288036">
-              <a:lnSpc>
-                <a:spcPts val="3300"/>
-              </a:lnSpc>
-              <a:spcBef>
-                <a:spcPts val="700"/>
-              </a:spcBef>
-              <a:buSzPct val="100000"/>
-              <a:buFont typeface="Arial"/>
-              <a:defRPr sz="1512">
-                <a:uFill>
-                  <a:solidFill>
-                    <a:srgbClr val="000000"/>
-                  </a:solidFill>
-                </a:uFill>
-                <a:latin typeface="Times New Roman"/>
-                <a:ea typeface="Times New Roman"/>
-                <a:cs typeface="Times New Roman"/>
-                <a:sym typeface="Times New Roman"/>
-              </a:defRPr>
-            </a:pPr>
-            <a:r>
-              <a:t>Plus liquidity-constrained workers in affected sectors see their demand go to zero immediately</a:t>
-            </a:r>
-          </a:p>
-          <a:p>
-            <a:pPr lvl="1" marL="504062" indent="-216026" defTabSz="288036">
-              <a:lnSpc>
-                <a:spcPts val="3300"/>
-              </a:lnSpc>
-              <a:spcBef>
-                <a:spcPts val="700"/>
-              </a:spcBef>
-              <a:buSzPct val="100000"/>
-              <a:buFont typeface="Arial"/>
-              <a:defRPr sz="1512">
-                <a:uFill>
-                  <a:solidFill>
-                    <a:srgbClr val="000000"/>
-                  </a:solidFill>
-                </a:uFill>
-                <a:latin typeface="Times New Roman"/>
-                <a:ea typeface="Times New Roman"/>
-                <a:cs typeface="Times New Roman"/>
-                <a:sym typeface="Times New Roman"/>
-              </a:defRPr>
-            </a:pPr>
-            <a:r>
-              <a:t>Can we get there? Should we get there? What should we do instead?</a:t>
-            </a:r>
-          </a:p>
-          <a:p>
-            <a:pPr lvl="1" marL="504062" indent="-216026" defTabSz="288036">
-              <a:lnSpc>
-                <a:spcPts val="3300"/>
-              </a:lnSpc>
-              <a:spcBef>
-                <a:spcPts val="700"/>
-              </a:spcBef>
-              <a:buSzPct val="100000"/>
-              <a:buFont typeface="Arial"/>
-              <a:defRPr sz="1512">
-                <a:uFill>
-                  <a:solidFill>
-                    <a:srgbClr val="000000"/>
-                  </a:solidFill>
-                </a:uFill>
-                <a:latin typeface="Times New Roman"/>
-                <a:ea typeface="Times New Roman"/>
-                <a:cs typeface="Times New Roman"/>
-                <a:sym typeface="Times New Roman"/>
-              </a:defRPr>
-            </a:pPr>
-            <a:r>
-              <a:t>We need a good RBC economist: are there any?…</a:t>
-            </a:r>
-          </a:p>
-          <a:p>
-            <a:pPr marL="0" indent="0" defTabSz="288036">
-              <a:lnSpc>
-                <a:spcPts val="3300"/>
-              </a:lnSpc>
-              <a:spcBef>
-                <a:spcPts val="700"/>
-              </a:spcBef>
-              <a:buSzTx/>
-              <a:buNone/>
-              <a:defRPr sz="1512">
-                <a:uFill>
-                  <a:solidFill>
-                    <a:srgbClr val="000000"/>
-                  </a:solidFill>
-                </a:uFill>
-                <a:latin typeface="Times New Roman"/>
-                <a:ea typeface="Times New Roman"/>
-                <a:cs typeface="Times New Roman"/>
-                <a:sym typeface="Times New Roman"/>
-              </a:defRPr>
-            </a:pPr>
-          </a:p>
-          <a:p>
-            <a:pPr marL="0" indent="0" defTabSz="288036">
-              <a:lnSpc>
-                <a:spcPts val="3300"/>
-              </a:lnSpc>
-              <a:spcBef>
-                <a:spcPts val="700"/>
-              </a:spcBef>
-              <a:buSzTx/>
-              <a:buNone/>
-              <a:defRPr sz="1512">
-                <a:uFill>
-                  <a:solidFill>
-                    <a:srgbClr val="000000"/>
-                  </a:solidFill>
-                </a:uFill>
-                <a:latin typeface="Times New Roman"/>
-                <a:ea typeface="Times New Roman"/>
-                <a:cs typeface="Times New Roman"/>
-                <a:sym typeface="Times New Roman"/>
-              </a:defRPr>
-            </a:pPr>
-          </a:p>
-          <a:p>
-            <a:pPr marL="0" indent="0" defTabSz="288036">
-              <a:lnSpc>
-                <a:spcPts val="2700"/>
-              </a:lnSpc>
-              <a:spcBef>
-                <a:spcPts val="700"/>
-              </a:spcBef>
-              <a:buSzTx/>
-              <a:buNone/>
-              <a:defRPr sz="1008">
-                <a:uFill>
-                  <a:solidFill>
-                    <a:srgbClr val="000000"/>
-                  </a:solidFill>
-                </a:uFill>
-                <a:latin typeface="Times New Roman"/>
-                <a:ea typeface="Times New Roman"/>
-                <a:cs typeface="Times New Roman"/>
-                <a:sym typeface="Times New Roman"/>
-              </a:defRPr>
-            </a:pPr>
-            <a:r>
               <a:t>&lt;</a:t>
             </a:r>
             <a:r>
@@ -6393,7 +5637,7 @@
                 </a:uFill>
                 <a:hlinkClick r:id="rId2" invalidUrl="" action="" tgtFrame="" tooltip="" history="1" highlightClick="0" endSnd="0"/>
               </a:rPr>
-              <a:t>https://worthwhile.typepad.com/worthwhile_canadian_initi/2020/03/relative-supply-shocks-unobtainium-walras-law-and-the-coronavirus.html</a:t>
+              <a:t>https://drive.google.com/file/d/12MV466ZZy5xHir4xdPhoTrL1oO8CbZU-/view</a:t>
             </a:r>
             <a:r>
               <a:t>&gt;</a:t>
@@ -6427,301 +5671,35 @@
           <a:chExt cx="0" cy="0"/>
         </a:xfrm>
       </p:grpSpPr>
-      <p:sp>
-        <p:nvSpPr>
-          <p:cNvPr id="215" name="Keeping the Economy from Crashing During the Lockdown II"/>
-          <p:cNvSpPr txBox="1"/>
-          <p:nvPr>
-            <p:ph type="title" idx="4294967295"/>
-          </p:nvPr>
-        </p:nvSpPr>
+      <p:pic>
+        <p:nvPicPr>
+          <p:cNvPr id="221" name="Image" descr="Image"/>
+          <p:cNvPicPr>
+            <a:picLocks noChangeAspect="1"/>
+          </p:cNvPicPr>
+          <p:nvPr/>
+        </p:nvPicPr>
+        <p:blipFill>
+          <a:blip r:embed="rId2">
+            <a:extLst/>
+          </a:blip>
+          <a:stretch>
+            <a:fillRect/>
+          </a:stretch>
+        </p:blipFill>
         <p:spPr>
           <a:xfrm>
-            <a:off x="444500" y="0"/>
-            <a:ext cx="8255000" cy="1587501"/>
+            <a:off x="537559" y="359538"/>
+            <a:ext cx="8115017" cy="6133008"/>
           </a:xfrm>
           <a:prstGeom prst="rect">
             <a:avLst/>
           </a:prstGeom>
-        </p:spPr>
-        <p:txBody>
-          <a:bodyPr lIns="45719" tIns="45719" rIns="45719" bIns="45719"/>
-          <a:lstStyle>
-            <a:lvl1pPr defTabSz="233172">
-              <a:lnSpc>
-                <a:spcPts val="5900"/>
-              </a:lnSpc>
-              <a:defRPr sz="4080">
-                <a:solidFill>
-                  <a:srgbClr val="000080"/>
-                </a:solidFill>
-                <a:uFill>
-                  <a:solidFill>
-                    <a:srgbClr val="000000"/>
-                  </a:solidFill>
-                </a:uFill>
-              </a:defRPr>
-            </a:lvl1pPr>
-          </a:lstStyle>
-          <a:p>
-            <a:pPr/>
-            <a:r>
-              <a:t>Keeping the Economy from Crashing During the Lockdown II</a:t>
-            </a:r>
-          </a:p>
-        </p:txBody>
-      </p:sp>
-      <p:sp>
-        <p:nvSpPr>
-          <p:cNvPr id="216" name="Nick Rowe &lt;https://worthwhile.typepad.com/worthwhile_canadian_initi/2020/03/relative-supply-shocks-unobtainium-walras-law-and-the-coronavirus.html&gt;:…"/>
-          <p:cNvSpPr txBox="1"/>
-          <p:nvPr>
-            <p:ph type="body" idx="4294967295"/>
-          </p:nvPr>
-        </p:nvSpPr>
-        <p:spPr>
-          <a:xfrm>
-            <a:off x="444500" y="1587500"/>
-            <a:ext cx="8255000" cy="4937520"/>
-          </a:xfrm>
-          <a:prstGeom prst="rect">
-            <a:avLst/>
-          </a:prstGeom>
-        </p:spPr>
-        <p:txBody>
-          <a:bodyPr lIns="45719" tIns="45719" rIns="45719" bIns="45719" anchor="t"/>
-          <a:lstStyle/>
-          <a:p>
-            <a:pPr marL="0" indent="0" defTabSz="352043">
-              <a:lnSpc>
-                <a:spcPts val="4600"/>
-              </a:lnSpc>
-              <a:spcBef>
-                <a:spcPts val="900"/>
-              </a:spcBef>
-              <a:buSzTx/>
-              <a:buNone/>
-              <a:defRPr b="1" sz="2309">
-                <a:uFill>
-                  <a:solidFill>
-                    <a:srgbClr val="000000"/>
-                  </a:solidFill>
-                </a:uFill>
-                <a:latin typeface="+mj-lt"/>
-                <a:ea typeface="+mj-ea"/>
-                <a:cs typeface="+mj-cs"/>
-                <a:sym typeface="Helvetica"/>
-              </a:defRPr>
-            </a:pPr>
-            <a:r>
-              <a:t>Nick Rowe &lt;</a:t>
-            </a:r>
-            <a:r>
-              <a:rPr u="sng">
-                <a:solidFill>
-                  <a:srgbClr val="0000FF"/>
-                </a:solidFill>
-                <a:uFill>
-                  <a:solidFill>
-                    <a:srgbClr val="0000FF"/>
-                  </a:solidFill>
-                </a:uFill>
-                <a:hlinkClick r:id="rId2" invalidUrl="" action="" tgtFrame="" tooltip="" history="1" highlightClick="0" endSnd="0"/>
-              </a:rPr>
-              <a:t>https://worthwhile.typepad.com/worthwhile_canadian_initi/2020/03/relative-supply-shocks-unobtainium-walras-law-and-the-coronavirus.html</a:t>
-            </a:r>
-            <a:r>
-              <a:t>&gt;:</a:t>
-            </a:r>
-          </a:p>
-          <a:p>
-            <a:pPr marL="264032" indent="-264032" defTabSz="352043">
-              <a:lnSpc>
-                <a:spcPts val="4000"/>
-              </a:lnSpc>
-              <a:spcBef>
-                <a:spcPts val="900"/>
-              </a:spcBef>
-              <a:buSzPct val="100000"/>
-              <a:buFont typeface="Arial"/>
-              <a:defRPr sz="1848">
-                <a:uFill>
-                  <a:solidFill>
-                    <a:srgbClr val="000000"/>
-                  </a:solidFill>
-                </a:uFill>
-                <a:latin typeface="Times New Roman"/>
-                <a:ea typeface="Times New Roman"/>
-                <a:cs typeface="Times New Roman"/>
-                <a:sym typeface="Times New Roman"/>
-              </a:defRPr>
-            </a:pPr>
-            <a:r>
-              <a:t>Plus: to extend the thought experiment:</a:t>
-            </a:r>
-          </a:p>
-          <a:p>
-            <a:pPr lvl="1" marL="616076" indent="-264032" defTabSz="352043">
-              <a:lnSpc>
-                <a:spcPts val="4000"/>
-              </a:lnSpc>
-              <a:spcBef>
-                <a:spcPts val="900"/>
-              </a:spcBef>
-              <a:buSzPct val="100000"/>
-              <a:buFont typeface="Arial"/>
-              <a:defRPr sz="1848">
-                <a:uFill>
-                  <a:solidFill>
-                    <a:srgbClr val="000000"/>
-                  </a:solidFill>
-                </a:uFill>
-                <a:latin typeface="Times New Roman"/>
-                <a:ea typeface="Times New Roman"/>
-                <a:cs typeface="Times New Roman"/>
-                <a:sym typeface="Times New Roman"/>
-              </a:defRPr>
-            </a:pPr>
-            <a:r>
-              <a:t>We just lost the ability to make “unobtainium”</a:t>
-            </a:r>
-          </a:p>
-          <a:p>
-            <a:pPr lvl="1" marL="616076" indent="-264032" defTabSz="352043">
-              <a:lnSpc>
-                <a:spcPts val="4000"/>
-              </a:lnSpc>
-              <a:spcBef>
-                <a:spcPts val="900"/>
-              </a:spcBef>
-              <a:buSzPct val="100000"/>
-              <a:buFont typeface="Arial"/>
-              <a:defRPr sz="1848">
-                <a:uFill>
-                  <a:solidFill>
-                    <a:srgbClr val="000000"/>
-                  </a:solidFill>
-                </a:uFill>
-                <a:latin typeface="Times New Roman"/>
-                <a:ea typeface="Times New Roman"/>
-                <a:cs typeface="Times New Roman"/>
-                <a:sym typeface="Times New Roman"/>
-              </a:defRPr>
-            </a:pPr>
-            <a:r>
-              <a:t>So we </a:t>
-            </a:r>
-            <a:r>
-              <a:rPr i="1"/>
-              <a:t>should</a:t>
-            </a:r>
-            <a:r>
-              <a:t> be substituting leisure for work, and moving workers into relatively unproductive labor, making the commodities we can still produce right now</a:t>
-            </a:r>
-          </a:p>
-          <a:p>
-            <a:pPr lvl="1" marL="616076" indent="-264032" defTabSz="352043">
-              <a:lnSpc>
-                <a:spcPts val="4000"/>
-              </a:lnSpc>
-              <a:spcBef>
-                <a:spcPts val="900"/>
-              </a:spcBef>
-              <a:buSzPct val="100000"/>
-              <a:buFont typeface="Arial"/>
-              <a:defRPr sz="1848">
-                <a:uFill>
-                  <a:solidFill>
-                    <a:srgbClr val="000000"/>
-                  </a:solidFill>
-                </a:uFill>
-                <a:latin typeface="Times New Roman"/>
-                <a:ea typeface="Times New Roman"/>
-                <a:cs typeface="Times New Roman"/>
-                <a:sym typeface="Times New Roman"/>
-              </a:defRPr>
-            </a:pPr>
-            <a:r>
-              <a:t>How should relative prices move as a result? How should we make them move?</a:t>
-            </a:r>
-          </a:p>
-          <a:p>
-            <a:pPr marL="0" indent="0" defTabSz="352043">
-              <a:lnSpc>
-                <a:spcPts val="4000"/>
-              </a:lnSpc>
-              <a:spcBef>
-                <a:spcPts val="900"/>
-              </a:spcBef>
-              <a:buSzTx/>
-              <a:buNone/>
-              <a:defRPr sz="1848">
-                <a:uFill>
-                  <a:solidFill>
-                    <a:srgbClr val="000000"/>
-                  </a:solidFill>
-                </a:uFill>
-                <a:latin typeface="Times New Roman"/>
-                <a:ea typeface="Times New Roman"/>
-                <a:cs typeface="Times New Roman"/>
-                <a:sym typeface="Times New Roman"/>
-              </a:defRPr>
-            </a:pPr>
-          </a:p>
-          <a:p>
-            <a:pPr marL="0" indent="0" defTabSz="352043">
-              <a:lnSpc>
-                <a:spcPts val="4600"/>
-              </a:lnSpc>
-              <a:spcBef>
-                <a:spcPts val="900"/>
-              </a:spcBef>
-              <a:buSzTx/>
-              <a:buNone/>
-              <a:defRPr b="1" sz="2309">
-                <a:uFill>
-                  <a:solidFill>
-                    <a:srgbClr val="000000"/>
-                  </a:solidFill>
-                </a:uFill>
-                <a:latin typeface="+mj-lt"/>
-                <a:ea typeface="+mj-ea"/>
-                <a:cs typeface="+mj-cs"/>
-                <a:sym typeface="Helvetica"/>
-              </a:defRPr>
-            </a:pPr>
-            <a:r>
-              <a:t>Plus: distributional issues</a:t>
-            </a:r>
-          </a:p>
-          <a:p>
-            <a:pPr marL="0" indent="0" defTabSz="352043">
-              <a:lnSpc>
-                <a:spcPts val="4600"/>
-              </a:lnSpc>
-              <a:spcBef>
-                <a:spcPts val="900"/>
-              </a:spcBef>
-              <a:buSzTx/>
-              <a:buNone/>
-              <a:defRPr b="1" sz="2309">
-                <a:uFill>
-                  <a:solidFill>
-                    <a:srgbClr val="000000"/>
-                  </a:solidFill>
-                </a:uFill>
-                <a:latin typeface="+mj-lt"/>
-                <a:ea typeface="+mj-ea"/>
-                <a:cs typeface="+mj-cs"/>
-                <a:sym typeface="Helvetica"/>
-              </a:defRPr>
-            </a:pPr>
-            <a:r>
-              <a:t>Plus: bankruptcy and credit chain issues</a:t>
-            </a:r>
-          </a:p>
-        </p:txBody>
-      </p:sp>
+          <a:ln w="12700">
+            <a:miter lim="400000"/>
+          </a:ln>
+        </p:spPr>
+      </p:pic>
     </p:spTree>
   </p:cSld>
   <p:clrMapOvr>
@@ -6748,185 +5726,11 @@
           <a:chExt cx="0" cy="0"/>
         </a:xfrm>
       </p:grpSpPr>
-      <p:sp>
-        <p:nvSpPr>
-          <p:cNvPr id="218" name="About the Course"/>
-          <p:cNvSpPr txBox="1"/>
-          <p:nvPr>
-            <p:ph type="title" idx="4294967295"/>
-          </p:nvPr>
-        </p:nvSpPr>
-        <p:spPr>
-          <a:xfrm>
-            <a:off x="277663" y="-3"/>
-            <a:ext cx="8572501" cy="1267128"/>
-          </a:xfrm>
-          <a:prstGeom prst="rect">
-            <a:avLst/>
-          </a:prstGeom>
-        </p:spPr>
-        <p:txBody>
-          <a:bodyPr lIns="45718" tIns="45718" rIns="45718" bIns="45718"/>
-          <a:lstStyle>
-            <a:lvl1pPr defTabSz="457200">
-              <a:defRPr sz="6000">
-                <a:solidFill>
-                  <a:srgbClr val="000080"/>
-                </a:solidFill>
-                <a:uFill>
-                  <a:solidFill>
-                    <a:srgbClr val="000000"/>
-                  </a:solidFill>
-                </a:uFill>
-              </a:defRPr>
-            </a:lvl1pPr>
-          </a:lstStyle>
-          <a:p>
-            <a:pPr/>
-            <a:r>
-              <a:t>MOAR Coronavirus!</a:t>
-            </a:r>
-          </a:p>
-        </p:txBody>
-      </p:sp>
-      <p:sp>
-        <p:nvSpPr>
-          <p:cNvPr id="219" name="The long 20th century will in all likelihood be seen in the future as the watershed in human experience:…"/>
-          <p:cNvSpPr txBox="1"/>
-          <p:nvPr>
-            <p:ph type="body" sz="half" idx="4294967295"/>
-          </p:nvPr>
-        </p:nvSpPr>
-        <p:spPr>
-          <a:xfrm>
-            <a:off x="277663" y="1267121"/>
-            <a:ext cx="3841797" cy="5062438"/>
-          </a:xfrm>
-          <a:prstGeom prst="rect">
-            <a:avLst/>
-          </a:prstGeom>
-        </p:spPr>
-        <p:txBody>
-          <a:bodyPr lIns="45718" tIns="45718" rIns="45718" bIns="45718" anchor="t"/>
-          <a:lstStyle/>
-          <a:p>
-            <a:pPr marL="0" indent="0" defTabSz="270341">
-              <a:spcBef>
-                <a:spcPts val="600"/>
-              </a:spcBef>
-              <a:buSzTx/>
-              <a:buNone/>
-              <a:defRPr b="1" sz="3000">
-                <a:uFill>
-                  <a:solidFill>
-                    <a:srgbClr val="000000"/>
-                  </a:solidFill>
-                </a:uFill>
-                <a:latin typeface="+mj-lt"/>
-                <a:ea typeface="+mj-ea"/>
-                <a:cs typeface="+mj-cs"/>
-                <a:sym typeface="Helvetica"/>
-              </a:defRPr>
-            </a:pPr>
-            <a:r>
-              <a:t>Death for Geezers!</a:t>
-            </a:r>
-          </a:p>
-          <a:p>
-            <a:pPr marL="142285" indent="-142285" defTabSz="270341">
-              <a:spcBef>
-                <a:spcPts val="600"/>
-              </a:spcBef>
-              <a:buSzPct val="100000"/>
-              <a:defRPr>
-                <a:uFill>
-                  <a:solidFill>
-                    <a:srgbClr val="000000"/>
-                  </a:solidFill>
-                </a:uFill>
-                <a:latin typeface="Times New Roman"/>
-                <a:ea typeface="Times New Roman"/>
-                <a:cs typeface="Times New Roman"/>
-                <a:sym typeface="Times New Roman"/>
-              </a:defRPr>
-            </a:pPr>
-            <a:r>
-              <a:t>Mortality for the Youngs very low…</a:t>
-            </a:r>
-          </a:p>
-          <a:p>
-            <a:pPr marL="142285" indent="-142285" defTabSz="270341">
-              <a:spcBef>
-                <a:spcPts val="600"/>
-              </a:spcBef>
-              <a:buSzPct val="100000"/>
-              <a:defRPr>
-                <a:uFill>
-                  <a:solidFill>
-                    <a:srgbClr val="000000"/>
-                  </a:solidFill>
-                </a:uFill>
-                <a:latin typeface="Times New Roman"/>
-                <a:ea typeface="Times New Roman"/>
-                <a:cs typeface="Times New Roman"/>
-                <a:sym typeface="Times New Roman"/>
-              </a:defRPr>
-            </a:pPr>
-            <a:r>
-              <a:t>It’s the flu for them—for you…</a:t>
-            </a:r>
-          </a:p>
-          <a:p>
-            <a:pPr marL="142285" indent="-142285" defTabSz="270341">
-              <a:spcBef>
-                <a:spcPts val="600"/>
-              </a:spcBef>
-              <a:buSzPct val="100000"/>
-              <a:defRPr>
-                <a:uFill>
-                  <a:solidFill>
-                    <a:srgbClr val="000000"/>
-                  </a:solidFill>
-                </a:uFill>
-                <a:latin typeface="Times New Roman"/>
-                <a:ea typeface="Times New Roman"/>
-                <a:cs typeface="Times New Roman"/>
-                <a:sym typeface="Times New Roman"/>
-              </a:defRPr>
-            </a:pPr>
-            <a:r>
-              <a:t>And an extra doubling—or is it 5%?—mortality for the asthmatic</a:t>
-            </a:r>
-          </a:p>
-          <a:p>
-            <a:pPr marL="142285" indent="-142285" defTabSz="270341">
-              <a:spcBef>
-                <a:spcPts val="600"/>
-              </a:spcBef>
-              <a:buSzPct val="100000"/>
-              <a:defRPr>
-                <a:uFill>
-                  <a:solidFill>
-                    <a:srgbClr val="000000"/>
-                  </a:solidFill>
-                </a:uFill>
-                <a:latin typeface="Times New Roman"/>
-                <a:ea typeface="Times New Roman"/>
-                <a:cs typeface="Times New Roman"/>
-                <a:sym typeface="Times New Roman"/>
-              </a:defRPr>
-            </a:pPr>
-            <a:r>
-              <a:t>And an extra doubling—or is it 5%?—mortality for the overweight</a:t>
-            </a:r>
-          </a:p>
-        </p:txBody>
-      </p:sp>
       <p:pic>
         <p:nvPicPr>
-          <p:cNvPr id="220" name="Image" descr="Image"/>
+          <p:cNvPr id="223" name="Image" descr="Image"/>
           <p:cNvPicPr>
-            <a:picLocks noChangeAspect="0"/>
+            <a:picLocks noChangeAspect="1"/>
           </p:cNvPicPr>
           <p:nvPr/>
         </p:nvPicPr>
@@ -6940,8 +5744,8 @@
         </p:blipFill>
         <p:spPr>
           <a:xfrm>
-            <a:off x="4119459" y="1267124"/>
-            <a:ext cx="4791405" cy="5478103"/>
+            <a:off x="546749" y="359754"/>
+            <a:ext cx="8130191" cy="6386737"/>
           </a:xfrm>
           <a:prstGeom prst="rect">
             <a:avLst/>
@@ -6977,161 +5781,9 @@
           <a:chExt cx="0" cy="0"/>
         </a:xfrm>
       </p:grpSpPr>
-      <p:sp>
-        <p:nvSpPr>
-          <p:cNvPr id="222" name="About the Course"/>
-          <p:cNvSpPr txBox="1"/>
-          <p:nvPr>
-            <p:ph type="title" idx="4294967295"/>
-          </p:nvPr>
-        </p:nvSpPr>
-        <p:spPr>
-          <a:xfrm>
-            <a:off x="277663" y="-3"/>
-            <a:ext cx="8572501" cy="1267128"/>
-          </a:xfrm>
-          <a:prstGeom prst="rect">
-            <a:avLst/>
-          </a:prstGeom>
-        </p:spPr>
-        <p:txBody>
-          <a:bodyPr lIns="45718" tIns="45718" rIns="45718" bIns="45718"/>
-          <a:lstStyle>
-            <a:lvl1pPr defTabSz="297179">
-              <a:defRPr sz="3900">
-                <a:solidFill>
-                  <a:srgbClr val="000080"/>
-                </a:solidFill>
-                <a:uFill>
-                  <a:solidFill>
-                    <a:srgbClr val="000000"/>
-                  </a:solidFill>
-                </a:uFill>
-              </a:defRPr>
-            </a:lvl1pPr>
-          </a:lstStyle>
-          <a:p>
-            <a:pPr/>
-            <a:r>
-              <a:t>What We Think Happened in Wuhan</a:t>
-            </a:r>
-          </a:p>
-        </p:txBody>
-      </p:sp>
-      <p:sp>
-        <p:nvSpPr>
-          <p:cNvPr id="223" name="The long 20th century will in all likelihood be seen in the future as the watershed in human experience:…"/>
-          <p:cNvSpPr txBox="1"/>
-          <p:nvPr>
-            <p:ph type="body" sz="quarter" idx="4294967295"/>
-          </p:nvPr>
-        </p:nvSpPr>
-        <p:spPr>
-          <a:xfrm>
-            <a:off x="277663" y="1267120"/>
-            <a:ext cx="8572501" cy="1130253"/>
-          </a:xfrm>
-          <a:prstGeom prst="rect">
-            <a:avLst/>
-          </a:prstGeom>
-        </p:spPr>
-        <p:txBody>
-          <a:bodyPr lIns="45718" tIns="45718" rIns="45718" bIns="45718" anchor="t"/>
-          <a:lstStyle/>
-          <a:p>
-            <a:pPr marL="0" indent="0" defTabSz="203682">
-              <a:spcBef>
-                <a:spcPts val="400"/>
-              </a:spcBef>
-              <a:buSzTx/>
-              <a:buNone/>
-              <a:defRPr b="1" sz="1650">
-                <a:uFill>
-                  <a:solidFill>
-                    <a:srgbClr val="000000"/>
-                  </a:solidFill>
-                </a:uFill>
-                <a:latin typeface="+mj-lt"/>
-                <a:ea typeface="+mj-ea"/>
-                <a:cs typeface="+mj-cs"/>
-                <a:sym typeface="Helvetica"/>
-              </a:defRPr>
-            </a:pPr>
-            <a:r>
-              <a:t>China beat it quickly &amp; relatively easily!</a:t>
-            </a:r>
-          </a:p>
-          <a:p>
-            <a:pPr marL="107200" indent="-107200" defTabSz="203682">
-              <a:spcBef>
-                <a:spcPts val="400"/>
-              </a:spcBef>
-              <a:buSzPct val="100000"/>
-              <a:defRPr sz="1320">
-                <a:uFill>
-                  <a:solidFill>
-                    <a:srgbClr val="000000"/>
-                  </a:solidFill>
-                </a:uFill>
-                <a:latin typeface="Times New Roman"/>
-                <a:ea typeface="Times New Roman"/>
-                <a:cs typeface="Times New Roman"/>
-                <a:sym typeface="Times New Roman"/>
-              </a:defRPr>
-            </a:pPr>
-            <a:r>
-              <a:t>We think</a:t>
-            </a:r>
-          </a:p>
-          <a:p>
-            <a:pPr marL="107200" indent="-107200" defTabSz="203682">
-              <a:spcBef>
-                <a:spcPts val="400"/>
-              </a:spcBef>
-              <a:buSzPct val="100000"/>
-              <a:defRPr sz="1320">
-                <a:uFill>
-                  <a:solidFill>
-                    <a:srgbClr val="000000"/>
-                  </a:solidFill>
-                </a:uFill>
-                <a:latin typeface="Times New Roman"/>
-                <a:ea typeface="Times New Roman"/>
-                <a:cs typeface="Times New Roman"/>
-                <a:sym typeface="Times New Roman"/>
-              </a:defRPr>
-            </a:pPr>
-            <a:r>
-              <a:t>Shut down Wuhan when 200 cases per day</a:t>
-            </a:r>
-          </a:p>
-          <a:p>
-            <a:pPr marL="107200" indent="-107200" defTabSz="203682">
-              <a:spcBef>
-                <a:spcPts val="400"/>
-              </a:spcBef>
-              <a:buSzPct val="100000"/>
-              <a:defRPr sz="1320">
-                <a:uFill>
-                  <a:solidFill>
-                    <a:srgbClr val="000000"/>
-                  </a:solidFill>
-                </a:uFill>
-                <a:latin typeface="Times New Roman"/>
-                <a:ea typeface="Times New Roman"/>
-                <a:cs typeface="Times New Roman"/>
-                <a:sym typeface="Times New Roman"/>
-              </a:defRPr>
-            </a:pPr>
-            <a:r>
-              <a:t>That seems to have been a good decision</a:t>
-            </a:r>
-          </a:p>
-        </p:txBody>
-      </p:sp>
       <p:pic>
         <p:nvPicPr>
-          <p:cNvPr id="224" name="Image" descr="Image"/>
+          <p:cNvPr id="225" name="Image" descr="Image"/>
           <p:cNvPicPr>
             <a:picLocks noChangeAspect="1"/>
           </p:cNvPicPr>
@@ -7147,8 +5799,8 @@
         </p:blipFill>
         <p:spPr>
           <a:xfrm>
-            <a:off x="560811" y="2397372"/>
-            <a:ext cx="7320740" cy="4267253"/>
+            <a:off x="888953" y="375477"/>
+            <a:ext cx="7504568" cy="6210032"/>
           </a:xfrm>
           <a:prstGeom prst="rect">
             <a:avLst/>
@@ -7184,249 +5836,9 @@
           <a:chExt cx="0" cy="0"/>
         </a:xfrm>
       </p:grpSpPr>
-      <p:sp>
-        <p:nvSpPr>
-          <p:cNvPr id="226" name="About the Course"/>
-          <p:cNvSpPr txBox="1"/>
-          <p:nvPr>
-            <p:ph type="title" idx="4294967295"/>
-          </p:nvPr>
-        </p:nvSpPr>
-        <p:spPr>
-          <a:xfrm>
-            <a:off x="277663" y="-3"/>
-            <a:ext cx="8572501" cy="1267128"/>
-          </a:xfrm>
-          <a:prstGeom prst="rect">
-            <a:avLst/>
-          </a:prstGeom>
-        </p:spPr>
-        <p:txBody>
-          <a:bodyPr lIns="45718" tIns="45718" rIns="45718" bIns="45718"/>
-          <a:lstStyle>
-            <a:lvl1pPr defTabSz="457200">
-              <a:defRPr sz="6000">
-                <a:solidFill>
-                  <a:srgbClr val="000080"/>
-                </a:solidFill>
-                <a:uFill>
-                  <a:solidFill>
-                    <a:srgbClr val="000000"/>
-                  </a:solidFill>
-                </a:uFill>
-              </a:defRPr>
-            </a:lvl1pPr>
-          </a:lstStyle>
-          <a:p>
-            <a:pPr/>
-            <a:r>
-              <a:t>The Goal</a:t>
-            </a:r>
-          </a:p>
-        </p:txBody>
-      </p:sp>
-      <p:sp>
-        <p:nvSpPr>
-          <p:cNvPr id="227" name="The long 20th century will in all likelihood be seen in the future as the watershed in human experience:…"/>
-          <p:cNvSpPr txBox="1"/>
-          <p:nvPr>
-            <p:ph type="body" sz="half" idx="4294967295"/>
-          </p:nvPr>
-        </p:nvSpPr>
-        <p:spPr>
-          <a:xfrm>
-            <a:off x="277663" y="1267121"/>
-            <a:ext cx="8572501" cy="1770291"/>
-          </a:xfrm>
-          <a:prstGeom prst="rect">
-            <a:avLst/>
-          </a:prstGeom>
-        </p:spPr>
-        <p:txBody>
-          <a:bodyPr lIns="45718" tIns="45718" rIns="45718" bIns="45718" anchor="t"/>
-          <a:lstStyle/>
-          <a:p>
-            <a:pPr marL="0" indent="0" defTabSz="107543">
-              <a:spcBef>
-                <a:spcPts val="500"/>
-              </a:spcBef>
-              <a:buSzTx/>
-              <a:buNone/>
-              <a:defRPr b="1" sz="1320">
-                <a:uFill>
-                  <a:solidFill>
-                    <a:srgbClr val="000000"/>
-                  </a:solidFill>
-                </a:uFill>
-                <a:latin typeface="+mj-lt"/>
-                <a:ea typeface="+mj-ea"/>
-                <a:cs typeface="+mj-cs"/>
-                <a:sym typeface="Helvetica"/>
-              </a:defRPr>
-            </a:pPr>
-            <a:r>
-              <a:t>When Is It Appropriate to Move on This?</a:t>
-            </a:r>
-          </a:p>
-          <a:p>
-            <a:pPr marL="56602" indent="-56602" defTabSz="107543">
-              <a:spcBef>
-                <a:spcPts val="500"/>
-              </a:spcBef>
-              <a:buSzPct val="100000"/>
-              <a:defRPr sz="1056">
-                <a:uFill>
-                  <a:solidFill>
-                    <a:srgbClr val="000000"/>
-                  </a:solidFill>
-                </a:uFill>
-                <a:latin typeface="Times New Roman"/>
-                <a:ea typeface="Times New Roman"/>
-                <a:cs typeface="Times New Roman"/>
-                <a:sym typeface="Times New Roman"/>
-              </a:defRPr>
-            </a:pPr>
-            <a:r>
-              <a:t>Immediate social distancing…</a:t>
-            </a:r>
-          </a:p>
-          <a:p>
-            <a:pPr marL="56602" indent="-56602" defTabSz="107543">
-              <a:spcBef>
-                <a:spcPts val="500"/>
-              </a:spcBef>
-              <a:buSzPct val="100000"/>
-              <a:defRPr sz="1056">
-                <a:uFill>
-                  <a:solidFill>
-                    <a:srgbClr val="000000"/>
-                  </a:solidFill>
-                </a:uFill>
-                <a:latin typeface="Times New Roman"/>
-                <a:ea typeface="Times New Roman"/>
-                <a:cs typeface="Times New Roman"/>
-                <a:sym typeface="Times New Roman"/>
-              </a:defRPr>
-            </a:pPr>
-            <a:r>
-              <a:t>Self-isolate if you have a cough and a fever…</a:t>
-            </a:r>
-          </a:p>
-          <a:p>
-            <a:pPr marL="56602" indent="-56602" defTabSz="107543">
-              <a:spcBef>
-                <a:spcPts val="500"/>
-              </a:spcBef>
-              <a:buSzPct val="100000"/>
-              <a:defRPr sz="1056">
-                <a:uFill>
-                  <a:solidFill>
-                    <a:srgbClr val="000000"/>
-                  </a:solidFill>
-                </a:uFill>
-                <a:latin typeface="Times New Roman"/>
-                <a:ea typeface="Times New Roman"/>
-                <a:cs typeface="Times New Roman"/>
-                <a:sym typeface="Times New Roman"/>
-              </a:defRPr>
-            </a:pPr>
-            <a:r>
-              <a:t>Hope that warmer temperatures will do to this what they did to SARS…</a:t>
-            </a:r>
-          </a:p>
-          <a:p>
-            <a:pPr marL="56602" indent="-56602" defTabSz="107543">
-              <a:spcBef>
-                <a:spcPts val="500"/>
-              </a:spcBef>
-              <a:buSzPct val="100000"/>
-              <a:defRPr sz="1056">
-                <a:uFill>
-                  <a:solidFill>
-                    <a:srgbClr val="000000"/>
-                  </a:solidFill>
-                </a:uFill>
-                <a:latin typeface="Times New Roman"/>
-                <a:ea typeface="Times New Roman"/>
-                <a:cs typeface="Times New Roman"/>
-                <a:sym typeface="Times New Roman"/>
-              </a:defRPr>
-            </a:pPr>
-            <a:r>
-              <a:t>Otherwise, when do you want to start spreading out transmission. It seems that early is as good as later, so do it early…</a:t>
-            </a:r>
-          </a:p>
-          <a:p>
-            <a:pPr lvl="1" marL="252182" indent="-56602" defTabSz="107543">
-              <a:spcBef>
-                <a:spcPts val="500"/>
-              </a:spcBef>
-              <a:buSzPct val="100000"/>
-              <a:defRPr sz="1056">
-                <a:uFill>
-                  <a:solidFill>
-                    <a:srgbClr val="000000"/>
-                  </a:solidFill>
-                </a:uFill>
-                <a:latin typeface="Times New Roman"/>
-                <a:ea typeface="Times New Roman"/>
-                <a:cs typeface="Times New Roman"/>
-                <a:sym typeface="Times New Roman"/>
-              </a:defRPr>
-            </a:pPr>
-            <a:r>
-              <a:t>I have no good intuition on why you want to move early</a:t>
-            </a:r>
-          </a:p>
-          <a:p>
-            <a:pPr lvl="1" marL="252182" indent="-56602" defTabSz="107543">
-              <a:spcBef>
-                <a:spcPts val="500"/>
-              </a:spcBef>
-              <a:buSzPct val="100000"/>
-              <a:defRPr sz="1056">
-                <a:uFill>
-                  <a:solidFill>
-                    <a:srgbClr val="000000"/>
-                  </a:solidFill>
-                </a:uFill>
-                <a:latin typeface="Times New Roman"/>
-                <a:ea typeface="Times New Roman"/>
-                <a:cs typeface="Times New Roman"/>
-                <a:sym typeface="Times New Roman"/>
-              </a:defRPr>
-            </a:pPr>
-            <a:r>
-              <a:t>Plus your moving early will be wasted if you get reinfected</a:t>
-            </a:r>
-          </a:p>
-          <a:p>
-            <a:pPr lvl="1" marL="252182" indent="-56602" defTabSz="107543">
-              <a:spcBef>
-                <a:spcPts val="500"/>
-              </a:spcBef>
-              <a:buSzPct val="100000"/>
-              <a:defRPr sz="1056">
-                <a:uFill>
-                  <a:solidFill>
-                    <a:srgbClr val="000000"/>
-                  </a:solidFill>
-                </a:uFill>
-                <a:latin typeface="Times New Roman"/>
-                <a:ea typeface="Times New Roman"/>
-                <a:cs typeface="Times New Roman"/>
-                <a:sym typeface="Times New Roman"/>
-              </a:defRPr>
-            </a:pPr>
-            <a:r>
-              <a:t>Plus the sparks you throw off making others’ lives more difficult</a:t>
-            </a:r>
-          </a:p>
-        </p:txBody>
-      </p:sp>
       <p:pic>
         <p:nvPicPr>
-          <p:cNvPr id="228" name="Image" descr="Image"/>
+          <p:cNvPr id="227" name="Image" descr="Image"/>
           <p:cNvPicPr>
             <a:picLocks noChangeAspect="1"/>
           </p:cNvPicPr>
@@ -7442,8 +5854,8 @@
         </p:blipFill>
         <p:spPr>
           <a:xfrm>
-            <a:off x="2097860" y="3037408"/>
-            <a:ext cx="5244481" cy="3630795"/>
+            <a:off x="853270" y="456457"/>
+            <a:ext cx="7576169" cy="6254153"/>
           </a:xfrm>
           <a:prstGeom prst="rect">
             <a:avLst/>
@@ -7481,7 +5893,7 @@
       </p:grpSpPr>
       <p:sp>
         <p:nvSpPr>
-          <p:cNvPr id="230" name="References"/>
+          <p:cNvPr id="229" name="Bringing the Economy Back Up from Anæsthesia"/>
           <p:cNvSpPr txBox="1"/>
           <p:nvPr>
             <p:ph type="title" idx="4294967295"/>
@@ -7499,11 +5911,11 @@
         <p:txBody>
           <a:bodyPr lIns="45719" tIns="45719" rIns="45719" bIns="45719"/>
           <a:lstStyle>
-            <a:lvl1pPr defTabSz="457200">
+            <a:lvl1pPr defTabSz="283463">
               <a:lnSpc>
-                <a:spcPts val="11600"/>
+                <a:spcPts val="7100"/>
               </a:lnSpc>
-              <a:defRPr sz="8000">
+              <a:defRPr sz="4960">
                 <a:solidFill>
                   <a:srgbClr val="000080"/>
                 </a:solidFill>
@@ -7518,14 +5930,14 @@
           <a:p>
             <a:pPr/>
             <a:r>
-              <a:t>References</a:t>
+              <a:t>Bringing the Economy Back Up from Anæsthesia</a:t>
             </a:r>
           </a:p>
         </p:txBody>
       </p:sp>
       <p:sp>
         <p:nvSpPr>
-          <p:cNvPr id="231" name="Financial Times (2020): Coronavirus Tracked: The Latest Figures as the Pandemic Spreads &lt;https://www.ft.com/coronavirus-latest&gt;…"/>
+          <p:cNvPr id="230" name="Major issues:…"/>
           <p:cNvSpPr txBox="1"/>
           <p:nvPr>
             <p:ph type="body" idx="4294967295"/>
@@ -7544,16 +5956,42 @@
           <a:bodyPr lIns="45719" tIns="45719" rIns="45719" bIns="45719" anchor="t"/>
           <a:lstStyle/>
           <a:p>
-            <a:pPr marL="342899" indent="-342899" defTabSz="457200">
+            <a:pPr marL="0" indent="0" defTabSz="288036">
               <a:lnSpc>
-                <a:spcPts val="5200"/>
+                <a:spcPts val="3700"/>
               </a:lnSpc>
               <a:spcBef>
-                <a:spcPts val="1200"/>
+                <a:spcPts val="700"/>
+              </a:spcBef>
+              <a:buSzTx/>
+              <a:buNone/>
+              <a:defRPr b="1" sz="1890">
+                <a:uFill>
+                  <a:solidFill>
+                    <a:srgbClr val="000000"/>
+                  </a:solidFill>
+                </a:uFill>
+                <a:latin typeface="+mj-lt"/>
+                <a:ea typeface="+mj-ea"/>
+                <a:cs typeface="+mj-cs"/>
+                <a:sym typeface="Helvetica"/>
+              </a:defRPr>
+            </a:pPr>
+            <a:r>
+              <a:t>Major issues:</a:t>
+            </a:r>
+          </a:p>
+          <a:p>
+            <a:pPr marL="216026" indent="-216026" defTabSz="288036">
+              <a:lnSpc>
+                <a:spcPts val="3300"/>
+              </a:lnSpc>
+              <a:spcBef>
+                <a:spcPts val="700"/>
               </a:spcBef>
               <a:buSzPct val="100000"/>
               <a:buFont typeface="Arial"/>
-              <a:defRPr>
+              <a:defRPr sz="1512">
                 <a:uFill>
                   <a:solidFill>
                     <a:srgbClr val="000000"/>
@@ -7566,41 +6004,20 @@
               </a:defRPr>
             </a:pPr>
             <a:r>
-              <a:rPr b="1"/>
-              <a:t>Financial Times</a:t>
-            </a:r>
-            <a:r>
-              <a:t> (2020): Coronavirus Tracked: The Latest Figures as the Pandemic Spreads &lt;</a:t>
-            </a:r>
-            <a:r>
-              <a:rPr u="sng">
-                <a:solidFill>
-                  <a:srgbClr val="0000FF"/>
-                </a:solidFill>
-                <a:uFill>
-                  <a:solidFill>
-                    <a:srgbClr val="0000FF"/>
-                  </a:solidFill>
-                </a:uFill>
-                <a:hlinkClick r:id="rId2" invalidUrl="" action="" tgtFrame="" tooltip="" history="1" highlightClick="0" endSnd="0"/>
-              </a:rPr>
-              <a:t>https://www.ft.com/coronavirus-latest</a:t>
-            </a:r>
-            <a:r>
-              <a:t>&gt;</a:t>
-            </a:r>
-          </a:p>
-          <a:p>
-            <a:pPr marL="342899" indent="-342899" defTabSz="457200">
+              <a:t>Certificates of immunity:</a:t>
+            </a:r>
+          </a:p>
+          <a:p>
+            <a:pPr lvl="1" marL="504062" indent="-216026" defTabSz="288036">
               <a:lnSpc>
-                <a:spcPts val="5200"/>
+                <a:spcPts val="3300"/>
               </a:lnSpc>
               <a:spcBef>
-                <a:spcPts val="1200"/>
+                <a:spcPts val="700"/>
               </a:spcBef>
               <a:buSzPct val="100000"/>
               <a:buFont typeface="Arial"/>
-              <a:defRPr>
+              <a:defRPr sz="1512">
                 <a:uFill>
                   <a:solidFill>
                     <a:srgbClr val="000000"/>
@@ -7613,48 +6030,20 @@
               </a:defRPr>
             </a:pPr>
             <a:r>
-              <a:rPr b="1"/>
-              <a:t>Nick Rowe</a:t>
-            </a:r>
-            <a:r>
-              <a:t> (2020): </a:t>
-            </a:r>
-            <a:r>
-              <a:rPr i="1"/>
-              <a:t>Relative Supply Shocks, Unobtainium, Walras' Law, and the Coronavirus </a:t>
-            </a:r>
-            <a:r>
-              <a:t>&lt;</a:t>
-            </a:r>
-            <a:r>
-              <a:rPr u="sng">
-                <a:solidFill>
-                  <a:srgbClr val="0000FF"/>
-                </a:solidFill>
-                <a:uFill>
-                  <a:solidFill>
-                    <a:srgbClr val="0000FF"/>
-                  </a:solidFill>
-                </a:uFill>
-                <a:hlinkClick r:id="rId3" invalidUrl="" action="" tgtFrame="" tooltip="" history="1" highlightClick="0" endSnd="0"/>
-              </a:rPr>
-              <a:t>https://worthwhile.typepad.com/worthwhile_canadian_initi/2020/03/relative-supply-shocks-unobtainium-walras-law-and-the-coronavirus.html</a:t>
-            </a:r>
-            <a:r>
-              <a:t>&gt;</a:t>
-            </a:r>
-          </a:p>
-          <a:p>
-            <a:pPr marL="342899" indent="-342899" defTabSz="457200">
+              <a:t>Which requires test, test, test:</a:t>
+            </a:r>
+          </a:p>
+          <a:p>
+            <a:pPr lvl="2" marL="792098" indent="-216026" defTabSz="288036">
               <a:lnSpc>
-                <a:spcPts val="5200"/>
+                <a:spcPts val="3300"/>
               </a:lnSpc>
               <a:spcBef>
-                <a:spcPts val="1200"/>
+                <a:spcPts val="700"/>
               </a:spcBef>
               <a:buSzPct val="100000"/>
               <a:buFont typeface="Arial"/>
-              <a:defRPr>
+              <a:defRPr sz="1512">
                 <a:uFill>
                   <a:solidFill>
                     <a:srgbClr val="000000"/>
@@ -7667,35 +6056,264 @@
               </a:defRPr>
             </a:pPr>
             <a:r>
-              <a:rPr b="1"/>
-              <a:t>Jim Stock</a:t>
-            </a:r>
-            <a:r>
-              <a:t> (2020): </a:t>
-            </a:r>
-            <a:r>
-              <a:rPr i="1"/>
-              <a:t>Coronavirus Data Gaps and the Policy Response</a:t>
-            </a:r>
-            <a:r>
-              <a:t> &lt;</a:t>
-            </a:r>
-            <a:r>
-              <a:rPr u="sng">
-                <a:solidFill>
-                  <a:srgbClr val="0000FF"/>
-                </a:solidFill>
-                <a:uFill>
-                  <a:solidFill>
-                    <a:srgbClr val="0000FF"/>
-                  </a:solidFill>
-                </a:uFill>
-                <a:hlinkClick r:id="rId4" invalidUrl="" action="" tgtFrame="" tooltip="" history="1" highlightClick="0" endSnd="0"/>
-              </a:rPr>
-              <a:t>https://drive.google.com/file/d/12MV466ZZy5xHir4xdPhoTrL1oO8CbZU-/view</a:t>
-            </a:r>
-            <a:r>
-              <a:t>&gt;</a:t>
+              <a:t>And not just disease virus tests</a:t>
+            </a:r>
+          </a:p>
+          <a:p>
+            <a:pPr lvl="2" marL="792098" indent="-216026" defTabSz="288036">
+              <a:lnSpc>
+                <a:spcPts val="3300"/>
+              </a:lnSpc>
+              <a:spcBef>
+                <a:spcPts val="700"/>
+              </a:spcBef>
+              <a:buSzPct val="100000"/>
+              <a:buFont typeface="Arial"/>
+              <a:defRPr sz="1512">
+                <a:uFill>
+                  <a:solidFill>
+                    <a:srgbClr val="000000"/>
+                  </a:solidFill>
+                </a:uFill>
+                <a:latin typeface="Times New Roman"/>
+                <a:ea typeface="Times New Roman"/>
+                <a:cs typeface="Times New Roman"/>
+                <a:sym typeface="Times New Roman"/>
+              </a:defRPr>
+            </a:pPr>
+            <a:r>
+              <a:t>Presence-of-antibodies tests</a:t>
+            </a:r>
+          </a:p>
+          <a:p>
+            <a:pPr marL="216026" indent="-216026" defTabSz="288036">
+              <a:lnSpc>
+                <a:spcPts val="3300"/>
+              </a:lnSpc>
+              <a:spcBef>
+                <a:spcPts val="700"/>
+              </a:spcBef>
+              <a:buSzPct val="100000"/>
+              <a:buFont typeface="Arial"/>
+              <a:defRPr sz="1512">
+                <a:uFill>
+                  <a:solidFill>
+                    <a:srgbClr val="000000"/>
+                  </a:solidFill>
+                </a:uFill>
+                <a:latin typeface="Times New Roman"/>
+                <a:ea typeface="Times New Roman"/>
+                <a:cs typeface="Times New Roman"/>
+                <a:sym typeface="Times New Roman"/>
+              </a:defRPr>
+            </a:pPr>
+            <a:r>
+              <a:t>How quickly can we match the immune with public-contact jobs?</a:t>
+            </a:r>
+          </a:p>
+          <a:p>
+            <a:pPr marL="216026" indent="-216026" defTabSz="288036">
+              <a:lnSpc>
+                <a:spcPts val="3300"/>
+              </a:lnSpc>
+              <a:spcBef>
+                <a:spcPts val="700"/>
+              </a:spcBef>
+              <a:buSzPct val="100000"/>
+              <a:buFont typeface="Arial"/>
+              <a:defRPr sz="1512">
+                <a:uFill>
+                  <a:solidFill>
+                    <a:srgbClr val="000000"/>
+                  </a:solidFill>
+                </a:uFill>
+                <a:latin typeface="Times New Roman"/>
+                <a:ea typeface="Times New Roman"/>
+                <a:cs typeface="Times New Roman"/>
+                <a:sym typeface="Times New Roman"/>
+              </a:defRPr>
+            </a:pPr>
+            <a:r>
+              <a:t>What jobs can be done with minimal infection risk?</a:t>
+            </a:r>
+          </a:p>
+          <a:p>
+            <a:pPr marL="216026" indent="-216026" defTabSz="288036">
+              <a:lnSpc>
+                <a:spcPts val="3300"/>
+              </a:lnSpc>
+              <a:spcBef>
+                <a:spcPts val="700"/>
+              </a:spcBef>
+              <a:buSzPct val="100000"/>
+              <a:buFont typeface="Arial"/>
+              <a:defRPr sz="1512">
+                <a:uFill>
+                  <a:solidFill>
+                    <a:srgbClr val="000000"/>
+                  </a:solidFill>
+                </a:uFill>
+                <a:latin typeface="Times New Roman"/>
+                <a:ea typeface="Times New Roman"/>
+                <a:cs typeface="Times New Roman"/>
+                <a:sym typeface="Times New Roman"/>
+              </a:defRPr>
+            </a:pPr>
+            <a:r>
+              <a:t>What minimal-infection substitutes can we find for previous jobs?</a:t>
+            </a:r>
+          </a:p>
+          <a:p>
+            <a:pPr marL="216026" indent="-216026" defTabSz="288036">
+              <a:lnSpc>
+                <a:spcPts val="3300"/>
+              </a:lnSpc>
+              <a:spcBef>
+                <a:spcPts val="700"/>
+              </a:spcBef>
+              <a:buSzPct val="100000"/>
+              <a:buFont typeface="Arial"/>
+              <a:defRPr sz="1512">
+                <a:uFill>
+                  <a:solidFill>
+                    <a:srgbClr val="000000"/>
+                  </a:solidFill>
+                </a:uFill>
+                <a:latin typeface="Times New Roman"/>
+                <a:ea typeface="Times New Roman"/>
+                <a:cs typeface="Times New Roman"/>
+                <a:sym typeface="Times New Roman"/>
+              </a:defRPr>
+            </a:pPr>
+            <a:r>
+              <a:t>How quickly can restrictions be relaxed without the virus coming roaring back?</a:t>
+            </a:r>
+          </a:p>
+          <a:p>
+            <a:pPr marL="216026" indent="-216026" defTabSz="288036">
+              <a:lnSpc>
+                <a:spcPts val="3300"/>
+              </a:lnSpc>
+              <a:spcBef>
+                <a:spcPts val="700"/>
+              </a:spcBef>
+              <a:buSzPct val="100000"/>
+              <a:buFont typeface="Arial"/>
+              <a:defRPr sz="1512">
+                <a:uFill>
+                  <a:solidFill>
+                    <a:srgbClr val="000000"/>
+                  </a:solidFill>
+                </a:uFill>
+                <a:latin typeface="Times New Roman"/>
+                <a:ea typeface="Times New Roman"/>
+                <a:cs typeface="Times New Roman"/>
+                <a:sym typeface="Times New Roman"/>
+              </a:defRPr>
+            </a:pPr>
+            <a:r>
+              <a:t>How do we avoid having the market give a “shutdown” signal to enterprises we in fact want restarted?</a:t>
+            </a:r>
+          </a:p>
+          <a:p>
+            <a:pPr lvl="1" marL="504062" indent="-216026" defTabSz="288036">
+              <a:lnSpc>
+                <a:spcPts val="3300"/>
+              </a:lnSpc>
+              <a:spcBef>
+                <a:spcPts val="700"/>
+              </a:spcBef>
+              <a:buSzPct val="100000"/>
+              <a:buFont typeface="Arial"/>
+              <a:defRPr sz="1512">
+                <a:uFill>
+                  <a:solidFill>
+                    <a:srgbClr val="000000"/>
+                  </a:solidFill>
+                </a:uFill>
+                <a:latin typeface="Times New Roman"/>
+                <a:ea typeface="Times New Roman"/>
+                <a:cs typeface="Times New Roman"/>
+                <a:sym typeface="Times New Roman"/>
+              </a:defRPr>
+            </a:pPr>
+            <a:r>
+              <a:t>Which is pretty much all of them</a:t>
+            </a:r>
+          </a:p>
+          <a:p>
+            <a:pPr marL="216026" indent="-216026" defTabSz="288036">
+              <a:lnSpc>
+                <a:spcPts val="3300"/>
+              </a:lnSpc>
+              <a:spcBef>
+                <a:spcPts val="700"/>
+              </a:spcBef>
+              <a:buSzPct val="100000"/>
+              <a:buFont typeface="Arial"/>
+              <a:defRPr sz="1512">
+                <a:uFill>
+                  <a:solidFill>
+                    <a:srgbClr val="000000"/>
+                  </a:solidFill>
+                </a:uFill>
+                <a:latin typeface="Times New Roman"/>
+                <a:ea typeface="Times New Roman"/>
+                <a:cs typeface="Times New Roman"/>
+                <a:sym typeface="Times New Roman"/>
+              </a:defRPr>
+            </a:pPr>
+            <a:r>
+              <a:t>How much of the potential caseload do we want to push out beyond the vaccine-arrival date?</a:t>
+            </a:r>
+          </a:p>
+          <a:p>
+            <a:pPr marL="0" indent="0" defTabSz="288036">
+              <a:lnSpc>
+                <a:spcPts val="3700"/>
+              </a:lnSpc>
+              <a:spcBef>
+                <a:spcPts val="700"/>
+              </a:spcBef>
+              <a:buSzTx/>
+              <a:buNone/>
+              <a:defRPr b="1" sz="1890">
+                <a:uFill>
+                  <a:solidFill>
+                    <a:srgbClr val="000000"/>
+                  </a:solidFill>
+                </a:uFill>
+                <a:latin typeface="+mj-lt"/>
+                <a:ea typeface="+mj-ea"/>
+                <a:cs typeface="+mj-cs"/>
+                <a:sym typeface="Helvetica"/>
+              </a:defRPr>
+            </a:pPr>
+          </a:p>
+          <a:p>
+            <a:pPr marL="0" indent="0" defTabSz="288036">
+              <a:lnSpc>
+                <a:spcPts val="3700"/>
+              </a:lnSpc>
+              <a:spcBef>
+                <a:spcPts val="700"/>
+              </a:spcBef>
+              <a:buSzTx/>
+              <a:buNone/>
+              <a:defRPr b="1" sz="1890">
+                <a:uFill>
+                  <a:solidFill>
+                    <a:srgbClr val="000000"/>
+                  </a:solidFill>
+                </a:uFill>
+                <a:latin typeface="+mj-lt"/>
+                <a:ea typeface="+mj-ea"/>
+                <a:cs typeface="+mj-cs"/>
+                <a:sym typeface="Helvetica"/>
+              </a:defRPr>
+            </a:pPr>
+            <a:r>
+              <a:t>ALL THESE QUESTIONS ARE ANSWERABLE IF WE LEARN THE ASYMPTOMATIC HENCE NON-TESTED RATE!!</a:t>
             </a:r>
           </a:p>
         </p:txBody>
@@ -7728,7 +6346,7 @@
       </p:grpSpPr>
       <p:sp>
         <p:nvSpPr>
-          <p:cNvPr id="233" name="About the Course"/>
+          <p:cNvPr id="232" name="Keeping the Economy from Crashing During the Lockdown"/>
           <p:cNvSpPr txBox="1"/>
           <p:nvPr>
             <p:ph type="title" idx="4294967295"/>
@@ -7736,18 +6354,21 @@
         </p:nvSpPr>
         <p:spPr>
           <a:xfrm>
-            <a:off x="277663" y="-3"/>
-            <a:ext cx="8572501" cy="1267128"/>
+            <a:off x="444500" y="0"/>
+            <a:ext cx="8255000" cy="1587501"/>
           </a:xfrm>
           <a:prstGeom prst="rect">
             <a:avLst/>
           </a:prstGeom>
         </p:spPr>
         <p:txBody>
-          <a:bodyPr lIns="45718" tIns="45718" rIns="45718" bIns="45718"/>
+          <a:bodyPr lIns="45719" tIns="45719" rIns="45719" bIns="45719"/>
           <a:lstStyle>
-            <a:lvl1pPr defTabSz="457200">
-              <a:defRPr sz="6000">
+            <a:lvl1pPr defTabSz="246888">
+              <a:lnSpc>
+                <a:spcPts val="6200"/>
+              </a:lnSpc>
+              <a:defRPr sz="4320">
                 <a:solidFill>
                   <a:srgbClr val="000080"/>
                 </a:solidFill>
@@ -7762,14 +6383,14 @@
           <a:p>
             <a:pPr/>
             <a:r>
-              <a:t>MOAR Coronavirus!</a:t>
+              <a:t>Keeping the Economy from Crashing During the Lockdown</a:t>
             </a:r>
           </a:p>
         </p:txBody>
       </p:sp>
       <p:sp>
         <p:nvSpPr>
-          <p:cNvPr id="234" name="The long 20th century will in all likelihood be seen in the future as the watershed in human experience:…"/>
+          <p:cNvPr id="233" name="Nick Rowe: We have a 50% output cut in 100% of the sectors:…"/>
           <p:cNvSpPr txBox="1"/>
           <p:nvPr>
             <p:ph type="body" idx="4294967295"/>
@@ -7777,24 +6398,27 @@
         </p:nvSpPr>
         <p:spPr>
           <a:xfrm>
-            <a:off x="277662" y="1267120"/>
-            <a:ext cx="8572502" cy="5397505"/>
+            <a:off x="444500" y="1587500"/>
+            <a:ext cx="8255000" cy="4937520"/>
           </a:xfrm>
           <a:prstGeom prst="rect">
             <a:avLst/>
           </a:prstGeom>
         </p:spPr>
         <p:txBody>
-          <a:bodyPr lIns="45718" tIns="45718" rIns="45718" bIns="45718" anchor="t"/>
+          <a:bodyPr lIns="45719" tIns="45719" rIns="45719" bIns="45719" anchor="t"/>
           <a:lstStyle/>
           <a:p>
-            <a:pPr marL="0" indent="0" defTabSz="215976">
-              <a:spcBef>
-                <a:spcPts val="900"/>
+            <a:pPr marL="0" indent="0" defTabSz="288036">
+              <a:lnSpc>
+                <a:spcPts val="3700"/>
+              </a:lnSpc>
+              <a:spcBef>
+                <a:spcPts val="700"/>
               </a:spcBef>
               <a:buSzTx/>
               <a:buNone/>
-              <a:defRPr b="1" sz="2430">
+              <a:defRPr b="1" sz="1890">
                 <a:uFill>
                   <a:solidFill>
                     <a:srgbClr val="000000"/>
@@ -7807,16 +6431,20 @@
               </a:defRPr>
             </a:pPr>
             <a:r>
-              <a:t>What I am watching:</a:t>
-            </a:r>
-          </a:p>
-          <a:p>
-            <a:pPr marL="113671" indent="-113671" defTabSz="215976">
-              <a:spcBef>
-                <a:spcPts val="900"/>
+              <a:t>Nick Rowe: We have a 50% output cut in 100% of the sectors:</a:t>
+            </a:r>
+          </a:p>
+          <a:p>
+            <a:pPr marL="216026" indent="-216026" defTabSz="288036">
+              <a:lnSpc>
+                <a:spcPts val="3300"/>
+              </a:lnSpc>
+              <a:spcBef>
+                <a:spcPts val="700"/>
               </a:spcBef>
               <a:buSzPct val="100000"/>
-              <a:defRPr b="1" sz="1944">
+              <a:buFont typeface="Arial"/>
+              <a:defRPr sz="1512">
                 <a:uFill>
                   <a:solidFill>
                     <a:srgbClr val="000000"/>
@@ -7829,46 +6457,20 @@
               </a:defRPr>
             </a:pPr>
             <a:r>
-              <a:t>Max Roser &amp; Hannah Ritchie</a:t>
-            </a:r>
-            <a:r>
-              <a:rPr b="0"/>
-              <a:t>: </a:t>
-            </a:r>
-            <a:r>
-              <a:rPr b="0" i="1"/>
-              <a:t>Coronavirus Disease (COVID-19)</a:t>
-            </a:r>
-            <a:r>
-              <a:rPr b="0"/>
-              <a:t> &lt;</a:t>
-            </a:r>
-            <a:r>
-              <a:rPr b="0" u="sng">
-                <a:solidFill>
-                  <a:srgbClr val="0000FF"/>
-                </a:solidFill>
-                <a:uFill>
-                  <a:solidFill>
-                    <a:srgbClr val="0000FF"/>
-                  </a:solidFill>
-                </a:uFill>
-                <a:hlinkClick r:id="rId2" invalidUrl="" action="" tgtFrame="" tooltip="" history="1" highlightClick="0" endSnd="0"/>
-              </a:rPr>
-              <a:t>https://ourworldindata.org/coronavirus</a:t>
-            </a:r>
-            <a:r>
-              <a:rPr b="0"/>
-              <a:t>&gt;…</a:t>
-            </a:r>
-          </a:p>
-          <a:p>
-            <a:pPr marL="113671" indent="-113671" defTabSz="215976">
-              <a:spcBef>
-                <a:spcPts val="900"/>
+              <a:t>A temporary 100% output cut in 50% of the sectors (what the Coronavirus does) is very different from a 50% output cut in 100% of the sectors</a:t>
+            </a:r>
+          </a:p>
+          <a:p>
+            <a:pPr marL="216026" indent="-216026" defTabSz="288036">
+              <a:lnSpc>
+                <a:spcPts val="3300"/>
+              </a:lnSpc>
+              <a:spcBef>
+                <a:spcPts val="700"/>
               </a:spcBef>
               <a:buSzPct val="100000"/>
-              <a:defRPr b="1" sz="1944">
+              <a:buFont typeface="Arial"/>
+              <a:defRPr sz="1512">
                 <a:uFill>
                   <a:solidFill>
                     <a:srgbClr val="000000"/>
@@ -7881,46 +6483,20 @@
               </a:defRPr>
             </a:pPr>
             <a:r>
-              <a:t>Worldometer</a:t>
-            </a:r>
-            <a:r>
-              <a:rPr b="0"/>
-              <a:t>: </a:t>
-            </a:r>
-            <a:r>
-              <a:rPr b="0" i="1"/>
-              <a:t>Coronavirus Update (Live) </a:t>
-            </a:r>
-            <a:r>
-              <a:rPr b="0"/>
-              <a:t>&lt;</a:t>
-            </a:r>
-            <a:r>
-              <a:rPr b="0" u="sng">
-                <a:solidFill>
-                  <a:srgbClr val="0000FF"/>
-                </a:solidFill>
-                <a:uFill>
-                  <a:solidFill>
-                    <a:srgbClr val="0000FF"/>
-                  </a:solidFill>
-                </a:uFill>
-                <a:hlinkClick r:id="rId3" invalidUrl="" action="" tgtFrame="" tooltip="" history="1" highlightClick="0" endSnd="0"/>
-              </a:rPr>
-              <a:t>https://www.worldometers.info/coronavirus/</a:t>
-            </a:r>
-            <a:r>
-              <a:rPr b="0"/>
-              <a:t>&gt;: ‘125,599 Cases and 4,605 Deaths from COVID-19 Virus Outbreak…</a:t>
-            </a:r>
-          </a:p>
-          <a:p>
-            <a:pPr marL="113671" indent="-113671" defTabSz="215976">
-              <a:spcBef>
-                <a:spcPts val="900"/>
+              <a:t>Nick’s thought experiment:</a:t>
+            </a:r>
+          </a:p>
+          <a:p>
+            <a:pPr lvl="1" marL="504062" indent="-216026" defTabSz="288036">
+              <a:lnSpc>
+                <a:spcPts val="3300"/>
+              </a:lnSpc>
+              <a:spcBef>
+                <a:spcPts val="700"/>
               </a:spcBef>
               <a:buSzPct val="100000"/>
-              <a:defRPr i="1" sz="1944">
+              <a:buFont typeface="Arial"/>
+              <a:defRPr sz="1512">
                 <a:uFill>
                   <a:solidFill>
                     <a:srgbClr val="000000"/>
@@ -7933,39 +6509,20 @@
               </a:defRPr>
             </a:pPr>
             <a:r>
-              <a:t>FT Coronavirus Tracker</a:t>
-            </a:r>
-            <a:r>
-              <a:rPr i="0"/>
-              <a:t> &lt;</a:t>
-            </a:r>
-            <a:r>
-              <a:rPr i="0" u="sng">
-                <a:solidFill>
-                  <a:srgbClr val="0000FF"/>
-                </a:solidFill>
-                <a:uFill>
-                  <a:solidFill>
-                    <a:srgbClr val="0000FF"/>
-                  </a:solidFill>
-                </a:uFill>
-                <a:hlinkClick r:id="rId4" invalidUrl="" action="" tgtFrame="" tooltip="" history="1" highlightClick="0" endSnd="0"/>
-              </a:rPr>
-              <a:t>https://www.ft.com/content/a26fbf7e-48f8-11ea-aeb3-955839e06441</a:t>
-            </a:r>
-            <a:r>
-              <a:rPr i="0"/>
-              <a:t>&gt;</a:t>
-            </a:r>
-            <a:endParaRPr i="0"/>
-          </a:p>
-          <a:p>
-            <a:pPr marL="113671" indent="-113671" defTabSz="215976">
-              <a:spcBef>
-                <a:spcPts val="900"/>
+              <a:t>In three months we are going to invent unobtanium:</a:t>
+            </a:r>
+          </a:p>
+          <a:p>
+            <a:pPr lvl="2" marL="792098" indent="-216026" defTabSz="288036">
+              <a:lnSpc>
+                <a:spcPts val="3300"/>
+              </a:lnSpc>
+              <a:spcBef>
+                <a:spcPts val="700"/>
               </a:spcBef>
               <a:buSzPct val="100000"/>
-              <a:defRPr i="1" sz="1944">
+              <a:buFont typeface="Arial"/>
+              <a:defRPr sz="1512">
                 <a:uFill>
                   <a:solidFill>
                     <a:srgbClr val="000000"/>
@@ -7978,36 +6535,20 @@
               </a:defRPr>
             </a:pPr>
             <a:r>
-              <a:rPr i="0"/>
-              <a:t>Josh Marshall’s COVID Twitter List &lt;</a:t>
-            </a:r>
-            <a:r>
-              <a:rPr i="0" u="sng">
-                <a:solidFill>
-                  <a:srgbClr val="0000FF"/>
-                </a:solidFill>
-                <a:uFill>
-                  <a:solidFill>
-                    <a:srgbClr val="0000FF"/>
-                  </a:solidFill>
-                </a:uFill>
-                <a:hlinkClick r:id="rId5" invalidUrl="" action="" tgtFrame="" tooltip="" history="1" highlightClick="0" endSnd="0"/>
-              </a:rPr>
-              <a:t>https://twitter.com/i/lists/1233998285779632128</a:t>
-            </a:r>
-            <a:r>
-              <a:rPr i="0"/>
-              <a:t>&gt;</a:t>
-            </a:r>
-            <a:endParaRPr i="0"/>
-          </a:p>
-          <a:p>
-            <a:pPr marL="113671" indent="-113671" defTabSz="215976">
-              <a:spcBef>
-                <a:spcPts val="900"/>
+              <a:t>Substantial intertemporal substitutibility </a:t>
+            </a:r>
+          </a:p>
+          <a:p>
+            <a:pPr lvl="2" marL="792098" indent="-216026" defTabSz="288036">
+              <a:lnSpc>
+                <a:spcPts val="3300"/>
+              </a:lnSpc>
+              <a:spcBef>
+                <a:spcPts val="700"/>
               </a:spcBef>
               <a:buSzPct val="100000"/>
-              <a:defRPr i="1" sz="1944">
+              <a:buFont typeface="Arial"/>
+              <a:defRPr sz="1512">
                 <a:uFill>
                   <a:solidFill>
                     <a:srgbClr val="000000"/>
@@ -8020,8 +6561,209 @@
               </a:defRPr>
             </a:pPr>
             <a:r>
-              <a:rPr i="0"/>
-              <a:t>NEJM Group: Updates on the Covid-19 Pandemic &lt;</a:t>
+              <a:t>Plus lower cross-good contemporaneous substitutitbility</a:t>
+            </a:r>
+          </a:p>
+          <a:p>
+            <a:pPr lvl="2" marL="792098" indent="-216026" defTabSz="288036">
+              <a:lnSpc>
+                <a:spcPts val="3300"/>
+              </a:lnSpc>
+              <a:spcBef>
+                <a:spcPts val="700"/>
+              </a:spcBef>
+              <a:buSzPct val="100000"/>
+              <a:buFont typeface="Arial"/>
+              <a:defRPr sz="1512">
+                <a:uFill>
+                  <a:solidFill>
+                    <a:srgbClr val="000000"/>
+                  </a:solidFill>
+                </a:uFill>
+                <a:latin typeface="Times New Roman"/>
+                <a:ea typeface="Times New Roman"/>
+                <a:cs typeface="Times New Roman"/>
+                <a:sym typeface="Times New Roman"/>
+              </a:defRPr>
+            </a:pPr>
+            <a:r>
+              <a:t>Hence high desired savings rate now</a:t>
+            </a:r>
+          </a:p>
+          <a:p>
+            <a:pPr lvl="1" marL="504062" indent="-216026" defTabSz="288036">
+              <a:lnSpc>
+                <a:spcPts val="3300"/>
+              </a:lnSpc>
+              <a:spcBef>
+                <a:spcPts val="700"/>
+              </a:spcBef>
+              <a:buSzPct val="100000"/>
+              <a:buFont typeface="Arial"/>
+              <a:defRPr sz="1512">
+                <a:uFill>
+                  <a:solidFill>
+                    <a:srgbClr val="000000"/>
+                  </a:solidFill>
+                </a:uFill>
+                <a:latin typeface="Times New Roman"/>
+                <a:ea typeface="Times New Roman"/>
+                <a:cs typeface="Times New Roman"/>
+                <a:sym typeface="Times New Roman"/>
+              </a:defRPr>
+            </a:pPr>
+            <a:r>
+              <a:t>Flex-price market thus produces a nominal rate at the zero lower bound and a high inflation rate over the next three to six months </a:t>
+            </a:r>
+          </a:p>
+          <a:p>
+            <a:pPr lvl="1" marL="504062" indent="-216026" defTabSz="288036">
+              <a:lnSpc>
+                <a:spcPts val="3300"/>
+              </a:lnSpc>
+              <a:spcBef>
+                <a:spcPts val="700"/>
+              </a:spcBef>
+              <a:buSzPct val="100000"/>
+              <a:buFont typeface="Arial"/>
+              <a:defRPr sz="1512">
+                <a:uFill>
+                  <a:solidFill>
+                    <a:srgbClr val="000000"/>
+                  </a:solidFill>
+                </a:uFill>
+                <a:latin typeface="Times New Roman"/>
+                <a:ea typeface="Times New Roman"/>
+                <a:cs typeface="Times New Roman"/>
+                <a:sym typeface="Times New Roman"/>
+              </a:defRPr>
+            </a:pPr>
+            <a:r>
+              <a:t>Plus liquidity-constrained workers in affected sectors see their demand go to zero immediately</a:t>
+            </a:r>
+          </a:p>
+          <a:p>
+            <a:pPr lvl="1" marL="504062" indent="-216026" defTabSz="288036">
+              <a:lnSpc>
+                <a:spcPts val="3300"/>
+              </a:lnSpc>
+              <a:spcBef>
+                <a:spcPts val="700"/>
+              </a:spcBef>
+              <a:buSzPct val="100000"/>
+              <a:buFont typeface="Arial"/>
+              <a:defRPr sz="1512">
+                <a:uFill>
+                  <a:solidFill>
+                    <a:srgbClr val="000000"/>
+                  </a:solidFill>
+                </a:uFill>
+                <a:latin typeface="Times New Roman"/>
+                <a:ea typeface="Times New Roman"/>
+                <a:cs typeface="Times New Roman"/>
+                <a:sym typeface="Times New Roman"/>
+              </a:defRPr>
+            </a:pPr>
+            <a:r>
+              <a:t>Can we get there? Should we get there? What should we do instead?</a:t>
+            </a:r>
+          </a:p>
+          <a:p>
+            <a:pPr lvl="1" marL="504062" indent="-216026" defTabSz="288036">
+              <a:lnSpc>
+                <a:spcPts val="3300"/>
+              </a:lnSpc>
+              <a:spcBef>
+                <a:spcPts val="700"/>
+              </a:spcBef>
+              <a:buSzPct val="100000"/>
+              <a:buFont typeface="Arial"/>
+              <a:defRPr sz="1512">
+                <a:uFill>
+                  <a:solidFill>
+                    <a:srgbClr val="000000"/>
+                  </a:solidFill>
+                </a:uFill>
+                <a:latin typeface="Times New Roman"/>
+                <a:ea typeface="Times New Roman"/>
+                <a:cs typeface="Times New Roman"/>
+                <a:sym typeface="Times New Roman"/>
+              </a:defRPr>
+            </a:pPr>
+            <a:r>
+              <a:t>We need a good RBC economist: are there any?…</a:t>
+            </a:r>
+          </a:p>
+          <a:p>
+            <a:pPr marL="0" indent="0" defTabSz="288036">
+              <a:lnSpc>
+                <a:spcPts val="3300"/>
+              </a:lnSpc>
+              <a:spcBef>
+                <a:spcPts val="700"/>
+              </a:spcBef>
+              <a:buSzTx/>
+              <a:buNone/>
+              <a:defRPr sz="1512">
+                <a:uFill>
+                  <a:solidFill>
+                    <a:srgbClr val="000000"/>
+                  </a:solidFill>
+                </a:uFill>
+                <a:latin typeface="Times New Roman"/>
+                <a:ea typeface="Times New Roman"/>
+                <a:cs typeface="Times New Roman"/>
+                <a:sym typeface="Times New Roman"/>
+              </a:defRPr>
+            </a:pPr>
+          </a:p>
+          <a:p>
+            <a:pPr marL="0" indent="0" defTabSz="288036">
+              <a:lnSpc>
+                <a:spcPts val="3300"/>
+              </a:lnSpc>
+              <a:spcBef>
+                <a:spcPts val="700"/>
+              </a:spcBef>
+              <a:buSzTx/>
+              <a:buNone/>
+              <a:defRPr sz="1512">
+                <a:uFill>
+                  <a:solidFill>
+                    <a:srgbClr val="000000"/>
+                  </a:solidFill>
+                </a:uFill>
+                <a:latin typeface="Times New Roman"/>
+                <a:ea typeface="Times New Roman"/>
+                <a:cs typeface="Times New Roman"/>
+                <a:sym typeface="Times New Roman"/>
+              </a:defRPr>
+            </a:pPr>
+          </a:p>
+          <a:p>
+            <a:pPr marL="0" indent="0" defTabSz="288036">
+              <a:lnSpc>
+                <a:spcPts val="2700"/>
+              </a:lnSpc>
+              <a:spcBef>
+                <a:spcPts val="700"/>
+              </a:spcBef>
+              <a:buSzTx/>
+              <a:buNone/>
+              <a:defRPr sz="1008">
+                <a:uFill>
+                  <a:solidFill>
+                    <a:srgbClr val="000000"/>
+                  </a:solidFill>
+                </a:uFill>
+                <a:latin typeface="Times New Roman"/>
+                <a:ea typeface="Times New Roman"/>
+                <a:cs typeface="Times New Roman"/>
+                <a:sym typeface="Times New Roman"/>
+              </a:defRPr>
+            </a:pPr>
+            <a:r>
+              <a:t>&lt;</a:t>
             </a:r>
             <a:r>
               <a:rPr u="sng">
@@ -8033,13 +6775,12 @@
                     <a:srgbClr val="0000FF"/>
                   </a:solidFill>
                 </a:uFill>
-                <a:hlinkClick r:id="rId6" invalidUrl="" action="" tgtFrame="" tooltip="" history="1" highlightClick="0" endSnd="0"/>
+                <a:hlinkClick r:id="rId2" invalidUrl="" action="" tgtFrame="" tooltip="" history="1" highlightClick="0" endSnd="0"/>
               </a:rPr>
-              <a:t>http://m.n.nejm.org/nl/jsp/m.jsp?c=%40kxNtXckRDOq8oG0jJvAXsIzN4mPECIPhltxoTSdTU9k%3D&amp;cid=DM89089_NEJM_COVID-19_Newsletter&amp;bid=173498255</a:t>
-            </a:r>
-            <a:r>
-              <a:rPr i="0"/>
-              <a:t>&gt;: 'From the New England Journal of Medicine, NEJM Journal Watch, NEJM Catalyst, and other trusted sources...</a:t>
+              <a:t>https://worthwhile.typepad.com/worthwhile_canadian_initi/2020/03/relative-supply-shocks-unobtainium-walras-law-and-the-coronavirus.html</a:t>
+            </a:r>
+            <a:r>
+              <a:t>&gt;</a:t>
             </a:r>
           </a:p>
         </p:txBody>
@@ -8072,58 +6813,127 @@
       </p:grpSpPr>
       <p:sp>
         <p:nvSpPr>
-          <p:cNvPr id="236" name="Catch Our Breath…"/>
+          <p:cNvPr id="235" name="Keeping the Economy from Crashing During the Lockdown II"/>
           <p:cNvSpPr txBox="1"/>
           <p:nvPr>
-            <p:ph type="title"/>
+            <p:ph type="title" idx="4294967295"/>
           </p:nvPr>
         </p:nvSpPr>
         <p:spPr>
           <a:xfrm>
-            <a:off x="276457" y="-1"/>
-            <a:ext cx="8572501" cy="1270001"/>
+            <a:off x="444500" y="0"/>
+            <a:ext cx="8255000" cy="1587501"/>
           </a:xfrm>
           <a:prstGeom prst="rect">
             <a:avLst/>
           </a:prstGeom>
         </p:spPr>
         <p:txBody>
-          <a:bodyPr/>
-          <a:lstStyle/>
+          <a:bodyPr lIns="45719" tIns="45719" rIns="45719" bIns="45719"/>
+          <a:lstStyle>
+            <a:lvl1pPr defTabSz="233172">
+              <a:lnSpc>
+                <a:spcPts val="5900"/>
+              </a:lnSpc>
+              <a:defRPr sz="4080">
+                <a:solidFill>
+                  <a:srgbClr val="000080"/>
+                </a:solidFill>
+                <a:uFill>
+                  <a:solidFill>
+                    <a:srgbClr val="000000"/>
+                  </a:solidFill>
+                </a:uFill>
+              </a:defRPr>
+            </a:lvl1pPr>
+          </a:lstStyle>
           <a:p>
             <a:pPr/>
             <a:r>
-              <a:t>Catch Our Breath…</a:t>
+              <a:t>Keeping the Economy from Crashing During the Lockdown II</a:t>
             </a:r>
           </a:p>
         </p:txBody>
       </p:sp>
       <p:sp>
         <p:nvSpPr>
-          <p:cNvPr id="237" name="Ask a couple of questions?…"/>
+          <p:cNvPr id="236" name="Nick Rowe &lt;https://worthwhile.typepad.com/worthwhile_canadian_initi/2020/03/relative-supply-shocks-unobtainium-walras-law-and-the-coronavirus.html&gt;:…"/>
           <p:cNvSpPr txBox="1"/>
           <p:nvPr>
-            <p:ph type="body" sz="half" idx="1"/>
+            <p:ph type="body" idx="4294967295"/>
           </p:nvPr>
         </p:nvSpPr>
         <p:spPr>
           <a:xfrm>
-            <a:off x="276457" y="1270000"/>
-            <a:ext cx="3810001" cy="4762500"/>
+            <a:off x="444500" y="1587500"/>
+            <a:ext cx="8255000" cy="4937520"/>
           </a:xfrm>
           <a:prstGeom prst="rect">
             <a:avLst/>
           </a:prstGeom>
         </p:spPr>
         <p:txBody>
-          <a:bodyPr anchor="t"/>
+          <a:bodyPr lIns="45719" tIns="45719" rIns="45719" bIns="45719" anchor="t"/>
           <a:lstStyle/>
           <a:p>
-            <a:pPr marL="231139" indent="-231139" defTabSz="320397">
+            <a:pPr marL="0" indent="0" defTabSz="352043">
+              <a:lnSpc>
+                <a:spcPts val="4600"/>
+              </a:lnSpc>
               <a:spcBef>
                 <a:spcPts val="900"/>
               </a:spcBef>
-              <a:defRPr sz="1871">
+              <a:buSzTx/>
+              <a:buNone/>
+              <a:defRPr b="1" sz="2309">
+                <a:uFill>
+                  <a:solidFill>
+                    <a:srgbClr val="000000"/>
+                  </a:solidFill>
+                </a:uFill>
+                <a:latin typeface="+mj-lt"/>
+                <a:ea typeface="+mj-ea"/>
+                <a:cs typeface="+mj-cs"/>
+                <a:sym typeface="Helvetica"/>
+              </a:defRPr>
+            </a:pPr>
+            <a:r>
+              <a:t>Nick Rowe &lt;</a:t>
+            </a:r>
+            <a:r>
+              <a:rPr u="sng">
+                <a:solidFill>
+                  <a:srgbClr val="0000FF"/>
+                </a:solidFill>
+                <a:uFill>
+                  <a:solidFill>
+                    <a:srgbClr val="0000FF"/>
+                  </a:solidFill>
+                </a:uFill>
+                <a:hlinkClick r:id="rId2" invalidUrl="" action="" tgtFrame="" tooltip="" history="1" highlightClick="0" endSnd="0"/>
+              </a:rPr>
+              <a:t>https://worthwhile.typepad.com/worthwhile_canadian_initi/2020/03/relative-supply-shocks-unobtainium-walras-law-and-the-coronavirus.html</a:t>
+            </a:r>
+            <a:r>
+              <a:t>&gt;:</a:t>
+            </a:r>
+          </a:p>
+          <a:p>
+            <a:pPr marL="264032" indent="-264032" defTabSz="352043">
+              <a:lnSpc>
+                <a:spcPts val="4000"/>
+              </a:lnSpc>
+              <a:spcBef>
+                <a:spcPts val="900"/>
+              </a:spcBef>
+              <a:buSzPct val="100000"/>
+              <a:buFont typeface="Arial"/>
+              <a:defRPr sz="1848">
+                <a:uFill>
+                  <a:solidFill>
+                    <a:srgbClr val="000000"/>
+                  </a:solidFill>
+                </a:uFill>
                 <a:latin typeface="Times New Roman"/>
                 <a:ea typeface="Times New Roman"/>
                 <a:cs typeface="Times New Roman"/>
@@ -8131,15 +6941,25 @@
               </a:defRPr>
             </a:pPr>
             <a:r>
-              <a:t>Ask a couple of questions? </a:t>
-            </a:r>
-          </a:p>
-          <a:p>
-            <a:pPr marL="231139" indent="-231139" defTabSz="320397">
+              <a:t>Plus: to extend the thought experiment:</a:t>
+            </a:r>
+          </a:p>
+          <a:p>
+            <a:pPr lvl="1" marL="616076" indent="-264032" defTabSz="352043">
+              <a:lnSpc>
+                <a:spcPts val="4000"/>
+              </a:lnSpc>
               <a:spcBef>
                 <a:spcPts val="900"/>
               </a:spcBef>
-              <a:defRPr sz="1871">
+              <a:buSzPct val="100000"/>
+              <a:buFont typeface="Arial"/>
+              <a:defRPr sz="1848">
+                <a:uFill>
+                  <a:solidFill>
+                    <a:srgbClr val="000000"/>
+                  </a:solidFill>
+                </a:uFill>
                 <a:latin typeface="Times New Roman"/>
                 <a:ea typeface="Times New Roman"/>
                 <a:cs typeface="Times New Roman"/>
@@ -8147,15 +6967,25 @@
               </a:defRPr>
             </a:pPr>
             <a:r>
-              <a:t>Make a couple of comments?</a:t>
-            </a:r>
-          </a:p>
-          <a:p>
-            <a:pPr marL="231139" indent="-231139" defTabSz="320397">
+              <a:t>We just lost the ability to make “unobtainium”</a:t>
+            </a:r>
+          </a:p>
+          <a:p>
+            <a:pPr lvl="1" marL="616076" indent="-264032" defTabSz="352043">
+              <a:lnSpc>
+                <a:spcPts val="4000"/>
+              </a:lnSpc>
               <a:spcBef>
                 <a:spcPts val="900"/>
               </a:spcBef>
-              <a:defRPr sz="1871">
+              <a:buSzPct val="100000"/>
+              <a:buFont typeface="Arial"/>
+              <a:defRPr sz="1848">
+                <a:uFill>
+                  <a:solidFill>
+                    <a:srgbClr val="000000"/>
+                  </a:solidFill>
+                </a:uFill>
                 <a:latin typeface="Times New Roman"/>
                 <a:ea typeface="Times New Roman"/>
                 <a:cs typeface="Times New Roman"/>
@@ -8163,32 +6993,58 @@
               </a:defRPr>
             </a:pPr>
             <a:r>
-              <a:t>Any more readings to recommend?</a:t>
-            </a:r>
-          </a:p>
-          <a:p>
-            <a:pPr marL="0" indent="0" defTabSz="320397">
+              <a:t>So we </a:t>
+            </a:r>
+            <a:r>
+              <a:rPr i="1"/>
+              <a:t>should</a:t>
+            </a:r>
+            <a:r>
+              <a:t> be substituting leisure for work, and moving workers into relatively unproductive labor, making the commodities we can still produce right now</a:t>
+            </a:r>
+          </a:p>
+          <a:p>
+            <a:pPr lvl="1" marL="616076" indent="-264032" defTabSz="352043">
+              <a:lnSpc>
+                <a:spcPts val="4000"/>
+              </a:lnSpc>
               <a:spcBef>
                 <a:spcPts val="900"/>
               </a:spcBef>
-              <a:buSzTx/>
-              <a:buNone/>
-              <a:defRPr sz="1871">
+              <a:buSzPct val="100000"/>
+              <a:buFont typeface="Arial"/>
+              <a:defRPr sz="1848">
+                <a:uFill>
+                  <a:solidFill>
+                    <a:srgbClr val="000000"/>
+                  </a:solidFill>
+                </a:uFill>
                 <a:latin typeface="Times New Roman"/>
                 <a:ea typeface="Times New Roman"/>
                 <a:cs typeface="Times New Roman"/>
                 <a:sym typeface="Times New Roman"/>
               </a:defRPr>
             </a:pPr>
-          </a:p>
-          <a:p>
-            <a:pPr marL="0" indent="0" defTabSz="320397">
+            <a:r>
+              <a:t>How should relative prices move as a result? How should we make them move?</a:t>
+            </a:r>
+          </a:p>
+          <a:p>
+            <a:pPr marL="0" indent="0" defTabSz="352043">
+              <a:lnSpc>
+                <a:spcPts val="4000"/>
+              </a:lnSpc>
               <a:spcBef>
                 <a:spcPts val="900"/>
               </a:spcBef>
               <a:buSzTx/>
               <a:buNone/>
-              <a:defRPr sz="1871">
+              <a:defRPr sz="1848">
+                <a:uFill>
+                  <a:solidFill>
+                    <a:srgbClr val="000000"/>
+                  </a:solidFill>
+                </a:uFill>
                 <a:latin typeface="Times New Roman"/>
                 <a:ea typeface="Times New Roman"/>
                 <a:cs typeface="Times New Roman"/>
@@ -8197,179 +7053,56 @@
             </a:pPr>
           </a:p>
           <a:p>
-            <a:pPr marL="0" indent="0" defTabSz="320397">
+            <a:pPr marL="0" indent="0" defTabSz="352043">
+              <a:lnSpc>
+                <a:spcPts val="4600"/>
+              </a:lnSpc>
               <a:spcBef>
                 <a:spcPts val="900"/>
               </a:spcBef>
               <a:buSzTx/>
               <a:buNone/>
-              <a:defRPr sz="1871">
-                <a:latin typeface="Times New Roman"/>
-                <a:ea typeface="Times New Roman"/>
-                <a:cs typeface="Times New Roman"/>
-                <a:sym typeface="Times New Roman"/>
+              <a:defRPr b="1" sz="2309">
+                <a:uFill>
+                  <a:solidFill>
+                    <a:srgbClr val="000000"/>
+                  </a:solidFill>
+                </a:uFill>
+                <a:latin typeface="+mj-lt"/>
+                <a:ea typeface="+mj-ea"/>
+                <a:cs typeface="+mj-cs"/>
+                <a:sym typeface="Helvetica"/>
               </a:defRPr>
             </a:pPr>
-          </a:p>
-          <a:p>
-            <a:pPr marL="0" indent="0" defTabSz="320397">
+            <a:r>
+              <a:t>Plus: distributional issues</a:t>
+            </a:r>
+          </a:p>
+          <a:p>
+            <a:pPr marL="0" indent="0" defTabSz="352043">
+              <a:lnSpc>
+                <a:spcPts val="4600"/>
+              </a:lnSpc>
               <a:spcBef>
                 <a:spcPts val="900"/>
               </a:spcBef>
               <a:buSzTx/>
               <a:buNone/>
-              <a:defRPr sz="1871">
-                <a:latin typeface="Times New Roman"/>
-                <a:ea typeface="Times New Roman"/>
-                <a:cs typeface="Times New Roman"/>
-                <a:sym typeface="Times New Roman"/>
+              <a:defRPr b="1" sz="2309">
+                <a:uFill>
+                  <a:solidFill>
+                    <a:srgbClr val="000000"/>
+                  </a:solidFill>
+                </a:uFill>
+                <a:latin typeface="+mj-lt"/>
+                <a:ea typeface="+mj-ea"/>
+                <a:cs typeface="+mj-cs"/>
+                <a:sym typeface="Helvetica"/>
               </a:defRPr>
             </a:pPr>
-          </a:p>
-          <a:p>
-            <a:pPr marL="0" indent="0" defTabSz="320397">
-              <a:spcBef>
-                <a:spcPts val="900"/>
-              </a:spcBef>
-              <a:buSzTx/>
-              <a:buNone/>
-              <a:defRPr sz="1871">
-                <a:latin typeface="Times New Roman"/>
-                <a:ea typeface="Times New Roman"/>
-                <a:cs typeface="Times New Roman"/>
-                <a:sym typeface="Times New Roman"/>
-              </a:defRPr>
-            </a:pPr>
-          </a:p>
-          <a:p>
-            <a:pPr marL="0" indent="0" defTabSz="320397">
-              <a:spcBef>
-                <a:spcPts val="900"/>
-              </a:spcBef>
-              <a:buSzTx/>
-              <a:buNone/>
-              <a:defRPr sz="1871">
-                <a:latin typeface="Times New Roman"/>
-                <a:ea typeface="Times New Roman"/>
-                <a:cs typeface="Times New Roman"/>
-                <a:sym typeface="Times New Roman"/>
-              </a:defRPr>
-            </a:pPr>
-          </a:p>
-          <a:p>
-            <a:pPr marL="0" indent="0" defTabSz="320397">
-              <a:spcBef>
-                <a:spcPts val="900"/>
-              </a:spcBef>
-              <a:buSzTx/>
-              <a:buNone/>
-              <a:defRPr sz="1871">
-                <a:latin typeface="Times New Roman"/>
-                <a:ea typeface="Times New Roman"/>
-                <a:cs typeface="Times New Roman"/>
-                <a:sym typeface="Times New Roman"/>
-              </a:defRPr>
-            </a:pPr>
-          </a:p>
-          <a:p>
-            <a:pPr marL="231139" indent="-231139" defTabSz="320397">
-              <a:spcBef>
-                <a:spcPts val="900"/>
-              </a:spcBef>
-              <a:defRPr sz="1871">
-                <a:latin typeface="Times New Roman"/>
-                <a:ea typeface="Times New Roman"/>
-                <a:cs typeface="Times New Roman"/>
-                <a:sym typeface="Times New Roman"/>
-              </a:defRPr>
-            </a:pPr>
-            <a:r>
-              <a:t>&lt;</a:t>
-            </a:r>
-            <a:r>
-              <a:rPr u="sng">
-                <a:solidFill>
-                  <a:srgbClr val="0000FF"/>
-                </a:solidFill>
-                <a:uFill>
-                  <a:solidFill>
-                    <a:srgbClr val="0000FF"/>
-                  </a:solidFill>
-                </a:uFill>
-                <a:hlinkClick r:id="rId2" invalidUrl="" action="" tgtFrame="" tooltip="" history="1" highlightClick="0" endSnd="0"/>
-              </a:rPr>
-              <a:t>https://www.icloud.com/keynote/0YKEi7HeOrVGvKYtt9FEqH7nA</a:t>
-            </a:r>
-            <a:r>
-              <a:t>&gt;</a:t>
-            </a:r>
-          </a:p>
-        </p:txBody>
-      </p:sp>
-      <p:pic>
-        <p:nvPicPr>
-          <p:cNvPr id="238" name="image1.tif" descr="image1.tif"/>
-          <p:cNvPicPr>
-            <a:picLocks noChangeAspect="1"/>
-          </p:cNvPicPr>
-          <p:nvPr/>
-        </p:nvPicPr>
-        <p:blipFill>
-          <a:blip r:embed="rId3">
-            <a:extLst/>
-          </a:blip>
-          <a:stretch>
-            <a:fillRect/>
-          </a:stretch>
-        </p:blipFill>
-        <p:spPr>
-          <a:xfrm>
-            <a:off x="4086457" y="1270000"/>
-            <a:ext cx="4762501" cy="4762500"/>
-          </a:xfrm>
-          <a:prstGeom prst="rect">
-            <a:avLst/>
-          </a:prstGeom>
-          <a:ln w="12700">
-            <a:miter lim="400000"/>
-          </a:ln>
-        </p:spPr>
-      </p:pic>
-      <p:sp>
-        <p:nvSpPr>
-          <p:cNvPr id="239" name="Rectangle"/>
-          <p:cNvSpPr txBox="1"/>
-          <p:nvPr/>
-        </p:nvSpPr>
-        <p:spPr>
-          <a:xfrm>
-            <a:off x="276457" y="6032500"/>
-            <a:ext cx="8572501" cy="635000"/>
-          </a:xfrm>
-          <a:prstGeom prst="rect">
-            <a:avLst/>
-          </a:prstGeom>
-          <a:ln w="12700">
-            <a:miter lim="400000"/>
-          </a:ln>
-        </p:spPr>
-        <p:txBody>
-          <a:bodyPr lIns="35718" tIns="35718" rIns="35718" bIns="35718" anchor="b">
-            <a:normAutofit fontScale="100000" lnSpcReduction="0"/>
-          </a:bodyPr>
-          <a:lstStyle/>
-          <a:p>
-            <a:pPr algn="ctr">
-              <a:spcBef>
-                <a:spcPts val="1200"/>
-              </a:spcBef>
-              <a:defRPr sz="1200">
-                <a:latin typeface="Calibri"/>
-                <a:ea typeface="Calibri"/>
-                <a:cs typeface="Calibri"/>
-                <a:sym typeface="Calibri"/>
-              </a:defRPr>
-            </a:pPr>
+            <a:r>
+              <a:t>Plus: bankruptcy and credit chain issues</a:t>
+            </a:r>
           </a:p>
         </p:txBody>
       </p:sp>
@@ -8401,7 +7134,7 @@
       </p:grpSpPr>
       <p:sp>
         <p:nvSpPr>
-          <p:cNvPr id="241" name="About the Course"/>
+          <p:cNvPr id="238" name="About the Course"/>
           <p:cNvSpPr txBox="1"/>
           <p:nvPr>
             <p:ph type="title" idx="4294967295"/>
@@ -8419,34 +7152,39 @@
         <p:txBody>
           <a:bodyPr lIns="45718" tIns="45718" rIns="45718" bIns="45718"/>
           <a:lstStyle>
-            <a:lvl1pPr defTabSz="410764">
-              <a:defRPr>
+            <a:lvl1pPr defTabSz="457200">
+              <a:defRPr sz="6000">
                 <a:solidFill>
                   <a:srgbClr val="000080"/>
                 </a:solidFill>
+                <a:uFill>
+                  <a:solidFill>
+                    <a:srgbClr val="000000"/>
+                  </a:solidFill>
+                </a:uFill>
               </a:defRPr>
             </a:lvl1pPr>
           </a:lstStyle>
           <a:p>
             <a:pPr/>
             <a:r>
-              <a:t>Coronavirus! (March 16)</a:t>
+              <a:t>MOAR Coronavirus!</a:t>
             </a:r>
           </a:p>
         </p:txBody>
       </p:sp>
       <p:sp>
         <p:nvSpPr>
-          <p:cNvPr id="242" name="The long 20th century will in all likelihood be seen in the future as the watershed in human experience:…"/>
+          <p:cNvPr id="239" name="The long 20th century will in all likelihood be seen in the future as the watershed in human experience:…"/>
           <p:cNvSpPr txBox="1"/>
           <p:nvPr>
-            <p:ph type="body" idx="4294967295"/>
+            <p:ph type="body" sz="half" idx="4294967295"/>
           </p:nvPr>
         </p:nvSpPr>
         <p:spPr>
           <a:xfrm>
-            <a:off x="277663" y="1267120"/>
-            <a:ext cx="8572501" cy="5397505"/>
+            <a:off x="277663" y="1267121"/>
+            <a:ext cx="3841797" cy="5062438"/>
           </a:xfrm>
           <a:prstGeom prst="rect">
             <a:avLst/>
@@ -8456,13 +7194,13 @@
           <a:bodyPr lIns="45718" tIns="45718" rIns="45718" bIns="45718" anchor="t"/>
           <a:lstStyle/>
           <a:p>
-            <a:pPr marL="0" indent="0" defTabSz="340704">
-              <a:spcBef>
-                <a:spcPts val="800"/>
+            <a:pPr marL="0" indent="0" defTabSz="270341">
+              <a:spcBef>
+                <a:spcPts val="600"/>
               </a:spcBef>
               <a:buSzTx/>
               <a:buNone/>
-              <a:defRPr b="1" sz="1748">
+              <a:defRPr b="1" sz="3000">
                 <a:uFill>
                   <a:solidFill>
                     <a:srgbClr val="000000"/>
@@ -8475,130 +7213,16 @@
               </a:defRPr>
             </a:pPr>
             <a:r>
-              <a:rPr strike="sngStrike"/>
-              <a:t>With 31 deaths in the U.S. as of March 11, a 1% death rate, and up to 4 weeks between infection and death, that means that as of Feb 12 there were 3100 coronavirus cases in the United States</a:t>
-            </a:r>
-            <a:r>
-              <a:t>. </a:t>
-            </a:r>
-          </a:p>
-          <a:p>
-            <a:pPr marL="0" indent="0" defTabSz="340704">
-              <a:spcBef>
-                <a:spcPts val="800"/>
-              </a:spcBef>
-              <a:buSzTx/>
-              <a:buNone/>
-              <a:defRPr b="1" sz="1748">
-                <a:uFill>
-                  <a:solidFill>
-                    <a:srgbClr val="000000"/>
-                  </a:solidFill>
-                </a:uFill>
-                <a:latin typeface="+mj-lt"/>
-                <a:ea typeface="+mj-ea"/>
-                <a:cs typeface="+mj-cs"/>
-                <a:sym typeface="Helvetica"/>
-              </a:defRPr>
-            </a:pPr>
-            <a:r>
-              <a:t>With 87 deaths in the U.S. as of Mar 16, a 1% death rate, and up to 4 weeks between infection and death, that means that as of Feb 17 there were 8700 coronavirus cases in the United States</a:t>
-            </a:r>
-            <a:endParaRPr strike="sngStrike"/>
-          </a:p>
-          <a:p>
-            <a:pPr marL="0" indent="0" defTabSz="340704">
-              <a:spcBef>
-                <a:spcPts val="800"/>
-              </a:spcBef>
-              <a:buSzTx/>
-              <a:buNone/>
-              <a:defRPr b="1" sz="1748">
-                <a:uFill>
-                  <a:solidFill>
-                    <a:srgbClr val="000000"/>
-                  </a:solidFill>
-                </a:uFill>
-                <a:latin typeface="+mj-lt"/>
-                <a:ea typeface="+mj-ea"/>
-                <a:cs typeface="+mj-cs"/>
-                <a:sym typeface="Helvetica"/>
-              </a:defRPr>
-            </a:pPr>
-            <a:r>
-              <a:t>If it is doubling every seven days, then now about 150,000 people have and in the next week about 150,000 more people in the U.S. will catch coronavirus—which means 1/2200, currently 3500 of the 7.6 million inhabitants of San Francisco Bay. Touch a hard surface that any of those 3500 has touched in the last 48 hours, and the virus has a chance to jump to you…</a:t>
-            </a:r>
-          </a:p>
-          <a:p>
-            <a:pPr marL="0" indent="0" defTabSz="340704">
-              <a:spcBef>
-                <a:spcPts val="800"/>
-              </a:spcBef>
-              <a:buSzTx/>
-              <a:buNone/>
-              <a:defRPr b="1" sz="1748">
-                <a:uFill>
-                  <a:solidFill>
-                    <a:srgbClr val="000000"/>
-                  </a:solidFill>
-                </a:uFill>
-                <a:latin typeface="+mj-lt"/>
-                <a:ea typeface="+mj-ea"/>
-                <a:cs typeface="+mj-cs"/>
-                <a:sym typeface="Helvetica"/>
-              </a:defRPr>
-            </a:pPr>
-          </a:p>
-          <a:p>
-            <a:pPr marL="0" indent="0" defTabSz="340704">
-              <a:spcBef>
-                <a:spcPts val="800"/>
-              </a:spcBef>
-              <a:buSzTx/>
-              <a:buNone/>
-              <a:defRPr b="1" sz="1748">
-                <a:uFill>
-                  <a:solidFill>
-                    <a:srgbClr val="000000"/>
-                  </a:solidFill>
-                </a:uFill>
-                <a:latin typeface="+mj-lt"/>
-                <a:ea typeface="+mj-ea"/>
-                <a:cs typeface="+mj-cs"/>
-                <a:sym typeface="Helvetica"/>
-              </a:defRPr>
-            </a:pPr>
-            <a:r>
-              <a:t>These numbers could be five times too big. These numbers are probably not five times too small unless the thing is a lot less deadly, and there are a lot of asymptomatic cases…</a:t>
-            </a:r>
-          </a:p>
-          <a:p>
-            <a:pPr marL="0" indent="0" defTabSz="340704">
-              <a:spcBef>
-                <a:spcPts val="800"/>
-              </a:spcBef>
-              <a:buSzTx/>
-              <a:buNone/>
-              <a:defRPr b="1" sz="1748">
-                <a:uFill>
-                  <a:solidFill>
-                    <a:srgbClr val="000000"/>
-                  </a:solidFill>
-                </a:uFill>
-                <a:latin typeface="+mj-lt"/>
-                <a:ea typeface="+mj-ea"/>
-                <a:cs typeface="+mj-cs"/>
-                <a:sym typeface="Helvetica"/>
-              </a:defRPr>
-            </a:pPr>
-          </a:p>
-          <a:p>
-            <a:pPr marL="179317" indent="-179317" defTabSz="340704">
-              <a:spcBef>
-                <a:spcPts val="800"/>
+              <a:t>Death for Geezers!</a:t>
+            </a:r>
+          </a:p>
+          <a:p>
+            <a:pPr marL="142285" indent="-142285" defTabSz="270341">
+              <a:spcBef>
+                <a:spcPts val="600"/>
               </a:spcBef>
               <a:buSzPct val="100000"/>
-              <a:defRPr sz="1748">
+              <a:defRPr>
                 <a:uFill>
                   <a:solidFill>
                     <a:srgbClr val="000000"/>
@@ -8611,11 +7235,106 @@
               </a:defRPr>
             </a:pPr>
             <a:r>
-              <a:t>What is wrong with this analysis?</a:t>
+              <a:t>Mortality for the Youngs very low…</a:t>
+            </a:r>
+          </a:p>
+          <a:p>
+            <a:pPr marL="142285" indent="-142285" defTabSz="270341">
+              <a:spcBef>
+                <a:spcPts val="600"/>
+              </a:spcBef>
+              <a:buSzPct val="100000"/>
+              <a:defRPr>
+                <a:uFill>
+                  <a:solidFill>
+                    <a:srgbClr val="000000"/>
+                  </a:solidFill>
+                </a:uFill>
+                <a:latin typeface="Times New Roman"/>
+                <a:ea typeface="Times New Roman"/>
+                <a:cs typeface="Times New Roman"/>
+                <a:sym typeface="Times New Roman"/>
+              </a:defRPr>
+            </a:pPr>
+            <a:r>
+              <a:t>It’s the flu for them—for you…</a:t>
+            </a:r>
+          </a:p>
+          <a:p>
+            <a:pPr marL="142285" indent="-142285" defTabSz="270341">
+              <a:spcBef>
+                <a:spcPts val="600"/>
+              </a:spcBef>
+              <a:buSzPct val="100000"/>
+              <a:defRPr>
+                <a:uFill>
+                  <a:solidFill>
+                    <a:srgbClr val="000000"/>
+                  </a:solidFill>
+                </a:uFill>
+                <a:latin typeface="Times New Roman"/>
+                <a:ea typeface="Times New Roman"/>
+                <a:cs typeface="Times New Roman"/>
+                <a:sym typeface="Times New Roman"/>
+              </a:defRPr>
+            </a:pPr>
+            <a:r>
+              <a:t>And an extra doubling—or is it 5%?—mortality for the asthmatic</a:t>
+            </a:r>
+          </a:p>
+          <a:p>
+            <a:pPr marL="142285" indent="-142285" defTabSz="270341">
+              <a:spcBef>
+                <a:spcPts val="600"/>
+              </a:spcBef>
+              <a:buSzPct val="100000"/>
+              <a:defRPr>
+                <a:uFill>
+                  <a:solidFill>
+                    <a:srgbClr val="000000"/>
+                  </a:solidFill>
+                </a:uFill>
+                <a:latin typeface="Times New Roman"/>
+                <a:ea typeface="Times New Roman"/>
+                <a:cs typeface="Times New Roman"/>
+                <a:sym typeface="Times New Roman"/>
+              </a:defRPr>
+            </a:pPr>
+            <a:r>
+              <a:t>And an extra doubling—or is it 5%?—mortality for the overweight</a:t>
             </a:r>
           </a:p>
         </p:txBody>
       </p:sp>
+      <p:pic>
+        <p:nvPicPr>
+          <p:cNvPr id="240" name="Image" descr="Image"/>
+          <p:cNvPicPr>
+            <a:picLocks noChangeAspect="0"/>
+          </p:cNvPicPr>
+          <p:nvPr/>
+        </p:nvPicPr>
+        <p:blipFill>
+          <a:blip r:embed="rId2">
+            <a:extLst/>
+          </a:blip>
+          <a:stretch>
+            <a:fillRect/>
+          </a:stretch>
+        </p:blipFill>
+        <p:spPr>
+          <a:xfrm>
+            <a:off x="4119459" y="1267124"/>
+            <a:ext cx="4791405" cy="5478103"/>
+          </a:xfrm>
+          <a:prstGeom prst="rect">
+            <a:avLst/>
+          </a:prstGeom>
+          <a:ln w="12700">
+            <a:miter lim="400000"/>
+          </a:ln>
+        </p:spPr>
+      </p:pic>
     </p:spTree>
   </p:cSld>
   <p:clrMapOvr>
@@ -8644,7 +7363,7 @@
       </p:grpSpPr>
       <p:sp>
         <p:nvSpPr>
-          <p:cNvPr id="185" name="Financial Times Graphs Blown Up…"/>
+          <p:cNvPr id="184" name="Coronavirus"/>
           <p:cNvSpPr txBox="1"/>
           <p:nvPr>
             <p:ph type="title" idx="4294967295"/>
@@ -8652,8 +7371,8 @@
         </p:nvSpPr>
         <p:spPr>
           <a:xfrm>
-            <a:off x="444500" y="0"/>
-            <a:ext cx="8255000" cy="1587501"/>
+            <a:off x="228599" y="0"/>
+            <a:ext cx="8699501" cy="1587501"/>
           </a:xfrm>
           <a:prstGeom prst="rect">
             <a:avLst/>
@@ -8662,14 +7381,11 @@
         <p:txBody>
           <a:bodyPr lIns="45719" tIns="45719" rIns="45719" bIns="45719"/>
           <a:lstStyle>
-            <a:lvl1pPr defTabSz="283463">
+            <a:lvl1pPr defTabSz="457200">
               <a:lnSpc>
-                <a:spcPts val="7100"/>
+                <a:spcPts val="11600"/>
               </a:lnSpc>
-              <a:defRPr sz="4960">
-                <a:solidFill>
-                  <a:srgbClr val="000080"/>
-                </a:solidFill>
+              <a:defRPr sz="8000">
                 <a:uFill>
                   <a:solidFill>
                     <a:srgbClr val="000000"/>
@@ -8681,7 +7397,332 @@
           <a:p>
             <a:pPr/>
             <a:r>
-              <a:t>Financial Times Graphs Blown Up…</a:t>
+              <a:t>Coronavirus</a:t>
+            </a:r>
+          </a:p>
+        </p:txBody>
+      </p:sp>
+      <p:sp>
+        <p:nvSpPr>
+          <p:cNvPr id="185" name="Where we think we are, as of Mo Apr 6:…"/>
+          <p:cNvSpPr txBox="1"/>
+          <p:nvPr>
+            <p:ph type="body" sz="half" idx="4294967295"/>
+          </p:nvPr>
+        </p:nvSpPr>
+        <p:spPr>
+          <a:xfrm>
+            <a:off x="228599" y="1587500"/>
+            <a:ext cx="3216356" cy="4800010"/>
+          </a:xfrm>
+          <a:prstGeom prst="rect">
+            <a:avLst/>
+          </a:prstGeom>
+        </p:spPr>
+        <p:txBody>
+          <a:bodyPr lIns="45719" tIns="45719" rIns="45719" bIns="45719" anchor="t"/>
+          <a:lstStyle/>
+          <a:p>
+            <a:pPr marL="0" indent="0" defTabSz="201168">
+              <a:lnSpc>
+                <a:spcPts val="2600"/>
+              </a:lnSpc>
+              <a:spcBef>
+                <a:spcPts val="500"/>
+              </a:spcBef>
+              <a:buSzTx/>
+              <a:buNone/>
+              <a:defRPr b="1" sz="1320">
+                <a:uFill>
+                  <a:solidFill>
+                    <a:srgbClr val="000000"/>
+                  </a:solidFill>
+                </a:uFill>
+                <a:latin typeface="+mj-lt"/>
+                <a:ea typeface="+mj-ea"/>
+                <a:cs typeface="+mj-cs"/>
+                <a:sym typeface="Helvetica"/>
+              </a:defRPr>
+            </a:pPr>
+            <a:r>
+              <a:t>Where we think we are, as of Mo Apr 6:</a:t>
+            </a:r>
+          </a:p>
+          <a:p>
+            <a:pPr marL="150875" indent="-150875" defTabSz="201168">
+              <a:lnSpc>
+                <a:spcPts val="2300"/>
+              </a:lnSpc>
+              <a:spcBef>
+                <a:spcPts val="500"/>
+              </a:spcBef>
+              <a:buSzPct val="100000"/>
+              <a:buFont typeface="Arial"/>
+              <a:defRPr sz="1056">
+                <a:uFill>
+                  <a:solidFill>
+                    <a:srgbClr val="000000"/>
+                  </a:solidFill>
+                </a:uFill>
+                <a:latin typeface="Times New Roman"/>
+                <a:ea typeface="Times New Roman"/>
+                <a:cs typeface="Times New Roman"/>
+                <a:sym typeface="Times New Roman"/>
+              </a:defRPr>
+            </a:pPr>
+            <a:r>
+              <a:t>We really do not  know</a:t>
+            </a:r>
+          </a:p>
+          <a:p>
+            <a:pPr marL="150875" indent="-150875" defTabSz="201168">
+              <a:lnSpc>
+                <a:spcPts val="2300"/>
+              </a:lnSpc>
+              <a:spcBef>
+                <a:spcPts val="500"/>
+              </a:spcBef>
+              <a:buSzPct val="100000"/>
+              <a:buFont typeface="Arial"/>
+              <a:defRPr sz="1056">
+                <a:uFill>
+                  <a:solidFill>
+                    <a:srgbClr val="000000"/>
+                  </a:solidFill>
+                </a:uFill>
+                <a:latin typeface="Times New Roman"/>
+                <a:ea typeface="Times New Roman"/>
+                <a:cs typeface="Times New Roman"/>
+                <a:sym typeface="Times New Roman"/>
+              </a:defRPr>
+            </a:pPr>
+            <a:r>
+              <a:t>No random samples…</a:t>
+            </a:r>
+          </a:p>
+          <a:p>
+            <a:pPr marL="150875" indent="-150875" defTabSz="201168">
+              <a:lnSpc>
+                <a:spcPts val="2300"/>
+              </a:lnSpc>
+              <a:spcBef>
+                <a:spcPts val="500"/>
+              </a:spcBef>
+              <a:buSzPct val="100000"/>
+              <a:buFont typeface="Arial"/>
+              <a:defRPr sz="1056">
+                <a:uFill>
+                  <a:solidFill>
+                    <a:srgbClr val="000000"/>
+                  </a:solidFill>
+                </a:uFill>
+                <a:latin typeface="Times New Roman"/>
+                <a:ea typeface="Times New Roman"/>
+                <a:cs typeface="Times New Roman"/>
+                <a:sym typeface="Times New Roman"/>
+              </a:defRPr>
+            </a:pPr>
+            <a:r>
+              <a:t>Best thing I have read comes from Jim Stock &lt;</a:t>
+            </a:r>
+            <a:r>
+              <a:rPr u="sng">
+                <a:solidFill>
+                  <a:srgbClr val="0000FF"/>
+                </a:solidFill>
+                <a:uFill>
+                  <a:solidFill>
+                    <a:srgbClr val="0000FF"/>
+                  </a:solidFill>
+                </a:uFill>
+                <a:hlinkClick r:id="rId2" invalidUrl="" action="" tgtFrame="" tooltip="" history="1" highlightClick="0" endSnd="0"/>
+              </a:rPr>
+              <a:t>https://drive.google.com/file/d/12MV466ZZy5xHir4xdPhoTrL1oO8CbZU-/view</a:t>
+            </a:r>
+            <a:r>
+              <a:t>&gt;:</a:t>
+            </a:r>
+          </a:p>
+          <a:p>
+            <a:pPr lvl="1" marL="352043" indent="-150875" defTabSz="201168">
+              <a:lnSpc>
+                <a:spcPts val="2300"/>
+              </a:lnSpc>
+              <a:spcBef>
+                <a:spcPts val="500"/>
+              </a:spcBef>
+              <a:buSzPct val="100000"/>
+              <a:buFont typeface="Arial"/>
+              <a:defRPr sz="1056">
+                <a:uFill>
+                  <a:solidFill>
+                    <a:srgbClr val="000000"/>
+                  </a:solidFill>
+                </a:uFill>
+                <a:latin typeface="Times New Roman"/>
+                <a:ea typeface="Times New Roman"/>
+                <a:cs typeface="Times New Roman"/>
+                <a:sym typeface="Times New Roman"/>
+              </a:defRPr>
+            </a:pPr>
+            <a:r>
+              <a:t>The basic SIR epidemiological model of contagion</a:t>
+            </a:r>
+          </a:p>
+          <a:p>
+            <a:pPr lvl="1" marL="352043" indent="-150875" defTabSz="201168">
+              <a:lnSpc>
+                <a:spcPts val="2300"/>
+              </a:lnSpc>
+              <a:spcBef>
+                <a:spcPts val="500"/>
+              </a:spcBef>
+              <a:buSzPct val="100000"/>
+              <a:buFont typeface="Arial"/>
+              <a:defRPr sz="1056">
+                <a:uFill>
+                  <a:solidFill>
+                    <a:srgbClr val="000000"/>
+                  </a:solidFill>
+                </a:uFill>
+                <a:latin typeface="Times New Roman"/>
+                <a:ea typeface="Times New Roman"/>
+                <a:cs typeface="Times New Roman"/>
+                <a:sym typeface="Times New Roman"/>
+              </a:defRPr>
+            </a:pPr>
+            <a:r>
+              <a:t>The effect of social distancing and business shutdowns on epidemic dynamics enters the model through a single parameter: the case transmission rate β</a:t>
+            </a:r>
+          </a:p>
+          <a:p>
+            <a:pPr lvl="1" marL="352043" indent="-150875" defTabSz="201168">
+              <a:lnSpc>
+                <a:spcPts val="2300"/>
+              </a:lnSpc>
+              <a:spcBef>
+                <a:spcPts val="500"/>
+              </a:spcBef>
+              <a:buSzPct val="100000"/>
+              <a:buFont typeface="Arial"/>
+              <a:defRPr sz="1056">
+                <a:uFill>
+                  <a:solidFill>
+                    <a:srgbClr val="000000"/>
+                  </a:solidFill>
+                </a:uFill>
+                <a:latin typeface="Times New Roman"/>
+                <a:ea typeface="Times New Roman"/>
+                <a:cs typeface="Times New Roman"/>
+                <a:sym typeface="Times New Roman"/>
+              </a:defRPr>
+            </a:pPr>
+            <a:r>
+              <a:t>Re-express the model in terms of β and the asymptomatic (or not very symptomatic) hence non-tested rate—the fraction of the infected who are not tested</a:t>
+            </a:r>
+          </a:p>
+          <a:p>
+            <a:pPr lvl="1" marL="352043" indent="-150875" defTabSz="201168">
+              <a:lnSpc>
+                <a:spcPts val="2300"/>
+              </a:lnSpc>
+              <a:spcBef>
+                <a:spcPts val="500"/>
+              </a:spcBef>
+              <a:buSzPct val="100000"/>
+              <a:buFont typeface="Arial"/>
+              <a:defRPr sz="1056">
+                <a:uFill>
+                  <a:solidFill>
+                    <a:srgbClr val="000000"/>
+                  </a:solidFill>
+                </a:uFill>
+                <a:latin typeface="Times New Roman"/>
+                <a:ea typeface="Times New Roman"/>
+                <a:cs typeface="Times New Roman"/>
+                <a:sym typeface="Times New Roman"/>
+              </a:defRPr>
+            </a:pPr>
+            <a:r>
+              <a:t>The COVID-19 non-testing rate is unidentified in our model </a:t>
+            </a:r>
+          </a:p>
+          <a:p>
+            <a:pPr lvl="1" marL="352043" indent="-150875" defTabSz="201168">
+              <a:lnSpc>
+                <a:spcPts val="2300"/>
+              </a:lnSpc>
+              <a:spcBef>
+                <a:spcPts val="500"/>
+              </a:spcBef>
+              <a:buSzPct val="100000"/>
+              <a:buFont typeface="Arial"/>
+              <a:defRPr sz="1056">
+                <a:uFill>
+                  <a:solidFill>
+                    <a:srgbClr val="000000"/>
+                  </a:solidFill>
+                </a:uFill>
+                <a:latin typeface="Times New Roman"/>
+                <a:ea typeface="Times New Roman"/>
+                <a:cs typeface="Times New Roman"/>
+                <a:sym typeface="Times New Roman"/>
+              </a:defRPr>
+            </a:pPr>
+            <a:r>
+              <a:t>Estimates in the epidemiological literature range from 0.18 to 0.86. </a:t>
+            </a:r>
+          </a:p>
+          <a:p>
+            <a:pPr lvl="2" marL="553211" indent="-150875" defTabSz="201168">
+              <a:lnSpc>
+                <a:spcPts val="2300"/>
+              </a:lnSpc>
+              <a:spcBef>
+                <a:spcPts val="500"/>
+              </a:spcBef>
+              <a:buSzPct val="100000"/>
+              <a:buFont typeface="Arial"/>
+              <a:defRPr sz="1056">
+                <a:uFill>
+                  <a:solidFill>
+                    <a:srgbClr val="000000"/>
+                  </a:solidFill>
+                </a:uFill>
+                <a:latin typeface="Times New Roman"/>
+                <a:ea typeface="Times New Roman"/>
+                <a:cs typeface="Times New Roman"/>
+                <a:sym typeface="Times New Roman"/>
+              </a:defRPr>
+            </a:pPr>
+            <a:r>
+              <a:t>The asymptomatic rate could be estimated accurately and quickly by testing a random sample</a:t>
+            </a:r>
+          </a:p>
+          <a:p>
+            <a:pPr marL="150875" indent="-150875" defTabSz="201168">
+              <a:lnSpc>
+                <a:spcPts val="2300"/>
+              </a:lnSpc>
+              <a:spcBef>
+                <a:spcPts val="500"/>
+              </a:spcBef>
+              <a:buSzPct val="100000"/>
+              <a:buFont typeface="Arial"/>
+              <a:defRPr sz="1056">
+                <a:uFill>
+                  <a:solidFill>
+                    <a:srgbClr val="000000"/>
+                  </a:solidFill>
+                </a:uFill>
+                <a:latin typeface="Times New Roman"/>
+                <a:ea typeface="Times New Roman"/>
+                <a:cs typeface="Times New Roman"/>
+                <a:sym typeface="Times New Roman"/>
+              </a:defRPr>
+            </a:pPr>
+            <a:r>
+              <a:t>The optimal policy response and its economic consequences hinge critically on the asymptomatic rate</a:t>
             </a:r>
           </a:p>
         </p:txBody>
@@ -8689,35 +7730,6 @@
       <p:pic>
         <p:nvPicPr>
           <p:cNvPr id="186" name="Image" descr="Image"/>
-          <p:cNvPicPr>
-            <a:picLocks noChangeAspect="1"/>
-          </p:cNvPicPr>
-          <p:nvPr/>
-        </p:nvPicPr>
-        <p:blipFill>
-          <a:blip r:embed="rId2">
-            <a:extLst/>
-          </a:blip>
-          <a:stretch>
-            <a:fillRect/>
-          </a:stretch>
-        </p:blipFill>
-        <p:spPr>
-          <a:xfrm>
-            <a:off x="2540334" y="1587500"/>
-            <a:ext cx="6159166" cy="4347242"/>
-          </a:xfrm>
-          <a:prstGeom prst="rect">
-            <a:avLst/>
-          </a:prstGeom>
-          <a:ln w="12700">
-            <a:miter lim="400000"/>
-          </a:ln>
-        </p:spPr>
-      </p:pic>
-      <p:pic>
-        <p:nvPicPr>
-          <p:cNvPr id="187" name="Image" descr="Image"/>
           <p:cNvPicPr>
             <a:picLocks noChangeAspect="1"/>
           </p:cNvPicPr>
@@ -8733,8 +7745,124 @@
         </p:blipFill>
         <p:spPr>
           <a:xfrm>
-            <a:off x="444500" y="2074414"/>
-            <a:ext cx="6278666" cy="4429518"/>
+            <a:off x="3444954" y="1587500"/>
+            <a:ext cx="5465734" cy="2602730"/>
+          </a:xfrm>
+          <a:prstGeom prst="rect">
+            <a:avLst/>
+          </a:prstGeom>
+          <a:ln w="12700">
+            <a:miter lim="400000"/>
+          </a:ln>
+        </p:spPr>
+      </p:pic>
+      <p:pic>
+        <p:nvPicPr>
+          <p:cNvPr id="187" name="Image" descr="Image"/>
+          <p:cNvPicPr>
+            <a:picLocks noChangeAspect="1"/>
+          </p:cNvPicPr>
+          <p:nvPr/>
+        </p:nvPicPr>
+        <p:blipFill>
+          <a:blip r:embed="rId4">
+            <a:extLst/>
+          </a:blip>
+          <a:stretch>
+            <a:fillRect/>
+          </a:stretch>
+        </p:blipFill>
+        <p:spPr>
+          <a:xfrm>
+            <a:off x="3444954" y="4190229"/>
+            <a:ext cx="1925285" cy="2483251"/>
+          </a:xfrm>
+          <a:prstGeom prst="rect">
+            <a:avLst/>
+          </a:prstGeom>
+          <a:ln w="12700">
+            <a:miter lim="400000"/>
+          </a:ln>
+        </p:spPr>
+      </p:pic>
+      <p:pic>
+        <p:nvPicPr>
+          <p:cNvPr id="188" name="Image" descr="Image"/>
+          <p:cNvPicPr>
+            <a:picLocks noChangeAspect="1"/>
+          </p:cNvPicPr>
+          <p:nvPr/>
+        </p:nvPicPr>
+        <p:blipFill>
+          <a:blip r:embed="rId5">
+            <a:extLst/>
+          </a:blip>
+          <a:stretch>
+            <a:fillRect/>
+          </a:stretch>
+        </p:blipFill>
+        <p:spPr>
+          <a:xfrm>
+            <a:off x="5370238" y="4190229"/>
+            <a:ext cx="1761053" cy="2483251"/>
+          </a:xfrm>
+          <a:prstGeom prst="rect">
+            <a:avLst/>
+          </a:prstGeom>
+          <a:ln w="12700">
+            <a:miter lim="400000"/>
+          </a:ln>
+        </p:spPr>
+      </p:pic>
+      <p:pic>
+        <p:nvPicPr>
+          <p:cNvPr id="189" name="Image" descr="Image"/>
+          <p:cNvPicPr>
+            <a:picLocks noChangeAspect="1"/>
+          </p:cNvPicPr>
+          <p:nvPr/>
+        </p:nvPicPr>
+        <p:blipFill>
+          <a:blip r:embed="rId6">
+            <a:extLst/>
+          </a:blip>
+          <a:stretch>
+            <a:fillRect/>
+          </a:stretch>
+        </p:blipFill>
+        <p:spPr>
+          <a:xfrm>
+            <a:off x="7131290" y="4190229"/>
+            <a:ext cx="565336" cy="2483251"/>
+          </a:xfrm>
+          <a:prstGeom prst="rect">
+            <a:avLst/>
+          </a:prstGeom>
+          <a:ln w="12700">
+            <a:miter lim="400000"/>
+          </a:ln>
+        </p:spPr>
+      </p:pic>
+      <p:pic>
+        <p:nvPicPr>
+          <p:cNvPr id="190" name="Image" descr="Image"/>
+          <p:cNvPicPr>
+            <a:picLocks noChangeAspect="1"/>
+          </p:cNvPicPr>
+          <p:nvPr/>
+        </p:nvPicPr>
+        <p:blipFill>
+          <a:blip r:embed="rId7">
+            <a:extLst/>
+          </a:blip>
+          <a:stretch>
+            <a:fillRect/>
+          </a:stretch>
+        </p:blipFill>
+        <p:spPr>
+          <a:xfrm>
+            <a:off x="7696625" y="4190229"/>
+            <a:ext cx="878027" cy="2483251"/>
           </a:xfrm>
           <a:prstGeom prst="rect">
             <a:avLst/>
@@ -8772,7 +7900,7 @@
       </p:grpSpPr>
       <p:sp>
         <p:nvSpPr>
-          <p:cNvPr id="244" name="About the Course"/>
+          <p:cNvPr id="242" name="About the Course"/>
           <p:cNvSpPr txBox="1"/>
           <p:nvPr>
             <p:ph type="title" idx="4294967295"/>
@@ -8780,8 +7908,8 @@
         </p:nvSpPr>
         <p:spPr>
           <a:xfrm>
-            <a:off x="277663" y="139697"/>
-            <a:ext cx="8572502" cy="1267128"/>
+            <a:off x="277663" y="-3"/>
+            <a:ext cx="8572501" cy="1267128"/>
           </a:xfrm>
           <a:prstGeom prst="rect">
             <a:avLst/>
@@ -8790,8 +7918,8 @@
         <p:txBody>
           <a:bodyPr lIns="45718" tIns="45718" rIns="45718" bIns="45718"/>
           <a:lstStyle>
-            <a:lvl1pPr defTabSz="457200">
-              <a:defRPr sz="6000">
+            <a:lvl1pPr defTabSz="297179">
+              <a:defRPr sz="3900">
                 <a:solidFill>
                   <a:srgbClr val="000080"/>
                 </a:solidFill>
@@ -8806,14 +7934,14 @@
           <a:p>
             <a:pPr/>
             <a:r>
-              <a:t>MOAR Coronavirus!</a:t>
+              <a:t>What We Think Happened in Wuhan</a:t>
             </a:r>
           </a:p>
         </p:txBody>
       </p:sp>
       <p:sp>
         <p:nvSpPr>
-          <p:cNvPr id="245" name="The long 20th century will in all likelihood be seen in the future as the watershed in human experience:…"/>
+          <p:cNvPr id="243" name="The long 20th century will in all likelihood be seen in the future as the watershed in human experience:…"/>
           <p:cNvSpPr txBox="1"/>
           <p:nvPr>
             <p:ph type="body" sz="quarter" idx="4294967295"/>
@@ -8821,8 +7949,8 @@
         </p:nvSpPr>
         <p:spPr>
           <a:xfrm>
-            <a:off x="277663" y="1267121"/>
-            <a:ext cx="5024783" cy="2296266"/>
+            <a:off x="277663" y="1267120"/>
+            <a:ext cx="8572501" cy="1130253"/>
           </a:xfrm>
           <a:prstGeom prst="rect">
             <a:avLst/>
@@ -8832,13 +7960,13 @@
           <a:bodyPr lIns="45718" tIns="45718" rIns="45718" bIns="45718" anchor="t"/>
           <a:lstStyle/>
           <a:p>
-            <a:pPr marL="0" indent="0" defTabSz="323298">
-              <a:spcBef>
-                <a:spcPts val="700"/>
+            <a:pPr marL="0" indent="0" defTabSz="203682">
+              <a:spcBef>
+                <a:spcPts val="400"/>
               </a:spcBef>
               <a:buSzTx/>
               <a:buNone/>
-              <a:defRPr b="1" sz="1619">
+              <a:defRPr b="1" sz="1650">
                 <a:uFill>
                   <a:solidFill>
                     <a:srgbClr val="000000"/>
@@ -8851,16 +7979,16 @@
               </a:defRPr>
             </a:pPr>
             <a:r>
-              <a:t>As of March 21: Things are not moving in the right direction:</a:t>
-            </a:r>
-          </a:p>
-          <a:p>
-            <a:pPr marL="170156" indent="-170156" defTabSz="323298">
-              <a:spcBef>
-                <a:spcPts val="700"/>
+              <a:t>China beat it quickly &amp; relatively easily!</a:t>
+            </a:r>
+          </a:p>
+          <a:p>
+            <a:pPr marL="107200" indent="-107200" defTabSz="203682">
+              <a:spcBef>
+                <a:spcPts val="400"/>
               </a:spcBef>
               <a:buSzPct val="100000"/>
-              <a:defRPr sz="1619">
+              <a:defRPr sz="1320">
                 <a:uFill>
                   <a:solidFill>
                     <a:srgbClr val="000000"/>
@@ -8873,23 +8001,16 @@
               </a:defRPr>
             </a:pPr>
             <a:r>
-              <a:t>What is the R</a:t>
-            </a:r>
-            <a:r>
-              <a:rPr baseline="-5998"/>
-              <a:t>0</a:t>
-            </a:r>
-            <a:r>
-              <a:t>?</a:t>
-            </a:r>
-          </a:p>
-          <a:p>
-            <a:pPr marL="170156" indent="-170156" defTabSz="323298">
-              <a:spcBef>
-                <a:spcPts val="700"/>
+              <a:t>We think</a:t>
+            </a:r>
+          </a:p>
+          <a:p>
+            <a:pPr marL="107200" indent="-107200" defTabSz="203682">
+              <a:spcBef>
+                <a:spcPts val="400"/>
               </a:spcBef>
               <a:buSzPct val="100000"/>
-              <a:defRPr sz="1619">
+              <a:defRPr sz="1320">
                 <a:uFill>
                   <a:solidFill>
                     <a:srgbClr val="000000"/>
@@ -8902,23 +8023,16 @@
               </a:defRPr>
             </a:pPr>
             <a:r>
-              <a:t>How can the R</a:t>
-            </a:r>
-            <a:r>
-              <a:rPr baseline="-5998"/>
-              <a:t>0</a:t>
-            </a:r>
-            <a:r>
-              <a:t> be changed?</a:t>
-            </a:r>
-          </a:p>
-          <a:p>
-            <a:pPr marL="170156" indent="-170156" defTabSz="323298">
-              <a:spcBef>
-                <a:spcPts val="700"/>
+              <a:t>Shut down Wuhan when 200 cases per day</a:t>
+            </a:r>
+          </a:p>
+          <a:p>
+            <a:pPr marL="107200" indent="-107200" defTabSz="203682">
+              <a:spcBef>
+                <a:spcPts val="400"/>
               </a:spcBef>
               <a:buSzPct val="100000"/>
-              <a:defRPr sz="1619">
+              <a:defRPr sz="1320">
                 <a:uFill>
                   <a:solidFill>
                     <a:srgbClr val="000000"/>
@@ -8931,65 +8045,14 @@
               </a:defRPr>
             </a:pPr>
             <a:r>
-              <a:t>How will the R</a:t>
-            </a:r>
-            <a:r>
-              <a:rPr baseline="-5998"/>
-              <a:t>0</a:t>
-            </a:r>
-            <a:r>
-              <a:t> change?</a:t>
-            </a:r>
-          </a:p>
-          <a:p>
-            <a:pPr marL="170156" indent="-170156" defTabSz="323298">
-              <a:spcBef>
-                <a:spcPts val="700"/>
-              </a:spcBef>
-              <a:buSzPct val="100000"/>
-              <a:defRPr sz="1619">
-                <a:uFill>
-                  <a:solidFill>
-                    <a:srgbClr val="000000"/>
-                  </a:solidFill>
-                </a:uFill>
-                <a:latin typeface="Times New Roman"/>
-                <a:ea typeface="Times New Roman"/>
-                <a:cs typeface="Times New Roman"/>
-                <a:sym typeface="Times New Roman"/>
-              </a:defRPr>
-            </a:pPr>
-            <a:r>
-              <a:t>What is the asymptote share of the population?</a:t>
-            </a:r>
-          </a:p>
-          <a:p>
-            <a:pPr marL="170156" indent="-170156" defTabSz="323298">
-              <a:spcBef>
-                <a:spcPts val="700"/>
-              </a:spcBef>
-              <a:buSzPct val="100000"/>
-              <a:defRPr sz="1619">
-                <a:uFill>
-                  <a:solidFill>
-                    <a:srgbClr val="000000"/>
-                  </a:solidFill>
-                </a:uFill>
-                <a:latin typeface="Times New Roman"/>
-                <a:ea typeface="Times New Roman"/>
-                <a:cs typeface="Times New Roman"/>
-                <a:sym typeface="Times New Roman"/>
-              </a:defRPr>
-            </a:pPr>
-            <a:r>
-              <a:t>What is the mortality rate?</a:t>
+              <a:t>That seems to have been a good decision</a:t>
             </a:r>
           </a:p>
         </p:txBody>
       </p:sp>
       <p:pic>
         <p:nvPicPr>
-          <p:cNvPr id="246" name="Image" descr="Image"/>
+          <p:cNvPr id="244" name="Image" descr="Image"/>
           <p:cNvPicPr>
             <a:picLocks noChangeAspect="1"/>
           </p:cNvPicPr>
@@ -9005,37 +8068,8 @@
         </p:blipFill>
         <p:spPr>
           <a:xfrm>
-            <a:off x="5302445" y="1267121"/>
-            <a:ext cx="3690465" cy="4647506"/>
-          </a:xfrm>
-          <a:prstGeom prst="rect">
-            <a:avLst/>
-          </a:prstGeom>
-          <a:ln w="12700">
-            <a:miter lim="400000"/>
-          </a:ln>
-        </p:spPr>
-      </p:pic>
-      <p:pic>
-        <p:nvPicPr>
-          <p:cNvPr id="247" name="Image" descr="Image"/>
-          <p:cNvPicPr>
-            <a:picLocks noChangeAspect="1"/>
-          </p:cNvPicPr>
-          <p:nvPr/>
-        </p:nvPicPr>
-        <p:blipFill>
-          <a:blip r:embed="rId3">
-            <a:extLst/>
-          </a:blip>
-          <a:stretch>
-            <a:fillRect/>
-          </a:stretch>
-        </p:blipFill>
-        <p:spPr>
-          <a:xfrm>
-            <a:off x="277663" y="4017610"/>
-            <a:ext cx="4467385" cy="2662739"/>
+            <a:off x="560811" y="2397372"/>
+            <a:ext cx="7320740" cy="4267253"/>
           </a:xfrm>
           <a:prstGeom prst="rect">
             <a:avLst/>
@@ -9073,7 +8107,7 @@
       </p:grpSpPr>
       <p:sp>
         <p:nvSpPr>
-          <p:cNvPr id="249" name="About the Course"/>
+          <p:cNvPr id="246" name="About the Course"/>
           <p:cNvSpPr txBox="1"/>
           <p:nvPr>
             <p:ph type="title" idx="4294967295"/>
@@ -9107,23 +8141,23 @@
           <a:p>
             <a:pPr/>
             <a:r>
-              <a:t>MOAR Coronavirus!</a:t>
+              <a:t>The Goal</a:t>
             </a:r>
           </a:p>
         </p:txBody>
       </p:sp>
       <p:sp>
         <p:nvSpPr>
-          <p:cNvPr id="250" name="The long 20th century will in all likelihood be seen in the future as the watershed in human experience:…"/>
+          <p:cNvPr id="247" name="The long 20th century will in all likelihood be seen in the future as the watershed in human experience:…"/>
           <p:cNvSpPr txBox="1"/>
           <p:nvPr>
-            <p:ph type="body" sz="quarter" idx="4294967295"/>
+            <p:ph type="body" sz="half" idx="4294967295"/>
           </p:nvPr>
         </p:nvSpPr>
         <p:spPr>
           <a:xfrm>
             <a:off x="277663" y="1267121"/>
-            <a:ext cx="5024783" cy="2296266"/>
+            <a:ext cx="8572501" cy="1770291"/>
           </a:xfrm>
           <a:prstGeom prst="rect">
             <a:avLst/>
@@ -9133,13 +8167,13 @@
           <a:bodyPr lIns="45718" tIns="45718" rIns="45718" bIns="45718" anchor="t"/>
           <a:lstStyle/>
           <a:p>
-            <a:pPr marL="0" indent="0" defTabSz="323298">
-              <a:spcBef>
-                <a:spcPts val="700"/>
+            <a:pPr marL="0" indent="0" defTabSz="107543">
+              <a:spcBef>
+                <a:spcPts val="500"/>
               </a:spcBef>
               <a:buSzTx/>
               <a:buNone/>
-              <a:defRPr b="1" sz="1619">
+              <a:defRPr b="1" sz="1320">
                 <a:uFill>
                   <a:solidFill>
                     <a:srgbClr val="000000"/>
@@ -9152,16 +8186,16 @@
               </a:defRPr>
             </a:pPr>
             <a:r>
-              <a:t>As of March 10: Things are not moving in the right direction:</a:t>
-            </a:r>
-          </a:p>
-          <a:p>
-            <a:pPr marL="170156" indent="-170156" defTabSz="323298">
-              <a:spcBef>
-                <a:spcPts val="700"/>
+              <a:t>When Is It Appropriate to Move on This?</a:t>
+            </a:r>
+          </a:p>
+          <a:p>
+            <a:pPr marL="56602" indent="-56602" defTabSz="107543">
+              <a:spcBef>
+                <a:spcPts val="500"/>
               </a:spcBef>
               <a:buSzPct val="100000"/>
-              <a:defRPr sz="1619">
+              <a:defRPr sz="1056">
                 <a:uFill>
                   <a:solidFill>
                     <a:srgbClr val="000000"/>
@@ -9174,23 +8208,16 @@
               </a:defRPr>
             </a:pPr>
             <a:r>
-              <a:t>What is the R</a:t>
-            </a:r>
-            <a:r>
-              <a:rPr baseline="-5998"/>
-              <a:t>0</a:t>
-            </a:r>
-            <a:r>
-              <a:t>?</a:t>
-            </a:r>
-          </a:p>
-          <a:p>
-            <a:pPr marL="170156" indent="-170156" defTabSz="323298">
-              <a:spcBef>
-                <a:spcPts val="700"/>
+              <a:t>Immediate social distancing…</a:t>
+            </a:r>
+          </a:p>
+          <a:p>
+            <a:pPr marL="56602" indent="-56602" defTabSz="107543">
+              <a:spcBef>
+                <a:spcPts val="500"/>
               </a:spcBef>
               <a:buSzPct val="100000"/>
-              <a:defRPr sz="1619">
+              <a:defRPr sz="1056">
                 <a:uFill>
                   <a:solidFill>
                     <a:srgbClr val="000000"/>
@@ -9203,23 +8230,16 @@
               </a:defRPr>
             </a:pPr>
             <a:r>
-              <a:t>How can the R</a:t>
-            </a:r>
-            <a:r>
-              <a:rPr baseline="-5998"/>
-              <a:t>0</a:t>
-            </a:r>
-            <a:r>
-              <a:t> be changed?</a:t>
-            </a:r>
-          </a:p>
-          <a:p>
-            <a:pPr marL="170156" indent="-170156" defTabSz="323298">
-              <a:spcBef>
-                <a:spcPts val="700"/>
+              <a:t>Self-isolate if you have a cough and a fever…</a:t>
+            </a:r>
+          </a:p>
+          <a:p>
+            <a:pPr marL="56602" indent="-56602" defTabSz="107543">
+              <a:spcBef>
+                <a:spcPts val="500"/>
               </a:spcBef>
               <a:buSzPct val="100000"/>
-              <a:defRPr sz="1619">
+              <a:defRPr sz="1056">
                 <a:uFill>
                   <a:solidFill>
                     <a:srgbClr val="000000"/>
@@ -9232,23 +8252,16 @@
               </a:defRPr>
             </a:pPr>
             <a:r>
-              <a:t>How will the R</a:t>
-            </a:r>
-            <a:r>
-              <a:rPr baseline="-5998"/>
-              <a:t>0</a:t>
-            </a:r>
-            <a:r>
-              <a:t> change?</a:t>
-            </a:r>
-          </a:p>
-          <a:p>
-            <a:pPr marL="170156" indent="-170156" defTabSz="323298">
-              <a:spcBef>
-                <a:spcPts val="700"/>
+              <a:t>Hope that warmer temperatures will do to this what they did to SARS…</a:t>
+            </a:r>
+          </a:p>
+          <a:p>
+            <a:pPr marL="56602" indent="-56602" defTabSz="107543">
+              <a:spcBef>
+                <a:spcPts val="500"/>
               </a:spcBef>
               <a:buSzPct val="100000"/>
-              <a:defRPr sz="1619">
+              <a:defRPr sz="1056">
                 <a:uFill>
                   <a:solidFill>
                     <a:srgbClr val="000000"/>
@@ -9261,16 +8274,16 @@
               </a:defRPr>
             </a:pPr>
             <a:r>
-              <a:t>What is the asymptote share of the population?</a:t>
-            </a:r>
-          </a:p>
-          <a:p>
-            <a:pPr marL="170156" indent="-170156" defTabSz="323298">
-              <a:spcBef>
-                <a:spcPts val="700"/>
+              <a:t>Otherwise, when do you want to start spreading out transmission. It seems that early is as good as later, so do it early…</a:t>
+            </a:r>
+          </a:p>
+          <a:p>
+            <a:pPr lvl="1" marL="252182" indent="-56602" defTabSz="107543">
+              <a:spcBef>
+                <a:spcPts val="500"/>
               </a:spcBef>
               <a:buSzPct val="100000"/>
-              <a:defRPr sz="1619">
+              <a:defRPr sz="1056">
                 <a:uFill>
                   <a:solidFill>
                     <a:srgbClr val="000000"/>
@@ -9283,14 +8296,58 @@
               </a:defRPr>
             </a:pPr>
             <a:r>
-              <a:t>What is the mortality rate?</a:t>
+              <a:t>I have no good intuition on why you want to move early</a:t>
+            </a:r>
+          </a:p>
+          <a:p>
+            <a:pPr lvl="1" marL="252182" indent="-56602" defTabSz="107543">
+              <a:spcBef>
+                <a:spcPts val="500"/>
+              </a:spcBef>
+              <a:buSzPct val="100000"/>
+              <a:defRPr sz="1056">
+                <a:uFill>
+                  <a:solidFill>
+                    <a:srgbClr val="000000"/>
+                  </a:solidFill>
+                </a:uFill>
+                <a:latin typeface="Times New Roman"/>
+                <a:ea typeface="Times New Roman"/>
+                <a:cs typeface="Times New Roman"/>
+                <a:sym typeface="Times New Roman"/>
+              </a:defRPr>
+            </a:pPr>
+            <a:r>
+              <a:t>Plus your moving early will be wasted if you get reinfected</a:t>
+            </a:r>
+          </a:p>
+          <a:p>
+            <a:pPr lvl="1" marL="252182" indent="-56602" defTabSz="107543">
+              <a:spcBef>
+                <a:spcPts val="500"/>
+              </a:spcBef>
+              <a:buSzPct val="100000"/>
+              <a:defRPr sz="1056">
+                <a:uFill>
+                  <a:solidFill>
+                    <a:srgbClr val="000000"/>
+                  </a:solidFill>
+                </a:uFill>
+                <a:latin typeface="Times New Roman"/>
+                <a:ea typeface="Times New Roman"/>
+                <a:cs typeface="Times New Roman"/>
+                <a:sym typeface="Times New Roman"/>
+              </a:defRPr>
+            </a:pPr>
+            <a:r>
+              <a:t>Plus the sparks you throw off making others’ lives more difficult</a:t>
             </a:r>
           </a:p>
         </p:txBody>
       </p:sp>
       <p:pic>
         <p:nvPicPr>
-          <p:cNvPr id="251" name="Image" descr="Image"/>
+          <p:cNvPr id="248" name="Image" descr="Image"/>
           <p:cNvPicPr>
             <a:picLocks noChangeAspect="1"/>
           </p:cNvPicPr>
@@ -9306,37 +8363,8 @@
         </p:blipFill>
         <p:spPr>
           <a:xfrm>
-            <a:off x="277662" y="3563384"/>
-            <a:ext cx="5024784" cy="3080921"/>
-          </a:xfrm>
-          <a:prstGeom prst="rect">
-            <a:avLst/>
-          </a:prstGeom>
-          <a:ln w="12700">
-            <a:miter lim="400000"/>
-          </a:ln>
-        </p:spPr>
-      </p:pic>
-      <p:pic>
-        <p:nvPicPr>
-          <p:cNvPr id="252" name="Image" descr="Image"/>
-          <p:cNvPicPr>
-            <a:picLocks noChangeAspect="1"/>
-          </p:cNvPicPr>
-          <p:nvPr/>
-        </p:nvPicPr>
-        <p:blipFill>
-          <a:blip r:embed="rId3">
-            <a:extLst/>
-          </a:blip>
-          <a:stretch>
-            <a:fillRect/>
-          </a:stretch>
-        </p:blipFill>
-        <p:spPr>
-          <a:xfrm>
-            <a:off x="5723025" y="1119015"/>
-            <a:ext cx="3285195" cy="5673464"/>
+            <a:off x="2097860" y="3037408"/>
+            <a:ext cx="5244481" cy="3630795"/>
           </a:xfrm>
           <a:prstGeom prst="rect">
             <a:avLst/>
@@ -9374,7 +8402,598 @@
       </p:grpSpPr>
       <p:sp>
         <p:nvSpPr>
-          <p:cNvPr id="254" name="Catch Our Breath…"/>
+          <p:cNvPr id="250" name="References"/>
+          <p:cNvSpPr txBox="1"/>
+          <p:nvPr>
+            <p:ph type="title" idx="4294967295"/>
+          </p:nvPr>
+        </p:nvSpPr>
+        <p:spPr>
+          <a:xfrm>
+            <a:off x="444500" y="0"/>
+            <a:ext cx="8255000" cy="1587501"/>
+          </a:xfrm>
+          <a:prstGeom prst="rect">
+            <a:avLst/>
+          </a:prstGeom>
+        </p:spPr>
+        <p:txBody>
+          <a:bodyPr lIns="45719" tIns="45719" rIns="45719" bIns="45719"/>
+          <a:lstStyle>
+            <a:lvl1pPr defTabSz="457200">
+              <a:lnSpc>
+                <a:spcPts val="11600"/>
+              </a:lnSpc>
+              <a:defRPr sz="8000">
+                <a:solidFill>
+                  <a:srgbClr val="000080"/>
+                </a:solidFill>
+                <a:uFill>
+                  <a:solidFill>
+                    <a:srgbClr val="000000"/>
+                  </a:solidFill>
+                </a:uFill>
+              </a:defRPr>
+            </a:lvl1pPr>
+          </a:lstStyle>
+          <a:p>
+            <a:pPr/>
+            <a:r>
+              <a:t>References</a:t>
+            </a:r>
+          </a:p>
+        </p:txBody>
+      </p:sp>
+      <p:sp>
+        <p:nvSpPr>
+          <p:cNvPr id="251" name="Financial Times (2020): Coronavirus Tracked: The Latest Figures as the Pandemic Spreads &lt;https://www.ft.com/coronavirus-latest&gt;…"/>
+          <p:cNvSpPr txBox="1"/>
+          <p:nvPr>
+            <p:ph type="body" idx="4294967295"/>
+          </p:nvPr>
+        </p:nvSpPr>
+        <p:spPr>
+          <a:xfrm>
+            <a:off x="444500" y="1587500"/>
+            <a:ext cx="8255000" cy="4937520"/>
+          </a:xfrm>
+          <a:prstGeom prst="rect">
+            <a:avLst/>
+          </a:prstGeom>
+        </p:spPr>
+        <p:txBody>
+          <a:bodyPr lIns="45719" tIns="45719" rIns="45719" bIns="45719" anchor="t"/>
+          <a:lstStyle/>
+          <a:p>
+            <a:pPr marL="342899" indent="-342899" defTabSz="457200">
+              <a:lnSpc>
+                <a:spcPts val="5200"/>
+              </a:lnSpc>
+              <a:spcBef>
+                <a:spcPts val="1200"/>
+              </a:spcBef>
+              <a:buSzPct val="100000"/>
+              <a:buFont typeface="Arial"/>
+              <a:defRPr>
+                <a:uFill>
+                  <a:solidFill>
+                    <a:srgbClr val="000000"/>
+                  </a:solidFill>
+                </a:uFill>
+                <a:latin typeface="Times New Roman"/>
+                <a:ea typeface="Times New Roman"/>
+                <a:cs typeface="Times New Roman"/>
+                <a:sym typeface="Times New Roman"/>
+              </a:defRPr>
+            </a:pPr>
+            <a:r>
+              <a:rPr b="1"/>
+              <a:t>Financial Times</a:t>
+            </a:r>
+            <a:r>
+              <a:t> (2020): Coronavirus Tracked: The Latest Figures as the Pandemic Spreads &lt;</a:t>
+            </a:r>
+            <a:r>
+              <a:rPr u="sng">
+                <a:solidFill>
+                  <a:srgbClr val="0000FF"/>
+                </a:solidFill>
+                <a:uFill>
+                  <a:solidFill>
+                    <a:srgbClr val="0000FF"/>
+                  </a:solidFill>
+                </a:uFill>
+                <a:hlinkClick r:id="rId2" invalidUrl="" action="" tgtFrame="" tooltip="" history="1" highlightClick="0" endSnd="0"/>
+              </a:rPr>
+              <a:t>https://www.ft.com/coronavirus-latest</a:t>
+            </a:r>
+            <a:r>
+              <a:t>&gt;</a:t>
+            </a:r>
+          </a:p>
+          <a:p>
+            <a:pPr marL="342899" indent="-342899" defTabSz="457200">
+              <a:lnSpc>
+                <a:spcPts val="5200"/>
+              </a:lnSpc>
+              <a:spcBef>
+                <a:spcPts val="1200"/>
+              </a:spcBef>
+              <a:buSzPct val="100000"/>
+              <a:buFont typeface="Arial"/>
+              <a:defRPr>
+                <a:uFill>
+                  <a:solidFill>
+                    <a:srgbClr val="000000"/>
+                  </a:solidFill>
+                </a:uFill>
+                <a:latin typeface="Times New Roman"/>
+                <a:ea typeface="Times New Roman"/>
+                <a:cs typeface="Times New Roman"/>
+                <a:sym typeface="Times New Roman"/>
+              </a:defRPr>
+            </a:pPr>
+            <a:r>
+              <a:rPr b="1"/>
+              <a:t>Nick Rowe</a:t>
+            </a:r>
+            <a:r>
+              <a:t> (2020): </a:t>
+            </a:r>
+            <a:r>
+              <a:rPr i="1"/>
+              <a:t>Relative Supply Shocks, Unobtainium, Walras' Law, and the Coronavirus </a:t>
+            </a:r>
+            <a:r>
+              <a:t>&lt;</a:t>
+            </a:r>
+            <a:r>
+              <a:rPr u="sng">
+                <a:solidFill>
+                  <a:srgbClr val="0000FF"/>
+                </a:solidFill>
+                <a:uFill>
+                  <a:solidFill>
+                    <a:srgbClr val="0000FF"/>
+                  </a:solidFill>
+                </a:uFill>
+                <a:hlinkClick r:id="rId3" invalidUrl="" action="" tgtFrame="" tooltip="" history="1" highlightClick="0" endSnd="0"/>
+              </a:rPr>
+              <a:t>https://worthwhile.typepad.com/worthwhile_canadian_initi/2020/03/relative-supply-shocks-unobtainium-walras-law-and-the-coronavirus.html</a:t>
+            </a:r>
+            <a:r>
+              <a:t>&gt;</a:t>
+            </a:r>
+          </a:p>
+          <a:p>
+            <a:pPr marL="342899" indent="-342899" defTabSz="457200">
+              <a:lnSpc>
+                <a:spcPts val="5200"/>
+              </a:lnSpc>
+              <a:spcBef>
+                <a:spcPts val="1200"/>
+              </a:spcBef>
+              <a:buSzPct val="100000"/>
+              <a:buFont typeface="Arial"/>
+              <a:defRPr>
+                <a:uFill>
+                  <a:solidFill>
+                    <a:srgbClr val="000000"/>
+                  </a:solidFill>
+                </a:uFill>
+                <a:latin typeface="Times New Roman"/>
+                <a:ea typeface="Times New Roman"/>
+                <a:cs typeface="Times New Roman"/>
+                <a:sym typeface="Times New Roman"/>
+              </a:defRPr>
+            </a:pPr>
+            <a:r>
+              <a:rPr b="1"/>
+              <a:t>Jim Stock</a:t>
+            </a:r>
+            <a:r>
+              <a:t> (2020): </a:t>
+            </a:r>
+            <a:r>
+              <a:rPr i="1"/>
+              <a:t>Coronavirus Data Gaps and the Policy Response</a:t>
+            </a:r>
+            <a:r>
+              <a:t> &lt;</a:t>
+            </a:r>
+            <a:r>
+              <a:rPr u="sng">
+                <a:solidFill>
+                  <a:srgbClr val="0000FF"/>
+                </a:solidFill>
+                <a:uFill>
+                  <a:solidFill>
+                    <a:srgbClr val="0000FF"/>
+                  </a:solidFill>
+                </a:uFill>
+                <a:hlinkClick r:id="rId4" invalidUrl="" action="" tgtFrame="" tooltip="" history="1" highlightClick="0" endSnd="0"/>
+              </a:rPr>
+              <a:t>https://drive.google.com/file/d/12MV466ZZy5xHir4xdPhoTrL1oO8CbZU-/view</a:t>
+            </a:r>
+            <a:r>
+              <a:t>&gt;</a:t>
+            </a:r>
+          </a:p>
+        </p:txBody>
+      </p:sp>
+    </p:spTree>
+  </p:cSld>
+  <p:clrMapOvr>
+    <a:masterClrMapping/>
+  </p:clrMapOvr>
+  <p:transition xmlns:p14="http://schemas.microsoft.com/office/powerpoint/2010/main" spd="med" advClick="1"/>
+</p:sld>
+</file>
+
+<file path=ppt/slides/slide23.xml><?xml version="1.0" encoding="utf-8"?>
+<p:sld xmlns:a="http://schemas.openxmlformats.org/drawingml/2006/main" xmlns:r="http://schemas.openxmlformats.org/officeDocument/2006/relationships" xmlns:p="http://schemas.openxmlformats.org/presentationml/2006/main" xmlns:m="http://schemas.openxmlformats.org/officeDocument/2006/math" xmlns:a14="http://schemas.microsoft.com/office/drawing/2010/main" showMasterSp="1" showMasterPhAnim="1">
+  <p:cSld>
+    <p:spTree>
+      <p:nvGrpSpPr>
+        <p:cNvPr id="1" name=""/>
+        <p:cNvGrpSpPr/>
+        <p:nvPr/>
+      </p:nvGrpSpPr>
+      <p:grpSpPr>
+        <a:xfrm>
+          <a:off x="0" y="0"/>
+          <a:ext cx="0" cy="0"/>
+          <a:chOff x="0" y="0"/>
+          <a:chExt cx="0" cy="0"/>
+        </a:xfrm>
+      </p:grpSpPr>
+      <p:sp>
+        <p:nvSpPr>
+          <p:cNvPr id="253" name="About the Course"/>
+          <p:cNvSpPr txBox="1"/>
+          <p:nvPr>
+            <p:ph type="title" idx="4294967295"/>
+          </p:nvPr>
+        </p:nvSpPr>
+        <p:spPr>
+          <a:xfrm>
+            <a:off x="277663" y="-3"/>
+            <a:ext cx="8572501" cy="1267128"/>
+          </a:xfrm>
+          <a:prstGeom prst="rect">
+            <a:avLst/>
+          </a:prstGeom>
+        </p:spPr>
+        <p:txBody>
+          <a:bodyPr lIns="45718" tIns="45718" rIns="45718" bIns="45718"/>
+          <a:lstStyle>
+            <a:lvl1pPr defTabSz="457200">
+              <a:defRPr sz="6000">
+                <a:solidFill>
+                  <a:srgbClr val="000080"/>
+                </a:solidFill>
+                <a:uFill>
+                  <a:solidFill>
+                    <a:srgbClr val="000000"/>
+                  </a:solidFill>
+                </a:uFill>
+              </a:defRPr>
+            </a:lvl1pPr>
+          </a:lstStyle>
+          <a:p>
+            <a:pPr/>
+            <a:r>
+              <a:t>MOAR Coronavirus!</a:t>
+            </a:r>
+          </a:p>
+        </p:txBody>
+      </p:sp>
+      <p:sp>
+        <p:nvSpPr>
+          <p:cNvPr id="254" name="The long 20th century will in all likelihood be seen in the future as the watershed in human experience:…"/>
+          <p:cNvSpPr txBox="1"/>
+          <p:nvPr>
+            <p:ph type="body" idx="4294967295"/>
+          </p:nvPr>
+        </p:nvSpPr>
+        <p:spPr>
+          <a:xfrm>
+            <a:off x="277662" y="1267120"/>
+            <a:ext cx="8572502" cy="5397505"/>
+          </a:xfrm>
+          <a:prstGeom prst="rect">
+            <a:avLst/>
+          </a:prstGeom>
+        </p:spPr>
+        <p:txBody>
+          <a:bodyPr lIns="45718" tIns="45718" rIns="45718" bIns="45718" anchor="t"/>
+          <a:lstStyle/>
+          <a:p>
+            <a:pPr marL="0" indent="0" defTabSz="215976">
+              <a:spcBef>
+                <a:spcPts val="900"/>
+              </a:spcBef>
+              <a:buSzTx/>
+              <a:buNone/>
+              <a:defRPr b="1" sz="2430">
+                <a:uFill>
+                  <a:solidFill>
+                    <a:srgbClr val="000000"/>
+                  </a:solidFill>
+                </a:uFill>
+                <a:latin typeface="+mj-lt"/>
+                <a:ea typeface="+mj-ea"/>
+                <a:cs typeface="+mj-cs"/>
+                <a:sym typeface="Helvetica"/>
+              </a:defRPr>
+            </a:pPr>
+            <a:r>
+              <a:t>What I am watching:</a:t>
+            </a:r>
+          </a:p>
+          <a:p>
+            <a:pPr marL="113671" indent="-113671" defTabSz="215976">
+              <a:spcBef>
+                <a:spcPts val="900"/>
+              </a:spcBef>
+              <a:buSzPct val="100000"/>
+              <a:defRPr b="1" sz="1944">
+                <a:uFill>
+                  <a:solidFill>
+                    <a:srgbClr val="000000"/>
+                  </a:solidFill>
+                </a:uFill>
+                <a:latin typeface="Times New Roman"/>
+                <a:ea typeface="Times New Roman"/>
+                <a:cs typeface="Times New Roman"/>
+                <a:sym typeface="Times New Roman"/>
+              </a:defRPr>
+            </a:pPr>
+            <a:r>
+              <a:t>Max Roser &amp; Hannah Ritchie</a:t>
+            </a:r>
+            <a:r>
+              <a:rPr b="0"/>
+              <a:t>: </a:t>
+            </a:r>
+            <a:r>
+              <a:rPr b="0" i="1"/>
+              <a:t>Coronavirus Disease (COVID-19)</a:t>
+            </a:r>
+            <a:r>
+              <a:rPr b="0"/>
+              <a:t> &lt;</a:t>
+            </a:r>
+            <a:r>
+              <a:rPr b="0" u="sng">
+                <a:solidFill>
+                  <a:srgbClr val="0000FF"/>
+                </a:solidFill>
+                <a:uFill>
+                  <a:solidFill>
+                    <a:srgbClr val="0000FF"/>
+                  </a:solidFill>
+                </a:uFill>
+                <a:hlinkClick r:id="rId2" invalidUrl="" action="" tgtFrame="" tooltip="" history="1" highlightClick="0" endSnd="0"/>
+              </a:rPr>
+              <a:t>https://ourworldindata.org/coronavirus</a:t>
+            </a:r>
+            <a:r>
+              <a:rPr b="0"/>
+              <a:t>&gt;…</a:t>
+            </a:r>
+          </a:p>
+          <a:p>
+            <a:pPr marL="113671" indent="-113671" defTabSz="215976">
+              <a:spcBef>
+                <a:spcPts val="900"/>
+              </a:spcBef>
+              <a:buSzPct val="100000"/>
+              <a:defRPr b="1" sz="1944">
+                <a:uFill>
+                  <a:solidFill>
+                    <a:srgbClr val="000000"/>
+                  </a:solidFill>
+                </a:uFill>
+                <a:latin typeface="Times New Roman"/>
+                <a:ea typeface="Times New Roman"/>
+                <a:cs typeface="Times New Roman"/>
+                <a:sym typeface="Times New Roman"/>
+              </a:defRPr>
+            </a:pPr>
+            <a:r>
+              <a:t>Worldometer</a:t>
+            </a:r>
+            <a:r>
+              <a:rPr b="0"/>
+              <a:t>: </a:t>
+            </a:r>
+            <a:r>
+              <a:rPr b="0" i="1"/>
+              <a:t>Coronavirus Update (Live) </a:t>
+            </a:r>
+            <a:r>
+              <a:rPr b="0"/>
+              <a:t>&lt;</a:t>
+            </a:r>
+            <a:r>
+              <a:rPr b="0" u="sng">
+                <a:solidFill>
+                  <a:srgbClr val="0000FF"/>
+                </a:solidFill>
+                <a:uFill>
+                  <a:solidFill>
+                    <a:srgbClr val="0000FF"/>
+                  </a:solidFill>
+                </a:uFill>
+                <a:hlinkClick r:id="rId3" invalidUrl="" action="" tgtFrame="" tooltip="" history="1" highlightClick="0" endSnd="0"/>
+              </a:rPr>
+              <a:t>https://www.worldometers.info/coronavirus/</a:t>
+            </a:r>
+            <a:r>
+              <a:rPr b="0"/>
+              <a:t>&gt;: ‘125,599 Cases and 4,605 Deaths from COVID-19 Virus Outbreak…</a:t>
+            </a:r>
+          </a:p>
+          <a:p>
+            <a:pPr marL="113671" indent="-113671" defTabSz="215976">
+              <a:spcBef>
+                <a:spcPts val="900"/>
+              </a:spcBef>
+              <a:buSzPct val="100000"/>
+              <a:defRPr i="1" sz="1944">
+                <a:uFill>
+                  <a:solidFill>
+                    <a:srgbClr val="000000"/>
+                  </a:solidFill>
+                </a:uFill>
+                <a:latin typeface="Times New Roman"/>
+                <a:ea typeface="Times New Roman"/>
+                <a:cs typeface="Times New Roman"/>
+                <a:sym typeface="Times New Roman"/>
+              </a:defRPr>
+            </a:pPr>
+            <a:r>
+              <a:t>FT Coronavirus Tracker</a:t>
+            </a:r>
+            <a:r>
+              <a:rPr i="0"/>
+              <a:t> &lt;</a:t>
+            </a:r>
+            <a:r>
+              <a:rPr i="0" u="sng">
+                <a:solidFill>
+                  <a:srgbClr val="0000FF"/>
+                </a:solidFill>
+                <a:uFill>
+                  <a:solidFill>
+                    <a:srgbClr val="0000FF"/>
+                  </a:solidFill>
+                </a:uFill>
+                <a:hlinkClick r:id="rId4" invalidUrl="" action="" tgtFrame="" tooltip="" history="1" highlightClick="0" endSnd="0"/>
+              </a:rPr>
+              <a:t>https://www.ft.com/content/a26fbf7e-48f8-11ea-aeb3-955839e06441</a:t>
+            </a:r>
+            <a:r>
+              <a:rPr i="0"/>
+              <a:t>&gt;</a:t>
+            </a:r>
+            <a:endParaRPr i="0"/>
+          </a:p>
+          <a:p>
+            <a:pPr marL="113671" indent="-113671" defTabSz="215976">
+              <a:spcBef>
+                <a:spcPts val="900"/>
+              </a:spcBef>
+              <a:buSzPct val="100000"/>
+              <a:defRPr i="1" sz="1944">
+                <a:uFill>
+                  <a:solidFill>
+                    <a:srgbClr val="000000"/>
+                  </a:solidFill>
+                </a:uFill>
+                <a:latin typeface="Times New Roman"/>
+                <a:ea typeface="Times New Roman"/>
+                <a:cs typeface="Times New Roman"/>
+                <a:sym typeface="Times New Roman"/>
+              </a:defRPr>
+            </a:pPr>
+            <a:r>
+              <a:rPr i="0"/>
+              <a:t>Josh Marshall’s COVID Twitter List &lt;</a:t>
+            </a:r>
+            <a:r>
+              <a:rPr i="0" u="sng">
+                <a:solidFill>
+                  <a:srgbClr val="0000FF"/>
+                </a:solidFill>
+                <a:uFill>
+                  <a:solidFill>
+                    <a:srgbClr val="0000FF"/>
+                  </a:solidFill>
+                </a:uFill>
+                <a:hlinkClick r:id="rId5" invalidUrl="" action="" tgtFrame="" tooltip="" history="1" highlightClick="0" endSnd="0"/>
+              </a:rPr>
+              <a:t>https://twitter.com/i/lists/1233998285779632128</a:t>
+            </a:r>
+            <a:r>
+              <a:rPr i="0"/>
+              <a:t>&gt;</a:t>
+            </a:r>
+            <a:endParaRPr i="0"/>
+          </a:p>
+          <a:p>
+            <a:pPr marL="113671" indent="-113671" defTabSz="215976">
+              <a:spcBef>
+                <a:spcPts val="900"/>
+              </a:spcBef>
+              <a:buSzPct val="100000"/>
+              <a:defRPr i="1" sz="1944">
+                <a:uFill>
+                  <a:solidFill>
+                    <a:srgbClr val="000000"/>
+                  </a:solidFill>
+                </a:uFill>
+                <a:latin typeface="Times New Roman"/>
+                <a:ea typeface="Times New Roman"/>
+                <a:cs typeface="Times New Roman"/>
+                <a:sym typeface="Times New Roman"/>
+              </a:defRPr>
+            </a:pPr>
+            <a:r>
+              <a:rPr i="0"/>
+              <a:t>NEJM Group: Updates on the Covid-19 Pandemic &lt;</a:t>
+            </a:r>
+            <a:r>
+              <a:rPr u="sng">
+                <a:solidFill>
+                  <a:srgbClr val="0000FF"/>
+                </a:solidFill>
+                <a:uFill>
+                  <a:solidFill>
+                    <a:srgbClr val="0000FF"/>
+                  </a:solidFill>
+                </a:uFill>
+                <a:hlinkClick r:id="rId6" invalidUrl="" action="" tgtFrame="" tooltip="" history="1" highlightClick="0" endSnd="0"/>
+              </a:rPr>
+              <a:t>http://m.n.nejm.org/nl/jsp/m.jsp?c=%40kxNtXckRDOq8oG0jJvAXsIzN4mPECIPhltxoTSdTU9k%3D&amp;cid=DM89089_NEJM_COVID-19_Newsletter&amp;bid=173498255</a:t>
+            </a:r>
+            <a:r>
+              <a:rPr i="0"/>
+              <a:t>&gt;: 'From the New England Journal of Medicine, NEJM Journal Watch, NEJM Catalyst, and other trusted sources...</a:t>
+            </a:r>
+          </a:p>
+        </p:txBody>
+      </p:sp>
+    </p:spTree>
+  </p:cSld>
+  <p:clrMapOvr>
+    <a:masterClrMapping/>
+  </p:clrMapOvr>
+  <p:transition xmlns:p14="http://schemas.microsoft.com/office/powerpoint/2010/main" spd="med" advClick="1"/>
+</p:sld>
+</file>
+
+<file path=ppt/slides/slide24.xml><?xml version="1.0" encoding="utf-8"?>
+<p:sld xmlns:a="http://schemas.openxmlformats.org/drawingml/2006/main" xmlns:r="http://schemas.openxmlformats.org/officeDocument/2006/relationships" xmlns:p="http://schemas.openxmlformats.org/presentationml/2006/main" xmlns:m="http://schemas.openxmlformats.org/officeDocument/2006/math" xmlns:a14="http://schemas.microsoft.com/office/drawing/2010/main" showMasterSp="1" showMasterPhAnim="1">
+  <p:cSld>
+    <p:spTree>
+      <p:nvGrpSpPr>
+        <p:cNvPr id="1" name=""/>
+        <p:cNvGrpSpPr/>
+        <p:nvPr/>
+      </p:nvGrpSpPr>
+      <p:grpSpPr>
+        <a:xfrm>
+          <a:off x="0" y="0"/>
+          <a:ext cx="0" cy="0"/>
+          <a:chOff x="0" y="0"/>
+          <a:chExt cx="0" cy="0"/>
+        </a:xfrm>
+      </p:grpSpPr>
+      <p:sp>
+        <p:nvSpPr>
+          <p:cNvPr id="256" name="Catch Our Breath…"/>
           <p:cNvSpPr txBox="1"/>
           <p:nvPr>
             <p:ph type="title"/>
@@ -9382,8 +9001,8 @@
         </p:nvSpPr>
         <p:spPr>
           <a:xfrm>
-            <a:off x="276457" y="-3"/>
-            <a:ext cx="8572501" cy="1270005"/>
+            <a:off x="276457" y="-1"/>
+            <a:ext cx="8572501" cy="1270001"/>
           </a:xfrm>
           <a:prstGeom prst="rect">
             <a:avLst/>
@@ -9395,14 +9014,14 @@
           <a:p>
             <a:pPr/>
             <a:r>
-              <a:t>Notes</a:t>
+              <a:t>Catch Our Breath…</a:t>
             </a:r>
           </a:p>
         </p:txBody>
       </p:sp>
       <p:sp>
         <p:nvSpPr>
-          <p:cNvPr id="255" name="Ask a couple of questions?…"/>
+          <p:cNvPr id="257" name="Ask a couple of questions?…"/>
           <p:cNvSpPr txBox="1"/>
           <p:nvPr>
             <p:ph type="body" sz="half" idx="1"/>
@@ -9410,6 +9029,1180 @@
         </p:nvSpPr>
         <p:spPr>
           <a:xfrm>
+            <a:off x="276457" y="1270000"/>
+            <a:ext cx="3810001" cy="4762500"/>
+          </a:xfrm>
+          <a:prstGeom prst="rect">
+            <a:avLst/>
+          </a:prstGeom>
+        </p:spPr>
+        <p:txBody>
+          <a:bodyPr anchor="t"/>
+          <a:lstStyle/>
+          <a:p>
+            <a:pPr marL="231139" indent="-231139" defTabSz="320397">
+              <a:spcBef>
+                <a:spcPts val="900"/>
+              </a:spcBef>
+              <a:defRPr sz="1871">
+                <a:latin typeface="Times New Roman"/>
+                <a:ea typeface="Times New Roman"/>
+                <a:cs typeface="Times New Roman"/>
+                <a:sym typeface="Times New Roman"/>
+              </a:defRPr>
+            </a:pPr>
+            <a:r>
+              <a:t>Ask a couple of questions? </a:t>
+            </a:r>
+          </a:p>
+          <a:p>
+            <a:pPr marL="231139" indent="-231139" defTabSz="320397">
+              <a:spcBef>
+                <a:spcPts val="900"/>
+              </a:spcBef>
+              <a:defRPr sz="1871">
+                <a:latin typeface="Times New Roman"/>
+                <a:ea typeface="Times New Roman"/>
+                <a:cs typeface="Times New Roman"/>
+                <a:sym typeface="Times New Roman"/>
+              </a:defRPr>
+            </a:pPr>
+            <a:r>
+              <a:t>Make a couple of comments?</a:t>
+            </a:r>
+          </a:p>
+          <a:p>
+            <a:pPr marL="231139" indent="-231139" defTabSz="320397">
+              <a:spcBef>
+                <a:spcPts val="900"/>
+              </a:spcBef>
+              <a:defRPr sz="1871">
+                <a:latin typeface="Times New Roman"/>
+                <a:ea typeface="Times New Roman"/>
+                <a:cs typeface="Times New Roman"/>
+                <a:sym typeface="Times New Roman"/>
+              </a:defRPr>
+            </a:pPr>
+            <a:r>
+              <a:t>Any more readings to recommend?</a:t>
+            </a:r>
+          </a:p>
+          <a:p>
+            <a:pPr marL="0" indent="0" defTabSz="320397">
+              <a:spcBef>
+                <a:spcPts val="900"/>
+              </a:spcBef>
+              <a:buSzTx/>
+              <a:buNone/>
+              <a:defRPr sz="1871">
+                <a:latin typeface="Times New Roman"/>
+                <a:ea typeface="Times New Roman"/>
+                <a:cs typeface="Times New Roman"/>
+                <a:sym typeface="Times New Roman"/>
+              </a:defRPr>
+            </a:pPr>
+          </a:p>
+          <a:p>
+            <a:pPr marL="0" indent="0" defTabSz="320397">
+              <a:spcBef>
+                <a:spcPts val="900"/>
+              </a:spcBef>
+              <a:buSzTx/>
+              <a:buNone/>
+              <a:defRPr sz="1871">
+                <a:latin typeface="Times New Roman"/>
+                <a:ea typeface="Times New Roman"/>
+                <a:cs typeface="Times New Roman"/>
+                <a:sym typeface="Times New Roman"/>
+              </a:defRPr>
+            </a:pPr>
+          </a:p>
+          <a:p>
+            <a:pPr marL="0" indent="0" defTabSz="320397">
+              <a:spcBef>
+                <a:spcPts val="900"/>
+              </a:spcBef>
+              <a:buSzTx/>
+              <a:buNone/>
+              <a:defRPr sz="1871">
+                <a:latin typeface="Times New Roman"/>
+                <a:ea typeface="Times New Roman"/>
+                <a:cs typeface="Times New Roman"/>
+                <a:sym typeface="Times New Roman"/>
+              </a:defRPr>
+            </a:pPr>
+          </a:p>
+          <a:p>
+            <a:pPr marL="0" indent="0" defTabSz="320397">
+              <a:spcBef>
+                <a:spcPts val="900"/>
+              </a:spcBef>
+              <a:buSzTx/>
+              <a:buNone/>
+              <a:defRPr sz="1871">
+                <a:latin typeface="Times New Roman"/>
+                <a:ea typeface="Times New Roman"/>
+                <a:cs typeface="Times New Roman"/>
+                <a:sym typeface="Times New Roman"/>
+              </a:defRPr>
+            </a:pPr>
+          </a:p>
+          <a:p>
+            <a:pPr marL="0" indent="0" defTabSz="320397">
+              <a:spcBef>
+                <a:spcPts val="900"/>
+              </a:spcBef>
+              <a:buSzTx/>
+              <a:buNone/>
+              <a:defRPr sz="1871">
+                <a:latin typeface="Times New Roman"/>
+                <a:ea typeface="Times New Roman"/>
+                <a:cs typeface="Times New Roman"/>
+                <a:sym typeface="Times New Roman"/>
+              </a:defRPr>
+            </a:pPr>
+          </a:p>
+          <a:p>
+            <a:pPr marL="0" indent="0" defTabSz="320397">
+              <a:spcBef>
+                <a:spcPts val="900"/>
+              </a:spcBef>
+              <a:buSzTx/>
+              <a:buNone/>
+              <a:defRPr sz="1871">
+                <a:latin typeface="Times New Roman"/>
+                <a:ea typeface="Times New Roman"/>
+                <a:cs typeface="Times New Roman"/>
+                <a:sym typeface="Times New Roman"/>
+              </a:defRPr>
+            </a:pPr>
+          </a:p>
+          <a:p>
+            <a:pPr marL="0" indent="0" defTabSz="320397">
+              <a:spcBef>
+                <a:spcPts val="900"/>
+              </a:spcBef>
+              <a:buSzTx/>
+              <a:buNone/>
+              <a:defRPr sz="1871">
+                <a:latin typeface="Times New Roman"/>
+                <a:ea typeface="Times New Roman"/>
+                <a:cs typeface="Times New Roman"/>
+                <a:sym typeface="Times New Roman"/>
+              </a:defRPr>
+            </a:pPr>
+          </a:p>
+          <a:p>
+            <a:pPr marL="231139" indent="-231139" defTabSz="320397">
+              <a:spcBef>
+                <a:spcPts val="900"/>
+              </a:spcBef>
+              <a:defRPr sz="1871">
+                <a:latin typeface="Times New Roman"/>
+                <a:ea typeface="Times New Roman"/>
+                <a:cs typeface="Times New Roman"/>
+                <a:sym typeface="Times New Roman"/>
+              </a:defRPr>
+            </a:pPr>
+            <a:r>
+              <a:t>&lt;</a:t>
+            </a:r>
+            <a:r>
+              <a:rPr u="sng">
+                <a:solidFill>
+                  <a:srgbClr val="0000FF"/>
+                </a:solidFill>
+                <a:uFill>
+                  <a:solidFill>
+                    <a:srgbClr val="0000FF"/>
+                  </a:solidFill>
+                </a:uFill>
+                <a:hlinkClick r:id="rId2" invalidUrl="" action="" tgtFrame="" tooltip="" history="1" highlightClick="0" endSnd="0"/>
+              </a:rPr>
+              <a:t>https://www.icloud.com/keynote/0YKEi7HeOrVGvKYtt9FEqH7nA</a:t>
+            </a:r>
+            <a:r>
+              <a:t>&gt;</a:t>
+            </a:r>
+          </a:p>
+        </p:txBody>
+      </p:sp>
+      <p:pic>
+        <p:nvPicPr>
+          <p:cNvPr id="258" name="image1.tif" descr="image1.tif"/>
+          <p:cNvPicPr>
+            <a:picLocks noChangeAspect="1"/>
+          </p:cNvPicPr>
+          <p:nvPr/>
+        </p:nvPicPr>
+        <p:blipFill>
+          <a:blip r:embed="rId3">
+            <a:extLst/>
+          </a:blip>
+          <a:stretch>
+            <a:fillRect/>
+          </a:stretch>
+        </p:blipFill>
+        <p:spPr>
+          <a:xfrm>
+            <a:off x="4086457" y="1270000"/>
+            <a:ext cx="4762501" cy="4762500"/>
+          </a:xfrm>
+          <a:prstGeom prst="rect">
+            <a:avLst/>
+          </a:prstGeom>
+          <a:ln w="12700">
+            <a:miter lim="400000"/>
+          </a:ln>
+        </p:spPr>
+      </p:pic>
+      <p:sp>
+        <p:nvSpPr>
+          <p:cNvPr id="259" name="Rectangle"/>
+          <p:cNvSpPr txBox="1"/>
+          <p:nvPr/>
+        </p:nvSpPr>
+        <p:spPr>
+          <a:xfrm>
+            <a:off x="276457" y="6032500"/>
+            <a:ext cx="8572501" cy="635000"/>
+          </a:xfrm>
+          <a:prstGeom prst="rect">
+            <a:avLst/>
+          </a:prstGeom>
+          <a:ln w="12700">
+            <a:miter lim="400000"/>
+          </a:ln>
+        </p:spPr>
+        <p:txBody>
+          <a:bodyPr lIns="35718" tIns="35718" rIns="35718" bIns="35718" anchor="b">
+            <a:normAutofit fontScale="100000" lnSpcReduction="0"/>
+          </a:bodyPr>
+          <a:lstStyle/>
+          <a:p>
+            <a:pPr algn="ctr">
+              <a:spcBef>
+                <a:spcPts val="1200"/>
+              </a:spcBef>
+              <a:defRPr sz="1200">
+                <a:latin typeface="Calibri"/>
+                <a:ea typeface="Calibri"/>
+                <a:cs typeface="Calibri"/>
+                <a:sym typeface="Calibri"/>
+              </a:defRPr>
+            </a:pPr>
+          </a:p>
+        </p:txBody>
+      </p:sp>
+    </p:spTree>
+  </p:cSld>
+  <p:clrMapOvr>
+    <a:masterClrMapping/>
+  </p:clrMapOvr>
+  <p:transition xmlns:p14="http://schemas.microsoft.com/office/powerpoint/2010/main" spd="med" advClick="1"/>
+</p:sld>
+</file>
+
+<file path=ppt/slides/slide25.xml><?xml version="1.0" encoding="utf-8"?>
+<p:sld xmlns:a="http://schemas.openxmlformats.org/drawingml/2006/main" xmlns:r="http://schemas.openxmlformats.org/officeDocument/2006/relationships" xmlns:p="http://schemas.openxmlformats.org/presentationml/2006/main" xmlns:m="http://schemas.openxmlformats.org/officeDocument/2006/math" xmlns:a14="http://schemas.microsoft.com/office/drawing/2010/main" showMasterSp="1" showMasterPhAnim="1">
+  <p:cSld>
+    <p:spTree>
+      <p:nvGrpSpPr>
+        <p:cNvPr id="1" name=""/>
+        <p:cNvGrpSpPr/>
+        <p:nvPr/>
+      </p:nvGrpSpPr>
+      <p:grpSpPr>
+        <a:xfrm>
+          <a:off x="0" y="0"/>
+          <a:ext cx="0" cy="0"/>
+          <a:chOff x="0" y="0"/>
+          <a:chExt cx="0" cy="0"/>
+        </a:xfrm>
+      </p:grpSpPr>
+      <p:sp>
+        <p:nvSpPr>
+          <p:cNvPr id="261" name="About the Course"/>
+          <p:cNvSpPr txBox="1"/>
+          <p:nvPr>
+            <p:ph type="title" idx="4294967295"/>
+          </p:nvPr>
+        </p:nvSpPr>
+        <p:spPr>
+          <a:xfrm>
+            <a:off x="277663" y="-3"/>
+            <a:ext cx="8572501" cy="1267128"/>
+          </a:xfrm>
+          <a:prstGeom prst="rect">
+            <a:avLst/>
+          </a:prstGeom>
+        </p:spPr>
+        <p:txBody>
+          <a:bodyPr lIns="45718" tIns="45718" rIns="45718" bIns="45718"/>
+          <a:lstStyle>
+            <a:lvl1pPr defTabSz="410764">
+              <a:defRPr>
+                <a:solidFill>
+                  <a:srgbClr val="000080"/>
+                </a:solidFill>
+              </a:defRPr>
+            </a:lvl1pPr>
+          </a:lstStyle>
+          <a:p>
+            <a:pPr/>
+            <a:r>
+              <a:t>Coronavirus! (March 16)</a:t>
+            </a:r>
+          </a:p>
+        </p:txBody>
+      </p:sp>
+      <p:sp>
+        <p:nvSpPr>
+          <p:cNvPr id="262" name="The long 20th century will in all likelihood be seen in the future as the watershed in human experience:…"/>
+          <p:cNvSpPr txBox="1"/>
+          <p:nvPr>
+            <p:ph type="body" idx="4294967295"/>
+          </p:nvPr>
+        </p:nvSpPr>
+        <p:spPr>
+          <a:xfrm>
+            <a:off x="277663" y="1267120"/>
+            <a:ext cx="8572501" cy="5397505"/>
+          </a:xfrm>
+          <a:prstGeom prst="rect">
+            <a:avLst/>
+          </a:prstGeom>
+        </p:spPr>
+        <p:txBody>
+          <a:bodyPr lIns="45718" tIns="45718" rIns="45718" bIns="45718" anchor="t"/>
+          <a:lstStyle/>
+          <a:p>
+            <a:pPr marL="0" indent="0" defTabSz="340704">
+              <a:spcBef>
+                <a:spcPts val="800"/>
+              </a:spcBef>
+              <a:buSzTx/>
+              <a:buNone/>
+              <a:defRPr b="1" sz="1748">
+                <a:uFill>
+                  <a:solidFill>
+                    <a:srgbClr val="000000"/>
+                  </a:solidFill>
+                </a:uFill>
+                <a:latin typeface="+mj-lt"/>
+                <a:ea typeface="+mj-ea"/>
+                <a:cs typeface="+mj-cs"/>
+                <a:sym typeface="Helvetica"/>
+              </a:defRPr>
+            </a:pPr>
+            <a:r>
+              <a:rPr strike="sngStrike"/>
+              <a:t>With 31 deaths in the U.S. as of March 11, a 1% death rate, and up to 4 weeks between infection and death, that means that as of Feb 12 there were 3100 coronavirus cases in the United States</a:t>
+            </a:r>
+            <a:r>
+              <a:t>. </a:t>
+            </a:r>
+          </a:p>
+          <a:p>
+            <a:pPr marL="0" indent="0" defTabSz="340704">
+              <a:spcBef>
+                <a:spcPts val="800"/>
+              </a:spcBef>
+              <a:buSzTx/>
+              <a:buNone/>
+              <a:defRPr b="1" sz="1748">
+                <a:uFill>
+                  <a:solidFill>
+                    <a:srgbClr val="000000"/>
+                  </a:solidFill>
+                </a:uFill>
+                <a:latin typeface="+mj-lt"/>
+                <a:ea typeface="+mj-ea"/>
+                <a:cs typeface="+mj-cs"/>
+                <a:sym typeface="Helvetica"/>
+              </a:defRPr>
+            </a:pPr>
+            <a:r>
+              <a:t>With 87 deaths in the U.S. as of Mar 16, a 1% death rate, and up to 4 weeks between infection and death, that means that as of Feb 17 there were 8700 coronavirus cases in the United States</a:t>
+            </a:r>
+            <a:endParaRPr strike="sngStrike"/>
+          </a:p>
+          <a:p>
+            <a:pPr marL="0" indent="0" defTabSz="340704">
+              <a:spcBef>
+                <a:spcPts val="800"/>
+              </a:spcBef>
+              <a:buSzTx/>
+              <a:buNone/>
+              <a:defRPr b="1" sz="1748">
+                <a:uFill>
+                  <a:solidFill>
+                    <a:srgbClr val="000000"/>
+                  </a:solidFill>
+                </a:uFill>
+                <a:latin typeface="+mj-lt"/>
+                <a:ea typeface="+mj-ea"/>
+                <a:cs typeface="+mj-cs"/>
+                <a:sym typeface="Helvetica"/>
+              </a:defRPr>
+            </a:pPr>
+            <a:r>
+              <a:t>If it is doubling every seven days, then now about 150,000 people have and in the next week about 150,000 more people in the U.S. will catch coronavirus—which means 1/2200, currently 3500 of the 7.6 million inhabitants of San Francisco Bay. Touch a hard surface that any of those 3500 has touched in the last 48 hours, and the virus has a chance to jump to you…</a:t>
+            </a:r>
+          </a:p>
+          <a:p>
+            <a:pPr marL="0" indent="0" defTabSz="340704">
+              <a:spcBef>
+                <a:spcPts val="800"/>
+              </a:spcBef>
+              <a:buSzTx/>
+              <a:buNone/>
+              <a:defRPr b="1" sz="1748">
+                <a:uFill>
+                  <a:solidFill>
+                    <a:srgbClr val="000000"/>
+                  </a:solidFill>
+                </a:uFill>
+                <a:latin typeface="+mj-lt"/>
+                <a:ea typeface="+mj-ea"/>
+                <a:cs typeface="+mj-cs"/>
+                <a:sym typeface="Helvetica"/>
+              </a:defRPr>
+            </a:pPr>
+          </a:p>
+          <a:p>
+            <a:pPr marL="0" indent="0" defTabSz="340704">
+              <a:spcBef>
+                <a:spcPts val="800"/>
+              </a:spcBef>
+              <a:buSzTx/>
+              <a:buNone/>
+              <a:defRPr b="1" sz="1748">
+                <a:uFill>
+                  <a:solidFill>
+                    <a:srgbClr val="000000"/>
+                  </a:solidFill>
+                </a:uFill>
+                <a:latin typeface="+mj-lt"/>
+                <a:ea typeface="+mj-ea"/>
+                <a:cs typeface="+mj-cs"/>
+                <a:sym typeface="Helvetica"/>
+              </a:defRPr>
+            </a:pPr>
+            <a:r>
+              <a:t>These numbers could be five times too big. These numbers are probably not five times too small unless the thing is a lot less deadly, and there are a lot of asymptomatic cases…</a:t>
+            </a:r>
+          </a:p>
+          <a:p>
+            <a:pPr marL="0" indent="0" defTabSz="340704">
+              <a:spcBef>
+                <a:spcPts val="800"/>
+              </a:spcBef>
+              <a:buSzTx/>
+              <a:buNone/>
+              <a:defRPr b="1" sz="1748">
+                <a:uFill>
+                  <a:solidFill>
+                    <a:srgbClr val="000000"/>
+                  </a:solidFill>
+                </a:uFill>
+                <a:latin typeface="+mj-lt"/>
+                <a:ea typeface="+mj-ea"/>
+                <a:cs typeface="+mj-cs"/>
+                <a:sym typeface="Helvetica"/>
+              </a:defRPr>
+            </a:pPr>
+          </a:p>
+          <a:p>
+            <a:pPr marL="179317" indent="-179317" defTabSz="340704">
+              <a:spcBef>
+                <a:spcPts val="800"/>
+              </a:spcBef>
+              <a:buSzPct val="100000"/>
+              <a:defRPr sz="1748">
+                <a:uFill>
+                  <a:solidFill>
+                    <a:srgbClr val="000000"/>
+                  </a:solidFill>
+                </a:uFill>
+                <a:latin typeface="Times New Roman"/>
+                <a:ea typeface="Times New Roman"/>
+                <a:cs typeface="Times New Roman"/>
+                <a:sym typeface="Times New Roman"/>
+              </a:defRPr>
+            </a:pPr>
+            <a:r>
+              <a:t>What is wrong with this analysis?</a:t>
+            </a:r>
+          </a:p>
+        </p:txBody>
+      </p:sp>
+    </p:spTree>
+  </p:cSld>
+  <p:clrMapOvr>
+    <a:masterClrMapping/>
+  </p:clrMapOvr>
+  <p:transition xmlns:p14="http://schemas.microsoft.com/office/powerpoint/2010/main" spd="med" advClick="1"/>
+</p:sld>
+</file>
+
+<file path=ppt/slides/slide26.xml><?xml version="1.0" encoding="utf-8"?>
+<p:sld xmlns:a="http://schemas.openxmlformats.org/drawingml/2006/main" xmlns:r="http://schemas.openxmlformats.org/officeDocument/2006/relationships" xmlns:p="http://schemas.openxmlformats.org/presentationml/2006/main" xmlns:m="http://schemas.openxmlformats.org/officeDocument/2006/math" xmlns:a14="http://schemas.microsoft.com/office/drawing/2010/main" showMasterSp="1" showMasterPhAnim="1">
+  <p:cSld>
+    <p:spTree>
+      <p:nvGrpSpPr>
+        <p:cNvPr id="1" name=""/>
+        <p:cNvGrpSpPr/>
+        <p:nvPr/>
+      </p:nvGrpSpPr>
+      <p:grpSpPr>
+        <a:xfrm>
+          <a:off x="0" y="0"/>
+          <a:ext cx="0" cy="0"/>
+          <a:chOff x="0" y="0"/>
+          <a:chExt cx="0" cy="0"/>
+        </a:xfrm>
+      </p:grpSpPr>
+      <p:sp>
+        <p:nvSpPr>
+          <p:cNvPr id="264" name="About the Course"/>
+          <p:cNvSpPr txBox="1"/>
+          <p:nvPr>
+            <p:ph type="title" idx="4294967295"/>
+          </p:nvPr>
+        </p:nvSpPr>
+        <p:spPr>
+          <a:xfrm>
+            <a:off x="277663" y="139697"/>
+            <a:ext cx="8572502" cy="1267128"/>
+          </a:xfrm>
+          <a:prstGeom prst="rect">
+            <a:avLst/>
+          </a:prstGeom>
+        </p:spPr>
+        <p:txBody>
+          <a:bodyPr lIns="45718" tIns="45718" rIns="45718" bIns="45718"/>
+          <a:lstStyle>
+            <a:lvl1pPr defTabSz="457200">
+              <a:defRPr sz="6000">
+                <a:solidFill>
+                  <a:srgbClr val="000080"/>
+                </a:solidFill>
+                <a:uFill>
+                  <a:solidFill>
+                    <a:srgbClr val="000000"/>
+                  </a:solidFill>
+                </a:uFill>
+              </a:defRPr>
+            </a:lvl1pPr>
+          </a:lstStyle>
+          <a:p>
+            <a:pPr/>
+            <a:r>
+              <a:t>MOAR Coronavirus!</a:t>
+            </a:r>
+          </a:p>
+        </p:txBody>
+      </p:sp>
+      <p:sp>
+        <p:nvSpPr>
+          <p:cNvPr id="265" name="The long 20th century will in all likelihood be seen in the future as the watershed in human experience:…"/>
+          <p:cNvSpPr txBox="1"/>
+          <p:nvPr>
+            <p:ph type="body" sz="quarter" idx="4294967295"/>
+          </p:nvPr>
+        </p:nvSpPr>
+        <p:spPr>
+          <a:xfrm>
+            <a:off x="277663" y="1267121"/>
+            <a:ext cx="5024783" cy="2296266"/>
+          </a:xfrm>
+          <a:prstGeom prst="rect">
+            <a:avLst/>
+          </a:prstGeom>
+        </p:spPr>
+        <p:txBody>
+          <a:bodyPr lIns="45718" tIns="45718" rIns="45718" bIns="45718" anchor="t"/>
+          <a:lstStyle/>
+          <a:p>
+            <a:pPr marL="0" indent="0" defTabSz="323298">
+              <a:spcBef>
+                <a:spcPts val="700"/>
+              </a:spcBef>
+              <a:buSzTx/>
+              <a:buNone/>
+              <a:defRPr b="1" sz="1619">
+                <a:uFill>
+                  <a:solidFill>
+                    <a:srgbClr val="000000"/>
+                  </a:solidFill>
+                </a:uFill>
+                <a:latin typeface="+mj-lt"/>
+                <a:ea typeface="+mj-ea"/>
+                <a:cs typeface="+mj-cs"/>
+                <a:sym typeface="Helvetica"/>
+              </a:defRPr>
+            </a:pPr>
+            <a:r>
+              <a:t>As of March 21: Things are not moving in the right direction:</a:t>
+            </a:r>
+          </a:p>
+          <a:p>
+            <a:pPr marL="170156" indent="-170156" defTabSz="323298">
+              <a:spcBef>
+                <a:spcPts val="700"/>
+              </a:spcBef>
+              <a:buSzPct val="100000"/>
+              <a:defRPr sz="1619">
+                <a:uFill>
+                  <a:solidFill>
+                    <a:srgbClr val="000000"/>
+                  </a:solidFill>
+                </a:uFill>
+                <a:latin typeface="Times New Roman"/>
+                <a:ea typeface="Times New Roman"/>
+                <a:cs typeface="Times New Roman"/>
+                <a:sym typeface="Times New Roman"/>
+              </a:defRPr>
+            </a:pPr>
+            <a:r>
+              <a:t>What is the R</a:t>
+            </a:r>
+            <a:r>
+              <a:rPr baseline="-5998"/>
+              <a:t>0</a:t>
+            </a:r>
+            <a:r>
+              <a:t>?</a:t>
+            </a:r>
+          </a:p>
+          <a:p>
+            <a:pPr marL="170156" indent="-170156" defTabSz="323298">
+              <a:spcBef>
+                <a:spcPts val="700"/>
+              </a:spcBef>
+              <a:buSzPct val="100000"/>
+              <a:defRPr sz="1619">
+                <a:uFill>
+                  <a:solidFill>
+                    <a:srgbClr val="000000"/>
+                  </a:solidFill>
+                </a:uFill>
+                <a:latin typeface="Times New Roman"/>
+                <a:ea typeface="Times New Roman"/>
+                <a:cs typeface="Times New Roman"/>
+                <a:sym typeface="Times New Roman"/>
+              </a:defRPr>
+            </a:pPr>
+            <a:r>
+              <a:t>How can the R</a:t>
+            </a:r>
+            <a:r>
+              <a:rPr baseline="-5998"/>
+              <a:t>0</a:t>
+            </a:r>
+            <a:r>
+              <a:t> be changed?</a:t>
+            </a:r>
+          </a:p>
+          <a:p>
+            <a:pPr marL="170156" indent="-170156" defTabSz="323298">
+              <a:spcBef>
+                <a:spcPts val="700"/>
+              </a:spcBef>
+              <a:buSzPct val="100000"/>
+              <a:defRPr sz="1619">
+                <a:uFill>
+                  <a:solidFill>
+                    <a:srgbClr val="000000"/>
+                  </a:solidFill>
+                </a:uFill>
+                <a:latin typeface="Times New Roman"/>
+                <a:ea typeface="Times New Roman"/>
+                <a:cs typeface="Times New Roman"/>
+                <a:sym typeface="Times New Roman"/>
+              </a:defRPr>
+            </a:pPr>
+            <a:r>
+              <a:t>How will the R</a:t>
+            </a:r>
+            <a:r>
+              <a:rPr baseline="-5998"/>
+              <a:t>0</a:t>
+            </a:r>
+            <a:r>
+              <a:t> change?</a:t>
+            </a:r>
+          </a:p>
+          <a:p>
+            <a:pPr marL="170156" indent="-170156" defTabSz="323298">
+              <a:spcBef>
+                <a:spcPts val="700"/>
+              </a:spcBef>
+              <a:buSzPct val="100000"/>
+              <a:defRPr sz="1619">
+                <a:uFill>
+                  <a:solidFill>
+                    <a:srgbClr val="000000"/>
+                  </a:solidFill>
+                </a:uFill>
+                <a:latin typeface="Times New Roman"/>
+                <a:ea typeface="Times New Roman"/>
+                <a:cs typeface="Times New Roman"/>
+                <a:sym typeface="Times New Roman"/>
+              </a:defRPr>
+            </a:pPr>
+            <a:r>
+              <a:t>What is the asymptote share of the population?</a:t>
+            </a:r>
+          </a:p>
+          <a:p>
+            <a:pPr marL="170156" indent="-170156" defTabSz="323298">
+              <a:spcBef>
+                <a:spcPts val="700"/>
+              </a:spcBef>
+              <a:buSzPct val="100000"/>
+              <a:defRPr sz="1619">
+                <a:uFill>
+                  <a:solidFill>
+                    <a:srgbClr val="000000"/>
+                  </a:solidFill>
+                </a:uFill>
+                <a:latin typeface="Times New Roman"/>
+                <a:ea typeface="Times New Roman"/>
+                <a:cs typeface="Times New Roman"/>
+                <a:sym typeface="Times New Roman"/>
+              </a:defRPr>
+            </a:pPr>
+            <a:r>
+              <a:t>What is the mortality rate?</a:t>
+            </a:r>
+          </a:p>
+        </p:txBody>
+      </p:sp>
+      <p:pic>
+        <p:nvPicPr>
+          <p:cNvPr id="266" name="Image" descr="Image"/>
+          <p:cNvPicPr>
+            <a:picLocks noChangeAspect="1"/>
+          </p:cNvPicPr>
+          <p:nvPr/>
+        </p:nvPicPr>
+        <p:blipFill>
+          <a:blip r:embed="rId2">
+            <a:extLst/>
+          </a:blip>
+          <a:stretch>
+            <a:fillRect/>
+          </a:stretch>
+        </p:blipFill>
+        <p:spPr>
+          <a:xfrm>
+            <a:off x="5302445" y="1267121"/>
+            <a:ext cx="3690465" cy="4647506"/>
+          </a:xfrm>
+          <a:prstGeom prst="rect">
+            <a:avLst/>
+          </a:prstGeom>
+          <a:ln w="12700">
+            <a:miter lim="400000"/>
+          </a:ln>
+        </p:spPr>
+      </p:pic>
+      <p:pic>
+        <p:nvPicPr>
+          <p:cNvPr id="267" name="Image" descr="Image"/>
+          <p:cNvPicPr>
+            <a:picLocks noChangeAspect="1"/>
+          </p:cNvPicPr>
+          <p:nvPr/>
+        </p:nvPicPr>
+        <p:blipFill>
+          <a:blip r:embed="rId3">
+            <a:extLst/>
+          </a:blip>
+          <a:stretch>
+            <a:fillRect/>
+          </a:stretch>
+        </p:blipFill>
+        <p:spPr>
+          <a:xfrm>
+            <a:off x="277663" y="4017610"/>
+            <a:ext cx="4467385" cy="2662739"/>
+          </a:xfrm>
+          <a:prstGeom prst="rect">
+            <a:avLst/>
+          </a:prstGeom>
+          <a:ln w="12700">
+            <a:miter lim="400000"/>
+          </a:ln>
+        </p:spPr>
+      </p:pic>
+    </p:spTree>
+  </p:cSld>
+  <p:clrMapOvr>
+    <a:masterClrMapping/>
+  </p:clrMapOvr>
+  <p:transition xmlns:p14="http://schemas.microsoft.com/office/powerpoint/2010/main" spd="med" advClick="1"/>
+</p:sld>
+</file>
+
+<file path=ppt/slides/slide27.xml><?xml version="1.0" encoding="utf-8"?>
+<p:sld xmlns:a="http://schemas.openxmlformats.org/drawingml/2006/main" xmlns:r="http://schemas.openxmlformats.org/officeDocument/2006/relationships" xmlns:p="http://schemas.openxmlformats.org/presentationml/2006/main" xmlns:m="http://schemas.openxmlformats.org/officeDocument/2006/math" xmlns:a14="http://schemas.microsoft.com/office/drawing/2010/main" showMasterSp="1" showMasterPhAnim="1">
+  <p:cSld>
+    <p:spTree>
+      <p:nvGrpSpPr>
+        <p:cNvPr id="1" name=""/>
+        <p:cNvGrpSpPr/>
+        <p:nvPr/>
+      </p:nvGrpSpPr>
+      <p:grpSpPr>
+        <a:xfrm>
+          <a:off x="0" y="0"/>
+          <a:ext cx="0" cy="0"/>
+          <a:chOff x="0" y="0"/>
+          <a:chExt cx="0" cy="0"/>
+        </a:xfrm>
+      </p:grpSpPr>
+      <p:sp>
+        <p:nvSpPr>
+          <p:cNvPr id="269" name="About the Course"/>
+          <p:cNvSpPr txBox="1"/>
+          <p:nvPr>
+            <p:ph type="title" idx="4294967295"/>
+          </p:nvPr>
+        </p:nvSpPr>
+        <p:spPr>
+          <a:xfrm>
+            <a:off x="277663" y="-3"/>
+            <a:ext cx="8572501" cy="1267128"/>
+          </a:xfrm>
+          <a:prstGeom prst="rect">
+            <a:avLst/>
+          </a:prstGeom>
+        </p:spPr>
+        <p:txBody>
+          <a:bodyPr lIns="45718" tIns="45718" rIns="45718" bIns="45718"/>
+          <a:lstStyle>
+            <a:lvl1pPr defTabSz="457200">
+              <a:defRPr sz="6000">
+                <a:solidFill>
+                  <a:srgbClr val="000080"/>
+                </a:solidFill>
+                <a:uFill>
+                  <a:solidFill>
+                    <a:srgbClr val="000000"/>
+                  </a:solidFill>
+                </a:uFill>
+              </a:defRPr>
+            </a:lvl1pPr>
+          </a:lstStyle>
+          <a:p>
+            <a:pPr/>
+            <a:r>
+              <a:t>MOAR Coronavirus!</a:t>
+            </a:r>
+          </a:p>
+        </p:txBody>
+      </p:sp>
+      <p:sp>
+        <p:nvSpPr>
+          <p:cNvPr id="270" name="The long 20th century will in all likelihood be seen in the future as the watershed in human experience:…"/>
+          <p:cNvSpPr txBox="1"/>
+          <p:nvPr>
+            <p:ph type="body" sz="quarter" idx="4294967295"/>
+          </p:nvPr>
+        </p:nvSpPr>
+        <p:spPr>
+          <a:xfrm>
+            <a:off x="277663" y="1267121"/>
+            <a:ext cx="5024783" cy="2296266"/>
+          </a:xfrm>
+          <a:prstGeom prst="rect">
+            <a:avLst/>
+          </a:prstGeom>
+        </p:spPr>
+        <p:txBody>
+          <a:bodyPr lIns="45718" tIns="45718" rIns="45718" bIns="45718" anchor="t"/>
+          <a:lstStyle/>
+          <a:p>
+            <a:pPr marL="0" indent="0" defTabSz="323298">
+              <a:spcBef>
+                <a:spcPts val="700"/>
+              </a:spcBef>
+              <a:buSzTx/>
+              <a:buNone/>
+              <a:defRPr b="1" sz="1619">
+                <a:uFill>
+                  <a:solidFill>
+                    <a:srgbClr val="000000"/>
+                  </a:solidFill>
+                </a:uFill>
+                <a:latin typeface="+mj-lt"/>
+                <a:ea typeface="+mj-ea"/>
+                <a:cs typeface="+mj-cs"/>
+                <a:sym typeface="Helvetica"/>
+              </a:defRPr>
+            </a:pPr>
+            <a:r>
+              <a:t>As of March 10: Things are not moving in the right direction:</a:t>
+            </a:r>
+          </a:p>
+          <a:p>
+            <a:pPr marL="170156" indent="-170156" defTabSz="323298">
+              <a:spcBef>
+                <a:spcPts val="700"/>
+              </a:spcBef>
+              <a:buSzPct val="100000"/>
+              <a:defRPr sz="1619">
+                <a:uFill>
+                  <a:solidFill>
+                    <a:srgbClr val="000000"/>
+                  </a:solidFill>
+                </a:uFill>
+                <a:latin typeface="Times New Roman"/>
+                <a:ea typeface="Times New Roman"/>
+                <a:cs typeface="Times New Roman"/>
+                <a:sym typeface="Times New Roman"/>
+              </a:defRPr>
+            </a:pPr>
+            <a:r>
+              <a:t>What is the R</a:t>
+            </a:r>
+            <a:r>
+              <a:rPr baseline="-5998"/>
+              <a:t>0</a:t>
+            </a:r>
+            <a:r>
+              <a:t>?</a:t>
+            </a:r>
+          </a:p>
+          <a:p>
+            <a:pPr marL="170156" indent="-170156" defTabSz="323298">
+              <a:spcBef>
+                <a:spcPts val="700"/>
+              </a:spcBef>
+              <a:buSzPct val="100000"/>
+              <a:defRPr sz="1619">
+                <a:uFill>
+                  <a:solidFill>
+                    <a:srgbClr val="000000"/>
+                  </a:solidFill>
+                </a:uFill>
+                <a:latin typeface="Times New Roman"/>
+                <a:ea typeface="Times New Roman"/>
+                <a:cs typeface="Times New Roman"/>
+                <a:sym typeface="Times New Roman"/>
+              </a:defRPr>
+            </a:pPr>
+            <a:r>
+              <a:t>How can the R</a:t>
+            </a:r>
+            <a:r>
+              <a:rPr baseline="-5998"/>
+              <a:t>0</a:t>
+            </a:r>
+            <a:r>
+              <a:t> be changed?</a:t>
+            </a:r>
+          </a:p>
+          <a:p>
+            <a:pPr marL="170156" indent="-170156" defTabSz="323298">
+              <a:spcBef>
+                <a:spcPts val="700"/>
+              </a:spcBef>
+              <a:buSzPct val="100000"/>
+              <a:defRPr sz="1619">
+                <a:uFill>
+                  <a:solidFill>
+                    <a:srgbClr val="000000"/>
+                  </a:solidFill>
+                </a:uFill>
+                <a:latin typeface="Times New Roman"/>
+                <a:ea typeface="Times New Roman"/>
+                <a:cs typeface="Times New Roman"/>
+                <a:sym typeface="Times New Roman"/>
+              </a:defRPr>
+            </a:pPr>
+            <a:r>
+              <a:t>How will the R</a:t>
+            </a:r>
+            <a:r>
+              <a:rPr baseline="-5998"/>
+              <a:t>0</a:t>
+            </a:r>
+            <a:r>
+              <a:t> change?</a:t>
+            </a:r>
+          </a:p>
+          <a:p>
+            <a:pPr marL="170156" indent="-170156" defTabSz="323298">
+              <a:spcBef>
+                <a:spcPts val="700"/>
+              </a:spcBef>
+              <a:buSzPct val="100000"/>
+              <a:defRPr sz="1619">
+                <a:uFill>
+                  <a:solidFill>
+                    <a:srgbClr val="000000"/>
+                  </a:solidFill>
+                </a:uFill>
+                <a:latin typeface="Times New Roman"/>
+                <a:ea typeface="Times New Roman"/>
+                <a:cs typeface="Times New Roman"/>
+                <a:sym typeface="Times New Roman"/>
+              </a:defRPr>
+            </a:pPr>
+            <a:r>
+              <a:t>What is the asymptote share of the population?</a:t>
+            </a:r>
+          </a:p>
+          <a:p>
+            <a:pPr marL="170156" indent="-170156" defTabSz="323298">
+              <a:spcBef>
+                <a:spcPts val="700"/>
+              </a:spcBef>
+              <a:buSzPct val="100000"/>
+              <a:defRPr sz="1619">
+                <a:uFill>
+                  <a:solidFill>
+                    <a:srgbClr val="000000"/>
+                  </a:solidFill>
+                </a:uFill>
+                <a:latin typeface="Times New Roman"/>
+                <a:ea typeface="Times New Roman"/>
+                <a:cs typeface="Times New Roman"/>
+                <a:sym typeface="Times New Roman"/>
+              </a:defRPr>
+            </a:pPr>
+            <a:r>
+              <a:t>What is the mortality rate?</a:t>
+            </a:r>
+          </a:p>
+        </p:txBody>
+      </p:sp>
+      <p:pic>
+        <p:nvPicPr>
+          <p:cNvPr id="271" name="Image" descr="Image"/>
+          <p:cNvPicPr>
+            <a:picLocks noChangeAspect="1"/>
+          </p:cNvPicPr>
+          <p:nvPr/>
+        </p:nvPicPr>
+        <p:blipFill>
+          <a:blip r:embed="rId2">
+            <a:extLst/>
+          </a:blip>
+          <a:stretch>
+            <a:fillRect/>
+          </a:stretch>
+        </p:blipFill>
+        <p:spPr>
+          <a:xfrm>
+            <a:off x="277662" y="3563384"/>
+            <a:ext cx="5024784" cy="3080921"/>
+          </a:xfrm>
+          <a:prstGeom prst="rect">
+            <a:avLst/>
+          </a:prstGeom>
+          <a:ln w="12700">
+            <a:miter lim="400000"/>
+          </a:ln>
+        </p:spPr>
+      </p:pic>
+      <p:pic>
+        <p:nvPicPr>
+          <p:cNvPr id="272" name="Image" descr="Image"/>
+          <p:cNvPicPr>
+            <a:picLocks noChangeAspect="1"/>
+          </p:cNvPicPr>
+          <p:nvPr/>
+        </p:nvPicPr>
+        <p:blipFill>
+          <a:blip r:embed="rId3">
+            <a:extLst/>
+          </a:blip>
+          <a:stretch>
+            <a:fillRect/>
+          </a:stretch>
+        </p:blipFill>
+        <p:spPr>
+          <a:xfrm>
+            <a:off x="5723025" y="1119015"/>
+            <a:ext cx="3285195" cy="5673464"/>
+          </a:xfrm>
+          <a:prstGeom prst="rect">
+            <a:avLst/>
+          </a:prstGeom>
+          <a:ln w="12700">
+            <a:miter lim="400000"/>
+          </a:ln>
+        </p:spPr>
+      </p:pic>
+    </p:spTree>
+  </p:cSld>
+  <p:clrMapOvr>
+    <a:masterClrMapping/>
+  </p:clrMapOvr>
+  <p:transition xmlns:p14="http://schemas.microsoft.com/office/powerpoint/2010/main" spd="med" advClick="1"/>
+</p:sld>
+</file>
+
+<file path=ppt/slides/slide28.xml><?xml version="1.0" encoding="utf-8"?>
+<p:sld xmlns:a="http://schemas.openxmlformats.org/drawingml/2006/main" xmlns:r="http://schemas.openxmlformats.org/officeDocument/2006/relationships" xmlns:p="http://schemas.openxmlformats.org/presentationml/2006/main" xmlns:m="http://schemas.openxmlformats.org/officeDocument/2006/math" xmlns:a14="http://schemas.microsoft.com/office/drawing/2010/main" showMasterSp="1" showMasterPhAnim="1">
+  <p:cSld>
+    <p:spTree>
+      <p:nvGrpSpPr>
+        <p:cNvPr id="1" name=""/>
+        <p:cNvGrpSpPr/>
+        <p:nvPr/>
+      </p:nvGrpSpPr>
+      <p:grpSpPr>
+        <a:xfrm>
+          <a:off x="0" y="0"/>
+          <a:ext cx="0" cy="0"/>
+          <a:chOff x="0" y="0"/>
+          <a:chExt cx="0" cy="0"/>
+        </a:xfrm>
+      </p:grpSpPr>
+      <p:sp>
+        <p:nvSpPr>
+          <p:cNvPr id="274" name="Catch Our Breath…"/>
+          <p:cNvSpPr txBox="1"/>
+          <p:nvPr>
+            <p:ph type="title"/>
+          </p:nvPr>
+        </p:nvSpPr>
+        <p:spPr>
+          <a:xfrm>
+            <a:off x="276457" y="-3"/>
+            <a:ext cx="8572501" cy="1270005"/>
+          </a:xfrm>
+          <a:prstGeom prst="rect">
+            <a:avLst/>
+          </a:prstGeom>
+        </p:spPr>
+        <p:txBody>
+          <a:bodyPr/>
+          <a:lstStyle/>
+          <a:p>
+            <a:pPr/>
+            <a:r>
+              <a:t>Notes</a:t>
+            </a:r>
+          </a:p>
+        </p:txBody>
+      </p:sp>
+      <p:sp>
+        <p:nvSpPr>
+          <p:cNvPr id="275" name="Ask a couple of questions?…"/>
+          <p:cNvSpPr txBox="1"/>
+          <p:nvPr>
+            <p:ph type="body" sz="half" idx="1"/>
+          </p:nvPr>
+        </p:nvSpPr>
+        <p:spPr>
+          <a:xfrm>
             <a:off x="276455" y="1270000"/>
             <a:ext cx="3810005" cy="4762500"/>
           </a:xfrm>
@@ -9431,7 +10224,7 @@
       </p:sp>
       <p:pic>
         <p:nvPicPr>
-          <p:cNvPr id="256" name="Image" descr="Image"/>
+          <p:cNvPr id="276" name="Image" descr="Image"/>
           <p:cNvPicPr>
             <a:picLocks noChangeAspect="1"/>
           </p:cNvPicPr>
@@ -9484,35 +10277,331 @@
           <a:chExt cx="0" cy="0"/>
         </a:xfrm>
       </p:grpSpPr>
-      <p:pic>
-        <p:nvPicPr>
-          <p:cNvPr id="189" name="Image" descr="Image"/>
-          <p:cNvPicPr>
-            <a:picLocks noChangeAspect="1"/>
-          </p:cNvPicPr>
-          <p:nvPr/>
-        </p:nvPicPr>
-        <p:blipFill>
-          <a:blip r:embed="rId2">
-            <a:extLst/>
-          </a:blip>
-          <a:stretch>
-            <a:fillRect/>
-          </a:stretch>
-        </p:blipFill>
+      <p:sp>
+        <p:nvSpPr>
+          <p:cNvPr id="192" name="Where we think we are, as of Mo Apr 6:…"/>
+          <p:cNvSpPr txBox="1"/>
+          <p:nvPr>
+            <p:ph type="body" idx="4294967295"/>
+          </p:nvPr>
+        </p:nvSpPr>
         <p:spPr>
           <a:xfrm>
-            <a:off x="203200" y="241300"/>
-            <a:ext cx="8743415" cy="6171247"/>
+            <a:off x="215900" y="190500"/>
+            <a:ext cx="8766800" cy="6362557"/>
           </a:xfrm>
           <a:prstGeom prst="rect">
             <a:avLst/>
           </a:prstGeom>
-          <a:ln w="12700">
-            <a:miter lim="400000"/>
-          </a:ln>
-        </p:spPr>
-      </p:pic>
+        </p:spPr>
+        <p:txBody>
+          <a:bodyPr lIns="45719" tIns="45719" rIns="45719" bIns="45719" anchor="t"/>
+          <a:lstStyle/>
+          <a:p>
+            <a:pPr marL="0" indent="0" defTabSz="370331">
+              <a:lnSpc>
+                <a:spcPts val="4800"/>
+              </a:lnSpc>
+              <a:spcBef>
+                <a:spcPts val="900"/>
+              </a:spcBef>
+              <a:buSzTx/>
+              <a:buNone/>
+              <a:defRPr b="1" sz="2430">
+                <a:uFill>
+                  <a:solidFill>
+                    <a:srgbClr val="000000"/>
+                  </a:solidFill>
+                </a:uFill>
+                <a:latin typeface="+mj-lt"/>
+                <a:ea typeface="+mj-ea"/>
+                <a:cs typeface="+mj-cs"/>
+                <a:sym typeface="Helvetica"/>
+              </a:defRPr>
+            </a:pPr>
+            <a:r>
+              <a:t>Where we think we are, as of Mo Apr 6:</a:t>
+            </a:r>
+          </a:p>
+          <a:p>
+            <a:pPr marL="277748" indent="-277748" defTabSz="370331">
+              <a:lnSpc>
+                <a:spcPts val="4200"/>
+              </a:lnSpc>
+              <a:spcBef>
+                <a:spcPts val="900"/>
+              </a:spcBef>
+              <a:buSzPct val="100000"/>
+              <a:buFont typeface="Arial"/>
+              <a:defRPr sz="1944">
+                <a:uFill>
+                  <a:solidFill>
+                    <a:srgbClr val="000000"/>
+                  </a:solidFill>
+                </a:uFill>
+                <a:latin typeface="Times New Roman"/>
+                <a:ea typeface="Times New Roman"/>
+                <a:cs typeface="Times New Roman"/>
+                <a:sym typeface="Times New Roman"/>
+              </a:defRPr>
+            </a:pPr>
+            <a:r>
+              <a:t>We really do not  know</a:t>
+            </a:r>
+          </a:p>
+          <a:p>
+            <a:pPr marL="277748" indent="-277748" defTabSz="370331">
+              <a:lnSpc>
+                <a:spcPts val="4200"/>
+              </a:lnSpc>
+              <a:spcBef>
+                <a:spcPts val="900"/>
+              </a:spcBef>
+              <a:buSzPct val="100000"/>
+              <a:buFont typeface="Arial"/>
+              <a:defRPr sz="1944">
+                <a:uFill>
+                  <a:solidFill>
+                    <a:srgbClr val="000000"/>
+                  </a:solidFill>
+                </a:uFill>
+                <a:latin typeface="Times New Roman"/>
+                <a:ea typeface="Times New Roman"/>
+                <a:cs typeface="Times New Roman"/>
+                <a:sym typeface="Times New Roman"/>
+              </a:defRPr>
+            </a:pPr>
+            <a:r>
+              <a:t>No random samples…</a:t>
+            </a:r>
+          </a:p>
+          <a:p>
+            <a:pPr marL="277748" indent="-277748" defTabSz="370331">
+              <a:lnSpc>
+                <a:spcPts val="4200"/>
+              </a:lnSpc>
+              <a:spcBef>
+                <a:spcPts val="900"/>
+              </a:spcBef>
+              <a:buSzPct val="100000"/>
+              <a:buFont typeface="Arial"/>
+              <a:defRPr sz="1944">
+                <a:uFill>
+                  <a:solidFill>
+                    <a:srgbClr val="000000"/>
+                  </a:solidFill>
+                </a:uFill>
+                <a:latin typeface="Times New Roman"/>
+                <a:ea typeface="Times New Roman"/>
+                <a:cs typeface="Times New Roman"/>
+                <a:sym typeface="Times New Roman"/>
+              </a:defRPr>
+            </a:pPr>
+            <a:r>
+              <a:t>Best thing I have read comes from Jim Stock &lt;</a:t>
+            </a:r>
+            <a:r>
+              <a:rPr u="sng">
+                <a:solidFill>
+                  <a:srgbClr val="0000FF"/>
+                </a:solidFill>
+                <a:uFill>
+                  <a:solidFill>
+                    <a:srgbClr val="0000FF"/>
+                  </a:solidFill>
+                </a:uFill>
+                <a:hlinkClick r:id="rId2" invalidUrl="" action="" tgtFrame="" tooltip="" history="1" highlightClick="0" endSnd="0"/>
+              </a:rPr>
+              <a:t>https://drive.google.com/file/d/12MV466ZZy5xHir4xdPhoTrL1oO8CbZU-/view</a:t>
+            </a:r>
+            <a:r>
+              <a:t>&gt;:</a:t>
+            </a:r>
+          </a:p>
+          <a:p>
+            <a:pPr lvl="1" marL="648080" indent="-277748" defTabSz="370331">
+              <a:lnSpc>
+                <a:spcPts val="4200"/>
+              </a:lnSpc>
+              <a:spcBef>
+                <a:spcPts val="900"/>
+              </a:spcBef>
+              <a:buSzPct val="100000"/>
+              <a:buFont typeface="Arial"/>
+              <a:defRPr sz="1944">
+                <a:uFill>
+                  <a:solidFill>
+                    <a:srgbClr val="000000"/>
+                  </a:solidFill>
+                </a:uFill>
+                <a:latin typeface="Times New Roman"/>
+                <a:ea typeface="Times New Roman"/>
+                <a:cs typeface="Times New Roman"/>
+                <a:sym typeface="Times New Roman"/>
+              </a:defRPr>
+            </a:pPr>
+            <a:r>
+              <a:t>The basic SIR epidemiological model of contagion</a:t>
+            </a:r>
+          </a:p>
+          <a:p>
+            <a:pPr lvl="1" marL="648080" indent="-277748" defTabSz="370331">
+              <a:lnSpc>
+                <a:spcPts val="4200"/>
+              </a:lnSpc>
+              <a:spcBef>
+                <a:spcPts val="900"/>
+              </a:spcBef>
+              <a:buSzPct val="100000"/>
+              <a:buFont typeface="Arial"/>
+              <a:defRPr sz="1944">
+                <a:uFill>
+                  <a:solidFill>
+                    <a:srgbClr val="000000"/>
+                  </a:solidFill>
+                </a:uFill>
+                <a:latin typeface="Times New Roman"/>
+                <a:ea typeface="Times New Roman"/>
+                <a:cs typeface="Times New Roman"/>
+                <a:sym typeface="Times New Roman"/>
+              </a:defRPr>
+            </a:pPr>
+            <a:r>
+              <a:t>The effect of social distancing and business shutdowns on epidemic dynamics enters the model through a single parameter: the case transmission rate β</a:t>
+            </a:r>
+          </a:p>
+          <a:p>
+            <a:pPr lvl="1" marL="648080" indent="-277748" defTabSz="370331">
+              <a:lnSpc>
+                <a:spcPts val="4200"/>
+              </a:lnSpc>
+              <a:spcBef>
+                <a:spcPts val="900"/>
+              </a:spcBef>
+              <a:buSzPct val="100000"/>
+              <a:buFont typeface="Arial"/>
+              <a:defRPr sz="1944">
+                <a:uFill>
+                  <a:solidFill>
+                    <a:srgbClr val="000000"/>
+                  </a:solidFill>
+                </a:uFill>
+                <a:latin typeface="Times New Roman"/>
+                <a:ea typeface="Times New Roman"/>
+                <a:cs typeface="Times New Roman"/>
+                <a:sym typeface="Times New Roman"/>
+              </a:defRPr>
+            </a:pPr>
+            <a:r>
+              <a:t>Re-express the model in terms of β and the asymptomatic (or not very symptomatic) hence non-tested rate—the fraction of the infected who are not tested</a:t>
+            </a:r>
+          </a:p>
+          <a:p>
+            <a:pPr lvl="1" marL="648080" indent="-277748" defTabSz="370331">
+              <a:lnSpc>
+                <a:spcPts val="4200"/>
+              </a:lnSpc>
+              <a:spcBef>
+                <a:spcPts val="900"/>
+              </a:spcBef>
+              <a:buSzPct val="100000"/>
+              <a:buFont typeface="Arial"/>
+              <a:defRPr sz="1944">
+                <a:uFill>
+                  <a:solidFill>
+                    <a:srgbClr val="000000"/>
+                  </a:solidFill>
+                </a:uFill>
+                <a:latin typeface="Times New Roman"/>
+                <a:ea typeface="Times New Roman"/>
+                <a:cs typeface="Times New Roman"/>
+                <a:sym typeface="Times New Roman"/>
+              </a:defRPr>
+            </a:pPr>
+            <a:r>
+              <a:t>The COVID-19 non-testing rate is unidentified in our model </a:t>
+            </a:r>
+          </a:p>
+          <a:p>
+            <a:pPr lvl="1" marL="648080" indent="-277748" defTabSz="370331">
+              <a:lnSpc>
+                <a:spcPts val="4200"/>
+              </a:lnSpc>
+              <a:spcBef>
+                <a:spcPts val="900"/>
+              </a:spcBef>
+              <a:buSzPct val="100000"/>
+              <a:buFont typeface="Arial"/>
+              <a:defRPr sz="1944">
+                <a:uFill>
+                  <a:solidFill>
+                    <a:srgbClr val="000000"/>
+                  </a:solidFill>
+                </a:uFill>
+                <a:latin typeface="Times New Roman"/>
+                <a:ea typeface="Times New Roman"/>
+                <a:cs typeface="Times New Roman"/>
+                <a:sym typeface="Times New Roman"/>
+              </a:defRPr>
+            </a:pPr>
+            <a:r>
+              <a:t>Estimates in the epidemiological literature range from 0.18 to 0.86. </a:t>
+            </a:r>
+          </a:p>
+          <a:p>
+            <a:pPr lvl="2" marL="1018412" indent="-277748" defTabSz="370331">
+              <a:lnSpc>
+                <a:spcPts val="4200"/>
+              </a:lnSpc>
+              <a:spcBef>
+                <a:spcPts val="900"/>
+              </a:spcBef>
+              <a:buSzPct val="100000"/>
+              <a:buFont typeface="Arial"/>
+              <a:defRPr sz="1944">
+                <a:uFill>
+                  <a:solidFill>
+                    <a:srgbClr val="000000"/>
+                  </a:solidFill>
+                </a:uFill>
+                <a:latin typeface="Times New Roman"/>
+                <a:ea typeface="Times New Roman"/>
+                <a:cs typeface="Times New Roman"/>
+                <a:sym typeface="Times New Roman"/>
+              </a:defRPr>
+            </a:pPr>
+            <a:r>
+              <a:t>The asymptomatic rate could be estimated accurately and quickly by testing a random sample</a:t>
+            </a:r>
+          </a:p>
+          <a:p>
+            <a:pPr marL="277748" indent="-277748" defTabSz="370331">
+              <a:lnSpc>
+                <a:spcPts val="4200"/>
+              </a:lnSpc>
+              <a:spcBef>
+                <a:spcPts val="900"/>
+              </a:spcBef>
+              <a:buSzPct val="100000"/>
+              <a:buFont typeface="Arial"/>
+              <a:defRPr sz="1944">
+                <a:uFill>
+                  <a:solidFill>
+                    <a:srgbClr val="000000"/>
+                  </a:solidFill>
+                </a:uFill>
+                <a:latin typeface="Times New Roman"/>
+                <a:ea typeface="Times New Roman"/>
+                <a:cs typeface="Times New Roman"/>
+                <a:sym typeface="Times New Roman"/>
+              </a:defRPr>
+            </a:pPr>
+            <a:r>
+              <a:t>The optimal policy response and its economic consequences hinge critically on the asymptomatic rate</a:t>
+            </a:r>
+          </a:p>
+        </p:txBody>
+      </p:sp>
     </p:spTree>
   </p:cSld>
   <p:clrMapOvr>
@@ -9541,7 +10630,7 @@
       </p:grpSpPr>
       <p:pic>
         <p:nvPicPr>
-          <p:cNvPr id="191" name="Image" descr="Image"/>
+          <p:cNvPr id="194" name="Image" descr="Image"/>
           <p:cNvPicPr>
             <a:picLocks noChangeAspect="1"/>
           </p:cNvPicPr>
@@ -9557,8 +10646,8 @@
         </p:blipFill>
         <p:spPr>
           <a:xfrm>
-            <a:off x="185876" y="241953"/>
-            <a:ext cx="8718777" cy="6150985"/>
+            <a:off x="231854" y="228600"/>
+            <a:ext cx="8670715" cy="4128912"/>
           </a:xfrm>
           <a:prstGeom prst="rect">
             <a:avLst/>
@@ -9594,235 +10683,38 @@
           <a:chExt cx="0" cy="0"/>
         </a:xfrm>
       </p:grpSpPr>
-      <p:sp>
-        <p:nvSpPr>
-          <p:cNvPr id="193" name="James Stock (2020)"/>
-          <p:cNvSpPr txBox="1"/>
-          <p:nvPr>
-            <p:ph type="title" idx="4294967295"/>
-          </p:nvPr>
-        </p:nvSpPr>
+      <p:pic>
+        <p:nvPicPr>
+          <p:cNvPr id="196" name="Image" descr="Image"/>
+          <p:cNvPicPr>
+            <a:picLocks noChangeAspect="1"/>
+          </p:cNvPicPr>
+          <p:nvPr/>
+        </p:nvPicPr>
+        <p:blipFill>
+          <a:blip r:embed="rId2">
+            <a:extLst/>
+          </a:blip>
+          <a:stretch>
+            <a:fillRect/>
+          </a:stretch>
+        </p:blipFill>
         <p:spPr>
           <a:xfrm>
-            <a:off x="444500" y="0"/>
-            <a:ext cx="8255000" cy="1587501"/>
+            <a:off x="257254" y="253229"/>
+            <a:ext cx="4911224" cy="6334541"/>
           </a:xfrm>
           <a:prstGeom prst="rect">
             <a:avLst/>
           </a:prstGeom>
-        </p:spPr>
-        <p:txBody>
-          <a:bodyPr lIns="45719" tIns="45719" rIns="45719" bIns="45719"/>
-          <a:lstStyle>
-            <a:lvl1pPr defTabSz="393192">
-              <a:lnSpc>
-                <a:spcPts val="9900"/>
-              </a:lnSpc>
-              <a:defRPr sz="6880">
-                <a:solidFill>
-                  <a:srgbClr val="000080"/>
-                </a:solidFill>
-                <a:uFill>
-                  <a:solidFill>
-                    <a:srgbClr val="000000"/>
-                  </a:solidFill>
-                </a:uFill>
-              </a:defRPr>
-            </a:lvl1pPr>
-          </a:lstStyle>
-          <a:p>
-            <a:pPr/>
-            <a:r>
-              <a:t>James Stock (2020)</a:t>
-            </a:r>
-          </a:p>
-        </p:txBody>
-      </p:sp>
-      <p:sp>
-        <p:nvSpPr>
-          <p:cNvPr id="194" name="Standard SIR model:&lt;https://drive.google.com/file/d/12MV466ZZy5xHir4xdPhoTrL1oO8CbZU-/view&gt;:…"/>
-          <p:cNvSpPr txBox="1"/>
-          <p:nvPr>
-            <p:ph type="body" sz="half" idx="4294967295"/>
-          </p:nvPr>
-        </p:nvSpPr>
-        <p:spPr>
-          <a:xfrm>
-            <a:off x="444500" y="1467516"/>
-            <a:ext cx="5161740" cy="2521821"/>
-          </a:xfrm>
-          <a:prstGeom prst="rect">
-            <a:avLst/>
-          </a:prstGeom>
-        </p:spPr>
-        <p:txBody>
-          <a:bodyPr lIns="45719" tIns="45719" rIns="45719" bIns="45719" anchor="t"/>
-          <a:lstStyle/>
-          <a:p>
-            <a:pPr marL="0" indent="0" defTabSz="242315">
-              <a:lnSpc>
-                <a:spcPts val="3100"/>
-              </a:lnSpc>
-              <a:spcBef>
-                <a:spcPts val="600"/>
-              </a:spcBef>
-              <a:buSzTx/>
-              <a:buNone/>
-              <a:defRPr b="1" sz="1590">
-                <a:uFill>
-                  <a:solidFill>
-                    <a:srgbClr val="000000"/>
-                  </a:solidFill>
-                </a:uFill>
-                <a:latin typeface="+mj-lt"/>
-                <a:ea typeface="+mj-ea"/>
-                <a:cs typeface="+mj-cs"/>
-                <a:sym typeface="Helvetica"/>
-              </a:defRPr>
-            </a:pPr>
-            <a:r>
-              <a:t>Standard SIR model:&lt;</a:t>
-            </a:r>
-            <a:r>
-              <a:rPr u="sng">
-                <a:solidFill>
-                  <a:srgbClr val="0000FF"/>
-                </a:solidFill>
-                <a:uFill>
-                  <a:solidFill>
-                    <a:srgbClr val="0000FF"/>
-                  </a:solidFill>
-                </a:uFill>
-                <a:hlinkClick r:id="rId2" invalidUrl="" action="" tgtFrame="" tooltip="" history="1" highlightClick="0" endSnd="0"/>
-              </a:rPr>
-              <a:t>https://drive.google.com/file/d/12MV466ZZy5xHir4xdPhoTrL1oO8CbZU-/view</a:t>
-            </a:r>
-            <a:r>
-              <a:t>&gt;:</a:t>
-            </a:r>
-          </a:p>
-          <a:p>
-            <a:pPr marL="181736" indent="-181736" defTabSz="242315">
-              <a:lnSpc>
-                <a:spcPts val="2700"/>
-              </a:lnSpc>
-              <a:spcBef>
-                <a:spcPts val="600"/>
-              </a:spcBef>
-              <a:buSzPct val="100000"/>
-              <a:buFont typeface="Arial"/>
-              <a:defRPr sz="1271">
-                <a:uFill>
-                  <a:solidFill>
-                    <a:srgbClr val="000000"/>
-                  </a:solidFill>
-                </a:uFill>
-                <a:latin typeface="Times New Roman"/>
-                <a:ea typeface="Times New Roman"/>
-                <a:cs typeface="Times New Roman"/>
-                <a:sym typeface="Times New Roman"/>
-              </a:defRPr>
-            </a:pPr>
-            <a:r>
-              <a:rPr b="1"/>
-              <a:t>S</a:t>
-            </a:r>
-            <a:r>
-              <a:t>usceptible, </a:t>
-            </a:r>
-            <a:r>
-              <a:rPr b="1"/>
-              <a:t>I</a:t>
-            </a:r>
-            <a:r>
-              <a:t>nfected, </a:t>
-            </a:r>
-            <a:r>
-              <a:rPr b="1"/>
-              <a:t>R</a:t>
-            </a:r>
-            <a:r>
-              <a:t>ecovered (&amp; immune), transmission rate β, recovery rate γ, reproduction number R</a:t>
-            </a:r>
-            <a:r>
-              <a:rPr baseline="-5999"/>
-              <a:t>0, </a:t>
-            </a:r>
-            <a:r>
-              <a:t>asymptomatic hence non-tested rate π</a:t>
-            </a:r>
-            <a:r>
-              <a:rPr baseline="-5999"/>
-              <a:t>0</a:t>
-            </a:r>
-            <a:r>
-              <a:t> </a:t>
-            </a:r>
-          </a:p>
-          <a:p>
-            <a:pPr marL="181736" indent="-181736" defTabSz="242315">
-              <a:lnSpc>
-                <a:spcPts val="2700"/>
-              </a:lnSpc>
-              <a:spcBef>
-                <a:spcPts val="600"/>
-              </a:spcBef>
-              <a:buSzPct val="100000"/>
-              <a:buFont typeface="Arial"/>
-              <a:defRPr sz="1271">
-                <a:uFill>
-                  <a:solidFill>
-                    <a:srgbClr val="000000"/>
-                  </a:solidFill>
-                </a:uFill>
-                <a:latin typeface="Times New Roman"/>
-                <a:ea typeface="Times New Roman"/>
-                <a:cs typeface="Times New Roman"/>
-                <a:sym typeface="Times New Roman"/>
-              </a:defRPr>
-            </a:pPr>
-            <a:r>
-              <a:t>Calibration: half-life of infection one week: γ = 0.5, s</a:t>
-            </a:r>
-            <a:r>
-              <a:rPr baseline="-5999"/>
-              <a:t>0</a:t>
-            </a:r>
-            <a:r>
-              <a:t> = 0.02, 50 cases on Jan 24 </a:t>
-            </a:r>
-          </a:p>
-          <a:p>
-            <a:pPr marL="181736" indent="-181736" defTabSz="242315">
-              <a:lnSpc>
-                <a:spcPts val="2700"/>
-              </a:lnSpc>
-              <a:spcBef>
-                <a:spcPts val="600"/>
-              </a:spcBef>
-              <a:buSzPct val="100000"/>
-              <a:buFont typeface="Arial"/>
-              <a:defRPr sz="1271">
-                <a:uFill>
-                  <a:solidFill>
-                    <a:srgbClr val="000000"/>
-                  </a:solidFill>
-                </a:uFill>
-                <a:latin typeface="Times New Roman"/>
-                <a:ea typeface="Times New Roman"/>
-                <a:cs typeface="Times New Roman"/>
-                <a:sym typeface="Times New Roman"/>
-              </a:defRPr>
-            </a:pPr>
-            <a:r>
-              <a:t>For March 21, 2020, the positive test rate in the United States is approximately 10%…</a:t>
-            </a:r>
-          </a:p>
-        </p:txBody>
-      </p:sp>
+          <a:ln w="12700">
+            <a:miter lim="400000"/>
+          </a:ln>
+        </p:spPr>
+      </p:pic>
       <p:pic>
         <p:nvPicPr>
-          <p:cNvPr id="195" name="Image" descr="Image"/>
+          <p:cNvPr id="197" name="Image" descr="Image"/>
           <p:cNvPicPr>
             <a:picLocks noChangeAspect="1"/>
           </p:cNvPicPr>
@@ -9838,8 +10730,8 @@
         </p:blipFill>
         <p:spPr>
           <a:xfrm>
-            <a:off x="331119" y="4086039"/>
-            <a:ext cx="1892301" cy="1562101"/>
+            <a:off x="4651720" y="253229"/>
+            <a:ext cx="4492280" cy="6334541"/>
           </a:xfrm>
           <a:prstGeom prst="rect">
             <a:avLst/>
@@ -9849,156 +10741,6 @@
           </a:ln>
         </p:spPr>
       </p:pic>
-      <p:pic>
-        <p:nvPicPr>
-          <p:cNvPr id="196" name="Image" descr="Image"/>
-          <p:cNvPicPr>
-            <a:picLocks noChangeAspect="1"/>
-          </p:cNvPicPr>
-          <p:nvPr/>
-        </p:nvPicPr>
-        <p:blipFill>
-          <a:blip r:embed="rId4">
-            <a:extLst/>
-          </a:blip>
-          <a:stretch>
-            <a:fillRect/>
-          </a:stretch>
-        </p:blipFill>
-        <p:spPr>
-          <a:xfrm>
-            <a:off x="5905229" y="1467516"/>
-            <a:ext cx="2794271" cy="2111800"/>
-          </a:xfrm>
-          <a:prstGeom prst="rect">
-            <a:avLst/>
-          </a:prstGeom>
-          <a:ln w="12700">
-            <a:miter lim="400000"/>
-          </a:ln>
-        </p:spPr>
-      </p:pic>
-      <p:pic>
-        <p:nvPicPr>
-          <p:cNvPr id="197" name="Image" descr="Image"/>
-          <p:cNvPicPr>
-            <a:picLocks noChangeAspect="1"/>
-          </p:cNvPicPr>
-          <p:nvPr/>
-        </p:nvPicPr>
-        <p:blipFill>
-          <a:blip r:embed="rId5">
-            <a:extLst/>
-          </a:blip>
-          <a:stretch>
-            <a:fillRect/>
-          </a:stretch>
-        </p:blipFill>
-        <p:spPr>
-          <a:xfrm>
-            <a:off x="2756045" y="3579315"/>
-            <a:ext cx="3149185" cy="2473868"/>
-          </a:xfrm>
-          <a:prstGeom prst="rect">
-            <a:avLst/>
-          </a:prstGeom>
-          <a:ln w="12700">
-            <a:miter lim="400000"/>
-          </a:ln>
-        </p:spPr>
-      </p:pic>
-      <p:pic>
-        <p:nvPicPr>
-          <p:cNvPr id="198" name="Image" descr="Image"/>
-          <p:cNvPicPr>
-            <a:picLocks noChangeAspect="1"/>
-          </p:cNvPicPr>
-          <p:nvPr/>
-        </p:nvPicPr>
-        <p:blipFill>
-          <a:blip r:embed="rId6">
-            <a:extLst/>
-          </a:blip>
-          <a:stretch>
-            <a:fillRect/>
-          </a:stretch>
-        </p:blipFill>
-        <p:spPr>
-          <a:xfrm>
-            <a:off x="5905229" y="3579315"/>
-            <a:ext cx="2794271" cy="2312260"/>
-          </a:xfrm>
-          <a:prstGeom prst="rect">
-            <a:avLst/>
-          </a:prstGeom>
-          <a:ln w="12700">
-            <a:miter lim="400000"/>
-          </a:ln>
-        </p:spPr>
-      </p:pic>
-      <p:sp>
-        <p:nvSpPr>
-          <p:cNvPr id="199" name="&lt;https://drive.google.com/file/d/12MV466ZZy5xHir4xdPhoTrL1oO8CbZU-/view&gt;"/>
-          <p:cNvSpPr txBox="1"/>
-          <p:nvPr/>
-        </p:nvSpPr>
-        <p:spPr>
-          <a:xfrm>
-            <a:off x="331119" y="6053182"/>
-            <a:ext cx="6186521" cy="228274"/>
-          </a:xfrm>
-          <a:prstGeom prst="rect">
-            <a:avLst/>
-          </a:prstGeom>
-          <a:ln w="12700">
-            <a:miter lim="400000"/>
-          </a:ln>
-          <a:extLst>
-            <a:ext uri="{C572A759-6A51-4108-AA02-DFA0A04FC94B}">
-              <ma14:wrappingTextBoxFlag xmlns:ma14="http://schemas.microsoft.com/office/mac/drawingml/2011/main" val="1"/>
-            </a:ext>
-          </a:extLst>
-        </p:spPr>
-        <p:txBody>
-          <a:bodyPr lIns="45719" rIns="45719">
-            <a:normAutofit fontScale="100000" lnSpcReduction="0"/>
-          </a:bodyPr>
-          <a:lstStyle/>
-          <a:p>
-            <a:pPr defTabSz="301752">
-              <a:spcBef>
-                <a:spcPts val="700"/>
-              </a:spcBef>
-              <a:defRPr sz="1056">
-                <a:latin typeface="Times New Roman"/>
-                <a:ea typeface="Times New Roman"/>
-                <a:cs typeface="Times New Roman"/>
-                <a:sym typeface="Times New Roman"/>
-              </a:defRPr>
-            </a:pPr>
-            <a:r>
-              <a:t>&lt;</a:t>
-            </a:r>
-            <a:r>
-              <a:rPr u="sng">
-                <a:solidFill>
-                  <a:srgbClr val="0000FF"/>
-                </a:solidFill>
-                <a:uFill>
-                  <a:solidFill>
-                    <a:srgbClr val="0000FF"/>
-                  </a:solidFill>
-                </a:uFill>
-                <a:hlinkClick r:id="rId2" invalidUrl="" action="" tgtFrame="" tooltip="" history="1" highlightClick="0" endSnd="0"/>
-              </a:rPr>
-              <a:t>https://drive.google.com/file/d/12MV466ZZy5xHir4xdPhoTrL1oO8CbZU-/view</a:t>
-            </a:r>
-            <a:r>
-              <a:t>&gt;</a:t>
-            </a:r>
-          </a:p>
-        </p:txBody>
-      </p:sp>
     </p:spTree>
   </p:cSld>
   <p:clrMapOvr>
@@ -10027,7 +10769,7 @@
       </p:grpSpPr>
       <p:pic>
         <p:nvPicPr>
-          <p:cNvPr id="201" name="Image" descr="Image"/>
+          <p:cNvPr id="199" name="Image" descr="Image"/>
           <p:cNvPicPr>
             <a:picLocks noChangeAspect="1"/>
           </p:cNvPicPr>
@@ -10043,8 +10785,37 @@
         </p:blipFill>
         <p:spPr>
           <a:xfrm>
-            <a:off x="537559" y="359538"/>
-            <a:ext cx="8115017" cy="6133008"/>
+            <a:off x="2511565" y="253229"/>
+            <a:ext cx="1475794" cy="6482456"/>
+          </a:xfrm>
+          <a:prstGeom prst="rect">
+            <a:avLst/>
+          </a:prstGeom>
+          <a:ln w="12700">
+            <a:miter lim="400000"/>
+          </a:ln>
+        </p:spPr>
+      </p:pic>
+      <p:pic>
+        <p:nvPicPr>
+          <p:cNvPr id="200" name="Image" descr="Image"/>
+          <p:cNvPicPr>
+            <a:picLocks noChangeAspect="1"/>
+          </p:cNvPicPr>
+          <p:nvPr/>
+        </p:nvPicPr>
+        <p:blipFill>
+          <a:blip r:embed="rId3">
+            <a:extLst/>
+          </a:blip>
+          <a:stretch>
+            <a:fillRect/>
+          </a:stretch>
+        </p:blipFill>
+        <p:spPr>
+          <a:xfrm>
+            <a:off x="3987358" y="253229"/>
+            <a:ext cx="2292062" cy="6482456"/>
           </a:xfrm>
           <a:prstGeom prst="rect">
             <a:avLst/>
@@ -10080,6 +10851,50 @@
           <a:chExt cx="0" cy="0"/>
         </a:xfrm>
       </p:grpSpPr>
+      <p:sp>
+        <p:nvSpPr>
+          <p:cNvPr id="202" name="Financial Times Graphs Blown Up…"/>
+          <p:cNvSpPr txBox="1"/>
+          <p:nvPr>
+            <p:ph type="title" idx="4294967295"/>
+          </p:nvPr>
+        </p:nvSpPr>
+        <p:spPr>
+          <a:xfrm>
+            <a:off x="444500" y="0"/>
+            <a:ext cx="8255000" cy="1587501"/>
+          </a:xfrm>
+          <a:prstGeom prst="rect">
+            <a:avLst/>
+          </a:prstGeom>
+        </p:spPr>
+        <p:txBody>
+          <a:bodyPr lIns="45719" tIns="45719" rIns="45719" bIns="45719"/>
+          <a:lstStyle>
+            <a:lvl1pPr defTabSz="283463">
+              <a:lnSpc>
+                <a:spcPts val="7100"/>
+              </a:lnSpc>
+              <a:defRPr sz="4960">
+                <a:solidFill>
+                  <a:srgbClr val="000080"/>
+                </a:solidFill>
+                <a:uFill>
+                  <a:solidFill>
+                    <a:srgbClr val="000000"/>
+                  </a:solidFill>
+                </a:uFill>
+              </a:defRPr>
+            </a:lvl1pPr>
+          </a:lstStyle>
+          <a:p>
+            <a:pPr/>
+            <a:r>
+              <a:t>Financial Times Graphs Blown Up…</a:t>
+            </a:r>
+          </a:p>
+        </p:txBody>
+      </p:sp>
       <p:pic>
         <p:nvPicPr>
           <p:cNvPr id="203" name="Image" descr="Image"/>
@@ -10098,8 +10913,66 @@
         </p:blipFill>
         <p:spPr>
           <a:xfrm>
-            <a:off x="546749" y="359754"/>
-            <a:ext cx="8130191" cy="6386737"/>
+            <a:off x="144710" y="2320734"/>
+            <a:ext cx="6380518" cy="4423348"/>
+          </a:xfrm>
+          <a:prstGeom prst="rect">
+            <a:avLst/>
+          </a:prstGeom>
+          <a:ln w="12700">
+            <a:miter lim="400000"/>
+          </a:ln>
+        </p:spPr>
+      </p:pic>
+      <p:pic>
+        <p:nvPicPr>
+          <p:cNvPr id="204" name="Image" descr="Image"/>
+          <p:cNvPicPr>
+            <a:picLocks noChangeAspect="1"/>
+          </p:cNvPicPr>
+          <p:nvPr/>
+        </p:nvPicPr>
+        <p:blipFill>
+          <a:blip r:embed="rId3">
+            <a:extLst/>
+          </a:blip>
+          <a:stretch>
+            <a:fillRect/>
+          </a:stretch>
+        </p:blipFill>
+        <p:spPr>
+          <a:xfrm>
+            <a:off x="2572983" y="2381091"/>
+            <a:ext cx="6380517" cy="4362991"/>
+          </a:xfrm>
+          <a:prstGeom prst="rect">
+            <a:avLst/>
+          </a:prstGeom>
+          <a:ln w="12700">
+            <a:miter lim="400000"/>
+          </a:ln>
+        </p:spPr>
+      </p:pic>
+      <p:pic>
+        <p:nvPicPr>
+          <p:cNvPr id="205" name="Image" descr="Image"/>
+          <p:cNvPicPr>
+            <a:picLocks noChangeAspect="1"/>
+          </p:cNvPicPr>
+          <p:nvPr/>
+        </p:nvPicPr>
+        <p:blipFill>
+          <a:blip r:embed="rId4">
+            <a:extLst/>
+          </a:blip>
+          <a:stretch>
+            <a:fillRect/>
+          </a:stretch>
+        </p:blipFill>
+        <p:spPr>
+          <a:xfrm>
+            <a:off x="1334631" y="1587500"/>
+            <a:ext cx="6269782" cy="4762216"/>
           </a:xfrm>
           <a:prstGeom prst="rect">
             <a:avLst/>
@@ -10119,61 +10992,6 @@
 </file>
 
 <file path=ppt/slides/slide8.xml><?xml version="1.0" encoding="utf-8"?>
-<p:sld xmlns:a="http://schemas.openxmlformats.org/drawingml/2006/main" xmlns:r="http://schemas.openxmlformats.org/officeDocument/2006/relationships" xmlns:p="http://schemas.openxmlformats.org/presentationml/2006/main" xmlns:m="http://schemas.openxmlformats.org/officeDocument/2006/math" xmlns:a14="http://schemas.microsoft.com/office/drawing/2010/main" showMasterSp="1" showMasterPhAnim="1">
-  <p:cSld>
-    <p:spTree>
-      <p:nvGrpSpPr>
-        <p:cNvPr id="1" name=""/>
-        <p:cNvGrpSpPr/>
-        <p:nvPr/>
-      </p:nvGrpSpPr>
-      <p:grpSpPr>
-        <a:xfrm>
-          <a:off x="0" y="0"/>
-          <a:ext cx="0" cy="0"/>
-          <a:chOff x="0" y="0"/>
-          <a:chExt cx="0" cy="0"/>
-        </a:xfrm>
-      </p:grpSpPr>
-      <p:pic>
-        <p:nvPicPr>
-          <p:cNvPr id="205" name="Image" descr="Image"/>
-          <p:cNvPicPr>
-            <a:picLocks noChangeAspect="1"/>
-          </p:cNvPicPr>
-          <p:nvPr/>
-        </p:nvPicPr>
-        <p:blipFill>
-          <a:blip r:embed="rId2">
-            <a:extLst/>
-          </a:blip>
-          <a:stretch>
-            <a:fillRect/>
-          </a:stretch>
-        </p:blipFill>
-        <p:spPr>
-          <a:xfrm>
-            <a:off x="888953" y="375477"/>
-            <a:ext cx="7504568" cy="6210032"/>
-          </a:xfrm>
-          <a:prstGeom prst="rect">
-            <a:avLst/>
-          </a:prstGeom>
-          <a:ln w="12700">
-            <a:miter lim="400000"/>
-          </a:ln>
-        </p:spPr>
-      </p:pic>
-    </p:spTree>
-  </p:cSld>
-  <p:clrMapOvr>
-    <a:masterClrMapping/>
-  </p:clrMapOvr>
-  <p:transition xmlns:p14="http://schemas.microsoft.com/office/powerpoint/2010/main" spd="med" advClick="1"/>
-</p:sld>
-</file>
-
-<file path=ppt/slides/slide9.xml><?xml version="1.0" encoding="utf-8"?>
 <p:sld xmlns:a="http://schemas.openxmlformats.org/drawingml/2006/main" xmlns:r="http://schemas.openxmlformats.org/officeDocument/2006/relationships" xmlns:p="http://schemas.openxmlformats.org/presentationml/2006/main" xmlns:m="http://schemas.openxmlformats.org/officeDocument/2006/math" xmlns:a14="http://schemas.microsoft.com/office/drawing/2010/main" showMasterSp="1" showMasterPhAnim="1">
   <p:cSld>
     <p:spTree>
@@ -10208,8 +11026,63 @@
         </p:blipFill>
         <p:spPr>
           <a:xfrm>
-            <a:off x="853270" y="456457"/>
-            <a:ext cx="7576169" cy="6254153"/>
+            <a:off x="172683" y="196691"/>
+            <a:ext cx="8796755" cy="6015211"/>
+          </a:xfrm>
+          <a:prstGeom prst="rect">
+            <a:avLst/>
+          </a:prstGeom>
+          <a:ln w="12700">
+            <a:miter lim="400000"/>
+          </a:ln>
+        </p:spPr>
+      </p:pic>
+    </p:spTree>
+  </p:cSld>
+  <p:clrMapOvr>
+    <a:masterClrMapping/>
+  </p:clrMapOvr>
+  <p:transition xmlns:p14="http://schemas.microsoft.com/office/powerpoint/2010/main" spd="med" advClick="1"/>
+</p:sld>
+</file>
+
+<file path=ppt/slides/slide9.xml><?xml version="1.0" encoding="utf-8"?>
+<p:sld xmlns:a="http://schemas.openxmlformats.org/drawingml/2006/main" xmlns:r="http://schemas.openxmlformats.org/officeDocument/2006/relationships" xmlns:p="http://schemas.openxmlformats.org/presentationml/2006/main" xmlns:m="http://schemas.openxmlformats.org/officeDocument/2006/math" xmlns:a14="http://schemas.microsoft.com/office/drawing/2010/main" showMasterSp="1" showMasterPhAnim="1">
+  <p:cSld>
+    <p:spTree>
+      <p:nvGrpSpPr>
+        <p:cNvPr id="1" name=""/>
+        <p:cNvGrpSpPr/>
+        <p:nvPr/>
+      </p:nvGrpSpPr>
+      <p:grpSpPr>
+        <a:xfrm>
+          <a:off x="0" y="0"/>
+          <a:ext cx="0" cy="0"/>
+          <a:chOff x="0" y="0"/>
+          <a:chExt cx="0" cy="0"/>
+        </a:xfrm>
+      </p:grpSpPr>
+      <p:pic>
+        <p:nvPicPr>
+          <p:cNvPr id="209" name="Image" descr="Image"/>
+          <p:cNvPicPr>
+            <a:picLocks noChangeAspect="1"/>
+          </p:cNvPicPr>
+          <p:nvPr/>
+        </p:nvPicPr>
+        <p:blipFill>
+          <a:blip r:embed="rId2">
+            <a:extLst/>
+          </a:blip>
+          <a:stretch>
+            <a:fillRect/>
+          </a:stretch>
+        </p:blipFill>
+        <p:spPr>
+          <a:xfrm>
+            <a:off x="157410" y="212534"/>
+            <a:ext cx="8817775" cy="6112997"/>
           </a:xfrm>
           <a:prstGeom prst="rect">
             <a:avLst/>

--- a/coronavirus.pptx
+++ b/coronavirus.pptx
@@ -5187,7 +5187,7 @@
       </p:grpSpPr>
       <p:pic>
         <p:nvPicPr>
-          <p:cNvPr id="211" name="Image" descr="Image"/>
+          <p:cNvPr id="217" name="Image" descr="Image"/>
           <p:cNvPicPr>
             <a:picLocks noChangeAspect="1"/>
           </p:cNvPicPr>
@@ -5242,7 +5242,7 @@
       </p:grpSpPr>
       <p:sp>
         <p:nvSpPr>
-          <p:cNvPr id="213" name="James Stock (2020)"/>
+          <p:cNvPr id="219" name="James Stock (2020)"/>
           <p:cNvSpPr txBox="1"/>
           <p:nvPr>
             <p:ph type="title" idx="4294967295"/>
@@ -5286,7 +5286,7 @@
       </p:sp>
       <p:sp>
         <p:nvSpPr>
-          <p:cNvPr id="214" name="Standard SIR model:&lt;https://drive.google.com/file/d/12MV466ZZy5xHir4xdPhoTrL1oO8CbZU-/view&gt;:…"/>
+          <p:cNvPr id="220" name="Standard SIR model:&lt;https://drive.google.com/file/d/12MV466ZZy5xHir4xdPhoTrL1oO8CbZU-/view&gt;:…"/>
           <p:cNvSpPr txBox="1"/>
           <p:nvPr>
             <p:ph type="body" sz="half" idx="4294967295"/>
@@ -5468,7 +5468,7 @@
       </p:sp>
       <p:pic>
         <p:nvPicPr>
-          <p:cNvPr id="215" name="Image" descr="Image"/>
+          <p:cNvPr id="221" name="Image" descr="Image"/>
           <p:cNvPicPr>
             <a:picLocks noChangeAspect="1"/>
           </p:cNvPicPr>
@@ -5497,7 +5497,7 @@
       </p:pic>
       <p:pic>
         <p:nvPicPr>
-          <p:cNvPr id="216" name="Image" descr="Image"/>
+          <p:cNvPr id="222" name="Image" descr="Image"/>
           <p:cNvPicPr>
             <a:picLocks noChangeAspect="1"/>
           </p:cNvPicPr>
@@ -5526,7 +5526,7 @@
       </p:pic>
       <p:pic>
         <p:nvPicPr>
-          <p:cNvPr id="217" name="Image" descr="Image"/>
+          <p:cNvPr id="223" name="Image" descr="Image"/>
           <p:cNvPicPr>
             <a:picLocks noChangeAspect="1"/>
           </p:cNvPicPr>
@@ -5555,7 +5555,7 @@
       </p:pic>
       <p:pic>
         <p:nvPicPr>
-          <p:cNvPr id="218" name="Image" descr="Image"/>
+          <p:cNvPr id="224" name="Image" descr="Image"/>
           <p:cNvPicPr>
             <a:picLocks noChangeAspect="1"/>
           </p:cNvPicPr>
@@ -5584,7 +5584,7 @@
       </p:pic>
       <p:sp>
         <p:nvSpPr>
-          <p:cNvPr id="219" name="&lt;https://drive.google.com/file/d/12MV466ZZy5xHir4xdPhoTrL1oO8CbZU-/view&gt;"/>
+          <p:cNvPr id="225" name="&lt;https://drive.google.com/file/d/12MV466ZZy5xHir4xdPhoTrL1oO8CbZU-/view&gt;"/>
           <p:cNvSpPr txBox="1"/>
           <p:nvPr/>
         </p:nvSpPr>
@@ -5655,171 +5655,6 @@
 </file>
 
 <file path=ppt/slides/slide12.xml><?xml version="1.0" encoding="utf-8"?>
-<p:sld xmlns:a="http://schemas.openxmlformats.org/drawingml/2006/main" xmlns:r="http://schemas.openxmlformats.org/officeDocument/2006/relationships" xmlns:p="http://schemas.openxmlformats.org/presentationml/2006/main" xmlns:m="http://schemas.openxmlformats.org/officeDocument/2006/math" xmlns:a14="http://schemas.microsoft.com/office/drawing/2010/main" showMasterSp="1" showMasterPhAnim="1">
-  <p:cSld>
-    <p:spTree>
-      <p:nvGrpSpPr>
-        <p:cNvPr id="1" name=""/>
-        <p:cNvGrpSpPr/>
-        <p:nvPr/>
-      </p:nvGrpSpPr>
-      <p:grpSpPr>
-        <a:xfrm>
-          <a:off x="0" y="0"/>
-          <a:ext cx="0" cy="0"/>
-          <a:chOff x="0" y="0"/>
-          <a:chExt cx="0" cy="0"/>
-        </a:xfrm>
-      </p:grpSpPr>
-      <p:pic>
-        <p:nvPicPr>
-          <p:cNvPr id="221" name="Image" descr="Image"/>
-          <p:cNvPicPr>
-            <a:picLocks noChangeAspect="1"/>
-          </p:cNvPicPr>
-          <p:nvPr/>
-        </p:nvPicPr>
-        <p:blipFill>
-          <a:blip r:embed="rId2">
-            <a:extLst/>
-          </a:blip>
-          <a:stretch>
-            <a:fillRect/>
-          </a:stretch>
-        </p:blipFill>
-        <p:spPr>
-          <a:xfrm>
-            <a:off x="537559" y="359538"/>
-            <a:ext cx="8115017" cy="6133008"/>
-          </a:xfrm>
-          <a:prstGeom prst="rect">
-            <a:avLst/>
-          </a:prstGeom>
-          <a:ln w="12700">
-            <a:miter lim="400000"/>
-          </a:ln>
-        </p:spPr>
-      </p:pic>
-    </p:spTree>
-  </p:cSld>
-  <p:clrMapOvr>
-    <a:masterClrMapping/>
-  </p:clrMapOvr>
-  <p:transition xmlns:p14="http://schemas.microsoft.com/office/powerpoint/2010/main" spd="med" advClick="1"/>
-</p:sld>
-</file>
-
-<file path=ppt/slides/slide13.xml><?xml version="1.0" encoding="utf-8"?>
-<p:sld xmlns:a="http://schemas.openxmlformats.org/drawingml/2006/main" xmlns:r="http://schemas.openxmlformats.org/officeDocument/2006/relationships" xmlns:p="http://schemas.openxmlformats.org/presentationml/2006/main" xmlns:m="http://schemas.openxmlformats.org/officeDocument/2006/math" xmlns:a14="http://schemas.microsoft.com/office/drawing/2010/main" showMasterSp="1" showMasterPhAnim="1">
-  <p:cSld>
-    <p:spTree>
-      <p:nvGrpSpPr>
-        <p:cNvPr id="1" name=""/>
-        <p:cNvGrpSpPr/>
-        <p:nvPr/>
-      </p:nvGrpSpPr>
-      <p:grpSpPr>
-        <a:xfrm>
-          <a:off x="0" y="0"/>
-          <a:ext cx="0" cy="0"/>
-          <a:chOff x="0" y="0"/>
-          <a:chExt cx="0" cy="0"/>
-        </a:xfrm>
-      </p:grpSpPr>
-      <p:pic>
-        <p:nvPicPr>
-          <p:cNvPr id="223" name="Image" descr="Image"/>
-          <p:cNvPicPr>
-            <a:picLocks noChangeAspect="1"/>
-          </p:cNvPicPr>
-          <p:nvPr/>
-        </p:nvPicPr>
-        <p:blipFill>
-          <a:blip r:embed="rId2">
-            <a:extLst/>
-          </a:blip>
-          <a:stretch>
-            <a:fillRect/>
-          </a:stretch>
-        </p:blipFill>
-        <p:spPr>
-          <a:xfrm>
-            <a:off x="546749" y="359754"/>
-            <a:ext cx="8130191" cy="6386737"/>
-          </a:xfrm>
-          <a:prstGeom prst="rect">
-            <a:avLst/>
-          </a:prstGeom>
-          <a:ln w="12700">
-            <a:miter lim="400000"/>
-          </a:ln>
-        </p:spPr>
-      </p:pic>
-    </p:spTree>
-  </p:cSld>
-  <p:clrMapOvr>
-    <a:masterClrMapping/>
-  </p:clrMapOvr>
-  <p:transition xmlns:p14="http://schemas.microsoft.com/office/powerpoint/2010/main" spd="med" advClick="1"/>
-</p:sld>
-</file>
-
-<file path=ppt/slides/slide14.xml><?xml version="1.0" encoding="utf-8"?>
-<p:sld xmlns:a="http://schemas.openxmlformats.org/drawingml/2006/main" xmlns:r="http://schemas.openxmlformats.org/officeDocument/2006/relationships" xmlns:p="http://schemas.openxmlformats.org/presentationml/2006/main" xmlns:m="http://schemas.openxmlformats.org/officeDocument/2006/math" xmlns:a14="http://schemas.microsoft.com/office/drawing/2010/main" showMasterSp="1" showMasterPhAnim="1">
-  <p:cSld>
-    <p:spTree>
-      <p:nvGrpSpPr>
-        <p:cNvPr id="1" name=""/>
-        <p:cNvGrpSpPr/>
-        <p:nvPr/>
-      </p:nvGrpSpPr>
-      <p:grpSpPr>
-        <a:xfrm>
-          <a:off x="0" y="0"/>
-          <a:ext cx="0" cy="0"/>
-          <a:chOff x="0" y="0"/>
-          <a:chExt cx="0" cy="0"/>
-        </a:xfrm>
-      </p:grpSpPr>
-      <p:pic>
-        <p:nvPicPr>
-          <p:cNvPr id="225" name="Image" descr="Image"/>
-          <p:cNvPicPr>
-            <a:picLocks noChangeAspect="1"/>
-          </p:cNvPicPr>
-          <p:nvPr/>
-        </p:nvPicPr>
-        <p:blipFill>
-          <a:blip r:embed="rId2">
-            <a:extLst/>
-          </a:blip>
-          <a:stretch>
-            <a:fillRect/>
-          </a:stretch>
-        </p:blipFill>
-        <p:spPr>
-          <a:xfrm>
-            <a:off x="888953" y="375477"/>
-            <a:ext cx="7504568" cy="6210032"/>
-          </a:xfrm>
-          <a:prstGeom prst="rect">
-            <a:avLst/>
-          </a:prstGeom>
-          <a:ln w="12700">
-            <a:miter lim="400000"/>
-          </a:ln>
-        </p:spPr>
-      </p:pic>
-    </p:spTree>
-  </p:cSld>
-  <p:clrMapOvr>
-    <a:masterClrMapping/>
-  </p:clrMapOvr>
-  <p:transition xmlns:p14="http://schemas.microsoft.com/office/powerpoint/2010/main" spd="med" advClick="1"/>
-</p:sld>
-</file>
-
-<file path=ppt/slides/slide15.xml><?xml version="1.0" encoding="utf-8"?>
 <p:sld xmlns:a="http://schemas.openxmlformats.org/drawingml/2006/main" xmlns:r="http://schemas.openxmlformats.org/officeDocument/2006/relationships" xmlns:p="http://schemas.openxmlformats.org/presentationml/2006/main" xmlns:m="http://schemas.openxmlformats.org/officeDocument/2006/math" xmlns:a14="http://schemas.microsoft.com/office/drawing/2010/main" showMasterSp="1" showMasterPhAnim="1">
   <p:cSld>
     <p:spTree>
@@ -5854,6 +5689,171 @@
         </p:blipFill>
         <p:spPr>
           <a:xfrm>
+            <a:off x="537559" y="359538"/>
+            <a:ext cx="8115017" cy="6133008"/>
+          </a:xfrm>
+          <a:prstGeom prst="rect">
+            <a:avLst/>
+          </a:prstGeom>
+          <a:ln w="12700">
+            <a:miter lim="400000"/>
+          </a:ln>
+        </p:spPr>
+      </p:pic>
+    </p:spTree>
+  </p:cSld>
+  <p:clrMapOvr>
+    <a:masterClrMapping/>
+  </p:clrMapOvr>
+  <p:transition xmlns:p14="http://schemas.microsoft.com/office/powerpoint/2010/main" spd="med" advClick="1"/>
+</p:sld>
+</file>
+
+<file path=ppt/slides/slide13.xml><?xml version="1.0" encoding="utf-8"?>
+<p:sld xmlns:a="http://schemas.openxmlformats.org/drawingml/2006/main" xmlns:r="http://schemas.openxmlformats.org/officeDocument/2006/relationships" xmlns:p="http://schemas.openxmlformats.org/presentationml/2006/main" xmlns:m="http://schemas.openxmlformats.org/officeDocument/2006/math" xmlns:a14="http://schemas.microsoft.com/office/drawing/2010/main" showMasterSp="1" showMasterPhAnim="1">
+  <p:cSld>
+    <p:spTree>
+      <p:nvGrpSpPr>
+        <p:cNvPr id="1" name=""/>
+        <p:cNvGrpSpPr/>
+        <p:nvPr/>
+      </p:nvGrpSpPr>
+      <p:grpSpPr>
+        <a:xfrm>
+          <a:off x="0" y="0"/>
+          <a:ext cx="0" cy="0"/>
+          <a:chOff x="0" y="0"/>
+          <a:chExt cx="0" cy="0"/>
+        </a:xfrm>
+      </p:grpSpPr>
+      <p:pic>
+        <p:nvPicPr>
+          <p:cNvPr id="229" name="Image" descr="Image"/>
+          <p:cNvPicPr>
+            <a:picLocks noChangeAspect="1"/>
+          </p:cNvPicPr>
+          <p:nvPr/>
+        </p:nvPicPr>
+        <p:blipFill>
+          <a:blip r:embed="rId2">
+            <a:extLst/>
+          </a:blip>
+          <a:stretch>
+            <a:fillRect/>
+          </a:stretch>
+        </p:blipFill>
+        <p:spPr>
+          <a:xfrm>
+            <a:off x="546749" y="359754"/>
+            <a:ext cx="8130191" cy="6386737"/>
+          </a:xfrm>
+          <a:prstGeom prst="rect">
+            <a:avLst/>
+          </a:prstGeom>
+          <a:ln w="12700">
+            <a:miter lim="400000"/>
+          </a:ln>
+        </p:spPr>
+      </p:pic>
+    </p:spTree>
+  </p:cSld>
+  <p:clrMapOvr>
+    <a:masterClrMapping/>
+  </p:clrMapOvr>
+  <p:transition xmlns:p14="http://schemas.microsoft.com/office/powerpoint/2010/main" spd="med" advClick="1"/>
+</p:sld>
+</file>
+
+<file path=ppt/slides/slide14.xml><?xml version="1.0" encoding="utf-8"?>
+<p:sld xmlns:a="http://schemas.openxmlformats.org/drawingml/2006/main" xmlns:r="http://schemas.openxmlformats.org/officeDocument/2006/relationships" xmlns:p="http://schemas.openxmlformats.org/presentationml/2006/main" xmlns:m="http://schemas.openxmlformats.org/officeDocument/2006/math" xmlns:a14="http://schemas.microsoft.com/office/drawing/2010/main" showMasterSp="1" showMasterPhAnim="1">
+  <p:cSld>
+    <p:spTree>
+      <p:nvGrpSpPr>
+        <p:cNvPr id="1" name=""/>
+        <p:cNvGrpSpPr/>
+        <p:nvPr/>
+      </p:nvGrpSpPr>
+      <p:grpSpPr>
+        <a:xfrm>
+          <a:off x="0" y="0"/>
+          <a:ext cx="0" cy="0"/>
+          <a:chOff x="0" y="0"/>
+          <a:chExt cx="0" cy="0"/>
+        </a:xfrm>
+      </p:grpSpPr>
+      <p:pic>
+        <p:nvPicPr>
+          <p:cNvPr id="231" name="Image" descr="Image"/>
+          <p:cNvPicPr>
+            <a:picLocks noChangeAspect="1"/>
+          </p:cNvPicPr>
+          <p:nvPr/>
+        </p:nvPicPr>
+        <p:blipFill>
+          <a:blip r:embed="rId2">
+            <a:extLst/>
+          </a:blip>
+          <a:stretch>
+            <a:fillRect/>
+          </a:stretch>
+        </p:blipFill>
+        <p:spPr>
+          <a:xfrm>
+            <a:off x="888953" y="375477"/>
+            <a:ext cx="7504568" cy="6210032"/>
+          </a:xfrm>
+          <a:prstGeom prst="rect">
+            <a:avLst/>
+          </a:prstGeom>
+          <a:ln w="12700">
+            <a:miter lim="400000"/>
+          </a:ln>
+        </p:spPr>
+      </p:pic>
+    </p:spTree>
+  </p:cSld>
+  <p:clrMapOvr>
+    <a:masterClrMapping/>
+  </p:clrMapOvr>
+  <p:transition xmlns:p14="http://schemas.microsoft.com/office/powerpoint/2010/main" spd="med" advClick="1"/>
+</p:sld>
+</file>
+
+<file path=ppt/slides/slide15.xml><?xml version="1.0" encoding="utf-8"?>
+<p:sld xmlns:a="http://schemas.openxmlformats.org/drawingml/2006/main" xmlns:r="http://schemas.openxmlformats.org/officeDocument/2006/relationships" xmlns:p="http://schemas.openxmlformats.org/presentationml/2006/main" xmlns:m="http://schemas.openxmlformats.org/officeDocument/2006/math" xmlns:a14="http://schemas.microsoft.com/office/drawing/2010/main" showMasterSp="1" showMasterPhAnim="1">
+  <p:cSld>
+    <p:spTree>
+      <p:nvGrpSpPr>
+        <p:cNvPr id="1" name=""/>
+        <p:cNvGrpSpPr/>
+        <p:nvPr/>
+      </p:nvGrpSpPr>
+      <p:grpSpPr>
+        <a:xfrm>
+          <a:off x="0" y="0"/>
+          <a:ext cx="0" cy="0"/>
+          <a:chOff x="0" y="0"/>
+          <a:chExt cx="0" cy="0"/>
+        </a:xfrm>
+      </p:grpSpPr>
+      <p:pic>
+        <p:nvPicPr>
+          <p:cNvPr id="233" name="Image" descr="Image"/>
+          <p:cNvPicPr>
+            <a:picLocks noChangeAspect="1"/>
+          </p:cNvPicPr>
+          <p:nvPr/>
+        </p:nvPicPr>
+        <p:blipFill>
+          <a:blip r:embed="rId2">
+            <a:extLst/>
+          </a:blip>
+          <a:stretch>
+            <a:fillRect/>
+          </a:stretch>
+        </p:blipFill>
+        <p:spPr>
+          <a:xfrm>
             <a:off x="853270" y="456457"/>
             <a:ext cx="7576169" cy="6254153"/>
           </a:xfrm>
@@ -5893,7 +5893,7 @@
       </p:grpSpPr>
       <p:sp>
         <p:nvSpPr>
-          <p:cNvPr id="229" name="Bringing the Economy Back Up from Anæsthesia"/>
+          <p:cNvPr id="235" name="Bringing the Economy Back Up from Anæsthesia"/>
           <p:cNvSpPr txBox="1"/>
           <p:nvPr>
             <p:ph type="title" idx="4294967295"/>
@@ -5937,7 +5937,7 @@
       </p:sp>
       <p:sp>
         <p:nvSpPr>
-          <p:cNvPr id="230" name="Major issues:…"/>
+          <p:cNvPr id="236" name="Major issues:…"/>
           <p:cNvSpPr txBox="1"/>
           <p:nvPr>
             <p:ph type="body" idx="4294967295"/>
@@ -6346,7 +6346,7 @@
       </p:grpSpPr>
       <p:sp>
         <p:nvSpPr>
-          <p:cNvPr id="232" name="Keeping the Economy from Crashing During the Lockdown"/>
+          <p:cNvPr id="238" name="Keeping the Economy from Crashing During the Lockdown"/>
           <p:cNvSpPr txBox="1"/>
           <p:nvPr>
             <p:ph type="title" idx="4294967295"/>
@@ -6390,7 +6390,7 @@
       </p:sp>
       <p:sp>
         <p:nvSpPr>
-          <p:cNvPr id="233" name="Nick Rowe: We have a 50% output cut in 100% of the sectors:…"/>
+          <p:cNvPr id="239" name="Nick Rowe: We have a 50% output cut in 100% of the sectors:…"/>
           <p:cNvSpPr txBox="1"/>
           <p:nvPr>
             <p:ph type="body" idx="4294967295"/>
@@ -6813,7 +6813,7 @@
       </p:grpSpPr>
       <p:sp>
         <p:nvSpPr>
-          <p:cNvPr id="235" name="Keeping the Economy from Crashing During the Lockdown II"/>
+          <p:cNvPr id="241" name="Keeping the Economy from Crashing During the Lockdown II"/>
           <p:cNvSpPr txBox="1"/>
           <p:nvPr>
             <p:ph type="title" idx="4294967295"/>
@@ -6857,7 +6857,7 @@
       </p:sp>
       <p:sp>
         <p:nvSpPr>
-          <p:cNvPr id="236" name="Nick Rowe &lt;https://worthwhile.typepad.com/worthwhile_canadian_initi/2020/03/relative-supply-shocks-unobtainium-walras-law-and-the-coronavirus.html&gt;:…"/>
+          <p:cNvPr id="242" name="Nick Rowe:…"/>
           <p:cNvSpPr txBox="1"/>
           <p:nvPr>
             <p:ph type="body" idx="4294967295"/>
@@ -6876,16 +6876,16 @@
           <a:bodyPr lIns="45719" tIns="45719" rIns="45719" bIns="45719" anchor="t"/>
           <a:lstStyle/>
           <a:p>
-            <a:pPr marL="0" indent="0" defTabSz="352043">
+            <a:pPr marL="0" indent="0" defTabSz="361188">
               <a:lnSpc>
-                <a:spcPts val="4600"/>
+                <a:spcPts val="4700"/>
               </a:lnSpc>
               <a:spcBef>
                 <a:spcPts val="900"/>
               </a:spcBef>
               <a:buSzTx/>
               <a:buNone/>
-              <a:defRPr b="1" sz="2309">
+              <a:defRPr b="1" sz="2370">
                 <a:uFill>
                   <a:solidFill>
                     <a:srgbClr val="000000"/>
@@ -6898,7 +6898,33 @@
               </a:defRPr>
             </a:pPr>
             <a:r>
-              <a:t>Nick Rowe &lt;</a:t>
+              <a:t>Nick Rowe:</a:t>
+            </a:r>
+          </a:p>
+          <a:p>
+            <a:pPr marL="270890" indent="-270890" defTabSz="361188">
+              <a:lnSpc>
+                <a:spcPts val="4100"/>
+              </a:lnSpc>
+              <a:spcBef>
+                <a:spcPts val="900"/>
+              </a:spcBef>
+              <a:buSzPct val="100000"/>
+              <a:buFont typeface="Arial"/>
+              <a:defRPr sz="1896">
+                <a:uFill>
+                  <a:solidFill>
+                    <a:srgbClr val="000000"/>
+                  </a:solidFill>
+                </a:uFill>
+                <a:latin typeface="Times New Roman"/>
+                <a:ea typeface="Times New Roman"/>
+                <a:cs typeface="Times New Roman"/>
+                <a:sym typeface="Times New Roman"/>
+              </a:defRPr>
+            </a:pPr>
+            <a:r>
+              <a:t>&lt;</a:t>
             </a:r>
             <a:r>
               <a:rPr u="sng">
@@ -6915,20 +6941,20 @@
               <a:t>https://worthwhile.typepad.com/worthwhile_canadian_initi/2020/03/relative-supply-shocks-unobtainium-walras-law-and-the-coronavirus.html</a:t>
             </a:r>
             <a:r>
-              <a:t>&gt;:</a:t>
-            </a:r>
-          </a:p>
-          <a:p>
-            <a:pPr marL="264032" indent="-264032" defTabSz="352043">
+              <a:t>&gt;</a:t>
+            </a:r>
+          </a:p>
+          <a:p>
+            <a:pPr marL="270890" indent="-270890" defTabSz="361188">
               <a:lnSpc>
-                <a:spcPts val="4000"/>
+                <a:spcPts val="4100"/>
               </a:lnSpc>
               <a:spcBef>
                 <a:spcPts val="900"/>
               </a:spcBef>
               <a:buSzPct val="100000"/>
               <a:buFont typeface="Arial"/>
-              <a:defRPr sz="1848">
+              <a:defRPr sz="1896">
                 <a:uFill>
                   <a:solidFill>
                     <a:srgbClr val="000000"/>
@@ -6945,16 +6971,16 @@
             </a:r>
           </a:p>
           <a:p>
-            <a:pPr lvl="1" marL="616076" indent="-264032" defTabSz="352043">
+            <a:pPr lvl="1" marL="632078" indent="-270890" defTabSz="361188">
               <a:lnSpc>
-                <a:spcPts val="4000"/>
+                <a:spcPts val="4100"/>
               </a:lnSpc>
               <a:spcBef>
                 <a:spcPts val="900"/>
               </a:spcBef>
               <a:buSzPct val="100000"/>
               <a:buFont typeface="Arial"/>
-              <a:defRPr sz="1848">
+              <a:defRPr sz="1896">
                 <a:uFill>
                   <a:solidFill>
                     <a:srgbClr val="000000"/>
@@ -6971,16 +6997,16 @@
             </a:r>
           </a:p>
           <a:p>
-            <a:pPr lvl="1" marL="616076" indent="-264032" defTabSz="352043">
+            <a:pPr lvl="1" marL="632078" indent="-270890" defTabSz="361188">
               <a:lnSpc>
-                <a:spcPts val="4000"/>
+                <a:spcPts val="4100"/>
               </a:lnSpc>
               <a:spcBef>
                 <a:spcPts val="900"/>
               </a:spcBef>
               <a:buSzPct val="100000"/>
               <a:buFont typeface="Arial"/>
-              <a:defRPr sz="1848">
+              <a:defRPr sz="1896">
                 <a:uFill>
                   <a:solidFill>
                     <a:srgbClr val="000000"/>
@@ -7004,16 +7030,16 @@
             </a:r>
           </a:p>
           <a:p>
-            <a:pPr lvl="1" marL="616076" indent="-264032" defTabSz="352043">
+            <a:pPr lvl="1" marL="632078" indent="-270890" defTabSz="361188">
               <a:lnSpc>
-                <a:spcPts val="4000"/>
+                <a:spcPts val="4100"/>
               </a:lnSpc>
               <a:spcBef>
                 <a:spcPts val="900"/>
               </a:spcBef>
               <a:buSzPct val="100000"/>
               <a:buFont typeface="Arial"/>
-              <a:defRPr sz="1848">
+              <a:defRPr sz="1896">
                 <a:uFill>
                   <a:solidFill>
                     <a:srgbClr val="000000"/>
@@ -7030,16 +7056,16 @@
             </a:r>
           </a:p>
           <a:p>
-            <a:pPr marL="0" indent="0" defTabSz="352043">
+            <a:pPr marL="0" indent="0" defTabSz="361188">
               <a:lnSpc>
-                <a:spcPts val="4000"/>
+                <a:spcPts val="4100"/>
               </a:lnSpc>
               <a:spcBef>
                 <a:spcPts val="900"/>
               </a:spcBef>
               <a:buSzTx/>
               <a:buNone/>
-              <a:defRPr sz="1848">
+              <a:defRPr sz="1896">
                 <a:uFill>
                   <a:solidFill>
                     <a:srgbClr val="000000"/>
@@ -7053,16 +7079,16 @@
             </a:pPr>
           </a:p>
           <a:p>
-            <a:pPr marL="0" indent="0" defTabSz="352043">
+            <a:pPr marL="0" indent="0" defTabSz="361188">
               <a:lnSpc>
-                <a:spcPts val="4600"/>
+                <a:spcPts val="4700"/>
               </a:lnSpc>
               <a:spcBef>
                 <a:spcPts val="900"/>
               </a:spcBef>
               <a:buSzTx/>
               <a:buNone/>
-              <a:defRPr b="1" sz="2309">
+              <a:defRPr b="1" sz="2370">
                 <a:uFill>
                   <a:solidFill>
                     <a:srgbClr val="000000"/>
@@ -7079,16 +7105,16 @@
             </a:r>
           </a:p>
           <a:p>
-            <a:pPr marL="0" indent="0" defTabSz="352043">
+            <a:pPr marL="0" indent="0" defTabSz="361188">
               <a:lnSpc>
-                <a:spcPts val="4600"/>
+                <a:spcPts val="4700"/>
               </a:lnSpc>
               <a:spcBef>
                 <a:spcPts val="900"/>
               </a:spcBef>
               <a:buSzTx/>
               <a:buNone/>
-              <a:defRPr b="1" sz="2309">
+              <a:defRPr b="1" sz="2370">
                 <a:uFill>
                   <a:solidFill>
                     <a:srgbClr val="000000"/>
@@ -7134,7 +7160,7 @@
       </p:grpSpPr>
       <p:sp>
         <p:nvSpPr>
-          <p:cNvPr id="238" name="About the Course"/>
+          <p:cNvPr id="244" name="About the Course"/>
           <p:cNvSpPr txBox="1"/>
           <p:nvPr>
             <p:ph type="title" idx="4294967295"/>
@@ -7175,7 +7201,7 @@
       </p:sp>
       <p:sp>
         <p:nvSpPr>
-          <p:cNvPr id="239" name="The long 20th century will in all likelihood be seen in the future as the watershed in human experience:…"/>
+          <p:cNvPr id="245" name="The long 20th century will in all likelihood be seen in the future as the watershed in human experience:…"/>
           <p:cNvSpPr txBox="1"/>
           <p:nvPr>
             <p:ph type="body" sz="half" idx="4294967295"/>
@@ -7308,7 +7334,7 @@
       </p:sp>
       <p:pic>
         <p:nvPicPr>
-          <p:cNvPr id="240" name="Image" descr="Image"/>
+          <p:cNvPr id="246" name="Image" descr="Image"/>
           <p:cNvPicPr>
             <a:picLocks noChangeAspect="0"/>
           </p:cNvPicPr>
@@ -7371,8 +7397,8 @@
         </p:nvSpPr>
         <p:spPr>
           <a:xfrm>
-            <a:off x="228599" y="0"/>
-            <a:ext cx="8699501" cy="1587501"/>
+            <a:off x="228600" y="0"/>
+            <a:ext cx="8699500" cy="1587501"/>
           </a:xfrm>
           <a:prstGeom prst="rect">
             <a:avLst/>
@@ -7412,8 +7438,8 @@
         </p:nvSpPr>
         <p:spPr>
           <a:xfrm>
-            <a:off x="228599" y="1587500"/>
-            <a:ext cx="3216356" cy="4800010"/>
+            <a:off x="228600" y="1587500"/>
+            <a:ext cx="3216355" cy="4800010"/>
           </a:xfrm>
           <a:prstGeom prst="rect">
             <a:avLst/>
@@ -7423,16 +7449,16 @@
           <a:bodyPr lIns="45719" tIns="45719" rIns="45719" bIns="45719" anchor="t"/>
           <a:lstStyle/>
           <a:p>
-            <a:pPr marL="0" indent="0" defTabSz="201168">
+            <a:pPr marL="0" indent="0" defTabSz="182880">
               <a:lnSpc>
-                <a:spcPts val="2600"/>
+                <a:spcPts val="2400"/>
               </a:lnSpc>
               <a:spcBef>
-                <a:spcPts val="500"/>
+                <a:spcPts val="400"/>
               </a:spcBef>
               <a:buSzTx/>
               <a:buNone/>
-              <a:defRPr b="1" sz="1320">
+              <a:defRPr b="1" sz="1200">
                 <a:uFill>
                   <a:solidFill>
                     <a:srgbClr val="000000"/>
@@ -7449,16 +7475,16 @@
             </a:r>
           </a:p>
           <a:p>
-            <a:pPr marL="150875" indent="-150875" defTabSz="201168">
+            <a:pPr marL="137159" indent="-137159" defTabSz="182880">
               <a:lnSpc>
-                <a:spcPts val="2300"/>
+                <a:spcPts val="2100"/>
               </a:lnSpc>
               <a:spcBef>
-                <a:spcPts val="500"/>
+                <a:spcPts val="400"/>
               </a:spcBef>
               <a:buSzPct val="100000"/>
               <a:buFont typeface="Arial"/>
-              <a:defRPr sz="1056">
+              <a:defRPr sz="960">
                 <a:uFill>
                   <a:solidFill>
                     <a:srgbClr val="000000"/>
@@ -7475,16 +7501,16 @@
             </a:r>
           </a:p>
           <a:p>
-            <a:pPr marL="150875" indent="-150875" defTabSz="201168">
+            <a:pPr marL="137159" indent="-137159" defTabSz="182880">
               <a:lnSpc>
-                <a:spcPts val="2300"/>
+                <a:spcPts val="2100"/>
               </a:lnSpc>
               <a:spcBef>
-                <a:spcPts val="500"/>
+                <a:spcPts val="400"/>
               </a:spcBef>
               <a:buSzPct val="100000"/>
               <a:buFont typeface="Arial"/>
-              <a:defRPr sz="1056">
+              <a:defRPr sz="960">
                 <a:uFill>
                   <a:solidFill>
                     <a:srgbClr val="000000"/>
@@ -7501,16 +7527,16 @@
             </a:r>
           </a:p>
           <a:p>
-            <a:pPr marL="150875" indent="-150875" defTabSz="201168">
+            <a:pPr marL="137159" indent="-137159" defTabSz="182880">
               <a:lnSpc>
-                <a:spcPts val="2300"/>
+                <a:spcPts val="2100"/>
               </a:lnSpc>
               <a:spcBef>
-                <a:spcPts val="500"/>
+                <a:spcPts val="400"/>
               </a:spcBef>
               <a:buSzPct val="100000"/>
               <a:buFont typeface="Arial"/>
-              <a:defRPr sz="1056">
+              <a:defRPr sz="960">
                 <a:uFill>
                   <a:solidFill>
                     <a:srgbClr val="000000"/>
@@ -7523,6 +7549,84 @@
               </a:defRPr>
             </a:pPr>
             <a:r>
+              <a:t>If we extrapolate out the past week straight-line log:</a:t>
+            </a:r>
+          </a:p>
+          <a:p>
+            <a:pPr lvl="1" marL="320039" indent="-137159" defTabSz="182880">
+              <a:lnSpc>
+                <a:spcPts val="2100"/>
+              </a:lnSpc>
+              <a:spcBef>
+                <a:spcPts val="400"/>
+              </a:spcBef>
+              <a:buSzPct val="100000"/>
+              <a:buFont typeface="Arial"/>
+              <a:defRPr sz="960">
+                <a:uFill>
+                  <a:solidFill>
+                    <a:srgbClr val="000000"/>
+                  </a:solidFill>
+                </a:uFill>
+                <a:latin typeface="Times New Roman"/>
+                <a:ea typeface="Times New Roman"/>
+                <a:cs typeface="Times New Roman"/>
+                <a:sym typeface="Times New Roman"/>
+              </a:defRPr>
+            </a:pPr>
+            <a:r>
+              <a:t>We will have 440,000 deaths in three weeks</a:t>
+            </a:r>
+          </a:p>
+          <a:p>
+            <a:pPr lvl="1" marL="320039" indent="-137159" defTabSz="182880">
+              <a:lnSpc>
+                <a:spcPts val="2100"/>
+              </a:lnSpc>
+              <a:spcBef>
+                <a:spcPts val="400"/>
+              </a:spcBef>
+              <a:buSzPct val="100000"/>
+              <a:buFont typeface="Arial"/>
+              <a:defRPr sz="960">
+                <a:uFill>
+                  <a:solidFill>
+                    <a:srgbClr val="000000"/>
+                  </a:solidFill>
+                </a:uFill>
+                <a:latin typeface="Times New Roman"/>
+                <a:ea typeface="Times New Roman"/>
+                <a:cs typeface="Times New Roman"/>
+                <a:sym typeface="Times New Roman"/>
+              </a:defRPr>
+            </a:pPr>
+            <a:r>
+              <a:t>But it is unlikely to be that bad</a:t>
+            </a:r>
+          </a:p>
+          <a:p>
+            <a:pPr marL="137159" indent="-137159" defTabSz="182880">
+              <a:lnSpc>
+                <a:spcPts val="2100"/>
+              </a:lnSpc>
+              <a:spcBef>
+                <a:spcPts val="400"/>
+              </a:spcBef>
+              <a:buSzPct val="100000"/>
+              <a:buFont typeface="Arial"/>
+              <a:defRPr sz="960">
+                <a:uFill>
+                  <a:solidFill>
+                    <a:srgbClr val="000000"/>
+                  </a:solidFill>
+                </a:uFill>
+                <a:latin typeface="Times New Roman"/>
+                <a:ea typeface="Times New Roman"/>
+                <a:cs typeface="Times New Roman"/>
+                <a:sym typeface="Times New Roman"/>
+              </a:defRPr>
+            </a:pPr>
+            <a:r>
               <a:t>Best thing I have read comes from Jim Stock &lt;</a:t>
             </a:r>
             <a:r>
@@ -7544,16 +7648,16 @@
             </a:r>
           </a:p>
           <a:p>
-            <a:pPr lvl="1" marL="352043" indent="-150875" defTabSz="201168">
+            <a:pPr lvl="1" marL="320039" indent="-137159" defTabSz="182880">
               <a:lnSpc>
-                <a:spcPts val="2300"/>
+                <a:spcPts val="2100"/>
               </a:lnSpc>
               <a:spcBef>
-                <a:spcPts val="500"/>
+                <a:spcPts val="400"/>
               </a:spcBef>
               <a:buSzPct val="100000"/>
               <a:buFont typeface="Arial"/>
-              <a:defRPr sz="1056">
+              <a:defRPr sz="960">
                 <a:uFill>
                   <a:solidFill>
                     <a:srgbClr val="000000"/>
@@ -7570,16 +7674,16 @@
             </a:r>
           </a:p>
           <a:p>
-            <a:pPr lvl="1" marL="352043" indent="-150875" defTabSz="201168">
+            <a:pPr lvl="1" marL="320039" indent="-137159" defTabSz="182880">
               <a:lnSpc>
-                <a:spcPts val="2300"/>
+                <a:spcPts val="2100"/>
               </a:lnSpc>
               <a:spcBef>
-                <a:spcPts val="500"/>
+                <a:spcPts val="400"/>
               </a:spcBef>
               <a:buSzPct val="100000"/>
               <a:buFont typeface="Arial"/>
-              <a:defRPr sz="1056">
+              <a:defRPr sz="960">
                 <a:uFill>
                   <a:solidFill>
                     <a:srgbClr val="000000"/>
@@ -7596,16 +7700,16 @@
             </a:r>
           </a:p>
           <a:p>
-            <a:pPr lvl="1" marL="352043" indent="-150875" defTabSz="201168">
+            <a:pPr lvl="1" marL="320039" indent="-137159" defTabSz="182880">
               <a:lnSpc>
-                <a:spcPts val="2300"/>
+                <a:spcPts val="2100"/>
               </a:lnSpc>
               <a:spcBef>
-                <a:spcPts val="500"/>
+                <a:spcPts val="400"/>
               </a:spcBef>
               <a:buSzPct val="100000"/>
               <a:buFont typeface="Arial"/>
-              <a:defRPr sz="1056">
+              <a:defRPr sz="960">
                 <a:uFill>
                   <a:solidFill>
                     <a:srgbClr val="000000"/>
@@ -7622,16 +7726,16 @@
             </a:r>
           </a:p>
           <a:p>
-            <a:pPr lvl="1" marL="352043" indent="-150875" defTabSz="201168">
+            <a:pPr lvl="1" marL="320039" indent="-137159" defTabSz="182880">
               <a:lnSpc>
-                <a:spcPts val="2300"/>
+                <a:spcPts val="2100"/>
               </a:lnSpc>
               <a:spcBef>
-                <a:spcPts val="500"/>
+                <a:spcPts val="400"/>
               </a:spcBef>
               <a:buSzPct val="100000"/>
               <a:buFont typeface="Arial"/>
-              <a:defRPr sz="1056">
+              <a:defRPr sz="960">
                 <a:uFill>
                   <a:solidFill>
                     <a:srgbClr val="000000"/>
@@ -7648,16 +7752,16 @@
             </a:r>
           </a:p>
           <a:p>
-            <a:pPr lvl="1" marL="352043" indent="-150875" defTabSz="201168">
+            <a:pPr lvl="1" marL="320039" indent="-137159" defTabSz="182880">
               <a:lnSpc>
-                <a:spcPts val="2300"/>
+                <a:spcPts val="2100"/>
               </a:lnSpc>
               <a:spcBef>
-                <a:spcPts val="500"/>
+                <a:spcPts val="400"/>
               </a:spcBef>
               <a:buSzPct val="100000"/>
               <a:buFont typeface="Arial"/>
-              <a:defRPr sz="1056">
+              <a:defRPr sz="960">
                 <a:uFill>
                   <a:solidFill>
                     <a:srgbClr val="000000"/>
@@ -7674,16 +7778,16 @@
             </a:r>
           </a:p>
           <a:p>
-            <a:pPr lvl="2" marL="553211" indent="-150875" defTabSz="201168">
+            <a:pPr lvl="2" marL="502919" indent="-137159" defTabSz="182880">
               <a:lnSpc>
-                <a:spcPts val="2300"/>
+                <a:spcPts val="2100"/>
               </a:lnSpc>
               <a:spcBef>
-                <a:spcPts val="500"/>
+                <a:spcPts val="400"/>
               </a:spcBef>
               <a:buSzPct val="100000"/>
               <a:buFont typeface="Arial"/>
-              <a:defRPr sz="1056">
+              <a:defRPr sz="960">
                 <a:uFill>
                   <a:solidFill>
                     <a:srgbClr val="000000"/>
@@ -7700,16 +7804,16 @@
             </a:r>
           </a:p>
           <a:p>
-            <a:pPr marL="150875" indent="-150875" defTabSz="201168">
+            <a:pPr marL="137159" indent="-137159" defTabSz="182880">
               <a:lnSpc>
-                <a:spcPts val="2300"/>
+                <a:spcPts val="2100"/>
               </a:lnSpc>
               <a:spcBef>
-                <a:spcPts val="500"/>
+                <a:spcPts val="400"/>
               </a:spcBef>
               <a:buSzPct val="100000"/>
               <a:buFont typeface="Arial"/>
-              <a:defRPr sz="1056">
+              <a:defRPr sz="960">
                 <a:uFill>
                   <a:solidFill>
                     <a:srgbClr val="000000"/>
@@ -7862,7 +7966,7 @@
         <p:spPr>
           <a:xfrm>
             <a:off x="7696625" y="4190229"/>
-            <a:ext cx="878027" cy="2483251"/>
+            <a:ext cx="878026" cy="2483251"/>
           </a:xfrm>
           <a:prstGeom prst="rect">
             <a:avLst/>
@@ -7900,7 +8004,7 @@
       </p:grpSpPr>
       <p:sp>
         <p:nvSpPr>
-          <p:cNvPr id="242" name="About the Course"/>
+          <p:cNvPr id="248" name="About the Course"/>
           <p:cNvSpPr txBox="1"/>
           <p:nvPr>
             <p:ph type="title" idx="4294967295"/>
@@ -7941,7 +8045,7 @@
       </p:sp>
       <p:sp>
         <p:nvSpPr>
-          <p:cNvPr id="243" name="The long 20th century will in all likelihood be seen in the future as the watershed in human experience:…"/>
+          <p:cNvPr id="249" name="The long 20th century will in all likelihood be seen in the future as the watershed in human experience:…"/>
           <p:cNvSpPr txBox="1"/>
           <p:nvPr>
             <p:ph type="body" sz="quarter" idx="4294967295"/>
@@ -8052,7 +8156,7 @@
       </p:sp>
       <p:pic>
         <p:nvPicPr>
-          <p:cNvPr id="244" name="Image" descr="Image"/>
+          <p:cNvPr id="250" name="Image" descr="Image"/>
           <p:cNvPicPr>
             <a:picLocks noChangeAspect="1"/>
           </p:cNvPicPr>
@@ -8107,7 +8211,7 @@
       </p:grpSpPr>
       <p:sp>
         <p:nvSpPr>
-          <p:cNvPr id="246" name="About the Course"/>
+          <p:cNvPr id="252" name="About the Course"/>
           <p:cNvSpPr txBox="1"/>
           <p:nvPr>
             <p:ph type="title" idx="4294967295"/>
@@ -8148,7 +8252,7 @@
       </p:sp>
       <p:sp>
         <p:nvSpPr>
-          <p:cNvPr id="247" name="The long 20th century will in all likelihood be seen in the future as the watershed in human experience:…"/>
+          <p:cNvPr id="253" name="The long 20th century will in all likelihood be seen in the future as the watershed in human experience:…"/>
           <p:cNvSpPr txBox="1"/>
           <p:nvPr>
             <p:ph type="body" sz="half" idx="4294967295"/>
@@ -8347,7 +8451,7 @@
       </p:sp>
       <p:pic>
         <p:nvPicPr>
-          <p:cNvPr id="248" name="Image" descr="Image"/>
+          <p:cNvPr id="254" name="Image" descr="Image"/>
           <p:cNvPicPr>
             <a:picLocks noChangeAspect="1"/>
           </p:cNvPicPr>
@@ -8402,7 +8506,7 @@
       </p:grpSpPr>
       <p:sp>
         <p:nvSpPr>
-          <p:cNvPr id="250" name="References"/>
+          <p:cNvPr id="256" name="References"/>
           <p:cNvSpPr txBox="1"/>
           <p:nvPr>
             <p:ph type="title" idx="4294967295"/>
@@ -8446,7 +8550,7 @@
       </p:sp>
       <p:sp>
         <p:nvSpPr>
-          <p:cNvPr id="251" name="Financial Times (2020): Coronavirus Tracked: The Latest Figures as the Pandemic Spreads &lt;https://www.ft.com/coronavirus-latest&gt;…"/>
+          <p:cNvPr id="257" name="Financial Times (2020): Coronavirus Tracked: The Latest Figures as the Pandemic Spreads &lt;https://www.ft.com/coronavirus-latest&gt;…"/>
           <p:cNvSpPr txBox="1"/>
           <p:nvPr>
             <p:ph type="body" idx="4294967295"/>
@@ -8649,7 +8753,7 @@
       </p:grpSpPr>
       <p:sp>
         <p:nvSpPr>
-          <p:cNvPr id="253" name="About the Course"/>
+          <p:cNvPr id="259" name="About the Course"/>
           <p:cNvSpPr txBox="1"/>
           <p:nvPr>
             <p:ph type="title" idx="4294967295"/>
@@ -8690,7 +8794,7 @@
       </p:sp>
       <p:sp>
         <p:nvSpPr>
-          <p:cNvPr id="254" name="The long 20th century will in all likelihood be seen in the future as the watershed in human experience:…"/>
+          <p:cNvPr id="260" name="The long 20th century will in all likelihood be seen in the future as the watershed in human experience:…"/>
           <p:cNvSpPr txBox="1"/>
           <p:nvPr>
             <p:ph type="body" idx="4294967295"/>
@@ -8993,7 +9097,7 @@
       </p:grpSpPr>
       <p:sp>
         <p:nvSpPr>
-          <p:cNvPr id="256" name="Catch Our Breath…"/>
+          <p:cNvPr id="262" name="Catch Our Breath…"/>
           <p:cNvSpPr txBox="1"/>
           <p:nvPr>
             <p:ph type="title"/>
@@ -9021,7 +9125,7 @@
       </p:sp>
       <p:sp>
         <p:nvSpPr>
-          <p:cNvPr id="257" name="Ask a couple of questions?…"/>
+          <p:cNvPr id="263" name="Ask a couple of questions?…"/>
           <p:cNvSpPr txBox="1"/>
           <p:nvPr>
             <p:ph type="body" sz="half" idx="1"/>
@@ -9040,11 +9144,11 @@
           <a:bodyPr anchor="t"/>
           <a:lstStyle/>
           <a:p>
-            <a:pPr marL="231139" indent="-231139" defTabSz="320397">
-              <a:spcBef>
-                <a:spcPts val="900"/>
-              </a:spcBef>
-              <a:defRPr sz="1871">
+            <a:pPr marL="213359" indent="-213359" defTabSz="295751">
+              <a:spcBef>
+                <a:spcPts val="800"/>
+              </a:spcBef>
+              <a:defRPr sz="1728">
                 <a:latin typeface="Times New Roman"/>
                 <a:ea typeface="Times New Roman"/>
                 <a:cs typeface="Times New Roman"/>
@@ -9056,11 +9160,11 @@
             </a:r>
           </a:p>
           <a:p>
-            <a:pPr marL="231139" indent="-231139" defTabSz="320397">
-              <a:spcBef>
-                <a:spcPts val="900"/>
-              </a:spcBef>
-              <a:defRPr sz="1871">
+            <a:pPr marL="213359" indent="-213359" defTabSz="295751">
+              <a:spcBef>
+                <a:spcPts val="800"/>
+              </a:spcBef>
+              <a:defRPr sz="1728">
                 <a:latin typeface="Times New Roman"/>
                 <a:ea typeface="Times New Roman"/>
                 <a:cs typeface="Times New Roman"/>
@@ -9072,11 +9176,11 @@
             </a:r>
           </a:p>
           <a:p>
-            <a:pPr marL="231139" indent="-231139" defTabSz="320397">
-              <a:spcBef>
-                <a:spcPts val="900"/>
-              </a:spcBef>
-              <a:defRPr sz="1871">
+            <a:pPr marL="213359" indent="-213359" defTabSz="295751">
+              <a:spcBef>
+                <a:spcPts val="800"/>
+              </a:spcBef>
+              <a:defRPr sz="1728">
                 <a:latin typeface="Times New Roman"/>
                 <a:ea typeface="Times New Roman"/>
                 <a:cs typeface="Times New Roman"/>
@@ -9088,13 +9192,13 @@
             </a:r>
           </a:p>
           <a:p>
-            <a:pPr marL="0" indent="0" defTabSz="320397">
-              <a:spcBef>
-                <a:spcPts val="900"/>
+            <a:pPr marL="0" indent="0" defTabSz="295751">
+              <a:spcBef>
+                <a:spcPts val="800"/>
               </a:spcBef>
               <a:buSzTx/>
               <a:buNone/>
-              <a:defRPr sz="1871">
+              <a:defRPr sz="1728">
                 <a:latin typeface="Times New Roman"/>
                 <a:ea typeface="Times New Roman"/>
                 <a:cs typeface="Times New Roman"/>
@@ -9103,13 +9207,13 @@
             </a:pPr>
           </a:p>
           <a:p>
-            <a:pPr marL="0" indent="0" defTabSz="320397">
-              <a:spcBef>
-                <a:spcPts val="900"/>
+            <a:pPr marL="0" indent="0" defTabSz="295751">
+              <a:spcBef>
+                <a:spcPts val="800"/>
               </a:spcBef>
               <a:buSzTx/>
               <a:buNone/>
-              <a:defRPr sz="1871">
+              <a:defRPr sz="1728">
                 <a:latin typeface="Times New Roman"/>
                 <a:ea typeface="Times New Roman"/>
                 <a:cs typeface="Times New Roman"/>
@@ -9118,43 +9222,79 @@
             </a:pPr>
           </a:p>
           <a:p>
-            <a:pPr marL="0" indent="0" defTabSz="320397">
-              <a:spcBef>
-                <a:spcPts val="900"/>
-              </a:spcBef>
-              <a:buSzTx/>
-              <a:buNone/>
-              <a:defRPr sz="1871">
+            <a:pPr marL="213359" indent="-213359" defTabSz="295751">
+              <a:spcBef>
+                <a:spcPts val="0"/>
+              </a:spcBef>
+              <a:defRPr sz="1152">
                 <a:latin typeface="Times New Roman"/>
                 <a:ea typeface="Times New Roman"/>
                 <a:cs typeface="Times New Roman"/>
                 <a:sym typeface="Times New Roman"/>
               </a:defRPr>
             </a:pPr>
-          </a:p>
-          <a:p>
-            <a:pPr marL="0" indent="0" defTabSz="320397">
-              <a:spcBef>
-                <a:spcPts val="900"/>
-              </a:spcBef>
-              <a:buSzTx/>
-              <a:buNone/>
-              <a:defRPr sz="1871">
+            <a:r>
+              <a:t>&lt;</a:t>
+            </a:r>
+            <a:r>
+              <a:rPr u="sng">
+                <a:solidFill>
+                  <a:srgbClr val="0000FF"/>
+                </a:solidFill>
+                <a:uFill>
+                  <a:solidFill>
+                    <a:srgbClr val="0000FF"/>
+                  </a:solidFill>
+                </a:uFill>
+                <a:hlinkClick r:id="rId2" invalidUrl="" action="" tgtFrame="" tooltip="" history="1" highlightClick="0" endSnd="0"/>
+              </a:rPr>
+              <a:t>https://www.icloud.com/keynote/0YKEi7HeOrVGvKYtt9FEqH7nA</a:t>
+            </a:r>
+            <a:r>
+              <a:t>&gt;</a:t>
+            </a:r>
+          </a:p>
+          <a:p>
+            <a:pPr marL="213359" indent="-213359" defTabSz="295751">
+              <a:spcBef>
+                <a:spcPts val="0"/>
+              </a:spcBef>
+              <a:defRPr sz="1152">
                 <a:latin typeface="Times New Roman"/>
                 <a:ea typeface="Times New Roman"/>
                 <a:cs typeface="Times New Roman"/>
                 <a:sym typeface="Times New Roman"/>
               </a:defRPr>
             </a:pPr>
-          </a:p>
-          <a:p>
-            <a:pPr marL="0" indent="0" defTabSz="320397">
-              <a:spcBef>
-                <a:spcPts val="900"/>
+            <a:r>
+              <a:t>&lt;</a:t>
+            </a:r>
+            <a:r>
+              <a:rPr u="sng">
+                <a:solidFill>
+                  <a:srgbClr val="0000FF"/>
+                </a:solidFill>
+                <a:uFill>
+                  <a:solidFill>
+                    <a:srgbClr val="0000FF"/>
+                  </a:solidFill>
+                </a:uFill>
+                <a:hlinkClick r:id="rId3" invalidUrl="" action="" tgtFrame="" tooltip="" history="1" highlightClick="0" endSnd="0"/>
+              </a:rPr>
+              <a:t>https://www.bradford-delong.com/2020/04/coronavirus.html</a:t>
+            </a:r>
+            <a:r>
+              <a:t>&gt;</a:t>
+            </a:r>
+          </a:p>
+          <a:p>
+            <a:pPr marL="0" indent="0" defTabSz="295751">
+              <a:spcBef>
+                <a:spcPts val="0"/>
               </a:spcBef>
               <a:buSzTx/>
               <a:buNone/>
-              <a:defRPr sz="1871">
+              <a:defRPr sz="1152">
                 <a:latin typeface="Times New Roman"/>
                 <a:ea typeface="Times New Roman"/>
                 <a:cs typeface="Times New Roman"/>
@@ -9163,49 +9303,97 @@
             </a:pPr>
           </a:p>
           <a:p>
-            <a:pPr marL="0" indent="0" defTabSz="320397">
-              <a:spcBef>
-                <a:spcPts val="900"/>
-              </a:spcBef>
-              <a:buSzTx/>
-              <a:buNone/>
-              <a:defRPr sz="1871">
+            <a:pPr marL="213359" indent="-213359" defTabSz="295751">
+              <a:spcBef>
+                <a:spcPts val="0"/>
+              </a:spcBef>
+              <a:defRPr sz="1152">
                 <a:latin typeface="Times New Roman"/>
                 <a:ea typeface="Times New Roman"/>
                 <a:cs typeface="Times New Roman"/>
                 <a:sym typeface="Times New Roman"/>
               </a:defRPr>
             </a:pPr>
-          </a:p>
-          <a:p>
-            <a:pPr marL="0" indent="0" defTabSz="320397">
-              <a:spcBef>
-                <a:spcPts val="900"/>
-              </a:spcBef>
-              <a:buSzTx/>
-              <a:buNone/>
-              <a:defRPr sz="1871">
+            <a:r>
+              <a:t>github:&lt;</a:t>
+            </a:r>
+            <a:r>
+              <a:rPr u="sng">
+                <a:solidFill>
+                  <a:srgbClr val="0000FF"/>
+                </a:solidFill>
+                <a:uFill>
+                  <a:solidFill>
+                    <a:srgbClr val="0000FF"/>
+                  </a:solidFill>
+                </a:uFill>
+                <a:hlinkClick r:id="rId4" invalidUrl="" action="" tgtFrame="" tooltip="" history="1" highlightClick="0" endSnd="0"/>
+              </a:rPr>
+              <a:t>https://github.com/braddelong/public-files/blob/master/coronavirus.pptx</a:t>
+            </a:r>
+            <a:r>
+              <a:t>&gt;</a:t>
+            </a:r>
+          </a:p>
+          <a:p>
+            <a:pPr marL="213359" indent="-213359" defTabSz="295751">
+              <a:spcBef>
+                <a:spcPts val="0"/>
+              </a:spcBef>
+              <a:defRPr sz="1152">
                 <a:latin typeface="Times New Roman"/>
                 <a:ea typeface="Times New Roman"/>
                 <a:cs typeface="Times New Roman"/>
                 <a:sym typeface="Times New Roman"/>
               </a:defRPr>
             </a:pPr>
-          </a:p>
-          <a:p>
-            <a:pPr marL="231139" indent="-231139" defTabSz="320397">
-              <a:spcBef>
-                <a:spcPts val="900"/>
-              </a:spcBef>
-              <a:defRPr sz="1871">
+            <a:r>
+              <a:rPr u="sng">
+                <a:solidFill>
+                  <a:srgbClr val="0000FF"/>
+                </a:solidFill>
+                <a:uFill>
+                  <a:solidFill>
+                    <a:srgbClr val="0000FF"/>
+                  </a:solidFill>
+                </a:uFill>
+                <a:hlinkClick r:id="rId5" invalidUrl="" action="" tgtFrame="" tooltip="" history="1" highlightClick="0" endSnd="0"/>
+              </a:rPr>
+              <a:t>https://github.com/braddelong/public-files/blob/master/coronavirus.pdf</a:t>
+            </a:r>
+            <a:r>
+              <a:t>&gt;</a:t>
+            </a:r>
+          </a:p>
+          <a:p>
+            <a:pPr marL="0" indent="0" defTabSz="295751">
+              <a:spcBef>
+                <a:spcPts val="0"/>
+              </a:spcBef>
+              <a:buSzTx/>
+              <a:buNone/>
+              <a:defRPr sz="1152">
                 <a:latin typeface="Times New Roman"/>
                 <a:ea typeface="Times New Roman"/>
                 <a:cs typeface="Times New Roman"/>
                 <a:sym typeface="Times New Roman"/>
               </a:defRPr>
             </a:pPr>
-            <a:r>
-              <a:t>&lt;</a:t>
+          </a:p>
+          <a:p>
+            <a:pPr marL="213359" indent="-213359" defTabSz="295751">
+              <a:spcBef>
+                <a:spcPts val="0"/>
+              </a:spcBef>
+              <a:defRPr sz="1152">
+                <a:latin typeface="Times New Roman"/>
+                <a:ea typeface="Times New Roman"/>
+                <a:cs typeface="Times New Roman"/>
+                <a:sym typeface="Times New Roman"/>
+              </a:defRPr>
+            </a:pPr>
+            <a:r>
+              <a:t>html File: &lt;</a:t>
             </a:r>
             <a:r>
               <a:rPr u="sng">
@@ -9217,9 +9405,90 @@
                     <a:srgbClr val="0000FF"/>
                   </a:solidFill>
                 </a:uFill>
-                <a:hlinkClick r:id="rId2" invalidUrl="" action="" tgtFrame="" tooltip="" history="1" highlightClick="0" endSnd="0"/>
+                <a:hlinkClick r:id="rId3" invalidUrl="" action="" tgtFrame="" tooltip="" history="1" highlightClick="0" endSnd="0"/>
               </a:rPr>
-              <a:t>https://www.icloud.com/keynote/0YKEi7HeOrVGvKYtt9FEqH7nA</a:t>
+              <a:t>https://www.bradford-delong.com/2020/04/coronavirus.html</a:t>
+            </a:r>
+            <a:r>
+              <a:t>&gt;</a:t>
+            </a:r>
+          </a:p>
+          <a:p>
+            <a:pPr marL="213359" indent="-213359" defTabSz="295751">
+              <a:spcBef>
+                <a:spcPts val="0"/>
+              </a:spcBef>
+              <a:defRPr sz="1152">
+                <a:latin typeface="Times New Roman"/>
+                <a:ea typeface="Times New Roman"/>
+                <a:cs typeface="Times New Roman"/>
+                <a:sym typeface="Times New Roman"/>
+              </a:defRPr>
+            </a:pPr>
+            <a:r>
+              <a:t>Edit This File: &lt;</a:t>
+            </a:r>
+            <a:r>
+              <a:rPr u="sng">
+                <a:solidFill>
+                  <a:srgbClr val="0000FF"/>
+                </a:solidFill>
+                <a:uFill>
+                  <a:solidFill>
+                    <a:srgbClr val="0000FF"/>
+                  </a:solidFill>
+                </a:uFill>
+                <a:hlinkClick r:id="rId6" invalidUrl="" action="" tgtFrame="" tooltip="" history="1" highlightClick="0" endSnd="0"/>
+              </a:rPr>
+              <a:t>https://www.typepad.com/site/blogs/6a00e551f08003883400e551f080068834/post/6a00e551f080038834025d9b3bd66a200c/edit</a:t>
+            </a:r>
+            <a:r>
+              <a:t>&gt;</a:t>
+            </a:r>
+          </a:p>
+          <a:p>
+            <a:pPr marL="0" indent="0" defTabSz="295751">
+              <a:spcBef>
+                <a:spcPts val="0"/>
+              </a:spcBef>
+              <a:buSzTx/>
+              <a:buNone/>
+              <a:defRPr sz="1152">
+                <a:latin typeface="Times New Roman"/>
+                <a:ea typeface="Times New Roman"/>
+                <a:cs typeface="Times New Roman"/>
+                <a:sym typeface="Times New Roman"/>
+              </a:defRPr>
+            </a:pPr>
+          </a:p>
+          <a:p>
+            <a:pPr marL="213359" indent="-213359" defTabSz="295751">
+              <a:spcBef>
+                <a:spcPts val="0"/>
+              </a:spcBef>
+              <a:defRPr sz="1152">
+                <a:latin typeface="Times New Roman"/>
+                <a:ea typeface="Times New Roman"/>
+                <a:cs typeface="Times New Roman"/>
+                <a:sym typeface="Times New Roman"/>
+              </a:defRPr>
+            </a:pPr>
+            <a:r>
+              <a:t>&lt;</a:t>
+            </a:r>
+            <a:r>
+              <a:rPr u="sng">
+                <a:solidFill>
+                  <a:srgbClr val="0000FF"/>
+                </a:solidFill>
+                <a:uFill>
+                  <a:solidFill>
+                    <a:srgbClr val="0000FF"/>
+                  </a:solidFill>
+                </a:uFill>
+                <a:hlinkClick r:id="rId7" invalidUrl="" action="" tgtFrame="" tooltip="" history="1" highlightClick="0" endSnd="0"/>
+              </a:rPr>
+              <a:t>https://delong.typepad.com/files/2020-04-01-coronavirus.pdf</a:t>
             </a:r>
             <a:r>
               <a:t>&gt;</a:t>
@@ -9229,14 +9498,14 @@
       </p:sp>
       <p:pic>
         <p:nvPicPr>
-          <p:cNvPr id="258" name="image1.tif" descr="image1.tif"/>
+          <p:cNvPr id="264" name="image1.tif" descr="image1.tif"/>
           <p:cNvPicPr>
             <a:picLocks noChangeAspect="1"/>
           </p:cNvPicPr>
           <p:nvPr/>
         </p:nvPicPr>
         <p:blipFill>
-          <a:blip r:embed="rId3">
+          <a:blip r:embed="rId8">
             <a:extLst/>
           </a:blip>
           <a:stretch>
@@ -9258,7 +9527,7 @@
       </p:pic>
       <p:sp>
         <p:nvSpPr>
-          <p:cNvPr id="259" name="Rectangle"/>
+          <p:cNvPr id="265" name="Rectangle"/>
           <p:cNvSpPr txBox="1"/>
           <p:nvPr/>
         </p:nvSpPr>
@@ -9322,7 +9591,7 @@
       </p:grpSpPr>
       <p:sp>
         <p:nvSpPr>
-          <p:cNvPr id="261" name="About the Course"/>
+          <p:cNvPr id="267" name="About the Course"/>
           <p:cNvSpPr txBox="1"/>
           <p:nvPr>
             <p:ph type="title" idx="4294967295"/>
@@ -9358,7 +9627,7 @@
       </p:sp>
       <p:sp>
         <p:nvSpPr>
-          <p:cNvPr id="262" name="The long 20th century will in all likelihood be seen in the future as the watershed in human experience:…"/>
+          <p:cNvPr id="268" name="The long 20th century will in all likelihood be seen in the future as the watershed in human experience:…"/>
           <p:cNvSpPr txBox="1"/>
           <p:nvPr>
             <p:ph type="body" idx="4294967295"/>
@@ -9565,7 +9834,7 @@
       </p:grpSpPr>
       <p:sp>
         <p:nvSpPr>
-          <p:cNvPr id="264" name="About the Course"/>
+          <p:cNvPr id="270" name="About the Course"/>
           <p:cNvSpPr txBox="1"/>
           <p:nvPr>
             <p:ph type="title" idx="4294967295"/>
@@ -9606,7 +9875,7 @@
       </p:sp>
       <p:sp>
         <p:nvSpPr>
-          <p:cNvPr id="265" name="The long 20th century will in all likelihood be seen in the future as the watershed in human experience:…"/>
+          <p:cNvPr id="271" name="The long 20th century will in all likelihood be seen in the future as the watershed in human experience:…"/>
           <p:cNvSpPr txBox="1"/>
           <p:nvPr>
             <p:ph type="body" sz="quarter" idx="4294967295"/>
@@ -9782,7 +10051,7 @@
       </p:sp>
       <p:pic>
         <p:nvPicPr>
-          <p:cNvPr id="266" name="Image" descr="Image"/>
+          <p:cNvPr id="272" name="Image" descr="Image"/>
           <p:cNvPicPr>
             <a:picLocks noChangeAspect="1"/>
           </p:cNvPicPr>
@@ -9811,7 +10080,7 @@
       </p:pic>
       <p:pic>
         <p:nvPicPr>
-          <p:cNvPr id="267" name="Image" descr="Image"/>
+          <p:cNvPr id="273" name="Image" descr="Image"/>
           <p:cNvPicPr>
             <a:picLocks noChangeAspect="1"/>
           </p:cNvPicPr>
@@ -9866,7 +10135,7 @@
       </p:grpSpPr>
       <p:sp>
         <p:nvSpPr>
-          <p:cNvPr id="269" name="About the Course"/>
+          <p:cNvPr id="275" name="About the Course"/>
           <p:cNvSpPr txBox="1"/>
           <p:nvPr>
             <p:ph type="title" idx="4294967295"/>
@@ -9907,7 +10176,7 @@
       </p:sp>
       <p:sp>
         <p:nvSpPr>
-          <p:cNvPr id="270" name="The long 20th century will in all likelihood be seen in the future as the watershed in human experience:…"/>
+          <p:cNvPr id="276" name="The long 20th century will in all likelihood be seen in the future as the watershed in human experience:…"/>
           <p:cNvSpPr txBox="1"/>
           <p:nvPr>
             <p:ph type="body" sz="quarter" idx="4294967295"/>
@@ -10083,7 +10352,7 @@
       </p:sp>
       <p:pic>
         <p:nvPicPr>
-          <p:cNvPr id="271" name="Image" descr="Image"/>
+          <p:cNvPr id="277" name="Image" descr="Image"/>
           <p:cNvPicPr>
             <a:picLocks noChangeAspect="1"/>
           </p:cNvPicPr>
@@ -10112,7 +10381,7 @@
       </p:pic>
       <p:pic>
         <p:nvPicPr>
-          <p:cNvPr id="272" name="Image" descr="Image"/>
+          <p:cNvPr id="278" name="Image" descr="Image"/>
           <p:cNvPicPr>
             <a:picLocks noChangeAspect="1"/>
           </p:cNvPicPr>
@@ -10167,7 +10436,7 @@
       </p:grpSpPr>
       <p:sp>
         <p:nvSpPr>
-          <p:cNvPr id="274" name="Catch Our Breath…"/>
+          <p:cNvPr id="280" name="Catch Our Breath…"/>
           <p:cNvSpPr txBox="1"/>
           <p:nvPr>
             <p:ph type="title"/>
@@ -10195,7 +10464,7 @@
       </p:sp>
       <p:sp>
         <p:nvSpPr>
-          <p:cNvPr id="275" name="Ask a couple of questions?…"/>
+          <p:cNvPr id="281" name="Ask a couple of questions?…"/>
           <p:cNvSpPr txBox="1"/>
           <p:nvPr>
             <p:ph type="body" sz="half" idx="1"/>
@@ -10224,7 +10493,7 @@
       </p:sp>
       <p:pic>
         <p:nvPicPr>
-          <p:cNvPr id="276" name="Image" descr="Image"/>
+          <p:cNvPr id="282" name="Image" descr="Image"/>
           <p:cNvPicPr>
             <a:picLocks noChangeAspect="1"/>
           </p:cNvPicPr>
@@ -10279,16 +10548,60 @@
       </p:grpSpPr>
       <p:sp>
         <p:nvSpPr>
-          <p:cNvPr id="192" name="Where we think we are, as of Mo Apr 6:…"/>
+          <p:cNvPr id="192" name="Coronavirus II"/>
           <p:cNvSpPr txBox="1"/>
           <p:nvPr>
-            <p:ph type="body" idx="4294967295"/>
+            <p:ph type="title" idx="4294967295"/>
           </p:nvPr>
         </p:nvSpPr>
         <p:spPr>
           <a:xfrm>
-            <a:off x="215900" y="190500"/>
-            <a:ext cx="8766800" cy="6362557"/>
+            <a:off x="228600" y="0"/>
+            <a:ext cx="8699500" cy="1587501"/>
+          </a:xfrm>
+          <a:prstGeom prst="rect">
+            <a:avLst/>
+          </a:prstGeom>
+        </p:spPr>
+        <p:txBody>
+          <a:bodyPr lIns="45719" tIns="45719" rIns="45719" bIns="45719"/>
+          <a:lstStyle>
+            <a:lvl1pPr defTabSz="457200">
+              <a:lnSpc>
+                <a:spcPts val="11600"/>
+              </a:lnSpc>
+              <a:defRPr sz="8000">
+                <a:solidFill>
+                  <a:srgbClr val="000080"/>
+                </a:solidFill>
+                <a:uFill>
+                  <a:solidFill>
+                    <a:srgbClr val="000000"/>
+                  </a:solidFill>
+                </a:uFill>
+              </a:defRPr>
+            </a:lvl1pPr>
+          </a:lstStyle>
+          <a:p>
+            <a:pPr/>
+            <a:r>
+              <a:t>Coronavirus II</a:t>
+            </a:r>
+          </a:p>
+        </p:txBody>
+      </p:sp>
+      <p:sp>
+        <p:nvSpPr>
+          <p:cNvPr id="193" name="We do not really know where we are, as of Mo Apr 6:…"/>
+          <p:cNvSpPr txBox="1"/>
+          <p:nvPr>
+            <p:ph type="body" sz="half" idx="4294967295"/>
+          </p:nvPr>
+        </p:nvSpPr>
+        <p:spPr>
+          <a:xfrm>
+            <a:off x="228600" y="1587500"/>
+            <a:ext cx="3216355" cy="4800010"/>
           </a:xfrm>
           <a:prstGeom prst="rect">
             <a:avLst/>
@@ -10298,16 +10611,16 @@
           <a:bodyPr lIns="45719" tIns="45719" rIns="45719" bIns="45719" anchor="t"/>
           <a:lstStyle/>
           <a:p>
-            <a:pPr marL="0" indent="0" defTabSz="370331">
+            <a:pPr marL="0" indent="0" defTabSz="214884">
               <a:lnSpc>
-                <a:spcPts val="4800"/>
+                <a:spcPts val="2800"/>
               </a:lnSpc>
               <a:spcBef>
-                <a:spcPts val="900"/>
+                <a:spcPts val="500"/>
               </a:spcBef>
               <a:buSzTx/>
               <a:buNone/>
-              <a:defRPr b="1" sz="2430">
+              <a:defRPr b="1" sz="1410">
                 <a:uFill>
                   <a:solidFill>
                     <a:srgbClr val="000000"/>
@@ -10320,20 +10633,20 @@
               </a:defRPr>
             </a:pPr>
             <a:r>
-              <a:t>Where we think we are, as of Mo Apr 6:</a:t>
-            </a:r>
-          </a:p>
-          <a:p>
-            <a:pPr marL="277748" indent="-277748" defTabSz="370331">
+              <a:t>We do not really know where we are, as of Mo Apr 6:</a:t>
+            </a:r>
+          </a:p>
+          <a:p>
+            <a:pPr marL="161162" indent="-161162" defTabSz="214884">
               <a:lnSpc>
-                <a:spcPts val="4200"/>
+                <a:spcPts val="2400"/>
               </a:lnSpc>
               <a:spcBef>
-                <a:spcPts val="900"/>
+                <a:spcPts val="500"/>
               </a:spcBef>
               <a:buSzPct val="100000"/>
               <a:buFont typeface="Arial"/>
-              <a:defRPr sz="1944">
+              <a:defRPr sz="1128">
                 <a:uFill>
                   <a:solidFill>
                     <a:srgbClr val="000000"/>
@@ -10346,20 +10659,37 @@
               </a:defRPr>
             </a:pPr>
             <a:r>
-              <a:t>We really do not  know</a:t>
-            </a:r>
-          </a:p>
-          <a:p>
-            <a:pPr marL="277748" indent="-277748" defTabSz="370331">
+              <a:t>Best thing I have read comes from Jim Stock &lt;</a:t>
+            </a:r>
+            <a:r>
+              <a:rPr u="sng">
+                <a:solidFill>
+                  <a:srgbClr val="0000FF"/>
+                </a:solidFill>
+                <a:uFill>
+                  <a:solidFill>
+                    <a:srgbClr val="0000FF"/>
+                  </a:solidFill>
+                </a:uFill>
+                <a:hlinkClick r:id="rId2" invalidUrl="" action="" tgtFrame="" tooltip="" history="1" highlightClick="0" endSnd="0"/>
+              </a:rPr>
+              <a:t>https://drive.google.com/file/d/12MV466ZZy5xHir4xdPhoTrL1oO8CbZU-/view</a:t>
+            </a:r>
+            <a:r>
+              <a:t>&gt;:</a:t>
+            </a:r>
+          </a:p>
+          <a:p>
+            <a:pPr lvl="1" marL="376046" indent="-161162" defTabSz="214884">
               <a:lnSpc>
-                <a:spcPts val="4200"/>
+                <a:spcPts val="2400"/>
               </a:lnSpc>
               <a:spcBef>
-                <a:spcPts val="900"/>
+                <a:spcPts val="500"/>
               </a:spcBef>
               <a:buSzPct val="100000"/>
               <a:buFont typeface="Arial"/>
-              <a:defRPr sz="1944">
+              <a:defRPr sz="1128">
                 <a:uFill>
                   <a:solidFill>
                     <a:srgbClr val="000000"/>
@@ -10372,20 +10702,20 @@
               </a:defRPr>
             </a:pPr>
             <a:r>
-              <a:t>No random samples…</a:t>
-            </a:r>
-          </a:p>
-          <a:p>
-            <a:pPr marL="277748" indent="-277748" defTabSz="370331">
+              <a:t>The basic SIR epidemiological model of contagion</a:t>
+            </a:r>
+          </a:p>
+          <a:p>
+            <a:pPr lvl="1" marL="376046" indent="-161162" defTabSz="214884">
               <a:lnSpc>
-                <a:spcPts val="4200"/>
+                <a:spcPts val="2400"/>
               </a:lnSpc>
               <a:spcBef>
-                <a:spcPts val="900"/>
+                <a:spcPts val="500"/>
               </a:spcBef>
               <a:buSzPct val="100000"/>
               <a:buFont typeface="Arial"/>
-              <a:defRPr sz="1944">
+              <a:defRPr sz="1128">
                 <a:uFill>
                   <a:solidFill>
                     <a:srgbClr val="000000"/>
@@ -10398,37 +10728,20 @@
               </a:defRPr>
             </a:pPr>
             <a:r>
-              <a:t>Best thing I have read comes from Jim Stock &lt;</a:t>
-            </a:r>
-            <a:r>
-              <a:rPr u="sng">
-                <a:solidFill>
-                  <a:srgbClr val="0000FF"/>
-                </a:solidFill>
-                <a:uFill>
-                  <a:solidFill>
-                    <a:srgbClr val="0000FF"/>
-                  </a:solidFill>
-                </a:uFill>
-                <a:hlinkClick r:id="rId2" invalidUrl="" action="" tgtFrame="" tooltip="" history="1" highlightClick="0" endSnd="0"/>
-              </a:rPr>
-              <a:t>https://drive.google.com/file/d/12MV466ZZy5xHir4xdPhoTrL1oO8CbZU-/view</a:t>
-            </a:r>
-            <a:r>
-              <a:t>&gt;:</a:t>
-            </a:r>
-          </a:p>
-          <a:p>
-            <a:pPr lvl="1" marL="648080" indent="-277748" defTabSz="370331">
+              <a:t>The effect of social distancing and business shutdowns on epidemic dynamics enters the model through a single parameter: the case transmission rate β</a:t>
+            </a:r>
+          </a:p>
+          <a:p>
+            <a:pPr lvl="1" marL="376046" indent="-161162" defTabSz="214884">
               <a:lnSpc>
-                <a:spcPts val="4200"/>
+                <a:spcPts val="2400"/>
               </a:lnSpc>
               <a:spcBef>
-                <a:spcPts val="900"/>
+                <a:spcPts val="500"/>
               </a:spcBef>
               <a:buSzPct val="100000"/>
               <a:buFont typeface="Arial"/>
-              <a:defRPr sz="1944">
+              <a:defRPr sz="1128">
                 <a:uFill>
                   <a:solidFill>
                     <a:srgbClr val="000000"/>
@@ -10441,20 +10754,20 @@
               </a:defRPr>
             </a:pPr>
             <a:r>
-              <a:t>The basic SIR epidemiological model of contagion</a:t>
-            </a:r>
-          </a:p>
-          <a:p>
-            <a:pPr lvl="1" marL="648080" indent="-277748" defTabSz="370331">
+              <a:t>Re-express the model in terms of β and the asymptomatic (or not very symptomatic) hence non-tested rate—the fraction of the infected who are not tested</a:t>
+            </a:r>
+          </a:p>
+          <a:p>
+            <a:pPr lvl="1" marL="376046" indent="-161162" defTabSz="214884">
               <a:lnSpc>
-                <a:spcPts val="4200"/>
+                <a:spcPts val="2400"/>
               </a:lnSpc>
               <a:spcBef>
-                <a:spcPts val="900"/>
+                <a:spcPts val="500"/>
               </a:spcBef>
               <a:buSzPct val="100000"/>
               <a:buFont typeface="Arial"/>
-              <a:defRPr sz="1944">
+              <a:defRPr sz="1128">
                 <a:uFill>
                   <a:solidFill>
                     <a:srgbClr val="000000"/>
@@ -10467,20 +10780,20 @@
               </a:defRPr>
             </a:pPr>
             <a:r>
-              <a:t>The effect of social distancing and business shutdowns on epidemic dynamics enters the model through a single parameter: the case transmission rate β</a:t>
-            </a:r>
-          </a:p>
-          <a:p>
-            <a:pPr lvl="1" marL="648080" indent="-277748" defTabSz="370331">
+              <a:t>The COVID-19 non-testing rate is unidentified in our model </a:t>
+            </a:r>
+          </a:p>
+          <a:p>
+            <a:pPr lvl="1" marL="376046" indent="-161162" defTabSz="214884">
               <a:lnSpc>
-                <a:spcPts val="4200"/>
+                <a:spcPts val="2400"/>
               </a:lnSpc>
               <a:spcBef>
-                <a:spcPts val="900"/>
+                <a:spcPts val="500"/>
               </a:spcBef>
               <a:buSzPct val="100000"/>
               <a:buFont typeface="Arial"/>
-              <a:defRPr sz="1944">
+              <a:defRPr sz="1128">
                 <a:uFill>
                   <a:solidFill>
                     <a:srgbClr val="000000"/>
@@ -10493,20 +10806,20 @@
               </a:defRPr>
             </a:pPr>
             <a:r>
-              <a:t>Re-express the model in terms of β and the asymptomatic (or not very symptomatic) hence non-tested rate—the fraction of the infected who are not tested</a:t>
-            </a:r>
-          </a:p>
-          <a:p>
-            <a:pPr lvl="1" marL="648080" indent="-277748" defTabSz="370331">
+              <a:t>Estimates in the epidemiological literature range from 0.18 to 0.86. </a:t>
+            </a:r>
+          </a:p>
+          <a:p>
+            <a:pPr lvl="2" marL="590930" indent="-161162" defTabSz="214884">
               <a:lnSpc>
-                <a:spcPts val="4200"/>
+                <a:spcPts val="2400"/>
               </a:lnSpc>
               <a:spcBef>
-                <a:spcPts val="900"/>
+                <a:spcPts val="500"/>
               </a:spcBef>
               <a:buSzPct val="100000"/>
               <a:buFont typeface="Arial"/>
-              <a:defRPr sz="1944">
+              <a:defRPr sz="1128">
                 <a:uFill>
                   <a:solidFill>
                     <a:srgbClr val="000000"/>
@@ -10519,20 +10832,20 @@
               </a:defRPr>
             </a:pPr>
             <a:r>
-              <a:t>The COVID-19 non-testing rate is unidentified in our model </a:t>
-            </a:r>
-          </a:p>
-          <a:p>
-            <a:pPr lvl="1" marL="648080" indent="-277748" defTabSz="370331">
+              <a:t>The asymptomatic rate could be estimated accurately and quickly by testing a random sample</a:t>
+            </a:r>
+          </a:p>
+          <a:p>
+            <a:pPr marL="161162" indent="-161162" defTabSz="214884">
               <a:lnSpc>
-                <a:spcPts val="4200"/>
+                <a:spcPts val="2400"/>
               </a:lnSpc>
               <a:spcBef>
-                <a:spcPts val="900"/>
+                <a:spcPts val="500"/>
               </a:spcBef>
               <a:buSzPct val="100000"/>
               <a:buFont typeface="Arial"/>
-              <a:defRPr sz="1944">
+              <a:defRPr sz="1128">
                 <a:uFill>
                   <a:solidFill>
                     <a:srgbClr val="000000"/>
@@ -10545,63 +10858,156 @@
               </a:defRPr>
             </a:pPr>
             <a:r>
-              <a:t>Estimates in the epidemiological literature range from 0.18 to 0.86. </a:t>
-            </a:r>
-          </a:p>
-          <a:p>
-            <a:pPr lvl="2" marL="1018412" indent="-277748" defTabSz="370331">
-              <a:lnSpc>
-                <a:spcPts val="4200"/>
-              </a:lnSpc>
-              <a:spcBef>
-                <a:spcPts val="900"/>
-              </a:spcBef>
-              <a:buSzPct val="100000"/>
-              <a:buFont typeface="Arial"/>
-              <a:defRPr sz="1944">
-                <a:uFill>
-                  <a:solidFill>
-                    <a:srgbClr val="000000"/>
-                  </a:solidFill>
-                </a:uFill>
-                <a:latin typeface="Times New Roman"/>
-                <a:ea typeface="Times New Roman"/>
-                <a:cs typeface="Times New Roman"/>
-                <a:sym typeface="Times New Roman"/>
-              </a:defRPr>
-            </a:pPr>
-            <a:r>
-              <a:t>The asymptomatic rate could be estimated accurately and quickly by testing a random sample</a:t>
-            </a:r>
-          </a:p>
-          <a:p>
-            <a:pPr marL="277748" indent="-277748" defTabSz="370331">
-              <a:lnSpc>
-                <a:spcPts val="4200"/>
-              </a:lnSpc>
-              <a:spcBef>
-                <a:spcPts val="900"/>
-              </a:spcBef>
-              <a:buSzPct val="100000"/>
-              <a:buFont typeface="Arial"/>
-              <a:defRPr sz="1944">
-                <a:uFill>
-                  <a:solidFill>
-                    <a:srgbClr val="000000"/>
-                  </a:solidFill>
-                </a:uFill>
-                <a:latin typeface="Times New Roman"/>
-                <a:ea typeface="Times New Roman"/>
-                <a:cs typeface="Times New Roman"/>
-                <a:sym typeface="Times New Roman"/>
-              </a:defRPr>
-            </a:pPr>
-            <a:r>
               <a:t>The optimal policy response and its economic consequences hinge critically on the asymptomatic rate</a:t>
             </a:r>
           </a:p>
         </p:txBody>
       </p:sp>
+      <p:pic>
+        <p:nvPicPr>
+          <p:cNvPr id="194" name="Image" descr="Image"/>
+          <p:cNvPicPr>
+            <a:picLocks noChangeAspect="1"/>
+          </p:cNvPicPr>
+          <p:nvPr/>
+        </p:nvPicPr>
+        <p:blipFill>
+          <a:blip r:embed="rId3">
+            <a:extLst/>
+          </a:blip>
+          <a:stretch>
+            <a:fillRect/>
+          </a:stretch>
+        </p:blipFill>
+        <p:spPr>
+          <a:xfrm>
+            <a:off x="3444954" y="1587500"/>
+            <a:ext cx="5465734" cy="2602730"/>
+          </a:xfrm>
+          <a:prstGeom prst="rect">
+            <a:avLst/>
+          </a:prstGeom>
+          <a:ln w="12700">
+            <a:miter lim="400000"/>
+          </a:ln>
+        </p:spPr>
+      </p:pic>
+      <p:pic>
+        <p:nvPicPr>
+          <p:cNvPr id="195" name="Image" descr="Image"/>
+          <p:cNvPicPr>
+            <a:picLocks noChangeAspect="1"/>
+          </p:cNvPicPr>
+          <p:nvPr/>
+        </p:nvPicPr>
+        <p:blipFill>
+          <a:blip r:embed="rId4">
+            <a:extLst/>
+          </a:blip>
+          <a:stretch>
+            <a:fillRect/>
+          </a:stretch>
+        </p:blipFill>
+        <p:spPr>
+          <a:xfrm>
+            <a:off x="3444954" y="4190229"/>
+            <a:ext cx="1925285" cy="2483251"/>
+          </a:xfrm>
+          <a:prstGeom prst="rect">
+            <a:avLst/>
+          </a:prstGeom>
+          <a:ln w="12700">
+            <a:miter lim="400000"/>
+          </a:ln>
+        </p:spPr>
+      </p:pic>
+      <p:pic>
+        <p:nvPicPr>
+          <p:cNvPr id="196" name="Image" descr="Image"/>
+          <p:cNvPicPr>
+            <a:picLocks noChangeAspect="1"/>
+          </p:cNvPicPr>
+          <p:nvPr/>
+        </p:nvPicPr>
+        <p:blipFill>
+          <a:blip r:embed="rId5">
+            <a:extLst/>
+          </a:blip>
+          <a:stretch>
+            <a:fillRect/>
+          </a:stretch>
+        </p:blipFill>
+        <p:spPr>
+          <a:xfrm>
+            <a:off x="5370238" y="4190229"/>
+            <a:ext cx="1761053" cy="2483251"/>
+          </a:xfrm>
+          <a:prstGeom prst="rect">
+            <a:avLst/>
+          </a:prstGeom>
+          <a:ln w="12700">
+            <a:miter lim="400000"/>
+          </a:ln>
+        </p:spPr>
+      </p:pic>
+      <p:pic>
+        <p:nvPicPr>
+          <p:cNvPr id="197" name="Image" descr="Image"/>
+          <p:cNvPicPr>
+            <a:picLocks noChangeAspect="1"/>
+          </p:cNvPicPr>
+          <p:nvPr/>
+        </p:nvPicPr>
+        <p:blipFill>
+          <a:blip r:embed="rId6">
+            <a:extLst/>
+          </a:blip>
+          <a:stretch>
+            <a:fillRect/>
+          </a:stretch>
+        </p:blipFill>
+        <p:spPr>
+          <a:xfrm>
+            <a:off x="7131290" y="4190229"/>
+            <a:ext cx="565336" cy="2483251"/>
+          </a:xfrm>
+          <a:prstGeom prst="rect">
+            <a:avLst/>
+          </a:prstGeom>
+          <a:ln w="12700">
+            <a:miter lim="400000"/>
+          </a:ln>
+        </p:spPr>
+      </p:pic>
+      <p:pic>
+        <p:nvPicPr>
+          <p:cNvPr id="198" name="Image" descr="Image"/>
+          <p:cNvPicPr>
+            <a:picLocks noChangeAspect="1"/>
+          </p:cNvPicPr>
+          <p:nvPr/>
+        </p:nvPicPr>
+        <p:blipFill>
+          <a:blip r:embed="rId7">
+            <a:extLst/>
+          </a:blip>
+          <a:stretch>
+            <a:fillRect/>
+          </a:stretch>
+        </p:blipFill>
+        <p:spPr>
+          <a:xfrm>
+            <a:off x="7696625" y="4190229"/>
+            <a:ext cx="878026" cy="2483251"/>
+          </a:xfrm>
+          <a:prstGeom prst="rect">
+            <a:avLst/>
+          </a:prstGeom>
+          <a:ln w="12700">
+            <a:miter lim="400000"/>
+          </a:ln>
+        </p:spPr>
+      </p:pic>
     </p:spTree>
   </p:cSld>
   <p:clrMapOvr>
@@ -10630,7 +11036,7 @@
       </p:grpSpPr>
       <p:pic>
         <p:nvPicPr>
-          <p:cNvPr id="194" name="Image" descr="Image"/>
+          <p:cNvPr id="200" name="Image" descr="Image"/>
           <p:cNvPicPr>
             <a:picLocks noChangeAspect="1"/>
           </p:cNvPicPr>
@@ -10685,7 +11091,7 @@
       </p:grpSpPr>
       <p:pic>
         <p:nvPicPr>
-          <p:cNvPr id="196" name="Image" descr="Image"/>
+          <p:cNvPr id="202" name="Image" descr="Image"/>
           <p:cNvPicPr>
             <a:picLocks noChangeAspect="1"/>
           </p:cNvPicPr>
@@ -10714,7 +11120,7 @@
       </p:pic>
       <p:pic>
         <p:nvPicPr>
-          <p:cNvPr id="197" name="Image" descr="Image"/>
+          <p:cNvPr id="203" name="Image" descr="Image"/>
           <p:cNvPicPr>
             <a:picLocks noChangeAspect="1"/>
           </p:cNvPicPr>
@@ -10769,7 +11175,7 @@
       </p:grpSpPr>
       <p:pic>
         <p:nvPicPr>
-          <p:cNvPr id="199" name="Image" descr="Image"/>
+          <p:cNvPr id="205" name="Image" descr="Image"/>
           <p:cNvPicPr>
             <a:picLocks noChangeAspect="1"/>
           </p:cNvPicPr>
@@ -10798,7 +11204,7 @@
       </p:pic>
       <p:pic>
         <p:nvPicPr>
-          <p:cNvPr id="200" name="Image" descr="Image"/>
+          <p:cNvPr id="206" name="Image" descr="Image"/>
           <p:cNvPicPr>
             <a:picLocks noChangeAspect="1"/>
           </p:cNvPicPr>
@@ -10853,7 +11259,7 @@
       </p:grpSpPr>
       <p:sp>
         <p:nvSpPr>
-          <p:cNvPr id="202" name="Financial Times Graphs Blown Up…"/>
+          <p:cNvPr id="208" name="Financial Times Graphs Blown Up…"/>
           <p:cNvSpPr txBox="1"/>
           <p:nvPr>
             <p:ph type="title" idx="4294967295"/>
@@ -10897,7 +11303,7 @@
       </p:sp>
       <p:pic>
         <p:nvPicPr>
-          <p:cNvPr id="203" name="Image" descr="Image"/>
+          <p:cNvPr id="209" name="Image" descr="Image"/>
           <p:cNvPicPr>
             <a:picLocks noChangeAspect="1"/>
           </p:cNvPicPr>
@@ -10913,8 +11319,8 @@
         </p:blipFill>
         <p:spPr>
           <a:xfrm>
-            <a:off x="144710" y="2320734"/>
-            <a:ext cx="6380518" cy="4423348"/>
+            <a:off x="144710" y="3679989"/>
+            <a:ext cx="4419843" cy="3064093"/>
           </a:xfrm>
           <a:prstGeom prst="rect">
             <a:avLst/>
@@ -10926,7 +11332,7 @@
       </p:pic>
       <p:pic>
         <p:nvPicPr>
-          <p:cNvPr id="204" name="Image" descr="Image"/>
+          <p:cNvPr id="210" name="Image" descr="Image"/>
           <p:cNvPicPr>
             <a:picLocks noChangeAspect="1"/>
           </p:cNvPicPr>
@@ -10942,8 +11348,8 @@
         </p:blipFill>
         <p:spPr>
           <a:xfrm>
-            <a:off x="2572983" y="2381091"/>
-            <a:ext cx="6380517" cy="4362991"/>
+            <a:off x="4802645" y="3905731"/>
+            <a:ext cx="4150855" cy="2838351"/>
           </a:xfrm>
           <a:prstGeom prst="rect">
             <a:avLst/>
@@ -10955,7 +11361,7 @@
       </p:pic>
       <p:pic>
         <p:nvPicPr>
-          <p:cNvPr id="205" name="Image" descr="Image"/>
+          <p:cNvPr id="211" name="Image" descr="Image"/>
           <p:cNvPicPr>
             <a:picLocks noChangeAspect="1"/>
           </p:cNvPicPr>
@@ -10971,8 +11377,8 @@
         </p:blipFill>
         <p:spPr>
           <a:xfrm>
-            <a:off x="1334631" y="1587500"/>
-            <a:ext cx="6269782" cy="4762216"/>
+            <a:off x="2374372" y="1587500"/>
+            <a:ext cx="4150856" cy="3152784"/>
           </a:xfrm>
           <a:prstGeom prst="rect">
             <a:avLst/>
@@ -11010,7 +11416,7 @@
       </p:grpSpPr>
       <p:pic>
         <p:nvPicPr>
-          <p:cNvPr id="207" name="Image" descr="Image"/>
+          <p:cNvPr id="213" name="Image" descr="Image"/>
           <p:cNvPicPr>
             <a:picLocks noChangeAspect="1"/>
           </p:cNvPicPr>
@@ -11065,7 +11471,7 @@
       </p:grpSpPr>
       <p:pic>
         <p:nvPicPr>
-          <p:cNvPr id="209" name="Image" descr="Image"/>
+          <p:cNvPr id="215" name="Image" descr="Image"/>
           <p:cNvPicPr>
             <a:picLocks noChangeAspect="1"/>
           </p:cNvPicPr>
